--- a/presentation/1895955_1884561.pptx
+++ b/presentation/1895955_1884561.pptx
@@ -5,10 +5,10 @@
     <p:sldMasterId id="2147483678" r:id="rId1"/>
   </p:sldMasterIdLst>
   <p:notesMasterIdLst>
-    <p:notesMasterId r:id="rId34"/>
+    <p:notesMasterId r:id="rId33"/>
   </p:notesMasterIdLst>
   <p:handoutMasterIdLst>
-    <p:handoutMasterId r:id="rId35"/>
+    <p:handoutMasterId r:id="rId34"/>
   </p:handoutMasterIdLst>
   <p:sldIdLst>
     <p:sldId id="274" r:id="rId2"/>
@@ -29,20 +29,19 @@
     <p:sldId id="338" r:id="rId17"/>
     <p:sldId id="339" r:id="rId18"/>
     <p:sldId id="340" r:id="rId19"/>
-    <p:sldId id="341" r:id="rId20"/>
-    <p:sldId id="320" r:id="rId21"/>
-    <p:sldId id="321" r:id="rId22"/>
-    <p:sldId id="342" r:id="rId23"/>
-    <p:sldId id="324" r:id="rId24"/>
-    <p:sldId id="343" r:id="rId25"/>
-    <p:sldId id="325" r:id="rId26"/>
-    <p:sldId id="344" r:id="rId27"/>
-    <p:sldId id="345" r:id="rId28"/>
-    <p:sldId id="328" r:id="rId29"/>
-    <p:sldId id="346" r:id="rId30"/>
-    <p:sldId id="347" r:id="rId31"/>
-    <p:sldId id="333" r:id="rId32"/>
-    <p:sldId id="305" r:id="rId33"/>
+    <p:sldId id="320" r:id="rId20"/>
+    <p:sldId id="321" r:id="rId21"/>
+    <p:sldId id="342" r:id="rId22"/>
+    <p:sldId id="324" r:id="rId23"/>
+    <p:sldId id="343" r:id="rId24"/>
+    <p:sldId id="325" r:id="rId25"/>
+    <p:sldId id="344" r:id="rId26"/>
+    <p:sldId id="345" r:id="rId27"/>
+    <p:sldId id="328" r:id="rId28"/>
+    <p:sldId id="346" r:id="rId29"/>
+    <p:sldId id="347" r:id="rId30"/>
+    <p:sldId id="333" r:id="rId31"/>
+    <p:sldId id="305" r:id="rId32"/>
   </p:sldIdLst>
   <p:sldSz cx="9144000" cy="6858000" type="screen4x3"/>
   <p:notesSz cx="6858000" cy="9144000"/>
@@ -1004,6 +1003,1095 @@
           <a:bodyPr/>
           <a:lstStyle/>
           <a:p>
+            <a:r>
+              <a:rPr lang="en-US" dirty="0" err="1"/>
+              <a:t>Espandere</a:t>
+            </a:r>
+            <a:r>
+              <a:rPr lang="en-US" dirty="0"/>
+              <a:t> </a:t>
+            </a:r>
+            <a:r>
+              <a:rPr lang="en-US" dirty="0" err="1"/>
+              <a:t>parte</a:t>
+            </a:r>
+            <a:r>
+              <a:rPr lang="en-US" dirty="0"/>
+              <a:t> </a:t>
+            </a:r>
+            <a:r>
+              <a:rPr lang="en-US" dirty="0" err="1"/>
+              <a:t>teorica</a:t>
+            </a:r>
+            <a:r>
+              <a:rPr lang="en-US" dirty="0"/>
+              <a:t> + </a:t>
+            </a:r>
+            <a:r>
+              <a:rPr lang="en-US" dirty="0" err="1"/>
+              <a:t>aggiungere</a:t>
+            </a:r>
+            <a:r>
+              <a:rPr lang="en-US" dirty="0"/>
+              <a:t> il </a:t>
+            </a:r>
+            <a:r>
+              <a:rPr lang="en-US" dirty="0" err="1"/>
+              <a:t>controllore</a:t>
+            </a:r>
+            <a:r>
+              <a:rPr lang="en-US" dirty="0"/>
+              <a:t> PD per il </a:t>
+            </a:r>
+            <a:r>
+              <a:rPr lang="en-US" dirty="0" err="1"/>
+              <a:t>caso</a:t>
+            </a:r>
+            <a:r>
+              <a:rPr lang="en-US" dirty="0"/>
+              <a:t> </a:t>
+            </a:r>
+            <a:r>
+              <a:rPr lang="en-US" dirty="0" err="1"/>
+              <a:t>rigido</a:t>
+            </a:r>
+            <a:r>
+              <a:rPr lang="en-US" dirty="0"/>
+              <a:t> + focus </a:t>
+            </a:r>
+            <a:r>
+              <a:rPr lang="en-US" dirty="0" err="1"/>
+              <a:t>su</a:t>
+            </a:r>
+            <a:r>
+              <a:rPr lang="en-US" dirty="0"/>
+              <a:t> </a:t>
+            </a:r>
+            <a:r>
+              <a:rPr lang="en-US" dirty="0" err="1"/>
+              <a:t>una</a:t>
+            </a:r>
+            <a:r>
+              <a:rPr lang="en-US" dirty="0"/>
+              <a:t> </a:t>
+            </a:r>
+            <a:r>
+              <a:rPr lang="en-US" dirty="0" err="1"/>
+              <a:t>traiettoria</a:t>
+            </a:r>
+            <a:r>
+              <a:rPr lang="en-US" dirty="0"/>
+              <a:t> (</a:t>
+            </a:r>
+            <a:r>
+              <a:rPr lang="en-US" dirty="0" err="1"/>
+              <a:t>grafici</a:t>
+            </a:r>
+            <a:r>
+              <a:rPr lang="en-US" dirty="0"/>
+              <a:t> + </a:t>
+            </a:r>
+            <a:r>
+              <a:rPr lang="en-US" dirty="0" err="1"/>
+              <a:t>rmse</a:t>
+            </a:r>
+            <a:r>
+              <a:rPr lang="en-US" dirty="0"/>
+              <a:t>) + se </a:t>
+            </a:r>
+            <a:r>
+              <a:rPr lang="en-US" dirty="0" err="1"/>
+              <a:t>controllore</a:t>
+            </a:r>
+            <a:r>
+              <a:rPr lang="en-US" dirty="0"/>
+              <a:t>, </a:t>
+            </a:r>
+            <a:r>
+              <a:rPr lang="en-US" dirty="0" err="1"/>
+              <a:t>rimuovi</a:t>
+            </a:r>
+            <a:r>
+              <a:rPr lang="en-US" dirty="0"/>
+              <a:t> 2 </a:t>
+            </a:r>
+            <a:r>
+              <a:rPr lang="en-US" dirty="0" err="1"/>
+              <a:t>simuòlazioni</a:t>
+            </a:r>
+            <a:r>
+              <a:rPr lang="en-US" dirty="0"/>
+              <a:t> del </a:t>
+            </a:r>
+            <a:r>
+              <a:rPr lang="en-US" dirty="0" err="1"/>
+              <a:t>caso</a:t>
+            </a:r>
+            <a:r>
+              <a:rPr lang="en-US" dirty="0"/>
+              <a:t> </a:t>
+            </a:r>
+            <a:r>
+              <a:rPr lang="en-US" dirty="0" err="1"/>
+              <a:t>rigido</a:t>
+            </a:r>
+            <a:endParaRPr lang="en-US" dirty="0"/>
+          </a:p>
+        </p:txBody>
+      </p:sp>
+      <p:sp>
+        <p:nvSpPr>
+          <p:cNvPr id="4" name="Segnaposto numero diapositiva 3"/>
+          <p:cNvSpPr>
+            <a:spLocks noGrp="1"/>
+          </p:cNvSpPr>
+          <p:nvPr>
+            <p:ph type="sldNum" sz="quarter" idx="5"/>
+          </p:nvPr>
+        </p:nvSpPr>
+        <p:spPr/>
+        <p:txBody>
+          <a:bodyPr/>
+          <a:lstStyle/>
+          <a:p>
+            <a:pPr>
+              <a:defRPr/>
+            </a:pPr>
+            <a:fld id="{85CEF955-4F42-4C91-BE5A-4F8E7E1A99DB}" type="slidenum">
+              <a:rPr lang="it-IT" altLang="it-IT" smtClean="0"/>
+              <a:pPr>
+                <a:defRPr/>
+              </a:pPr>
+              <a:t>2</a:t>
+            </a:fld>
+            <a:endParaRPr lang="it-IT" altLang="it-IT"/>
+          </a:p>
+        </p:txBody>
+      </p:sp>
+    </p:spTree>
+    <p:extLst>
+      <p:ext uri="{BB962C8B-B14F-4D97-AF65-F5344CB8AC3E}">
+        <p14:creationId xmlns:p14="http://schemas.microsoft.com/office/powerpoint/2010/main" val="2186902983"/>
+      </p:ext>
+    </p:extLst>
+  </p:cSld>
+  <p:clrMapOvr>
+    <a:masterClrMapping/>
+  </p:clrMapOvr>
+</p:notes>
+</file>
+
+<file path=ppt/notesSlides/notesSlide2.xml><?xml version="1.0" encoding="utf-8"?>
+<p:notes xmlns:a="http://schemas.openxmlformats.org/drawingml/2006/main" xmlns:r="http://schemas.openxmlformats.org/officeDocument/2006/relationships" xmlns:p="http://schemas.openxmlformats.org/presentationml/2006/main">
+  <p:cSld>
+    <p:spTree>
+      <p:nvGrpSpPr>
+        <p:cNvPr id="1" name=""/>
+        <p:cNvGrpSpPr/>
+        <p:nvPr/>
+      </p:nvGrpSpPr>
+      <p:grpSpPr>
+        <a:xfrm>
+          <a:off x="0" y="0"/>
+          <a:ext cx="0" cy="0"/>
+          <a:chOff x="0" y="0"/>
+          <a:chExt cx="0" cy="0"/>
+        </a:xfrm>
+      </p:grpSpPr>
+      <p:sp>
+        <p:nvSpPr>
+          <p:cNvPr id="2" name="Segnaposto immagine diapositiva 1"/>
+          <p:cNvSpPr>
+            <a:spLocks noGrp="1" noRot="1" noChangeAspect="1"/>
+          </p:cNvSpPr>
+          <p:nvPr>
+            <p:ph type="sldImg"/>
+          </p:nvPr>
+        </p:nvSpPr>
+        <p:spPr/>
+      </p:sp>
+      <p:sp>
+        <p:nvSpPr>
+          <p:cNvPr id="3" name="Segnaposto note 2"/>
+          <p:cNvSpPr>
+            <a:spLocks noGrp="1"/>
+          </p:cNvSpPr>
+          <p:nvPr>
+            <p:ph type="body" idx="1"/>
+          </p:nvPr>
+        </p:nvSpPr>
+        <p:spPr/>
+        <p:txBody>
+          <a:bodyPr/>
+          <a:lstStyle/>
+          <a:p>
+            <a:r>
+              <a:rPr lang="en-US" dirty="0" err="1"/>
+              <a:t>Espandere</a:t>
+            </a:r>
+            <a:r>
+              <a:rPr lang="en-US" dirty="0"/>
+              <a:t>, alternative approach è </a:t>
+            </a:r>
+            <a:r>
+              <a:rPr lang="en-US" dirty="0" err="1"/>
+              <a:t>apprendere</a:t>
+            </a:r>
+            <a:r>
+              <a:rPr lang="en-US" dirty="0"/>
+              <a:t> la </a:t>
+            </a:r>
+            <a:r>
+              <a:rPr lang="en-US" dirty="0" err="1"/>
+              <a:t>lagrangiana</a:t>
+            </a:r>
+            <a:r>
+              <a:rPr lang="en-US" dirty="0"/>
+              <a:t> e la </a:t>
+            </a:r>
+            <a:r>
+              <a:rPr lang="en-US" dirty="0" err="1"/>
+              <a:t>imparo</a:t>
+            </a:r>
+            <a:r>
+              <a:rPr lang="en-US" dirty="0"/>
+              <a:t> -&gt; non nota L, la </a:t>
+            </a:r>
+            <a:r>
+              <a:rPr lang="en-US" dirty="0" err="1"/>
+              <a:t>imparo</a:t>
+            </a:r>
+            <a:r>
+              <a:rPr lang="en-US" dirty="0"/>
+              <a:t> (</a:t>
+            </a:r>
+            <a:r>
+              <a:rPr lang="en-US" dirty="0" err="1"/>
+              <a:t>cosi</a:t>
+            </a:r>
+            <a:r>
+              <a:rPr lang="en-US" dirty="0"/>
+              <a:t> so </a:t>
+            </a:r>
+            <a:r>
+              <a:rPr lang="en-US" dirty="0" err="1"/>
+              <a:t>stutto</a:t>
+            </a:r>
+            <a:r>
+              <a:rPr lang="en-US" dirty="0"/>
+              <a:t> </a:t>
+            </a:r>
+            <a:r>
+              <a:rPr lang="en-US" dirty="0" err="1"/>
+              <a:t>sul</a:t>
+            </a:r>
+            <a:r>
+              <a:rPr lang="en-US" dirty="0"/>
+              <a:t> Sistema), come la </a:t>
+            </a:r>
+            <a:r>
+              <a:rPr lang="en-US" dirty="0" err="1"/>
+              <a:t>imparo</a:t>
+            </a:r>
+            <a:r>
+              <a:rPr lang="en-US" dirty="0"/>
+              <a:t>? Non la </a:t>
+            </a:r>
+            <a:r>
+              <a:rPr lang="en-US" dirty="0" err="1"/>
+              <a:t>posso</a:t>
+            </a:r>
+            <a:r>
+              <a:rPr lang="en-US" dirty="0"/>
+              <a:t> </a:t>
+            </a:r>
+            <a:r>
+              <a:rPr lang="en-US" dirty="0" err="1"/>
+              <a:t>misurare</a:t>
+            </a:r>
+            <a:r>
+              <a:rPr lang="en-US" dirty="0"/>
+              <a:t>, </a:t>
+            </a:r>
+            <a:r>
+              <a:rPr lang="en-US" dirty="0" err="1"/>
+              <a:t>allora</a:t>
+            </a:r>
+            <a:r>
+              <a:rPr lang="en-US" dirty="0"/>
+              <a:t> </a:t>
+            </a:r>
+            <a:r>
+              <a:rPr lang="en-US" dirty="0" err="1"/>
+              <a:t>sfrutto</a:t>
+            </a:r>
+            <a:r>
+              <a:rPr lang="en-US" dirty="0"/>
+              <a:t> il </a:t>
+            </a:r>
+            <a:r>
+              <a:rPr lang="en-US" dirty="0" err="1"/>
+              <a:t>fatto</a:t>
+            </a:r>
+            <a:r>
+              <a:rPr lang="en-US" dirty="0"/>
+              <a:t> </a:t>
+            </a:r>
+            <a:r>
+              <a:rPr lang="en-US" dirty="0" err="1"/>
+              <a:t>che</a:t>
+            </a:r>
+            <a:r>
+              <a:rPr lang="en-US" dirty="0"/>
+              <a:t> </a:t>
+            </a:r>
+            <a:r>
+              <a:rPr lang="en-US" dirty="0" err="1"/>
+              <a:t>posso</a:t>
+            </a:r>
+            <a:r>
+              <a:rPr lang="en-US" dirty="0"/>
+              <a:t> </a:t>
+            </a:r>
+            <a:r>
+              <a:rPr lang="en-US" dirty="0" err="1"/>
+              <a:t>misurare</a:t>
+            </a:r>
+            <a:r>
+              <a:rPr lang="en-US" dirty="0"/>
+              <a:t> </a:t>
+            </a:r>
+            <a:r>
+              <a:rPr lang="en-US" dirty="0" err="1"/>
+              <a:t>l’accelerazione</a:t>
+            </a:r>
+            <a:r>
+              <a:rPr lang="en-US" dirty="0"/>
+              <a:t> </a:t>
+            </a:r>
+            <a:r>
+              <a:rPr lang="en-US" dirty="0" err="1"/>
+              <a:t>oppire</a:t>
+            </a:r>
+            <a:r>
+              <a:rPr lang="en-US" dirty="0"/>
+              <a:t> </a:t>
+            </a:r>
+            <a:r>
+              <a:rPr lang="en-US" dirty="0" err="1"/>
+              <a:t>posizione</a:t>
+            </a:r>
+            <a:r>
+              <a:rPr lang="en-US" dirty="0"/>
+              <a:t> </a:t>
+            </a:r>
+            <a:r>
+              <a:rPr lang="en-US" dirty="0" err="1"/>
+              <a:t>evelocità</a:t>
+            </a:r>
+            <a:r>
+              <a:rPr lang="en-US" dirty="0"/>
+              <a:t> e </a:t>
+            </a:r>
+            <a:r>
+              <a:rPr lang="en-US" dirty="0" err="1"/>
+              <a:t>quindi</a:t>
+            </a:r>
+            <a:r>
+              <a:rPr lang="en-US" dirty="0"/>
+              <a:t> </a:t>
+            </a:r>
+            <a:r>
+              <a:rPr lang="en-US" dirty="0" err="1"/>
+              <a:t>sfruttando</a:t>
+            </a:r>
+            <a:r>
+              <a:rPr lang="en-US" dirty="0"/>
+              <a:t> </a:t>
+            </a:r>
+            <a:r>
+              <a:rPr lang="en-US" dirty="0" err="1"/>
+              <a:t>l’automatic</a:t>
+            </a:r>
+            <a:r>
+              <a:rPr lang="en-US" dirty="0"/>
+              <a:t> differentiation data </a:t>
+            </a:r>
+            <a:r>
+              <a:rPr lang="en-US" dirty="0" err="1"/>
+              <a:t>una</a:t>
+            </a:r>
+            <a:r>
+              <a:rPr lang="en-US" dirty="0"/>
+              <a:t> L </a:t>
+            </a:r>
+            <a:r>
+              <a:rPr lang="en-US" dirty="0" err="1"/>
+              <a:t>qualsisasi</a:t>
+            </a:r>
+            <a:r>
+              <a:rPr lang="en-US" dirty="0"/>
+              <a:t> get the q dot </a:t>
+            </a:r>
+            <a:r>
+              <a:rPr lang="en-US" dirty="0" err="1"/>
+              <a:t>dot</a:t>
+            </a:r>
+            <a:r>
+              <a:rPr lang="en-US" dirty="0"/>
+              <a:t>, </a:t>
+            </a:r>
+            <a:r>
+              <a:rPr lang="en-US" dirty="0" err="1"/>
+              <a:t>che</a:t>
+            </a:r>
+            <a:r>
+              <a:rPr lang="en-US" dirty="0"/>
+              <a:t> poi </a:t>
+            </a:r>
+            <a:r>
+              <a:rPr lang="en-US"/>
+              <a:t>integro</a:t>
+            </a:r>
+            <a:endParaRPr lang="en-US" dirty="0"/>
+          </a:p>
+        </p:txBody>
+      </p:sp>
+      <p:sp>
+        <p:nvSpPr>
+          <p:cNvPr id="4" name="Segnaposto numero diapositiva 3"/>
+          <p:cNvSpPr>
+            <a:spLocks noGrp="1"/>
+          </p:cNvSpPr>
+          <p:nvPr>
+            <p:ph type="sldNum" sz="quarter" idx="5"/>
+          </p:nvPr>
+        </p:nvSpPr>
+        <p:spPr/>
+        <p:txBody>
+          <a:bodyPr/>
+          <a:lstStyle/>
+          <a:p>
+            <a:pPr>
+              <a:defRPr/>
+            </a:pPr>
+            <a:fld id="{85CEF955-4F42-4C91-BE5A-4F8E7E1A99DB}" type="slidenum">
+              <a:rPr lang="it-IT" altLang="it-IT" smtClean="0"/>
+              <a:pPr>
+                <a:defRPr/>
+              </a:pPr>
+              <a:t>4</a:t>
+            </a:fld>
+            <a:endParaRPr lang="it-IT" altLang="it-IT"/>
+          </a:p>
+        </p:txBody>
+      </p:sp>
+    </p:spTree>
+    <p:extLst>
+      <p:ext uri="{BB962C8B-B14F-4D97-AF65-F5344CB8AC3E}">
+        <p14:creationId xmlns:p14="http://schemas.microsoft.com/office/powerpoint/2010/main" val="675255502"/>
+      </p:ext>
+    </p:extLst>
+  </p:cSld>
+  <p:clrMapOvr>
+    <a:masterClrMapping/>
+  </p:clrMapOvr>
+</p:notes>
+</file>
+
+<file path=ppt/notesSlides/notesSlide3.xml><?xml version="1.0" encoding="utf-8"?>
+<p:notes xmlns:a="http://schemas.openxmlformats.org/drawingml/2006/main" xmlns:r="http://schemas.openxmlformats.org/officeDocument/2006/relationships" xmlns:p="http://schemas.openxmlformats.org/presentationml/2006/main">
+  <p:cSld>
+    <p:spTree>
+      <p:nvGrpSpPr>
+        <p:cNvPr id="1" name=""/>
+        <p:cNvGrpSpPr/>
+        <p:nvPr/>
+      </p:nvGrpSpPr>
+      <p:grpSpPr>
+        <a:xfrm>
+          <a:off x="0" y="0"/>
+          <a:ext cx="0" cy="0"/>
+          <a:chOff x="0" y="0"/>
+          <a:chExt cx="0" cy="0"/>
+        </a:xfrm>
+      </p:grpSpPr>
+      <p:sp>
+        <p:nvSpPr>
+          <p:cNvPr id="2" name="Segnaposto immagine diapositiva 1"/>
+          <p:cNvSpPr>
+            <a:spLocks noGrp="1" noRot="1" noChangeAspect="1"/>
+          </p:cNvSpPr>
+          <p:nvPr>
+            <p:ph type="sldImg"/>
+          </p:nvPr>
+        </p:nvSpPr>
+        <p:spPr/>
+      </p:sp>
+      <p:sp>
+        <p:nvSpPr>
+          <p:cNvPr id="3" name="Segnaposto note 2"/>
+          <p:cNvSpPr>
+            <a:spLocks noGrp="1"/>
+          </p:cNvSpPr>
+          <p:nvPr>
+            <p:ph type="body" idx="1"/>
+          </p:nvPr>
+        </p:nvSpPr>
+        <p:spPr/>
+        <p:txBody>
+          <a:bodyPr/>
+          <a:lstStyle/>
+          <a:p>
+            <a:r>
+              <a:rPr lang="en-US" dirty="0" err="1"/>
+              <a:t>Perchè</a:t>
+            </a:r>
+            <a:r>
+              <a:rPr lang="en-US" dirty="0"/>
+              <a:t> </a:t>
+            </a:r>
+            <a:r>
+              <a:rPr lang="en-US" dirty="0" err="1"/>
+              <a:t>arriva</a:t>
+            </a:r>
+            <a:r>
+              <a:rPr lang="en-US" dirty="0"/>
+              <a:t> il delay </a:t>
+            </a:r>
+            <a:r>
+              <a:rPr lang="en-US" dirty="0" err="1"/>
+              <a:t>della</a:t>
+            </a:r>
+            <a:r>
+              <a:rPr lang="en-US" dirty="0"/>
+              <a:t> </a:t>
+            </a:r>
+            <a:r>
+              <a:rPr lang="en-US" dirty="0" err="1"/>
+              <a:t>traiettoria</a:t>
+            </a:r>
+            <a:r>
+              <a:rPr lang="en-US" dirty="0"/>
+              <a:t>?</a:t>
+            </a:r>
+            <a:r>
+              <a:rPr lang="en-US" u="none" dirty="0"/>
+              <a:t> Le </a:t>
+            </a:r>
+            <a:r>
+              <a:rPr lang="en-US" u="none" dirty="0" err="1"/>
+              <a:t>algrangiane</a:t>
+            </a:r>
+            <a:r>
+              <a:rPr lang="en-US" u="none" dirty="0"/>
+              <a:t> non </a:t>
+            </a:r>
+            <a:r>
+              <a:rPr lang="en-US" u="none" dirty="0" err="1"/>
+              <a:t>sono</a:t>
+            </a:r>
+            <a:r>
+              <a:rPr lang="en-US" u="none" dirty="0"/>
+              <a:t> </a:t>
+            </a:r>
+            <a:r>
+              <a:rPr lang="en-US" u="none" dirty="0" err="1"/>
+              <a:t>identiche</a:t>
+            </a:r>
+            <a:r>
+              <a:rPr lang="en-US" u="none" dirty="0"/>
+              <a:t>, se </a:t>
+            </a:r>
+            <a:r>
+              <a:rPr lang="en-US" u="none" dirty="0" err="1"/>
+              <a:t>c’è</a:t>
+            </a:r>
+            <a:r>
+              <a:rPr lang="en-US" u="none" dirty="0"/>
+              <a:t> un </a:t>
+            </a:r>
+            <a:r>
+              <a:rPr lang="en-US" u="none" dirty="0" err="1"/>
+              <a:t>errore</a:t>
+            </a:r>
+            <a:r>
+              <a:rPr lang="en-US" u="none" dirty="0"/>
+              <a:t> </a:t>
+            </a:r>
+            <a:r>
+              <a:rPr lang="en-US" u="none" dirty="0" err="1"/>
+              <a:t>che</a:t>
+            </a:r>
+            <a:r>
+              <a:rPr lang="en-US" u="none" dirty="0"/>
+              <a:t> </a:t>
+            </a:r>
+            <a:r>
+              <a:rPr lang="en-US" u="none" dirty="0" err="1"/>
+              <a:t>si</a:t>
+            </a:r>
+            <a:r>
+              <a:rPr lang="en-US" u="none" dirty="0"/>
+              <a:t> </a:t>
+            </a:r>
+            <a:r>
+              <a:rPr lang="en-US" u="none" dirty="0" err="1"/>
+              <a:t>accumula</a:t>
+            </a:r>
+            <a:r>
+              <a:rPr lang="en-US" u="none" dirty="0"/>
+              <a:t> amen (</a:t>
+            </a:r>
+            <a:r>
+              <a:rPr lang="en-US" u="none" dirty="0" err="1"/>
+              <a:t>tuttvaia</a:t>
+            </a:r>
+            <a:r>
+              <a:rPr lang="en-US" u="none" dirty="0"/>
+              <a:t> </a:t>
+            </a:r>
+            <a:r>
+              <a:rPr lang="en-US" u="none" dirty="0" err="1"/>
+              <a:t>energia</a:t>
+            </a:r>
+            <a:r>
+              <a:rPr lang="en-US" u="none" dirty="0"/>
+              <a:t> simile, </a:t>
+            </a:r>
+            <a:r>
+              <a:rPr lang="en-US" u="none" dirty="0" err="1"/>
+              <a:t>tuttavia</a:t>
+            </a:r>
+            <a:r>
+              <a:rPr lang="en-US" u="none" dirty="0"/>
+              <a:t> </a:t>
+            </a:r>
+            <a:r>
+              <a:rPr lang="en-US" u="none" dirty="0" err="1"/>
+              <a:t>simu</a:t>
+            </a:r>
+            <a:r>
+              <a:rPr lang="en-US" u="none" dirty="0"/>
+              <a:t> okay, div </a:t>
+            </a:r>
+            <a:r>
+              <a:rPr lang="en-US" u="none" dirty="0" err="1"/>
+              <a:t>integrazione</a:t>
+            </a:r>
+            <a:r>
+              <a:rPr lang="en-US" u="none" dirty="0"/>
+              <a:t> </a:t>
+            </a:r>
+            <a:r>
+              <a:rPr lang="en-US" u="none" dirty="0" err="1"/>
+              <a:t>accumula</a:t>
+            </a:r>
+            <a:r>
+              <a:rPr lang="en-US" u="none" dirty="0"/>
+              <a:t> </a:t>
+            </a:r>
+            <a:r>
+              <a:rPr lang="en-US" u="none" dirty="0" err="1"/>
+              <a:t>errore</a:t>
+            </a:r>
+            <a:r>
+              <a:rPr lang="en-US" u="none" dirty="0"/>
+              <a:t> per def, </a:t>
+            </a:r>
+            <a:r>
+              <a:rPr lang="en-US" u="none" dirty="0" err="1"/>
+              <a:t>tuttavia</a:t>
+            </a:r>
+            <a:r>
+              <a:rPr lang="en-US" u="none" dirty="0"/>
+              <a:t> </a:t>
+            </a:r>
+            <a:r>
+              <a:rPr lang="en-US" u="none" dirty="0" err="1"/>
+              <a:t>energia</a:t>
+            </a:r>
+            <a:r>
+              <a:rPr lang="en-US" u="none" dirty="0"/>
+              <a:t> è </a:t>
+            </a:r>
+            <a:r>
+              <a:rPr lang="en-US" u="none" dirty="0" err="1"/>
+              <a:t>conservata</a:t>
+            </a:r>
+            <a:r>
+              <a:rPr lang="en-US" u="none" dirty="0"/>
+              <a:t> e molto </a:t>
+            </a:r>
+            <a:r>
+              <a:rPr lang="en-US" u="none" dirty="0" err="1"/>
+              <a:t>vicina</a:t>
+            </a:r>
+            <a:r>
+              <a:rPr lang="en-US" u="none" dirty="0"/>
+              <a:t>, </a:t>
+            </a:r>
+            <a:r>
+              <a:rPr lang="en-US" u="none" dirty="0" err="1"/>
+              <a:t>applicando</a:t>
+            </a:r>
+            <a:r>
+              <a:rPr lang="en-US" u="none" dirty="0"/>
+              <a:t> </a:t>
+            </a:r>
+            <a:r>
+              <a:rPr lang="en-US" u="none" dirty="0" err="1"/>
+              <a:t>controllore</a:t>
+            </a:r>
+            <a:r>
+              <a:rPr lang="en-US" u="none" dirty="0"/>
+              <a:t> model based </a:t>
+            </a:r>
+            <a:r>
+              <a:rPr lang="en-US" u="none" dirty="0" err="1"/>
+              <a:t>dovrenne</a:t>
+            </a:r>
+            <a:r>
+              <a:rPr lang="en-US" u="none" dirty="0"/>
+              <a:t> </a:t>
+            </a:r>
+            <a:r>
+              <a:rPr lang="en-US" u="none" dirty="0" err="1"/>
+              <a:t>funz</a:t>
+            </a:r>
+            <a:r>
+              <a:rPr lang="en-US" u="none" dirty="0"/>
+              <a:t> bene) + </a:t>
+            </a:r>
+            <a:r>
+              <a:rPr lang="en-US" u="none" dirty="0" err="1"/>
+              <a:t>simulazione</a:t>
+            </a:r>
+            <a:r>
+              <a:rPr lang="en-US" u="none" dirty="0"/>
+              <a:t> Sistema </a:t>
+            </a:r>
+            <a:r>
+              <a:rPr lang="en-US" u="none" dirty="0" err="1"/>
+              <a:t>meccanico</a:t>
+            </a:r>
+            <a:r>
+              <a:rPr lang="en-US" u="none" dirty="0"/>
+              <a:t> a tanti secondi (10 min), quasi sempre diverge la </a:t>
+            </a:r>
+            <a:r>
+              <a:rPr lang="en-US" u="none" dirty="0" err="1"/>
+              <a:t>simulazione</a:t>
+            </a:r>
+            <a:endParaRPr lang="en-US" dirty="0"/>
+          </a:p>
+        </p:txBody>
+      </p:sp>
+      <p:sp>
+        <p:nvSpPr>
+          <p:cNvPr id="4" name="Segnaposto numero diapositiva 3"/>
+          <p:cNvSpPr>
+            <a:spLocks noGrp="1"/>
+          </p:cNvSpPr>
+          <p:nvPr>
+            <p:ph type="sldNum" sz="quarter" idx="5"/>
+          </p:nvPr>
+        </p:nvSpPr>
+        <p:spPr/>
+        <p:txBody>
+          <a:bodyPr/>
+          <a:lstStyle/>
+          <a:p>
+            <a:pPr>
+              <a:defRPr/>
+            </a:pPr>
+            <a:fld id="{85CEF955-4F42-4C91-BE5A-4F8E7E1A99DB}" type="slidenum">
+              <a:rPr lang="it-IT" altLang="it-IT" smtClean="0"/>
+              <a:pPr>
+                <a:defRPr/>
+              </a:pPr>
+              <a:t>13</a:t>
+            </a:fld>
+            <a:endParaRPr lang="it-IT" altLang="it-IT"/>
+          </a:p>
+        </p:txBody>
+      </p:sp>
+    </p:spTree>
+    <p:extLst>
+      <p:ext uri="{BB962C8B-B14F-4D97-AF65-F5344CB8AC3E}">
+        <p14:creationId xmlns:p14="http://schemas.microsoft.com/office/powerpoint/2010/main" val="3696889280"/>
+      </p:ext>
+    </p:extLst>
+  </p:cSld>
+  <p:clrMapOvr>
+    <a:masterClrMapping/>
+  </p:clrMapOvr>
+</p:notes>
+</file>
+
+<file path=ppt/notesSlides/notesSlide4.xml><?xml version="1.0" encoding="utf-8"?>
+<p:notes xmlns:a="http://schemas.openxmlformats.org/drawingml/2006/main" xmlns:r="http://schemas.openxmlformats.org/officeDocument/2006/relationships" xmlns:p="http://schemas.openxmlformats.org/presentationml/2006/main">
+  <p:cSld>
+    <p:spTree>
+      <p:nvGrpSpPr>
+        <p:cNvPr id="1" name=""/>
+        <p:cNvGrpSpPr/>
+        <p:nvPr/>
+      </p:nvGrpSpPr>
+      <p:grpSpPr>
+        <a:xfrm>
+          <a:off x="0" y="0"/>
+          <a:ext cx="0" cy="0"/>
+          <a:chOff x="0" y="0"/>
+          <a:chExt cx="0" cy="0"/>
+        </a:xfrm>
+      </p:grpSpPr>
+      <p:sp>
+        <p:nvSpPr>
+          <p:cNvPr id="2" name="Segnaposto immagine diapositiva 1"/>
+          <p:cNvSpPr>
+            <a:spLocks noGrp="1" noRot="1" noChangeAspect="1"/>
+          </p:cNvSpPr>
+          <p:nvPr>
+            <p:ph type="sldImg"/>
+          </p:nvPr>
+        </p:nvSpPr>
+        <p:spPr/>
+      </p:sp>
+      <p:sp>
+        <p:nvSpPr>
+          <p:cNvPr id="3" name="Segnaposto note 2"/>
+          <p:cNvSpPr>
+            <a:spLocks noGrp="1"/>
+          </p:cNvSpPr>
+          <p:nvPr>
+            <p:ph type="body" idx="1"/>
+          </p:nvPr>
+        </p:nvSpPr>
+        <p:spPr/>
+        <p:txBody>
+          <a:bodyPr/>
+          <a:lstStyle/>
+          <a:p>
+            <a:r>
+              <a:rPr lang="en-US" dirty="0"/>
+              <a:t>SPECIFICARE PERCHE DIVERSE SCALE DI UPDATES</a:t>
+            </a:r>
+          </a:p>
+        </p:txBody>
+      </p:sp>
+      <p:sp>
+        <p:nvSpPr>
+          <p:cNvPr id="4" name="Segnaposto numero diapositiva 3"/>
+          <p:cNvSpPr>
+            <a:spLocks noGrp="1"/>
+          </p:cNvSpPr>
+          <p:nvPr>
+            <p:ph type="sldNum" sz="quarter" idx="5"/>
+          </p:nvPr>
+        </p:nvSpPr>
+        <p:spPr/>
+        <p:txBody>
+          <a:bodyPr/>
+          <a:lstStyle/>
+          <a:p>
+            <a:pPr>
+              <a:defRPr/>
+            </a:pPr>
+            <a:fld id="{85CEF955-4F42-4C91-BE5A-4F8E7E1A99DB}" type="slidenum">
+              <a:rPr lang="it-IT" altLang="it-IT" smtClean="0"/>
+              <a:pPr>
+                <a:defRPr/>
+              </a:pPr>
+              <a:t>19</a:t>
+            </a:fld>
+            <a:endParaRPr lang="it-IT" altLang="it-IT"/>
+          </a:p>
+        </p:txBody>
+      </p:sp>
+    </p:spTree>
+    <p:extLst>
+      <p:ext uri="{BB962C8B-B14F-4D97-AF65-F5344CB8AC3E}">
+        <p14:creationId xmlns:p14="http://schemas.microsoft.com/office/powerpoint/2010/main" val="4014070131"/>
+      </p:ext>
+    </p:extLst>
+  </p:cSld>
+  <p:clrMapOvr>
+    <a:masterClrMapping/>
+  </p:clrMapOvr>
+</p:notes>
+</file>
+
+<file path=ppt/notesSlides/notesSlide5.xml><?xml version="1.0" encoding="utf-8"?>
+<p:notes xmlns:a="http://schemas.openxmlformats.org/drawingml/2006/main" xmlns:r="http://schemas.openxmlformats.org/officeDocument/2006/relationships" xmlns:p="http://schemas.openxmlformats.org/presentationml/2006/main">
+  <p:cSld>
+    <p:spTree>
+      <p:nvGrpSpPr>
+        <p:cNvPr id="1" name=""/>
+        <p:cNvGrpSpPr/>
+        <p:nvPr/>
+      </p:nvGrpSpPr>
+      <p:grpSpPr>
+        <a:xfrm>
+          <a:off x="0" y="0"/>
+          <a:ext cx="0" cy="0"/>
+          <a:chOff x="0" y="0"/>
+          <a:chExt cx="0" cy="0"/>
+        </a:xfrm>
+      </p:grpSpPr>
+      <p:sp>
+        <p:nvSpPr>
+          <p:cNvPr id="2" name="Segnaposto immagine diapositiva 1"/>
+          <p:cNvSpPr>
+            <a:spLocks noGrp="1" noRot="1" noChangeAspect="1"/>
+          </p:cNvSpPr>
+          <p:nvPr>
+            <p:ph type="sldImg"/>
+          </p:nvPr>
+        </p:nvSpPr>
+        <p:spPr/>
+      </p:sp>
+      <p:sp>
+        <p:nvSpPr>
+          <p:cNvPr id="3" name="Segnaposto note 2"/>
+          <p:cNvSpPr>
+            <a:spLocks noGrp="1"/>
+          </p:cNvSpPr>
+          <p:nvPr>
+            <p:ph type="body" idx="1"/>
+          </p:nvPr>
+        </p:nvSpPr>
+        <p:spPr/>
+        <p:txBody>
+          <a:bodyPr/>
+          <a:lstStyle/>
+          <a:p>
+            <a:endParaRPr lang="en-US" dirty="0"/>
+          </a:p>
+        </p:txBody>
+      </p:sp>
+      <p:sp>
+        <p:nvSpPr>
+          <p:cNvPr id="4" name="Segnaposto numero diapositiva 3"/>
+          <p:cNvSpPr>
+            <a:spLocks noGrp="1"/>
+          </p:cNvSpPr>
+          <p:nvPr>
+            <p:ph type="sldNum" sz="quarter" idx="5"/>
+          </p:nvPr>
+        </p:nvSpPr>
+        <p:spPr/>
+        <p:txBody>
+          <a:bodyPr/>
+          <a:lstStyle/>
+          <a:p>
+            <a:pPr>
+              <a:defRPr/>
+            </a:pPr>
+            <a:fld id="{85CEF955-4F42-4C91-BE5A-4F8E7E1A99DB}" type="slidenum">
+              <a:rPr lang="it-IT" altLang="it-IT" smtClean="0"/>
+              <a:pPr>
+                <a:defRPr/>
+              </a:pPr>
+              <a:t>23</a:t>
+            </a:fld>
+            <a:endParaRPr lang="it-IT" altLang="it-IT"/>
+          </a:p>
+        </p:txBody>
+      </p:sp>
+    </p:spTree>
+    <p:extLst>
+      <p:ext uri="{BB962C8B-B14F-4D97-AF65-F5344CB8AC3E}">
+        <p14:creationId xmlns:p14="http://schemas.microsoft.com/office/powerpoint/2010/main" val="3679747326"/>
+      </p:ext>
+    </p:extLst>
+  </p:cSld>
+  <p:clrMapOvr>
+    <a:masterClrMapping/>
+  </p:clrMapOvr>
+</p:notes>
+</file>
+
+<file path=ppt/notesSlides/notesSlide6.xml><?xml version="1.0" encoding="utf-8"?>
+<p:notes xmlns:a="http://schemas.openxmlformats.org/drawingml/2006/main" xmlns:r="http://schemas.openxmlformats.org/officeDocument/2006/relationships" xmlns:p="http://schemas.openxmlformats.org/presentationml/2006/main">
+  <p:cSld>
+    <p:spTree>
+      <p:nvGrpSpPr>
+        <p:cNvPr id="1" name=""/>
+        <p:cNvGrpSpPr/>
+        <p:nvPr/>
+      </p:nvGrpSpPr>
+      <p:grpSpPr>
+        <a:xfrm>
+          <a:off x="0" y="0"/>
+          <a:ext cx="0" cy="0"/>
+          <a:chOff x="0" y="0"/>
+          <a:chExt cx="0" cy="0"/>
+        </a:xfrm>
+      </p:grpSpPr>
+      <p:sp>
+        <p:nvSpPr>
+          <p:cNvPr id="2" name="Segnaposto immagine diapositiva 1"/>
+          <p:cNvSpPr>
+            <a:spLocks noGrp="1" noRot="1" noChangeAspect="1"/>
+          </p:cNvSpPr>
+          <p:nvPr>
+            <p:ph type="sldImg"/>
+          </p:nvPr>
+        </p:nvSpPr>
+        <p:spPr/>
+      </p:sp>
+      <p:sp>
+        <p:nvSpPr>
+          <p:cNvPr id="3" name="Segnaposto note 2"/>
+          <p:cNvSpPr>
+            <a:spLocks noGrp="1"/>
+          </p:cNvSpPr>
+          <p:nvPr>
+            <p:ph type="body" idx="1"/>
+          </p:nvPr>
+        </p:nvSpPr>
+        <p:spPr/>
+        <p:txBody>
+          <a:bodyPr/>
+          <a:lstStyle/>
+          <a:p>
+            <a:r>
+              <a:rPr lang="en-US" dirty="0" err="1"/>
+              <a:t>Lìinfo</a:t>
+            </a:r>
+            <a:r>
+              <a:rPr lang="en-US" dirty="0"/>
+              <a:t> </a:t>
+            </a:r>
+            <a:r>
+              <a:rPr lang="en-US" dirty="0" err="1"/>
+              <a:t>interessante</a:t>
+            </a:r>
+            <a:r>
+              <a:rPr lang="en-US" dirty="0"/>
+              <a:t> non è il </a:t>
+            </a:r>
+            <a:r>
+              <a:rPr lang="en-US" dirty="0" err="1"/>
+              <a:t>valore</a:t>
+            </a:r>
+            <a:r>
+              <a:rPr lang="en-US" dirty="0"/>
+              <a:t> basso di loss, ma </a:t>
+            </a:r>
+            <a:r>
+              <a:rPr lang="en-US" dirty="0" err="1"/>
+              <a:t>che</a:t>
+            </a:r>
+            <a:r>
+              <a:rPr lang="en-US" dirty="0"/>
+              <a:t> non cala </a:t>
+            </a:r>
+            <a:r>
+              <a:rPr lang="en-US"/>
+              <a:t>+ INSERISCI STRUTTURA CONFIGURAZIONE</a:t>
+            </a:r>
             <a:endParaRPr lang="en-US" dirty="0"/>
           </a:p>
         </p:txBody>
@@ -1040,7 +2128,7 @@
     </p:spTree>
     <p:extLst>
       <p:ext uri="{BB962C8B-B14F-4D97-AF65-F5344CB8AC3E}">
-        <p14:creationId xmlns:p14="http://schemas.microsoft.com/office/powerpoint/2010/main" val="3679747326"/>
+        <p14:creationId xmlns:p14="http://schemas.microsoft.com/office/powerpoint/2010/main" val="2617545748"/>
       </p:ext>
     </p:extLst>
   </p:cSld>
@@ -4454,7 +5542,7 @@
                 <a:latin typeface="Calibri" panose="020F0502020204030204" pitchFamily="34" charset="0"/>
                 <a:ea typeface="ＭＳ Ｐゴシック" panose="020B0600070205080204" pitchFamily="34" charset="-128"/>
               </a:rPr>
-              <a:t> Neural Network applied to elastic robots</a:t>
+              <a:t> Neural Networks applied to elastic robots</a:t>
             </a:r>
             <a:endParaRPr lang="en-US" altLang="it-IT" b="0" i="1" kern="0" dirty="0">
               <a:ln w="0"/>
@@ -5046,8 +6134,8 @@
           </a:p>
         </p:txBody>
       </p:sp>
-      <mc:AlternateContent xmlns:mc="http://schemas.openxmlformats.org/markup-compatibility/2006">
-        <mc:Choice xmlns:a14="http://schemas.microsoft.com/office/drawing/2010/main" Requires="a14">
+      <mc:AlternateContent xmlns:mc="http://schemas.openxmlformats.org/markup-compatibility/2006" xmlns:a14="http://schemas.microsoft.com/office/drawing/2010/main">
+        <mc:Choice Requires="a14">
           <p:graphicFrame>
             <p:nvGraphicFramePr>
               <p:cNvPr id="5" name="Tabella 4">
@@ -5063,7 +6151,7 @@
               <p:nvPr>
                 <p:extLst>
                   <p:ext uri="{D42A27DB-BD31-4B8C-83A1-F6EECF244321}">
-                    <p14:modId xmlns:p14="http://schemas.microsoft.com/office/powerpoint/2010/main" val="1595868712"/>
+                    <p14:modId xmlns:p14="http://schemas.microsoft.com/office/powerpoint/2010/main" val="4194932843"/>
                   </p:ext>
                 </p:extLst>
               </p:nvPr>
@@ -5181,6 +6269,7 @@
                                     <a:solidFill>
                                       <a:srgbClr val="000000"/>
                                     </a:solidFill>
+                                    <a:latin typeface="Cambria Math" panose="02040503050406030204" pitchFamily="18" charset="0"/>
                                   </a:rPr>
                                   <m:t>𝟎</m:t>
                                 </m:r>
@@ -5189,6 +6278,7 @@
                                     <a:solidFill>
                                       <a:srgbClr val="000000"/>
                                     </a:solidFill>
+                                    <a:latin typeface="Cambria Math" panose="02040503050406030204" pitchFamily="18" charset="0"/>
                                   </a:rPr>
                                   <m:t>.</m:t>
                                 </m:r>
@@ -5197,6 +6287,7 @@
                                     <a:solidFill>
                                       <a:srgbClr val="000000"/>
                                     </a:solidFill>
+                                    <a:latin typeface="Cambria Math" panose="02040503050406030204" pitchFamily="18" charset="0"/>
                                   </a:rPr>
                                   <m:t>𝟑𝟎</m:t>
                                 </m:r>
@@ -5205,24 +6296,18 @@
                                     <a:solidFill>
                                       <a:srgbClr val="000000"/>
                                     </a:solidFill>
+                                    <a:latin typeface="Cambria Math" panose="02040503050406030204" pitchFamily="18" charset="0"/>
                                   </a:rPr>
-                                  <m:t> [</m:t>
+                                  <m:t> </m:t>
                                 </m:r>
                                 <m:r>
                                   <a:rPr lang="it-IT" b="1" smtClean="0">
                                     <a:solidFill>
                                       <a:srgbClr val="000000"/>
                                     </a:solidFill>
+                                    <a:latin typeface="Cambria Math" panose="02040503050406030204" pitchFamily="18" charset="0"/>
                                   </a:rPr>
                                   <m:t>𝒎</m:t>
-                                </m:r>
-                                <m:r>
-                                  <a:rPr lang="it-IT" b="1" smtClean="0">
-                                    <a:solidFill>
-                                      <a:srgbClr val="000000"/>
-                                    </a:solidFill>
-                                  </a:rPr>
-                                  <m:t>]</m:t>
                                 </m:r>
                               </m:oMath>
                             </m:oMathPara>
@@ -5323,6 +6408,7 @@
                                     <a:solidFill>
                                       <a:srgbClr val="000000"/>
                                     </a:solidFill>
+                                    <a:latin typeface="Cambria Math" panose="02040503050406030204" pitchFamily="18" charset="0"/>
                                   </a:rPr>
                                   <m:t>𝟎</m:t>
                                 </m:r>
@@ -5331,6 +6417,7 @@
                                     <a:solidFill>
                                       <a:srgbClr val="000000"/>
                                     </a:solidFill>
+                                    <a:latin typeface="Cambria Math" panose="02040503050406030204" pitchFamily="18" charset="0"/>
                                   </a:rPr>
                                   <m:t>.</m:t>
                                 </m:r>
@@ -5339,6 +6426,7 @@
                                     <a:solidFill>
                                       <a:srgbClr val="000000"/>
                                     </a:solidFill>
+                                    <a:latin typeface="Cambria Math" panose="02040503050406030204" pitchFamily="18" charset="0"/>
                                   </a:rPr>
                                   <m:t>𝟎𝟏</m:t>
                                 </m:r>
@@ -5347,24 +6435,18 @@
                                     <a:solidFill>
                                       <a:srgbClr val="000000"/>
                                     </a:solidFill>
+                                    <a:latin typeface="Cambria Math" panose="02040503050406030204" pitchFamily="18" charset="0"/>
                                   </a:rPr>
-                                  <m:t> [</m:t>
+                                  <m:t> </m:t>
                                 </m:r>
                                 <m:r>
                                   <a:rPr lang="it-IT" b="1" smtClean="0">
                                     <a:solidFill>
                                       <a:srgbClr val="000000"/>
                                     </a:solidFill>
+                                    <a:latin typeface="Cambria Math" panose="02040503050406030204" pitchFamily="18" charset="0"/>
                                   </a:rPr>
                                   <m:t>𝒎</m:t>
-                                </m:r>
-                                <m:r>
-                                  <a:rPr lang="it-IT" b="1" smtClean="0">
-                                    <a:solidFill>
-                                      <a:srgbClr val="000000"/>
-                                    </a:solidFill>
-                                  </a:rPr>
-                                  <m:t>]</m:t>
                                 </m:r>
                               </m:oMath>
                             </m:oMathPara>
@@ -5436,6 +6518,7 @@
                                     <a:solidFill>
                                       <a:srgbClr val="000000"/>
                                     </a:solidFill>
+                                    <a:latin typeface="Cambria Math" panose="02040503050406030204" pitchFamily="18" charset="0"/>
                                   </a:rPr>
                                   <m:t>𝟎</m:t>
                                 </m:r>
@@ -5444,6 +6527,7 @@
                                     <a:solidFill>
                                       <a:srgbClr val="000000"/>
                                     </a:solidFill>
+                                    <a:latin typeface="Cambria Math" panose="02040503050406030204" pitchFamily="18" charset="0"/>
                                   </a:rPr>
                                   <m:t>.</m:t>
                                 </m:r>
@@ -5452,6 +6536,7 @@
                                     <a:solidFill>
                                       <a:srgbClr val="000000"/>
                                     </a:solidFill>
+                                    <a:latin typeface="Cambria Math" panose="02040503050406030204" pitchFamily="18" charset="0"/>
                                   </a:rPr>
                                   <m:t>𝟏𝟓</m:t>
                                 </m:r>
@@ -5460,24 +6545,18 @@
                                     <a:solidFill>
                                       <a:srgbClr val="000000"/>
                                     </a:solidFill>
+                                    <a:latin typeface="Cambria Math" panose="02040503050406030204" pitchFamily="18" charset="0"/>
                                   </a:rPr>
-                                  <m:t> [</m:t>
+                                  <m:t> </m:t>
                                 </m:r>
                                 <m:r>
                                   <a:rPr lang="it-IT" b="1" smtClean="0">
                                     <a:solidFill>
                                       <a:srgbClr val="000000"/>
                                     </a:solidFill>
+                                    <a:latin typeface="Cambria Math" panose="02040503050406030204" pitchFamily="18" charset="0"/>
                                   </a:rPr>
                                   <m:t>𝒎</m:t>
-                                </m:r>
-                                <m:r>
-                                  <a:rPr lang="it-IT" b="1" smtClean="0">
-                                    <a:solidFill>
-                                      <a:srgbClr val="000000"/>
-                                    </a:solidFill>
-                                  </a:rPr>
-                                  <m:t>]</m:t>
                                 </m:r>
                               </m:oMath>
                             </m:oMathPara>
@@ -5533,6 +6612,7 @@
                                     <a:solidFill>
                                       <a:srgbClr val="000000"/>
                                     </a:solidFill>
+                                    <a:latin typeface="Cambria Math" panose="02040503050406030204" pitchFamily="18" charset="0"/>
                                   </a:rPr>
                                   <m:t>𝟎</m:t>
                                 </m:r>
@@ -5541,6 +6621,7 @@
                                     <a:solidFill>
                                       <a:srgbClr val="000000"/>
                                     </a:solidFill>
+                                    <a:latin typeface="Cambria Math" panose="02040503050406030204" pitchFamily="18" charset="0"/>
                                   </a:rPr>
                                   <m:t>.</m:t>
                                 </m:r>
@@ -5549,6 +6630,7 @@
                                     <a:solidFill>
                                       <a:srgbClr val="000000"/>
                                     </a:solidFill>
+                                    <a:latin typeface="Cambria Math" panose="02040503050406030204" pitchFamily="18" charset="0"/>
                                   </a:rPr>
                                   <m:t>𝟐𝟓</m:t>
                                 </m:r>
@@ -5557,24 +6639,18 @@
                                     <a:solidFill>
                                       <a:srgbClr val="000000"/>
                                     </a:solidFill>
+                                    <a:latin typeface="Cambria Math" panose="02040503050406030204" pitchFamily="18" charset="0"/>
                                   </a:rPr>
-                                  <m:t> [</m:t>
+                                  <m:t> </m:t>
                                 </m:r>
                                 <m:r>
                                   <a:rPr lang="it-IT" b="1" smtClean="0">
                                     <a:solidFill>
                                       <a:srgbClr val="000000"/>
                                     </a:solidFill>
+                                    <a:latin typeface="Cambria Math" panose="02040503050406030204" pitchFamily="18" charset="0"/>
                                   </a:rPr>
                                   <m:t>𝒌𝒈</m:t>
-                                </m:r>
-                                <m:r>
-                                  <a:rPr lang="it-IT" b="1" smtClean="0">
-                                    <a:solidFill>
-                                      <a:srgbClr val="000000"/>
-                                    </a:solidFill>
-                                  </a:rPr>
-                                  <m:t>]</m:t>
                                 </m:r>
                               </m:oMath>
                             </m:oMathPara>
@@ -5640,6 +6716,7 @@
                                     <a:solidFill>
                                       <a:srgbClr val="000000"/>
                                     </a:solidFill>
+                                    <a:latin typeface="Cambria Math" panose="02040503050406030204" pitchFamily="18" charset="0"/>
                                   </a:rPr>
                                   <m:t>𝟎</m:t>
                                 </m:r>
@@ -5648,6 +6725,7 @@
                                     <a:solidFill>
                                       <a:srgbClr val="000000"/>
                                     </a:solidFill>
+                                    <a:latin typeface="Cambria Math" panose="02040503050406030204" pitchFamily="18" charset="0"/>
                                   </a:rPr>
                                   <m:t>.</m:t>
                                 </m:r>
@@ -5656,6 +6734,7 @@
                                     <a:solidFill>
                                       <a:srgbClr val="000000"/>
                                     </a:solidFill>
+                                    <a:latin typeface="Cambria Math" panose="02040503050406030204" pitchFamily="18" charset="0"/>
                                   </a:rPr>
                                   <m:t>𝟎𝟏𝟏𝟐𝟓</m:t>
                                 </m:r>
@@ -5664,14 +6743,16 @@
                                     <a:solidFill>
                                       <a:srgbClr val="000000"/>
                                     </a:solidFill>
+                                    <a:latin typeface="Cambria Math" panose="02040503050406030204" pitchFamily="18" charset="0"/>
                                   </a:rPr>
-                                  <m:t> [</m:t>
+                                  <m:t> </m:t>
                                 </m:r>
                                 <m:r>
                                   <a:rPr lang="it-IT" b="1" smtClean="0">
                                     <a:solidFill>
                                       <a:srgbClr val="000000"/>
                                     </a:solidFill>
+                                    <a:latin typeface="Cambria Math" panose="02040503050406030204" pitchFamily="18" charset="0"/>
                                   </a:rPr>
                                   <m:t>𝒌𝒈</m:t>
                                 </m:r>
@@ -5680,16 +6761,18 @@
                                     <a:solidFill>
                                       <a:srgbClr val="000000"/>
                                     </a:solidFill>
+                                    <a:latin typeface="Cambria Math" panose="02040503050406030204" pitchFamily="18" charset="0"/>
                                   </a:rPr>
                                   <m:t> </m:t>
                                 </m:r>
                                 <m:sSup>
                                   <m:sSupPr>
                                     <m:ctrlPr>
-                                      <a:rPr lang="it-IT" b="1" smtClean="0">
+                                      <a:rPr lang="it-IT" b="1" i="1" smtClean="0">
                                         <a:solidFill>
                                           <a:srgbClr val="000000"/>
                                         </a:solidFill>
+                                        <a:latin typeface="Cambria Math" panose="02040503050406030204" pitchFamily="18" charset="0"/>
                                       </a:rPr>
                                     </m:ctrlPr>
                                   </m:sSupPr>
@@ -5699,6 +6782,7 @@
                                         <a:solidFill>
                                           <a:srgbClr val="000000"/>
                                         </a:solidFill>
+                                        <a:latin typeface="Cambria Math" panose="02040503050406030204" pitchFamily="18" charset="0"/>
                                       </a:rPr>
                                       <m:t>𝒎</m:t>
                                     </m:r>
@@ -5709,19 +6793,12 @@
                                         <a:solidFill>
                                           <a:srgbClr val="000000"/>
                                         </a:solidFill>
+                                        <a:latin typeface="Cambria Math" panose="02040503050406030204" pitchFamily="18" charset="0"/>
                                       </a:rPr>
                                       <m:t>𝟐</m:t>
                                     </m:r>
                                   </m:sup>
                                 </m:sSup>
-                                <m:r>
-                                  <a:rPr lang="it-IT" b="1" smtClean="0">
-                                    <a:solidFill>
-                                      <a:srgbClr val="000000"/>
-                                    </a:solidFill>
-                                  </a:rPr>
-                                  <m:t>]</m:t>
-                                </m:r>
                               </m:oMath>
                             </m:oMathPara>
                           </a14:m>
@@ -5755,7 +6832,7 @@
             </a:graphic>
           </p:graphicFrame>
         </mc:Choice>
-        <mc:Fallback>
+        <mc:Fallback xmlns="">
           <p:graphicFrame>
             <p:nvGraphicFramePr>
               <p:cNvPr id="5" name="Tabella 4">
@@ -5771,7 +6848,7 @@
               <p:nvPr>
                 <p:extLst>
                   <p:ext uri="{D42A27DB-BD31-4B8C-83A1-F6EECF244321}">
-                    <p14:modId xmlns:p14="http://schemas.microsoft.com/office/powerpoint/2010/main" val="1595868712"/>
+                    <p14:modId xmlns:p14="http://schemas.microsoft.com/office/powerpoint/2010/main" val="4194932843"/>
                   </p:ext>
                 </p:extLst>
               </p:nvPr>
@@ -6146,13 +7223,13 @@
           <p:nvPr>
             <p:extLst>
               <p:ext uri="{D42A27DB-BD31-4B8C-83A1-F6EECF244321}">
-                <p14:modId xmlns:p14="http://schemas.microsoft.com/office/powerpoint/2010/main" val="4172917516"/>
+                <p14:modId xmlns:p14="http://schemas.microsoft.com/office/powerpoint/2010/main" val="1730797959"/>
               </p:ext>
             </p:extLst>
           </p:nvPr>
         </p:nvGraphicFramePr>
         <p:xfrm>
-          <a:off x="4739068" y="2240868"/>
+          <a:off x="4739068" y="2223914"/>
           <a:ext cx="4080284" cy="3102243"/>
         </p:xfrm>
         <a:graphic>
@@ -7216,8 +8293,8 @@
           </a:p>
         </p:txBody>
       </p:sp>
-      <mc:AlternateContent xmlns:mc="http://schemas.openxmlformats.org/markup-compatibility/2006">
-        <mc:Choice xmlns:a14="http://schemas.microsoft.com/office/drawing/2010/main" Requires="a14">
+      <mc:AlternateContent xmlns:mc="http://schemas.openxmlformats.org/markup-compatibility/2006" xmlns:a14="http://schemas.microsoft.com/office/drawing/2010/main">
+        <mc:Choice Requires="a14">
           <p:sp>
             <p:nvSpPr>
               <p:cNvPr id="10" name="CasellaDiTesto 9">
@@ -7428,7 +8505,7 @@
             </p:txBody>
           </p:sp>
         </mc:Choice>
-        <mc:Fallback>
+        <mc:Fallback xmlns="">
           <p:sp>
             <p:nvSpPr>
               <p:cNvPr id="10" name="CasellaDiTesto 9">
@@ -7773,7 +8850,7 @@
             <p:nvPr/>
           </p:nvPicPr>
           <p:blipFill>
-            <a:blip r:embed="rId2"/>
+            <a:blip r:embed="rId3"/>
             <a:stretch>
               <a:fillRect/>
             </a:stretch>
@@ -7803,7 +8880,7 @@
             <p:nvPr/>
           </p:nvPicPr>
           <p:blipFill>
-            <a:blip r:embed="rId3"/>
+            <a:blip r:embed="rId4"/>
             <a:stretch>
               <a:fillRect/>
             </a:stretch>
@@ -8141,8 +9218,8 @@
           </a:p>
         </p:txBody>
       </p:sp>
-      <mc:AlternateContent xmlns:mc="http://schemas.openxmlformats.org/markup-compatibility/2006">
-        <mc:Choice xmlns:a14="http://schemas.microsoft.com/office/drawing/2010/main" Requires="a14">
+      <mc:AlternateContent xmlns:mc="http://schemas.openxmlformats.org/markup-compatibility/2006" xmlns:a14="http://schemas.microsoft.com/office/drawing/2010/main">
+        <mc:Choice Requires="a14">
           <p:sp>
             <p:nvSpPr>
               <p:cNvPr id="7" name="CasellaDiTesto 6">
@@ -8353,7 +9430,7 @@
             </p:txBody>
           </p:sp>
         </mc:Choice>
-        <mc:Fallback>
+        <mc:Fallback xmlns="">
           <p:sp>
             <p:nvSpPr>
               <p:cNvPr id="7" name="CasellaDiTesto 6">
@@ -9060,8 +10137,8 @@
           </a:p>
         </p:txBody>
       </p:sp>
-      <mc:AlternateContent xmlns:mc="http://schemas.openxmlformats.org/markup-compatibility/2006">
-        <mc:Choice xmlns:a14="http://schemas.microsoft.com/office/drawing/2010/main" Requires="a14">
+      <mc:AlternateContent xmlns:mc="http://schemas.openxmlformats.org/markup-compatibility/2006" xmlns:a14="http://schemas.microsoft.com/office/drawing/2010/main">
+        <mc:Choice Requires="a14">
           <p:sp>
             <p:nvSpPr>
               <p:cNvPr id="4" name="CasellaDiTesto 3">
@@ -9272,7 +10349,7 @@
             </p:txBody>
           </p:sp>
         </mc:Choice>
-        <mc:Fallback>
+        <mc:Fallback xmlns="">
           <p:sp>
             <p:nvSpPr>
               <p:cNvPr id="4" name="CasellaDiTesto 3">
@@ -9901,7 +10978,7 @@
                 <a:latin typeface="Calibri" panose="020F0502020204030204" pitchFamily="34" charset="0"/>
                 <a:ea typeface="ＭＳ Ｐゴシック" panose="020B0600070205080204" pitchFamily="34" charset="-128"/>
               </a:rPr>
-              <a:t>RIGID CASE</a:t>
+              <a:t>ELASTIC CASE</a:t>
             </a:r>
           </a:p>
         </p:txBody>
@@ -10090,8 +11167,8 @@
           </a:p>
         </p:txBody>
       </p:sp>
-      <mc:AlternateContent xmlns:mc="http://schemas.openxmlformats.org/markup-compatibility/2006">
-        <mc:Choice xmlns:a14="http://schemas.microsoft.com/office/drawing/2010/main" Requires="a14">
+      <mc:AlternateContent xmlns:mc="http://schemas.openxmlformats.org/markup-compatibility/2006" xmlns:a14="http://schemas.microsoft.com/office/drawing/2010/main">
+        <mc:Choice Requires="a14">
           <p:graphicFrame>
             <p:nvGraphicFramePr>
               <p:cNvPr id="5" name="Tabella 4">
@@ -10107,7 +11184,7 @@
               <p:nvPr>
                 <p:extLst>
                   <p:ext uri="{D42A27DB-BD31-4B8C-83A1-F6EECF244321}">
-                    <p14:modId xmlns:p14="http://schemas.microsoft.com/office/powerpoint/2010/main" val="3153190702"/>
+                    <p14:modId xmlns:p14="http://schemas.microsoft.com/office/powerpoint/2010/main" val="4101303463"/>
                   </p:ext>
                 </p:extLst>
               </p:nvPr>
@@ -10254,7 +11331,7 @@
                                     </a:solidFill>
                                     <a:latin typeface="Cambria Math" panose="02040503050406030204" pitchFamily="18" charset="0"/>
                                   </a:rPr>
-                                  <m:t> [</m:t>
+                                  <m:t> </m:t>
                                 </m:r>
                                 <m:r>
                                   <a:rPr lang="it-IT" b="1" smtClean="0">
@@ -10264,15 +11341,6 @@
                                     <a:latin typeface="Cambria Math" panose="02040503050406030204" pitchFamily="18" charset="0"/>
                                   </a:rPr>
                                   <m:t>𝒎</m:t>
-                                </m:r>
-                                <m:r>
-                                  <a:rPr lang="it-IT" b="1" smtClean="0">
-                                    <a:solidFill>
-                                      <a:srgbClr val="000000"/>
-                                    </a:solidFill>
-                                    <a:latin typeface="Cambria Math" panose="02040503050406030204" pitchFamily="18" charset="0"/>
-                                  </a:rPr>
-                                  <m:t>]</m:t>
                                 </m:r>
                               </m:oMath>
                             </m:oMathPara>
@@ -10402,7 +11470,7 @@
                                     </a:solidFill>
                                     <a:latin typeface="Cambria Math" panose="02040503050406030204" pitchFamily="18" charset="0"/>
                                   </a:rPr>
-                                  <m:t> [</m:t>
+                                  <m:t> </m:t>
                                 </m:r>
                                 <m:r>
                                   <a:rPr lang="it-IT" b="1" smtClean="0">
@@ -10412,15 +11480,6 @@
                                     <a:latin typeface="Cambria Math" panose="02040503050406030204" pitchFamily="18" charset="0"/>
                                   </a:rPr>
                                   <m:t>𝒎</m:t>
-                                </m:r>
-                                <m:r>
-                                  <a:rPr lang="it-IT" b="1" smtClean="0">
-                                    <a:solidFill>
-                                      <a:srgbClr val="000000"/>
-                                    </a:solidFill>
-                                    <a:latin typeface="Cambria Math" panose="02040503050406030204" pitchFamily="18" charset="0"/>
-                                  </a:rPr>
-                                  <m:t>]</m:t>
                                 </m:r>
                               </m:oMath>
                             </m:oMathPara>
@@ -10513,7 +11572,7 @@
                                     </a:solidFill>
                                     <a:latin typeface="Cambria Math" panose="02040503050406030204" pitchFamily="18" charset="0"/>
                                   </a:rPr>
-                                  <m:t> [</m:t>
+                                  <m:t> </m:t>
                                 </m:r>
                                 <m:r>
                                   <a:rPr lang="it-IT" b="1" i="1" smtClean="0">
@@ -10523,15 +11582,6 @@
                                     <a:latin typeface="Cambria Math" panose="02040503050406030204" pitchFamily="18" charset="0"/>
                                   </a:rPr>
                                   <m:t>𝒌𝒈</m:t>
-                                </m:r>
-                                <m:r>
-                                  <a:rPr lang="it-IT" b="1" smtClean="0">
-                                    <a:solidFill>
-                                      <a:srgbClr val="000000"/>
-                                    </a:solidFill>
-                                    <a:latin typeface="Cambria Math" panose="02040503050406030204" pitchFamily="18" charset="0"/>
-                                  </a:rPr>
-                                  <m:t>]</m:t>
                                 </m:r>
                               </m:oMath>
                             </m:oMathPara>
@@ -10692,15 +11742,6 @@
                                     </a:solidFill>
                                     <a:latin typeface="Cambria Math" panose="02040503050406030204" pitchFamily="18" charset="0"/>
                                   </a:rPr>
-                                  <m:t>[</m:t>
-                                </m:r>
-                                <m:r>
-                                  <a:rPr lang="it-IT" b="1" smtClean="0">
-                                    <a:solidFill>
-                                      <a:srgbClr val="000000"/>
-                                    </a:solidFill>
-                                    <a:latin typeface="Cambria Math" panose="02040503050406030204" pitchFamily="18" charset="0"/>
-                                  </a:rPr>
                                   <m:t>𝒌𝒈</m:t>
                                 </m:r>
                                 <m:r>
@@ -10746,15 +11787,6 @@
                                     </m:r>
                                   </m:sup>
                                 </m:sSup>
-                                <m:r>
-                                  <a:rPr lang="it-IT" b="1" smtClean="0">
-                                    <a:solidFill>
-                                      <a:srgbClr val="000000"/>
-                                    </a:solidFill>
-                                    <a:latin typeface="Cambria Math" panose="02040503050406030204" pitchFamily="18" charset="0"/>
-                                  </a:rPr>
-                                  <m:t>]</m:t>
-                                </m:r>
                               </m:oMath>
                             </m:oMathPara>
                           </a14:m>
@@ -10849,15 +11881,6 @@
                                   <m:t> </m:t>
                                 </m:r>
                                 <m:r>
-                                  <a:rPr lang="it-IT" b="1" smtClean="0">
-                                    <a:solidFill>
-                                      <a:srgbClr val="000000"/>
-                                    </a:solidFill>
-                                    <a:latin typeface="Cambria Math" panose="02040503050406030204" pitchFamily="18" charset="0"/>
-                                  </a:rPr>
-                                  <m:t>[</m:t>
-                                </m:r>
-                                <m:r>
                                   <a:rPr lang="it-IT" b="1" i="1" smtClean="0">
                                     <a:solidFill>
                                       <a:srgbClr val="000000"/>
@@ -10883,15 +11906,6 @@
                                     <a:latin typeface="Cambria Math" panose="02040503050406030204" pitchFamily="18" charset="0"/>
                                   </a:rPr>
                                   <m:t>𝒓𝒂𝒅</m:t>
-                                </m:r>
-                                <m:r>
-                                  <a:rPr lang="it-IT" b="1" smtClean="0">
-                                    <a:solidFill>
-                                      <a:srgbClr val="000000"/>
-                                    </a:solidFill>
-                                    <a:latin typeface="Cambria Math" panose="02040503050406030204" pitchFamily="18" charset="0"/>
-                                  </a:rPr>
-                                  <m:t>]</m:t>
                                 </m:r>
                               </m:oMath>
                             </m:oMathPara>
@@ -10926,7 +11940,7 @@
             </a:graphic>
           </p:graphicFrame>
         </mc:Choice>
-        <mc:Fallback>
+        <mc:Fallback xmlns="">
           <p:graphicFrame>
             <p:nvGraphicFramePr>
               <p:cNvPr id="5" name="Tabella 4">
@@ -10942,7 +11956,7 @@
               <p:nvPr>
                 <p:extLst>
                   <p:ext uri="{D42A27DB-BD31-4B8C-83A1-F6EECF244321}">
-                    <p14:modId xmlns:p14="http://schemas.microsoft.com/office/powerpoint/2010/main" val="3153190702"/>
+                    <p14:modId xmlns:p14="http://schemas.microsoft.com/office/powerpoint/2010/main" val="4101303463"/>
                   </p:ext>
                 </p:extLst>
               </p:nvPr>
@@ -11351,13 +12365,13 @@
           <p:nvPr>
             <p:extLst>
               <p:ext uri="{D42A27DB-BD31-4B8C-83A1-F6EECF244321}">
-                <p14:modId xmlns:p14="http://schemas.microsoft.com/office/powerpoint/2010/main" val="2308270346"/>
+                <p14:modId xmlns:p14="http://schemas.microsoft.com/office/powerpoint/2010/main" val="4249843941"/>
               </p:ext>
             </p:extLst>
           </p:nvPr>
         </p:nvGraphicFramePr>
         <p:xfrm>
-          <a:off x="4283968" y="2240868"/>
+          <a:off x="4283968" y="2231036"/>
           <a:ext cx="4535385" cy="1788402"/>
         </p:xfrm>
         <a:graphic>
@@ -11915,7 +12929,7 @@
                 <a:latin typeface="Calibri" panose="020F0502020204030204" pitchFamily="34" charset="0"/>
                 <a:ea typeface="ＭＳ Ｐゴシック" panose="020B0600070205080204" pitchFamily="34" charset="-128"/>
               </a:rPr>
-              <a:t>ELASTIC CASE</a:t>
+              <a:t>ELASTIC CASE – CONFIGURATION A</a:t>
             </a:r>
           </a:p>
         </p:txBody>
@@ -12021,7 +13035,7 @@
           <p:cNvPr id="3" name="CasellaDiTesto 2">
             <a:extLst>
               <a:ext uri="{FF2B5EF4-FFF2-40B4-BE49-F238E27FC236}">
-                <a16:creationId xmlns:a16="http://schemas.microsoft.com/office/drawing/2014/main" id="{B7FCB1A5-0767-C1A3-9131-6043F500C2D8}"/>
+                <a16:creationId xmlns:a16="http://schemas.microsoft.com/office/drawing/2014/main" id="{281C1D18-DEC9-10E9-FBD6-1C6BBD6B8F75}"/>
               </a:ext>
             </a:extLst>
           </p:cNvPr>
@@ -12030,8 +13044,8 @@
         </p:nvSpPr>
         <p:spPr>
           <a:xfrm>
-            <a:off x="1019273" y="1682520"/>
-            <a:ext cx="2688794" cy="400110"/>
+            <a:off x="3137412" y="1484784"/>
+            <a:ext cx="2760639" cy="400110"/>
           </a:xfrm>
           <a:prstGeom prst="rect">
             <a:avLst/>
@@ -12055,1544 +13069,94 @@
                   <a:srgbClr val="000000"/>
                 </a:solidFill>
               </a:rPr>
-              <a:t>Robot parameters</a:t>
+              <a:t>Train and test losses</a:t>
             </a:r>
           </a:p>
         </p:txBody>
       </p:sp>
-      <p:sp>
-        <p:nvSpPr>
-          <p:cNvPr id="4" name="CasellaDiTesto 3">
+      <p:grpSp>
+        <p:nvGrpSpPr>
+          <p:cNvPr id="4" name="Gruppo 3">
             <a:extLst>
               <a:ext uri="{FF2B5EF4-FFF2-40B4-BE49-F238E27FC236}">
-                <a16:creationId xmlns:a16="http://schemas.microsoft.com/office/drawing/2014/main" id="{2946FDFB-D1EF-8909-5712-10995CA9D7A6}"/>
+                <a16:creationId xmlns:a16="http://schemas.microsoft.com/office/drawing/2014/main" id="{79928A18-A335-E9E4-7CCE-517BA6AEFE53}"/>
               </a:ext>
             </a:extLst>
           </p:cNvPr>
-          <p:cNvSpPr txBox="1"/>
+          <p:cNvGrpSpPr/>
           <p:nvPr/>
-        </p:nvSpPr>
-        <p:spPr>
+        </p:nvGrpSpPr>
+        <p:grpSpPr>
           <a:xfrm>
-            <a:off x="5424469" y="1682520"/>
-            <a:ext cx="2688794" cy="400110"/>
+            <a:off x="423697" y="1935489"/>
+            <a:ext cx="8253935" cy="2987023"/>
+            <a:chOff x="235835" y="2204864"/>
+            <a:chExt cx="8253935" cy="2987023"/>
           </a:xfrm>
-          <a:prstGeom prst="rect">
-            <a:avLst/>
-          </a:prstGeom>
-          <a:noFill/>
-        </p:spPr>
-        <p:txBody>
-          <a:bodyPr wrap="square" rtlCol="0">
-            <a:spAutoFit/>
-          </a:bodyPr>
-          <a:lstStyle/>
-          <a:p>
-            <a:pPr algn="ctr">
-              <a:buClr>
-                <a:schemeClr val="tx1"/>
-              </a:buClr>
-            </a:pPr>
-            <a:r>
-              <a:rPr lang="en-US" sz="2000" b="1" dirty="0">
-                <a:solidFill>
-                  <a:srgbClr val="000000"/>
-                </a:solidFill>
-              </a:rPr>
-              <a:t>Network setup</a:t>
-            </a:r>
-          </a:p>
-        </p:txBody>
-      </p:sp>
-      <mc:AlternateContent xmlns:mc="http://schemas.openxmlformats.org/markup-compatibility/2006">
-        <mc:Choice xmlns:a14="http://schemas.microsoft.com/office/drawing/2010/main" Requires="a14">
-          <p:graphicFrame>
-            <p:nvGraphicFramePr>
-              <p:cNvPr id="5" name="Tabella 4">
-                <a:extLst>
-                  <a:ext uri="{FF2B5EF4-FFF2-40B4-BE49-F238E27FC236}">
-                    <a16:creationId xmlns:a16="http://schemas.microsoft.com/office/drawing/2014/main" id="{35ED4122-F159-F745-195C-2C93B67869C8}"/>
-                  </a:ext>
-                </a:extLst>
-              </p:cNvPr>
-              <p:cNvGraphicFramePr>
-                <a:graphicFrameLocks noGrp="1"/>
-              </p:cNvGraphicFramePr>
-              <p:nvPr/>
-            </p:nvGraphicFramePr>
-            <p:xfrm>
-              <a:off x="323528" y="2229522"/>
-              <a:ext cx="4080284" cy="2664296"/>
-            </p:xfrm>
-            <a:graphic>
-              <a:graphicData uri="http://schemas.openxmlformats.org/drawingml/2006/table">
-                <a:tbl>
-                  <a:tblPr firstRow="1" bandRow="1">
-                    <a:tableStyleId>{91EBBBCC-DAD2-459C-BE2E-F6DE35CF9A28}</a:tableStyleId>
-                  </a:tblPr>
-                  <a:tblGrid>
-                    <a:gridCol w="2040142">
-                      <a:extLst>
-                        <a:ext uri="{9D8B030D-6E8A-4147-A177-3AD203B41FA5}">
-                          <a16:colId xmlns:a16="http://schemas.microsoft.com/office/drawing/2014/main" val="3167897769"/>
-                        </a:ext>
-                      </a:extLst>
-                    </a:gridCol>
-                    <a:gridCol w="2040142">
-                      <a:extLst>
-                        <a:ext uri="{9D8B030D-6E8A-4147-A177-3AD203B41FA5}">
-                          <a16:colId xmlns:a16="http://schemas.microsoft.com/office/drawing/2014/main" val="2027508887"/>
-                        </a:ext>
-                      </a:extLst>
-                    </a:gridCol>
-                  </a:tblGrid>
-                  <a:tr h="474561">
-                    <a:tc>
-                      <a:txBody>
-                        <a:bodyPr/>
-                        <a:lstStyle/>
-                        <a:p>
-                          <a:pPr algn="ctr"/>
-                          <a:r>
-                            <a:rPr lang="en-US" dirty="0"/>
-                            <a:t>Parameter</a:t>
-                          </a:r>
-                        </a:p>
-                      </a:txBody>
-                      <a:tcPr anchor="ctr"/>
-                    </a:tc>
-                    <a:tc>
-                      <a:txBody>
-                        <a:bodyPr/>
-                        <a:lstStyle/>
-                        <a:p>
-                          <a:pPr algn="ctr"/>
-                          <a:r>
-                            <a:rPr lang="en-US" dirty="0"/>
-                            <a:t>Measure</a:t>
-                          </a:r>
-                        </a:p>
-                      </a:txBody>
-                      <a:tcPr anchor="ctr">
-                        <a:lnB w="12700" cap="flat" cmpd="sng" algn="ctr">
-                          <a:noFill/>
-                          <a:prstDash val="solid"/>
-                          <a:round/>
-                          <a:headEnd type="none" w="med" len="med"/>
-                          <a:tailEnd type="none" w="med" len="med"/>
-                        </a:lnB>
-                      </a:tcPr>
-                    </a:tc>
-                    <a:extLst>
-                      <a:ext uri="{0D108BD9-81ED-4DB2-BD59-A6C34878D82A}">
-                        <a16:rowId xmlns:a16="http://schemas.microsoft.com/office/drawing/2014/main" val="78001966"/>
-                      </a:ext>
-                    </a:extLst>
-                  </a:tr>
-                  <a:tr h="437947">
-                    <a:tc>
-                      <a:txBody>
-                        <a:bodyPr/>
-                        <a:lstStyle/>
-                        <a:p>
-                          <a:pPr algn="ctr"/>
-                          <a:r>
-                            <a:rPr lang="en-US" b="1" dirty="0">
-                              <a:solidFill>
-                                <a:srgbClr val="000000"/>
-                              </a:solidFill>
-                            </a:rPr>
-                            <a:t>Length</a:t>
-                          </a:r>
-                        </a:p>
-                      </a:txBody>
-                      <a:tcPr anchor="ctr">
-                        <a:lnR w="12700" cap="flat" cmpd="sng" algn="ctr">
-                          <a:noFill/>
-                          <a:prstDash val="solid"/>
-                          <a:round/>
-                          <a:headEnd type="none" w="med" len="med"/>
-                          <a:tailEnd type="none" w="med" len="med"/>
-                        </a:lnR>
-                      </a:tcPr>
-                    </a:tc>
-                    <a:tc>
-                      <a:txBody>
-                        <a:bodyPr/>
-                        <a:lstStyle/>
-                        <a:p>
-                          <a:pPr algn="ctr"/>
-                          <a14:m>
-                            <m:oMathPara xmlns:m="http://schemas.openxmlformats.org/officeDocument/2006/math">
-                              <m:oMathParaPr>
-                                <m:jc m:val="centerGroup"/>
-                              </m:oMathParaPr>
-                              <m:oMath xmlns:m="http://schemas.openxmlformats.org/officeDocument/2006/math">
-                                <m:r>
-                                  <a:rPr lang="it-IT" b="1" smtClean="0">
-                                    <a:solidFill>
-                                      <a:srgbClr val="000000"/>
-                                    </a:solidFill>
-                                    <a:latin typeface="Cambria Math" panose="02040503050406030204" pitchFamily="18" charset="0"/>
-                                  </a:rPr>
-                                  <m:t>𝟎</m:t>
-                                </m:r>
-                                <m:r>
-                                  <a:rPr lang="it-IT" b="1" smtClean="0">
-                                    <a:solidFill>
-                                      <a:srgbClr val="000000"/>
-                                    </a:solidFill>
-                                    <a:latin typeface="Cambria Math" panose="02040503050406030204" pitchFamily="18" charset="0"/>
-                                  </a:rPr>
-                                  <m:t>.</m:t>
-                                </m:r>
-                                <m:r>
-                                  <a:rPr lang="it-IT" b="1" smtClean="0">
-                                    <a:solidFill>
-                                      <a:srgbClr val="000000"/>
-                                    </a:solidFill>
-                                    <a:latin typeface="Cambria Math" panose="02040503050406030204" pitchFamily="18" charset="0"/>
-                                  </a:rPr>
-                                  <m:t>𝟑𝟎</m:t>
-                                </m:r>
-                                <m:r>
-                                  <a:rPr lang="it-IT" b="1" smtClean="0">
-                                    <a:solidFill>
-                                      <a:srgbClr val="000000"/>
-                                    </a:solidFill>
-                                    <a:latin typeface="Cambria Math" panose="02040503050406030204" pitchFamily="18" charset="0"/>
-                                  </a:rPr>
-                                  <m:t> [</m:t>
-                                </m:r>
-                                <m:r>
-                                  <a:rPr lang="it-IT" b="1" smtClean="0">
-                                    <a:solidFill>
-                                      <a:srgbClr val="000000"/>
-                                    </a:solidFill>
-                                    <a:latin typeface="Cambria Math" panose="02040503050406030204" pitchFamily="18" charset="0"/>
-                                  </a:rPr>
-                                  <m:t>𝒎</m:t>
-                                </m:r>
-                                <m:r>
-                                  <a:rPr lang="it-IT" b="1" smtClean="0">
-                                    <a:solidFill>
-                                      <a:srgbClr val="000000"/>
-                                    </a:solidFill>
-                                    <a:latin typeface="Cambria Math" panose="02040503050406030204" pitchFamily="18" charset="0"/>
-                                  </a:rPr>
-                                  <m:t>]</m:t>
-                                </m:r>
-                              </m:oMath>
-                            </m:oMathPara>
-                          </a14:m>
-                          <a:endParaRPr lang="en-US" b="1" dirty="0">
-                            <a:solidFill>
-                              <a:srgbClr val="000000"/>
-                            </a:solidFill>
-                          </a:endParaRPr>
-                        </a:p>
-                      </a:txBody>
-                      <a:tcPr anchor="ctr">
-                        <a:lnL w="12700" cap="flat" cmpd="sng" algn="ctr">
-                          <a:noFill/>
-                          <a:prstDash val="solid"/>
-                          <a:round/>
-                          <a:headEnd type="none" w="med" len="med"/>
-                          <a:tailEnd type="none" w="med" len="med"/>
-                        </a:lnL>
-                        <a:lnR w="12700" cap="flat" cmpd="sng" algn="ctr">
-                          <a:noFill/>
-                          <a:prstDash val="solid"/>
-                          <a:round/>
-                          <a:headEnd type="none" w="med" len="med"/>
-                          <a:tailEnd type="none" w="med" len="med"/>
-                        </a:lnR>
-                        <a:lnT w="12700" cap="flat" cmpd="sng" algn="ctr">
-                          <a:noFill/>
-                          <a:prstDash val="solid"/>
-                          <a:round/>
-                          <a:headEnd type="none" w="med" len="med"/>
-                          <a:tailEnd type="none" w="med" len="med"/>
-                        </a:lnT>
-                        <a:lnB w="12700" cap="flat" cmpd="sng" algn="ctr">
-                          <a:noFill/>
-                          <a:prstDash val="solid"/>
-                          <a:round/>
-                          <a:headEnd type="none" w="med" len="med"/>
-                          <a:tailEnd type="none" w="med" len="med"/>
-                        </a:lnB>
-                      </a:tcPr>
-                    </a:tc>
-                    <a:extLst>
-                      <a:ext uri="{0D108BD9-81ED-4DB2-BD59-A6C34878D82A}">
-                        <a16:rowId xmlns:a16="http://schemas.microsoft.com/office/drawing/2014/main" val="4174915430"/>
-                      </a:ext>
-                    </a:extLst>
-                  </a:tr>
-                  <a:tr h="437947">
-                    <a:tc>
-                      <a:txBody>
-                        <a:bodyPr/>
-                        <a:lstStyle/>
-                        <a:p>
-                          <a:pPr algn="ctr"/>
-                          <a:r>
-                            <a:rPr lang="en-US" b="1" dirty="0">
-                              <a:solidFill>
-                                <a:srgbClr val="000000"/>
-                              </a:solidFill>
-                            </a:rPr>
-                            <a:t>Base radius</a:t>
-                          </a:r>
-                        </a:p>
-                      </a:txBody>
-                      <a:tcPr anchor="ctr"/>
-                    </a:tc>
-                    <a:tc>
-                      <a:txBody>
-                        <a:bodyPr/>
-                        <a:lstStyle/>
-                        <a:p>
-                          <a:pPr marL="0" marR="0" lvl="0" indent="0" algn="ctr" defTabSz="457200" rtl="0" eaLnBrk="1" fontAlgn="auto" latinLnBrk="0" hangingPunct="1">
-                            <a:lnSpc>
-                              <a:spcPct val="100000"/>
-                            </a:lnSpc>
-                            <a:spcBef>
-                              <a:spcPts val="0"/>
-                            </a:spcBef>
-                            <a:spcAft>
-                              <a:spcPts val="0"/>
-                            </a:spcAft>
-                            <a:buClrTx/>
-                            <a:buSzTx/>
-                            <a:buFontTx/>
-                            <a:buNone/>
-                            <a:tabLst/>
-                            <a:defRPr/>
-                          </a:pPr>
-                          <a14:m>
-                            <m:oMathPara xmlns:m="http://schemas.openxmlformats.org/officeDocument/2006/math">
-                              <m:oMathParaPr>
-                                <m:jc m:val="centerGroup"/>
-                              </m:oMathParaPr>
-                              <m:oMath xmlns:m="http://schemas.openxmlformats.org/officeDocument/2006/math">
-                                <m:r>
-                                  <a:rPr lang="it-IT" b="1" smtClean="0">
-                                    <a:solidFill>
-                                      <a:srgbClr val="000000"/>
-                                    </a:solidFill>
-                                    <a:latin typeface="Cambria Math" panose="02040503050406030204" pitchFamily="18" charset="0"/>
-                                  </a:rPr>
-                                  <m:t>𝟎</m:t>
-                                </m:r>
-                                <m:r>
-                                  <a:rPr lang="it-IT" b="1" smtClean="0">
-                                    <a:solidFill>
-                                      <a:srgbClr val="000000"/>
-                                    </a:solidFill>
-                                    <a:latin typeface="Cambria Math" panose="02040503050406030204" pitchFamily="18" charset="0"/>
-                                  </a:rPr>
-                                  <m:t>.</m:t>
-                                </m:r>
-                                <m:r>
-                                  <a:rPr lang="it-IT" b="1" smtClean="0">
-                                    <a:solidFill>
-                                      <a:srgbClr val="000000"/>
-                                    </a:solidFill>
-                                    <a:latin typeface="Cambria Math" panose="02040503050406030204" pitchFamily="18" charset="0"/>
-                                  </a:rPr>
-                                  <m:t>𝟎𝟏</m:t>
-                                </m:r>
-                                <m:r>
-                                  <a:rPr lang="it-IT" b="1" smtClean="0">
-                                    <a:solidFill>
-                                      <a:srgbClr val="000000"/>
-                                    </a:solidFill>
-                                    <a:latin typeface="Cambria Math" panose="02040503050406030204" pitchFamily="18" charset="0"/>
-                                  </a:rPr>
-                                  <m:t> [</m:t>
-                                </m:r>
-                                <m:r>
-                                  <a:rPr lang="it-IT" b="1" smtClean="0">
-                                    <a:solidFill>
-                                      <a:srgbClr val="000000"/>
-                                    </a:solidFill>
-                                    <a:latin typeface="Cambria Math" panose="02040503050406030204" pitchFamily="18" charset="0"/>
-                                  </a:rPr>
-                                  <m:t>𝒎</m:t>
-                                </m:r>
-                                <m:r>
-                                  <a:rPr lang="it-IT" b="1" smtClean="0">
-                                    <a:solidFill>
-                                      <a:srgbClr val="000000"/>
-                                    </a:solidFill>
-                                    <a:latin typeface="Cambria Math" panose="02040503050406030204" pitchFamily="18" charset="0"/>
-                                  </a:rPr>
-                                  <m:t>]</m:t>
-                                </m:r>
-                              </m:oMath>
-                            </m:oMathPara>
-                          </a14:m>
-                          <a:endParaRPr lang="en-US" b="1" dirty="0">
-                            <a:solidFill>
-                              <a:srgbClr val="000000"/>
-                            </a:solidFill>
-                          </a:endParaRPr>
-                        </a:p>
-                      </a:txBody>
-                      <a:tcPr anchor="ctr">
-                        <a:lnT w="12700" cap="flat" cmpd="sng" algn="ctr">
-                          <a:noFill/>
-                          <a:prstDash val="solid"/>
-                          <a:round/>
-                          <a:headEnd type="none" w="med" len="med"/>
-                          <a:tailEnd type="none" w="med" len="med"/>
-                        </a:lnT>
-                      </a:tcPr>
-                    </a:tc>
-                    <a:extLst>
-                      <a:ext uri="{0D108BD9-81ED-4DB2-BD59-A6C34878D82A}">
-                        <a16:rowId xmlns:a16="http://schemas.microsoft.com/office/drawing/2014/main" val="3339051587"/>
-                      </a:ext>
-                    </a:extLst>
-                  </a:tr>
-                  <a:tr h="437947">
-                    <a:tc>
-                      <a:txBody>
-                        <a:bodyPr/>
-                        <a:lstStyle/>
-                        <a:p>
-                          <a:pPr algn="ctr"/>
-                          <a:r>
-                            <a:rPr lang="en-US" b="1" dirty="0" err="1">
-                              <a:solidFill>
-                                <a:srgbClr val="000000"/>
-                              </a:solidFill>
-                            </a:rPr>
-                            <a:t>CoM</a:t>
-                          </a:r>
-                          <a:r>
-                            <a:rPr lang="en-US" b="1" dirty="0">
-                              <a:solidFill>
-                                <a:srgbClr val="000000"/>
-                              </a:solidFill>
-                            </a:rPr>
-                            <a:t> distance</a:t>
-                          </a:r>
-                        </a:p>
-                      </a:txBody>
-                      <a:tcPr anchor="ctr"/>
-                    </a:tc>
-                    <a:tc>
-                      <a:txBody>
-                        <a:bodyPr/>
-                        <a:lstStyle/>
-                        <a:p>
-                          <a:pPr algn="ctr"/>
-                          <a14:m>
-                            <m:oMathPara xmlns:m="http://schemas.openxmlformats.org/officeDocument/2006/math">
-                              <m:oMathParaPr>
-                                <m:jc m:val="centerGroup"/>
-                              </m:oMathParaPr>
-                              <m:oMath xmlns:m="http://schemas.openxmlformats.org/officeDocument/2006/math">
-                                <m:r>
-                                  <a:rPr lang="it-IT" b="1" smtClean="0">
-                                    <a:solidFill>
-                                      <a:srgbClr val="000000"/>
-                                    </a:solidFill>
-                                    <a:latin typeface="Cambria Math" panose="02040503050406030204" pitchFamily="18" charset="0"/>
-                                  </a:rPr>
-                                  <m:t>𝟎</m:t>
-                                </m:r>
-                                <m:r>
-                                  <a:rPr lang="it-IT" b="1" smtClean="0">
-                                    <a:solidFill>
-                                      <a:srgbClr val="000000"/>
-                                    </a:solidFill>
-                                    <a:latin typeface="Cambria Math" panose="02040503050406030204" pitchFamily="18" charset="0"/>
-                                  </a:rPr>
-                                  <m:t>.</m:t>
-                                </m:r>
-                                <m:r>
-                                  <a:rPr lang="it-IT" b="1" smtClean="0">
-                                    <a:solidFill>
-                                      <a:srgbClr val="000000"/>
-                                    </a:solidFill>
-                                    <a:latin typeface="Cambria Math" panose="02040503050406030204" pitchFamily="18" charset="0"/>
-                                  </a:rPr>
-                                  <m:t>𝟏𝟓</m:t>
-                                </m:r>
-                                <m:r>
-                                  <a:rPr lang="it-IT" b="1" smtClean="0">
-                                    <a:solidFill>
-                                      <a:srgbClr val="000000"/>
-                                    </a:solidFill>
-                                    <a:latin typeface="Cambria Math" panose="02040503050406030204" pitchFamily="18" charset="0"/>
-                                  </a:rPr>
-                                  <m:t> [</m:t>
-                                </m:r>
-                                <m:r>
-                                  <a:rPr lang="it-IT" b="1" smtClean="0">
-                                    <a:solidFill>
-                                      <a:srgbClr val="000000"/>
-                                    </a:solidFill>
-                                    <a:latin typeface="Cambria Math" panose="02040503050406030204" pitchFamily="18" charset="0"/>
-                                  </a:rPr>
-                                  <m:t>𝒎</m:t>
-                                </m:r>
-                                <m:r>
-                                  <a:rPr lang="it-IT" b="1" smtClean="0">
-                                    <a:solidFill>
-                                      <a:srgbClr val="000000"/>
-                                    </a:solidFill>
-                                    <a:latin typeface="Cambria Math" panose="02040503050406030204" pitchFamily="18" charset="0"/>
-                                  </a:rPr>
-                                  <m:t>]</m:t>
-                                </m:r>
-                              </m:oMath>
-                            </m:oMathPara>
-                          </a14:m>
-                          <a:endParaRPr lang="en-US" b="1" dirty="0">
-                            <a:solidFill>
-                              <a:srgbClr val="000000"/>
-                            </a:solidFill>
-                          </a:endParaRPr>
-                        </a:p>
-                      </a:txBody>
-                      <a:tcPr anchor="ctr"/>
-                    </a:tc>
-                    <a:extLst>
-                      <a:ext uri="{0D108BD9-81ED-4DB2-BD59-A6C34878D82A}">
-                        <a16:rowId xmlns:a16="http://schemas.microsoft.com/office/drawing/2014/main" val="1298354016"/>
-                      </a:ext>
-                    </a:extLst>
-                  </a:tr>
-                  <a:tr h="437947">
-                    <a:tc>
-                      <a:txBody>
-                        <a:bodyPr/>
-                        <a:lstStyle/>
-                        <a:p>
-                          <a:pPr algn="ctr"/>
-                          <a:r>
-                            <a:rPr lang="en-US" b="1" dirty="0">
-                              <a:solidFill>
-                                <a:srgbClr val="000000"/>
-                              </a:solidFill>
-                            </a:rPr>
-                            <a:t>Mass</a:t>
-                          </a:r>
-                        </a:p>
-                      </a:txBody>
-                      <a:tcPr anchor="ctr"/>
-                    </a:tc>
-                    <a:tc>
-                      <a:txBody>
-                        <a:bodyPr/>
-                        <a:lstStyle/>
-                        <a:p>
-                          <a:pPr algn="ctr"/>
-                          <a14:m>
-                            <m:oMathPara xmlns:m="http://schemas.openxmlformats.org/officeDocument/2006/math">
-                              <m:oMathParaPr>
-                                <m:jc m:val="centerGroup"/>
-                              </m:oMathParaPr>
-                              <m:oMath xmlns:m="http://schemas.openxmlformats.org/officeDocument/2006/math">
-                                <m:r>
-                                  <a:rPr lang="it-IT" b="1" smtClean="0">
-                                    <a:solidFill>
-                                      <a:srgbClr val="000000"/>
-                                    </a:solidFill>
-                                    <a:latin typeface="Cambria Math" panose="02040503050406030204" pitchFamily="18" charset="0"/>
-                                  </a:rPr>
-                                  <m:t>𝟎</m:t>
-                                </m:r>
-                                <m:r>
-                                  <a:rPr lang="it-IT" b="1" smtClean="0">
-                                    <a:solidFill>
-                                      <a:srgbClr val="000000"/>
-                                    </a:solidFill>
-                                    <a:latin typeface="Cambria Math" panose="02040503050406030204" pitchFamily="18" charset="0"/>
-                                  </a:rPr>
-                                  <m:t>.</m:t>
-                                </m:r>
-                                <m:r>
-                                  <a:rPr lang="it-IT" b="1" smtClean="0">
-                                    <a:solidFill>
-                                      <a:srgbClr val="000000"/>
-                                    </a:solidFill>
-                                    <a:latin typeface="Cambria Math" panose="02040503050406030204" pitchFamily="18" charset="0"/>
-                                  </a:rPr>
-                                  <m:t>𝟐𝟓</m:t>
-                                </m:r>
-                                <m:r>
-                                  <a:rPr lang="it-IT" b="1" smtClean="0">
-                                    <a:solidFill>
-                                      <a:srgbClr val="000000"/>
-                                    </a:solidFill>
-                                    <a:latin typeface="Cambria Math" panose="02040503050406030204" pitchFamily="18" charset="0"/>
-                                  </a:rPr>
-                                  <m:t> [</m:t>
-                                </m:r>
-                                <m:r>
-                                  <a:rPr lang="it-IT" b="1" smtClean="0">
-                                    <a:solidFill>
-                                      <a:srgbClr val="000000"/>
-                                    </a:solidFill>
-                                    <a:latin typeface="Cambria Math" panose="02040503050406030204" pitchFamily="18" charset="0"/>
-                                  </a:rPr>
-                                  <m:t>𝒌𝒈</m:t>
-                                </m:r>
-                                <m:r>
-                                  <a:rPr lang="it-IT" b="1" smtClean="0">
-                                    <a:solidFill>
-                                      <a:srgbClr val="000000"/>
-                                    </a:solidFill>
-                                    <a:latin typeface="Cambria Math" panose="02040503050406030204" pitchFamily="18" charset="0"/>
-                                  </a:rPr>
-                                  <m:t>]</m:t>
-                                </m:r>
-                              </m:oMath>
-                            </m:oMathPara>
-                          </a14:m>
-                          <a:endParaRPr lang="en-US" b="1" dirty="0">
-                            <a:solidFill>
-                              <a:srgbClr val="000000"/>
-                            </a:solidFill>
-                          </a:endParaRPr>
-                        </a:p>
-                      </a:txBody>
-                      <a:tcPr anchor="ctr"/>
-                    </a:tc>
-                    <a:extLst>
-                      <a:ext uri="{0D108BD9-81ED-4DB2-BD59-A6C34878D82A}">
-                        <a16:rowId xmlns:a16="http://schemas.microsoft.com/office/drawing/2014/main" val="3491016026"/>
-                      </a:ext>
-                    </a:extLst>
-                  </a:tr>
-                  <a:tr h="437947">
-                    <a:tc>
-                      <a:txBody>
-                        <a:bodyPr/>
-                        <a:lstStyle/>
-                        <a:p>
-                          <a:pPr algn="ctr"/>
-                          <a:r>
-                            <a:rPr lang="en-US" b="1" dirty="0">
-                              <a:solidFill>
-                                <a:srgbClr val="000000"/>
-                              </a:solidFill>
-                            </a:rPr>
-                            <a:t>Inertia</a:t>
-                          </a:r>
-                        </a:p>
-                      </a:txBody>
-                      <a:tcPr anchor="ctr">
-                        <a:lnB w="12700" cap="flat" cmpd="sng" algn="ctr">
-                          <a:solidFill>
-                            <a:schemeClr val="tx1"/>
-                          </a:solidFill>
-                          <a:prstDash val="solid"/>
-                          <a:round/>
-                          <a:headEnd type="none" w="med" len="med"/>
-                          <a:tailEnd type="none" w="med" len="med"/>
-                        </a:lnB>
-                      </a:tcPr>
-                    </a:tc>
-                    <a:tc>
-                      <a:txBody>
-                        <a:bodyPr/>
-                        <a:lstStyle/>
-                        <a:p>
-                          <a:pPr algn="ctr"/>
-                          <a14:m>
-                            <m:oMathPara xmlns:m="http://schemas.openxmlformats.org/officeDocument/2006/math">
-                              <m:oMathParaPr>
-                                <m:jc m:val="centerGroup"/>
-                              </m:oMathParaPr>
-                              <m:oMath xmlns:m="http://schemas.openxmlformats.org/officeDocument/2006/math">
-                                <m:r>
-                                  <a:rPr lang="it-IT" b="1" smtClean="0">
-                                    <a:solidFill>
-                                      <a:srgbClr val="000000"/>
-                                    </a:solidFill>
-                                    <a:latin typeface="Cambria Math" panose="02040503050406030204" pitchFamily="18" charset="0"/>
-                                  </a:rPr>
-                                  <m:t>𝟎</m:t>
-                                </m:r>
-                                <m:r>
-                                  <a:rPr lang="it-IT" b="1" smtClean="0">
-                                    <a:solidFill>
-                                      <a:srgbClr val="000000"/>
-                                    </a:solidFill>
-                                    <a:latin typeface="Cambria Math" panose="02040503050406030204" pitchFamily="18" charset="0"/>
-                                  </a:rPr>
-                                  <m:t>.</m:t>
-                                </m:r>
-                                <m:r>
-                                  <a:rPr lang="it-IT" b="1" smtClean="0">
-                                    <a:solidFill>
-                                      <a:srgbClr val="000000"/>
-                                    </a:solidFill>
-                                    <a:latin typeface="Cambria Math" panose="02040503050406030204" pitchFamily="18" charset="0"/>
-                                  </a:rPr>
-                                  <m:t>𝟎𝟏𝟏𝟐𝟓</m:t>
-                                </m:r>
-                                <m:r>
-                                  <a:rPr lang="it-IT" b="1" smtClean="0">
-                                    <a:solidFill>
-                                      <a:srgbClr val="000000"/>
-                                    </a:solidFill>
-                                    <a:latin typeface="Cambria Math" panose="02040503050406030204" pitchFamily="18" charset="0"/>
-                                  </a:rPr>
-                                  <m:t> [</m:t>
-                                </m:r>
-                                <m:r>
-                                  <a:rPr lang="it-IT" b="1" smtClean="0">
-                                    <a:solidFill>
-                                      <a:srgbClr val="000000"/>
-                                    </a:solidFill>
-                                    <a:latin typeface="Cambria Math" panose="02040503050406030204" pitchFamily="18" charset="0"/>
-                                  </a:rPr>
-                                  <m:t>𝒌𝒈</m:t>
-                                </m:r>
-                                <m:r>
-                                  <a:rPr lang="it-IT" b="1" smtClean="0">
-                                    <a:solidFill>
-                                      <a:srgbClr val="000000"/>
-                                    </a:solidFill>
-                                    <a:latin typeface="Cambria Math" panose="02040503050406030204" pitchFamily="18" charset="0"/>
-                                  </a:rPr>
-                                  <m:t> </m:t>
-                                </m:r>
-                                <m:sSup>
-                                  <m:sSupPr>
-                                    <m:ctrlPr>
-                                      <a:rPr lang="it-IT" b="1" i="1" smtClean="0">
-                                        <a:solidFill>
-                                          <a:srgbClr val="000000"/>
-                                        </a:solidFill>
-                                        <a:latin typeface="Cambria Math" panose="02040503050406030204" pitchFamily="18" charset="0"/>
-                                      </a:rPr>
-                                    </m:ctrlPr>
-                                  </m:sSupPr>
-                                  <m:e>
-                                    <m:r>
-                                      <a:rPr lang="it-IT" b="1" smtClean="0">
-                                        <a:solidFill>
-                                          <a:srgbClr val="000000"/>
-                                        </a:solidFill>
-                                        <a:latin typeface="Cambria Math" panose="02040503050406030204" pitchFamily="18" charset="0"/>
-                                      </a:rPr>
-                                      <m:t>𝒎</m:t>
-                                    </m:r>
-                                  </m:e>
-                                  <m:sup>
-                                    <m:r>
-                                      <a:rPr lang="it-IT" b="1" smtClean="0">
-                                        <a:solidFill>
-                                          <a:srgbClr val="000000"/>
-                                        </a:solidFill>
-                                        <a:latin typeface="Cambria Math" panose="02040503050406030204" pitchFamily="18" charset="0"/>
-                                      </a:rPr>
-                                      <m:t>𝟐</m:t>
-                                    </m:r>
-                                  </m:sup>
-                                </m:sSup>
-                                <m:r>
-                                  <a:rPr lang="it-IT" b="1" smtClean="0">
-                                    <a:solidFill>
-                                      <a:srgbClr val="000000"/>
-                                    </a:solidFill>
-                                    <a:latin typeface="Cambria Math" panose="02040503050406030204" pitchFamily="18" charset="0"/>
-                                  </a:rPr>
-                                  <m:t>]</m:t>
-                                </m:r>
-                              </m:oMath>
-                            </m:oMathPara>
-                          </a14:m>
-                          <a:endParaRPr lang="en-US" b="1" dirty="0">
-                            <a:solidFill>
-                              <a:srgbClr val="000000"/>
-                            </a:solidFill>
-                          </a:endParaRPr>
-                        </a:p>
-                      </a:txBody>
-                      <a:tcPr anchor="ctr">
-                        <a:lnB w="12700" cap="flat" cmpd="sng" algn="ctr">
-                          <a:solidFill>
-                            <a:schemeClr val="tx1"/>
-                          </a:solidFill>
-                          <a:prstDash val="solid"/>
-                          <a:round/>
-                          <a:headEnd type="none" w="med" len="med"/>
-                          <a:tailEnd type="none" w="med" len="med"/>
-                        </a:lnB>
-                      </a:tcPr>
-                    </a:tc>
-                    <a:extLst>
-                      <a:ext uri="{0D108BD9-81ED-4DB2-BD59-A6C34878D82A}">
-                        <a16:rowId xmlns:a16="http://schemas.microsoft.com/office/drawing/2014/main" val="4043941749"/>
-                      </a:ext>
-                    </a:extLst>
-                  </a:tr>
-                </a:tbl>
-              </a:graphicData>
-            </a:graphic>
-          </p:graphicFrame>
-        </mc:Choice>
-        <mc:Fallback>
-          <p:graphicFrame>
-            <p:nvGraphicFramePr>
-              <p:cNvPr id="5" name="Tabella 4">
-                <a:extLst>
-                  <a:ext uri="{FF2B5EF4-FFF2-40B4-BE49-F238E27FC236}">
-                    <a16:creationId xmlns:a16="http://schemas.microsoft.com/office/drawing/2014/main" id="{35ED4122-F159-F745-195C-2C93B67869C8}"/>
-                  </a:ext>
-                </a:extLst>
-              </p:cNvPr>
-              <p:cNvGraphicFramePr>
-                <a:graphicFrameLocks noGrp="1"/>
-              </p:cNvGraphicFramePr>
-              <p:nvPr/>
-            </p:nvGraphicFramePr>
-            <p:xfrm>
-              <a:off x="323528" y="2229522"/>
-              <a:ext cx="4080284" cy="2664296"/>
-            </p:xfrm>
-            <a:graphic>
-              <a:graphicData uri="http://schemas.openxmlformats.org/drawingml/2006/table">
-                <a:tbl>
-                  <a:tblPr firstRow="1" bandRow="1">
-                    <a:tableStyleId>{91EBBBCC-DAD2-459C-BE2E-F6DE35CF9A28}</a:tableStyleId>
-                  </a:tblPr>
-                  <a:tblGrid>
-                    <a:gridCol w="2040142">
-                      <a:extLst>
-                        <a:ext uri="{9D8B030D-6E8A-4147-A177-3AD203B41FA5}">
-                          <a16:colId xmlns:a16="http://schemas.microsoft.com/office/drawing/2014/main" val="3167897769"/>
-                        </a:ext>
-                      </a:extLst>
-                    </a:gridCol>
-                    <a:gridCol w="2040142">
-                      <a:extLst>
-                        <a:ext uri="{9D8B030D-6E8A-4147-A177-3AD203B41FA5}">
-                          <a16:colId xmlns:a16="http://schemas.microsoft.com/office/drawing/2014/main" val="2027508887"/>
-                        </a:ext>
-                      </a:extLst>
-                    </a:gridCol>
-                  </a:tblGrid>
-                  <a:tr h="474561">
-                    <a:tc>
-                      <a:txBody>
-                        <a:bodyPr/>
-                        <a:lstStyle/>
-                        <a:p>
-                          <a:pPr algn="ctr"/>
-                          <a:r>
-                            <a:rPr lang="en-US" dirty="0"/>
-                            <a:t>Parameter</a:t>
-                          </a:r>
-                        </a:p>
-                      </a:txBody>
-                      <a:tcPr anchor="ctr"/>
-                    </a:tc>
-                    <a:tc>
-                      <a:txBody>
-                        <a:bodyPr/>
-                        <a:lstStyle/>
-                        <a:p>
-                          <a:pPr algn="ctr"/>
-                          <a:r>
-                            <a:rPr lang="en-US" dirty="0"/>
-                            <a:t>Measure</a:t>
-                          </a:r>
-                        </a:p>
-                      </a:txBody>
-                      <a:tcPr anchor="ctr">
-                        <a:lnB w="12700" cap="flat" cmpd="sng" algn="ctr">
-                          <a:noFill/>
-                          <a:prstDash val="solid"/>
-                          <a:round/>
-                          <a:headEnd type="none" w="med" len="med"/>
-                          <a:tailEnd type="none" w="med" len="med"/>
-                        </a:lnB>
-                      </a:tcPr>
-                    </a:tc>
-                    <a:extLst>
-                      <a:ext uri="{0D108BD9-81ED-4DB2-BD59-A6C34878D82A}">
-                        <a16:rowId xmlns:a16="http://schemas.microsoft.com/office/drawing/2014/main" val="78001966"/>
-                      </a:ext>
-                    </a:extLst>
-                  </a:tr>
-                  <a:tr h="437947">
-                    <a:tc>
-                      <a:txBody>
-                        <a:bodyPr/>
-                        <a:lstStyle/>
-                        <a:p>
-                          <a:pPr algn="ctr"/>
-                          <a:r>
-                            <a:rPr lang="en-US" b="1" dirty="0">
-                              <a:solidFill>
-                                <a:srgbClr val="000000"/>
-                              </a:solidFill>
-                            </a:rPr>
-                            <a:t>Length</a:t>
-                          </a:r>
-                        </a:p>
-                      </a:txBody>
-                      <a:tcPr anchor="ctr">
-                        <a:lnR w="12700" cap="flat" cmpd="sng" algn="ctr">
-                          <a:noFill/>
-                          <a:prstDash val="solid"/>
-                          <a:round/>
-                          <a:headEnd type="none" w="med" len="med"/>
-                          <a:tailEnd type="none" w="med" len="med"/>
-                        </a:lnR>
-                      </a:tcPr>
-                    </a:tc>
-                    <a:tc>
-                      <a:txBody>
-                        <a:bodyPr/>
-                        <a:lstStyle/>
-                        <a:p>
-                          <a:endParaRPr lang="en-US"/>
-                        </a:p>
-                      </a:txBody>
-                      <a:tcPr anchor="ctr">
-                        <a:lnL w="12700" cap="flat" cmpd="sng" algn="ctr">
-                          <a:noFill/>
-                          <a:prstDash val="solid"/>
-                          <a:round/>
-                          <a:headEnd type="none" w="med" len="med"/>
-                          <a:tailEnd type="none" w="med" len="med"/>
-                        </a:lnL>
-                        <a:lnR w="12700" cap="flat" cmpd="sng" algn="ctr">
-                          <a:noFill/>
-                          <a:prstDash val="solid"/>
-                          <a:round/>
-                          <a:headEnd type="none" w="med" len="med"/>
-                          <a:tailEnd type="none" w="med" len="med"/>
-                        </a:lnR>
-                        <a:lnT w="12700" cap="flat" cmpd="sng" algn="ctr">
-                          <a:noFill/>
-                          <a:prstDash val="solid"/>
-                          <a:round/>
-                          <a:headEnd type="none" w="med" len="med"/>
-                          <a:tailEnd type="none" w="med" len="med"/>
-                        </a:lnT>
-                        <a:lnB w="12700" cap="flat" cmpd="sng" algn="ctr">
-                          <a:noFill/>
-                          <a:prstDash val="solid"/>
-                          <a:round/>
-                          <a:headEnd type="none" w="med" len="med"/>
-                          <a:tailEnd type="none" w="med" len="med"/>
-                        </a:lnB>
-                        <a:blipFill>
-                          <a:blip r:embed="rId2"/>
-                          <a:stretch>
-                            <a:fillRect l="-100000" t="-108333" r="-299" b="-413889"/>
-                          </a:stretch>
-                        </a:blipFill>
-                      </a:tcPr>
-                    </a:tc>
-                    <a:extLst>
-                      <a:ext uri="{0D108BD9-81ED-4DB2-BD59-A6C34878D82A}">
-                        <a16:rowId xmlns:a16="http://schemas.microsoft.com/office/drawing/2014/main" val="4174915430"/>
-                      </a:ext>
-                    </a:extLst>
-                  </a:tr>
-                  <a:tr h="437947">
-                    <a:tc>
-                      <a:txBody>
-                        <a:bodyPr/>
-                        <a:lstStyle/>
-                        <a:p>
-                          <a:pPr algn="ctr"/>
-                          <a:r>
-                            <a:rPr lang="en-US" b="1" dirty="0">
-                              <a:solidFill>
-                                <a:srgbClr val="000000"/>
-                              </a:solidFill>
-                            </a:rPr>
-                            <a:t>Base radius</a:t>
-                          </a:r>
-                        </a:p>
-                      </a:txBody>
-                      <a:tcPr anchor="ctr"/>
-                    </a:tc>
-                    <a:tc>
-                      <a:txBody>
-                        <a:bodyPr/>
-                        <a:lstStyle/>
-                        <a:p>
-                          <a:endParaRPr lang="en-US"/>
-                        </a:p>
-                      </a:txBody>
-                      <a:tcPr anchor="ctr">
-                        <a:lnT w="12700" cap="flat" cmpd="sng" algn="ctr">
-                          <a:noFill/>
-                          <a:prstDash val="solid"/>
-                          <a:round/>
-                          <a:headEnd type="none" w="med" len="med"/>
-                          <a:tailEnd type="none" w="med" len="med"/>
-                        </a:lnT>
-                        <a:blipFill>
-                          <a:blip r:embed="rId2"/>
-                          <a:stretch>
-                            <a:fillRect l="-100000" t="-208333" r="-299" b="-313889"/>
-                          </a:stretch>
-                        </a:blipFill>
-                      </a:tcPr>
-                    </a:tc>
-                    <a:extLst>
-                      <a:ext uri="{0D108BD9-81ED-4DB2-BD59-A6C34878D82A}">
-                        <a16:rowId xmlns:a16="http://schemas.microsoft.com/office/drawing/2014/main" val="3339051587"/>
-                      </a:ext>
-                    </a:extLst>
-                  </a:tr>
-                  <a:tr h="437947">
-                    <a:tc>
-                      <a:txBody>
-                        <a:bodyPr/>
-                        <a:lstStyle/>
-                        <a:p>
-                          <a:pPr algn="ctr"/>
-                          <a:r>
-                            <a:rPr lang="en-US" b="1" dirty="0" err="1">
-                              <a:solidFill>
-                                <a:srgbClr val="000000"/>
-                              </a:solidFill>
-                            </a:rPr>
-                            <a:t>CoM</a:t>
-                          </a:r>
-                          <a:r>
-                            <a:rPr lang="en-US" b="1" dirty="0">
-                              <a:solidFill>
-                                <a:srgbClr val="000000"/>
-                              </a:solidFill>
-                            </a:rPr>
-                            <a:t> distance</a:t>
-                          </a:r>
-                        </a:p>
-                      </a:txBody>
-                      <a:tcPr anchor="ctr"/>
-                    </a:tc>
-                    <a:tc>
-                      <a:txBody>
-                        <a:bodyPr/>
-                        <a:lstStyle/>
-                        <a:p>
-                          <a:endParaRPr lang="en-US"/>
-                        </a:p>
-                      </a:txBody>
-                      <a:tcPr anchor="ctr">
-                        <a:blipFill>
-                          <a:blip r:embed="rId2"/>
-                          <a:stretch>
-                            <a:fillRect l="-100000" t="-308333" r="-299" b="-213889"/>
-                          </a:stretch>
-                        </a:blipFill>
-                      </a:tcPr>
-                    </a:tc>
-                    <a:extLst>
-                      <a:ext uri="{0D108BD9-81ED-4DB2-BD59-A6C34878D82A}">
-                        <a16:rowId xmlns:a16="http://schemas.microsoft.com/office/drawing/2014/main" val="1298354016"/>
-                      </a:ext>
-                    </a:extLst>
-                  </a:tr>
-                  <a:tr h="437947">
-                    <a:tc>
-                      <a:txBody>
-                        <a:bodyPr/>
-                        <a:lstStyle/>
-                        <a:p>
-                          <a:pPr algn="ctr"/>
-                          <a:r>
-                            <a:rPr lang="en-US" b="1" dirty="0">
-                              <a:solidFill>
-                                <a:srgbClr val="000000"/>
-                              </a:solidFill>
-                            </a:rPr>
-                            <a:t>Mass</a:t>
-                          </a:r>
-                        </a:p>
-                      </a:txBody>
-                      <a:tcPr anchor="ctr"/>
-                    </a:tc>
-                    <a:tc>
-                      <a:txBody>
-                        <a:bodyPr/>
-                        <a:lstStyle/>
-                        <a:p>
-                          <a:endParaRPr lang="en-US"/>
-                        </a:p>
-                      </a:txBody>
-                      <a:tcPr anchor="ctr">
-                        <a:blipFill>
-                          <a:blip r:embed="rId2"/>
-                          <a:stretch>
-                            <a:fillRect l="-100000" t="-408333" r="-299" b="-113889"/>
-                          </a:stretch>
-                        </a:blipFill>
-                      </a:tcPr>
-                    </a:tc>
-                    <a:extLst>
-                      <a:ext uri="{0D108BD9-81ED-4DB2-BD59-A6C34878D82A}">
-                        <a16:rowId xmlns:a16="http://schemas.microsoft.com/office/drawing/2014/main" val="3491016026"/>
-                      </a:ext>
-                    </a:extLst>
-                  </a:tr>
-                  <a:tr h="437947">
-                    <a:tc>
-                      <a:txBody>
-                        <a:bodyPr/>
-                        <a:lstStyle/>
-                        <a:p>
-                          <a:pPr algn="ctr"/>
-                          <a:r>
-                            <a:rPr lang="en-US" b="1" dirty="0">
-                              <a:solidFill>
-                                <a:srgbClr val="000000"/>
-                              </a:solidFill>
-                            </a:rPr>
-                            <a:t>Inertia</a:t>
-                          </a:r>
-                        </a:p>
-                      </a:txBody>
-                      <a:tcPr anchor="ctr">
-                        <a:lnB w="12700" cap="flat" cmpd="sng" algn="ctr">
-                          <a:solidFill>
-                            <a:schemeClr val="tx1"/>
-                          </a:solidFill>
-                          <a:prstDash val="solid"/>
-                          <a:round/>
-                          <a:headEnd type="none" w="med" len="med"/>
-                          <a:tailEnd type="none" w="med" len="med"/>
-                        </a:lnB>
-                      </a:tcPr>
-                    </a:tc>
-                    <a:tc>
-                      <a:txBody>
-                        <a:bodyPr/>
-                        <a:lstStyle/>
-                        <a:p>
-                          <a:endParaRPr lang="en-US"/>
-                        </a:p>
-                      </a:txBody>
-                      <a:tcPr anchor="ctr">
-                        <a:lnB w="12700" cap="flat" cmpd="sng" algn="ctr">
-                          <a:solidFill>
-                            <a:schemeClr val="tx1"/>
-                          </a:solidFill>
-                          <a:prstDash val="solid"/>
-                          <a:round/>
-                          <a:headEnd type="none" w="med" len="med"/>
-                          <a:tailEnd type="none" w="med" len="med"/>
-                        </a:lnB>
-                        <a:blipFill>
-                          <a:blip r:embed="rId2"/>
-                          <a:stretch>
-                            <a:fillRect l="-100000" t="-508333" r="-299" b="-13889"/>
-                          </a:stretch>
-                        </a:blipFill>
-                      </a:tcPr>
-                    </a:tc>
-                    <a:extLst>
-                      <a:ext uri="{0D108BD9-81ED-4DB2-BD59-A6C34878D82A}">
-                        <a16:rowId xmlns:a16="http://schemas.microsoft.com/office/drawing/2014/main" val="4043941749"/>
-                      </a:ext>
-                    </a:extLst>
-                  </a:tr>
-                </a:tbl>
-              </a:graphicData>
-            </a:graphic>
-          </p:graphicFrame>
-        </mc:Fallback>
-      </mc:AlternateContent>
-      <p:graphicFrame>
-        <p:nvGraphicFramePr>
-          <p:cNvPr id="9" name="Tabella 8">
-            <a:extLst>
-              <a:ext uri="{FF2B5EF4-FFF2-40B4-BE49-F238E27FC236}">
-                <a16:creationId xmlns:a16="http://schemas.microsoft.com/office/drawing/2014/main" id="{1B5EFE49-97DD-7BD3-2F04-2EC1D8902DAA}"/>
-              </a:ext>
-            </a:extLst>
-          </p:cNvPr>
-          <p:cNvGraphicFramePr>
-            <a:graphicFrameLocks noGrp="1"/>
-          </p:cNvGraphicFramePr>
-          <p:nvPr/>
-        </p:nvGraphicFramePr>
-        <p:xfrm>
-          <a:off x="4739068" y="2240868"/>
-          <a:ext cx="4080284" cy="3102243"/>
-        </p:xfrm>
-        <a:graphic>
-          <a:graphicData uri="http://schemas.openxmlformats.org/drawingml/2006/table">
-            <a:tbl>
-              <a:tblPr firstRow="1" bandRow="1">
-                <a:tableStyleId>{91EBBBCC-DAD2-459C-BE2E-F6DE35CF9A28}</a:tableStyleId>
-              </a:tblPr>
-              <a:tblGrid>
-                <a:gridCol w="2040142">
-                  <a:extLst>
-                    <a:ext uri="{9D8B030D-6E8A-4147-A177-3AD203B41FA5}">
-                      <a16:colId xmlns:a16="http://schemas.microsoft.com/office/drawing/2014/main" val="3167897769"/>
-                    </a:ext>
-                  </a:extLst>
-                </a:gridCol>
-                <a:gridCol w="2040142">
-                  <a:extLst>
-                    <a:ext uri="{9D8B030D-6E8A-4147-A177-3AD203B41FA5}">
-                      <a16:colId xmlns:a16="http://schemas.microsoft.com/office/drawing/2014/main" val="2027508887"/>
-                    </a:ext>
-                  </a:extLst>
-                </a:gridCol>
-              </a:tblGrid>
-              <a:tr h="474561">
-                <a:tc>
-                  <a:txBody>
-                    <a:bodyPr/>
-                    <a:lstStyle/>
-                    <a:p>
-                      <a:pPr algn="ctr"/>
-                      <a:r>
-                        <a:rPr lang="en-US" dirty="0"/>
-                        <a:t>Characteristic</a:t>
-                      </a:r>
-                    </a:p>
-                  </a:txBody>
-                  <a:tcPr anchor="ctr"/>
-                </a:tc>
-                <a:tc>
-                  <a:txBody>
-                    <a:bodyPr/>
-                    <a:lstStyle/>
-                    <a:p>
-                      <a:pPr algn="ctr"/>
-                      <a:r>
-                        <a:rPr lang="en-US" dirty="0"/>
-                        <a:t>Value</a:t>
-                      </a:r>
-                    </a:p>
-                  </a:txBody>
-                  <a:tcPr anchor="ctr"/>
-                </a:tc>
-                <a:extLst>
-                  <a:ext uri="{0D108BD9-81ED-4DB2-BD59-A6C34878D82A}">
-                    <a16:rowId xmlns:a16="http://schemas.microsoft.com/office/drawing/2014/main" val="78001966"/>
-                  </a:ext>
-                </a:extLst>
-              </a:tr>
-              <a:tr h="437947">
-                <a:tc>
-                  <a:txBody>
-                    <a:bodyPr/>
-                    <a:lstStyle/>
-                    <a:p>
-                      <a:pPr algn="ctr"/>
-                      <a:r>
-                        <a:rPr lang="en-US" b="1" dirty="0">
-                          <a:solidFill>
-                            <a:srgbClr val="000000"/>
-                          </a:solidFill>
-                        </a:rPr>
-                        <a:t>Layers</a:t>
-                      </a:r>
-                    </a:p>
-                  </a:txBody>
-                  <a:tcPr anchor="ctr"/>
-                </a:tc>
-                <a:tc>
-                  <a:txBody>
-                    <a:bodyPr/>
-                    <a:lstStyle/>
-                    <a:p>
-                      <a:pPr algn="ctr"/>
-                      <a:r>
-                        <a:rPr lang="en-US" b="1" dirty="0">
-                          <a:solidFill>
-                            <a:srgbClr val="000000"/>
-                          </a:solidFill>
-                        </a:rPr>
-                        <a:t>4</a:t>
-                      </a:r>
-                    </a:p>
-                  </a:txBody>
-                  <a:tcPr anchor="ctr"/>
-                </a:tc>
-                <a:extLst>
-                  <a:ext uri="{0D108BD9-81ED-4DB2-BD59-A6C34878D82A}">
-                    <a16:rowId xmlns:a16="http://schemas.microsoft.com/office/drawing/2014/main" val="4174915430"/>
-                  </a:ext>
-                </a:extLst>
-              </a:tr>
-              <a:tr h="437947">
-                <a:tc>
-                  <a:txBody>
-                    <a:bodyPr/>
-                    <a:lstStyle/>
-                    <a:p>
-                      <a:pPr algn="ctr"/>
-                      <a:r>
-                        <a:rPr lang="en-US" b="1" dirty="0">
-                          <a:solidFill>
-                            <a:srgbClr val="000000"/>
-                          </a:solidFill>
-                        </a:rPr>
-                        <a:t>Neurons</a:t>
-                      </a:r>
-                    </a:p>
-                  </a:txBody>
-                  <a:tcPr anchor="ctr"/>
-                </a:tc>
-                <a:tc>
-                  <a:txBody>
-                    <a:bodyPr/>
-                    <a:lstStyle/>
-                    <a:p>
-                      <a:pPr marL="0" marR="0" lvl="0" indent="0" algn="ctr" defTabSz="457200" rtl="0" eaLnBrk="1" fontAlgn="auto" latinLnBrk="0" hangingPunct="1">
-                        <a:lnSpc>
-                          <a:spcPct val="100000"/>
-                        </a:lnSpc>
-                        <a:spcBef>
-                          <a:spcPts val="0"/>
-                        </a:spcBef>
-                        <a:spcAft>
-                          <a:spcPts val="0"/>
-                        </a:spcAft>
-                        <a:buClrTx/>
-                        <a:buSzTx/>
-                        <a:buFontTx/>
-                        <a:buNone/>
-                        <a:tabLst/>
-                        <a:defRPr/>
-                      </a:pPr>
-                      <a:r>
-                        <a:rPr lang="en-US" b="1" dirty="0">
-                          <a:solidFill>
-                            <a:srgbClr val="000000"/>
-                          </a:solidFill>
-                        </a:rPr>
-                        <a:t>500</a:t>
-                      </a:r>
-                    </a:p>
-                  </a:txBody>
-                  <a:tcPr anchor="ctr"/>
-                </a:tc>
-                <a:extLst>
-                  <a:ext uri="{0D108BD9-81ED-4DB2-BD59-A6C34878D82A}">
-                    <a16:rowId xmlns:a16="http://schemas.microsoft.com/office/drawing/2014/main" val="3339051587"/>
-                  </a:ext>
-                </a:extLst>
-              </a:tr>
-              <a:tr h="437947">
-                <a:tc>
-                  <a:txBody>
-                    <a:bodyPr/>
-                    <a:lstStyle/>
-                    <a:p>
-                      <a:pPr algn="ctr"/>
-                      <a:r>
-                        <a:rPr lang="en-US" b="1" dirty="0">
-                          <a:solidFill>
-                            <a:srgbClr val="000000"/>
-                          </a:solidFill>
-                        </a:rPr>
-                        <a:t>Activation</a:t>
-                      </a:r>
-                    </a:p>
-                  </a:txBody>
-                  <a:tcPr anchor="ctr"/>
-                </a:tc>
-                <a:tc>
-                  <a:txBody>
-                    <a:bodyPr/>
-                    <a:lstStyle/>
-                    <a:p>
-                      <a:pPr algn="ctr"/>
-                      <a:r>
-                        <a:rPr lang="en-US" b="1" dirty="0" err="1">
-                          <a:solidFill>
-                            <a:srgbClr val="000000"/>
-                          </a:solidFill>
-                        </a:rPr>
-                        <a:t>Softplus</a:t>
-                      </a:r>
-                      <a:endParaRPr lang="en-US" b="1" dirty="0">
-                        <a:solidFill>
-                          <a:srgbClr val="000000"/>
-                        </a:solidFill>
-                      </a:endParaRPr>
-                    </a:p>
-                  </a:txBody>
-                  <a:tcPr anchor="ctr"/>
-                </a:tc>
-                <a:extLst>
-                  <a:ext uri="{0D108BD9-81ED-4DB2-BD59-A6C34878D82A}">
-                    <a16:rowId xmlns:a16="http://schemas.microsoft.com/office/drawing/2014/main" val="1298354016"/>
-                  </a:ext>
-                </a:extLst>
-              </a:tr>
-              <a:tr h="437947">
-                <a:tc>
-                  <a:txBody>
-                    <a:bodyPr/>
-                    <a:lstStyle/>
-                    <a:p>
-                      <a:pPr algn="ctr"/>
-                      <a:r>
-                        <a:rPr lang="en-US" b="1" dirty="0">
-                          <a:solidFill>
-                            <a:srgbClr val="000000"/>
-                          </a:solidFill>
-                        </a:rPr>
-                        <a:t>Loss</a:t>
-                      </a:r>
-                    </a:p>
-                  </a:txBody>
-                  <a:tcPr anchor="ctr"/>
-                </a:tc>
-                <a:tc>
-                  <a:txBody>
-                    <a:bodyPr/>
-                    <a:lstStyle/>
-                    <a:p>
-                      <a:pPr algn="ctr"/>
-                      <a:r>
-                        <a:rPr lang="en-US" b="1" dirty="0">
-                          <a:solidFill>
-                            <a:srgbClr val="000000"/>
-                          </a:solidFill>
-                        </a:rPr>
-                        <a:t>MSE</a:t>
-                      </a:r>
-                    </a:p>
-                  </a:txBody>
-                  <a:tcPr anchor="ctr"/>
-                </a:tc>
-                <a:extLst>
-                  <a:ext uri="{0D108BD9-81ED-4DB2-BD59-A6C34878D82A}">
-                    <a16:rowId xmlns:a16="http://schemas.microsoft.com/office/drawing/2014/main" val="3491016026"/>
-                  </a:ext>
-                </a:extLst>
-              </a:tr>
-              <a:tr h="437947">
-                <a:tc>
-                  <a:txBody>
-                    <a:bodyPr/>
-                    <a:lstStyle/>
-                    <a:p>
-                      <a:pPr algn="ctr"/>
-                      <a:r>
-                        <a:rPr lang="en-US" b="1" dirty="0">
-                          <a:solidFill>
-                            <a:srgbClr val="000000"/>
-                          </a:solidFill>
-                        </a:rPr>
-                        <a:t>Regularization</a:t>
-                      </a:r>
-                    </a:p>
-                  </a:txBody>
-                  <a:tcPr anchor="ctr"/>
-                </a:tc>
-                <a:tc>
-                  <a:txBody>
-                    <a:bodyPr/>
-                    <a:lstStyle/>
-                    <a:p>
-                      <a:pPr algn="ctr"/>
-                      <a:r>
-                        <a:rPr lang="en-US" b="1" dirty="0">
-                          <a:solidFill>
-                            <a:srgbClr val="000000"/>
-                          </a:solidFill>
-                        </a:rPr>
-                        <a:t>L2 penalty</a:t>
-                      </a:r>
-                    </a:p>
-                  </a:txBody>
-                  <a:tcPr anchor="ctr"/>
-                </a:tc>
-                <a:extLst>
-                  <a:ext uri="{0D108BD9-81ED-4DB2-BD59-A6C34878D82A}">
-                    <a16:rowId xmlns:a16="http://schemas.microsoft.com/office/drawing/2014/main" val="4043941749"/>
-                  </a:ext>
-                </a:extLst>
-              </a:tr>
-              <a:tr h="437947">
-                <a:tc>
-                  <a:txBody>
-                    <a:bodyPr/>
-                    <a:lstStyle/>
-                    <a:p>
-                      <a:pPr algn="ctr"/>
-                      <a:r>
-                        <a:rPr lang="en-US" b="1" dirty="0">
-                          <a:solidFill>
-                            <a:srgbClr val="000000"/>
-                          </a:solidFill>
-                        </a:rPr>
-                        <a:t>Train epochs</a:t>
-                      </a:r>
-                    </a:p>
-                  </a:txBody>
-                  <a:tcPr anchor="ctr">
-                    <a:lnB w="12700" cap="flat" cmpd="sng" algn="ctr">
-                      <a:solidFill>
-                        <a:schemeClr val="tx1"/>
-                      </a:solidFill>
-                      <a:prstDash val="solid"/>
-                      <a:round/>
-                      <a:headEnd type="none" w="med" len="med"/>
-                      <a:tailEnd type="none" w="med" len="med"/>
-                    </a:lnB>
-                  </a:tcPr>
-                </a:tc>
-                <a:tc>
-                  <a:txBody>
-                    <a:bodyPr/>
-                    <a:lstStyle/>
-                    <a:p>
-                      <a:pPr algn="ctr"/>
-                      <a:r>
-                        <a:rPr lang="en-US" b="1" dirty="0">
-                          <a:solidFill>
-                            <a:srgbClr val="000000"/>
-                          </a:solidFill>
-                        </a:rPr>
-                        <a:t>10 000</a:t>
-                      </a:r>
-                    </a:p>
-                  </a:txBody>
-                  <a:tcPr anchor="ctr">
-                    <a:lnB w="12700" cap="flat" cmpd="sng" algn="ctr">
-                      <a:solidFill>
-                        <a:schemeClr val="tx1"/>
-                      </a:solidFill>
-                      <a:prstDash val="solid"/>
-                      <a:round/>
-                      <a:headEnd type="none" w="med" len="med"/>
-                      <a:tailEnd type="none" w="med" len="med"/>
-                    </a:lnB>
-                  </a:tcPr>
-                </a:tc>
-                <a:extLst>
-                  <a:ext uri="{0D108BD9-81ED-4DB2-BD59-A6C34878D82A}">
-                    <a16:rowId xmlns:a16="http://schemas.microsoft.com/office/drawing/2014/main" val="2456231003"/>
-                  </a:ext>
-                </a:extLst>
-              </a:tr>
-            </a:tbl>
-          </a:graphicData>
-        </a:graphic>
-      </p:graphicFrame>
+        </p:grpSpPr>
+        <p:pic>
+          <p:nvPicPr>
+            <p:cNvPr id="5" name="Immagine 4">
+              <a:extLst>
+                <a:ext uri="{FF2B5EF4-FFF2-40B4-BE49-F238E27FC236}">
+                  <a16:creationId xmlns:a16="http://schemas.microsoft.com/office/drawing/2014/main" id="{3BB0FCE1-D92B-BFA3-A2DB-5D292CC5D3CC}"/>
+                </a:ext>
+              </a:extLst>
+            </p:cNvPr>
+            <p:cNvPicPr>
+              <a:picLocks noChangeAspect="1"/>
+            </p:cNvPicPr>
+            <p:nvPr/>
+          </p:nvPicPr>
+          <p:blipFill>
+            <a:blip r:embed="rId3"/>
+            <a:srcRect/>
+            <a:stretch/>
+          </p:blipFill>
+          <p:spPr>
+            <a:xfrm>
+              <a:off x="235835" y="2283063"/>
+              <a:ext cx="3860853" cy="2880320"/>
+            </a:xfrm>
+            <a:prstGeom prst="rect">
+              <a:avLst/>
+            </a:prstGeom>
+          </p:spPr>
+        </p:pic>
+        <p:pic>
+          <p:nvPicPr>
+            <p:cNvPr id="6" name="Immagine 5">
+              <a:extLst>
+                <a:ext uri="{FF2B5EF4-FFF2-40B4-BE49-F238E27FC236}">
+                  <a16:creationId xmlns:a16="http://schemas.microsoft.com/office/drawing/2014/main" id="{EDDDDBF1-E031-AFCD-4D5C-F405DFC03CE9}"/>
+                </a:ext>
+              </a:extLst>
+            </p:cNvPr>
+            <p:cNvPicPr>
+              <a:picLocks noChangeAspect="1"/>
+            </p:cNvPicPr>
+            <p:nvPr/>
+          </p:nvPicPr>
+          <p:blipFill>
+            <a:blip r:embed="rId4"/>
+            <a:srcRect/>
+            <a:stretch/>
+          </p:blipFill>
+          <p:spPr>
+            <a:xfrm>
+              <a:off x="4485889" y="2204864"/>
+              <a:ext cx="4003881" cy="2987023"/>
+            </a:xfrm>
+            <a:prstGeom prst="rect">
+              <a:avLst/>
+            </a:prstGeom>
+          </p:spPr>
+        </p:pic>
+      </p:grpSp>
     </p:spTree>
     <p:extLst>
       <p:ext uri="{BB962C8B-B14F-4D97-AF65-F5344CB8AC3E}">
-        <p14:creationId xmlns:p14="http://schemas.microsoft.com/office/powerpoint/2010/main" val="3959201"/>
+        <p14:creationId xmlns:p14="http://schemas.microsoft.com/office/powerpoint/2010/main" val="310692301"/>
       </p:ext>
     </p:extLst>
   </p:cSld>
@@ -13969,7 +13533,7 @@
             <p:nvPr/>
           </p:nvPicPr>
           <p:blipFill rotWithShape="1">
-            <a:blip r:embed="rId2"/>
+            <a:blip r:embed="rId3"/>
             <a:srcRect l="21650" t="12200" r="16526" b="27951"/>
             <a:stretch/>
           </p:blipFill>
@@ -13998,7 +13562,7 @@
             <p:nvPr/>
           </p:nvPicPr>
           <p:blipFill>
-            <a:blip r:embed="rId3"/>
+            <a:blip r:embed="rId4"/>
             <a:stretch>
               <a:fillRect/>
             </a:stretch>
@@ -14191,7 +13755,7 @@
                   <a:srgbClr val="000000"/>
                 </a:solidFill>
               </a:rPr>
-              <a:t>D’Alembert, Hamilton, </a:t>
+              <a:t>D’Alembert, Hamilton</a:t>
             </a:r>
           </a:p>
           <a:p>
@@ -14690,474 +14254,6 @@
                 <a:latin typeface="Calibri" panose="020F0502020204030204" pitchFamily="34" charset="0"/>
                 <a:ea typeface="ＭＳ Ｐゴシック" panose="020B0600070205080204" pitchFamily="34" charset="-128"/>
               </a:rPr>
-              <a:t>ELASTIC CASE – CONFIGURATION A</a:t>
-            </a:r>
-          </a:p>
-        </p:txBody>
-      </p:sp>
-      <p:sp>
-        <p:nvSpPr>
-          <p:cNvPr id="10" name="Rettangolo 9">
-            <a:extLst>
-              <a:ext uri="{FF2B5EF4-FFF2-40B4-BE49-F238E27FC236}">
-                <a16:creationId xmlns:a16="http://schemas.microsoft.com/office/drawing/2014/main" id="{31D3E094-59FA-DA3E-B010-C99084F3614D}"/>
-              </a:ext>
-            </a:extLst>
-          </p:cNvPr>
-          <p:cNvSpPr/>
-          <p:nvPr/>
-        </p:nvSpPr>
-        <p:spPr bwMode="auto">
-          <a:xfrm>
-            <a:off x="1691680" y="4509120"/>
-            <a:ext cx="432048" cy="792088"/>
-          </a:xfrm>
-          <a:prstGeom prst="rect">
-            <a:avLst/>
-          </a:prstGeom>
-          <a:noFill/>
-          <a:ln>
-            <a:noFill/>
-          </a:ln>
-          <a:effectLst/>
-          <a:extLst>
-            <a:ext uri="{909E8E84-426E-40dd-AFC4-6F175D3DCCD1}">
-              <a14:hiddenFill xmlns:a14="http://schemas.microsoft.com/office/drawing/2010/main" xmlns="">
-                <a:solidFill>
-                  <a:schemeClr val="accent1"/>
-                </a:solidFill>
-              </a14:hiddenFill>
-            </a:ext>
-            <a:ext uri="{91240B29-F687-4f45-9708-019B960494DF}">
-              <a14:hiddenLine xmlns:a14="http://schemas.microsoft.com/office/drawing/2010/main" xmlns="" w="9525" cap="flat" cmpd="sng" algn="ctr">
-                <a:solidFill>
-                  <a:schemeClr val="tx1"/>
-                </a:solidFill>
-                <a:prstDash val="solid"/>
-                <a:round/>
-                <a:headEnd type="none" w="med" len="med"/>
-                <a:tailEnd type="none" w="med" len="med"/>
-              </a14:hiddenLine>
-            </a:ext>
-            <a:ext uri="{AF507438-7753-43e0-B8FC-AC1667EBCBE1}">
-              <a14:hiddenEffects xmlns:a14="http://schemas.microsoft.com/office/drawing/2010/main" xmlns="">
-                <a:effectLst>
-                  <a:outerShdw blurRad="63500" dist="38099" dir="2700000" algn="ctr" rotWithShape="0">
-                    <a:srgbClr val="000000">
-                      <a:alpha val="74998"/>
-                    </a:srgbClr>
-                  </a:outerShdw>
-                </a:effectLst>
-              </a14:hiddenEffects>
-            </a:ext>
-          </a:extLst>
-        </p:spPr>
-        <p:txBody>
-          <a:bodyPr vert="horz" wrap="square" lIns="91440" tIns="45720" rIns="91440" bIns="45720" numCol="1" rtlCol="0" anchor="t" anchorCtr="0" compatLnSpc="1">
-            <a:prstTxWarp prst="textNoShape">
-              <a:avLst/>
-            </a:prstTxWarp>
-          </a:bodyPr>
-          <a:lstStyle/>
-          <a:p>
-            <a:pPr marL="0" marR="0" indent="0" algn="l" defTabSz="914400" rtl="0" eaLnBrk="0" fontAlgn="base" latinLnBrk="0" hangingPunct="0">
-              <a:lnSpc>
-                <a:spcPct val="100000"/>
-              </a:lnSpc>
-              <a:spcBef>
-                <a:spcPct val="0"/>
-              </a:spcBef>
-              <a:spcAft>
-                <a:spcPct val="0"/>
-              </a:spcAft>
-              <a:buClrTx/>
-              <a:buSzTx/>
-              <a:buFontTx/>
-              <a:buNone/>
-              <a:tabLst/>
-            </a:pPr>
-            <a:endParaRPr kumimoji="0" lang="en-US" sz="2400" b="0" i="0" u="none" strike="noStrike" cap="none" normalizeH="0" baseline="0">
-              <a:ln>
-                <a:noFill/>
-              </a:ln>
-              <a:solidFill>
-                <a:srgbClr val="000000"/>
-              </a:solidFill>
-              <a:effectLst/>
-              <a:latin typeface="Arial" charset="0"/>
-              <a:ea typeface="ＭＳ Ｐゴシック" charset="0"/>
-              <a:cs typeface="ＭＳ Ｐゴシック" charset="0"/>
-            </a:endParaRPr>
-          </a:p>
-        </p:txBody>
-      </p:sp>
-      <p:sp>
-        <p:nvSpPr>
-          <p:cNvPr id="3" name="CasellaDiTesto 2">
-            <a:extLst>
-              <a:ext uri="{FF2B5EF4-FFF2-40B4-BE49-F238E27FC236}">
-                <a16:creationId xmlns:a16="http://schemas.microsoft.com/office/drawing/2014/main" id="{281C1D18-DEC9-10E9-FBD6-1C6BBD6B8F75}"/>
-              </a:ext>
-            </a:extLst>
-          </p:cNvPr>
-          <p:cNvSpPr txBox="1"/>
-          <p:nvPr/>
-        </p:nvSpPr>
-        <p:spPr>
-          <a:xfrm>
-            <a:off x="3137412" y="1484784"/>
-            <a:ext cx="2760639" cy="400110"/>
-          </a:xfrm>
-          <a:prstGeom prst="rect">
-            <a:avLst/>
-          </a:prstGeom>
-          <a:noFill/>
-        </p:spPr>
-        <p:txBody>
-          <a:bodyPr wrap="square" rtlCol="0">
-            <a:spAutoFit/>
-          </a:bodyPr>
-          <a:lstStyle/>
-          <a:p>
-            <a:pPr algn="ctr">
-              <a:buClr>
-                <a:schemeClr val="tx1"/>
-              </a:buClr>
-            </a:pPr>
-            <a:r>
-              <a:rPr lang="en-US" sz="2000" b="1" dirty="0">
-                <a:solidFill>
-                  <a:srgbClr val="000000"/>
-                </a:solidFill>
-              </a:rPr>
-              <a:t>Train and test losses</a:t>
-            </a:r>
-          </a:p>
-        </p:txBody>
-      </p:sp>
-      <p:grpSp>
-        <p:nvGrpSpPr>
-          <p:cNvPr id="4" name="Gruppo 3">
-            <a:extLst>
-              <a:ext uri="{FF2B5EF4-FFF2-40B4-BE49-F238E27FC236}">
-                <a16:creationId xmlns:a16="http://schemas.microsoft.com/office/drawing/2014/main" id="{79928A18-A335-E9E4-7CCE-517BA6AEFE53}"/>
-              </a:ext>
-            </a:extLst>
-          </p:cNvPr>
-          <p:cNvGrpSpPr/>
-          <p:nvPr/>
-        </p:nvGrpSpPr>
-        <p:grpSpPr>
-          <a:xfrm>
-            <a:off x="423697" y="1935489"/>
-            <a:ext cx="8253935" cy="2987023"/>
-            <a:chOff x="235835" y="2204864"/>
-            <a:chExt cx="8253935" cy="2987023"/>
-          </a:xfrm>
-        </p:grpSpPr>
-        <p:pic>
-          <p:nvPicPr>
-            <p:cNvPr id="5" name="Immagine 4">
-              <a:extLst>
-                <a:ext uri="{FF2B5EF4-FFF2-40B4-BE49-F238E27FC236}">
-                  <a16:creationId xmlns:a16="http://schemas.microsoft.com/office/drawing/2014/main" id="{3BB0FCE1-D92B-BFA3-A2DB-5D292CC5D3CC}"/>
-                </a:ext>
-              </a:extLst>
-            </p:cNvPr>
-            <p:cNvPicPr>
-              <a:picLocks noChangeAspect="1"/>
-            </p:cNvPicPr>
-            <p:nvPr/>
-          </p:nvPicPr>
-          <p:blipFill>
-            <a:blip r:embed="rId2"/>
-            <a:srcRect/>
-            <a:stretch/>
-          </p:blipFill>
-          <p:spPr>
-            <a:xfrm>
-              <a:off x="235835" y="2283063"/>
-              <a:ext cx="3860853" cy="2880320"/>
-            </a:xfrm>
-            <a:prstGeom prst="rect">
-              <a:avLst/>
-            </a:prstGeom>
-          </p:spPr>
-        </p:pic>
-        <p:pic>
-          <p:nvPicPr>
-            <p:cNvPr id="6" name="Immagine 5">
-              <a:extLst>
-                <a:ext uri="{FF2B5EF4-FFF2-40B4-BE49-F238E27FC236}">
-                  <a16:creationId xmlns:a16="http://schemas.microsoft.com/office/drawing/2014/main" id="{EDDDDBF1-E031-AFCD-4D5C-F405DFC03CE9}"/>
-                </a:ext>
-              </a:extLst>
-            </p:cNvPr>
-            <p:cNvPicPr>
-              <a:picLocks noChangeAspect="1"/>
-            </p:cNvPicPr>
-            <p:nvPr/>
-          </p:nvPicPr>
-          <p:blipFill>
-            <a:blip r:embed="rId3"/>
-            <a:srcRect/>
-            <a:stretch/>
-          </p:blipFill>
-          <p:spPr>
-            <a:xfrm>
-              <a:off x="4485889" y="2204864"/>
-              <a:ext cx="4003881" cy="2987023"/>
-            </a:xfrm>
-            <a:prstGeom prst="rect">
-              <a:avLst/>
-            </a:prstGeom>
-          </p:spPr>
-        </p:pic>
-      </p:grpSp>
-    </p:spTree>
-    <p:extLst>
-      <p:ext uri="{BB962C8B-B14F-4D97-AF65-F5344CB8AC3E}">
-        <p14:creationId xmlns:p14="http://schemas.microsoft.com/office/powerpoint/2010/main" val="310692301"/>
-      </p:ext>
-    </p:extLst>
-  </p:cSld>
-  <p:clrMapOvr>
-    <a:masterClrMapping/>
-  </p:clrMapOvr>
-</p:sld>
-</file>
-
-<file path=ppt/slides/slide21.xml><?xml version="1.0" encoding="utf-8"?>
-<p:sld xmlns:a="http://schemas.openxmlformats.org/drawingml/2006/main" xmlns:r="http://schemas.openxmlformats.org/officeDocument/2006/relationships" xmlns:p="http://schemas.openxmlformats.org/presentationml/2006/main">
-  <p:cSld>
-    <p:spTree>
-      <p:nvGrpSpPr>
-        <p:cNvPr id="1" name=""/>
-        <p:cNvGrpSpPr/>
-        <p:nvPr/>
-      </p:nvGrpSpPr>
-      <p:grpSpPr>
-        <a:xfrm>
-          <a:off x="0" y="0"/>
-          <a:ext cx="0" cy="0"/>
-          <a:chOff x="0" y="0"/>
-          <a:chExt cx="0" cy="0"/>
-        </a:xfrm>
-      </p:grpSpPr>
-      <p:sp>
-        <p:nvSpPr>
-          <p:cNvPr id="2" name="Titolo 1">
-            <a:extLst>
-              <a:ext uri="{FF2B5EF4-FFF2-40B4-BE49-F238E27FC236}">
-                <a16:creationId xmlns:a16="http://schemas.microsoft.com/office/drawing/2014/main" id="{AFEFEAD0-5246-726C-3122-EF9AE58FAC80}"/>
-              </a:ext>
-            </a:extLst>
-          </p:cNvPr>
-          <p:cNvSpPr txBox="1">
-            <a:spLocks noChangeArrowheads="1"/>
-          </p:cNvSpPr>
-          <p:nvPr/>
-        </p:nvSpPr>
-        <p:spPr bwMode="auto">
-          <a:xfrm>
-            <a:off x="3015163" y="253099"/>
-            <a:ext cx="5724624" cy="482108"/>
-          </a:xfrm>
-          <a:prstGeom prst="rect">
-            <a:avLst/>
-          </a:prstGeom>
-          <a:ln w="9525" cap="flat" cmpd="sng" algn="ctr">
-            <a:solidFill>
-              <a:schemeClr val="dk1"/>
-            </a:solidFill>
-            <a:prstDash val="solid"/>
-            <a:round/>
-            <a:headEnd type="none" w="med" len="med"/>
-            <a:tailEnd type="none" w="med" len="med"/>
-          </a:ln>
-          <a:extLst>
-            <a:ext uri="{909E8E84-426E-40DD-AFC4-6F175D3DCCD1}">
-              <a14:hiddenFill xmlns:a14="http://schemas.microsoft.com/office/drawing/2010/main">
-                <a:solidFill>
-                  <a:schemeClr val="accent1"/>
-                </a:solidFill>
-              </a14:hiddenFill>
-            </a:ext>
-          </a:extLst>
-        </p:spPr>
-        <p:style>
-          <a:lnRef idx="0">
-            <a:scrgbClr r="0" g="0" b="0"/>
-          </a:lnRef>
-          <a:fillRef idx="0">
-            <a:scrgbClr r="0" g="0" b="0"/>
-          </a:fillRef>
-          <a:effectRef idx="0">
-            <a:scrgbClr r="0" g="0" b="0"/>
-          </a:effectRef>
-          <a:fontRef idx="minor">
-            <a:schemeClr val="dk1"/>
-          </a:fontRef>
-        </p:style>
-        <p:txBody>
-          <a:bodyPr vert="horz" wrap="square" lIns="91440" tIns="45720" rIns="91440" bIns="45720" numCol="1" anchor="ctr" anchorCtr="0" compatLnSpc="1">
-            <a:prstTxWarp prst="textNoShape">
-              <a:avLst/>
-            </a:prstTxWarp>
-          </a:bodyPr>
-          <a:lstStyle>
-            <a:lvl1pPr algn="l" rtl="0" eaLnBrk="0" fontAlgn="base" hangingPunct="0">
-              <a:spcBef>
-                <a:spcPct val="0"/>
-              </a:spcBef>
-              <a:spcAft>
-                <a:spcPct val="0"/>
-              </a:spcAft>
-              <a:defRPr sz="2400" b="1">
-                <a:solidFill>
-                  <a:schemeClr val="dk1"/>
-                </a:solidFill>
-                <a:latin typeface="+mn-lt"/>
-                <a:ea typeface="+mn-ea"/>
-                <a:cs typeface="+mn-cs"/>
-              </a:defRPr>
-            </a:lvl1pPr>
-            <a:lvl2pPr algn="l" rtl="0" eaLnBrk="0" fontAlgn="base" hangingPunct="0">
-              <a:spcBef>
-                <a:spcPct val="0"/>
-              </a:spcBef>
-              <a:spcAft>
-                <a:spcPct val="0"/>
-              </a:spcAft>
-              <a:defRPr sz="2400" b="1">
-                <a:solidFill>
-                  <a:schemeClr val="dk1"/>
-                </a:solidFill>
-                <a:latin typeface="+mn-lt"/>
-                <a:ea typeface="+mn-ea"/>
-                <a:cs typeface="+mn-cs"/>
-              </a:defRPr>
-            </a:lvl2pPr>
-            <a:lvl3pPr algn="l" rtl="0" eaLnBrk="0" fontAlgn="base" hangingPunct="0">
-              <a:spcBef>
-                <a:spcPct val="0"/>
-              </a:spcBef>
-              <a:spcAft>
-                <a:spcPct val="0"/>
-              </a:spcAft>
-              <a:defRPr sz="2400" b="1">
-                <a:solidFill>
-                  <a:schemeClr val="dk1"/>
-                </a:solidFill>
-                <a:latin typeface="+mn-lt"/>
-                <a:ea typeface="+mn-ea"/>
-                <a:cs typeface="+mn-cs"/>
-              </a:defRPr>
-            </a:lvl3pPr>
-            <a:lvl4pPr algn="l" rtl="0" eaLnBrk="0" fontAlgn="base" hangingPunct="0">
-              <a:spcBef>
-                <a:spcPct val="0"/>
-              </a:spcBef>
-              <a:spcAft>
-                <a:spcPct val="0"/>
-              </a:spcAft>
-              <a:defRPr sz="2400" b="1">
-                <a:solidFill>
-                  <a:schemeClr val="dk1"/>
-                </a:solidFill>
-                <a:latin typeface="+mn-lt"/>
-                <a:ea typeface="+mn-ea"/>
-                <a:cs typeface="+mn-cs"/>
-              </a:defRPr>
-            </a:lvl4pPr>
-            <a:lvl5pPr algn="l" rtl="0" eaLnBrk="0" fontAlgn="base" hangingPunct="0">
-              <a:spcBef>
-                <a:spcPct val="0"/>
-              </a:spcBef>
-              <a:spcAft>
-                <a:spcPct val="0"/>
-              </a:spcAft>
-              <a:defRPr sz="2400" b="1">
-                <a:solidFill>
-                  <a:schemeClr val="dk1"/>
-                </a:solidFill>
-                <a:latin typeface="+mn-lt"/>
-                <a:ea typeface="+mn-ea"/>
-                <a:cs typeface="+mn-cs"/>
-              </a:defRPr>
-            </a:lvl5pPr>
-            <a:lvl6pPr marL="457200" algn="l" rtl="0" eaLnBrk="1" fontAlgn="base" hangingPunct="1">
-              <a:spcBef>
-                <a:spcPct val="0"/>
-              </a:spcBef>
-              <a:spcAft>
-                <a:spcPct val="0"/>
-              </a:spcAft>
-              <a:defRPr sz="2400" b="1">
-                <a:solidFill>
-                  <a:schemeClr val="dk1"/>
-                </a:solidFill>
-                <a:latin typeface="+mn-lt"/>
-                <a:ea typeface="+mn-ea"/>
-                <a:cs typeface="+mn-cs"/>
-              </a:defRPr>
-            </a:lvl6pPr>
-            <a:lvl7pPr marL="914400" algn="l" rtl="0" eaLnBrk="1" fontAlgn="base" hangingPunct="1">
-              <a:spcBef>
-                <a:spcPct val="0"/>
-              </a:spcBef>
-              <a:spcAft>
-                <a:spcPct val="0"/>
-              </a:spcAft>
-              <a:defRPr sz="2400" b="1">
-                <a:solidFill>
-                  <a:schemeClr val="dk1"/>
-                </a:solidFill>
-                <a:latin typeface="+mn-lt"/>
-                <a:ea typeface="+mn-ea"/>
-                <a:cs typeface="+mn-cs"/>
-              </a:defRPr>
-            </a:lvl7pPr>
-            <a:lvl8pPr marL="1371600" algn="l" rtl="0" eaLnBrk="1" fontAlgn="base" hangingPunct="1">
-              <a:spcBef>
-                <a:spcPct val="0"/>
-              </a:spcBef>
-              <a:spcAft>
-                <a:spcPct val="0"/>
-              </a:spcAft>
-              <a:defRPr sz="2400" b="1">
-                <a:solidFill>
-                  <a:schemeClr val="dk1"/>
-                </a:solidFill>
-                <a:latin typeface="+mn-lt"/>
-                <a:ea typeface="+mn-ea"/>
-                <a:cs typeface="+mn-cs"/>
-              </a:defRPr>
-            </a:lvl8pPr>
-            <a:lvl9pPr marL="1828800" algn="l" rtl="0" eaLnBrk="1" fontAlgn="base" hangingPunct="1">
-              <a:spcBef>
-                <a:spcPct val="0"/>
-              </a:spcBef>
-              <a:spcAft>
-                <a:spcPct val="0"/>
-              </a:spcAft>
-              <a:defRPr sz="2400" b="1">
-                <a:solidFill>
-                  <a:schemeClr val="dk1"/>
-                </a:solidFill>
-                <a:latin typeface="+mn-lt"/>
-                <a:ea typeface="+mn-ea"/>
-                <a:cs typeface="+mn-cs"/>
-              </a:defRPr>
-            </a:lvl9pPr>
-          </a:lstStyle>
-          <a:p>
-            <a:pPr algn="ctr"/>
-            <a:r>
-              <a:rPr lang="it-IT" altLang="it-IT" kern="0" dirty="0">
-                <a:latin typeface="Calibri" panose="020F0502020204030204" pitchFamily="34" charset="0"/>
-                <a:ea typeface="ＭＳ Ｐゴシック" panose="020B0600070205080204" pitchFamily="34" charset="-128"/>
-              </a:rPr>
               <a:t>ELASTIC CASE – SIMULATION 1</a:t>
             </a:r>
           </a:p>
@@ -15332,8 +14428,8 @@
           </a:p>
         </p:txBody>
       </p:sp>
-      <mc:AlternateContent xmlns:mc="http://schemas.openxmlformats.org/markup-compatibility/2006">
-        <mc:Choice xmlns:a14="http://schemas.microsoft.com/office/drawing/2010/main" Requires="a14">
+      <mc:AlternateContent xmlns:mc="http://schemas.openxmlformats.org/markup-compatibility/2006" xmlns:a14="http://schemas.microsoft.com/office/drawing/2010/main">
+        <mc:Choice Requires="a14">
           <p:sp>
             <p:nvSpPr>
               <p:cNvPr id="5" name="CasellaDiTesto 4">
@@ -15349,7 +14445,7 @@
             <p:spPr>
               <a:xfrm>
                 <a:off x="3347864" y="1311812"/>
-                <a:ext cx="4608512" cy="1757148"/>
+                <a:ext cx="4752528" cy="1757148"/>
               </a:xfrm>
               <a:prstGeom prst="rect">
                 <a:avLst/>
@@ -15779,7 +14875,7 @@
             </p:txBody>
           </p:sp>
         </mc:Choice>
-        <mc:Fallback>
+        <mc:Fallback xmlns="">
           <p:sp>
             <p:nvSpPr>
               <p:cNvPr id="5" name="CasellaDiTesto 4">
@@ -15797,7 +14893,7 @@
             <p:spPr>
               <a:xfrm>
                 <a:off x="3347864" y="1311812"/>
-                <a:ext cx="4608512" cy="1757148"/>
+                <a:ext cx="4752528" cy="1757148"/>
               </a:xfrm>
               <a:prstGeom prst="rect">
                 <a:avLst/>
@@ -15849,7 +14945,7 @@
 </p:sld>
 </file>
 
-<file path=ppt/slides/slide22.xml><?xml version="1.0" encoding="utf-8"?>
+<file path=ppt/slides/slide21.xml><?xml version="1.0" encoding="utf-8"?>
 <p:sld xmlns:a="http://schemas.openxmlformats.org/drawingml/2006/main" xmlns:r="http://schemas.openxmlformats.org/officeDocument/2006/relationships" xmlns:p="http://schemas.openxmlformats.org/presentationml/2006/main">
   <p:cSld>
     <p:spTree>
@@ -16273,7 +15369,7 @@
 </p:sld>
 </file>
 
-<file path=ppt/slides/slide23.xml><?xml version="1.0" encoding="utf-8"?>
+<file path=ppt/slides/slide22.xml><?xml version="1.0" encoding="utf-8"?>
 <p:sld xmlns:a="http://schemas.openxmlformats.org/drawingml/2006/main" xmlns:r="http://schemas.openxmlformats.org/officeDocument/2006/relationships" xmlns:p="http://schemas.openxmlformats.org/presentationml/2006/main">
   <p:cSld>
     <p:spTree>
@@ -16774,8 +15870,8 @@
           </a:p>
         </p:txBody>
       </p:sp>
-      <mc:AlternateContent xmlns:mc="http://schemas.openxmlformats.org/markup-compatibility/2006">
-        <mc:Choice xmlns:a14="http://schemas.microsoft.com/office/drawing/2010/main" Requires="a14">
+      <mc:AlternateContent xmlns:mc="http://schemas.openxmlformats.org/markup-compatibility/2006" xmlns:a14="http://schemas.microsoft.com/office/drawing/2010/main">
+        <mc:Choice Requires="a14">
           <p:sp>
             <p:nvSpPr>
               <p:cNvPr id="6" name="CasellaDiTesto 5">
@@ -16791,7 +15887,7 @@
             <p:spPr>
               <a:xfrm>
                 <a:off x="3347864" y="1311812"/>
-                <a:ext cx="4608512" cy="1757148"/>
+                <a:ext cx="4824536" cy="1757148"/>
               </a:xfrm>
               <a:prstGeom prst="rect">
                 <a:avLst/>
@@ -17221,7 +16317,7 @@
             </p:txBody>
           </p:sp>
         </mc:Choice>
-        <mc:Fallback>
+        <mc:Fallback xmlns="">
           <p:sp>
             <p:nvSpPr>
               <p:cNvPr id="6" name="CasellaDiTesto 5">
@@ -17239,7 +16335,7 @@
             <p:spPr>
               <a:xfrm>
                 <a:off x="3347864" y="1311812"/>
-                <a:ext cx="4608512" cy="1757148"/>
+                <a:ext cx="4824536" cy="1757148"/>
               </a:xfrm>
               <a:prstGeom prst="rect">
                 <a:avLst/>
@@ -17291,7 +16387,7 @@
 </p:sld>
 </file>
 
-<file path=ppt/slides/slide24.xml><?xml version="1.0" encoding="utf-8"?>
+<file path=ppt/slides/slide23.xml><?xml version="1.0" encoding="utf-8"?>
 <p:sld xmlns:a="http://schemas.openxmlformats.org/drawingml/2006/main" xmlns:r="http://schemas.openxmlformats.org/officeDocument/2006/relationships" xmlns:p="http://schemas.openxmlformats.org/presentationml/2006/main">
   <p:cSld>
     <p:spTree>
@@ -17715,7 +16811,7 @@
 </p:sld>
 </file>
 
-<file path=ppt/slides/slide25.xml><?xml version="1.0" encoding="utf-8"?>
+<file path=ppt/slides/slide24.xml><?xml version="1.0" encoding="utf-8"?>
 <p:sld xmlns:a="http://schemas.openxmlformats.org/drawingml/2006/main" xmlns:r="http://schemas.openxmlformats.org/officeDocument/2006/relationships" xmlns:p="http://schemas.openxmlformats.org/presentationml/2006/main">
   <p:cSld>
     <p:spTree>
@@ -18126,7 +17222,7 @@
             <p:nvPr/>
           </p:nvPicPr>
           <p:blipFill>
-            <a:blip r:embed="rId2"/>
+            <a:blip r:embed="rId3"/>
             <a:srcRect/>
             <a:stretch/>
           </p:blipFill>
@@ -18155,7 +17251,7 @@
             <p:nvPr/>
           </p:nvPicPr>
           <p:blipFill>
-            <a:blip r:embed="rId3"/>
+            <a:blip r:embed="rId4"/>
             <a:srcRect/>
             <a:stretch/>
           </p:blipFill>
@@ -18183,7 +17279,7 @@
 </p:sld>
 </file>
 
-<file path=ppt/slides/slide26.xml><?xml version="1.0" encoding="utf-8"?>
+<file path=ppt/slides/slide25.xml><?xml version="1.0" encoding="utf-8"?>
 <p:sld xmlns:a="http://schemas.openxmlformats.org/drawingml/2006/main" xmlns:r="http://schemas.openxmlformats.org/officeDocument/2006/relationships" xmlns:p="http://schemas.openxmlformats.org/presentationml/2006/main">
   <p:cSld>
     <p:spTree>
@@ -18607,7 +17703,7 @@
 </p:sld>
 </file>
 
-<file path=ppt/slides/slide27.xml><?xml version="1.0" encoding="utf-8"?>
+<file path=ppt/slides/slide26.xml><?xml version="1.0" encoding="utf-8"?>
 <p:sld xmlns:a="http://schemas.openxmlformats.org/drawingml/2006/main" xmlns:r="http://schemas.openxmlformats.org/officeDocument/2006/relationships" xmlns:p="http://schemas.openxmlformats.org/presentationml/2006/main">
   <p:cSld>
     <p:spTree>
@@ -19031,7 +18127,7 @@
 </p:sld>
 </file>
 
-<file path=ppt/slides/slide28.xml><?xml version="1.0" encoding="utf-8"?>
+<file path=ppt/slides/slide27.xml><?xml version="1.0" encoding="utf-8"?>
 <p:sld xmlns:a="http://schemas.openxmlformats.org/drawingml/2006/main" xmlns:r="http://schemas.openxmlformats.org/officeDocument/2006/relationships" xmlns:p="http://schemas.openxmlformats.org/presentationml/2006/main">
   <p:cSld>
     <p:spTree>
@@ -19499,7 +18595,7 @@
 </p:sld>
 </file>
 
-<file path=ppt/slides/slide29.xml><?xml version="1.0" encoding="utf-8"?>
+<file path=ppt/slides/slide28.xml><?xml version="1.0" encoding="utf-8"?>
 <p:sld xmlns:a="http://schemas.openxmlformats.org/drawingml/2006/main" xmlns:r="http://schemas.openxmlformats.org/officeDocument/2006/relationships" xmlns:p="http://schemas.openxmlformats.org/presentationml/2006/main">
   <p:cSld>
     <p:spTree>
@@ -19923,6 +19019,430 @@
 </p:sld>
 </file>
 
+<file path=ppt/slides/slide29.xml><?xml version="1.0" encoding="utf-8"?>
+<p:sld xmlns:a="http://schemas.openxmlformats.org/drawingml/2006/main" xmlns:r="http://schemas.openxmlformats.org/officeDocument/2006/relationships" xmlns:p="http://schemas.openxmlformats.org/presentationml/2006/main">
+  <p:cSld>
+    <p:spTree>
+      <p:nvGrpSpPr>
+        <p:cNvPr id="1" name=""/>
+        <p:cNvGrpSpPr/>
+        <p:nvPr/>
+      </p:nvGrpSpPr>
+      <p:grpSpPr>
+        <a:xfrm>
+          <a:off x="0" y="0"/>
+          <a:ext cx="0" cy="0"/>
+          <a:chOff x="0" y="0"/>
+          <a:chExt cx="0" cy="0"/>
+        </a:xfrm>
+      </p:grpSpPr>
+      <p:sp>
+        <p:nvSpPr>
+          <p:cNvPr id="2" name="Titolo 1">
+            <a:extLst>
+              <a:ext uri="{FF2B5EF4-FFF2-40B4-BE49-F238E27FC236}">
+                <a16:creationId xmlns:a16="http://schemas.microsoft.com/office/drawing/2014/main" id="{AFEFEAD0-5246-726C-3122-EF9AE58FAC80}"/>
+              </a:ext>
+            </a:extLst>
+          </p:cNvPr>
+          <p:cNvSpPr txBox="1">
+            <a:spLocks noChangeArrowheads="1"/>
+          </p:cNvSpPr>
+          <p:nvPr/>
+        </p:nvSpPr>
+        <p:spPr bwMode="auto">
+          <a:xfrm>
+            <a:off x="3015163" y="253099"/>
+            <a:ext cx="5724624" cy="482108"/>
+          </a:xfrm>
+          <a:prstGeom prst="rect">
+            <a:avLst/>
+          </a:prstGeom>
+          <a:ln w="9525" cap="flat" cmpd="sng" algn="ctr">
+            <a:solidFill>
+              <a:schemeClr val="dk1"/>
+            </a:solidFill>
+            <a:prstDash val="solid"/>
+            <a:round/>
+            <a:headEnd type="none" w="med" len="med"/>
+            <a:tailEnd type="none" w="med" len="med"/>
+          </a:ln>
+          <a:extLst>
+            <a:ext uri="{909E8E84-426E-40DD-AFC4-6F175D3DCCD1}">
+              <a14:hiddenFill xmlns:a14="http://schemas.microsoft.com/office/drawing/2010/main">
+                <a:solidFill>
+                  <a:schemeClr val="accent1"/>
+                </a:solidFill>
+              </a14:hiddenFill>
+            </a:ext>
+          </a:extLst>
+        </p:spPr>
+        <p:style>
+          <a:lnRef idx="0">
+            <a:scrgbClr r="0" g="0" b="0"/>
+          </a:lnRef>
+          <a:fillRef idx="0">
+            <a:scrgbClr r="0" g="0" b="0"/>
+          </a:fillRef>
+          <a:effectRef idx="0">
+            <a:scrgbClr r="0" g="0" b="0"/>
+          </a:effectRef>
+          <a:fontRef idx="minor">
+            <a:schemeClr val="dk1"/>
+          </a:fontRef>
+        </p:style>
+        <p:txBody>
+          <a:bodyPr vert="horz" wrap="square" lIns="91440" tIns="45720" rIns="91440" bIns="45720" numCol="1" anchor="ctr" anchorCtr="0" compatLnSpc="1">
+            <a:prstTxWarp prst="textNoShape">
+              <a:avLst/>
+            </a:prstTxWarp>
+          </a:bodyPr>
+          <a:lstStyle>
+            <a:lvl1pPr algn="l" rtl="0" eaLnBrk="0" fontAlgn="base" hangingPunct="0">
+              <a:spcBef>
+                <a:spcPct val="0"/>
+              </a:spcBef>
+              <a:spcAft>
+                <a:spcPct val="0"/>
+              </a:spcAft>
+              <a:defRPr sz="2400" b="1">
+                <a:solidFill>
+                  <a:schemeClr val="dk1"/>
+                </a:solidFill>
+                <a:latin typeface="+mn-lt"/>
+                <a:ea typeface="+mn-ea"/>
+                <a:cs typeface="+mn-cs"/>
+              </a:defRPr>
+            </a:lvl1pPr>
+            <a:lvl2pPr algn="l" rtl="0" eaLnBrk="0" fontAlgn="base" hangingPunct="0">
+              <a:spcBef>
+                <a:spcPct val="0"/>
+              </a:spcBef>
+              <a:spcAft>
+                <a:spcPct val="0"/>
+              </a:spcAft>
+              <a:defRPr sz="2400" b="1">
+                <a:solidFill>
+                  <a:schemeClr val="dk1"/>
+                </a:solidFill>
+                <a:latin typeface="+mn-lt"/>
+                <a:ea typeface="+mn-ea"/>
+                <a:cs typeface="+mn-cs"/>
+              </a:defRPr>
+            </a:lvl2pPr>
+            <a:lvl3pPr algn="l" rtl="0" eaLnBrk="0" fontAlgn="base" hangingPunct="0">
+              <a:spcBef>
+                <a:spcPct val="0"/>
+              </a:spcBef>
+              <a:spcAft>
+                <a:spcPct val="0"/>
+              </a:spcAft>
+              <a:defRPr sz="2400" b="1">
+                <a:solidFill>
+                  <a:schemeClr val="dk1"/>
+                </a:solidFill>
+                <a:latin typeface="+mn-lt"/>
+                <a:ea typeface="+mn-ea"/>
+                <a:cs typeface="+mn-cs"/>
+              </a:defRPr>
+            </a:lvl3pPr>
+            <a:lvl4pPr algn="l" rtl="0" eaLnBrk="0" fontAlgn="base" hangingPunct="0">
+              <a:spcBef>
+                <a:spcPct val="0"/>
+              </a:spcBef>
+              <a:spcAft>
+                <a:spcPct val="0"/>
+              </a:spcAft>
+              <a:defRPr sz="2400" b="1">
+                <a:solidFill>
+                  <a:schemeClr val="dk1"/>
+                </a:solidFill>
+                <a:latin typeface="+mn-lt"/>
+                <a:ea typeface="+mn-ea"/>
+                <a:cs typeface="+mn-cs"/>
+              </a:defRPr>
+            </a:lvl4pPr>
+            <a:lvl5pPr algn="l" rtl="0" eaLnBrk="0" fontAlgn="base" hangingPunct="0">
+              <a:spcBef>
+                <a:spcPct val="0"/>
+              </a:spcBef>
+              <a:spcAft>
+                <a:spcPct val="0"/>
+              </a:spcAft>
+              <a:defRPr sz="2400" b="1">
+                <a:solidFill>
+                  <a:schemeClr val="dk1"/>
+                </a:solidFill>
+                <a:latin typeface="+mn-lt"/>
+                <a:ea typeface="+mn-ea"/>
+                <a:cs typeface="+mn-cs"/>
+              </a:defRPr>
+            </a:lvl5pPr>
+            <a:lvl6pPr marL="457200" algn="l" rtl="0" eaLnBrk="1" fontAlgn="base" hangingPunct="1">
+              <a:spcBef>
+                <a:spcPct val="0"/>
+              </a:spcBef>
+              <a:spcAft>
+                <a:spcPct val="0"/>
+              </a:spcAft>
+              <a:defRPr sz="2400" b="1">
+                <a:solidFill>
+                  <a:schemeClr val="dk1"/>
+                </a:solidFill>
+                <a:latin typeface="+mn-lt"/>
+                <a:ea typeface="+mn-ea"/>
+                <a:cs typeface="+mn-cs"/>
+              </a:defRPr>
+            </a:lvl6pPr>
+            <a:lvl7pPr marL="914400" algn="l" rtl="0" eaLnBrk="1" fontAlgn="base" hangingPunct="1">
+              <a:spcBef>
+                <a:spcPct val="0"/>
+              </a:spcBef>
+              <a:spcAft>
+                <a:spcPct val="0"/>
+              </a:spcAft>
+              <a:defRPr sz="2400" b="1">
+                <a:solidFill>
+                  <a:schemeClr val="dk1"/>
+                </a:solidFill>
+                <a:latin typeface="+mn-lt"/>
+                <a:ea typeface="+mn-ea"/>
+                <a:cs typeface="+mn-cs"/>
+              </a:defRPr>
+            </a:lvl7pPr>
+            <a:lvl8pPr marL="1371600" algn="l" rtl="0" eaLnBrk="1" fontAlgn="base" hangingPunct="1">
+              <a:spcBef>
+                <a:spcPct val="0"/>
+              </a:spcBef>
+              <a:spcAft>
+                <a:spcPct val="0"/>
+              </a:spcAft>
+              <a:defRPr sz="2400" b="1">
+                <a:solidFill>
+                  <a:schemeClr val="dk1"/>
+                </a:solidFill>
+                <a:latin typeface="+mn-lt"/>
+                <a:ea typeface="+mn-ea"/>
+                <a:cs typeface="+mn-cs"/>
+              </a:defRPr>
+            </a:lvl8pPr>
+            <a:lvl9pPr marL="1828800" algn="l" rtl="0" eaLnBrk="1" fontAlgn="base" hangingPunct="1">
+              <a:spcBef>
+                <a:spcPct val="0"/>
+              </a:spcBef>
+              <a:spcAft>
+                <a:spcPct val="0"/>
+              </a:spcAft>
+              <a:defRPr sz="2400" b="1">
+                <a:solidFill>
+                  <a:schemeClr val="dk1"/>
+                </a:solidFill>
+                <a:latin typeface="+mn-lt"/>
+                <a:ea typeface="+mn-ea"/>
+                <a:cs typeface="+mn-cs"/>
+              </a:defRPr>
+            </a:lvl9pPr>
+          </a:lstStyle>
+          <a:p>
+            <a:pPr algn="ctr"/>
+            <a:r>
+              <a:rPr lang="it-IT" altLang="it-IT" kern="0" dirty="0">
+                <a:latin typeface="Calibri" panose="020F0502020204030204" pitchFamily="34" charset="0"/>
+                <a:ea typeface="ＭＳ Ｐゴシック" panose="020B0600070205080204" pitchFamily="34" charset="-128"/>
+              </a:rPr>
+              <a:t>ELASTIC CASE – SIMULATION 6</a:t>
+            </a:r>
+          </a:p>
+        </p:txBody>
+      </p:sp>
+      <p:sp>
+        <p:nvSpPr>
+          <p:cNvPr id="10" name="Rettangolo 9">
+            <a:extLst>
+              <a:ext uri="{FF2B5EF4-FFF2-40B4-BE49-F238E27FC236}">
+                <a16:creationId xmlns:a16="http://schemas.microsoft.com/office/drawing/2014/main" id="{31D3E094-59FA-DA3E-B010-C99084F3614D}"/>
+              </a:ext>
+            </a:extLst>
+          </p:cNvPr>
+          <p:cNvSpPr/>
+          <p:nvPr/>
+        </p:nvSpPr>
+        <p:spPr bwMode="auto">
+          <a:xfrm>
+            <a:off x="1691680" y="4509120"/>
+            <a:ext cx="432048" cy="792088"/>
+          </a:xfrm>
+          <a:prstGeom prst="rect">
+            <a:avLst/>
+          </a:prstGeom>
+          <a:noFill/>
+          <a:ln>
+            <a:noFill/>
+          </a:ln>
+          <a:effectLst/>
+          <a:extLst>
+            <a:ext uri="{909E8E84-426E-40dd-AFC4-6F175D3DCCD1}">
+              <a14:hiddenFill xmlns="" xmlns:a14="http://schemas.microsoft.com/office/drawing/2010/main">
+                <a:solidFill>
+                  <a:schemeClr val="accent1"/>
+                </a:solidFill>
+              </a14:hiddenFill>
+            </a:ext>
+            <a:ext uri="{91240B29-F687-4f45-9708-019B960494DF}">
+              <a14:hiddenLine xmlns="" xmlns:a14="http://schemas.microsoft.com/office/drawing/2010/main" w="9525" cap="flat" cmpd="sng" algn="ctr">
+                <a:solidFill>
+                  <a:schemeClr val="tx1"/>
+                </a:solidFill>
+                <a:prstDash val="solid"/>
+                <a:round/>
+                <a:headEnd type="none" w="med" len="med"/>
+                <a:tailEnd type="none" w="med" len="med"/>
+              </a14:hiddenLine>
+            </a:ext>
+            <a:ext uri="{AF507438-7753-43e0-B8FC-AC1667EBCBE1}">
+              <a14:hiddenEffects xmlns="" xmlns:a14="http://schemas.microsoft.com/office/drawing/2010/main">
+                <a:effectLst>
+                  <a:outerShdw blurRad="63500" dist="38099" dir="2700000" algn="ctr" rotWithShape="0">
+                    <a:srgbClr val="000000">
+                      <a:alpha val="74998"/>
+                    </a:srgbClr>
+                  </a:outerShdw>
+                </a:effectLst>
+              </a14:hiddenEffects>
+            </a:ext>
+          </a:extLst>
+        </p:spPr>
+        <p:txBody>
+          <a:bodyPr vert="horz" wrap="square" lIns="91440" tIns="45720" rIns="91440" bIns="45720" numCol="1" rtlCol="0" anchor="t" anchorCtr="0" compatLnSpc="1">
+            <a:prstTxWarp prst="textNoShape">
+              <a:avLst/>
+            </a:prstTxWarp>
+          </a:bodyPr>
+          <a:lstStyle/>
+          <a:p>
+            <a:pPr marL="0" marR="0" indent="0" algn="l" defTabSz="914400" rtl="0" eaLnBrk="0" fontAlgn="base" latinLnBrk="0" hangingPunct="0">
+              <a:lnSpc>
+                <a:spcPct val="100000"/>
+              </a:lnSpc>
+              <a:spcBef>
+                <a:spcPct val="0"/>
+              </a:spcBef>
+              <a:spcAft>
+                <a:spcPct val="0"/>
+              </a:spcAft>
+              <a:buClrTx/>
+              <a:buSzTx/>
+              <a:buFontTx/>
+              <a:buNone/>
+              <a:tabLst/>
+            </a:pPr>
+            <a:endParaRPr kumimoji="0" lang="en-US" sz="2400" b="0" i="0" u="none" strike="noStrike" cap="none" normalizeH="0" baseline="0">
+              <a:ln>
+                <a:noFill/>
+              </a:ln>
+              <a:solidFill>
+                <a:srgbClr val="000000"/>
+              </a:solidFill>
+              <a:effectLst/>
+              <a:latin typeface="Arial" charset="0"/>
+              <a:ea typeface="ＭＳ Ｐゴシック" charset="0"/>
+              <a:cs typeface="ＭＳ Ｐゴシック" charset="0"/>
+            </a:endParaRPr>
+          </a:p>
+        </p:txBody>
+      </p:sp>
+      <p:grpSp>
+        <p:nvGrpSpPr>
+          <p:cNvPr id="3" name="Gruppo 2">
+            <a:extLst>
+              <a:ext uri="{FF2B5EF4-FFF2-40B4-BE49-F238E27FC236}">
+                <a16:creationId xmlns:a16="http://schemas.microsoft.com/office/drawing/2014/main" id="{A4CB27E5-901E-5DA0-2DE4-D0E409108A84}"/>
+              </a:ext>
+            </a:extLst>
+          </p:cNvPr>
+          <p:cNvGrpSpPr/>
+          <p:nvPr/>
+        </p:nvGrpSpPr>
+        <p:grpSpPr>
+          <a:xfrm>
+            <a:off x="816685" y="988600"/>
+            <a:ext cx="7510630" cy="5024814"/>
+            <a:chOff x="43936" y="1385094"/>
+            <a:chExt cx="7964476" cy="5311804"/>
+          </a:xfrm>
+        </p:grpSpPr>
+        <p:pic>
+          <p:nvPicPr>
+            <p:cNvPr id="4" name="Immagine 3">
+              <a:extLst>
+                <a:ext uri="{FF2B5EF4-FFF2-40B4-BE49-F238E27FC236}">
+                  <a16:creationId xmlns:a16="http://schemas.microsoft.com/office/drawing/2014/main" id="{D0D8A28A-E8C0-A745-9F4D-6F09C1808FD5}"/>
+                </a:ext>
+              </a:extLst>
+            </p:cNvPr>
+            <p:cNvPicPr>
+              <a:picLocks noChangeAspect="1"/>
+            </p:cNvPicPr>
+            <p:nvPr/>
+          </p:nvPicPr>
+          <p:blipFill>
+            <a:blip r:embed="rId2"/>
+            <a:srcRect/>
+            <a:stretch/>
+          </p:blipFill>
+          <p:spPr>
+            <a:xfrm>
+              <a:off x="43936" y="1385096"/>
+              <a:ext cx="3572368" cy="5311802"/>
+            </a:xfrm>
+            <a:prstGeom prst="rect">
+              <a:avLst/>
+            </a:prstGeom>
+          </p:spPr>
+        </p:pic>
+        <p:pic>
+          <p:nvPicPr>
+            <p:cNvPr id="5" name="Immagine 4">
+              <a:extLst>
+                <a:ext uri="{FF2B5EF4-FFF2-40B4-BE49-F238E27FC236}">
+                  <a16:creationId xmlns:a16="http://schemas.microsoft.com/office/drawing/2014/main" id="{DCD03713-52A5-D629-FBD6-A1C0327112B0}"/>
+                </a:ext>
+              </a:extLst>
+            </p:cNvPr>
+            <p:cNvPicPr>
+              <a:picLocks noChangeAspect="1"/>
+            </p:cNvPicPr>
+            <p:nvPr/>
+          </p:nvPicPr>
+          <p:blipFill>
+            <a:blip r:embed="rId3"/>
+            <a:srcRect/>
+            <a:stretch/>
+          </p:blipFill>
+          <p:spPr>
+            <a:xfrm>
+              <a:off x="4436439" y="1385094"/>
+              <a:ext cx="3571973" cy="5311214"/>
+            </a:xfrm>
+            <a:prstGeom prst="rect">
+              <a:avLst/>
+            </a:prstGeom>
+          </p:spPr>
+        </p:pic>
+      </p:grpSp>
+    </p:spTree>
+    <p:extLst>
+      <p:ext uri="{BB962C8B-B14F-4D97-AF65-F5344CB8AC3E}">
+        <p14:creationId xmlns:p14="http://schemas.microsoft.com/office/powerpoint/2010/main" val="1688515912"/>
+      </p:ext>
+    </p:extLst>
+  </p:cSld>
+  <p:clrMapOvr>
+    <a:masterClrMapping/>
+  </p:clrMapOvr>
+</p:sld>
+</file>
+
 <file path=ppt/slides/slide3.xml><?xml version="1.0" encoding="utf-8"?>
 <p:sld xmlns:a="http://schemas.openxmlformats.org/drawingml/2006/main" xmlns:r="http://schemas.openxmlformats.org/officeDocument/2006/relationships" xmlns:p="http://schemas.openxmlformats.org/presentationml/2006/main">
   <p:cSld>
@@ -20304,8 +19824,8 @@
           </a:p>
         </p:txBody>
       </p:sp>
-      <mc:AlternateContent xmlns:mc="http://schemas.openxmlformats.org/markup-compatibility/2006">
-        <mc:Choice xmlns:a14="http://schemas.microsoft.com/office/drawing/2010/main" Requires="a14">
+      <mc:AlternateContent xmlns:mc="http://schemas.openxmlformats.org/markup-compatibility/2006" xmlns:a14="http://schemas.microsoft.com/office/drawing/2010/main">
+        <mc:Choice Requires="a14">
           <p:sp>
             <p:nvSpPr>
               <p:cNvPr id="4" name="CasellaDiTesto 3">
@@ -20348,6 +19868,7 @@
               </a:bodyPr>
               <a:lstStyle/>
               <a:p>
+                <a:pPr/>
                 <a14:m>
                   <m:oMathPara xmlns:m="http://schemas.openxmlformats.org/officeDocument/2006/math">
                     <m:oMathParaPr>
@@ -20550,7 +20071,7 @@
             </p:txBody>
           </p:sp>
         </mc:Choice>
-        <mc:Fallback>
+        <mc:Fallback xmlns="">
           <p:sp>
             <p:nvSpPr>
               <p:cNvPr id="4" name="CasellaDiTesto 3">
@@ -20607,8 +20128,8 @@
           </p:sp>
         </mc:Fallback>
       </mc:AlternateContent>
-      <mc:AlternateContent xmlns:mc="http://schemas.openxmlformats.org/markup-compatibility/2006">
-        <mc:Choice xmlns:a14="http://schemas.microsoft.com/office/drawing/2010/main" Requires="a14">
+      <mc:AlternateContent xmlns:mc="http://schemas.openxmlformats.org/markup-compatibility/2006" xmlns:a14="http://schemas.microsoft.com/office/drawing/2010/main">
+        <mc:Choice Requires="a14">
           <p:sp>
             <p:nvSpPr>
               <p:cNvPr id="5" name="CasellaDiTesto 4">
@@ -20888,7 +20409,7 @@
             </p:txBody>
           </p:sp>
         </mc:Choice>
-        <mc:Fallback>
+        <mc:Fallback xmlns="">
           <p:sp>
             <p:nvSpPr>
               <p:cNvPr id="5" name="CasellaDiTesto 4">
@@ -20977,8 +20498,8 @@
           </a:p>
         </p:txBody>
       </p:sp>
-      <mc:AlternateContent xmlns:mc="http://schemas.openxmlformats.org/markup-compatibility/2006">
-        <mc:Choice xmlns:a14="http://schemas.microsoft.com/office/drawing/2010/main" Requires="a14">
+      <mc:AlternateContent xmlns:mc="http://schemas.openxmlformats.org/markup-compatibility/2006" xmlns:a14="http://schemas.microsoft.com/office/drawing/2010/main">
+        <mc:Choice Requires="a14">
           <p:sp>
             <p:nvSpPr>
               <p:cNvPr id="7" name="CasellaDiTesto 6">
@@ -21295,7 +20816,7 @@
             </p:txBody>
           </p:sp>
         </mc:Choice>
-        <mc:Fallback>
+        <mc:Fallback xmlns="">
           <p:sp>
             <p:nvSpPr>
               <p:cNvPr id="7" name="CasellaDiTesto 6">
@@ -21352,8 +20873,8 @@
           </p:sp>
         </mc:Fallback>
       </mc:AlternateContent>
-      <mc:AlternateContent xmlns:mc="http://schemas.openxmlformats.org/markup-compatibility/2006">
-        <mc:Choice xmlns:a14="http://schemas.microsoft.com/office/drawing/2010/main" Requires="a14">
+      <mc:AlternateContent xmlns:mc="http://schemas.openxmlformats.org/markup-compatibility/2006" xmlns:a14="http://schemas.microsoft.com/office/drawing/2010/main">
+        <mc:Choice Requires="a14">
           <p:sp>
             <p:nvSpPr>
               <p:cNvPr id="8" name="CasellaDiTesto 7">
@@ -21461,7 +20982,7 @@
             </p:txBody>
           </p:sp>
         </mc:Choice>
-        <mc:Fallback>
+        <mc:Fallback xmlns="">
           <p:sp>
             <p:nvSpPr>
               <p:cNvPr id="8" name="CasellaDiTesto 7">
@@ -21506,8 +21027,8 @@
           </p:sp>
         </mc:Fallback>
       </mc:AlternateContent>
-      <mc:AlternateContent xmlns:mc="http://schemas.openxmlformats.org/markup-compatibility/2006">
-        <mc:Choice xmlns:a14="http://schemas.microsoft.com/office/drawing/2010/main" Requires="a14">
+      <mc:AlternateContent xmlns:mc="http://schemas.openxmlformats.org/markup-compatibility/2006" xmlns:a14="http://schemas.microsoft.com/office/drawing/2010/main">
+        <mc:Choice Requires="a14">
           <p:sp>
             <p:nvSpPr>
               <p:cNvPr id="9" name="CasellaDiTesto 8">
@@ -21586,7 +21107,7 @@
             </p:txBody>
           </p:sp>
         </mc:Choice>
-        <mc:Fallback>
+        <mc:Fallback xmlns="">
           <p:sp>
             <p:nvSpPr>
               <p:cNvPr id="9" name="CasellaDiTesto 8">
@@ -21875,430 +21396,6 @@
                 <a:latin typeface="Calibri" panose="020F0502020204030204" pitchFamily="34" charset="0"/>
                 <a:ea typeface="ＭＳ Ｐゴシック" panose="020B0600070205080204" pitchFamily="34" charset="-128"/>
               </a:rPr>
-              <a:t>ELASTIC CASE – SIMULATION 6</a:t>
-            </a:r>
-          </a:p>
-        </p:txBody>
-      </p:sp>
-      <p:sp>
-        <p:nvSpPr>
-          <p:cNvPr id="10" name="Rettangolo 9">
-            <a:extLst>
-              <a:ext uri="{FF2B5EF4-FFF2-40B4-BE49-F238E27FC236}">
-                <a16:creationId xmlns:a16="http://schemas.microsoft.com/office/drawing/2014/main" id="{31D3E094-59FA-DA3E-B010-C99084F3614D}"/>
-              </a:ext>
-            </a:extLst>
-          </p:cNvPr>
-          <p:cNvSpPr/>
-          <p:nvPr/>
-        </p:nvSpPr>
-        <p:spPr bwMode="auto">
-          <a:xfrm>
-            <a:off x="1691680" y="4509120"/>
-            <a:ext cx="432048" cy="792088"/>
-          </a:xfrm>
-          <a:prstGeom prst="rect">
-            <a:avLst/>
-          </a:prstGeom>
-          <a:noFill/>
-          <a:ln>
-            <a:noFill/>
-          </a:ln>
-          <a:effectLst/>
-          <a:extLst>
-            <a:ext uri="{909E8E84-426E-40dd-AFC4-6F175D3DCCD1}">
-              <a14:hiddenFill xmlns="" xmlns:a14="http://schemas.microsoft.com/office/drawing/2010/main">
-                <a:solidFill>
-                  <a:schemeClr val="accent1"/>
-                </a:solidFill>
-              </a14:hiddenFill>
-            </a:ext>
-            <a:ext uri="{91240B29-F687-4f45-9708-019B960494DF}">
-              <a14:hiddenLine xmlns="" xmlns:a14="http://schemas.microsoft.com/office/drawing/2010/main" w="9525" cap="flat" cmpd="sng" algn="ctr">
-                <a:solidFill>
-                  <a:schemeClr val="tx1"/>
-                </a:solidFill>
-                <a:prstDash val="solid"/>
-                <a:round/>
-                <a:headEnd type="none" w="med" len="med"/>
-                <a:tailEnd type="none" w="med" len="med"/>
-              </a14:hiddenLine>
-            </a:ext>
-            <a:ext uri="{AF507438-7753-43e0-B8FC-AC1667EBCBE1}">
-              <a14:hiddenEffects xmlns="" xmlns:a14="http://schemas.microsoft.com/office/drawing/2010/main">
-                <a:effectLst>
-                  <a:outerShdw blurRad="63500" dist="38099" dir="2700000" algn="ctr" rotWithShape="0">
-                    <a:srgbClr val="000000">
-                      <a:alpha val="74998"/>
-                    </a:srgbClr>
-                  </a:outerShdw>
-                </a:effectLst>
-              </a14:hiddenEffects>
-            </a:ext>
-          </a:extLst>
-        </p:spPr>
-        <p:txBody>
-          <a:bodyPr vert="horz" wrap="square" lIns="91440" tIns="45720" rIns="91440" bIns="45720" numCol="1" rtlCol="0" anchor="t" anchorCtr="0" compatLnSpc="1">
-            <a:prstTxWarp prst="textNoShape">
-              <a:avLst/>
-            </a:prstTxWarp>
-          </a:bodyPr>
-          <a:lstStyle/>
-          <a:p>
-            <a:pPr marL="0" marR="0" indent="0" algn="l" defTabSz="914400" rtl="0" eaLnBrk="0" fontAlgn="base" latinLnBrk="0" hangingPunct="0">
-              <a:lnSpc>
-                <a:spcPct val="100000"/>
-              </a:lnSpc>
-              <a:spcBef>
-                <a:spcPct val="0"/>
-              </a:spcBef>
-              <a:spcAft>
-                <a:spcPct val="0"/>
-              </a:spcAft>
-              <a:buClrTx/>
-              <a:buSzTx/>
-              <a:buFontTx/>
-              <a:buNone/>
-              <a:tabLst/>
-            </a:pPr>
-            <a:endParaRPr kumimoji="0" lang="en-US" sz="2400" b="0" i="0" u="none" strike="noStrike" cap="none" normalizeH="0" baseline="0">
-              <a:ln>
-                <a:noFill/>
-              </a:ln>
-              <a:solidFill>
-                <a:srgbClr val="000000"/>
-              </a:solidFill>
-              <a:effectLst/>
-              <a:latin typeface="Arial" charset="0"/>
-              <a:ea typeface="ＭＳ Ｐゴシック" charset="0"/>
-              <a:cs typeface="ＭＳ Ｐゴシック" charset="0"/>
-            </a:endParaRPr>
-          </a:p>
-        </p:txBody>
-      </p:sp>
-      <p:grpSp>
-        <p:nvGrpSpPr>
-          <p:cNvPr id="3" name="Gruppo 2">
-            <a:extLst>
-              <a:ext uri="{FF2B5EF4-FFF2-40B4-BE49-F238E27FC236}">
-                <a16:creationId xmlns:a16="http://schemas.microsoft.com/office/drawing/2014/main" id="{A4CB27E5-901E-5DA0-2DE4-D0E409108A84}"/>
-              </a:ext>
-            </a:extLst>
-          </p:cNvPr>
-          <p:cNvGrpSpPr/>
-          <p:nvPr/>
-        </p:nvGrpSpPr>
-        <p:grpSpPr>
-          <a:xfrm>
-            <a:off x="816685" y="988600"/>
-            <a:ext cx="7510630" cy="5024814"/>
-            <a:chOff x="43936" y="1385094"/>
-            <a:chExt cx="7964476" cy="5311804"/>
-          </a:xfrm>
-        </p:grpSpPr>
-        <p:pic>
-          <p:nvPicPr>
-            <p:cNvPr id="4" name="Immagine 3">
-              <a:extLst>
-                <a:ext uri="{FF2B5EF4-FFF2-40B4-BE49-F238E27FC236}">
-                  <a16:creationId xmlns:a16="http://schemas.microsoft.com/office/drawing/2014/main" id="{D0D8A28A-E8C0-A745-9F4D-6F09C1808FD5}"/>
-                </a:ext>
-              </a:extLst>
-            </p:cNvPr>
-            <p:cNvPicPr>
-              <a:picLocks noChangeAspect="1"/>
-            </p:cNvPicPr>
-            <p:nvPr/>
-          </p:nvPicPr>
-          <p:blipFill>
-            <a:blip r:embed="rId2"/>
-            <a:srcRect/>
-            <a:stretch/>
-          </p:blipFill>
-          <p:spPr>
-            <a:xfrm>
-              <a:off x="43936" y="1385096"/>
-              <a:ext cx="3572368" cy="5311802"/>
-            </a:xfrm>
-            <a:prstGeom prst="rect">
-              <a:avLst/>
-            </a:prstGeom>
-          </p:spPr>
-        </p:pic>
-        <p:pic>
-          <p:nvPicPr>
-            <p:cNvPr id="5" name="Immagine 4">
-              <a:extLst>
-                <a:ext uri="{FF2B5EF4-FFF2-40B4-BE49-F238E27FC236}">
-                  <a16:creationId xmlns:a16="http://schemas.microsoft.com/office/drawing/2014/main" id="{DCD03713-52A5-D629-FBD6-A1C0327112B0}"/>
-                </a:ext>
-              </a:extLst>
-            </p:cNvPr>
-            <p:cNvPicPr>
-              <a:picLocks noChangeAspect="1"/>
-            </p:cNvPicPr>
-            <p:nvPr/>
-          </p:nvPicPr>
-          <p:blipFill>
-            <a:blip r:embed="rId3"/>
-            <a:srcRect/>
-            <a:stretch/>
-          </p:blipFill>
-          <p:spPr>
-            <a:xfrm>
-              <a:off x="4436439" y="1385094"/>
-              <a:ext cx="3571973" cy="5311214"/>
-            </a:xfrm>
-            <a:prstGeom prst="rect">
-              <a:avLst/>
-            </a:prstGeom>
-          </p:spPr>
-        </p:pic>
-      </p:grpSp>
-    </p:spTree>
-    <p:extLst>
-      <p:ext uri="{BB962C8B-B14F-4D97-AF65-F5344CB8AC3E}">
-        <p14:creationId xmlns:p14="http://schemas.microsoft.com/office/powerpoint/2010/main" val="1688515912"/>
-      </p:ext>
-    </p:extLst>
-  </p:cSld>
-  <p:clrMapOvr>
-    <a:masterClrMapping/>
-  </p:clrMapOvr>
-</p:sld>
-</file>
-
-<file path=ppt/slides/slide31.xml><?xml version="1.0" encoding="utf-8"?>
-<p:sld xmlns:a="http://schemas.openxmlformats.org/drawingml/2006/main" xmlns:r="http://schemas.openxmlformats.org/officeDocument/2006/relationships" xmlns:p="http://schemas.openxmlformats.org/presentationml/2006/main">
-  <p:cSld>
-    <p:spTree>
-      <p:nvGrpSpPr>
-        <p:cNvPr id="1" name=""/>
-        <p:cNvGrpSpPr/>
-        <p:nvPr/>
-      </p:nvGrpSpPr>
-      <p:grpSpPr>
-        <a:xfrm>
-          <a:off x="0" y="0"/>
-          <a:ext cx="0" cy="0"/>
-          <a:chOff x="0" y="0"/>
-          <a:chExt cx="0" cy="0"/>
-        </a:xfrm>
-      </p:grpSpPr>
-      <p:sp>
-        <p:nvSpPr>
-          <p:cNvPr id="2" name="Titolo 1">
-            <a:extLst>
-              <a:ext uri="{FF2B5EF4-FFF2-40B4-BE49-F238E27FC236}">
-                <a16:creationId xmlns:a16="http://schemas.microsoft.com/office/drawing/2014/main" id="{AFEFEAD0-5246-726C-3122-EF9AE58FAC80}"/>
-              </a:ext>
-            </a:extLst>
-          </p:cNvPr>
-          <p:cNvSpPr txBox="1">
-            <a:spLocks noChangeArrowheads="1"/>
-          </p:cNvSpPr>
-          <p:nvPr/>
-        </p:nvSpPr>
-        <p:spPr bwMode="auto">
-          <a:xfrm>
-            <a:off x="3015163" y="253099"/>
-            <a:ext cx="5724624" cy="482108"/>
-          </a:xfrm>
-          <a:prstGeom prst="rect">
-            <a:avLst/>
-          </a:prstGeom>
-          <a:ln w="9525" cap="flat" cmpd="sng" algn="ctr">
-            <a:solidFill>
-              <a:schemeClr val="dk1"/>
-            </a:solidFill>
-            <a:prstDash val="solid"/>
-            <a:round/>
-            <a:headEnd type="none" w="med" len="med"/>
-            <a:tailEnd type="none" w="med" len="med"/>
-          </a:ln>
-          <a:extLst>
-            <a:ext uri="{909E8E84-426E-40DD-AFC4-6F175D3DCCD1}">
-              <a14:hiddenFill xmlns:a14="http://schemas.microsoft.com/office/drawing/2010/main">
-                <a:solidFill>
-                  <a:schemeClr val="accent1"/>
-                </a:solidFill>
-              </a14:hiddenFill>
-            </a:ext>
-          </a:extLst>
-        </p:spPr>
-        <p:style>
-          <a:lnRef idx="0">
-            <a:scrgbClr r="0" g="0" b="0"/>
-          </a:lnRef>
-          <a:fillRef idx="0">
-            <a:scrgbClr r="0" g="0" b="0"/>
-          </a:fillRef>
-          <a:effectRef idx="0">
-            <a:scrgbClr r="0" g="0" b="0"/>
-          </a:effectRef>
-          <a:fontRef idx="minor">
-            <a:schemeClr val="dk1"/>
-          </a:fontRef>
-        </p:style>
-        <p:txBody>
-          <a:bodyPr vert="horz" wrap="square" lIns="91440" tIns="45720" rIns="91440" bIns="45720" numCol="1" anchor="ctr" anchorCtr="0" compatLnSpc="1">
-            <a:prstTxWarp prst="textNoShape">
-              <a:avLst/>
-            </a:prstTxWarp>
-          </a:bodyPr>
-          <a:lstStyle>
-            <a:lvl1pPr algn="l" rtl="0" eaLnBrk="0" fontAlgn="base" hangingPunct="0">
-              <a:spcBef>
-                <a:spcPct val="0"/>
-              </a:spcBef>
-              <a:spcAft>
-                <a:spcPct val="0"/>
-              </a:spcAft>
-              <a:defRPr sz="2400" b="1">
-                <a:solidFill>
-                  <a:schemeClr val="dk1"/>
-                </a:solidFill>
-                <a:latin typeface="+mn-lt"/>
-                <a:ea typeface="+mn-ea"/>
-                <a:cs typeface="+mn-cs"/>
-              </a:defRPr>
-            </a:lvl1pPr>
-            <a:lvl2pPr algn="l" rtl="0" eaLnBrk="0" fontAlgn="base" hangingPunct="0">
-              <a:spcBef>
-                <a:spcPct val="0"/>
-              </a:spcBef>
-              <a:spcAft>
-                <a:spcPct val="0"/>
-              </a:spcAft>
-              <a:defRPr sz="2400" b="1">
-                <a:solidFill>
-                  <a:schemeClr val="dk1"/>
-                </a:solidFill>
-                <a:latin typeface="+mn-lt"/>
-                <a:ea typeface="+mn-ea"/>
-                <a:cs typeface="+mn-cs"/>
-              </a:defRPr>
-            </a:lvl2pPr>
-            <a:lvl3pPr algn="l" rtl="0" eaLnBrk="0" fontAlgn="base" hangingPunct="0">
-              <a:spcBef>
-                <a:spcPct val="0"/>
-              </a:spcBef>
-              <a:spcAft>
-                <a:spcPct val="0"/>
-              </a:spcAft>
-              <a:defRPr sz="2400" b="1">
-                <a:solidFill>
-                  <a:schemeClr val="dk1"/>
-                </a:solidFill>
-                <a:latin typeface="+mn-lt"/>
-                <a:ea typeface="+mn-ea"/>
-                <a:cs typeface="+mn-cs"/>
-              </a:defRPr>
-            </a:lvl3pPr>
-            <a:lvl4pPr algn="l" rtl="0" eaLnBrk="0" fontAlgn="base" hangingPunct="0">
-              <a:spcBef>
-                <a:spcPct val="0"/>
-              </a:spcBef>
-              <a:spcAft>
-                <a:spcPct val="0"/>
-              </a:spcAft>
-              <a:defRPr sz="2400" b="1">
-                <a:solidFill>
-                  <a:schemeClr val="dk1"/>
-                </a:solidFill>
-                <a:latin typeface="+mn-lt"/>
-                <a:ea typeface="+mn-ea"/>
-                <a:cs typeface="+mn-cs"/>
-              </a:defRPr>
-            </a:lvl4pPr>
-            <a:lvl5pPr algn="l" rtl="0" eaLnBrk="0" fontAlgn="base" hangingPunct="0">
-              <a:spcBef>
-                <a:spcPct val="0"/>
-              </a:spcBef>
-              <a:spcAft>
-                <a:spcPct val="0"/>
-              </a:spcAft>
-              <a:defRPr sz="2400" b="1">
-                <a:solidFill>
-                  <a:schemeClr val="dk1"/>
-                </a:solidFill>
-                <a:latin typeface="+mn-lt"/>
-                <a:ea typeface="+mn-ea"/>
-                <a:cs typeface="+mn-cs"/>
-              </a:defRPr>
-            </a:lvl5pPr>
-            <a:lvl6pPr marL="457200" algn="l" rtl="0" eaLnBrk="1" fontAlgn="base" hangingPunct="1">
-              <a:spcBef>
-                <a:spcPct val="0"/>
-              </a:spcBef>
-              <a:spcAft>
-                <a:spcPct val="0"/>
-              </a:spcAft>
-              <a:defRPr sz="2400" b="1">
-                <a:solidFill>
-                  <a:schemeClr val="dk1"/>
-                </a:solidFill>
-                <a:latin typeface="+mn-lt"/>
-                <a:ea typeface="+mn-ea"/>
-                <a:cs typeface="+mn-cs"/>
-              </a:defRPr>
-            </a:lvl6pPr>
-            <a:lvl7pPr marL="914400" algn="l" rtl="0" eaLnBrk="1" fontAlgn="base" hangingPunct="1">
-              <a:spcBef>
-                <a:spcPct val="0"/>
-              </a:spcBef>
-              <a:spcAft>
-                <a:spcPct val="0"/>
-              </a:spcAft>
-              <a:defRPr sz="2400" b="1">
-                <a:solidFill>
-                  <a:schemeClr val="dk1"/>
-                </a:solidFill>
-                <a:latin typeface="+mn-lt"/>
-                <a:ea typeface="+mn-ea"/>
-                <a:cs typeface="+mn-cs"/>
-              </a:defRPr>
-            </a:lvl7pPr>
-            <a:lvl8pPr marL="1371600" algn="l" rtl="0" eaLnBrk="1" fontAlgn="base" hangingPunct="1">
-              <a:spcBef>
-                <a:spcPct val="0"/>
-              </a:spcBef>
-              <a:spcAft>
-                <a:spcPct val="0"/>
-              </a:spcAft>
-              <a:defRPr sz="2400" b="1">
-                <a:solidFill>
-                  <a:schemeClr val="dk1"/>
-                </a:solidFill>
-                <a:latin typeface="+mn-lt"/>
-                <a:ea typeface="+mn-ea"/>
-                <a:cs typeface="+mn-cs"/>
-              </a:defRPr>
-            </a:lvl8pPr>
-            <a:lvl9pPr marL="1828800" algn="l" rtl="0" eaLnBrk="1" fontAlgn="base" hangingPunct="1">
-              <a:spcBef>
-                <a:spcPct val="0"/>
-              </a:spcBef>
-              <a:spcAft>
-                <a:spcPct val="0"/>
-              </a:spcAft>
-              <a:defRPr sz="2400" b="1">
-                <a:solidFill>
-                  <a:schemeClr val="dk1"/>
-                </a:solidFill>
-                <a:latin typeface="+mn-lt"/>
-                <a:ea typeface="+mn-ea"/>
-                <a:cs typeface="+mn-cs"/>
-              </a:defRPr>
-            </a:lvl9pPr>
-          </a:lstStyle>
-          <a:p>
-            <a:pPr algn="ctr"/>
-            <a:r>
-              <a:rPr lang="it-IT" altLang="it-IT" kern="0" dirty="0">
-                <a:latin typeface="Calibri" panose="020F0502020204030204" pitchFamily="34" charset="0"/>
-                <a:ea typeface="ＭＳ Ｐゴシック" panose="020B0600070205080204" pitchFamily="34" charset="-128"/>
-              </a:rPr>
               <a:t>CONCLUSIONS</a:t>
             </a:r>
           </a:p>
@@ -22620,7 +21717,7 @@
 </p:sld>
 </file>
 
-<file path=ppt/slides/slide32.xml><?xml version="1.0" encoding="utf-8"?>
+<file path=ppt/slides/slide31.xml><?xml version="1.0" encoding="utf-8"?>
 <p:sld xmlns:a="http://schemas.openxmlformats.org/drawingml/2006/main" xmlns:r="http://schemas.openxmlformats.org/officeDocument/2006/relationships" xmlns:p="http://schemas.openxmlformats.org/presentationml/2006/main">
   <p:cSld>
     <p:spTree>
@@ -22851,7 +21948,7 @@
                 <a:latin typeface="Calibri" panose="020F0502020204030204" pitchFamily="34" charset="0"/>
                 <a:ea typeface="ＭＳ Ｐゴシック" panose="020B0600070205080204" pitchFamily="34" charset="-128"/>
               </a:rPr>
-              <a:t>THANK YOU</a:t>
+              <a:t>THANK YOU FOR THE ATTENTION</a:t>
             </a:r>
           </a:p>
         </p:txBody>
@@ -23258,8 +22355,8 @@
           </a:p>
         </p:txBody>
       </p:sp>
-      <mc:AlternateContent xmlns:mc="http://schemas.openxmlformats.org/markup-compatibility/2006">
-        <mc:Choice xmlns:a14="http://schemas.microsoft.com/office/drawing/2010/main" Requires="a14">
+      <mc:AlternateContent xmlns:mc="http://schemas.openxmlformats.org/markup-compatibility/2006" xmlns:a14="http://schemas.microsoft.com/office/drawing/2010/main">
+        <mc:Choice Requires="a14">
           <p:sp>
             <p:nvSpPr>
               <p:cNvPr id="4" name="CasellaDiTesto 3">
@@ -23732,7 +22829,7 @@
             </p:txBody>
           </p:sp>
         </mc:Choice>
-        <mc:Fallback>
+        <mc:Fallback xmlns="">
           <p:sp>
             <p:nvSpPr>
               <p:cNvPr id="4" name="CasellaDiTesto 3">
@@ -23756,7 +22853,7 @@
                 <a:avLst/>
               </a:prstGeom>
               <a:blipFill>
-                <a:blip r:embed="rId2"/>
+                <a:blip r:embed="rId3"/>
                 <a:stretch>
                   <a:fillRect/>
                 </a:stretch>
@@ -23880,7 +22977,7 @@
                   <a:srgbClr val="000000"/>
                 </a:solidFill>
               </a:rPr>
-              <a:t>Automatic</a:t>
+              <a:t>Learning L + Automatic</a:t>
             </a:r>
             <a:r>
               <a:rPr lang="it-IT" sz="2000" dirty="0">
@@ -24265,8 +23362,8 @@
         </p:nvSpPr>
         <p:spPr>
           <a:xfrm>
-            <a:off x="395537" y="2194411"/>
-            <a:ext cx="1008112" cy="400110"/>
+            <a:off x="395536" y="2194411"/>
+            <a:ext cx="2160239" cy="400110"/>
           </a:xfrm>
           <a:prstGeom prst="rect">
             <a:avLst/>
@@ -24290,13 +23387,13 @@
                   <a:srgbClr val="000000"/>
                 </a:solidFill>
               </a:rPr>
-              <a:t>Model:</a:t>
+              <a:t>Dynamic Model:</a:t>
             </a:r>
           </a:p>
         </p:txBody>
       </p:sp>
-      <mc:AlternateContent xmlns:mc="http://schemas.openxmlformats.org/markup-compatibility/2006">
-        <mc:Choice xmlns:a14="http://schemas.microsoft.com/office/drawing/2010/main" Requires="a14">
+      <mc:AlternateContent xmlns:mc="http://schemas.openxmlformats.org/markup-compatibility/2006" xmlns:a14="http://schemas.microsoft.com/office/drawing/2010/main">
+        <mc:Choice Requires="a14">
           <p:sp>
             <p:nvSpPr>
               <p:cNvPr id="4" name="CasellaDiTesto 3">
@@ -24311,7 +23408,7 @@
             </p:nvSpPr>
             <p:spPr>
               <a:xfrm>
-                <a:off x="1475656" y="2132856"/>
+                <a:off x="2555776" y="2132856"/>
                 <a:ext cx="4392488" cy="461665"/>
               </a:xfrm>
               <a:prstGeom prst="rect">
@@ -24339,6 +23436,7 @@
               </a:bodyPr>
               <a:lstStyle/>
               <a:p>
+                <a:pPr/>
                 <a14:m>
                   <m:oMathPara xmlns:m="http://schemas.openxmlformats.org/officeDocument/2006/math">
                     <m:oMathParaPr>
@@ -24577,7 +23675,7 @@
             </p:txBody>
           </p:sp>
         </mc:Choice>
-        <mc:Fallback>
+        <mc:Fallback xmlns="">
           <p:sp>
             <p:nvSpPr>
               <p:cNvPr id="4" name="CasellaDiTesto 3">
@@ -24594,7 +23692,7 @@
             </p:nvSpPr>
             <p:spPr>
               <a:xfrm>
-                <a:off x="1475656" y="2132856"/>
+                <a:off x="2555776" y="2132856"/>
                 <a:ext cx="4392488" cy="461665"/>
               </a:xfrm>
               <a:prstGeom prst="rect">
@@ -24678,8 +23776,8 @@
           </a:p>
         </p:txBody>
       </p:sp>
-      <mc:AlternateContent xmlns:mc="http://schemas.openxmlformats.org/markup-compatibility/2006">
-        <mc:Choice xmlns:a14="http://schemas.microsoft.com/office/drawing/2010/main" Requires="a14">
+      <mc:AlternateContent xmlns:mc="http://schemas.openxmlformats.org/markup-compatibility/2006" xmlns:a14="http://schemas.microsoft.com/office/drawing/2010/main">
+        <mc:Choice Requires="a14">
           <p:sp>
             <p:nvSpPr>
               <p:cNvPr id="6" name="CasellaDiTesto 5">
@@ -24722,6 +23820,7 @@
               </a:bodyPr>
               <a:lstStyle/>
               <a:p>
+                <a:pPr/>
                 <a14:m>
                   <m:oMathPara xmlns:m="http://schemas.openxmlformats.org/officeDocument/2006/math">
                     <m:oMathParaPr>
@@ -24969,7 +24068,7 @@
             </p:txBody>
           </p:sp>
         </mc:Choice>
-        <mc:Fallback>
+        <mc:Fallback xmlns="">
           <p:sp>
             <p:nvSpPr>
               <p:cNvPr id="6" name="CasellaDiTesto 5">
@@ -25679,8 +24778,8 @@
         </p:nvSpPr>
         <p:spPr>
           <a:xfrm>
-            <a:off x="395537" y="1834371"/>
-            <a:ext cx="1008112" cy="400110"/>
+            <a:off x="395536" y="1834371"/>
+            <a:ext cx="2160239" cy="400110"/>
           </a:xfrm>
           <a:prstGeom prst="rect">
             <a:avLst/>
@@ -25704,13 +24803,13 @@
                   <a:srgbClr val="000000"/>
                 </a:solidFill>
               </a:rPr>
-              <a:t>Model:</a:t>
+              <a:t>Dynamic model:</a:t>
             </a:r>
           </a:p>
         </p:txBody>
       </p:sp>
-      <mc:AlternateContent xmlns:mc="http://schemas.openxmlformats.org/markup-compatibility/2006">
-        <mc:Choice xmlns:a14="http://schemas.microsoft.com/office/drawing/2010/main" Requires="a14">
+      <mc:AlternateContent xmlns:mc="http://schemas.openxmlformats.org/markup-compatibility/2006" xmlns:a14="http://schemas.microsoft.com/office/drawing/2010/main">
+        <mc:Choice Requires="a14">
           <p:sp>
             <p:nvSpPr>
               <p:cNvPr id="4" name="CasellaDiTesto 3">
@@ -25725,7 +24824,7 @@
             </p:nvSpPr>
             <p:spPr>
               <a:xfrm>
-                <a:off x="1475656" y="1772816"/>
+                <a:off x="2555776" y="1772816"/>
                 <a:ext cx="5904656" cy="1097736"/>
               </a:xfrm>
               <a:prstGeom prst="rect">
@@ -26211,7 +25310,7 @@
             </p:txBody>
           </p:sp>
         </mc:Choice>
-        <mc:Fallback>
+        <mc:Fallback xmlns="">
           <p:sp>
             <p:nvSpPr>
               <p:cNvPr id="4" name="CasellaDiTesto 3">
@@ -26228,7 +25327,7 @@
             </p:nvSpPr>
             <p:spPr>
               <a:xfrm>
-                <a:off x="1475656" y="1772816"/>
+                <a:off x="2555776" y="1772816"/>
                 <a:ext cx="5904656" cy="1097736"/>
               </a:xfrm>
               <a:prstGeom prst="rect">
@@ -26533,8 +25632,8 @@
           </a:p>
         </p:txBody>
       </p:sp>
-      <mc:AlternateContent xmlns:mc="http://schemas.openxmlformats.org/markup-compatibility/2006">
-        <mc:Choice xmlns:a14="http://schemas.microsoft.com/office/drawing/2010/main" Requires="a14">
+      <mc:AlternateContent xmlns:mc="http://schemas.openxmlformats.org/markup-compatibility/2006" xmlns:a14="http://schemas.microsoft.com/office/drawing/2010/main">
+        <mc:Choice Requires="a14">
           <p:sp>
             <p:nvSpPr>
               <p:cNvPr id="9" name="CasellaDiTesto 8">
@@ -27085,7 +26184,7 @@
             </p:txBody>
           </p:sp>
         </mc:Choice>
-        <mc:Fallback>
+        <mc:Fallback xmlns="">
           <p:sp>
             <p:nvSpPr>
               <p:cNvPr id="9" name="CasellaDiTesto 8">
@@ -27516,8 +26615,8 @@
           </a:prstGeom>
         </p:spPr>
       </p:pic>
-      <mc:AlternateContent xmlns:mc="http://schemas.openxmlformats.org/markup-compatibility/2006">
-        <mc:Choice xmlns:a14="http://schemas.microsoft.com/office/drawing/2010/main" Requires="a14">
+      <mc:AlternateContent xmlns:mc="http://schemas.openxmlformats.org/markup-compatibility/2006" xmlns:a14="http://schemas.microsoft.com/office/drawing/2010/main">
+        <mc:Choice Requires="a14">
           <p:sp>
             <p:nvSpPr>
               <p:cNvPr id="5" name="CasellaDiTesto 4">
@@ -27796,7 +26895,7 @@
             </p:txBody>
           </p:sp>
         </mc:Choice>
-        <mc:Fallback>
+        <mc:Fallback xmlns="">
           <p:sp>
             <p:nvSpPr>
               <p:cNvPr id="5" name="CasellaDiTesto 4">
@@ -28216,8 +27315,8 @@
           </a:prstGeom>
         </p:spPr>
       </p:pic>
-      <mc:AlternateContent xmlns:mc="http://schemas.openxmlformats.org/markup-compatibility/2006">
-        <mc:Choice xmlns:a14="http://schemas.microsoft.com/office/drawing/2010/main" Requires="a14">
+      <mc:AlternateContent xmlns:mc="http://schemas.openxmlformats.org/markup-compatibility/2006" xmlns:a14="http://schemas.microsoft.com/office/drawing/2010/main">
+        <mc:Choice Requires="a14">
           <p:sp>
             <p:nvSpPr>
               <p:cNvPr id="5" name="CasellaDiTesto 4">
@@ -28456,7 +27555,7 @@
             </p:txBody>
           </p:sp>
         </mc:Choice>
-        <mc:Fallback>
+        <mc:Fallback xmlns="">
           <p:sp>
             <p:nvSpPr>
               <p:cNvPr id="5" name="CasellaDiTesto 4">
@@ -28979,7 +28078,23 @@
                   <a:srgbClr val="000000"/>
                 </a:solidFill>
               </a:rPr>
-              <a:t> Introduce noise</a:t>
+              <a:t> Introduce </a:t>
+            </a:r>
+            <a:r>
+              <a:rPr lang="en-US" sz="2000" dirty="0" err="1">
+                <a:solidFill>
+                  <a:srgbClr val="000000"/>
+                </a:solidFill>
+              </a:rPr>
+              <a:t>measurament</a:t>
+            </a:r>
+            <a:r>
+              <a:rPr lang="en-US" sz="2000" dirty="0">
+                <a:solidFill>
+                  <a:srgbClr val="000000"/>
+                </a:solidFill>
+              </a:rPr>
+              <a:t> noise</a:t>
             </a:r>
           </a:p>
           <a:p>

--- a/presentation/1895955_1884561.pptx
+++ b/presentation/1895955_1884561.pptx
@@ -5,10 +5,10 @@
     <p:sldMasterId id="2147483678" r:id="rId1"/>
   </p:sldMasterIdLst>
   <p:notesMasterIdLst>
-    <p:notesMasterId r:id="rId34"/>
+    <p:notesMasterId r:id="rId33"/>
   </p:notesMasterIdLst>
   <p:handoutMasterIdLst>
-    <p:handoutMasterId r:id="rId35"/>
+    <p:handoutMasterId r:id="rId34"/>
   </p:handoutMasterIdLst>
   <p:sldIdLst>
     <p:sldId id="274" r:id="rId2"/>
@@ -28,21 +28,20 @@
     <p:sldId id="337" r:id="rId16"/>
     <p:sldId id="338" r:id="rId17"/>
     <p:sldId id="339" r:id="rId18"/>
-    <p:sldId id="340" r:id="rId19"/>
-    <p:sldId id="341" r:id="rId20"/>
-    <p:sldId id="320" r:id="rId21"/>
-    <p:sldId id="321" r:id="rId22"/>
-    <p:sldId id="342" r:id="rId23"/>
-    <p:sldId id="324" r:id="rId24"/>
-    <p:sldId id="343" r:id="rId25"/>
-    <p:sldId id="325" r:id="rId26"/>
-    <p:sldId id="344" r:id="rId27"/>
-    <p:sldId id="345" r:id="rId28"/>
-    <p:sldId id="328" r:id="rId29"/>
-    <p:sldId id="346" r:id="rId30"/>
-    <p:sldId id="347" r:id="rId31"/>
-    <p:sldId id="333" r:id="rId32"/>
-    <p:sldId id="305" r:id="rId33"/>
+    <p:sldId id="341" r:id="rId19"/>
+    <p:sldId id="320" r:id="rId20"/>
+    <p:sldId id="321" r:id="rId21"/>
+    <p:sldId id="342" r:id="rId22"/>
+    <p:sldId id="324" r:id="rId23"/>
+    <p:sldId id="343" r:id="rId24"/>
+    <p:sldId id="325" r:id="rId25"/>
+    <p:sldId id="344" r:id="rId26"/>
+    <p:sldId id="345" r:id="rId27"/>
+    <p:sldId id="328" r:id="rId28"/>
+    <p:sldId id="346" r:id="rId29"/>
+    <p:sldId id="347" r:id="rId30"/>
+    <p:sldId id="333" r:id="rId31"/>
+    <p:sldId id="305" r:id="rId32"/>
   </p:sldIdLst>
   <p:sldSz cx="9144000" cy="6858000" type="screen4x3"/>
   <p:notesSz cx="6858000" cy="9144000"/>
@@ -1031,7 +1030,7 @@
               <a:pPr>
                 <a:defRPr/>
               </a:pPr>
-              <a:t>24</a:t>
+              <a:t>23</a:t>
             </a:fld>
             <a:endParaRPr lang="it-IT" altLang="it-IT"/>
           </a:p>
@@ -4454,7 +4453,7 @@
                 <a:latin typeface="Calibri" panose="020F0502020204030204" pitchFamily="34" charset="0"/>
                 <a:ea typeface="ＭＳ Ｐゴシック" panose="020B0600070205080204" pitchFamily="34" charset="-128"/>
               </a:rPr>
-              <a:t> Neural Network applied to elastic robots</a:t>
+              <a:t> Neural Networks applied to elastic robots</a:t>
             </a:r>
             <a:endParaRPr lang="en-US" altLang="it-IT" b="0" i="1" kern="0" dirty="0">
               <a:ln w="0"/>
@@ -4889,14 +4888,14 @@
           <a:effectLst/>
           <a:extLst>
             <a:ext uri="{909E8E84-426E-40dd-AFC4-6F175D3DCCD1}">
-              <a14:hiddenFill xmlns:a14="http://schemas.microsoft.com/office/drawing/2010/main" xmlns="">
+              <a14:hiddenFill xmlns="" xmlns:a14="http://schemas.microsoft.com/office/drawing/2010/main">
                 <a:solidFill>
                   <a:schemeClr val="accent1"/>
                 </a:solidFill>
               </a14:hiddenFill>
             </a:ext>
             <a:ext uri="{91240B29-F687-4f45-9708-019B960494DF}">
-              <a14:hiddenLine xmlns:a14="http://schemas.microsoft.com/office/drawing/2010/main" xmlns="" w="9525" cap="flat" cmpd="sng" algn="ctr">
+              <a14:hiddenLine xmlns="" xmlns:a14="http://schemas.microsoft.com/office/drawing/2010/main" w="9525" cap="flat" cmpd="sng" algn="ctr">
                 <a:solidFill>
                   <a:schemeClr val="tx1"/>
                 </a:solidFill>
@@ -4907,7 +4906,7 @@
               </a14:hiddenLine>
             </a:ext>
             <a:ext uri="{AF507438-7753-43e0-B8FC-AC1667EBCBE1}">
-              <a14:hiddenEffects xmlns:a14="http://schemas.microsoft.com/office/drawing/2010/main" xmlns="">
+              <a14:hiddenEffects xmlns="" xmlns:a14="http://schemas.microsoft.com/office/drawing/2010/main">
                 <a:effectLst>
                   <a:outerShdw blurRad="63500" dist="38099" dir="2700000" algn="ctr" rotWithShape="0">
                     <a:srgbClr val="000000">
@@ -5046,8 +5045,8 @@
           </a:p>
         </p:txBody>
       </p:sp>
-      <mc:AlternateContent xmlns:mc="http://schemas.openxmlformats.org/markup-compatibility/2006">
-        <mc:Choice xmlns:a14="http://schemas.microsoft.com/office/drawing/2010/main" Requires="a14">
+      <mc:AlternateContent xmlns:mc="http://schemas.openxmlformats.org/markup-compatibility/2006" xmlns:a14="http://schemas.microsoft.com/office/drawing/2010/main">
+        <mc:Choice Requires="a14">
           <p:graphicFrame>
             <p:nvGraphicFramePr>
               <p:cNvPr id="5" name="Tabella 4">
@@ -5181,6 +5180,7 @@
                                     <a:solidFill>
                                       <a:srgbClr val="000000"/>
                                     </a:solidFill>
+                                    <a:latin typeface="Cambria Math" panose="02040503050406030204" pitchFamily="18" charset="0"/>
                                   </a:rPr>
                                   <m:t>𝟎</m:t>
                                 </m:r>
@@ -5189,6 +5189,7 @@
                                     <a:solidFill>
                                       <a:srgbClr val="000000"/>
                                     </a:solidFill>
+                                    <a:latin typeface="Cambria Math" panose="02040503050406030204" pitchFamily="18" charset="0"/>
                                   </a:rPr>
                                   <m:t>.</m:t>
                                 </m:r>
@@ -5197,6 +5198,7 @@
                                     <a:solidFill>
                                       <a:srgbClr val="000000"/>
                                     </a:solidFill>
+                                    <a:latin typeface="Cambria Math" panose="02040503050406030204" pitchFamily="18" charset="0"/>
                                   </a:rPr>
                                   <m:t>𝟑𝟎</m:t>
                                 </m:r>
@@ -5205,6 +5207,7 @@
                                     <a:solidFill>
                                       <a:srgbClr val="000000"/>
                                     </a:solidFill>
+                                    <a:latin typeface="Cambria Math" panose="02040503050406030204" pitchFamily="18" charset="0"/>
                                   </a:rPr>
                                   <m:t> [</m:t>
                                 </m:r>
@@ -5213,6 +5216,7 @@
                                     <a:solidFill>
                                       <a:srgbClr val="000000"/>
                                     </a:solidFill>
+                                    <a:latin typeface="Cambria Math" panose="02040503050406030204" pitchFamily="18" charset="0"/>
                                   </a:rPr>
                                   <m:t>𝒎</m:t>
                                 </m:r>
@@ -5221,6 +5225,7 @@
                                     <a:solidFill>
                                       <a:srgbClr val="000000"/>
                                     </a:solidFill>
+                                    <a:latin typeface="Cambria Math" panose="02040503050406030204" pitchFamily="18" charset="0"/>
                                   </a:rPr>
                                   <m:t>]</m:t>
                                 </m:r>
@@ -5323,6 +5328,7 @@
                                     <a:solidFill>
                                       <a:srgbClr val="000000"/>
                                     </a:solidFill>
+                                    <a:latin typeface="Cambria Math" panose="02040503050406030204" pitchFamily="18" charset="0"/>
                                   </a:rPr>
                                   <m:t>𝟎</m:t>
                                 </m:r>
@@ -5331,6 +5337,7 @@
                                     <a:solidFill>
                                       <a:srgbClr val="000000"/>
                                     </a:solidFill>
+                                    <a:latin typeface="Cambria Math" panose="02040503050406030204" pitchFamily="18" charset="0"/>
                                   </a:rPr>
                                   <m:t>.</m:t>
                                 </m:r>
@@ -5339,6 +5346,7 @@
                                     <a:solidFill>
                                       <a:srgbClr val="000000"/>
                                     </a:solidFill>
+                                    <a:latin typeface="Cambria Math" panose="02040503050406030204" pitchFamily="18" charset="0"/>
                                   </a:rPr>
                                   <m:t>𝟎𝟏</m:t>
                                 </m:r>
@@ -5347,6 +5355,7 @@
                                     <a:solidFill>
                                       <a:srgbClr val="000000"/>
                                     </a:solidFill>
+                                    <a:latin typeface="Cambria Math" panose="02040503050406030204" pitchFamily="18" charset="0"/>
                                   </a:rPr>
                                   <m:t> [</m:t>
                                 </m:r>
@@ -5355,6 +5364,7 @@
                                     <a:solidFill>
                                       <a:srgbClr val="000000"/>
                                     </a:solidFill>
+                                    <a:latin typeface="Cambria Math" panose="02040503050406030204" pitchFamily="18" charset="0"/>
                                   </a:rPr>
                                   <m:t>𝒎</m:t>
                                 </m:r>
@@ -5363,6 +5373,7 @@
                                     <a:solidFill>
                                       <a:srgbClr val="000000"/>
                                     </a:solidFill>
+                                    <a:latin typeface="Cambria Math" panose="02040503050406030204" pitchFamily="18" charset="0"/>
                                   </a:rPr>
                                   <m:t>]</m:t>
                                 </m:r>
@@ -5436,6 +5447,7 @@
                                     <a:solidFill>
                                       <a:srgbClr val="000000"/>
                                     </a:solidFill>
+                                    <a:latin typeface="Cambria Math" panose="02040503050406030204" pitchFamily="18" charset="0"/>
                                   </a:rPr>
                                   <m:t>𝟎</m:t>
                                 </m:r>
@@ -5444,6 +5456,7 @@
                                     <a:solidFill>
                                       <a:srgbClr val="000000"/>
                                     </a:solidFill>
+                                    <a:latin typeface="Cambria Math" panose="02040503050406030204" pitchFamily="18" charset="0"/>
                                   </a:rPr>
                                   <m:t>.</m:t>
                                 </m:r>
@@ -5452,6 +5465,7 @@
                                     <a:solidFill>
                                       <a:srgbClr val="000000"/>
                                     </a:solidFill>
+                                    <a:latin typeface="Cambria Math" panose="02040503050406030204" pitchFamily="18" charset="0"/>
                                   </a:rPr>
                                   <m:t>𝟏𝟓</m:t>
                                 </m:r>
@@ -5460,6 +5474,7 @@
                                     <a:solidFill>
                                       <a:srgbClr val="000000"/>
                                     </a:solidFill>
+                                    <a:latin typeface="Cambria Math" panose="02040503050406030204" pitchFamily="18" charset="0"/>
                                   </a:rPr>
                                   <m:t> [</m:t>
                                 </m:r>
@@ -5468,6 +5483,7 @@
                                     <a:solidFill>
                                       <a:srgbClr val="000000"/>
                                     </a:solidFill>
+                                    <a:latin typeface="Cambria Math" panose="02040503050406030204" pitchFamily="18" charset="0"/>
                                   </a:rPr>
                                   <m:t>𝒎</m:t>
                                 </m:r>
@@ -5476,6 +5492,7 @@
                                     <a:solidFill>
                                       <a:srgbClr val="000000"/>
                                     </a:solidFill>
+                                    <a:latin typeface="Cambria Math" panose="02040503050406030204" pitchFamily="18" charset="0"/>
                                   </a:rPr>
                                   <m:t>]</m:t>
                                 </m:r>
@@ -5533,6 +5550,7 @@
                                     <a:solidFill>
                                       <a:srgbClr val="000000"/>
                                     </a:solidFill>
+                                    <a:latin typeface="Cambria Math" panose="02040503050406030204" pitchFamily="18" charset="0"/>
                                   </a:rPr>
                                   <m:t>𝟎</m:t>
                                 </m:r>
@@ -5541,6 +5559,7 @@
                                     <a:solidFill>
                                       <a:srgbClr val="000000"/>
                                     </a:solidFill>
+                                    <a:latin typeface="Cambria Math" panose="02040503050406030204" pitchFamily="18" charset="0"/>
                                   </a:rPr>
                                   <m:t>.</m:t>
                                 </m:r>
@@ -5549,6 +5568,7 @@
                                     <a:solidFill>
                                       <a:srgbClr val="000000"/>
                                     </a:solidFill>
+                                    <a:latin typeface="Cambria Math" panose="02040503050406030204" pitchFamily="18" charset="0"/>
                                   </a:rPr>
                                   <m:t>𝟐𝟓</m:t>
                                 </m:r>
@@ -5557,6 +5577,7 @@
                                     <a:solidFill>
                                       <a:srgbClr val="000000"/>
                                     </a:solidFill>
+                                    <a:latin typeface="Cambria Math" panose="02040503050406030204" pitchFamily="18" charset="0"/>
                                   </a:rPr>
                                   <m:t> [</m:t>
                                 </m:r>
@@ -5565,6 +5586,7 @@
                                     <a:solidFill>
                                       <a:srgbClr val="000000"/>
                                     </a:solidFill>
+                                    <a:latin typeface="Cambria Math" panose="02040503050406030204" pitchFamily="18" charset="0"/>
                                   </a:rPr>
                                   <m:t>𝒌𝒈</m:t>
                                 </m:r>
@@ -5573,6 +5595,7 @@
                                     <a:solidFill>
                                       <a:srgbClr val="000000"/>
                                     </a:solidFill>
+                                    <a:latin typeface="Cambria Math" panose="02040503050406030204" pitchFamily="18" charset="0"/>
                                   </a:rPr>
                                   <m:t>]</m:t>
                                 </m:r>
@@ -5640,6 +5663,7 @@
                                     <a:solidFill>
                                       <a:srgbClr val="000000"/>
                                     </a:solidFill>
+                                    <a:latin typeface="Cambria Math" panose="02040503050406030204" pitchFamily="18" charset="0"/>
                                   </a:rPr>
                                   <m:t>𝟎</m:t>
                                 </m:r>
@@ -5648,6 +5672,7 @@
                                     <a:solidFill>
                                       <a:srgbClr val="000000"/>
                                     </a:solidFill>
+                                    <a:latin typeface="Cambria Math" panose="02040503050406030204" pitchFamily="18" charset="0"/>
                                   </a:rPr>
                                   <m:t>.</m:t>
                                 </m:r>
@@ -5656,6 +5681,7 @@
                                     <a:solidFill>
                                       <a:srgbClr val="000000"/>
                                     </a:solidFill>
+                                    <a:latin typeface="Cambria Math" panose="02040503050406030204" pitchFamily="18" charset="0"/>
                                   </a:rPr>
                                   <m:t>𝟎𝟏𝟏𝟐𝟓</m:t>
                                 </m:r>
@@ -5664,6 +5690,7 @@
                                     <a:solidFill>
                                       <a:srgbClr val="000000"/>
                                     </a:solidFill>
+                                    <a:latin typeface="Cambria Math" panose="02040503050406030204" pitchFamily="18" charset="0"/>
                                   </a:rPr>
                                   <m:t> [</m:t>
                                 </m:r>
@@ -5672,6 +5699,7 @@
                                     <a:solidFill>
                                       <a:srgbClr val="000000"/>
                                     </a:solidFill>
+                                    <a:latin typeface="Cambria Math" panose="02040503050406030204" pitchFamily="18" charset="0"/>
                                   </a:rPr>
                                   <m:t>𝒌𝒈</m:t>
                                 </m:r>
@@ -5680,16 +5708,18 @@
                                     <a:solidFill>
                                       <a:srgbClr val="000000"/>
                                     </a:solidFill>
+                                    <a:latin typeface="Cambria Math" panose="02040503050406030204" pitchFamily="18" charset="0"/>
                                   </a:rPr>
                                   <m:t> </m:t>
                                 </m:r>
                                 <m:sSup>
                                   <m:sSupPr>
                                     <m:ctrlPr>
-                                      <a:rPr lang="it-IT" b="1" smtClean="0">
+                                      <a:rPr lang="it-IT" b="1" i="1" smtClean="0">
                                         <a:solidFill>
                                           <a:srgbClr val="000000"/>
                                         </a:solidFill>
+                                        <a:latin typeface="Cambria Math" panose="02040503050406030204" pitchFamily="18" charset="0"/>
                                       </a:rPr>
                                     </m:ctrlPr>
                                   </m:sSupPr>
@@ -5699,6 +5729,7 @@
                                         <a:solidFill>
                                           <a:srgbClr val="000000"/>
                                         </a:solidFill>
+                                        <a:latin typeface="Cambria Math" panose="02040503050406030204" pitchFamily="18" charset="0"/>
                                       </a:rPr>
                                       <m:t>𝒎</m:t>
                                     </m:r>
@@ -5709,6 +5740,7 @@
                                         <a:solidFill>
                                           <a:srgbClr val="000000"/>
                                         </a:solidFill>
+                                        <a:latin typeface="Cambria Math" panose="02040503050406030204" pitchFamily="18" charset="0"/>
                                       </a:rPr>
                                       <m:t>𝟐</m:t>
                                     </m:r>
@@ -5719,6 +5751,7 @@
                                     <a:solidFill>
                                       <a:srgbClr val="000000"/>
                                     </a:solidFill>
+                                    <a:latin typeface="Cambria Math" panose="02040503050406030204" pitchFamily="18" charset="0"/>
                                   </a:rPr>
                                   <m:t>]</m:t>
                                 </m:r>
@@ -5755,7 +5788,7 @@
             </a:graphic>
           </p:graphicFrame>
         </mc:Choice>
-        <mc:Fallback>
+        <mc:Fallback xmlns="">
           <p:graphicFrame>
             <p:nvGraphicFramePr>
               <p:cNvPr id="5" name="Tabella 4">
@@ -7216,8 +7249,8 @@
           </a:p>
         </p:txBody>
       </p:sp>
-      <mc:AlternateContent xmlns:mc="http://schemas.openxmlformats.org/markup-compatibility/2006">
-        <mc:Choice xmlns:a14="http://schemas.microsoft.com/office/drawing/2010/main" Requires="a14">
+      <mc:AlternateContent xmlns:mc="http://schemas.openxmlformats.org/markup-compatibility/2006" xmlns:a14="http://schemas.microsoft.com/office/drawing/2010/main">
+        <mc:Choice Requires="a14">
           <p:sp>
             <p:nvSpPr>
               <p:cNvPr id="10" name="CasellaDiTesto 9">
@@ -7428,7 +7461,7 @@
             </p:txBody>
           </p:sp>
         </mc:Choice>
-        <mc:Fallback>
+        <mc:Fallback xmlns="">
           <p:sp>
             <p:nvSpPr>
               <p:cNvPr id="10" name="CasellaDiTesto 9">
@@ -8141,8 +8174,8 @@
           </a:p>
         </p:txBody>
       </p:sp>
-      <mc:AlternateContent xmlns:mc="http://schemas.openxmlformats.org/markup-compatibility/2006">
-        <mc:Choice xmlns:a14="http://schemas.microsoft.com/office/drawing/2010/main" Requires="a14">
+      <mc:AlternateContent xmlns:mc="http://schemas.openxmlformats.org/markup-compatibility/2006" xmlns:a14="http://schemas.microsoft.com/office/drawing/2010/main">
+        <mc:Choice Requires="a14">
           <p:sp>
             <p:nvSpPr>
               <p:cNvPr id="7" name="CasellaDiTesto 6">
@@ -8353,7 +8386,7 @@
             </p:txBody>
           </p:sp>
         </mc:Choice>
-        <mc:Fallback>
+        <mc:Fallback xmlns="">
           <p:sp>
             <p:nvSpPr>
               <p:cNvPr id="7" name="CasellaDiTesto 6">
@@ -8673,7 +8706,7 @@
         </p:nvGrpSpPr>
         <p:grpSpPr>
           <a:xfrm>
-            <a:off x="315073" y="1376772"/>
+            <a:off x="225934" y="1376772"/>
             <a:ext cx="8513853" cy="4104455"/>
             <a:chOff x="179512" y="1376772"/>
             <a:chExt cx="8513853" cy="4104455"/>
@@ -9060,8 +9093,8 @@
           </a:p>
         </p:txBody>
       </p:sp>
-      <mc:AlternateContent xmlns:mc="http://schemas.openxmlformats.org/markup-compatibility/2006">
-        <mc:Choice xmlns:a14="http://schemas.microsoft.com/office/drawing/2010/main" Requires="a14">
+      <mc:AlternateContent xmlns:mc="http://schemas.openxmlformats.org/markup-compatibility/2006" xmlns:a14="http://schemas.microsoft.com/office/drawing/2010/main">
+        <mc:Choice Requires="a14">
           <p:sp>
             <p:nvSpPr>
               <p:cNvPr id="4" name="CasellaDiTesto 3">
@@ -9272,7 +9305,7 @@
             </p:txBody>
           </p:sp>
         </mc:Choice>
-        <mc:Fallback>
+        <mc:Fallback xmlns="">
           <p:sp>
             <p:nvSpPr>
               <p:cNvPr id="4" name="CasellaDiTesto 3">
@@ -9901,7 +9934,7 @@
                 <a:latin typeface="Calibri" panose="020F0502020204030204" pitchFamily="34" charset="0"/>
                 <a:ea typeface="ＭＳ Ｐゴシック" panose="020B0600070205080204" pitchFamily="34" charset="-128"/>
               </a:rPr>
-              <a:t>RIGID CASE</a:t>
+              <a:t>ELASTIC CASE</a:t>
             </a:r>
           </a:p>
         </p:txBody>
@@ -9952,2020 +9985,6 @@
             </a:ext>
             <a:ext uri="{AF507438-7753-43e0-B8FC-AC1667EBCBE1}">
               <a14:hiddenEffects xmlns="" xmlns:a14="http://schemas.microsoft.com/office/drawing/2010/main">
-                <a:effectLst>
-                  <a:outerShdw blurRad="63500" dist="38099" dir="2700000" algn="ctr" rotWithShape="0">
-                    <a:srgbClr val="000000">
-                      <a:alpha val="74998"/>
-                    </a:srgbClr>
-                  </a:outerShdw>
-                </a:effectLst>
-              </a14:hiddenEffects>
-            </a:ext>
-          </a:extLst>
-        </p:spPr>
-        <p:txBody>
-          <a:bodyPr vert="horz" wrap="square" lIns="91440" tIns="45720" rIns="91440" bIns="45720" numCol="1" rtlCol="0" anchor="t" anchorCtr="0" compatLnSpc="1">
-            <a:prstTxWarp prst="textNoShape">
-              <a:avLst/>
-            </a:prstTxWarp>
-          </a:bodyPr>
-          <a:lstStyle/>
-          <a:p>
-            <a:pPr marL="0" marR="0" indent="0" algn="l" defTabSz="914400" rtl="0" eaLnBrk="0" fontAlgn="base" latinLnBrk="0" hangingPunct="0">
-              <a:lnSpc>
-                <a:spcPct val="100000"/>
-              </a:lnSpc>
-              <a:spcBef>
-                <a:spcPct val="0"/>
-              </a:spcBef>
-              <a:spcAft>
-                <a:spcPct val="0"/>
-              </a:spcAft>
-              <a:buClrTx/>
-              <a:buSzTx/>
-              <a:buFontTx/>
-              <a:buNone/>
-              <a:tabLst/>
-            </a:pPr>
-            <a:endParaRPr kumimoji="0" lang="en-US" sz="2400" b="0" i="0" u="none" strike="noStrike" cap="none" normalizeH="0" baseline="0">
-              <a:ln>
-                <a:noFill/>
-              </a:ln>
-              <a:solidFill>
-                <a:srgbClr val="000000"/>
-              </a:solidFill>
-              <a:effectLst/>
-              <a:latin typeface="Arial" charset="0"/>
-              <a:ea typeface="ＭＳ Ｐゴシック" charset="0"/>
-              <a:cs typeface="ＭＳ Ｐゴシック" charset="0"/>
-            </a:endParaRPr>
-          </a:p>
-        </p:txBody>
-      </p:sp>
-      <p:sp>
-        <p:nvSpPr>
-          <p:cNvPr id="3" name="CasellaDiTesto 2">
-            <a:extLst>
-              <a:ext uri="{FF2B5EF4-FFF2-40B4-BE49-F238E27FC236}">
-                <a16:creationId xmlns:a16="http://schemas.microsoft.com/office/drawing/2014/main" id="{B7FCB1A5-0767-C1A3-9131-6043F500C2D8}"/>
-              </a:ext>
-            </a:extLst>
-          </p:cNvPr>
-          <p:cNvSpPr txBox="1"/>
-          <p:nvPr/>
-        </p:nvSpPr>
-        <p:spPr>
-          <a:xfrm>
-            <a:off x="779331" y="1682520"/>
-            <a:ext cx="2688794" cy="400110"/>
-          </a:xfrm>
-          <a:prstGeom prst="rect">
-            <a:avLst/>
-          </a:prstGeom>
-          <a:noFill/>
-        </p:spPr>
-        <p:txBody>
-          <a:bodyPr wrap="square" rtlCol="0">
-            <a:spAutoFit/>
-          </a:bodyPr>
-          <a:lstStyle/>
-          <a:p>
-            <a:pPr algn="ctr">
-              <a:buClr>
-                <a:schemeClr val="tx1"/>
-              </a:buClr>
-            </a:pPr>
-            <a:r>
-              <a:rPr lang="en-US" sz="2000" b="1" dirty="0">
-                <a:solidFill>
-                  <a:srgbClr val="000000"/>
-                </a:solidFill>
-              </a:rPr>
-              <a:t>Motor parameters</a:t>
-            </a:r>
-          </a:p>
-        </p:txBody>
-      </p:sp>
-      <p:sp>
-        <p:nvSpPr>
-          <p:cNvPr id="4" name="CasellaDiTesto 3">
-            <a:extLst>
-              <a:ext uri="{FF2B5EF4-FFF2-40B4-BE49-F238E27FC236}">
-                <a16:creationId xmlns:a16="http://schemas.microsoft.com/office/drawing/2014/main" id="{2946FDFB-D1EF-8909-5712-10995CA9D7A6}"/>
-              </a:ext>
-            </a:extLst>
-          </p:cNvPr>
-          <p:cNvSpPr txBox="1"/>
-          <p:nvPr/>
-        </p:nvSpPr>
-        <p:spPr>
-          <a:xfrm>
-            <a:off x="5207263" y="1682520"/>
-            <a:ext cx="2688794" cy="400110"/>
-          </a:xfrm>
-          <a:prstGeom prst="rect">
-            <a:avLst/>
-          </a:prstGeom>
-          <a:noFill/>
-        </p:spPr>
-        <p:txBody>
-          <a:bodyPr wrap="square" rtlCol="0">
-            <a:spAutoFit/>
-          </a:bodyPr>
-          <a:lstStyle/>
-          <a:p>
-            <a:pPr algn="ctr">
-              <a:buClr>
-                <a:schemeClr val="tx1"/>
-              </a:buClr>
-            </a:pPr>
-            <a:r>
-              <a:rPr lang="en-US" sz="2000" b="1" dirty="0">
-                <a:solidFill>
-                  <a:srgbClr val="000000"/>
-                </a:solidFill>
-              </a:rPr>
-              <a:t>Network setup</a:t>
-            </a:r>
-          </a:p>
-        </p:txBody>
-      </p:sp>
-      <mc:AlternateContent xmlns:mc="http://schemas.openxmlformats.org/markup-compatibility/2006">
-        <mc:Choice xmlns:a14="http://schemas.microsoft.com/office/drawing/2010/main" Requires="a14">
-          <p:graphicFrame>
-            <p:nvGraphicFramePr>
-              <p:cNvPr id="5" name="Tabella 4">
-                <a:extLst>
-                  <a:ext uri="{FF2B5EF4-FFF2-40B4-BE49-F238E27FC236}">
-                    <a16:creationId xmlns:a16="http://schemas.microsoft.com/office/drawing/2014/main" id="{35ED4122-F159-F745-195C-2C93B67869C8}"/>
-                  </a:ext>
-                </a:extLst>
-              </p:cNvPr>
-              <p:cNvGraphicFramePr>
-                <a:graphicFrameLocks noGrp="1"/>
-              </p:cNvGraphicFramePr>
-              <p:nvPr>
-                <p:extLst>
-                  <p:ext uri="{D42A27DB-BD31-4B8C-83A1-F6EECF244321}">
-                    <p14:modId xmlns:p14="http://schemas.microsoft.com/office/powerpoint/2010/main" val="3153190702"/>
-                  </p:ext>
-                </p:extLst>
-              </p:nvPr>
-            </p:nvGraphicFramePr>
-            <p:xfrm>
-              <a:off x="323528" y="2229522"/>
-              <a:ext cx="3816424" cy="3102243"/>
-            </p:xfrm>
-            <a:graphic>
-              <a:graphicData uri="http://schemas.openxmlformats.org/drawingml/2006/table">
-                <a:tbl>
-                  <a:tblPr firstRow="1" bandRow="1">
-                    <a:tableStyleId>{91EBBBCC-DAD2-459C-BE2E-F6DE35CF9A28}</a:tableStyleId>
-                  </a:tblPr>
-                  <a:tblGrid>
-                    <a:gridCol w="1908212">
-                      <a:extLst>
-                        <a:ext uri="{9D8B030D-6E8A-4147-A177-3AD203B41FA5}">
-                          <a16:colId xmlns:a16="http://schemas.microsoft.com/office/drawing/2014/main" val="3167897769"/>
-                        </a:ext>
-                      </a:extLst>
-                    </a:gridCol>
-                    <a:gridCol w="1908212">
-                      <a:extLst>
-                        <a:ext uri="{9D8B030D-6E8A-4147-A177-3AD203B41FA5}">
-                          <a16:colId xmlns:a16="http://schemas.microsoft.com/office/drawing/2014/main" val="2027508887"/>
-                        </a:ext>
-                      </a:extLst>
-                    </a:gridCol>
-                  </a:tblGrid>
-                  <a:tr h="474561">
-                    <a:tc>
-                      <a:txBody>
-                        <a:bodyPr/>
-                        <a:lstStyle/>
-                        <a:p>
-                          <a:pPr algn="ctr"/>
-                          <a:r>
-                            <a:rPr lang="en-US" dirty="0"/>
-                            <a:t>Parameter</a:t>
-                          </a:r>
-                        </a:p>
-                      </a:txBody>
-                      <a:tcPr anchor="ctr"/>
-                    </a:tc>
-                    <a:tc>
-                      <a:txBody>
-                        <a:bodyPr/>
-                        <a:lstStyle/>
-                        <a:p>
-                          <a:pPr algn="ctr"/>
-                          <a:r>
-                            <a:rPr lang="en-US" dirty="0"/>
-                            <a:t>Measure</a:t>
-                          </a:r>
-                        </a:p>
-                      </a:txBody>
-                      <a:tcPr anchor="ctr">
-                        <a:lnB w="12700" cap="flat" cmpd="sng" algn="ctr">
-                          <a:noFill/>
-                          <a:prstDash val="solid"/>
-                          <a:round/>
-                          <a:headEnd type="none" w="med" len="med"/>
-                          <a:tailEnd type="none" w="med" len="med"/>
-                        </a:lnB>
-                      </a:tcPr>
-                    </a:tc>
-                    <a:extLst>
-                      <a:ext uri="{0D108BD9-81ED-4DB2-BD59-A6C34878D82A}">
-                        <a16:rowId xmlns:a16="http://schemas.microsoft.com/office/drawing/2014/main" val="78001966"/>
-                      </a:ext>
-                    </a:extLst>
-                  </a:tr>
-                  <a:tr h="437947">
-                    <a:tc>
-                      <a:txBody>
-                        <a:bodyPr/>
-                        <a:lstStyle/>
-                        <a:p>
-                          <a:pPr algn="ctr"/>
-                          <a:r>
-                            <a:rPr lang="en-US" b="1" dirty="0">
-                              <a:solidFill>
-                                <a:srgbClr val="000000"/>
-                              </a:solidFill>
-                            </a:rPr>
-                            <a:t>Height</a:t>
-                          </a:r>
-                        </a:p>
-                      </a:txBody>
-                      <a:tcPr anchor="ctr">
-                        <a:lnR w="12700" cap="flat" cmpd="sng" algn="ctr">
-                          <a:noFill/>
-                          <a:prstDash val="solid"/>
-                          <a:round/>
-                          <a:headEnd type="none" w="med" len="med"/>
-                          <a:tailEnd type="none" w="med" len="med"/>
-                        </a:lnR>
-                      </a:tcPr>
-                    </a:tc>
-                    <a:tc>
-                      <a:txBody>
-                        <a:bodyPr/>
-                        <a:lstStyle/>
-                        <a:p>
-                          <a:pPr algn="ctr"/>
-                          <a14:m>
-                            <m:oMathPara xmlns:m="http://schemas.openxmlformats.org/officeDocument/2006/math">
-                              <m:oMathParaPr>
-                                <m:jc m:val="centerGroup"/>
-                              </m:oMathParaPr>
-                              <m:oMath xmlns:m="http://schemas.openxmlformats.org/officeDocument/2006/math">
-                                <m:r>
-                                  <a:rPr lang="it-IT" b="1" smtClean="0">
-                                    <a:solidFill>
-                                      <a:srgbClr val="000000"/>
-                                    </a:solidFill>
-                                    <a:latin typeface="Cambria Math" panose="02040503050406030204" pitchFamily="18" charset="0"/>
-                                  </a:rPr>
-                                  <m:t>𝟎</m:t>
-                                </m:r>
-                                <m:r>
-                                  <a:rPr lang="it-IT" b="1" smtClean="0">
-                                    <a:solidFill>
-                                      <a:srgbClr val="000000"/>
-                                    </a:solidFill>
-                                    <a:latin typeface="Cambria Math" panose="02040503050406030204" pitchFamily="18" charset="0"/>
-                                  </a:rPr>
-                                  <m:t>.</m:t>
-                                </m:r>
-                                <m:r>
-                                  <a:rPr lang="it-IT" b="1" smtClean="0">
-                                    <a:solidFill>
-                                      <a:srgbClr val="000000"/>
-                                    </a:solidFill>
-                                    <a:latin typeface="Cambria Math" panose="02040503050406030204" pitchFamily="18" charset="0"/>
-                                  </a:rPr>
-                                  <m:t>𝟎𝟒</m:t>
-                                </m:r>
-                                <m:r>
-                                  <a:rPr lang="it-IT" b="1" smtClean="0">
-                                    <a:solidFill>
-                                      <a:srgbClr val="000000"/>
-                                    </a:solidFill>
-                                    <a:latin typeface="Cambria Math" panose="02040503050406030204" pitchFamily="18" charset="0"/>
-                                  </a:rPr>
-                                  <m:t> [</m:t>
-                                </m:r>
-                                <m:r>
-                                  <a:rPr lang="it-IT" b="1" smtClean="0">
-                                    <a:solidFill>
-                                      <a:srgbClr val="000000"/>
-                                    </a:solidFill>
-                                    <a:latin typeface="Cambria Math" panose="02040503050406030204" pitchFamily="18" charset="0"/>
-                                  </a:rPr>
-                                  <m:t>𝒎</m:t>
-                                </m:r>
-                                <m:r>
-                                  <a:rPr lang="it-IT" b="1" smtClean="0">
-                                    <a:solidFill>
-                                      <a:srgbClr val="000000"/>
-                                    </a:solidFill>
-                                    <a:latin typeface="Cambria Math" panose="02040503050406030204" pitchFamily="18" charset="0"/>
-                                  </a:rPr>
-                                  <m:t>]</m:t>
-                                </m:r>
-                              </m:oMath>
-                            </m:oMathPara>
-                          </a14:m>
-                          <a:endParaRPr lang="en-US" b="1" dirty="0">
-                            <a:solidFill>
-                              <a:srgbClr val="000000"/>
-                            </a:solidFill>
-                          </a:endParaRPr>
-                        </a:p>
-                      </a:txBody>
-                      <a:tcPr anchor="ctr">
-                        <a:lnL w="12700" cap="flat" cmpd="sng" algn="ctr">
-                          <a:noFill/>
-                          <a:prstDash val="solid"/>
-                          <a:round/>
-                          <a:headEnd type="none" w="med" len="med"/>
-                          <a:tailEnd type="none" w="med" len="med"/>
-                        </a:lnL>
-                        <a:lnR w="12700" cap="flat" cmpd="sng" algn="ctr">
-                          <a:noFill/>
-                          <a:prstDash val="solid"/>
-                          <a:round/>
-                          <a:headEnd type="none" w="med" len="med"/>
-                          <a:tailEnd type="none" w="med" len="med"/>
-                        </a:lnR>
-                        <a:lnT w="12700" cap="flat" cmpd="sng" algn="ctr">
-                          <a:noFill/>
-                          <a:prstDash val="solid"/>
-                          <a:round/>
-                          <a:headEnd type="none" w="med" len="med"/>
-                          <a:tailEnd type="none" w="med" len="med"/>
-                        </a:lnT>
-                        <a:lnB w="12700" cap="flat" cmpd="sng" algn="ctr">
-                          <a:noFill/>
-                          <a:prstDash val="solid"/>
-                          <a:round/>
-                          <a:headEnd type="none" w="med" len="med"/>
-                          <a:tailEnd type="none" w="med" len="med"/>
-                        </a:lnB>
-                      </a:tcPr>
-                    </a:tc>
-                    <a:extLst>
-                      <a:ext uri="{0D108BD9-81ED-4DB2-BD59-A6C34878D82A}">
-                        <a16:rowId xmlns:a16="http://schemas.microsoft.com/office/drawing/2014/main" val="4174915430"/>
-                      </a:ext>
-                    </a:extLst>
-                  </a:tr>
-                  <a:tr h="437947">
-                    <a:tc>
-                      <a:txBody>
-                        <a:bodyPr/>
-                        <a:lstStyle/>
-                        <a:p>
-                          <a:pPr algn="ctr"/>
-                          <a:r>
-                            <a:rPr lang="en-US" b="1" dirty="0">
-                              <a:solidFill>
-                                <a:srgbClr val="000000"/>
-                              </a:solidFill>
-                            </a:rPr>
-                            <a:t>Base radius</a:t>
-                          </a:r>
-                        </a:p>
-                      </a:txBody>
-                      <a:tcPr anchor="ctr"/>
-                    </a:tc>
-                    <a:tc>
-                      <a:txBody>
-                        <a:bodyPr/>
-                        <a:lstStyle/>
-                        <a:p>
-                          <a:pPr marL="0" marR="0" lvl="0" indent="0" algn="ctr" defTabSz="457200" rtl="0" eaLnBrk="1" fontAlgn="auto" latinLnBrk="0" hangingPunct="1">
-                            <a:lnSpc>
-                              <a:spcPct val="100000"/>
-                            </a:lnSpc>
-                            <a:spcBef>
-                              <a:spcPts val="0"/>
-                            </a:spcBef>
-                            <a:spcAft>
-                              <a:spcPts val="0"/>
-                            </a:spcAft>
-                            <a:buClrTx/>
-                            <a:buSzTx/>
-                            <a:buFontTx/>
-                            <a:buNone/>
-                            <a:tabLst/>
-                            <a:defRPr/>
-                          </a:pPr>
-                          <a14:m>
-                            <m:oMathPara xmlns:m="http://schemas.openxmlformats.org/officeDocument/2006/math">
-                              <m:oMathParaPr>
-                                <m:jc m:val="centerGroup"/>
-                              </m:oMathParaPr>
-                              <m:oMath xmlns:m="http://schemas.openxmlformats.org/officeDocument/2006/math">
-                                <m:r>
-                                  <a:rPr lang="it-IT" b="1" smtClean="0">
-                                    <a:solidFill>
-                                      <a:srgbClr val="000000"/>
-                                    </a:solidFill>
-                                    <a:latin typeface="Cambria Math" panose="02040503050406030204" pitchFamily="18" charset="0"/>
-                                  </a:rPr>
-                                  <m:t>𝟎</m:t>
-                                </m:r>
-                                <m:r>
-                                  <a:rPr lang="it-IT" b="1" smtClean="0">
-                                    <a:solidFill>
-                                      <a:srgbClr val="000000"/>
-                                    </a:solidFill>
-                                    <a:latin typeface="Cambria Math" panose="02040503050406030204" pitchFamily="18" charset="0"/>
-                                  </a:rPr>
-                                  <m:t>.</m:t>
-                                </m:r>
-                                <m:r>
-                                  <a:rPr lang="it-IT" b="1" smtClean="0">
-                                    <a:solidFill>
-                                      <a:srgbClr val="000000"/>
-                                    </a:solidFill>
-                                    <a:latin typeface="Cambria Math" panose="02040503050406030204" pitchFamily="18" charset="0"/>
-                                  </a:rPr>
-                                  <m:t>𝟎𝟐</m:t>
-                                </m:r>
-                                <m:r>
-                                  <a:rPr lang="it-IT" b="1" smtClean="0">
-                                    <a:solidFill>
-                                      <a:srgbClr val="000000"/>
-                                    </a:solidFill>
-                                    <a:latin typeface="Cambria Math" panose="02040503050406030204" pitchFamily="18" charset="0"/>
-                                  </a:rPr>
-                                  <m:t> [</m:t>
-                                </m:r>
-                                <m:r>
-                                  <a:rPr lang="it-IT" b="1" smtClean="0">
-                                    <a:solidFill>
-                                      <a:srgbClr val="000000"/>
-                                    </a:solidFill>
-                                    <a:latin typeface="Cambria Math" panose="02040503050406030204" pitchFamily="18" charset="0"/>
-                                  </a:rPr>
-                                  <m:t>𝒎</m:t>
-                                </m:r>
-                                <m:r>
-                                  <a:rPr lang="it-IT" b="1" smtClean="0">
-                                    <a:solidFill>
-                                      <a:srgbClr val="000000"/>
-                                    </a:solidFill>
-                                    <a:latin typeface="Cambria Math" panose="02040503050406030204" pitchFamily="18" charset="0"/>
-                                  </a:rPr>
-                                  <m:t>]</m:t>
-                                </m:r>
-                              </m:oMath>
-                            </m:oMathPara>
-                          </a14:m>
-                          <a:endParaRPr lang="en-US" b="1" dirty="0">
-                            <a:solidFill>
-                              <a:srgbClr val="000000"/>
-                            </a:solidFill>
-                          </a:endParaRPr>
-                        </a:p>
-                      </a:txBody>
-                      <a:tcPr anchor="ctr">
-                        <a:lnT w="12700" cap="flat" cmpd="sng" algn="ctr">
-                          <a:noFill/>
-                          <a:prstDash val="solid"/>
-                          <a:round/>
-                          <a:headEnd type="none" w="med" len="med"/>
-                          <a:tailEnd type="none" w="med" len="med"/>
-                        </a:lnT>
-                      </a:tcPr>
-                    </a:tc>
-                    <a:extLst>
-                      <a:ext uri="{0D108BD9-81ED-4DB2-BD59-A6C34878D82A}">
-                        <a16:rowId xmlns:a16="http://schemas.microsoft.com/office/drawing/2014/main" val="3339051587"/>
-                      </a:ext>
-                    </a:extLst>
-                  </a:tr>
-                  <a:tr h="437947">
-                    <a:tc>
-                      <a:txBody>
-                        <a:bodyPr/>
-                        <a:lstStyle/>
-                        <a:p>
-                          <a:pPr algn="ctr"/>
-                          <a:r>
-                            <a:rPr lang="en-US" b="1" dirty="0">
-                              <a:solidFill>
-                                <a:srgbClr val="000000"/>
-                              </a:solidFill>
-                            </a:rPr>
-                            <a:t> Mass</a:t>
-                          </a:r>
-                        </a:p>
-                      </a:txBody>
-                      <a:tcPr anchor="ctr"/>
-                    </a:tc>
-                    <a:tc>
-                      <a:txBody>
-                        <a:bodyPr/>
-                        <a:lstStyle/>
-                        <a:p>
-                          <a:pPr algn="ctr"/>
-                          <a14:m>
-                            <m:oMathPara xmlns:m="http://schemas.openxmlformats.org/officeDocument/2006/math">
-                              <m:oMathParaPr>
-                                <m:jc m:val="centerGroup"/>
-                              </m:oMathParaPr>
-                              <m:oMath xmlns:m="http://schemas.openxmlformats.org/officeDocument/2006/math">
-                                <m:r>
-                                  <a:rPr lang="it-IT" b="1" smtClean="0">
-                                    <a:solidFill>
-                                      <a:srgbClr val="000000"/>
-                                    </a:solidFill>
-                                    <a:latin typeface="Cambria Math" panose="02040503050406030204" pitchFamily="18" charset="0"/>
-                                  </a:rPr>
-                                  <m:t>𝟎</m:t>
-                                </m:r>
-                                <m:r>
-                                  <a:rPr lang="it-IT" b="1" smtClean="0">
-                                    <a:solidFill>
-                                      <a:srgbClr val="000000"/>
-                                    </a:solidFill>
-                                    <a:latin typeface="Cambria Math" panose="02040503050406030204" pitchFamily="18" charset="0"/>
-                                  </a:rPr>
-                                  <m:t>.</m:t>
-                                </m:r>
-                                <m:r>
-                                  <a:rPr lang="it-IT" b="1" i="0" smtClean="0">
-                                    <a:solidFill>
-                                      <a:srgbClr val="000000"/>
-                                    </a:solidFill>
-                                    <a:latin typeface="Cambria Math" panose="02040503050406030204" pitchFamily="18" charset="0"/>
-                                  </a:rPr>
-                                  <m:t>𝟒</m:t>
-                                </m:r>
-                                <m:r>
-                                  <a:rPr lang="it-IT" b="1" smtClean="0">
-                                    <a:solidFill>
-                                      <a:srgbClr val="000000"/>
-                                    </a:solidFill>
-                                    <a:latin typeface="Cambria Math" panose="02040503050406030204" pitchFamily="18" charset="0"/>
-                                  </a:rPr>
-                                  <m:t> [</m:t>
-                                </m:r>
-                                <m:r>
-                                  <a:rPr lang="it-IT" b="1" i="1" smtClean="0">
-                                    <a:solidFill>
-                                      <a:srgbClr val="000000"/>
-                                    </a:solidFill>
-                                    <a:latin typeface="Cambria Math" panose="02040503050406030204" pitchFamily="18" charset="0"/>
-                                  </a:rPr>
-                                  <m:t>𝒌𝒈</m:t>
-                                </m:r>
-                                <m:r>
-                                  <a:rPr lang="it-IT" b="1" smtClean="0">
-                                    <a:solidFill>
-                                      <a:srgbClr val="000000"/>
-                                    </a:solidFill>
-                                    <a:latin typeface="Cambria Math" panose="02040503050406030204" pitchFamily="18" charset="0"/>
-                                  </a:rPr>
-                                  <m:t>]</m:t>
-                                </m:r>
-                              </m:oMath>
-                            </m:oMathPara>
-                          </a14:m>
-                          <a:endParaRPr lang="en-US" b="1" dirty="0">
-                            <a:solidFill>
-                              <a:srgbClr val="000000"/>
-                            </a:solidFill>
-                          </a:endParaRPr>
-                        </a:p>
-                      </a:txBody>
-                      <a:tcPr anchor="ctr"/>
-                    </a:tc>
-                    <a:extLst>
-                      <a:ext uri="{0D108BD9-81ED-4DB2-BD59-A6C34878D82A}">
-                        <a16:rowId xmlns:a16="http://schemas.microsoft.com/office/drawing/2014/main" val="1298354016"/>
-                      </a:ext>
-                    </a:extLst>
-                  </a:tr>
-                  <a:tr h="437947">
-                    <a:tc>
-                      <a:txBody>
-                        <a:bodyPr/>
-                        <a:lstStyle/>
-                        <a:p>
-                          <a:pPr algn="ctr"/>
-                          <a:r>
-                            <a:rPr lang="en-US" b="1" dirty="0">
-                              <a:solidFill>
-                                <a:srgbClr val="000000"/>
-                              </a:solidFill>
-                            </a:rPr>
-                            <a:t>Reduction ratio</a:t>
-                          </a:r>
-                        </a:p>
-                      </a:txBody>
-                      <a:tcPr anchor="ctr"/>
-                    </a:tc>
-                    <a:tc>
-                      <a:txBody>
-                        <a:bodyPr/>
-                        <a:lstStyle/>
-                        <a:p>
-                          <a:pPr algn="ctr"/>
-                          <a14:m>
-                            <m:oMathPara xmlns:m="http://schemas.openxmlformats.org/officeDocument/2006/math">
-                              <m:oMathParaPr>
-                                <m:jc m:val="centerGroup"/>
-                              </m:oMathParaPr>
-                              <m:oMath xmlns:m="http://schemas.openxmlformats.org/officeDocument/2006/math">
-                                <m:r>
-                                  <a:rPr lang="it-IT" b="1" i="0" smtClean="0">
-                                    <a:solidFill>
-                                      <a:srgbClr val="000000"/>
-                                    </a:solidFill>
-                                    <a:latin typeface="Cambria Math" panose="02040503050406030204" pitchFamily="18" charset="0"/>
-                                  </a:rPr>
-                                  <m:t>𝟏𝟔𝟎</m:t>
-                                </m:r>
-                              </m:oMath>
-                            </m:oMathPara>
-                          </a14:m>
-                          <a:endParaRPr lang="en-US" b="1" dirty="0">
-                            <a:solidFill>
-                              <a:srgbClr val="000000"/>
-                            </a:solidFill>
-                          </a:endParaRPr>
-                        </a:p>
-                      </a:txBody>
-                      <a:tcPr anchor="ctr"/>
-                    </a:tc>
-                    <a:extLst>
-                      <a:ext uri="{0D108BD9-81ED-4DB2-BD59-A6C34878D82A}">
-                        <a16:rowId xmlns:a16="http://schemas.microsoft.com/office/drawing/2014/main" val="3491016026"/>
-                      </a:ext>
-                    </a:extLst>
-                  </a:tr>
-                  <a:tr h="437947">
-                    <a:tc>
-                      <a:txBody>
-                        <a:bodyPr/>
-                        <a:lstStyle/>
-                        <a:p>
-                          <a:pPr algn="ctr"/>
-                          <a:r>
-                            <a:rPr lang="en-US" b="1" dirty="0">
-                              <a:solidFill>
-                                <a:srgbClr val="000000"/>
-                              </a:solidFill>
-                            </a:rPr>
-                            <a:t>Inertia</a:t>
-                          </a:r>
-                        </a:p>
-                      </a:txBody>
-                      <a:tcPr anchor="ctr"/>
-                    </a:tc>
-                    <a:tc>
-                      <a:txBody>
-                        <a:bodyPr/>
-                        <a:lstStyle/>
-                        <a:p>
-                          <a:pPr algn="ctr"/>
-                          <a14:m>
-                            <m:oMathPara xmlns:m="http://schemas.openxmlformats.org/officeDocument/2006/math">
-                              <m:oMathParaPr>
-                                <m:jc m:val="centerGroup"/>
-                              </m:oMathParaPr>
-                              <m:oMath xmlns:m="http://schemas.openxmlformats.org/officeDocument/2006/math">
-                                <m:r>
-                                  <a:rPr lang="it-IT" b="1" smtClean="0">
-                                    <a:solidFill>
-                                      <a:srgbClr val="000000"/>
-                                    </a:solidFill>
-                                    <a:latin typeface="Cambria Math" panose="02040503050406030204" pitchFamily="18" charset="0"/>
-                                  </a:rPr>
-                                  <m:t>𝟎</m:t>
-                                </m:r>
-                                <m:r>
-                                  <a:rPr lang="it-IT" b="1" smtClean="0">
-                                    <a:solidFill>
-                                      <a:srgbClr val="000000"/>
-                                    </a:solidFill>
-                                    <a:latin typeface="Cambria Math" panose="02040503050406030204" pitchFamily="18" charset="0"/>
-                                  </a:rPr>
-                                  <m:t>.</m:t>
-                                </m:r>
-                                <m:r>
-                                  <a:rPr lang="it-IT" b="1" smtClean="0">
-                                    <a:solidFill>
-                                      <a:srgbClr val="000000"/>
-                                    </a:solidFill>
-                                    <a:latin typeface="Cambria Math" panose="02040503050406030204" pitchFamily="18" charset="0"/>
-                                  </a:rPr>
-                                  <m:t>𝟎𝟏</m:t>
-                                </m:r>
-                                <m:r>
-                                  <a:rPr lang="it-IT" b="1" i="1" smtClean="0">
-                                    <a:solidFill>
-                                      <a:srgbClr val="000000"/>
-                                    </a:solidFill>
-                                    <a:latin typeface="Cambria Math" panose="02040503050406030204" pitchFamily="18" charset="0"/>
-                                  </a:rPr>
-                                  <m:t>𝟐𝟖</m:t>
-                                </m:r>
-                                <m:r>
-                                  <a:rPr lang="it-IT" b="1" i="1" smtClean="0">
-                                    <a:solidFill>
-                                      <a:srgbClr val="000000"/>
-                                    </a:solidFill>
-                                    <a:latin typeface="Cambria Math" panose="02040503050406030204" pitchFamily="18" charset="0"/>
-                                  </a:rPr>
-                                  <m:t> </m:t>
-                                </m:r>
-                                <m:r>
-                                  <a:rPr lang="it-IT" b="1" smtClean="0">
-                                    <a:solidFill>
-                                      <a:srgbClr val="000000"/>
-                                    </a:solidFill>
-                                    <a:latin typeface="Cambria Math" panose="02040503050406030204" pitchFamily="18" charset="0"/>
-                                  </a:rPr>
-                                  <m:t>[</m:t>
-                                </m:r>
-                                <m:r>
-                                  <a:rPr lang="it-IT" b="1" smtClean="0">
-                                    <a:solidFill>
-                                      <a:srgbClr val="000000"/>
-                                    </a:solidFill>
-                                    <a:latin typeface="Cambria Math" panose="02040503050406030204" pitchFamily="18" charset="0"/>
-                                  </a:rPr>
-                                  <m:t>𝒌𝒈</m:t>
-                                </m:r>
-                                <m:r>
-                                  <a:rPr lang="it-IT" b="1" smtClean="0">
-                                    <a:solidFill>
-                                      <a:srgbClr val="000000"/>
-                                    </a:solidFill>
-                                    <a:latin typeface="Cambria Math" panose="02040503050406030204" pitchFamily="18" charset="0"/>
-                                  </a:rPr>
-                                  <m:t> </m:t>
-                                </m:r>
-                                <m:sSup>
-                                  <m:sSupPr>
-                                    <m:ctrlPr>
-                                      <a:rPr lang="it-IT" b="1" i="1" smtClean="0">
-                                        <a:solidFill>
-                                          <a:srgbClr val="000000"/>
-                                        </a:solidFill>
-                                        <a:latin typeface="Cambria Math" panose="02040503050406030204" pitchFamily="18" charset="0"/>
-                                      </a:rPr>
-                                    </m:ctrlPr>
-                                  </m:sSupPr>
-                                  <m:e>
-                                    <m:r>
-                                      <a:rPr lang="it-IT" b="1" smtClean="0">
-                                        <a:solidFill>
-                                          <a:srgbClr val="000000"/>
-                                        </a:solidFill>
-                                        <a:latin typeface="Cambria Math" panose="02040503050406030204" pitchFamily="18" charset="0"/>
-                                      </a:rPr>
-                                      <m:t>𝒎</m:t>
-                                    </m:r>
-                                  </m:e>
-                                  <m:sup>
-                                    <m:r>
-                                      <a:rPr lang="it-IT" b="1" smtClean="0">
-                                        <a:solidFill>
-                                          <a:srgbClr val="000000"/>
-                                        </a:solidFill>
-                                        <a:latin typeface="Cambria Math" panose="02040503050406030204" pitchFamily="18" charset="0"/>
-                                      </a:rPr>
-                                      <m:t>𝟐</m:t>
-                                    </m:r>
-                                  </m:sup>
-                                </m:sSup>
-                                <m:r>
-                                  <a:rPr lang="it-IT" b="1" smtClean="0">
-                                    <a:solidFill>
-                                      <a:srgbClr val="000000"/>
-                                    </a:solidFill>
-                                    <a:latin typeface="Cambria Math" panose="02040503050406030204" pitchFamily="18" charset="0"/>
-                                  </a:rPr>
-                                  <m:t>]</m:t>
-                                </m:r>
-                              </m:oMath>
-                            </m:oMathPara>
-                          </a14:m>
-                          <a:endParaRPr lang="en-US" b="1" dirty="0">
-                            <a:solidFill>
-                              <a:srgbClr val="000000"/>
-                            </a:solidFill>
-                          </a:endParaRPr>
-                        </a:p>
-                      </a:txBody>
-                      <a:tcPr anchor="ctr"/>
-                    </a:tc>
-                    <a:extLst>
-                      <a:ext uri="{0D108BD9-81ED-4DB2-BD59-A6C34878D82A}">
-                        <a16:rowId xmlns:a16="http://schemas.microsoft.com/office/drawing/2014/main" val="4043941749"/>
-                      </a:ext>
-                    </a:extLst>
-                  </a:tr>
-                  <a:tr h="437947">
-                    <a:tc>
-                      <a:txBody>
-                        <a:bodyPr/>
-                        <a:lstStyle/>
-                        <a:p>
-                          <a:pPr algn="ctr"/>
-                          <a:r>
-                            <a:rPr lang="en-US" b="1" dirty="0">
-                              <a:solidFill>
-                                <a:srgbClr val="000000"/>
-                              </a:solidFill>
-                            </a:rPr>
-                            <a:t>Stiffness constant</a:t>
-                          </a:r>
-                        </a:p>
-                      </a:txBody>
-                      <a:tcPr anchor="ctr">
-                        <a:lnB w="12700" cap="flat" cmpd="sng" algn="ctr">
-                          <a:solidFill>
-                            <a:schemeClr val="tx1"/>
-                          </a:solidFill>
-                          <a:prstDash val="solid"/>
-                          <a:round/>
-                          <a:headEnd type="none" w="med" len="med"/>
-                          <a:tailEnd type="none" w="med" len="med"/>
-                        </a:lnB>
-                      </a:tcPr>
-                    </a:tc>
-                    <a:tc>
-                      <a:txBody>
-                        <a:bodyPr/>
-                        <a:lstStyle/>
-                        <a:p>
-                          <a:pPr marL="0" marR="0" lvl="0" indent="0" algn="ctr" defTabSz="457200" rtl="0" eaLnBrk="1" fontAlgn="auto" latinLnBrk="0" hangingPunct="1">
-                            <a:lnSpc>
-                              <a:spcPct val="100000"/>
-                            </a:lnSpc>
-                            <a:spcBef>
-                              <a:spcPts val="0"/>
-                            </a:spcBef>
-                            <a:spcAft>
-                              <a:spcPts val="0"/>
-                            </a:spcAft>
-                            <a:buClrTx/>
-                            <a:buSzTx/>
-                            <a:buFontTx/>
-                            <a:buNone/>
-                            <a:tabLst/>
-                            <a:defRPr/>
-                          </a:pPr>
-                          <a14:m>
-                            <m:oMathPara xmlns:m="http://schemas.openxmlformats.org/officeDocument/2006/math">
-                              <m:oMathParaPr>
-                                <m:jc m:val="centerGroup"/>
-                              </m:oMathParaPr>
-                              <m:oMath xmlns:m="http://schemas.openxmlformats.org/officeDocument/2006/math">
-                                <m:r>
-                                  <a:rPr lang="it-IT" b="1" i="1" smtClean="0">
-                                    <a:solidFill>
-                                      <a:srgbClr val="000000"/>
-                                    </a:solidFill>
-                                    <a:latin typeface="Cambria Math" panose="02040503050406030204" pitchFamily="18" charset="0"/>
-                                  </a:rPr>
-                                  <m:t>𝟓𝟎</m:t>
-                                </m:r>
-                                <m:r>
-                                  <a:rPr lang="it-IT" b="1" i="1" smtClean="0">
-                                    <a:solidFill>
-                                      <a:srgbClr val="000000"/>
-                                    </a:solidFill>
-                                    <a:latin typeface="Cambria Math" panose="02040503050406030204" pitchFamily="18" charset="0"/>
-                                  </a:rPr>
-                                  <m:t> </m:t>
-                                </m:r>
-                                <m:r>
-                                  <a:rPr lang="it-IT" b="1" smtClean="0">
-                                    <a:solidFill>
-                                      <a:srgbClr val="000000"/>
-                                    </a:solidFill>
-                                    <a:latin typeface="Cambria Math" panose="02040503050406030204" pitchFamily="18" charset="0"/>
-                                  </a:rPr>
-                                  <m:t>[</m:t>
-                                </m:r>
-                                <m:r>
-                                  <a:rPr lang="it-IT" b="1" i="1" smtClean="0">
-                                    <a:solidFill>
-                                      <a:srgbClr val="000000"/>
-                                    </a:solidFill>
-                                    <a:latin typeface="Cambria Math" panose="02040503050406030204" pitchFamily="18" charset="0"/>
-                                  </a:rPr>
-                                  <m:t>𝑵𝒎</m:t>
-                                </m:r>
-                                <m:r>
-                                  <a:rPr lang="it-IT" b="1" i="0" smtClean="0">
-                                    <a:solidFill>
-                                      <a:srgbClr val="000000"/>
-                                    </a:solidFill>
-                                    <a:latin typeface="Cambria Math" panose="02040503050406030204" pitchFamily="18" charset="0"/>
-                                  </a:rPr>
-                                  <m:t>/</m:t>
-                                </m:r>
-                                <m:r>
-                                  <a:rPr lang="it-IT" b="1" i="1" smtClean="0">
-                                    <a:solidFill>
-                                      <a:srgbClr val="000000"/>
-                                    </a:solidFill>
-                                    <a:latin typeface="Cambria Math" panose="02040503050406030204" pitchFamily="18" charset="0"/>
-                                  </a:rPr>
-                                  <m:t>𝒓𝒂𝒅</m:t>
-                                </m:r>
-                                <m:r>
-                                  <a:rPr lang="it-IT" b="1" smtClean="0">
-                                    <a:solidFill>
-                                      <a:srgbClr val="000000"/>
-                                    </a:solidFill>
-                                    <a:latin typeface="Cambria Math" panose="02040503050406030204" pitchFamily="18" charset="0"/>
-                                  </a:rPr>
-                                  <m:t>]</m:t>
-                                </m:r>
-                              </m:oMath>
-                            </m:oMathPara>
-                          </a14:m>
-                          <a:endParaRPr lang="en-US" b="1" dirty="0">
-                            <a:solidFill>
-                              <a:srgbClr val="000000"/>
-                            </a:solidFill>
-                          </a:endParaRPr>
-                        </a:p>
-                      </a:txBody>
-                      <a:tcPr anchor="ctr">
-                        <a:lnB w="12700" cap="flat" cmpd="sng" algn="ctr">
-                          <a:solidFill>
-                            <a:schemeClr val="tx1"/>
-                          </a:solidFill>
-                          <a:prstDash val="solid"/>
-                          <a:round/>
-                          <a:headEnd type="none" w="med" len="med"/>
-                          <a:tailEnd type="none" w="med" len="med"/>
-                        </a:lnB>
-                      </a:tcPr>
-                    </a:tc>
-                    <a:extLst>
-                      <a:ext uri="{0D108BD9-81ED-4DB2-BD59-A6C34878D82A}">
-                        <a16:rowId xmlns:a16="http://schemas.microsoft.com/office/drawing/2014/main" val="1197557573"/>
-                      </a:ext>
-                    </a:extLst>
-                  </a:tr>
-                </a:tbl>
-              </a:graphicData>
-            </a:graphic>
-          </p:graphicFrame>
-        </mc:Choice>
-        <mc:Fallback>
-          <p:graphicFrame>
-            <p:nvGraphicFramePr>
-              <p:cNvPr id="5" name="Tabella 4">
-                <a:extLst>
-                  <a:ext uri="{FF2B5EF4-FFF2-40B4-BE49-F238E27FC236}">
-                    <a16:creationId xmlns:a16="http://schemas.microsoft.com/office/drawing/2014/main" id="{35ED4122-F159-F745-195C-2C93B67869C8}"/>
-                  </a:ext>
-                </a:extLst>
-              </p:cNvPr>
-              <p:cNvGraphicFramePr>
-                <a:graphicFrameLocks noGrp="1"/>
-              </p:cNvGraphicFramePr>
-              <p:nvPr>
-                <p:extLst>
-                  <p:ext uri="{D42A27DB-BD31-4B8C-83A1-F6EECF244321}">
-                    <p14:modId xmlns:p14="http://schemas.microsoft.com/office/powerpoint/2010/main" val="3153190702"/>
-                  </p:ext>
-                </p:extLst>
-              </p:nvPr>
-            </p:nvGraphicFramePr>
-            <p:xfrm>
-              <a:off x="323528" y="2229522"/>
-              <a:ext cx="3816424" cy="3102243"/>
-            </p:xfrm>
-            <a:graphic>
-              <a:graphicData uri="http://schemas.openxmlformats.org/drawingml/2006/table">
-                <a:tbl>
-                  <a:tblPr firstRow="1" bandRow="1">
-                    <a:tableStyleId>{91EBBBCC-DAD2-459C-BE2E-F6DE35CF9A28}</a:tableStyleId>
-                  </a:tblPr>
-                  <a:tblGrid>
-                    <a:gridCol w="1908212">
-                      <a:extLst>
-                        <a:ext uri="{9D8B030D-6E8A-4147-A177-3AD203B41FA5}">
-                          <a16:colId xmlns:a16="http://schemas.microsoft.com/office/drawing/2014/main" val="3167897769"/>
-                        </a:ext>
-                      </a:extLst>
-                    </a:gridCol>
-                    <a:gridCol w="1908212">
-                      <a:extLst>
-                        <a:ext uri="{9D8B030D-6E8A-4147-A177-3AD203B41FA5}">
-                          <a16:colId xmlns:a16="http://schemas.microsoft.com/office/drawing/2014/main" val="2027508887"/>
-                        </a:ext>
-                      </a:extLst>
-                    </a:gridCol>
-                  </a:tblGrid>
-                  <a:tr h="474561">
-                    <a:tc>
-                      <a:txBody>
-                        <a:bodyPr/>
-                        <a:lstStyle/>
-                        <a:p>
-                          <a:pPr algn="ctr"/>
-                          <a:r>
-                            <a:rPr lang="en-US" dirty="0"/>
-                            <a:t>Parameter</a:t>
-                          </a:r>
-                        </a:p>
-                      </a:txBody>
-                      <a:tcPr anchor="ctr"/>
-                    </a:tc>
-                    <a:tc>
-                      <a:txBody>
-                        <a:bodyPr/>
-                        <a:lstStyle/>
-                        <a:p>
-                          <a:pPr algn="ctr"/>
-                          <a:r>
-                            <a:rPr lang="en-US" dirty="0"/>
-                            <a:t>Measure</a:t>
-                          </a:r>
-                        </a:p>
-                      </a:txBody>
-                      <a:tcPr anchor="ctr">
-                        <a:lnB w="12700" cap="flat" cmpd="sng" algn="ctr">
-                          <a:noFill/>
-                          <a:prstDash val="solid"/>
-                          <a:round/>
-                          <a:headEnd type="none" w="med" len="med"/>
-                          <a:tailEnd type="none" w="med" len="med"/>
-                        </a:lnB>
-                      </a:tcPr>
-                    </a:tc>
-                    <a:extLst>
-                      <a:ext uri="{0D108BD9-81ED-4DB2-BD59-A6C34878D82A}">
-                        <a16:rowId xmlns:a16="http://schemas.microsoft.com/office/drawing/2014/main" val="78001966"/>
-                      </a:ext>
-                    </a:extLst>
-                  </a:tr>
-                  <a:tr h="437947">
-                    <a:tc>
-                      <a:txBody>
-                        <a:bodyPr/>
-                        <a:lstStyle/>
-                        <a:p>
-                          <a:pPr algn="ctr"/>
-                          <a:r>
-                            <a:rPr lang="en-US" b="1" dirty="0">
-                              <a:solidFill>
-                                <a:srgbClr val="000000"/>
-                              </a:solidFill>
-                            </a:rPr>
-                            <a:t>Height</a:t>
-                          </a:r>
-                        </a:p>
-                      </a:txBody>
-                      <a:tcPr anchor="ctr">
-                        <a:lnR w="12700" cap="flat" cmpd="sng" algn="ctr">
-                          <a:noFill/>
-                          <a:prstDash val="solid"/>
-                          <a:round/>
-                          <a:headEnd type="none" w="med" len="med"/>
-                          <a:tailEnd type="none" w="med" len="med"/>
-                        </a:lnR>
-                      </a:tcPr>
-                    </a:tc>
-                    <a:tc>
-                      <a:txBody>
-                        <a:bodyPr/>
-                        <a:lstStyle/>
-                        <a:p>
-                          <a:endParaRPr lang="en-US"/>
-                        </a:p>
-                      </a:txBody>
-                      <a:tcPr anchor="ctr">
-                        <a:lnL w="12700" cap="flat" cmpd="sng" algn="ctr">
-                          <a:noFill/>
-                          <a:prstDash val="solid"/>
-                          <a:round/>
-                          <a:headEnd type="none" w="med" len="med"/>
-                          <a:tailEnd type="none" w="med" len="med"/>
-                        </a:lnL>
-                        <a:lnR w="12700" cap="flat" cmpd="sng" algn="ctr">
-                          <a:noFill/>
-                          <a:prstDash val="solid"/>
-                          <a:round/>
-                          <a:headEnd type="none" w="med" len="med"/>
-                          <a:tailEnd type="none" w="med" len="med"/>
-                        </a:lnR>
-                        <a:lnT w="12700" cap="flat" cmpd="sng" algn="ctr">
-                          <a:noFill/>
-                          <a:prstDash val="solid"/>
-                          <a:round/>
-                          <a:headEnd type="none" w="med" len="med"/>
-                          <a:tailEnd type="none" w="med" len="med"/>
-                        </a:lnT>
-                        <a:lnB w="12700" cap="flat" cmpd="sng" algn="ctr">
-                          <a:noFill/>
-                          <a:prstDash val="solid"/>
-                          <a:round/>
-                          <a:headEnd type="none" w="med" len="med"/>
-                          <a:tailEnd type="none" w="med" len="med"/>
-                        </a:lnB>
-                        <a:blipFill>
-                          <a:blip r:embed="rId2"/>
-                          <a:stretch>
-                            <a:fillRect l="-100319" t="-108333" r="-319" b="-513889"/>
-                          </a:stretch>
-                        </a:blipFill>
-                      </a:tcPr>
-                    </a:tc>
-                    <a:extLst>
-                      <a:ext uri="{0D108BD9-81ED-4DB2-BD59-A6C34878D82A}">
-                        <a16:rowId xmlns:a16="http://schemas.microsoft.com/office/drawing/2014/main" val="4174915430"/>
-                      </a:ext>
-                    </a:extLst>
-                  </a:tr>
-                  <a:tr h="437947">
-                    <a:tc>
-                      <a:txBody>
-                        <a:bodyPr/>
-                        <a:lstStyle/>
-                        <a:p>
-                          <a:pPr algn="ctr"/>
-                          <a:r>
-                            <a:rPr lang="en-US" b="1" dirty="0">
-                              <a:solidFill>
-                                <a:srgbClr val="000000"/>
-                              </a:solidFill>
-                            </a:rPr>
-                            <a:t>Base radius</a:t>
-                          </a:r>
-                        </a:p>
-                      </a:txBody>
-                      <a:tcPr anchor="ctr"/>
-                    </a:tc>
-                    <a:tc>
-                      <a:txBody>
-                        <a:bodyPr/>
-                        <a:lstStyle/>
-                        <a:p>
-                          <a:endParaRPr lang="en-US"/>
-                        </a:p>
-                      </a:txBody>
-                      <a:tcPr anchor="ctr">
-                        <a:lnT w="12700" cap="flat" cmpd="sng" algn="ctr">
-                          <a:noFill/>
-                          <a:prstDash val="solid"/>
-                          <a:round/>
-                          <a:headEnd type="none" w="med" len="med"/>
-                          <a:tailEnd type="none" w="med" len="med"/>
-                        </a:lnT>
-                        <a:blipFill>
-                          <a:blip r:embed="rId2"/>
-                          <a:stretch>
-                            <a:fillRect l="-100319" t="-208333" r="-319" b="-413889"/>
-                          </a:stretch>
-                        </a:blipFill>
-                      </a:tcPr>
-                    </a:tc>
-                    <a:extLst>
-                      <a:ext uri="{0D108BD9-81ED-4DB2-BD59-A6C34878D82A}">
-                        <a16:rowId xmlns:a16="http://schemas.microsoft.com/office/drawing/2014/main" val="3339051587"/>
-                      </a:ext>
-                    </a:extLst>
-                  </a:tr>
-                  <a:tr h="437947">
-                    <a:tc>
-                      <a:txBody>
-                        <a:bodyPr/>
-                        <a:lstStyle/>
-                        <a:p>
-                          <a:pPr algn="ctr"/>
-                          <a:r>
-                            <a:rPr lang="en-US" b="1" dirty="0">
-                              <a:solidFill>
-                                <a:srgbClr val="000000"/>
-                              </a:solidFill>
-                            </a:rPr>
-                            <a:t> Mass</a:t>
-                          </a:r>
-                        </a:p>
-                      </a:txBody>
-                      <a:tcPr anchor="ctr"/>
-                    </a:tc>
-                    <a:tc>
-                      <a:txBody>
-                        <a:bodyPr/>
-                        <a:lstStyle/>
-                        <a:p>
-                          <a:endParaRPr lang="en-US"/>
-                        </a:p>
-                      </a:txBody>
-                      <a:tcPr anchor="ctr">
-                        <a:blipFill>
-                          <a:blip r:embed="rId2"/>
-                          <a:stretch>
-                            <a:fillRect l="-100319" t="-308333" r="-319" b="-313889"/>
-                          </a:stretch>
-                        </a:blipFill>
-                      </a:tcPr>
-                    </a:tc>
-                    <a:extLst>
-                      <a:ext uri="{0D108BD9-81ED-4DB2-BD59-A6C34878D82A}">
-                        <a16:rowId xmlns:a16="http://schemas.microsoft.com/office/drawing/2014/main" val="1298354016"/>
-                      </a:ext>
-                    </a:extLst>
-                  </a:tr>
-                  <a:tr h="437947">
-                    <a:tc>
-                      <a:txBody>
-                        <a:bodyPr/>
-                        <a:lstStyle/>
-                        <a:p>
-                          <a:pPr algn="ctr"/>
-                          <a:r>
-                            <a:rPr lang="en-US" b="1" dirty="0">
-                              <a:solidFill>
-                                <a:srgbClr val="000000"/>
-                              </a:solidFill>
-                            </a:rPr>
-                            <a:t>Reduction ratio</a:t>
-                          </a:r>
-                        </a:p>
-                      </a:txBody>
-                      <a:tcPr anchor="ctr"/>
-                    </a:tc>
-                    <a:tc>
-                      <a:txBody>
-                        <a:bodyPr/>
-                        <a:lstStyle/>
-                        <a:p>
-                          <a:endParaRPr lang="en-US"/>
-                        </a:p>
-                      </a:txBody>
-                      <a:tcPr anchor="ctr">
-                        <a:blipFill>
-                          <a:blip r:embed="rId2"/>
-                          <a:stretch>
-                            <a:fillRect l="-100319" t="-408333" r="-319" b="-213889"/>
-                          </a:stretch>
-                        </a:blipFill>
-                      </a:tcPr>
-                    </a:tc>
-                    <a:extLst>
-                      <a:ext uri="{0D108BD9-81ED-4DB2-BD59-A6C34878D82A}">
-                        <a16:rowId xmlns:a16="http://schemas.microsoft.com/office/drawing/2014/main" val="3491016026"/>
-                      </a:ext>
-                    </a:extLst>
-                  </a:tr>
-                  <a:tr h="437947">
-                    <a:tc>
-                      <a:txBody>
-                        <a:bodyPr/>
-                        <a:lstStyle/>
-                        <a:p>
-                          <a:pPr algn="ctr"/>
-                          <a:r>
-                            <a:rPr lang="en-US" b="1" dirty="0">
-                              <a:solidFill>
-                                <a:srgbClr val="000000"/>
-                              </a:solidFill>
-                            </a:rPr>
-                            <a:t>Inertia</a:t>
-                          </a:r>
-                        </a:p>
-                      </a:txBody>
-                      <a:tcPr anchor="ctr"/>
-                    </a:tc>
-                    <a:tc>
-                      <a:txBody>
-                        <a:bodyPr/>
-                        <a:lstStyle/>
-                        <a:p>
-                          <a:endParaRPr lang="en-US"/>
-                        </a:p>
-                      </a:txBody>
-                      <a:tcPr anchor="ctr">
-                        <a:blipFill>
-                          <a:blip r:embed="rId2"/>
-                          <a:stretch>
-                            <a:fillRect l="-100319" t="-508333" r="-319" b="-113889"/>
-                          </a:stretch>
-                        </a:blipFill>
-                      </a:tcPr>
-                    </a:tc>
-                    <a:extLst>
-                      <a:ext uri="{0D108BD9-81ED-4DB2-BD59-A6C34878D82A}">
-                        <a16:rowId xmlns:a16="http://schemas.microsoft.com/office/drawing/2014/main" val="4043941749"/>
-                      </a:ext>
-                    </a:extLst>
-                  </a:tr>
-                  <a:tr h="437947">
-                    <a:tc>
-                      <a:txBody>
-                        <a:bodyPr/>
-                        <a:lstStyle/>
-                        <a:p>
-                          <a:pPr algn="ctr"/>
-                          <a:r>
-                            <a:rPr lang="en-US" b="1" dirty="0">
-                              <a:solidFill>
-                                <a:srgbClr val="000000"/>
-                              </a:solidFill>
-                            </a:rPr>
-                            <a:t>Stiffness constant</a:t>
-                          </a:r>
-                        </a:p>
-                      </a:txBody>
-                      <a:tcPr anchor="ctr">
-                        <a:lnB w="12700" cap="flat" cmpd="sng" algn="ctr">
-                          <a:solidFill>
-                            <a:schemeClr val="tx1"/>
-                          </a:solidFill>
-                          <a:prstDash val="solid"/>
-                          <a:round/>
-                          <a:headEnd type="none" w="med" len="med"/>
-                          <a:tailEnd type="none" w="med" len="med"/>
-                        </a:lnB>
-                      </a:tcPr>
-                    </a:tc>
-                    <a:tc>
-                      <a:txBody>
-                        <a:bodyPr/>
-                        <a:lstStyle/>
-                        <a:p>
-                          <a:endParaRPr lang="en-US"/>
-                        </a:p>
-                      </a:txBody>
-                      <a:tcPr anchor="ctr">
-                        <a:lnB w="12700" cap="flat" cmpd="sng" algn="ctr">
-                          <a:solidFill>
-                            <a:schemeClr val="tx1"/>
-                          </a:solidFill>
-                          <a:prstDash val="solid"/>
-                          <a:round/>
-                          <a:headEnd type="none" w="med" len="med"/>
-                          <a:tailEnd type="none" w="med" len="med"/>
-                        </a:lnB>
-                        <a:blipFill>
-                          <a:blip r:embed="rId2"/>
-                          <a:stretch>
-                            <a:fillRect l="-100319" t="-608333" r="-319" b="-13889"/>
-                          </a:stretch>
-                        </a:blipFill>
-                      </a:tcPr>
-                    </a:tc>
-                    <a:extLst>
-                      <a:ext uri="{0D108BD9-81ED-4DB2-BD59-A6C34878D82A}">
-                        <a16:rowId xmlns:a16="http://schemas.microsoft.com/office/drawing/2014/main" val="1197557573"/>
-                      </a:ext>
-                    </a:extLst>
-                  </a:tr>
-                </a:tbl>
-              </a:graphicData>
-            </a:graphic>
-          </p:graphicFrame>
-        </mc:Fallback>
-      </mc:AlternateContent>
-      <p:graphicFrame>
-        <p:nvGraphicFramePr>
-          <p:cNvPr id="9" name="Tabella 8">
-            <a:extLst>
-              <a:ext uri="{FF2B5EF4-FFF2-40B4-BE49-F238E27FC236}">
-                <a16:creationId xmlns:a16="http://schemas.microsoft.com/office/drawing/2014/main" id="{1B5EFE49-97DD-7BD3-2F04-2EC1D8902DAA}"/>
-              </a:ext>
-            </a:extLst>
-          </p:cNvPr>
-          <p:cNvGraphicFramePr>
-            <a:graphicFrameLocks noGrp="1"/>
-          </p:cNvGraphicFramePr>
-          <p:nvPr>
-            <p:extLst>
-              <p:ext uri="{D42A27DB-BD31-4B8C-83A1-F6EECF244321}">
-                <p14:modId xmlns:p14="http://schemas.microsoft.com/office/powerpoint/2010/main" val="2308270346"/>
-              </p:ext>
-            </p:extLst>
-          </p:nvPr>
-        </p:nvGraphicFramePr>
-        <p:xfrm>
-          <a:off x="4283968" y="2240868"/>
-          <a:ext cx="4535385" cy="1788402"/>
-        </p:xfrm>
-        <a:graphic>
-          <a:graphicData uri="http://schemas.openxmlformats.org/drawingml/2006/table">
-            <a:tbl>
-              <a:tblPr firstRow="1" bandRow="1">
-                <a:tableStyleId>{91EBBBCC-DAD2-459C-BE2E-F6DE35CF9A28}</a:tableStyleId>
-              </a:tblPr>
-              <a:tblGrid>
-                <a:gridCol w="1511795">
-                  <a:extLst>
-                    <a:ext uri="{9D8B030D-6E8A-4147-A177-3AD203B41FA5}">
-                      <a16:colId xmlns:a16="http://schemas.microsoft.com/office/drawing/2014/main" val="498879957"/>
-                    </a:ext>
-                  </a:extLst>
-                </a:gridCol>
-                <a:gridCol w="1511795">
-                  <a:extLst>
-                    <a:ext uri="{9D8B030D-6E8A-4147-A177-3AD203B41FA5}">
-                      <a16:colId xmlns:a16="http://schemas.microsoft.com/office/drawing/2014/main" val="3167897769"/>
-                    </a:ext>
-                  </a:extLst>
-                </a:gridCol>
-                <a:gridCol w="1511795">
-                  <a:extLst>
-                    <a:ext uri="{9D8B030D-6E8A-4147-A177-3AD203B41FA5}">
-                      <a16:colId xmlns:a16="http://schemas.microsoft.com/office/drawing/2014/main" val="2027508887"/>
-                    </a:ext>
-                  </a:extLst>
-                </a:gridCol>
-              </a:tblGrid>
-              <a:tr h="474561">
-                <a:tc>
-                  <a:txBody>
-                    <a:bodyPr/>
-                    <a:lstStyle/>
-                    <a:p>
-                      <a:pPr algn="ctr"/>
-                      <a:r>
-                        <a:rPr lang="en-US" dirty="0"/>
-                        <a:t>Configuration</a:t>
-                      </a:r>
-                    </a:p>
-                  </a:txBody>
-                  <a:tcPr anchor="ctr"/>
-                </a:tc>
-                <a:tc>
-                  <a:txBody>
-                    <a:bodyPr/>
-                    <a:lstStyle/>
-                    <a:p>
-                      <a:pPr algn="ctr"/>
-                      <a:r>
-                        <a:rPr lang="en-US" dirty="0"/>
-                        <a:t>Units</a:t>
-                      </a:r>
-                    </a:p>
-                  </a:txBody>
-                  <a:tcPr anchor="ctr"/>
-                </a:tc>
-                <a:tc>
-                  <a:txBody>
-                    <a:bodyPr/>
-                    <a:lstStyle/>
-                    <a:p>
-                      <a:pPr algn="ctr"/>
-                      <a:r>
-                        <a:rPr lang="en-US" dirty="0"/>
-                        <a:t>Layers</a:t>
-                      </a:r>
-                    </a:p>
-                  </a:txBody>
-                  <a:tcPr anchor="ctr"/>
-                </a:tc>
-                <a:extLst>
-                  <a:ext uri="{0D108BD9-81ED-4DB2-BD59-A6C34878D82A}">
-                    <a16:rowId xmlns:a16="http://schemas.microsoft.com/office/drawing/2014/main" val="78001966"/>
-                  </a:ext>
-                </a:extLst>
-              </a:tr>
-              <a:tr h="437947">
-                <a:tc>
-                  <a:txBody>
-                    <a:bodyPr/>
-                    <a:lstStyle/>
-                    <a:p>
-                      <a:pPr algn="ctr"/>
-                      <a:r>
-                        <a:rPr lang="en-US" b="1" dirty="0">
-                          <a:solidFill>
-                            <a:srgbClr val="000000"/>
-                          </a:solidFill>
-                        </a:rPr>
-                        <a:t>A</a:t>
-                      </a:r>
-                    </a:p>
-                  </a:txBody>
-                  <a:tcPr anchor="ctr"/>
-                </a:tc>
-                <a:tc>
-                  <a:txBody>
-                    <a:bodyPr/>
-                    <a:lstStyle/>
-                    <a:p>
-                      <a:pPr algn="ctr"/>
-                      <a:r>
-                        <a:rPr lang="en-US" b="1" dirty="0">
-                          <a:solidFill>
-                            <a:srgbClr val="000000"/>
-                          </a:solidFill>
-                        </a:rPr>
-                        <a:t>300</a:t>
-                      </a:r>
-                    </a:p>
-                  </a:txBody>
-                  <a:tcPr anchor="ctr"/>
-                </a:tc>
-                <a:tc>
-                  <a:txBody>
-                    <a:bodyPr/>
-                    <a:lstStyle/>
-                    <a:p>
-                      <a:pPr algn="ctr"/>
-                      <a:r>
-                        <a:rPr lang="en-US" b="1" dirty="0">
-                          <a:solidFill>
-                            <a:srgbClr val="000000"/>
-                          </a:solidFill>
-                        </a:rPr>
-                        <a:t>2</a:t>
-                      </a:r>
-                    </a:p>
-                  </a:txBody>
-                  <a:tcPr anchor="ctr"/>
-                </a:tc>
-                <a:extLst>
-                  <a:ext uri="{0D108BD9-81ED-4DB2-BD59-A6C34878D82A}">
-                    <a16:rowId xmlns:a16="http://schemas.microsoft.com/office/drawing/2014/main" val="4174915430"/>
-                  </a:ext>
-                </a:extLst>
-              </a:tr>
-              <a:tr h="437947">
-                <a:tc>
-                  <a:txBody>
-                    <a:bodyPr/>
-                    <a:lstStyle/>
-                    <a:p>
-                      <a:pPr algn="ctr"/>
-                      <a:r>
-                        <a:rPr lang="en-US" b="1" dirty="0">
-                          <a:solidFill>
-                            <a:srgbClr val="000000"/>
-                          </a:solidFill>
-                        </a:rPr>
-                        <a:t>B</a:t>
-                      </a:r>
-                    </a:p>
-                  </a:txBody>
-                  <a:tcPr anchor="ctr"/>
-                </a:tc>
-                <a:tc>
-                  <a:txBody>
-                    <a:bodyPr/>
-                    <a:lstStyle/>
-                    <a:p>
-                      <a:pPr algn="ctr"/>
-                      <a:r>
-                        <a:rPr lang="en-US" b="1" dirty="0">
-                          <a:solidFill>
-                            <a:srgbClr val="000000"/>
-                          </a:solidFill>
-                        </a:rPr>
-                        <a:t>500</a:t>
-                      </a:r>
-                    </a:p>
-                  </a:txBody>
-                  <a:tcPr anchor="ctr"/>
-                </a:tc>
-                <a:tc>
-                  <a:txBody>
-                    <a:bodyPr/>
-                    <a:lstStyle/>
-                    <a:p>
-                      <a:pPr marL="0" marR="0" lvl="0" indent="0" algn="ctr" defTabSz="457200" rtl="0" eaLnBrk="1" fontAlgn="auto" latinLnBrk="0" hangingPunct="1">
-                        <a:lnSpc>
-                          <a:spcPct val="100000"/>
-                        </a:lnSpc>
-                        <a:spcBef>
-                          <a:spcPts val="0"/>
-                        </a:spcBef>
-                        <a:spcAft>
-                          <a:spcPts val="0"/>
-                        </a:spcAft>
-                        <a:buClrTx/>
-                        <a:buSzTx/>
-                        <a:buFontTx/>
-                        <a:buNone/>
-                        <a:tabLst/>
-                        <a:defRPr/>
-                      </a:pPr>
-                      <a:r>
-                        <a:rPr lang="en-US" b="1" dirty="0">
-                          <a:solidFill>
-                            <a:srgbClr val="000000"/>
-                          </a:solidFill>
-                        </a:rPr>
-                        <a:t>4</a:t>
-                      </a:r>
-                    </a:p>
-                  </a:txBody>
-                  <a:tcPr anchor="ctr"/>
-                </a:tc>
-                <a:extLst>
-                  <a:ext uri="{0D108BD9-81ED-4DB2-BD59-A6C34878D82A}">
-                    <a16:rowId xmlns:a16="http://schemas.microsoft.com/office/drawing/2014/main" val="3339051587"/>
-                  </a:ext>
-                </a:extLst>
-              </a:tr>
-              <a:tr h="437947">
-                <a:tc>
-                  <a:txBody>
-                    <a:bodyPr/>
-                    <a:lstStyle/>
-                    <a:p>
-                      <a:pPr algn="ctr"/>
-                      <a:r>
-                        <a:rPr lang="en-US" b="1" dirty="0">
-                          <a:solidFill>
-                            <a:srgbClr val="000000"/>
-                          </a:solidFill>
-                        </a:rPr>
-                        <a:t>C</a:t>
-                      </a:r>
-                    </a:p>
-                  </a:txBody>
-                  <a:tcPr anchor="ctr">
-                    <a:lnB w="12700" cap="flat" cmpd="sng" algn="ctr">
-                      <a:solidFill>
-                        <a:schemeClr val="tx1"/>
-                      </a:solidFill>
-                      <a:prstDash val="solid"/>
-                      <a:round/>
-                      <a:headEnd type="none" w="med" len="med"/>
-                      <a:tailEnd type="none" w="med" len="med"/>
-                    </a:lnB>
-                  </a:tcPr>
-                </a:tc>
-                <a:tc>
-                  <a:txBody>
-                    <a:bodyPr/>
-                    <a:lstStyle/>
-                    <a:p>
-                      <a:pPr algn="ctr"/>
-                      <a:r>
-                        <a:rPr lang="en-US" b="1" dirty="0">
-                          <a:solidFill>
-                            <a:srgbClr val="000000"/>
-                          </a:solidFill>
-                        </a:rPr>
-                        <a:t>700</a:t>
-                      </a:r>
-                    </a:p>
-                  </a:txBody>
-                  <a:tcPr anchor="ctr">
-                    <a:lnB w="12700" cap="flat" cmpd="sng" algn="ctr">
-                      <a:solidFill>
-                        <a:schemeClr val="tx1"/>
-                      </a:solidFill>
-                      <a:prstDash val="solid"/>
-                      <a:round/>
-                      <a:headEnd type="none" w="med" len="med"/>
-                      <a:tailEnd type="none" w="med" len="med"/>
-                    </a:lnB>
-                  </a:tcPr>
-                </a:tc>
-                <a:tc>
-                  <a:txBody>
-                    <a:bodyPr/>
-                    <a:lstStyle/>
-                    <a:p>
-                      <a:pPr algn="ctr"/>
-                      <a:r>
-                        <a:rPr lang="en-US" b="1" dirty="0">
-                          <a:solidFill>
-                            <a:srgbClr val="000000"/>
-                          </a:solidFill>
-                        </a:rPr>
-                        <a:t>5</a:t>
-                      </a:r>
-                    </a:p>
-                  </a:txBody>
-                  <a:tcPr anchor="ctr">
-                    <a:lnB w="12700" cap="flat" cmpd="sng" algn="ctr">
-                      <a:solidFill>
-                        <a:schemeClr val="tx1"/>
-                      </a:solidFill>
-                      <a:prstDash val="solid"/>
-                      <a:round/>
-                      <a:headEnd type="none" w="med" len="med"/>
-                      <a:tailEnd type="none" w="med" len="med"/>
-                    </a:lnB>
-                  </a:tcPr>
-                </a:tc>
-                <a:extLst>
-                  <a:ext uri="{0D108BD9-81ED-4DB2-BD59-A6C34878D82A}">
-                    <a16:rowId xmlns:a16="http://schemas.microsoft.com/office/drawing/2014/main" val="2456231003"/>
-                  </a:ext>
-                </a:extLst>
-              </a:tr>
-            </a:tbl>
-          </a:graphicData>
-        </a:graphic>
-      </p:graphicFrame>
-    </p:spTree>
-    <p:extLst>
-      <p:ext uri="{BB962C8B-B14F-4D97-AF65-F5344CB8AC3E}">
-        <p14:creationId xmlns:p14="http://schemas.microsoft.com/office/powerpoint/2010/main" val="1149329751"/>
-      </p:ext>
-    </p:extLst>
-  </p:cSld>
-  <p:clrMapOvr>
-    <a:masterClrMapping/>
-  </p:clrMapOvr>
-</p:sld>
-</file>
-
-<file path=ppt/slides/slide19.xml><?xml version="1.0" encoding="utf-8"?>
-<p:sld xmlns:a="http://schemas.openxmlformats.org/drawingml/2006/main" xmlns:r="http://schemas.openxmlformats.org/officeDocument/2006/relationships" xmlns:p="http://schemas.openxmlformats.org/presentationml/2006/main">
-  <p:cSld>
-    <p:spTree>
-      <p:nvGrpSpPr>
-        <p:cNvPr id="1" name=""/>
-        <p:cNvGrpSpPr/>
-        <p:nvPr/>
-      </p:nvGrpSpPr>
-      <p:grpSpPr>
-        <a:xfrm>
-          <a:off x="0" y="0"/>
-          <a:ext cx="0" cy="0"/>
-          <a:chOff x="0" y="0"/>
-          <a:chExt cx="0" cy="0"/>
-        </a:xfrm>
-      </p:grpSpPr>
-      <p:sp>
-        <p:nvSpPr>
-          <p:cNvPr id="2" name="Titolo 1">
-            <a:extLst>
-              <a:ext uri="{FF2B5EF4-FFF2-40B4-BE49-F238E27FC236}">
-                <a16:creationId xmlns:a16="http://schemas.microsoft.com/office/drawing/2014/main" id="{AFEFEAD0-5246-726C-3122-EF9AE58FAC80}"/>
-              </a:ext>
-            </a:extLst>
-          </p:cNvPr>
-          <p:cNvSpPr txBox="1">
-            <a:spLocks noChangeArrowheads="1"/>
-          </p:cNvSpPr>
-          <p:nvPr/>
-        </p:nvSpPr>
-        <p:spPr bwMode="auto">
-          <a:xfrm>
-            <a:off x="3015163" y="253099"/>
-            <a:ext cx="5724624" cy="482108"/>
-          </a:xfrm>
-          <a:prstGeom prst="rect">
-            <a:avLst/>
-          </a:prstGeom>
-          <a:ln w="9525" cap="flat" cmpd="sng" algn="ctr">
-            <a:solidFill>
-              <a:schemeClr val="dk1"/>
-            </a:solidFill>
-            <a:prstDash val="solid"/>
-            <a:round/>
-            <a:headEnd type="none" w="med" len="med"/>
-            <a:tailEnd type="none" w="med" len="med"/>
-          </a:ln>
-          <a:extLst>
-            <a:ext uri="{909E8E84-426E-40DD-AFC4-6F175D3DCCD1}">
-              <a14:hiddenFill xmlns:a14="http://schemas.microsoft.com/office/drawing/2010/main">
-                <a:solidFill>
-                  <a:schemeClr val="accent1"/>
-                </a:solidFill>
-              </a14:hiddenFill>
-            </a:ext>
-          </a:extLst>
-        </p:spPr>
-        <p:style>
-          <a:lnRef idx="0">
-            <a:scrgbClr r="0" g="0" b="0"/>
-          </a:lnRef>
-          <a:fillRef idx="0">
-            <a:scrgbClr r="0" g="0" b="0"/>
-          </a:fillRef>
-          <a:effectRef idx="0">
-            <a:scrgbClr r="0" g="0" b="0"/>
-          </a:effectRef>
-          <a:fontRef idx="minor">
-            <a:schemeClr val="dk1"/>
-          </a:fontRef>
-        </p:style>
-        <p:txBody>
-          <a:bodyPr vert="horz" wrap="square" lIns="91440" tIns="45720" rIns="91440" bIns="45720" numCol="1" anchor="ctr" anchorCtr="0" compatLnSpc="1">
-            <a:prstTxWarp prst="textNoShape">
-              <a:avLst/>
-            </a:prstTxWarp>
-          </a:bodyPr>
-          <a:lstStyle>
-            <a:lvl1pPr algn="l" rtl="0" eaLnBrk="0" fontAlgn="base" hangingPunct="0">
-              <a:spcBef>
-                <a:spcPct val="0"/>
-              </a:spcBef>
-              <a:spcAft>
-                <a:spcPct val="0"/>
-              </a:spcAft>
-              <a:defRPr sz="2400" b="1">
-                <a:solidFill>
-                  <a:schemeClr val="dk1"/>
-                </a:solidFill>
-                <a:latin typeface="+mn-lt"/>
-                <a:ea typeface="+mn-ea"/>
-                <a:cs typeface="+mn-cs"/>
-              </a:defRPr>
-            </a:lvl1pPr>
-            <a:lvl2pPr algn="l" rtl="0" eaLnBrk="0" fontAlgn="base" hangingPunct="0">
-              <a:spcBef>
-                <a:spcPct val="0"/>
-              </a:spcBef>
-              <a:spcAft>
-                <a:spcPct val="0"/>
-              </a:spcAft>
-              <a:defRPr sz="2400" b="1">
-                <a:solidFill>
-                  <a:schemeClr val="dk1"/>
-                </a:solidFill>
-                <a:latin typeface="+mn-lt"/>
-                <a:ea typeface="+mn-ea"/>
-                <a:cs typeface="+mn-cs"/>
-              </a:defRPr>
-            </a:lvl2pPr>
-            <a:lvl3pPr algn="l" rtl="0" eaLnBrk="0" fontAlgn="base" hangingPunct="0">
-              <a:spcBef>
-                <a:spcPct val="0"/>
-              </a:spcBef>
-              <a:spcAft>
-                <a:spcPct val="0"/>
-              </a:spcAft>
-              <a:defRPr sz="2400" b="1">
-                <a:solidFill>
-                  <a:schemeClr val="dk1"/>
-                </a:solidFill>
-                <a:latin typeface="+mn-lt"/>
-                <a:ea typeface="+mn-ea"/>
-                <a:cs typeface="+mn-cs"/>
-              </a:defRPr>
-            </a:lvl3pPr>
-            <a:lvl4pPr algn="l" rtl="0" eaLnBrk="0" fontAlgn="base" hangingPunct="0">
-              <a:spcBef>
-                <a:spcPct val="0"/>
-              </a:spcBef>
-              <a:spcAft>
-                <a:spcPct val="0"/>
-              </a:spcAft>
-              <a:defRPr sz="2400" b="1">
-                <a:solidFill>
-                  <a:schemeClr val="dk1"/>
-                </a:solidFill>
-                <a:latin typeface="+mn-lt"/>
-                <a:ea typeface="+mn-ea"/>
-                <a:cs typeface="+mn-cs"/>
-              </a:defRPr>
-            </a:lvl4pPr>
-            <a:lvl5pPr algn="l" rtl="0" eaLnBrk="0" fontAlgn="base" hangingPunct="0">
-              <a:spcBef>
-                <a:spcPct val="0"/>
-              </a:spcBef>
-              <a:spcAft>
-                <a:spcPct val="0"/>
-              </a:spcAft>
-              <a:defRPr sz="2400" b="1">
-                <a:solidFill>
-                  <a:schemeClr val="dk1"/>
-                </a:solidFill>
-                <a:latin typeface="+mn-lt"/>
-                <a:ea typeface="+mn-ea"/>
-                <a:cs typeface="+mn-cs"/>
-              </a:defRPr>
-            </a:lvl5pPr>
-            <a:lvl6pPr marL="457200" algn="l" rtl="0" eaLnBrk="1" fontAlgn="base" hangingPunct="1">
-              <a:spcBef>
-                <a:spcPct val="0"/>
-              </a:spcBef>
-              <a:spcAft>
-                <a:spcPct val="0"/>
-              </a:spcAft>
-              <a:defRPr sz="2400" b="1">
-                <a:solidFill>
-                  <a:schemeClr val="dk1"/>
-                </a:solidFill>
-                <a:latin typeface="+mn-lt"/>
-                <a:ea typeface="+mn-ea"/>
-                <a:cs typeface="+mn-cs"/>
-              </a:defRPr>
-            </a:lvl6pPr>
-            <a:lvl7pPr marL="914400" algn="l" rtl="0" eaLnBrk="1" fontAlgn="base" hangingPunct="1">
-              <a:spcBef>
-                <a:spcPct val="0"/>
-              </a:spcBef>
-              <a:spcAft>
-                <a:spcPct val="0"/>
-              </a:spcAft>
-              <a:defRPr sz="2400" b="1">
-                <a:solidFill>
-                  <a:schemeClr val="dk1"/>
-                </a:solidFill>
-                <a:latin typeface="+mn-lt"/>
-                <a:ea typeface="+mn-ea"/>
-                <a:cs typeface="+mn-cs"/>
-              </a:defRPr>
-            </a:lvl7pPr>
-            <a:lvl8pPr marL="1371600" algn="l" rtl="0" eaLnBrk="1" fontAlgn="base" hangingPunct="1">
-              <a:spcBef>
-                <a:spcPct val="0"/>
-              </a:spcBef>
-              <a:spcAft>
-                <a:spcPct val="0"/>
-              </a:spcAft>
-              <a:defRPr sz="2400" b="1">
-                <a:solidFill>
-                  <a:schemeClr val="dk1"/>
-                </a:solidFill>
-                <a:latin typeface="+mn-lt"/>
-                <a:ea typeface="+mn-ea"/>
-                <a:cs typeface="+mn-cs"/>
-              </a:defRPr>
-            </a:lvl8pPr>
-            <a:lvl9pPr marL="1828800" algn="l" rtl="0" eaLnBrk="1" fontAlgn="base" hangingPunct="1">
-              <a:spcBef>
-                <a:spcPct val="0"/>
-              </a:spcBef>
-              <a:spcAft>
-                <a:spcPct val="0"/>
-              </a:spcAft>
-              <a:defRPr sz="2400" b="1">
-                <a:solidFill>
-                  <a:schemeClr val="dk1"/>
-                </a:solidFill>
-                <a:latin typeface="+mn-lt"/>
-                <a:ea typeface="+mn-ea"/>
-                <a:cs typeface="+mn-cs"/>
-              </a:defRPr>
-            </a:lvl9pPr>
-          </a:lstStyle>
-          <a:p>
-            <a:pPr algn="ctr"/>
-            <a:r>
-              <a:rPr lang="it-IT" altLang="it-IT" kern="0" dirty="0">
-                <a:latin typeface="Calibri" panose="020F0502020204030204" pitchFamily="34" charset="0"/>
-                <a:ea typeface="ＭＳ Ｐゴシック" panose="020B0600070205080204" pitchFamily="34" charset="-128"/>
-              </a:rPr>
-              <a:t>ELASTIC CASE</a:t>
-            </a:r>
-          </a:p>
-        </p:txBody>
-      </p:sp>
-      <p:sp>
-        <p:nvSpPr>
-          <p:cNvPr id="10" name="Rettangolo 9">
-            <a:extLst>
-              <a:ext uri="{FF2B5EF4-FFF2-40B4-BE49-F238E27FC236}">
-                <a16:creationId xmlns:a16="http://schemas.microsoft.com/office/drawing/2014/main" id="{31D3E094-59FA-DA3E-B010-C99084F3614D}"/>
-              </a:ext>
-            </a:extLst>
-          </p:cNvPr>
-          <p:cNvSpPr/>
-          <p:nvPr/>
-        </p:nvSpPr>
-        <p:spPr bwMode="auto">
-          <a:xfrm>
-            <a:off x="1691680" y="4509120"/>
-            <a:ext cx="432048" cy="792088"/>
-          </a:xfrm>
-          <a:prstGeom prst="rect">
-            <a:avLst/>
-          </a:prstGeom>
-          <a:noFill/>
-          <a:ln>
-            <a:noFill/>
-          </a:ln>
-          <a:effectLst/>
-          <a:extLst>
-            <a:ext uri="{909E8E84-426E-40dd-AFC4-6F175D3DCCD1}">
-              <a14:hiddenFill xmlns:a14="http://schemas.microsoft.com/office/drawing/2010/main" xmlns="">
-                <a:solidFill>
-                  <a:schemeClr val="accent1"/>
-                </a:solidFill>
-              </a14:hiddenFill>
-            </a:ext>
-            <a:ext uri="{91240B29-F687-4f45-9708-019B960494DF}">
-              <a14:hiddenLine xmlns:a14="http://schemas.microsoft.com/office/drawing/2010/main" xmlns="" w="9525" cap="flat" cmpd="sng" algn="ctr">
-                <a:solidFill>
-                  <a:schemeClr val="tx1"/>
-                </a:solidFill>
-                <a:prstDash val="solid"/>
-                <a:round/>
-                <a:headEnd type="none" w="med" len="med"/>
-                <a:tailEnd type="none" w="med" len="med"/>
-              </a14:hiddenLine>
-            </a:ext>
-            <a:ext uri="{AF507438-7753-43e0-B8FC-AC1667EBCBE1}">
-              <a14:hiddenEffects xmlns:a14="http://schemas.microsoft.com/office/drawing/2010/main" xmlns="">
                 <a:effectLst>
                   <a:outerShdw blurRad="63500" dist="38099" dir="2700000" algn="ctr" rotWithShape="0">
                     <a:srgbClr val="000000">
@@ -12104,8 +10123,8 @@
           </a:p>
         </p:txBody>
       </p:sp>
-      <mc:AlternateContent xmlns:mc="http://schemas.openxmlformats.org/markup-compatibility/2006">
-        <mc:Choice xmlns:a14="http://schemas.microsoft.com/office/drawing/2010/main" Requires="a14">
+      <mc:AlternateContent xmlns:mc="http://schemas.openxmlformats.org/markup-compatibility/2006" xmlns:a14="http://schemas.microsoft.com/office/drawing/2010/main">
+        <mc:Choice Requires="a14">
           <p:graphicFrame>
             <p:nvGraphicFramePr>
               <p:cNvPr id="5" name="Tabella 4">
@@ -12841,7 +10860,7 @@
             </a:graphic>
           </p:graphicFrame>
         </mc:Choice>
-        <mc:Fallback>
+        <mc:Fallback xmlns="">
           <p:graphicFrame>
             <p:nvGraphicFramePr>
               <p:cNvPr id="5" name="Tabella 4">
@@ -13602,6 +11621,474 @@
 </p:sld>
 </file>
 
+<file path=ppt/slides/slide19.xml><?xml version="1.0" encoding="utf-8"?>
+<p:sld xmlns:a="http://schemas.openxmlformats.org/drawingml/2006/main" xmlns:r="http://schemas.openxmlformats.org/officeDocument/2006/relationships" xmlns:p="http://schemas.openxmlformats.org/presentationml/2006/main">
+  <p:cSld>
+    <p:spTree>
+      <p:nvGrpSpPr>
+        <p:cNvPr id="1" name=""/>
+        <p:cNvGrpSpPr/>
+        <p:nvPr/>
+      </p:nvGrpSpPr>
+      <p:grpSpPr>
+        <a:xfrm>
+          <a:off x="0" y="0"/>
+          <a:ext cx="0" cy="0"/>
+          <a:chOff x="0" y="0"/>
+          <a:chExt cx="0" cy="0"/>
+        </a:xfrm>
+      </p:grpSpPr>
+      <p:sp>
+        <p:nvSpPr>
+          <p:cNvPr id="2" name="Titolo 1">
+            <a:extLst>
+              <a:ext uri="{FF2B5EF4-FFF2-40B4-BE49-F238E27FC236}">
+                <a16:creationId xmlns:a16="http://schemas.microsoft.com/office/drawing/2014/main" id="{AFEFEAD0-5246-726C-3122-EF9AE58FAC80}"/>
+              </a:ext>
+            </a:extLst>
+          </p:cNvPr>
+          <p:cNvSpPr txBox="1">
+            <a:spLocks noChangeArrowheads="1"/>
+          </p:cNvSpPr>
+          <p:nvPr/>
+        </p:nvSpPr>
+        <p:spPr bwMode="auto">
+          <a:xfrm>
+            <a:off x="3015163" y="253099"/>
+            <a:ext cx="5724624" cy="482108"/>
+          </a:xfrm>
+          <a:prstGeom prst="rect">
+            <a:avLst/>
+          </a:prstGeom>
+          <a:ln w="9525" cap="flat" cmpd="sng" algn="ctr">
+            <a:solidFill>
+              <a:schemeClr val="dk1"/>
+            </a:solidFill>
+            <a:prstDash val="solid"/>
+            <a:round/>
+            <a:headEnd type="none" w="med" len="med"/>
+            <a:tailEnd type="none" w="med" len="med"/>
+          </a:ln>
+          <a:extLst>
+            <a:ext uri="{909E8E84-426E-40DD-AFC4-6F175D3DCCD1}">
+              <a14:hiddenFill xmlns:a14="http://schemas.microsoft.com/office/drawing/2010/main">
+                <a:solidFill>
+                  <a:schemeClr val="accent1"/>
+                </a:solidFill>
+              </a14:hiddenFill>
+            </a:ext>
+          </a:extLst>
+        </p:spPr>
+        <p:style>
+          <a:lnRef idx="0">
+            <a:scrgbClr r="0" g="0" b="0"/>
+          </a:lnRef>
+          <a:fillRef idx="0">
+            <a:scrgbClr r="0" g="0" b="0"/>
+          </a:fillRef>
+          <a:effectRef idx="0">
+            <a:scrgbClr r="0" g="0" b="0"/>
+          </a:effectRef>
+          <a:fontRef idx="minor">
+            <a:schemeClr val="dk1"/>
+          </a:fontRef>
+        </p:style>
+        <p:txBody>
+          <a:bodyPr vert="horz" wrap="square" lIns="91440" tIns="45720" rIns="91440" bIns="45720" numCol="1" anchor="ctr" anchorCtr="0" compatLnSpc="1">
+            <a:prstTxWarp prst="textNoShape">
+              <a:avLst/>
+            </a:prstTxWarp>
+          </a:bodyPr>
+          <a:lstStyle>
+            <a:lvl1pPr algn="l" rtl="0" eaLnBrk="0" fontAlgn="base" hangingPunct="0">
+              <a:spcBef>
+                <a:spcPct val="0"/>
+              </a:spcBef>
+              <a:spcAft>
+                <a:spcPct val="0"/>
+              </a:spcAft>
+              <a:defRPr sz="2400" b="1">
+                <a:solidFill>
+                  <a:schemeClr val="dk1"/>
+                </a:solidFill>
+                <a:latin typeface="+mn-lt"/>
+                <a:ea typeface="+mn-ea"/>
+                <a:cs typeface="+mn-cs"/>
+              </a:defRPr>
+            </a:lvl1pPr>
+            <a:lvl2pPr algn="l" rtl="0" eaLnBrk="0" fontAlgn="base" hangingPunct="0">
+              <a:spcBef>
+                <a:spcPct val="0"/>
+              </a:spcBef>
+              <a:spcAft>
+                <a:spcPct val="0"/>
+              </a:spcAft>
+              <a:defRPr sz="2400" b="1">
+                <a:solidFill>
+                  <a:schemeClr val="dk1"/>
+                </a:solidFill>
+                <a:latin typeface="+mn-lt"/>
+                <a:ea typeface="+mn-ea"/>
+                <a:cs typeface="+mn-cs"/>
+              </a:defRPr>
+            </a:lvl2pPr>
+            <a:lvl3pPr algn="l" rtl="0" eaLnBrk="0" fontAlgn="base" hangingPunct="0">
+              <a:spcBef>
+                <a:spcPct val="0"/>
+              </a:spcBef>
+              <a:spcAft>
+                <a:spcPct val="0"/>
+              </a:spcAft>
+              <a:defRPr sz="2400" b="1">
+                <a:solidFill>
+                  <a:schemeClr val="dk1"/>
+                </a:solidFill>
+                <a:latin typeface="+mn-lt"/>
+                <a:ea typeface="+mn-ea"/>
+                <a:cs typeface="+mn-cs"/>
+              </a:defRPr>
+            </a:lvl3pPr>
+            <a:lvl4pPr algn="l" rtl="0" eaLnBrk="0" fontAlgn="base" hangingPunct="0">
+              <a:spcBef>
+                <a:spcPct val="0"/>
+              </a:spcBef>
+              <a:spcAft>
+                <a:spcPct val="0"/>
+              </a:spcAft>
+              <a:defRPr sz="2400" b="1">
+                <a:solidFill>
+                  <a:schemeClr val="dk1"/>
+                </a:solidFill>
+                <a:latin typeface="+mn-lt"/>
+                <a:ea typeface="+mn-ea"/>
+                <a:cs typeface="+mn-cs"/>
+              </a:defRPr>
+            </a:lvl4pPr>
+            <a:lvl5pPr algn="l" rtl="0" eaLnBrk="0" fontAlgn="base" hangingPunct="0">
+              <a:spcBef>
+                <a:spcPct val="0"/>
+              </a:spcBef>
+              <a:spcAft>
+                <a:spcPct val="0"/>
+              </a:spcAft>
+              <a:defRPr sz="2400" b="1">
+                <a:solidFill>
+                  <a:schemeClr val="dk1"/>
+                </a:solidFill>
+                <a:latin typeface="+mn-lt"/>
+                <a:ea typeface="+mn-ea"/>
+                <a:cs typeface="+mn-cs"/>
+              </a:defRPr>
+            </a:lvl5pPr>
+            <a:lvl6pPr marL="457200" algn="l" rtl="0" eaLnBrk="1" fontAlgn="base" hangingPunct="1">
+              <a:spcBef>
+                <a:spcPct val="0"/>
+              </a:spcBef>
+              <a:spcAft>
+                <a:spcPct val="0"/>
+              </a:spcAft>
+              <a:defRPr sz="2400" b="1">
+                <a:solidFill>
+                  <a:schemeClr val="dk1"/>
+                </a:solidFill>
+                <a:latin typeface="+mn-lt"/>
+                <a:ea typeface="+mn-ea"/>
+                <a:cs typeface="+mn-cs"/>
+              </a:defRPr>
+            </a:lvl6pPr>
+            <a:lvl7pPr marL="914400" algn="l" rtl="0" eaLnBrk="1" fontAlgn="base" hangingPunct="1">
+              <a:spcBef>
+                <a:spcPct val="0"/>
+              </a:spcBef>
+              <a:spcAft>
+                <a:spcPct val="0"/>
+              </a:spcAft>
+              <a:defRPr sz="2400" b="1">
+                <a:solidFill>
+                  <a:schemeClr val="dk1"/>
+                </a:solidFill>
+                <a:latin typeface="+mn-lt"/>
+                <a:ea typeface="+mn-ea"/>
+                <a:cs typeface="+mn-cs"/>
+              </a:defRPr>
+            </a:lvl7pPr>
+            <a:lvl8pPr marL="1371600" algn="l" rtl="0" eaLnBrk="1" fontAlgn="base" hangingPunct="1">
+              <a:spcBef>
+                <a:spcPct val="0"/>
+              </a:spcBef>
+              <a:spcAft>
+                <a:spcPct val="0"/>
+              </a:spcAft>
+              <a:defRPr sz="2400" b="1">
+                <a:solidFill>
+                  <a:schemeClr val="dk1"/>
+                </a:solidFill>
+                <a:latin typeface="+mn-lt"/>
+                <a:ea typeface="+mn-ea"/>
+                <a:cs typeface="+mn-cs"/>
+              </a:defRPr>
+            </a:lvl8pPr>
+            <a:lvl9pPr marL="1828800" algn="l" rtl="0" eaLnBrk="1" fontAlgn="base" hangingPunct="1">
+              <a:spcBef>
+                <a:spcPct val="0"/>
+              </a:spcBef>
+              <a:spcAft>
+                <a:spcPct val="0"/>
+              </a:spcAft>
+              <a:defRPr sz="2400" b="1">
+                <a:solidFill>
+                  <a:schemeClr val="dk1"/>
+                </a:solidFill>
+                <a:latin typeface="+mn-lt"/>
+                <a:ea typeface="+mn-ea"/>
+                <a:cs typeface="+mn-cs"/>
+              </a:defRPr>
+            </a:lvl9pPr>
+          </a:lstStyle>
+          <a:p>
+            <a:pPr algn="ctr"/>
+            <a:r>
+              <a:rPr lang="it-IT" altLang="it-IT" kern="0" dirty="0">
+                <a:latin typeface="Calibri" panose="020F0502020204030204" pitchFamily="34" charset="0"/>
+                <a:ea typeface="ＭＳ Ｐゴシック" panose="020B0600070205080204" pitchFamily="34" charset="-128"/>
+              </a:rPr>
+              <a:t>ELASTIC CASE – CONFIGURATION A</a:t>
+            </a:r>
+          </a:p>
+        </p:txBody>
+      </p:sp>
+      <p:sp>
+        <p:nvSpPr>
+          <p:cNvPr id="10" name="Rettangolo 9">
+            <a:extLst>
+              <a:ext uri="{FF2B5EF4-FFF2-40B4-BE49-F238E27FC236}">
+                <a16:creationId xmlns:a16="http://schemas.microsoft.com/office/drawing/2014/main" id="{31D3E094-59FA-DA3E-B010-C99084F3614D}"/>
+              </a:ext>
+            </a:extLst>
+          </p:cNvPr>
+          <p:cNvSpPr/>
+          <p:nvPr/>
+        </p:nvSpPr>
+        <p:spPr bwMode="auto">
+          <a:xfrm>
+            <a:off x="1691680" y="4509120"/>
+            <a:ext cx="432048" cy="792088"/>
+          </a:xfrm>
+          <a:prstGeom prst="rect">
+            <a:avLst/>
+          </a:prstGeom>
+          <a:noFill/>
+          <a:ln>
+            <a:noFill/>
+          </a:ln>
+          <a:effectLst/>
+          <a:extLst>
+            <a:ext uri="{909E8E84-426E-40dd-AFC4-6F175D3DCCD1}">
+              <a14:hiddenFill xmlns="" xmlns:a14="http://schemas.microsoft.com/office/drawing/2010/main">
+                <a:solidFill>
+                  <a:schemeClr val="accent1"/>
+                </a:solidFill>
+              </a14:hiddenFill>
+            </a:ext>
+            <a:ext uri="{91240B29-F687-4f45-9708-019B960494DF}">
+              <a14:hiddenLine xmlns="" xmlns:a14="http://schemas.microsoft.com/office/drawing/2010/main" w="9525" cap="flat" cmpd="sng" algn="ctr">
+                <a:solidFill>
+                  <a:schemeClr val="tx1"/>
+                </a:solidFill>
+                <a:prstDash val="solid"/>
+                <a:round/>
+                <a:headEnd type="none" w="med" len="med"/>
+                <a:tailEnd type="none" w="med" len="med"/>
+              </a14:hiddenLine>
+            </a:ext>
+            <a:ext uri="{AF507438-7753-43e0-B8FC-AC1667EBCBE1}">
+              <a14:hiddenEffects xmlns="" xmlns:a14="http://schemas.microsoft.com/office/drawing/2010/main">
+                <a:effectLst>
+                  <a:outerShdw blurRad="63500" dist="38099" dir="2700000" algn="ctr" rotWithShape="0">
+                    <a:srgbClr val="000000">
+                      <a:alpha val="74998"/>
+                    </a:srgbClr>
+                  </a:outerShdw>
+                </a:effectLst>
+              </a14:hiddenEffects>
+            </a:ext>
+          </a:extLst>
+        </p:spPr>
+        <p:txBody>
+          <a:bodyPr vert="horz" wrap="square" lIns="91440" tIns="45720" rIns="91440" bIns="45720" numCol="1" rtlCol="0" anchor="t" anchorCtr="0" compatLnSpc="1">
+            <a:prstTxWarp prst="textNoShape">
+              <a:avLst/>
+            </a:prstTxWarp>
+          </a:bodyPr>
+          <a:lstStyle/>
+          <a:p>
+            <a:pPr marL="0" marR="0" indent="0" algn="l" defTabSz="914400" rtl="0" eaLnBrk="0" fontAlgn="base" latinLnBrk="0" hangingPunct="0">
+              <a:lnSpc>
+                <a:spcPct val="100000"/>
+              </a:lnSpc>
+              <a:spcBef>
+                <a:spcPct val="0"/>
+              </a:spcBef>
+              <a:spcAft>
+                <a:spcPct val="0"/>
+              </a:spcAft>
+              <a:buClrTx/>
+              <a:buSzTx/>
+              <a:buFontTx/>
+              <a:buNone/>
+              <a:tabLst/>
+            </a:pPr>
+            <a:endParaRPr kumimoji="0" lang="en-US" sz="2400" b="0" i="0" u="none" strike="noStrike" cap="none" normalizeH="0" baseline="0">
+              <a:ln>
+                <a:noFill/>
+              </a:ln>
+              <a:solidFill>
+                <a:srgbClr val="000000"/>
+              </a:solidFill>
+              <a:effectLst/>
+              <a:latin typeface="Arial" charset="0"/>
+              <a:ea typeface="ＭＳ Ｐゴシック" charset="0"/>
+              <a:cs typeface="ＭＳ Ｐゴシック" charset="0"/>
+            </a:endParaRPr>
+          </a:p>
+        </p:txBody>
+      </p:sp>
+      <p:sp>
+        <p:nvSpPr>
+          <p:cNvPr id="3" name="CasellaDiTesto 2">
+            <a:extLst>
+              <a:ext uri="{FF2B5EF4-FFF2-40B4-BE49-F238E27FC236}">
+                <a16:creationId xmlns:a16="http://schemas.microsoft.com/office/drawing/2014/main" id="{281C1D18-DEC9-10E9-FBD6-1C6BBD6B8F75}"/>
+              </a:ext>
+            </a:extLst>
+          </p:cNvPr>
+          <p:cNvSpPr txBox="1"/>
+          <p:nvPr/>
+        </p:nvSpPr>
+        <p:spPr>
+          <a:xfrm>
+            <a:off x="3137412" y="1484784"/>
+            <a:ext cx="2760639" cy="400110"/>
+          </a:xfrm>
+          <a:prstGeom prst="rect">
+            <a:avLst/>
+          </a:prstGeom>
+          <a:noFill/>
+        </p:spPr>
+        <p:txBody>
+          <a:bodyPr wrap="square" rtlCol="0">
+            <a:spAutoFit/>
+          </a:bodyPr>
+          <a:lstStyle/>
+          <a:p>
+            <a:pPr algn="ctr">
+              <a:buClr>
+                <a:schemeClr val="tx1"/>
+              </a:buClr>
+            </a:pPr>
+            <a:r>
+              <a:rPr lang="en-US" sz="2000" b="1" dirty="0">
+                <a:solidFill>
+                  <a:srgbClr val="000000"/>
+                </a:solidFill>
+              </a:rPr>
+              <a:t>Train and test losses</a:t>
+            </a:r>
+          </a:p>
+        </p:txBody>
+      </p:sp>
+      <p:grpSp>
+        <p:nvGrpSpPr>
+          <p:cNvPr id="4" name="Gruppo 3">
+            <a:extLst>
+              <a:ext uri="{FF2B5EF4-FFF2-40B4-BE49-F238E27FC236}">
+                <a16:creationId xmlns:a16="http://schemas.microsoft.com/office/drawing/2014/main" id="{79928A18-A335-E9E4-7CCE-517BA6AEFE53}"/>
+              </a:ext>
+            </a:extLst>
+          </p:cNvPr>
+          <p:cNvGrpSpPr/>
+          <p:nvPr/>
+        </p:nvGrpSpPr>
+        <p:grpSpPr>
+          <a:xfrm>
+            <a:off x="423697" y="1935489"/>
+            <a:ext cx="8253935" cy="2987023"/>
+            <a:chOff x="235835" y="2204864"/>
+            <a:chExt cx="8253935" cy="2987023"/>
+          </a:xfrm>
+        </p:grpSpPr>
+        <p:pic>
+          <p:nvPicPr>
+            <p:cNvPr id="5" name="Immagine 4">
+              <a:extLst>
+                <a:ext uri="{FF2B5EF4-FFF2-40B4-BE49-F238E27FC236}">
+                  <a16:creationId xmlns:a16="http://schemas.microsoft.com/office/drawing/2014/main" id="{3BB0FCE1-D92B-BFA3-A2DB-5D292CC5D3CC}"/>
+                </a:ext>
+              </a:extLst>
+            </p:cNvPr>
+            <p:cNvPicPr>
+              <a:picLocks noChangeAspect="1"/>
+            </p:cNvPicPr>
+            <p:nvPr/>
+          </p:nvPicPr>
+          <p:blipFill>
+            <a:blip r:embed="rId2"/>
+            <a:srcRect/>
+            <a:stretch/>
+          </p:blipFill>
+          <p:spPr>
+            <a:xfrm>
+              <a:off x="235835" y="2283063"/>
+              <a:ext cx="3860853" cy="2880320"/>
+            </a:xfrm>
+            <a:prstGeom prst="rect">
+              <a:avLst/>
+            </a:prstGeom>
+          </p:spPr>
+        </p:pic>
+        <p:pic>
+          <p:nvPicPr>
+            <p:cNvPr id="6" name="Immagine 5">
+              <a:extLst>
+                <a:ext uri="{FF2B5EF4-FFF2-40B4-BE49-F238E27FC236}">
+                  <a16:creationId xmlns:a16="http://schemas.microsoft.com/office/drawing/2014/main" id="{EDDDDBF1-E031-AFCD-4D5C-F405DFC03CE9}"/>
+                </a:ext>
+              </a:extLst>
+            </p:cNvPr>
+            <p:cNvPicPr>
+              <a:picLocks noChangeAspect="1"/>
+            </p:cNvPicPr>
+            <p:nvPr/>
+          </p:nvPicPr>
+          <p:blipFill>
+            <a:blip r:embed="rId3"/>
+            <a:srcRect/>
+            <a:stretch/>
+          </p:blipFill>
+          <p:spPr>
+            <a:xfrm>
+              <a:off x="4485889" y="2204864"/>
+              <a:ext cx="4003881" cy="2987023"/>
+            </a:xfrm>
+            <a:prstGeom prst="rect">
+              <a:avLst/>
+            </a:prstGeom>
+          </p:spPr>
+        </p:pic>
+      </p:grpSp>
+    </p:spTree>
+    <p:extLst>
+      <p:ext uri="{BB962C8B-B14F-4D97-AF65-F5344CB8AC3E}">
+        <p14:creationId xmlns:p14="http://schemas.microsoft.com/office/powerpoint/2010/main" val="310692301"/>
+      </p:ext>
+    </p:extLst>
+  </p:cSld>
+  <p:clrMapOvr>
+    <a:masterClrMapping/>
+  </p:clrMapOvr>
+</p:sld>
+</file>
+
 <file path=ppt/slides/slide2.xml><?xml version="1.0" encoding="utf-8"?>
 <p:sld xmlns:a="http://schemas.openxmlformats.org/drawingml/2006/main" xmlns:r="http://schemas.openxmlformats.org/officeDocument/2006/relationships" xmlns:p="http://schemas.openxmlformats.org/presentationml/2006/main">
   <p:cSld>
@@ -13865,14 +12352,14 @@
           <a:effectLst/>
           <a:extLst>
             <a:ext uri="{909E8E84-426E-40dd-AFC4-6F175D3DCCD1}">
-              <a14:hiddenFill xmlns:a14="http://schemas.microsoft.com/office/drawing/2010/main" xmlns="">
+              <a14:hiddenFill xmlns="" xmlns:a14="http://schemas.microsoft.com/office/drawing/2010/main">
                 <a:solidFill>
                   <a:schemeClr val="accent1"/>
                 </a:solidFill>
               </a14:hiddenFill>
             </a:ext>
             <a:ext uri="{91240B29-F687-4f45-9708-019B960494DF}">
-              <a14:hiddenLine xmlns:a14="http://schemas.microsoft.com/office/drawing/2010/main" xmlns="" w="9525" cap="flat" cmpd="sng" algn="ctr">
+              <a14:hiddenLine xmlns="" xmlns:a14="http://schemas.microsoft.com/office/drawing/2010/main" w="9525" cap="flat" cmpd="sng" algn="ctr">
                 <a:solidFill>
                   <a:schemeClr val="tx1"/>
                 </a:solidFill>
@@ -13883,7 +12370,7 @@
               </a14:hiddenLine>
             </a:ext>
             <a:ext uri="{AF507438-7753-43e0-B8FC-AC1667EBCBE1}">
-              <a14:hiddenEffects xmlns:a14="http://schemas.microsoft.com/office/drawing/2010/main" xmlns="">
+              <a14:hiddenEffects xmlns="" xmlns:a14="http://schemas.microsoft.com/office/drawing/2010/main">
                 <a:effectLst>
                   <a:outerShdw blurRad="63500" dist="38099" dir="2700000" algn="ctr" rotWithShape="0">
                     <a:srgbClr val="000000">
@@ -14046,14 +12533,14 @@
             <a:effectLst/>
             <a:extLst>
               <a:ext uri="{909E8E84-426E-40dd-AFC4-6F175D3DCCD1}">
-                <a14:hiddenFill xmlns:a14="http://schemas.microsoft.com/office/drawing/2010/main" xmlns="">
+                <a14:hiddenFill xmlns="" xmlns:a14="http://schemas.microsoft.com/office/drawing/2010/main">
                   <a:solidFill>
                     <a:schemeClr val="accent1"/>
                   </a:solidFill>
                 </a14:hiddenFill>
               </a:ext>
               <a:ext uri="{91240B29-F687-4f45-9708-019B960494DF}">
-                <a14:hiddenLine xmlns:a14="http://schemas.microsoft.com/office/drawing/2010/main" xmlns="" w="9525" cap="flat" cmpd="sng" algn="ctr">
+                <a14:hiddenLine xmlns="" xmlns:a14="http://schemas.microsoft.com/office/drawing/2010/main" w="9525" cap="flat" cmpd="sng" algn="ctr">
                   <a:solidFill>
                     <a:schemeClr val="tx1"/>
                   </a:solidFill>
@@ -14064,7 +12551,7 @@
                 </a14:hiddenLine>
               </a:ext>
               <a:ext uri="{AF507438-7753-43e0-B8FC-AC1667EBCBE1}">
-                <a14:hiddenEffects xmlns:a14="http://schemas.microsoft.com/office/drawing/2010/main" xmlns="">
+                <a14:hiddenEffects xmlns="" xmlns:a14="http://schemas.microsoft.com/office/drawing/2010/main">
                   <a:effectLst>
                     <a:outerShdw blurRad="63500" dist="38099" dir="2700000" algn="ctr" rotWithShape="0">
                       <a:srgbClr val="000000">
@@ -14191,8 +12678,21 @@
                   <a:srgbClr val="000000"/>
                 </a:solidFill>
               </a:rPr>
-              <a:t>D’Alembert, Hamilton, </a:t>
+              <a:t>D’Alembert</a:t>
             </a:r>
+            <a:r>
+              <a:rPr lang="en-US" sz="2000">
+                <a:solidFill>
+                  <a:srgbClr val="000000"/>
+                </a:solidFill>
+              </a:rPr>
+              <a:t>, Hamilton </a:t>
+            </a:r>
+            <a:endParaRPr lang="en-US" sz="2000" dirty="0">
+              <a:solidFill>
+                <a:srgbClr val="000000"/>
+              </a:solidFill>
+            </a:endParaRPr>
           </a:p>
           <a:p>
             <a:pPr marL="800100" lvl="1" indent="-342900">
@@ -14329,14 +12829,14 @@
           </a:ln>
           <a:extLst>
             <a:ext uri="{909E8E84-426E-40dd-AFC4-6F175D3DCCD1}">
-              <a14:hiddenFill xmlns:a14="http://schemas.microsoft.com/office/drawing/2010/main" xmlns="">
+              <a14:hiddenFill xmlns="" xmlns:a14="http://schemas.microsoft.com/office/drawing/2010/main">
                 <a:solidFill>
                   <a:schemeClr val="accent1"/>
                 </a:solidFill>
               </a14:hiddenFill>
             </a:ext>
             <a:ext uri="{91240B29-F687-4f45-9708-019B960494DF}">
-              <a14:hiddenLine xmlns:a14="http://schemas.microsoft.com/office/drawing/2010/main" xmlns="" w="9525" cap="flat" cmpd="sng" algn="ctr">
+              <a14:hiddenLine xmlns="" xmlns:a14="http://schemas.microsoft.com/office/drawing/2010/main" w="9525" cap="flat" cmpd="sng" algn="ctr">
                 <a:solidFill>
                   <a:schemeClr val="tx1"/>
                 </a:solidFill>
@@ -14347,7 +12847,7 @@
               </a14:hiddenLine>
             </a:ext>
             <a:ext uri="{AF507438-7753-43e0-B8FC-AC1667EBCBE1}">
-              <a14:hiddenEffects xmlns:a14="http://schemas.microsoft.com/office/drawing/2010/main" xmlns="">
+              <a14:hiddenEffects xmlns="" xmlns:a14="http://schemas.microsoft.com/office/drawing/2010/main">
                 <a:effectLst>
                   <a:outerShdw blurRad="63500" dist="38099" dir="2700000" algn="ctr" rotWithShape="0">
                     <a:srgbClr val="000000">
@@ -14401,14 +12901,14 @@
           </a:ln>
           <a:extLst>
             <a:ext uri="{909E8E84-426E-40dd-AFC4-6F175D3DCCD1}">
-              <a14:hiddenFill xmlns:a14="http://schemas.microsoft.com/office/drawing/2010/main" xmlns="">
+              <a14:hiddenFill xmlns="" xmlns:a14="http://schemas.microsoft.com/office/drawing/2010/main">
                 <a:solidFill>
                   <a:schemeClr val="accent1"/>
                 </a:solidFill>
               </a14:hiddenFill>
             </a:ext>
             <a:ext uri="{91240B29-F687-4f45-9708-019B960494DF}">
-              <a14:hiddenLine xmlns:a14="http://schemas.microsoft.com/office/drawing/2010/main" xmlns="" w="9525" cap="flat" cmpd="sng" algn="ctr">
+              <a14:hiddenLine xmlns="" xmlns:a14="http://schemas.microsoft.com/office/drawing/2010/main" w="9525" cap="flat" cmpd="sng" algn="ctr">
                 <a:solidFill>
                   <a:schemeClr val="tx1"/>
                 </a:solidFill>
@@ -14419,7 +12919,7 @@
               </a14:hiddenLine>
             </a:ext>
             <a:ext uri="{AF507438-7753-43e0-B8FC-AC1667EBCBE1}">
-              <a14:hiddenEffects xmlns:a14="http://schemas.microsoft.com/office/drawing/2010/main" xmlns="">
+              <a14:hiddenEffects xmlns="" xmlns:a14="http://schemas.microsoft.com/office/drawing/2010/main">
                 <a:effectLst>
                   <a:outerShdw blurRad="63500" dist="38099" dir="2700000" algn="ctr" rotWithShape="0">
                     <a:srgbClr val="000000">
@@ -14690,7 +13190,7 @@
                 <a:latin typeface="Calibri" panose="020F0502020204030204" pitchFamily="34" charset="0"/>
                 <a:ea typeface="ＭＳ Ｐゴシック" panose="020B0600070205080204" pitchFamily="34" charset="-128"/>
               </a:rPr>
-              <a:t>ELASTIC CASE – CONFIGURATION A</a:t>
+              <a:t>ELASTIC CASE – SIMULATION 1</a:t>
             </a:r>
           </a:p>
         </p:txBody>
@@ -14741,474 +13241,6 @@
             </a:ext>
             <a:ext uri="{AF507438-7753-43e0-B8FC-AC1667EBCBE1}">
               <a14:hiddenEffects xmlns:a14="http://schemas.microsoft.com/office/drawing/2010/main" xmlns="">
-                <a:effectLst>
-                  <a:outerShdw blurRad="63500" dist="38099" dir="2700000" algn="ctr" rotWithShape="0">
-                    <a:srgbClr val="000000">
-                      <a:alpha val="74998"/>
-                    </a:srgbClr>
-                  </a:outerShdw>
-                </a:effectLst>
-              </a14:hiddenEffects>
-            </a:ext>
-          </a:extLst>
-        </p:spPr>
-        <p:txBody>
-          <a:bodyPr vert="horz" wrap="square" lIns="91440" tIns="45720" rIns="91440" bIns="45720" numCol="1" rtlCol="0" anchor="t" anchorCtr="0" compatLnSpc="1">
-            <a:prstTxWarp prst="textNoShape">
-              <a:avLst/>
-            </a:prstTxWarp>
-          </a:bodyPr>
-          <a:lstStyle/>
-          <a:p>
-            <a:pPr marL="0" marR="0" indent="0" algn="l" defTabSz="914400" rtl="0" eaLnBrk="0" fontAlgn="base" latinLnBrk="0" hangingPunct="0">
-              <a:lnSpc>
-                <a:spcPct val="100000"/>
-              </a:lnSpc>
-              <a:spcBef>
-                <a:spcPct val="0"/>
-              </a:spcBef>
-              <a:spcAft>
-                <a:spcPct val="0"/>
-              </a:spcAft>
-              <a:buClrTx/>
-              <a:buSzTx/>
-              <a:buFontTx/>
-              <a:buNone/>
-              <a:tabLst/>
-            </a:pPr>
-            <a:endParaRPr kumimoji="0" lang="en-US" sz="2400" b="0" i="0" u="none" strike="noStrike" cap="none" normalizeH="0" baseline="0">
-              <a:ln>
-                <a:noFill/>
-              </a:ln>
-              <a:solidFill>
-                <a:srgbClr val="000000"/>
-              </a:solidFill>
-              <a:effectLst/>
-              <a:latin typeface="Arial" charset="0"/>
-              <a:ea typeface="ＭＳ Ｐゴシック" charset="0"/>
-              <a:cs typeface="ＭＳ Ｐゴシック" charset="0"/>
-            </a:endParaRPr>
-          </a:p>
-        </p:txBody>
-      </p:sp>
-      <p:sp>
-        <p:nvSpPr>
-          <p:cNvPr id="3" name="CasellaDiTesto 2">
-            <a:extLst>
-              <a:ext uri="{FF2B5EF4-FFF2-40B4-BE49-F238E27FC236}">
-                <a16:creationId xmlns:a16="http://schemas.microsoft.com/office/drawing/2014/main" id="{281C1D18-DEC9-10E9-FBD6-1C6BBD6B8F75}"/>
-              </a:ext>
-            </a:extLst>
-          </p:cNvPr>
-          <p:cNvSpPr txBox="1"/>
-          <p:nvPr/>
-        </p:nvSpPr>
-        <p:spPr>
-          <a:xfrm>
-            <a:off x="3137412" y="1484784"/>
-            <a:ext cx="2760639" cy="400110"/>
-          </a:xfrm>
-          <a:prstGeom prst="rect">
-            <a:avLst/>
-          </a:prstGeom>
-          <a:noFill/>
-        </p:spPr>
-        <p:txBody>
-          <a:bodyPr wrap="square" rtlCol="0">
-            <a:spAutoFit/>
-          </a:bodyPr>
-          <a:lstStyle/>
-          <a:p>
-            <a:pPr algn="ctr">
-              <a:buClr>
-                <a:schemeClr val="tx1"/>
-              </a:buClr>
-            </a:pPr>
-            <a:r>
-              <a:rPr lang="en-US" sz="2000" b="1" dirty="0">
-                <a:solidFill>
-                  <a:srgbClr val="000000"/>
-                </a:solidFill>
-              </a:rPr>
-              <a:t>Train and test losses</a:t>
-            </a:r>
-          </a:p>
-        </p:txBody>
-      </p:sp>
-      <p:grpSp>
-        <p:nvGrpSpPr>
-          <p:cNvPr id="4" name="Gruppo 3">
-            <a:extLst>
-              <a:ext uri="{FF2B5EF4-FFF2-40B4-BE49-F238E27FC236}">
-                <a16:creationId xmlns:a16="http://schemas.microsoft.com/office/drawing/2014/main" id="{79928A18-A335-E9E4-7CCE-517BA6AEFE53}"/>
-              </a:ext>
-            </a:extLst>
-          </p:cNvPr>
-          <p:cNvGrpSpPr/>
-          <p:nvPr/>
-        </p:nvGrpSpPr>
-        <p:grpSpPr>
-          <a:xfrm>
-            <a:off x="423697" y="1935489"/>
-            <a:ext cx="8253935" cy="2987023"/>
-            <a:chOff x="235835" y="2204864"/>
-            <a:chExt cx="8253935" cy="2987023"/>
-          </a:xfrm>
-        </p:grpSpPr>
-        <p:pic>
-          <p:nvPicPr>
-            <p:cNvPr id="5" name="Immagine 4">
-              <a:extLst>
-                <a:ext uri="{FF2B5EF4-FFF2-40B4-BE49-F238E27FC236}">
-                  <a16:creationId xmlns:a16="http://schemas.microsoft.com/office/drawing/2014/main" id="{3BB0FCE1-D92B-BFA3-A2DB-5D292CC5D3CC}"/>
-                </a:ext>
-              </a:extLst>
-            </p:cNvPr>
-            <p:cNvPicPr>
-              <a:picLocks noChangeAspect="1"/>
-            </p:cNvPicPr>
-            <p:nvPr/>
-          </p:nvPicPr>
-          <p:blipFill>
-            <a:blip r:embed="rId2"/>
-            <a:srcRect/>
-            <a:stretch/>
-          </p:blipFill>
-          <p:spPr>
-            <a:xfrm>
-              <a:off x="235835" y="2283063"/>
-              <a:ext cx="3860853" cy="2880320"/>
-            </a:xfrm>
-            <a:prstGeom prst="rect">
-              <a:avLst/>
-            </a:prstGeom>
-          </p:spPr>
-        </p:pic>
-        <p:pic>
-          <p:nvPicPr>
-            <p:cNvPr id="6" name="Immagine 5">
-              <a:extLst>
-                <a:ext uri="{FF2B5EF4-FFF2-40B4-BE49-F238E27FC236}">
-                  <a16:creationId xmlns:a16="http://schemas.microsoft.com/office/drawing/2014/main" id="{EDDDDBF1-E031-AFCD-4D5C-F405DFC03CE9}"/>
-                </a:ext>
-              </a:extLst>
-            </p:cNvPr>
-            <p:cNvPicPr>
-              <a:picLocks noChangeAspect="1"/>
-            </p:cNvPicPr>
-            <p:nvPr/>
-          </p:nvPicPr>
-          <p:blipFill>
-            <a:blip r:embed="rId3"/>
-            <a:srcRect/>
-            <a:stretch/>
-          </p:blipFill>
-          <p:spPr>
-            <a:xfrm>
-              <a:off x="4485889" y="2204864"/>
-              <a:ext cx="4003881" cy="2987023"/>
-            </a:xfrm>
-            <a:prstGeom prst="rect">
-              <a:avLst/>
-            </a:prstGeom>
-          </p:spPr>
-        </p:pic>
-      </p:grpSp>
-    </p:spTree>
-    <p:extLst>
-      <p:ext uri="{BB962C8B-B14F-4D97-AF65-F5344CB8AC3E}">
-        <p14:creationId xmlns:p14="http://schemas.microsoft.com/office/powerpoint/2010/main" val="310692301"/>
-      </p:ext>
-    </p:extLst>
-  </p:cSld>
-  <p:clrMapOvr>
-    <a:masterClrMapping/>
-  </p:clrMapOvr>
-</p:sld>
-</file>
-
-<file path=ppt/slides/slide21.xml><?xml version="1.0" encoding="utf-8"?>
-<p:sld xmlns:a="http://schemas.openxmlformats.org/drawingml/2006/main" xmlns:r="http://schemas.openxmlformats.org/officeDocument/2006/relationships" xmlns:p="http://schemas.openxmlformats.org/presentationml/2006/main">
-  <p:cSld>
-    <p:spTree>
-      <p:nvGrpSpPr>
-        <p:cNvPr id="1" name=""/>
-        <p:cNvGrpSpPr/>
-        <p:nvPr/>
-      </p:nvGrpSpPr>
-      <p:grpSpPr>
-        <a:xfrm>
-          <a:off x="0" y="0"/>
-          <a:ext cx="0" cy="0"/>
-          <a:chOff x="0" y="0"/>
-          <a:chExt cx="0" cy="0"/>
-        </a:xfrm>
-      </p:grpSpPr>
-      <p:sp>
-        <p:nvSpPr>
-          <p:cNvPr id="2" name="Titolo 1">
-            <a:extLst>
-              <a:ext uri="{FF2B5EF4-FFF2-40B4-BE49-F238E27FC236}">
-                <a16:creationId xmlns:a16="http://schemas.microsoft.com/office/drawing/2014/main" id="{AFEFEAD0-5246-726C-3122-EF9AE58FAC80}"/>
-              </a:ext>
-            </a:extLst>
-          </p:cNvPr>
-          <p:cNvSpPr txBox="1">
-            <a:spLocks noChangeArrowheads="1"/>
-          </p:cNvSpPr>
-          <p:nvPr/>
-        </p:nvSpPr>
-        <p:spPr bwMode="auto">
-          <a:xfrm>
-            <a:off x="3015163" y="253099"/>
-            <a:ext cx="5724624" cy="482108"/>
-          </a:xfrm>
-          <a:prstGeom prst="rect">
-            <a:avLst/>
-          </a:prstGeom>
-          <a:ln w="9525" cap="flat" cmpd="sng" algn="ctr">
-            <a:solidFill>
-              <a:schemeClr val="dk1"/>
-            </a:solidFill>
-            <a:prstDash val="solid"/>
-            <a:round/>
-            <a:headEnd type="none" w="med" len="med"/>
-            <a:tailEnd type="none" w="med" len="med"/>
-          </a:ln>
-          <a:extLst>
-            <a:ext uri="{909E8E84-426E-40DD-AFC4-6F175D3DCCD1}">
-              <a14:hiddenFill xmlns:a14="http://schemas.microsoft.com/office/drawing/2010/main">
-                <a:solidFill>
-                  <a:schemeClr val="accent1"/>
-                </a:solidFill>
-              </a14:hiddenFill>
-            </a:ext>
-          </a:extLst>
-        </p:spPr>
-        <p:style>
-          <a:lnRef idx="0">
-            <a:scrgbClr r="0" g="0" b="0"/>
-          </a:lnRef>
-          <a:fillRef idx="0">
-            <a:scrgbClr r="0" g="0" b="0"/>
-          </a:fillRef>
-          <a:effectRef idx="0">
-            <a:scrgbClr r="0" g="0" b="0"/>
-          </a:effectRef>
-          <a:fontRef idx="minor">
-            <a:schemeClr val="dk1"/>
-          </a:fontRef>
-        </p:style>
-        <p:txBody>
-          <a:bodyPr vert="horz" wrap="square" lIns="91440" tIns="45720" rIns="91440" bIns="45720" numCol="1" anchor="ctr" anchorCtr="0" compatLnSpc="1">
-            <a:prstTxWarp prst="textNoShape">
-              <a:avLst/>
-            </a:prstTxWarp>
-          </a:bodyPr>
-          <a:lstStyle>
-            <a:lvl1pPr algn="l" rtl="0" eaLnBrk="0" fontAlgn="base" hangingPunct="0">
-              <a:spcBef>
-                <a:spcPct val="0"/>
-              </a:spcBef>
-              <a:spcAft>
-                <a:spcPct val="0"/>
-              </a:spcAft>
-              <a:defRPr sz="2400" b="1">
-                <a:solidFill>
-                  <a:schemeClr val="dk1"/>
-                </a:solidFill>
-                <a:latin typeface="+mn-lt"/>
-                <a:ea typeface="+mn-ea"/>
-                <a:cs typeface="+mn-cs"/>
-              </a:defRPr>
-            </a:lvl1pPr>
-            <a:lvl2pPr algn="l" rtl="0" eaLnBrk="0" fontAlgn="base" hangingPunct="0">
-              <a:spcBef>
-                <a:spcPct val="0"/>
-              </a:spcBef>
-              <a:spcAft>
-                <a:spcPct val="0"/>
-              </a:spcAft>
-              <a:defRPr sz="2400" b="1">
-                <a:solidFill>
-                  <a:schemeClr val="dk1"/>
-                </a:solidFill>
-                <a:latin typeface="+mn-lt"/>
-                <a:ea typeface="+mn-ea"/>
-                <a:cs typeface="+mn-cs"/>
-              </a:defRPr>
-            </a:lvl2pPr>
-            <a:lvl3pPr algn="l" rtl="0" eaLnBrk="0" fontAlgn="base" hangingPunct="0">
-              <a:spcBef>
-                <a:spcPct val="0"/>
-              </a:spcBef>
-              <a:spcAft>
-                <a:spcPct val="0"/>
-              </a:spcAft>
-              <a:defRPr sz="2400" b="1">
-                <a:solidFill>
-                  <a:schemeClr val="dk1"/>
-                </a:solidFill>
-                <a:latin typeface="+mn-lt"/>
-                <a:ea typeface="+mn-ea"/>
-                <a:cs typeface="+mn-cs"/>
-              </a:defRPr>
-            </a:lvl3pPr>
-            <a:lvl4pPr algn="l" rtl="0" eaLnBrk="0" fontAlgn="base" hangingPunct="0">
-              <a:spcBef>
-                <a:spcPct val="0"/>
-              </a:spcBef>
-              <a:spcAft>
-                <a:spcPct val="0"/>
-              </a:spcAft>
-              <a:defRPr sz="2400" b="1">
-                <a:solidFill>
-                  <a:schemeClr val="dk1"/>
-                </a:solidFill>
-                <a:latin typeface="+mn-lt"/>
-                <a:ea typeface="+mn-ea"/>
-                <a:cs typeface="+mn-cs"/>
-              </a:defRPr>
-            </a:lvl4pPr>
-            <a:lvl5pPr algn="l" rtl="0" eaLnBrk="0" fontAlgn="base" hangingPunct="0">
-              <a:spcBef>
-                <a:spcPct val="0"/>
-              </a:spcBef>
-              <a:spcAft>
-                <a:spcPct val="0"/>
-              </a:spcAft>
-              <a:defRPr sz="2400" b="1">
-                <a:solidFill>
-                  <a:schemeClr val="dk1"/>
-                </a:solidFill>
-                <a:latin typeface="+mn-lt"/>
-                <a:ea typeface="+mn-ea"/>
-                <a:cs typeface="+mn-cs"/>
-              </a:defRPr>
-            </a:lvl5pPr>
-            <a:lvl6pPr marL="457200" algn="l" rtl="0" eaLnBrk="1" fontAlgn="base" hangingPunct="1">
-              <a:spcBef>
-                <a:spcPct val="0"/>
-              </a:spcBef>
-              <a:spcAft>
-                <a:spcPct val="0"/>
-              </a:spcAft>
-              <a:defRPr sz="2400" b="1">
-                <a:solidFill>
-                  <a:schemeClr val="dk1"/>
-                </a:solidFill>
-                <a:latin typeface="+mn-lt"/>
-                <a:ea typeface="+mn-ea"/>
-                <a:cs typeface="+mn-cs"/>
-              </a:defRPr>
-            </a:lvl6pPr>
-            <a:lvl7pPr marL="914400" algn="l" rtl="0" eaLnBrk="1" fontAlgn="base" hangingPunct="1">
-              <a:spcBef>
-                <a:spcPct val="0"/>
-              </a:spcBef>
-              <a:spcAft>
-                <a:spcPct val="0"/>
-              </a:spcAft>
-              <a:defRPr sz="2400" b="1">
-                <a:solidFill>
-                  <a:schemeClr val="dk1"/>
-                </a:solidFill>
-                <a:latin typeface="+mn-lt"/>
-                <a:ea typeface="+mn-ea"/>
-                <a:cs typeface="+mn-cs"/>
-              </a:defRPr>
-            </a:lvl7pPr>
-            <a:lvl8pPr marL="1371600" algn="l" rtl="0" eaLnBrk="1" fontAlgn="base" hangingPunct="1">
-              <a:spcBef>
-                <a:spcPct val="0"/>
-              </a:spcBef>
-              <a:spcAft>
-                <a:spcPct val="0"/>
-              </a:spcAft>
-              <a:defRPr sz="2400" b="1">
-                <a:solidFill>
-                  <a:schemeClr val="dk1"/>
-                </a:solidFill>
-                <a:latin typeface="+mn-lt"/>
-                <a:ea typeface="+mn-ea"/>
-                <a:cs typeface="+mn-cs"/>
-              </a:defRPr>
-            </a:lvl8pPr>
-            <a:lvl9pPr marL="1828800" algn="l" rtl="0" eaLnBrk="1" fontAlgn="base" hangingPunct="1">
-              <a:spcBef>
-                <a:spcPct val="0"/>
-              </a:spcBef>
-              <a:spcAft>
-                <a:spcPct val="0"/>
-              </a:spcAft>
-              <a:defRPr sz="2400" b="1">
-                <a:solidFill>
-                  <a:schemeClr val="dk1"/>
-                </a:solidFill>
-                <a:latin typeface="+mn-lt"/>
-                <a:ea typeface="+mn-ea"/>
-                <a:cs typeface="+mn-cs"/>
-              </a:defRPr>
-            </a:lvl9pPr>
-          </a:lstStyle>
-          <a:p>
-            <a:pPr algn="ctr"/>
-            <a:r>
-              <a:rPr lang="it-IT" altLang="it-IT" kern="0" dirty="0">
-                <a:latin typeface="Calibri" panose="020F0502020204030204" pitchFamily="34" charset="0"/>
-                <a:ea typeface="ＭＳ Ｐゴシック" panose="020B0600070205080204" pitchFamily="34" charset="-128"/>
-              </a:rPr>
-              <a:t>ELASTIC CASE – SIMULATION 1</a:t>
-            </a:r>
-          </a:p>
-        </p:txBody>
-      </p:sp>
-      <p:sp>
-        <p:nvSpPr>
-          <p:cNvPr id="10" name="Rettangolo 9">
-            <a:extLst>
-              <a:ext uri="{FF2B5EF4-FFF2-40B4-BE49-F238E27FC236}">
-                <a16:creationId xmlns:a16="http://schemas.microsoft.com/office/drawing/2014/main" id="{31D3E094-59FA-DA3E-B010-C99084F3614D}"/>
-              </a:ext>
-            </a:extLst>
-          </p:cNvPr>
-          <p:cNvSpPr/>
-          <p:nvPr/>
-        </p:nvSpPr>
-        <p:spPr bwMode="auto">
-          <a:xfrm>
-            <a:off x="1691680" y="4509120"/>
-            <a:ext cx="432048" cy="792088"/>
-          </a:xfrm>
-          <a:prstGeom prst="rect">
-            <a:avLst/>
-          </a:prstGeom>
-          <a:noFill/>
-          <a:ln>
-            <a:noFill/>
-          </a:ln>
-          <a:effectLst/>
-          <a:extLst>
-            <a:ext uri="{909E8E84-426E-40dd-AFC4-6F175D3DCCD1}">
-              <a14:hiddenFill xmlns="" xmlns:a14="http://schemas.microsoft.com/office/drawing/2010/main">
-                <a:solidFill>
-                  <a:schemeClr val="accent1"/>
-                </a:solidFill>
-              </a14:hiddenFill>
-            </a:ext>
-            <a:ext uri="{91240B29-F687-4f45-9708-019B960494DF}">
-              <a14:hiddenLine xmlns="" xmlns:a14="http://schemas.microsoft.com/office/drawing/2010/main" w="9525" cap="flat" cmpd="sng" algn="ctr">
-                <a:solidFill>
-                  <a:schemeClr val="tx1"/>
-                </a:solidFill>
-                <a:prstDash val="solid"/>
-                <a:round/>
-                <a:headEnd type="none" w="med" len="med"/>
-                <a:tailEnd type="none" w="med" len="med"/>
-              </a14:hiddenLine>
-            </a:ext>
-            <a:ext uri="{AF507438-7753-43e0-B8FC-AC1667EBCBE1}">
-              <a14:hiddenEffects xmlns="" xmlns:a14="http://schemas.microsoft.com/office/drawing/2010/main">
                 <a:effectLst>
                   <a:outerShdw blurRad="63500" dist="38099" dir="2700000" algn="ctr" rotWithShape="0">
                     <a:srgbClr val="000000">
@@ -15332,8 +13364,8 @@
           </a:p>
         </p:txBody>
       </p:sp>
-      <mc:AlternateContent xmlns:mc="http://schemas.openxmlformats.org/markup-compatibility/2006">
-        <mc:Choice xmlns:a14="http://schemas.microsoft.com/office/drawing/2010/main" Requires="a14">
+      <mc:AlternateContent xmlns:mc="http://schemas.openxmlformats.org/markup-compatibility/2006" xmlns:a14="http://schemas.microsoft.com/office/drawing/2010/main">
+        <mc:Choice Requires="a14">
           <p:sp>
             <p:nvSpPr>
               <p:cNvPr id="5" name="CasellaDiTesto 4">
@@ -15779,7 +13811,7 @@
             </p:txBody>
           </p:sp>
         </mc:Choice>
-        <mc:Fallback>
+        <mc:Fallback xmlns="">
           <p:sp>
             <p:nvSpPr>
               <p:cNvPr id="5" name="CasellaDiTesto 4">
@@ -15849,7 +13881,7 @@
 </p:sld>
 </file>
 
-<file path=ppt/slides/slide22.xml><?xml version="1.0" encoding="utf-8"?>
+<file path=ppt/slides/slide21.xml><?xml version="1.0" encoding="utf-8"?>
 <p:sld xmlns:a="http://schemas.openxmlformats.org/drawingml/2006/main" xmlns:r="http://schemas.openxmlformats.org/officeDocument/2006/relationships" xmlns:p="http://schemas.openxmlformats.org/presentationml/2006/main">
   <p:cSld>
     <p:spTree>
@@ -16112,14 +14144,14 @@
           <a:effectLst/>
           <a:extLst>
             <a:ext uri="{909E8E84-426E-40dd-AFC4-6F175D3DCCD1}">
-              <a14:hiddenFill xmlns:a14="http://schemas.microsoft.com/office/drawing/2010/main" xmlns="">
+              <a14:hiddenFill xmlns="" xmlns:a14="http://schemas.microsoft.com/office/drawing/2010/main">
                 <a:solidFill>
                   <a:schemeClr val="accent1"/>
                 </a:solidFill>
               </a14:hiddenFill>
             </a:ext>
             <a:ext uri="{91240B29-F687-4f45-9708-019B960494DF}">
-              <a14:hiddenLine xmlns:a14="http://schemas.microsoft.com/office/drawing/2010/main" xmlns="" w="9525" cap="flat" cmpd="sng" algn="ctr">
+              <a14:hiddenLine xmlns="" xmlns:a14="http://schemas.microsoft.com/office/drawing/2010/main" w="9525" cap="flat" cmpd="sng" algn="ctr">
                 <a:solidFill>
                   <a:schemeClr val="tx1"/>
                 </a:solidFill>
@@ -16130,7 +14162,7 @@
               </a14:hiddenLine>
             </a:ext>
             <a:ext uri="{AF507438-7753-43e0-B8FC-AC1667EBCBE1}">
-              <a14:hiddenEffects xmlns:a14="http://schemas.microsoft.com/office/drawing/2010/main" xmlns="">
+              <a14:hiddenEffects xmlns="" xmlns:a14="http://schemas.microsoft.com/office/drawing/2010/main">
                 <a:effectLst>
                   <a:outerShdw blurRad="63500" dist="38099" dir="2700000" algn="ctr" rotWithShape="0">
                     <a:srgbClr val="000000">
@@ -16273,7 +14305,7 @@
 </p:sld>
 </file>
 
-<file path=ppt/slides/slide23.xml><?xml version="1.0" encoding="utf-8"?>
+<file path=ppt/slides/slide22.xml><?xml version="1.0" encoding="utf-8"?>
 <p:sld xmlns:a="http://schemas.openxmlformats.org/drawingml/2006/main" xmlns:r="http://schemas.openxmlformats.org/officeDocument/2006/relationships" xmlns:p="http://schemas.openxmlformats.org/presentationml/2006/main">
   <p:cSld>
     <p:spTree>
@@ -16565,14 +14597,14 @@
           <a:effectLst/>
           <a:extLst>
             <a:ext uri="{909E8E84-426E-40dd-AFC4-6F175D3DCCD1}">
-              <a14:hiddenFill xmlns:a14="http://schemas.microsoft.com/office/drawing/2010/main" xmlns="">
+              <a14:hiddenFill xmlns="" xmlns:a14="http://schemas.microsoft.com/office/drawing/2010/main">
                 <a:solidFill>
                   <a:schemeClr val="accent1"/>
                 </a:solidFill>
               </a14:hiddenFill>
             </a:ext>
             <a:ext uri="{91240B29-F687-4f45-9708-019B960494DF}">
-              <a14:hiddenLine xmlns:a14="http://schemas.microsoft.com/office/drawing/2010/main" xmlns="" w="9525" cap="flat" cmpd="sng" algn="ctr">
+              <a14:hiddenLine xmlns="" xmlns:a14="http://schemas.microsoft.com/office/drawing/2010/main" w="9525" cap="flat" cmpd="sng" algn="ctr">
                 <a:solidFill>
                   <a:schemeClr val="tx1"/>
                 </a:solidFill>
@@ -16583,7 +14615,7 @@
               </a14:hiddenLine>
             </a:ext>
             <a:ext uri="{AF507438-7753-43e0-B8FC-AC1667EBCBE1}">
-              <a14:hiddenEffects xmlns:a14="http://schemas.microsoft.com/office/drawing/2010/main" xmlns="">
+              <a14:hiddenEffects xmlns="" xmlns:a14="http://schemas.microsoft.com/office/drawing/2010/main">
                 <a:effectLst>
                   <a:outerShdw blurRad="63500" dist="38099" dir="2700000" algn="ctr" rotWithShape="0">
                     <a:srgbClr val="000000">
@@ -16661,14 +14693,14 @@
           <a:effectLst/>
           <a:extLst>
             <a:ext uri="{909E8E84-426E-40dd-AFC4-6F175D3DCCD1}">
-              <a14:hiddenFill xmlns="" xmlns:a14="http://schemas.microsoft.com/office/drawing/2010/main">
+              <a14:hiddenFill xmlns:a14="http://schemas.microsoft.com/office/drawing/2010/main" xmlns="">
                 <a:solidFill>
                   <a:schemeClr val="accent1"/>
                 </a:solidFill>
               </a14:hiddenFill>
             </a:ext>
             <a:ext uri="{91240B29-F687-4f45-9708-019B960494DF}">
-              <a14:hiddenLine xmlns="" xmlns:a14="http://schemas.microsoft.com/office/drawing/2010/main" w="9525" cap="flat" cmpd="sng" algn="ctr">
+              <a14:hiddenLine xmlns:a14="http://schemas.microsoft.com/office/drawing/2010/main" xmlns="" w="9525" cap="flat" cmpd="sng" algn="ctr">
                 <a:solidFill>
                   <a:schemeClr val="tx1"/>
                 </a:solidFill>
@@ -16679,7 +14711,7 @@
               </a14:hiddenLine>
             </a:ext>
             <a:ext uri="{AF507438-7753-43e0-B8FC-AC1667EBCBE1}">
-              <a14:hiddenEffects xmlns="" xmlns:a14="http://schemas.microsoft.com/office/drawing/2010/main">
+              <a14:hiddenEffects xmlns:a14="http://schemas.microsoft.com/office/drawing/2010/main" xmlns="">
                 <a:effectLst>
                   <a:outerShdw blurRad="63500" dist="38099" dir="2700000" algn="ctr" rotWithShape="0">
                     <a:srgbClr val="000000">
@@ -16774,8 +14806,8 @@
           </a:p>
         </p:txBody>
       </p:sp>
-      <mc:AlternateContent xmlns:mc="http://schemas.openxmlformats.org/markup-compatibility/2006">
-        <mc:Choice xmlns:a14="http://schemas.microsoft.com/office/drawing/2010/main" Requires="a14">
+      <mc:AlternateContent xmlns:mc="http://schemas.openxmlformats.org/markup-compatibility/2006" xmlns:a14="http://schemas.microsoft.com/office/drawing/2010/main">
+        <mc:Choice Requires="a14">
           <p:sp>
             <p:nvSpPr>
               <p:cNvPr id="6" name="CasellaDiTesto 5">
@@ -17221,7 +15253,7 @@
             </p:txBody>
           </p:sp>
         </mc:Choice>
-        <mc:Fallback>
+        <mc:Fallback xmlns="">
           <p:sp>
             <p:nvSpPr>
               <p:cNvPr id="6" name="CasellaDiTesto 5">
@@ -17291,7 +15323,7 @@
 </p:sld>
 </file>
 
-<file path=ppt/slides/slide24.xml><?xml version="1.0" encoding="utf-8"?>
+<file path=ppt/slides/slide23.xml><?xml version="1.0" encoding="utf-8"?>
 <p:sld xmlns:a="http://schemas.openxmlformats.org/drawingml/2006/main" xmlns:r="http://schemas.openxmlformats.org/officeDocument/2006/relationships" xmlns:p="http://schemas.openxmlformats.org/presentationml/2006/main">
   <p:cSld>
     <p:spTree>
@@ -17554,14 +15586,14 @@
           <a:effectLst/>
           <a:extLst>
             <a:ext uri="{909E8E84-426E-40dd-AFC4-6F175D3DCCD1}">
-              <a14:hiddenFill xmlns="" xmlns:a14="http://schemas.microsoft.com/office/drawing/2010/main">
+              <a14:hiddenFill xmlns:a14="http://schemas.microsoft.com/office/drawing/2010/main" xmlns="">
                 <a:solidFill>
                   <a:schemeClr val="accent1"/>
                 </a:solidFill>
               </a14:hiddenFill>
             </a:ext>
             <a:ext uri="{91240B29-F687-4f45-9708-019B960494DF}">
-              <a14:hiddenLine xmlns="" xmlns:a14="http://schemas.microsoft.com/office/drawing/2010/main" w="9525" cap="flat" cmpd="sng" algn="ctr">
+              <a14:hiddenLine xmlns:a14="http://schemas.microsoft.com/office/drawing/2010/main" xmlns="" w="9525" cap="flat" cmpd="sng" algn="ctr">
                 <a:solidFill>
                   <a:schemeClr val="tx1"/>
                 </a:solidFill>
@@ -17572,7 +15604,7 @@
               </a14:hiddenLine>
             </a:ext>
             <a:ext uri="{AF507438-7753-43e0-B8FC-AC1667EBCBE1}">
-              <a14:hiddenEffects xmlns="" xmlns:a14="http://schemas.microsoft.com/office/drawing/2010/main">
+              <a14:hiddenEffects xmlns:a14="http://schemas.microsoft.com/office/drawing/2010/main" xmlns="">
                 <a:effectLst>
                   <a:outerShdw blurRad="63500" dist="38099" dir="2700000" algn="ctr" rotWithShape="0">
                     <a:srgbClr val="000000">
@@ -17715,7 +15747,7 @@
 </p:sld>
 </file>
 
-<file path=ppt/slides/slide25.xml><?xml version="1.0" encoding="utf-8"?>
+<file path=ppt/slides/slide24.xml><?xml version="1.0" encoding="utf-8"?>
 <p:sld xmlns:a="http://schemas.openxmlformats.org/drawingml/2006/main" xmlns:r="http://schemas.openxmlformats.org/officeDocument/2006/relationships" xmlns:p="http://schemas.openxmlformats.org/presentationml/2006/main">
   <p:cSld>
     <p:spTree>
@@ -17978,14 +16010,14 @@
           <a:effectLst/>
           <a:extLst>
             <a:ext uri="{909E8E84-426E-40dd-AFC4-6F175D3DCCD1}">
-              <a14:hiddenFill xmlns:a14="http://schemas.microsoft.com/office/drawing/2010/main" xmlns="">
+              <a14:hiddenFill xmlns="" xmlns:a14="http://schemas.microsoft.com/office/drawing/2010/main">
                 <a:solidFill>
                   <a:schemeClr val="accent1"/>
                 </a:solidFill>
               </a14:hiddenFill>
             </a:ext>
             <a:ext uri="{91240B29-F687-4f45-9708-019B960494DF}">
-              <a14:hiddenLine xmlns:a14="http://schemas.microsoft.com/office/drawing/2010/main" xmlns="" w="9525" cap="flat" cmpd="sng" algn="ctr">
+              <a14:hiddenLine xmlns="" xmlns:a14="http://schemas.microsoft.com/office/drawing/2010/main" w="9525" cap="flat" cmpd="sng" algn="ctr">
                 <a:solidFill>
                   <a:schemeClr val="tx1"/>
                 </a:solidFill>
@@ -17996,7 +16028,7 @@
               </a14:hiddenLine>
             </a:ext>
             <a:ext uri="{AF507438-7753-43e0-B8FC-AC1667EBCBE1}">
-              <a14:hiddenEffects xmlns:a14="http://schemas.microsoft.com/office/drawing/2010/main" xmlns="">
+              <a14:hiddenEffects xmlns="" xmlns:a14="http://schemas.microsoft.com/office/drawing/2010/main">
                 <a:effectLst>
                   <a:outerShdw blurRad="63500" dist="38099" dir="2700000" algn="ctr" rotWithShape="0">
                     <a:srgbClr val="000000">
@@ -18183,7 +16215,7 @@
 </p:sld>
 </file>
 
-<file path=ppt/slides/slide26.xml><?xml version="1.0" encoding="utf-8"?>
+<file path=ppt/slides/slide25.xml><?xml version="1.0" encoding="utf-8"?>
 <p:sld xmlns:a="http://schemas.openxmlformats.org/drawingml/2006/main" xmlns:r="http://schemas.openxmlformats.org/officeDocument/2006/relationships" xmlns:p="http://schemas.openxmlformats.org/presentationml/2006/main">
   <p:cSld>
     <p:spTree>
@@ -18446,14 +16478,14 @@
           <a:effectLst/>
           <a:extLst>
             <a:ext uri="{909E8E84-426E-40dd-AFC4-6F175D3DCCD1}">
-              <a14:hiddenFill xmlns:a14="http://schemas.microsoft.com/office/drawing/2010/main" xmlns="">
+              <a14:hiddenFill xmlns="" xmlns:a14="http://schemas.microsoft.com/office/drawing/2010/main">
                 <a:solidFill>
                   <a:schemeClr val="accent1"/>
                 </a:solidFill>
               </a14:hiddenFill>
             </a:ext>
             <a:ext uri="{91240B29-F687-4f45-9708-019B960494DF}">
-              <a14:hiddenLine xmlns:a14="http://schemas.microsoft.com/office/drawing/2010/main" xmlns="" w="9525" cap="flat" cmpd="sng" algn="ctr">
+              <a14:hiddenLine xmlns="" xmlns:a14="http://schemas.microsoft.com/office/drawing/2010/main" w="9525" cap="flat" cmpd="sng" algn="ctr">
                 <a:solidFill>
                   <a:schemeClr val="tx1"/>
                 </a:solidFill>
@@ -18464,7 +16496,7 @@
               </a14:hiddenLine>
             </a:ext>
             <a:ext uri="{AF507438-7753-43e0-B8FC-AC1667EBCBE1}">
-              <a14:hiddenEffects xmlns:a14="http://schemas.microsoft.com/office/drawing/2010/main" xmlns="">
+              <a14:hiddenEffects xmlns="" xmlns:a14="http://schemas.microsoft.com/office/drawing/2010/main">
                 <a:effectLst>
                   <a:outerShdw blurRad="63500" dist="38099" dir="2700000" algn="ctr" rotWithShape="0">
                     <a:srgbClr val="000000">
@@ -18607,7 +16639,7 @@
 </p:sld>
 </file>
 
-<file path=ppt/slides/slide27.xml><?xml version="1.0" encoding="utf-8"?>
+<file path=ppt/slides/slide26.xml><?xml version="1.0" encoding="utf-8"?>
 <p:sld xmlns:a="http://schemas.openxmlformats.org/drawingml/2006/main" xmlns:r="http://schemas.openxmlformats.org/officeDocument/2006/relationships" xmlns:p="http://schemas.openxmlformats.org/presentationml/2006/main">
   <p:cSld>
     <p:spTree>
@@ -18870,14 +16902,14 @@
           <a:effectLst/>
           <a:extLst>
             <a:ext uri="{909E8E84-426E-40dd-AFC4-6F175D3DCCD1}">
-              <a14:hiddenFill xmlns="" xmlns:a14="http://schemas.microsoft.com/office/drawing/2010/main">
+              <a14:hiddenFill xmlns:a14="http://schemas.microsoft.com/office/drawing/2010/main" xmlns="">
                 <a:solidFill>
                   <a:schemeClr val="accent1"/>
                 </a:solidFill>
               </a14:hiddenFill>
             </a:ext>
             <a:ext uri="{91240B29-F687-4f45-9708-019B960494DF}">
-              <a14:hiddenLine xmlns="" xmlns:a14="http://schemas.microsoft.com/office/drawing/2010/main" w="9525" cap="flat" cmpd="sng" algn="ctr">
+              <a14:hiddenLine xmlns:a14="http://schemas.microsoft.com/office/drawing/2010/main" xmlns="" w="9525" cap="flat" cmpd="sng" algn="ctr">
                 <a:solidFill>
                   <a:schemeClr val="tx1"/>
                 </a:solidFill>
@@ -18888,7 +16920,7 @@
               </a14:hiddenLine>
             </a:ext>
             <a:ext uri="{AF507438-7753-43e0-B8FC-AC1667EBCBE1}">
-              <a14:hiddenEffects xmlns="" xmlns:a14="http://schemas.microsoft.com/office/drawing/2010/main">
+              <a14:hiddenEffects xmlns:a14="http://schemas.microsoft.com/office/drawing/2010/main" xmlns="">
                 <a:effectLst>
                   <a:outerShdw blurRad="63500" dist="38099" dir="2700000" algn="ctr" rotWithShape="0">
                     <a:srgbClr val="000000">
@@ -19031,7 +17063,7 @@
 </p:sld>
 </file>
 
-<file path=ppt/slides/slide28.xml><?xml version="1.0" encoding="utf-8"?>
+<file path=ppt/slides/slide27.xml><?xml version="1.0" encoding="utf-8"?>
 <p:sld xmlns:a="http://schemas.openxmlformats.org/drawingml/2006/main" xmlns:r="http://schemas.openxmlformats.org/officeDocument/2006/relationships" xmlns:p="http://schemas.openxmlformats.org/presentationml/2006/main">
   <p:cSld>
     <p:spTree>
@@ -19294,14 +17326,14 @@
           <a:effectLst/>
           <a:extLst>
             <a:ext uri="{909E8E84-426E-40dd-AFC4-6F175D3DCCD1}">
-              <a14:hiddenFill xmlns:a14="http://schemas.microsoft.com/office/drawing/2010/main" xmlns="">
+              <a14:hiddenFill xmlns="" xmlns:a14="http://schemas.microsoft.com/office/drawing/2010/main">
                 <a:solidFill>
                   <a:schemeClr val="accent1"/>
                 </a:solidFill>
               </a14:hiddenFill>
             </a:ext>
             <a:ext uri="{91240B29-F687-4f45-9708-019B960494DF}">
-              <a14:hiddenLine xmlns:a14="http://schemas.microsoft.com/office/drawing/2010/main" xmlns="" w="9525" cap="flat" cmpd="sng" algn="ctr">
+              <a14:hiddenLine xmlns="" xmlns:a14="http://schemas.microsoft.com/office/drawing/2010/main" w="9525" cap="flat" cmpd="sng" algn="ctr">
                 <a:solidFill>
                   <a:schemeClr val="tx1"/>
                 </a:solidFill>
@@ -19312,7 +17344,7 @@
               </a14:hiddenLine>
             </a:ext>
             <a:ext uri="{AF507438-7753-43e0-B8FC-AC1667EBCBE1}">
-              <a14:hiddenEffects xmlns:a14="http://schemas.microsoft.com/office/drawing/2010/main" xmlns="">
+              <a14:hiddenEffects xmlns="" xmlns:a14="http://schemas.microsoft.com/office/drawing/2010/main">
                 <a:effectLst>
                   <a:outerShdw blurRad="63500" dist="38099" dir="2700000" algn="ctr" rotWithShape="0">
                     <a:srgbClr val="000000">
@@ -19499,7 +17531,7 @@
 </p:sld>
 </file>
 
-<file path=ppt/slides/slide29.xml><?xml version="1.0" encoding="utf-8"?>
+<file path=ppt/slides/slide28.xml><?xml version="1.0" encoding="utf-8"?>
 <p:sld xmlns:a="http://schemas.openxmlformats.org/drawingml/2006/main" xmlns:r="http://schemas.openxmlformats.org/officeDocument/2006/relationships" xmlns:p="http://schemas.openxmlformats.org/presentationml/2006/main">
   <p:cSld>
     <p:spTree>
@@ -19762,14 +17794,14 @@
           <a:effectLst/>
           <a:extLst>
             <a:ext uri="{909E8E84-426E-40dd-AFC4-6F175D3DCCD1}">
-              <a14:hiddenFill xmlns:a14="http://schemas.microsoft.com/office/drawing/2010/main" xmlns="">
+              <a14:hiddenFill xmlns="" xmlns:a14="http://schemas.microsoft.com/office/drawing/2010/main">
                 <a:solidFill>
                   <a:schemeClr val="accent1"/>
                 </a:solidFill>
               </a14:hiddenFill>
             </a:ext>
             <a:ext uri="{91240B29-F687-4f45-9708-019B960494DF}">
-              <a14:hiddenLine xmlns:a14="http://schemas.microsoft.com/office/drawing/2010/main" xmlns="" w="9525" cap="flat" cmpd="sng" algn="ctr">
+              <a14:hiddenLine xmlns="" xmlns:a14="http://schemas.microsoft.com/office/drawing/2010/main" w="9525" cap="flat" cmpd="sng" algn="ctr">
                 <a:solidFill>
                   <a:schemeClr val="tx1"/>
                 </a:solidFill>
@@ -19780,7 +17812,7 @@
               </a14:hiddenLine>
             </a:ext>
             <a:ext uri="{AF507438-7753-43e0-B8FC-AC1667EBCBE1}">
-              <a14:hiddenEffects xmlns:a14="http://schemas.microsoft.com/office/drawing/2010/main" xmlns="">
+              <a14:hiddenEffects xmlns="" xmlns:a14="http://schemas.microsoft.com/office/drawing/2010/main">
                 <a:effectLst>
                   <a:outerShdw blurRad="63500" dist="38099" dir="2700000" algn="ctr" rotWithShape="0">
                     <a:srgbClr val="000000">
@@ -19923,6 +17955,430 @@
 </p:sld>
 </file>
 
+<file path=ppt/slides/slide29.xml><?xml version="1.0" encoding="utf-8"?>
+<p:sld xmlns:a="http://schemas.openxmlformats.org/drawingml/2006/main" xmlns:r="http://schemas.openxmlformats.org/officeDocument/2006/relationships" xmlns:p="http://schemas.openxmlformats.org/presentationml/2006/main">
+  <p:cSld>
+    <p:spTree>
+      <p:nvGrpSpPr>
+        <p:cNvPr id="1" name=""/>
+        <p:cNvGrpSpPr/>
+        <p:nvPr/>
+      </p:nvGrpSpPr>
+      <p:grpSpPr>
+        <a:xfrm>
+          <a:off x="0" y="0"/>
+          <a:ext cx="0" cy="0"/>
+          <a:chOff x="0" y="0"/>
+          <a:chExt cx="0" cy="0"/>
+        </a:xfrm>
+      </p:grpSpPr>
+      <p:sp>
+        <p:nvSpPr>
+          <p:cNvPr id="2" name="Titolo 1">
+            <a:extLst>
+              <a:ext uri="{FF2B5EF4-FFF2-40B4-BE49-F238E27FC236}">
+                <a16:creationId xmlns:a16="http://schemas.microsoft.com/office/drawing/2014/main" id="{AFEFEAD0-5246-726C-3122-EF9AE58FAC80}"/>
+              </a:ext>
+            </a:extLst>
+          </p:cNvPr>
+          <p:cNvSpPr txBox="1">
+            <a:spLocks noChangeArrowheads="1"/>
+          </p:cNvSpPr>
+          <p:nvPr/>
+        </p:nvSpPr>
+        <p:spPr bwMode="auto">
+          <a:xfrm>
+            <a:off x="3015163" y="253099"/>
+            <a:ext cx="5724624" cy="482108"/>
+          </a:xfrm>
+          <a:prstGeom prst="rect">
+            <a:avLst/>
+          </a:prstGeom>
+          <a:ln w="9525" cap="flat" cmpd="sng" algn="ctr">
+            <a:solidFill>
+              <a:schemeClr val="dk1"/>
+            </a:solidFill>
+            <a:prstDash val="solid"/>
+            <a:round/>
+            <a:headEnd type="none" w="med" len="med"/>
+            <a:tailEnd type="none" w="med" len="med"/>
+          </a:ln>
+          <a:extLst>
+            <a:ext uri="{909E8E84-426E-40DD-AFC4-6F175D3DCCD1}">
+              <a14:hiddenFill xmlns:a14="http://schemas.microsoft.com/office/drawing/2010/main">
+                <a:solidFill>
+                  <a:schemeClr val="accent1"/>
+                </a:solidFill>
+              </a14:hiddenFill>
+            </a:ext>
+          </a:extLst>
+        </p:spPr>
+        <p:style>
+          <a:lnRef idx="0">
+            <a:scrgbClr r="0" g="0" b="0"/>
+          </a:lnRef>
+          <a:fillRef idx="0">
+            <a:scrgbClr r="0" g="0" b="0"/>
+          </a:fillRef>
+          <a:effectRef idx="0">
+            <a:scrgbClr r="0" g="0" b="0"/>
+          </a:effectRef>
+          <a:fontRef idx="minor">
+            <a:schemeClr val="dk1"/>
+          </a:fontRef>
+        </p:style>
+        <p:txBody>
+          <a:bodyPr vert="horz" wrap="square" lIns="91440" tIns="45720" rIns="91440" bIns="45720" numCol="1" anchor="ctr" anchorCtr="0" compatLnSpc="1">
+            <a:prstTxWarp prst="textNoShape">
+              <a:avLst/>
+            </a:prstTxWarp>
+          </a:bodyPr>
+          <a:lstStyle>
+            <a:lvl1pPr algn="l" rtl="0" eaLnBrk="0" fontAlgn="base" hangingPunct="0">
+              <a:spcBef>
+                <a:spcPct val="0"/>
+              </a:spcBef>
+              <a:spcAft>
+                <a:spcPct val="0"/>
+              </a:spcAft>
+              <a:defRPr sz="2400" b="1">
+                <a:solidFill>
+                  <a:schemeClr val="dk1"/>
+                </a:solidFill>
+                <a:latin typeface="+mn-lt"/>
+                <a:ea typeface="+mn-ea"/>
+                <a:cs typeface="+mn-cs"/>
+              </a:defRPr>
+            </a:lvl1pPr>
+            <a:lvl2pPr algn="l" rtl="0" eaLnBrk="0" fontAlgn="base" hangingPunct="0">
+              <a:spcBef>
+                <a:spcPct val="0"/>
+              </a:spcBef>
+              <a:spcAft>
+                <a:spcPct val="0"/>
+              </a:spcAft>
+              <a:defRPr sz="2400" b="1">
+                <a:solidFill>
+                  <a:schemeClr val="dk1"/>
+                </a:solidFill>
+                <a:latin typeface="+mn-lt"/>
+                <a:ea typeface="+mn-ea"/>
+                <a:cs typeface="+mn-cs"/>
+              </a:defRPr>
+            </a:lvl2pPr>
+            <a:lvl3pPr algn="l" rtl="0" eaLnBrk="0" fontAlgn="base" hangingPunct="0">
+              <a:spcBef>
+                <a:spcPct val="0"/>
+              </a:spcBef>
+              <a:spcAft>
+                <a:spcPct val="0"/>
+              </a:spcAft>
+              <a:defRPr sz="2400" b="1">
+                <a:solidFill>
+                  <a:schemeClr val="dk1"/>
+                </a:solidFill>
+                <a:latin typeface="+mn-lt"/>
+                <a:ea typeface="+mn-ea"/>
+                <a:cs typeface="+mn-cs"/>
+              </a:defRPr>
+            </a:lvl3pPr>
+            <a:lvl4pPr algn="l" rtl="0" eaLnBrk="0" fontAlgn="base" hangingPunct="0">
+              <a:spcBef>
+                <a:spcPct val="0"/>
+              </a:spcBef>
+              <a:spcAft>
+                <a:spcPct val="0"/>
+              </a:spcAft>
+              <a:defRPr sz="2400" b="1">
+                <a:solidFill>
+                  <a:schemeClr val="dk1"/>
+                </a:solidFill>
+                <a:latin typeface="+mn-lt"/>
+                <a:ea typeface="+mn-ea"/>
+                <a:cs typeface="+mn-cs"/>
+              </a:defRPr>
+            </a:lvl4pPr>
+            <a:lvl5pPr algn="l" rtl="0" eaLnBrk="0" fontAlgn="base" hangingPunct="0">
+              <a:spcBef>
+                <a:spcPct val="0"/>
+              </a:spcBef>
+              <a:spcAft>
+                <a:spcPct val="0"/>
+              </a:spcAft>
+              <a:defRPr sz="2400" b="1">
+                <a:solidFill>
+                  <a:schemeClr val="dk1"/>
+                </a:solidFill>
+                <a:latin typeface="+mn-lt"/>
+                <a:ea typeface="+mn-ea"/>
+                <a:cs typeface="+mn-cs"/>
+              </a:defRPr>
+            </a:lvl5pPr>
+            <a:lvl6pPr marL="457200" algn="l" rtl="0" eaLnBrk="1" fontAlgn="base" hangingPunct="1">
+              <a:spcBef>
+                <a:spcPct val="0"/>
+              </a:spcBef>
+              <a:spcAft>
+                <a:spcPct val="0"/>
+              </a:spcAft>
+              <a:defRPr sz="2400" b="1">
+                <a:solidFill>
+                  <a:schemeClr val="dk1"/>
+                </a:solidFill>
+                <a:latin typeface="+mn-lt"/>
+                <a:ea typeface="+mn-ea"/>
+                <a:cs typeface="+mn-cs"/>
+              </a:defRPr>
+            </a:lvl6pPr>
+            <a:lvl7pPr marL="914400" algn="l" rtl="0" eaLnBrk="1" fontAlgn="base" hangingPunct="1">
+              <a:spcBef>
+                <a:spcPct val="0"/>
+              </a:spcBef>
+              <a:spcAft>
+                <a:spcPct val="0"/>
+              </a:spcAft>
+              <a:defRPr sz="2400" b="1">
+                <a:solidFill>
+                  <a:schemeClr val="dk1"/>
+                </a:solidFill>
+                <a:latin typeface="+mn-lt"/>
+                <a:ea typeface="+mn-ea"/>
+                <a:cs typeface="+mn-cs"/>
+              </a:defRPr>
+            </a:lvl7pPr>
+            <a:lvl8pPr marL="1371600" algn="l" rtl="0" eaLnBrk="1" fontAlgn="base" hangingPunct="1">
+              <a:spcBef>
+                <a:spcPct val="0"/>
+              </a:spcBef>
+              <a:spcAft>
+                <a:spcPct val="0"/>
+              </a:spcAft>
+              <a:defRPr sz="2400" b="1">
+                <a:solidFill>
+                  <a:schemeClr val="dk1"/>
+                </a:solidFill>
+                <a:latin typeface="+mn-lt"/>
+                <a:ea typeface="+mn-ea"/>
+                <a:cs typeface="+mn-cs"/>
+              </a:defRPr>
+            </a:lvl8pPr>
+            <a:lvl9pPr marL="1828800" algn="l" rtl="0" eaLnBrk="1" fontAlgn="base" hangingPunct="1">
+              <a:spcBef>
+                <a:spcPct val="0"/>
+              </a:spcBef>
+              <a:spcAft>
+                <a:spcPct val="0"/>
+              </a:spcAft>
+              <a:defRPr sz="2400" b="1">
+                <a:solidFill>
+                  <a:schemeClr val="dk1"/>
+                </a:solidFill>
+                <a:latin typeface="+mn-lt"/>
+                <a:ea typeface="+mn-ea"/>
+                <a:cs typeface="+mn-cs"/>
+              </a:defRPr>
+            </a:lvl9pPr>
+          </a:lstStyle>
+          <a:p>
+            <a:pPr algn="ctr"/>
+            <a:r>
+              <a:rPr lang="it-IT" altLang="it-IT" kern="0" dirty="0">
+                <a:latin typeface="Calibri" panose="020F0502020204030204" pitchFamily="34" charset="0"/>
+                <a:ea typeface="ＭＳ Ｐゴシック" panose="020B0600070205080204" pitchFamily="34" charset="-128"/>
+              </a:rPr>
+              <a:t>ELASTIC CASE – SIMULATION 6</a:t>
+            </a:r>
+          </a:p>
+        </p:txBody>
+      </p:sp>
+      <p:sp>
+        <p:nvSpPr>
+          <p:cNvPr id="10" name="Rettangolo 9">
+            <a:extLst>
+              <a:ext uri="{FF2B5EF4-FFF2-40B4-BE49-F238E27FC236}">
+                <a16:creationId xmlns:a16="http://schemas.microsoft.com/office/drawing/2014/main" id="{31D3E094-59FA-DA3E-B010-C99084F3614D}"/>
+              </a:ext>
+            </a:extLst>
+          </p:cNvPr>
+          <p:cNvSpPr/>
+          <p:nvPr/>
+        </p:nvSpPr>
+        <p:spPr bwMode="auto">
+          <a:xfrm>
+            <a:off x="1691680" y="4509120"/>
+            <a:ext cx="432048" cy="792088"/>
+          </a:xfrm>
+          <a:prstGeom prst="rect">
+            <a:avLst/>
+          </a:prstGeom>
+          <a:noFill/>
+          <a:ln>
+            <a:noFill/>
+          </a:ln>
+          <a:effectLst/>
+          <a:extLst>
+            <a:ext uri="{909E8E84-426E-40dd-AFC4-6F175D3DCCD1}">
+              <a14:hiddenFill xmlns:a14="http://schemas.microsoft.com/office/drawing/2010/main" xmlns="">
+                <a:solidFill>
+                  <a:schemeClr val="accent1"/>
+                </a:solidFill>
+              </a14:hiddenFill>
+            </a:ext>
+            <a:ext uri="{91240B29-F687-4f45-9708-019B960494DF}">
+              <a14:hiddenLine xmlns:a14="http://schemas.microsoft.com/office/drawing/2010/main" xmlns="" w="9525" cap="flat" cmpd="sng" algn="ctr">
+                <a:solidFill>
+                  <a:schemeClr val="tx1"/>
+                </a:solidFill>
+                <a:prstDash val="solid"/>
+                <a:round/>
+                <a:headEnd type="none" w="med" len="med"/>
+                <a:tailEnd type="none" w="med" len="med"/>
+              </a14:hiddenLine>
+            </a:ext>
+            <a:ext uri="{AF507438-7753-43e0-B8FC-AC1667EBCBE1}">
+              <a14:hiddenEffects xmlns:a14="http://schemas.microsoft.com/office/drawing/2010/main" xmlns="">
+                <a:effectLst>
+                  <a:outerShdw blurRad="63500" dist="38099" dir="2700000" algn="ctr" rotWithShape="0">
+                    <a:srgbClr val="000000">
+                      <a:alpha val="74998"/>
+                    </a:srgbClr>
+                  </a:outerShdw>
+                </a:effectLst>
+              </a14:hiddenEffects>
+            </a:ext>
+          </a:extLst>
+        </p:spPr>
+        <p:txBody>
+          <a:bodyPr vert="horz" wrap="square" lIns="91440" tIns="45720" rIns="91440" bIns="45720" numCol="1" rtlCol="0" anchor="t" anchorCtr="0" compatLnSpc="1">
+            <a:prstTxWarp prst="textNoShape">
+              <a:avLst/>
+            </a:prstTxWarp>
+          </a:bodyPr>
+          <a:lstStyle/>
+          <a:p>
+            <a:pPr marL="0" marR="0" indent="0" algn="l" defTabSz="914400" rtl="0" eaLnBrk="0" fontAlgn="base" latinLnBrk="0" hangingPunct="0">
+              <a:lnSpc>
+                <a:spcPct val="100000"/>
+              </a:lnSpc>
+              <a:spcBef>
+                <a:spcPct val="0"/>
+              </a:spcBef>
+              <a:spcAft>
+                <a:spcPct val="0"/>
+              </a:spcAft>
+              <a:buClrTx/>
+              <a:buSzTx/>
+              <a:buFontTx/>
+              <a:buNone/>
+              <a:tabLst/>
+            </a:pPr>
+            <a:endParaRPr kumimoji="0" lang="en-US" sz="2400" b="0" i="0" u="none" strike="noStrike" cap="none" normalizeH="0" baseline="0">
+              <a:ln>
+                <a:noFill/>
+              </a:ln>
+              <a:solidFill>
+                <a:srgbClr val="000000"/>
+              </a:solidFill>
+              <a:effectLst/>
+              <a:latin typeface="Arial" charset="0"/>
+              <a:ea typeface="ＭＳ Ｐゴシック" charset="0"/>
+              <a:cs typeface="ＭＳ Ｐゴシック" charset="0"/>
+            </a:endParaRPr>
+          </a:p>
+        </p:txBody>
+      </p:sp>
+      <p:grpSp>
+        <p:nvGrpSpPr>
+          <p:cNvPr id="3" name="Gruppo 2">
+            <a:extLst>
+              <a:ext uri="{FF2B5EF4-FFF2-40B4-BE49-F238E27FC236}">
+                <a16:creationId xmlns:a16="http://schemas.microsoft.com/office/drawing/2014/main" id="{A4CB27E5-901E-5DA0-2DE4-D0E409108A84}"/>
+              </a:ext>
+            </a:extLst>
+          </p:cNvPr>
+          <p:cNvGrpSpPr/>
+          <p:nvPr/>
+        </p:nvGrpSpPr>
+        <p:grpSpPr>
+          <a:xfrm>
+            <a:off x="816685" y="988600"/>
+            <a:ext cx="7510630" cy="5024814"/>
+            <a:chOff x="43936" y="1385094"/>
+            <a:chExt cx="7964476" cy="5311804"/>
+          </a:xfrm>
+        </p:grpSpPr>
+        <p:pic>
+          <p:nvPicPr>
+            <p:cNvPr id="4" name="Immagine 3">
+              <a:extLst>
+                <a:ext uri="{FF2B5EF4-FFF2-40B4-BE49-F238E27FC236}">
+                  <a16:creationId xmlns:a16="http://schemas.microsoft.com/office/drawing/2014/main" id="{D0D8A28A-E8C0-A745-9F4D-6F09C1808FD5}"/>
+                </a:ext>
+              </a:extLst>
+            </p:cNvPr>
+            <p:cNvPicPr>
+              <a:picLocks noChangeAspect="1"/>
+            </p:cNvPicPr>
+            <p:nvPr/>
+          </p:nvPicPr>
+          <p:blipFill>
+            <a:blip r:embed="rId2"/>
+            <a:srcRect/>
+            <a:stretch/>
+          </p:blipFill>
+          <p:spPr>
+            <a:xfrm>
+              <a:off x="43936" y="1385096"/>
+              <a:ext cx="3572368" cy="5311802"/>
+            </a:xfrm>
+            <a:prstGeom prst="rect">
+              <a:avLst/>
+            </a:prstGeom>
+          </p:spPr>
+        </p:pic>
+        <p:pic>
+          <p:nvPicPr>
+            <p:cNvPr id="5" name="Immagine 4">
+              <a:extLst>
+                <a:ext uri="{FF2B5EF4-FFF2-40B4-BE49-F238E27FC236}">
+                  <a16:creationId xmlns:a16="http://schemas.microsoft.com/office/drawing/2014/main" id="{DCD03713-52A5-D629-FBD6-A1C0327112B0}"/>
+                </a:ext>
+              </a:extLst>
+            </p:cNvPr>
+            <p:cNvPicPr>
+              <a:picLocks noChangeAspect="1"/>
+            </p:cNvPicPr>
+            <p:nvPr/>
+          </p:nvPicPr>
+          <p:blipFill>
+            <a:blip r:embed="rId3"/>
+            <a:srcRect/>
+            <a:stretch/>
+          </p:blipFill>
+          <p:spPr>
+            <a:xfrm>
+              <a:off x="4436439" y="1385094"/>
+              <a:ext cx="3571973" cy="5311214"/>
+            </a:xfrm>
+            <a:prstGeom prst="rect">
+              <a:avLst/>
+            </a:prstGeom>
+          </p:spPr>
+        </p:pic>
+      </p:grpSp>
+    </p:spTree>
+    <p:extLst>
+      <p:ext uri="{BB962C8B-B14F-4D97-AF65-F5344CB8AC3E}">
+        <p14:creationId xmlns:p14="http://schemas.microsoft.com/office/powerpoint/2010/main" val="1688515912"/>
+      </p:ext>
+    </p:extLst>
+  </p:cSld>
+  <p:clrMapOvr>
+    <a:masterClrMapping/>
+  </p:clrMapOvr>
+</p:sld>
+</file>
+
 <file path=ppt/slides/slide3.xml><?xml version="1.0" encoding="utf-8"?>
 <p:sld xmlns:a="http://schemas.openxmlformats.org/drawingml/2006/main" xmlns:r="http://schemas.openxmlformats.org/officeDocument/2006/relationships" xmlns:p="http://schemas.openxmlformats.org/presentationml/2006/main">
   <p:cSld>
@@ -20186,14 +18642,14 @@
           <a:effectLst/>
           <a:extLst>
             <a:ext uri="{909E8E84-426E-40dd-AFC4-6F175D3DCCD1}">
-              <a14:hiddenFill xmlns:a14="http://schemas.microsoft.com/office/drawing/2010/main" xmlns="">
+              <a14:hiddenFill xmlns="" xmlns:a14="http://schemas.microsoft.com/office/drawing/2010/main">
                 <a:solidFill>
                   <a:schemeClr val="accent1"/>
                 </a:solidFill>
               </a14:hiddenFill>
             </a:ext>
             <a:ext uri="{91240B29-F687-4f45-9708-019B960494DF}">
-              <a14:hiddenLine xmlns:a14="http://schemas.microsoft.com/office/drawing/2010/main" xmlns="" w="9525" cap="flat" cmpd="sng" algn="ctr">
+              <a14:hiddenLine xmlns="" xmlns:a14="http://schemas.microsoft.com/office/drawing/2010/main" w="9525" cap="flat" cmpd="sng" algn="ctr">
                 <a:solidFill>
                   <a:schemeClr val="tx1"/>
                 </a:solidFill>
@@ -20204,7 +18660,7 @@
               </a14:hiddenLine>
             </a:ext>
             <a:ext uri="{AF507438-7753-43e0-B8FC-AC1667EBCBE1}">
-              <a14:hiddenEffects xmlns:a14="http://schemas.microsoft.com/office/drawing/2010/main" xmlns="">
+              <a14:hiddenEffects xmlns="" xmlns:a14="http://schemas.microsoft.com/office/drawing/2010/main">
                 <a:effectLst>
                   <a:outerShdw blurRad="63500" dist="38099" dir="2700000" algn="ctr" rotWithShape="0">
                     <a:srgbClr val="000000">
@@ -20304,8 +18760,8 @@
           </a:p>
         </p:txBody>
       </p:sp>
-      <mc:AlternateContent xmlns:mc="http://schemas.openxmlformats.org/markup-compatibility/2006">
-        <mc:Choice xmlns:a14="http://schemas.microsoft.com/office/drawing/2010/main" Requires="a14">
+      <mc:AlternateContent xmlns:mc="http://schemas.openxmlformats.org/markup-compatibility/2006" xmlns:a14="http://schemas.microsoft.com/office/drawing/2010/main">
+        <mc:Choice Requires="a14">
           <p:sp>
             <p:nvSpPr>
               <p:cNvPr id="4" name="CasellaDiTesto 3">
@@ -20348,6 +18804,7 @@
               </a:bodyPr>
               <a:lstStyle/>
               <a:p>
+                <a:pPr/>
                 <a14:m>
                   <m:oMathPara xmlns:m="http://schemas.openxmlformats.org/officeDocument/2006/math">
                     <m:oMathParaPr>
@@ -20550,7 +19007,7 @@
             </p:txBody>
           </p:sp>
         </mc:Choice>
-        <mc:Fallback>
+        <mc:Fallback xmlns="">
           <p:sp>
             <p:nvSpPr>
               <p:cNvPr id="4" name="CasellaDiTesto 3">
@@ -20607,8 +19064,8 @@
           </p:sp>
         </mc:Fallback>
       </mc:AlternateContent>
-      <mc:AlternateContent xmlns:mc="http://schemas.openxmlformats.org/markup-compatibility/2006">
-        <mc:Choice xmlns:a14="http://schemas.microsoft.com/office/drawing/2010/main" Requires="a14">
+      <mc:AlternateContent xmlns:mc="http://schemas.openxmlformats.org/markup-compatibility/2006" xmlns:a14="http://schemas.microsoft.com/office/drawing/2010/main">
+        <mc:Choice Requires="a14">
           <p:sp>
             <p:nvSpPr>
               <p:cNvPr id="5" name="CasellaDiTesto 4">
@@ -20888,7 +19345,7 @@
             </p:txBody>
           </p:sp>
         </mc:Choice>
-        <mc:Fallback>
+        <mc:Fallback xmlns="">
           <p:sp>
             <p:nvSpPr>
               <p:cNvPr id="5" name="CasellaDiTesto 4">
@@ -20977,8 +19434,8 @@
           </a:p>
         </p:txBody>
       </p:sp>
-      <mc:AlternateContent xmlns:mc="http://schemas.openxmlformats.org/markup-compatibility/2006">
-        <mc:Choice xmlns:a14="http://schemas.microsoft.com/office/drawing/2010/main" Requires="a14">
+      <mc:AlternateContent xmlns:mc="http://schemas.openxmlformats.org/markup-compatibility/2006" xmlns:a14="http://schemas.microsoft.com/office/drawing/2010/main">
+        <mc:Choice Requires="a14">
           <p:sp>
             <p:nvSpPr>
               <p:cNvPr id="7" name="CasellaDiTesto 6">
@@ -21295,7 +19752,7 @@
             </p:txBody>
           </p:sp>
         </mc:Choice>
-        <mc:Fallback>
+        <mc:Fallback xmlns="">
           <p:sp>
             <p:nvSpPr>
               <p:cNvPr id="7" name="CasellaDiTesto 6">
@@ -21352,8 +19809,8 @@
           </p:sp>
         </mc:Fallback>
       </mc:AlternateContent>
-      <mc:AlternateContent xmlns:mc="http://schemas.openxmlformats.org/markup-compatibility/2006">
-        <mc:Choice xmlns:a14="http://schemas.microsoft.com/office/drawing/2010/main" Requires="a14">
+      <mc:AlternateContent xmlns:mc="http://schemas.openxmlformats.org/markup-compatibility/2006" xmlns:a14="http://schemas.microsoft.com/office/drawing/2010/main">
+        <mc:Choice Requires="a14">
           <p:sp>
             <p:nvSpPr>
               <p:cNvPr id="8" name="CasellaDiTesto 7">
@@ -21461,7 +19918,7 @@
             </p:txBody>
           </p:sp>
         </mc:Choice>
-        <mc:Fallback>
+        <mc:Fallback xmlns="">
           <p:sp>
             <p:nvSpPr>
               <p:cNvPr id="8" name="CasellaDiTesto 7">
@@ -21506,8 +19963,8 @@
           </p:sp>
         </mc:Fallback>
       </mc:AlternateContent>
-      <mc:AlternateContent xmlns:mc="http://schemas.openxmlformats.org/markup-compatibility/2006">
-        <mc:Choice xmlns:a14="http://schemas.microsoft.com/office/drawing/2010/main" Requires="a14">
+      <mc:AlternateContent xmlns:mc="http://schemas.openxmlformats.org/markup-compatibility/2006" xmlns:a14="http://schemas.microsoft.com/office/drawing/2010/main">
+        <mc:Choice Requires="a14">
           <p:sp>
             <p:nvSpPr>
               <p:cNvPr id="9" name="CasellaDiTesto 8">
@@ -21586,7 +20043,7 @@
             </p:txBody>
           </p:sp>
         </mc:Choice>
-        <mc:Fallback>
+        <mc:Fallback xmlns="">
           <p:sp>
             <p:nvSpPr>
               <p:cNvPr id="9" name="CasellaDiTesto 8">
@@ -21875,430 +20332,6 @@
                 <a:latin typeface="Calibri" panose="020F0502020204030204" pitchFamily="34" charset="0"/>
                 <a:ea typeface="ＭＳ Ｐゴシック" panose="020B0600070205080204" pitchFamily="34" charset="-128"/>
               </a:rPr>
-              <a:t>ELASTIC CASE – SIMULATION 6</a:t>
-            </a:r>
-          </a:p>
-        </p:txBody>
-      </p:sp>
-      <p:sp>
-        <p:nvSpPr>
-          <p:cNvPr id="10" name="Rettangolo 9">
-            <a:extLst>
-              <a:ext uri="{FF2B5EF4-FFF2-40B4-BE49-F238E27FC236}">
-                <a16:creationId xmlns:a16="http://schemas.microsoft.com/office/drawing/2014/main" id="{31D3E094-59FA-DA3E-B010-C99084F3614D}"/>
-              </a:ext>
-            </a:extLst>
-          </p:cNvPr>
-          <p:cNvSpPr/>
-          <p:nvPr/>
-        </p:nvSpPr>
-        <p:spPr bwMode="auto">
-          <a:xfrm>
-            <a:off x="1691680" y="4509120"/>
-            <a:ext cx="432048" cy="792088"/>
-          </a:xfrm>
-          <a:prstGeom prst="rect">
-            <a:avLst/>
-          </a:prstGeom>
-          <a:noFill/>
-          <a:ln>
-            <a:noFill/>
-          </a:ln>
-          <a:effectLst/>
-          <a:extLst>
-            <a:ext uri="{909E8E84-426E-40dd-AFC4-6F175D3DCCD1}">
-              <a14:hiddenFill xmlns="" xmlns:a14="http://schemas.microsoft.com/office/drawing/2010/main">
-                <a:solidFill>
-                  <a:schemeClr val="accent1"/>
-                </a:solidFill>
-              </a14:hiddenFill>
-            </a:ext>
-            <a:ext uri="{91240B29-F687-4f45-9708-019B960494DF}">
-              <a14:hiddenLine xmlns="" xmlns:a14="http://schemas.microsoft.com/office/drawing/2010/main" w="9525" cap="flat" cmpd="sng" algn="ctr">
-                <a:solidFill>
-                  <a:schemeClr val="tx1"/>
-                </a:solidFill>
-                <a:prstDash val="solid"/>
-                <a:round/>
-                <a:headEnd type="none" w="med" len="med"/>
-                <a:tailEnd type="none" w="med" len="med"/>
-              </a14:hiddenLine>
-            </a:ext>
-            <a:ext uri="{AF507438-7753-43e0-B8FC-AC1667EBCBE1}">
-              <a14:hiddenEffects xmlns="" xmlns:a14="http://schemas.microsoft.com/office/drawing/2010/main">
-                <a:effectLst>
-                  <a:outerShdw blurRad="63500" dist="38099" dir="2700000" algn="ctr" rotWithShape="0">
-                    <a:srgbClr val="000000">
-                      <a:alpha val="74998"/>
-                    </a:srgbClr>
-                  </a:outerShdw>
-                </a:effectLst>
-              </a14:hiddenEffects>
-            </a:ext>
-          </a:extLst>
-        </p:spPr>
-        <p:txBody>
-          <a:bodyPr vert="horz" wrap="square" lIns="91440" tIns="45720" rIns="91440" bIns="45720" numCol="1" rtlCol="0" anchor="t" anchorCtr="0" compatLnSpc="1">
-            <a:prstTxWarp prst="textNoShape">
-              <a:avLst/>
-            </a:prstTxWarp>
-          </a:bodyPr>
-          <a:lstStyle/>
-          <a:p>
-            <a:pPr marL="0" marR="0" indent="0" algn="l" defTabSz="914400" rtl="0" eaLnBrk="0" fontAlgn="base" latinLnBrk="0" hangingPunct="0">
-              <a:lnSpc>
-                <a:spcPct val="100000"/>
-              </a:lnSpc>
-              <a:spcBef>
-                <a:spcPct val="0"/>
-              </a:spcBef>
-              <a:spcAft>
-                <a:spcPct val="0"/>
-              </a:spcAft>
-              <a:buClrTx/>
-              <a:buSzTx/>
-              <a:buFontTx/>
-              <a:buNone/>
-              <a:tabLst/>
-            </a:pPr>
-            <a:endParaRPr kumimoji="0" lang="en-US" sz="2400" b="0" i="0" u="none" strike="noStrike" cap="none" normalizeH="0" baseline="0">
-              <a:ln>
-                <a:noFill/>
-              </a:ln>
-              <a:solidFill>
-                <a:srgbClr val="000000"/>
-              </a:solidFill>
-              <a:effectLst/>
-              <a:latin typeface="Arial" charset="0"/>
-              <a:ea typeface="ＭＳ Ｐゴシック" charset="0"/>
-              <a:cs typeface="ＭＳ Ｐゴシック" charset="0"/>
-            </a:endParaRPr>
-          </a:p>
-        </p:txBody>
-      </p:sp>
-      <p:grpSp>
-        <p:nvGrpSpPr>
-          <p:cNvPr id="3" name="Gruppo 2">
-            <a:extLst>
-              <a:ext uri="{FF2B5EF4-FFF2-40B4-BE49-F238E27FC236}">
-                <a16:creationId xmlns:a16="http://schemas.microsoft.com/office/drawing/2014/main" id="{A4CB27E5-901E-5DA0-2DE4-D0E409108A84}"/>
-              </a:ext>
-            </a:extLst>
-          </p:cNvPr>
-          <p:cNvGrpSpPr/>
-          <p:nvPr/>
-        </p:nvGrpSpPr>
-        <p:grpSpPr>
-          <a:xfrm>
-            <a:off x="816685" y="988600"/>
-            <a:ext cx="7510630" cy="5024814"/>
-            <a:chOff x="43936" y="1385094"/>
-            <a:chExt cx="7964476" cy="5311804"/>
-          </a:xfrm>
-        </p:grpSpPr>
-        <p:pic>
-          <p:nvPicPr>
-            <p:cNvPr id="4" name="Immagine 3">
-              <a:extLst>
-                <a:ext uri="{FF2B5EF4-FFF2-40B4-BE49-F238E27FC236}">
-                  <a16:creationId xmlns:a16="http://schemas.microsoft.com/office/drawing/2014/main" id="{D0D8A28A-E8C0-A745-9F4D-6F09C1808FD5}"/>
-                </a:ext>
-              </a:extLst>
-            </p:cNvPr>
-            <p:cNvPicPr>
-              <a:picLocks noChangeAspect="1"/>
-            </p:cNvPicPr>
-            <p:nvPr/>
-          </p:nvPicPr>
-          <p:blipFill>
-            <a:blip r:embed="rId2"/>
-            <a:srcRect/>
-            <a:stretch/>
-          </p:blipFill>
-          <p:spPr>
-            <a:xfrm>
-              <a:off x="43936" y="1385096"/>
-              <a:ext cx="3572368" cy="5311802"/>
-            </a:xfrm>
-            <a:prstGeom prst="rect">
-              <a:avLst/>
-            </a:prstGeom>
-          </p:spPr>
-        </p:pic>
-        <p:pic>
-          <p:nvPicPr>
-            <p:cNvPr id="5" name="Immagine 4">
-              <a:extLst>
-                <a:ext uri="{FF2B5EF4-FFF2-40B4-BE49-F238E27FC236}">
-                  <a16:creationId xmlns:a16="http://schemas.microsoft.com/office/drawing/2014/main" id="{DCD03713-52A5-D629-FBD6-A1C0327112B0}"/>
-                </a:ext>
-              </a:extLst>
-            </p:cNvPr>
-            <p:cNvPicPr>
-              <a:picLocks noChangeAspect="1"/>
-            </p:cNvPicPr>
-            <p:nvPr/>
-          </p:nvPicPr>
-          <p:blipFill>
-            <a:blip r:embed="rId3"/>
-            <a:srcRect/>
-            <a:stretch/>
-          </p:blipFill>
-          <p:spPr>
-            <a:xfrm>
-              <a:off x="4436439" y="1385094"/>
-              <a:ext cx="3571973" cy="5311214"/>
-            </a:xfrm>
-            <a:prstGeom prst="rect">
-              <a:avLst/>
-            </a:prstGeom>
-          </p:spPr>
-        </p:pic>
-      </p:grpSp>
-    </p:spTree>
-    <p:extLst>
-      <p:ext uri="{BB962C8B-B14F-4D97-AF65-F5344CB8AC3E}">
-        <p14:creationId xmlns:p14="http://schemas.microsoft.com/office/powerpoint/2010/main" val="1688515912"/>
-      </p:ext>
-    </p:extLst>
-  </p:cSld>
-  <p:clrMapOvr>
-    <a:masterClrMapping/>
-  </p:clrMapOvr>
-</p:sld>
-</file>
-
-<file path=ppt/slides/slide31.xml><?xml version="1.0" encoding="utf-8"?>
-<p:sld xmlns:a="http://schemas.openxmlformats.org/drawingml/2006/main" xmlns:r="http://schemas.openxmlformats.org/officeDocument/2006/relationships" xmlns:p="http://schemas.openxmlformats.org/presentationml/2006/main">
-  <p:cSld>
-    <p:spTree>
-      <p:nvGrpSpPr>
-        <p:cNvPr id="1" name=""/>
-        <p:cNvGrpSpPr/>
-        <p:nvPr/>
-      </p:nvGrpSpPr>
-      <p:grpSpPr>
-        <a:xfrm>
-          <a:off x="0" y="0"/>
-          <a:ext cx="0" cy="0"/>
-          <a:chOff x="0" y="0"/>
-          <a:chExt cx="0" cy="0"/>
-        </a:xfrm>
-      </p:grpSpPr>
-      <p:sp>
-        <p:nvSpPr>
-          <p:cNvPr id="2" name="Titolo 1">
-            <a:extLst>
-              <a:ext uri="{FF2B5EF4-FFF2-40B4-BE49-F238E27FC236}">
-                <a16:creationId xmlns:a16="http://schemas.microsoft.com/office/drawing/2014/main" id="{AFEFEAD0-5246-726C-3122-EF9AE58FAC80}"/>
-              </a:ext>
-            </a:extLst>
-          </p:cNvPr>
-          <p:cNvSpPr txBox="1">
-            <a:spLocks noChangeArrowheads="1"/>
-          </p:cNvSpPr>
-          <p:nvPr/>
-        </p:nvSpPr>
-        <p:spPr bwMode="auto">
-          <a:xfrm>
-            <a:off x="3015163" y="253099"/>
-            <a:ext cx="5724624" cy="482108"/>
-          </a:xfrm>
-          <a:prstGeom prst="rect">
-            <a:avLst/>
-          </a:prstGeom>
-          <a:ln w="9525" cap="flat" cmpd="sng" algn="ctr">
-            <a:solidFill>
-              <a:schemeClr val="dk1"/>
-            </a:solidFill>
-            <a:prstDash val="solid"/>
-            <a:round/>
-            <a:headEnd type="none" w="med" len="med"/>
-            <a:tailEnd type="none" w="med" len="med"/>
-          </a:ln>
-          <a:extLst>
-            <a:ext uri="{909E8E84-426E-40DD-AFC4-6F175D3DCCD1}">
-              <a14:hiddenFill xmlns:a14="http://schemas.microsoft.com/office/drawing/2010/main">
-                <a:solidFill>
-                  <a:schemeClr val="accent1"/>
-                </a:solidFill>
-              </a14:hiddenFill>
-            </a:ext>
-          </a:extLst>
-        </p:spPr>
-        <p:style>
-          <a:lnRef idx="0">
-            <a:scrgbClr r="0" g="0" b="0"/>
-          </a:lnRef>
-          <a:fillRef idx="0">
-            <a:scrgbClr r="0" g="0" b="0"/>
-          </a:fillRef>
-          <a:effectRef idx="0">
-            <a:scrgbClr r="0" g="0" b="0"/>
-          </a:effectRef>
-          <a:fontRef idx="minor">
-            <a:schemeClr val="dk1"/>
-          </a:fontRef>
-        </p:style>
-        <p:txBody>
-          <a:bodyPr vert="horz" wrap="square" lIns="91440" tIns="45720" rIns="91440" bIns="45720" numCol="1" anchor="ctr" anchorCtr="0" compatLnSpc="1">
-            <a:prstTxWarp prst="textNoShape">
-              <a:avLst/>
-            </a:prstTxWarp>
-          </a:bodyPr>
-          <a:lstStyle>
-            <a:lvl1pPr algn="l" rtl="0" eaLnBrk="0" fontAlgn="base" hangingPunct="0">
-              <a:spcBef>
-                <a:spcPct val="0"/>
-              </a:spcBef>
-              <a:spcAft>
-                <a:spcPct val="0"/>
-              </a:spcAft>
-              <a:defRPr sz="2400" b="1">
-                <a:solidFill>
-                  <a:schemeClr val="dk1"/>
-                </a:solidFill>
-                <a:latin typeface="+mn-lt"/>
-                <a:ea typeface="+mn-ea"/>
-                <a:cs typeface="+mn-cs"/>
-              </a:defRPr>
-            </a:lvl1pPr>
-            <a:lvl2pPr algn="l" rtl="0" eaLnBrk="0" fontAlgn="base" hangingPunct="0">
-              <a:spcBef>
-                <a:spcPct val="0"/>
-              </a:spcBef>
-              <a:spcAft>
-                <a:spcPct val="0"/>
-              </a:spcAft>
-              <a:defRPr sz="2400" b="1">
-                <a:solidFill>
-                  <a:schemeClr val="dk1"/>
-                </a:solidFill>
-                <a:latin typeface="+mn-lt"/>
-                <a:ea typeface="+mn-ea"/>
-                <a:cs typeface="+mn-cs"/>
-              </a:defRPr>
-            </a:lvl2pPr>
-            <a:lvl3pPr algn="l" rtl="0" eaLnBrk="0" fontAlgn="base" hangingPunct="0">
-              <a:spcBef>
-                <a:spcPct val="0"/>
-              </a:spcBef>
-              <a:spcAft>
-                <a:spcPct val="0"/>
-              </a:spcAft>
-              <a:defRPr sz="2400" b="1">
-                <a:solidFill>
-                  <a:schemeClr val="dk1"/>
-                </a:solidFill>
-                <a:latin typeface="+mn-lt"/>
-                <a:ea typeface="+mn-ea"/>
-                <a:cs typeface="+mn-cs"/>
-              </a:defRPr>
-            </a:lvl3pPr>
-            <a:lvl4pPr algn="l" rtl="0" eaLnBrk="0" fontAlgn="base" hangingPunct="0">
-              <a:spcBef>
-                <a:spcPct val="0"/>
-              </a:spcBef>
-              <a:spcAft>
-                <a:spcPct val="0"/>
-              </a:spcAft>
-              <a:defRPr sz="2400" b="1">
-                <a:solidFill>
-                  <a:schemeClr val="dk1"/>
-                </a:solidFill>
-                <a:latin typeface="+mn-lt"/>
-                <a:ea typeface="+mn-ea"/>
-                <a:cs typeface="+mn-cs"/>
-              </a:defRPr>
-            </a:lvl4pPr>
-            <a:lvl5pPr algn="l" rtl="0" eaLnBrk="0" fontAlgn="base" hangingPunct="0">
-              <a:spcBef>
-                <a:spcPct val="0"/>
-              </a:spcBef>
-              <a:spcAft>
-                <a:spcPct val="0"/>
-              </a:spcAft>
-              <a:defRPr sz="2400" b="1">
-                <a:solidFill>
-                  <a:schemeClr val="dk1"/>
-                </a:solidFill>
-                <a:latin typeface="+mn-lt"/>
-                <a:ea typeface="+mn-ea"/>
-                <a:cs typeface="+mn-cs"/>
-              </a:defRPr>
-            </a:lvl5pPr>
-            <a:lvl6pPr marL="457200" algn="l" rtl="0" eaLnBrk="1" fontAlgn="base" hangingPunct="1">
-              <a:spcBef>
-                <a:spcPct val="0"/>
-              </a:spcBef>
-              <a:spcAft>
-                <a:spcPct val="0"/>
-              </a:spcAft>
-              <a:defRPr sz="2400" b="1">
-                <a:solidFill>
-                  <a:schemeClr val="dk1"/>
-                </a:solidFill>
-                <a:latin typeface="+mn-lt"/>
-                <a:ea typeface="+mn-ea"/>
-                <a:cs typeface="+mn-cs"/>
-              </a:defRPr>
-            </a:lvl6pPr>
-            <a:lvl7pPr marL="914400" algn="l" rtl="0" eaLnBrk="1" fontAlgn="base" hangingPunct="1">
-              <a:spcBef>
-                <a:spcPct val="0"/>
-              </a:spcBef>
-              <a:spcAft>
-                <a:spcPct val="0"/>
-              </a:spcAft>
-              <a:defRPr sz="2400" b="1">
-                <a:solidFill>
-                  <a:schemeClr val="dk1"/>
-                </a:solidFill>
-                <a:latin typeface="+mn-lt"/>
-                <a:ea typeface="+mn-ea"/>
-                <a:cs typeface="+mn-cs"/>
-              </a:defRPr>
-            </a:lvl7pPr>
-            <a:lvl8pPr marL="1371600" algn="l" rtl="0" eaLnBrk="1" fontAlgn="base" hangingPunct="1">
-              <a:spcBef>
-                <a:spcPct val="0"/>
-              </a:spcBef>
-              <a:spcAft>
-                <a:spcPct val="0"/>
-              </a:spcAft>
-              <a:defRPr sz="2400" b="1">
-                <a:solidFill>
-                  <a:schemeClr val="dk1"/>
-                </a:solidFill>
-                <a:latin typeface="+mn-lt"/>
-                <a:ea typeface="+mn-ea"/>
-                <a:cs typeface="+mn-cs"/>
-              </a:defRPr>
-            </a:lvl8pPr>
-            <a:lvl9pPr marL="1828800" algn="l" rtl="0" eaLnBrk="1" fontAlgn="base" hangingPunct="1">
-              <a:spcBef>
-                <a:spcPct val="0"/>
-              </a:spcBef>
-              <a:spcAft>
-                <a:spcPct val="0"/>
-              </a:spcAft>
-              <a:defRPr sz="2400" b="1">
-                <a:solidFill>
-                  <a:schemeClr val="dk1"/>
-                </a:solidFill>
-                <a:latin typeface="+mn-lt"/>
-                <a:ea typeface="+mn-ea"/>
-                <a:cs typeface="+mn-cs"/>
-              </a:defRPr>
-            </a:lvl9pPr>
-          </a:lstStyle>
-          <a:p>
-            <a:pPr algn="ctr"/>
-            <a:r>
-              <a:rPr lang="it-IT" altLang="it-IT" kern="0" dirty="0">
-                <a:latin typeface="Calibri" panose="020F0502020204030204" pitchFamily="34" charset="0"/>
-                <a:ea typeface="ＭＳ Ｐゴシック" panose="020B0600070205080204" pitchFamily="34" charset="-128"/>
-              </a:rPr>
               <a:t>CONCLUSIONS</a:t>
             </a:r>
           </a:p>
@@ -22331,14 +20364,14 @@
           <a:effectLst/>
           <a:extLst>
             <a:ext uri="{909E8E84-426E-40dd-AFC4-6F175D3DCCD1}">
-              <a14:hiddenFill xmlns="" xmlns:a14="http://schemas.microsoft.com/office/drawing/2010/main">
+              <a14:hiddenFill xmlns:a14="http://schemas.microsoft.com/office/drawing/2010/main" xmlns="">
                 <a:solidFill>
                   <a:schemeClr val="accent1"/>
                 </a:solidFill>
               </a14:hiddenFill>
             </a:ext>
             <a:ext uri="{91240B29-F687-4f45-9708-019B960494DF}">
-              <a14:hiddenLine xmlns="" xmlns:a14="http://schemas.microsoft.com/office/drawing/2010/main" w="9525" cap="flat" cmpd="sng" algn="ctr">
+              <a14:hiddenLine xmlns:a14="http://schemas.microsoft.com/office/drawing/2010/main" xmlns="" w="9525" cap="flat" cmpd="sng" algn="ctr">
                 <a:solidFill>
                   <a:schemeClr val="tx1"/>
                 </a:solidFill>
@@ -22349,7 +20382,7 @@
               </a14:hiddenLine>
             </a:ext>
             <a:ext uri="{AF507438-7753-43e0-B8FC-AC1667EBCBE1}">
-              <a14:hiddenEffects xmlns="" xmlns:a14="http://schemas.microsoft.com/office/drawing/2010/main">
+              <a14:hiddenEffects xmlns:a14="http://schemas.microsoft.com/office/drawing/2010/main" xmlns="">
                 <a:effectLst>
                   <a:outerShdw blurRad="63500" dist="38099" dir="2700000" algn="ctr" rotWithShape="0">
                     <a:srgbClr val="000000">
@@ -22620,7 +20653,7 @@
 </p:sld>
 </file>
 
-<file path=ppt/slides/slide32.xml><?xml version="1.0" encoding="utf-8"?>
+<file path=ppt/slides/slide31.xml><?xml version="1.0" encoding="utf-8"?>
 <p:sld xmlns:a="http://schemas.openxmlformats.org/drawingml/2006/main" xmlns:r="http://schemas.openxmlformats.org/officeDocument/2006/relationships" xmlns:p="http://schemas.openxmlformats.org/presentationml/2006/main">
   <p:cSld>
     <p:spTree>
@@ -23132,14 +21165,14 @@
           <a:effectLst/>
           <a:extLst>
             <a:ext uri="{909E8E84-426E-40dd-AFC4-6F175D3DCCD1}">
-              <a14:hiddenFill xmlns="" xmlns:a14="http://schemas.microsoft.com/office/drawing/2010/main">
+              <a14:hiddenFill xmlns:a14="http://schemas.microsoft.com/office/drawing/2010/main" xmlns="">
                 <a:solidFill>
                   <a:schemeClr val="accent1"/>
                 </a:solidFill>
               </a14:hiddenFill>
             </a:ext>
             <a:ext uri="{91240B29-F687-4f45-9708-019B960494DF}">
-              <a14:hiddenLine xmlns="" xmlns:a14="http://schemas.microsoft.com/office/drawing/2010/main" w="9525" cap="flat" cmpd="sng" algn="ctr">
+              <a14:hiddenLine xmlns:a14="http://schemas.microsoft.com/office/drawing/2010/main" xmlns="" w="9525" cap="flat" cmpd="sng" algn="ctr">
                 <a:solidFill>
                   <a:schemeClr val="tx1"/>
                 </a:solidFill>
@@ -23150,7 +21183,7 @@
               </a14:hiddenLine>
             </a:ext>
             <a:ext uri="{AF507438-7753-43e0-B8FC-AC1667EBCBE1}">
-              <a14:hiddenEffects xmlns="" xmlns:a14="http://schemas.microsoft.com/office/drawing/2010/main">
+              <a14:hiddenEffects xmlns:a14="http://schemas.microsoft.com/office/drawing/2010/main" xmlns="">
                 <a:effectLst>
                   <a:outerShdw blurRad="63500" dist="38099" dir="2700000" algn="ctr" rotWithShape="0">
                     <a:srgbClr val="000000">
@@ -23258,8 +21291,8 @@
           </a:p>
         </p:txBody>
       </p:sp>
-      <mc:AlternateContent xmlns:mc="http://schemas.openxmlformats.org/markup-compatibility/2006">
-        <mc:Choice xmlns:a14="http://schemas.microsoft.com/office/drawing/2010/main" Requires="a14">
+      <mc:AlternateContent xmlns:mc="http://schemas.openxmlformats.org/markup-compatibility/2006" xmlns:a14="http://schemas.microsoft.com/office/drawing/2010/main">
+        <mc:Choice Requires="a14">
           <p:sp>
             <p:nvSpPr>
               <p:cNvPr id="4" name="CasellaDiTesto 3">
@@ -23732,7 +21765,7 @@
             </p:txBody>
           </p:sp>
         </mc:Choice>
-        <mc:Fallback>
+        <mc:Fallback xmlns="">
           <p:sp>
             <p:nvSpPr>
               <p:cNvPr id="4" name="CasellaDiTesto 3">
@@ -24182,14 +22215,14 @@
           <a:effectLst/>
           <a:extLst>
             <a:ext uri="{909E8E84-426E-40dd-AFC4-6F175D3DCCD1}">
-              <a14:hiddenFill xmlns="" xmlns:a14="http://schemas.microsoft.com/office/drawing/2010/main">
+              <a14:hiddenFill xmlns:a14="http://schemas.microsoft.com/office/drawing/2010/main" xmlns="">
                 <a:solidFill>
                   <a:schemeClr val="accent1"/>
                 </a:solidFill>
               </a14:hiddenFill>
             </a:ext>
             <a:ext uri="{91240B29-F687-4f45-9708-019B960494DF}">
-              <a14:hiddenLine xmlns="" xmlns:a14="http://schemas.microsoft.com/office/drawing/2010/main" w="9525" cap="flat" cmpd="sng" algn="ctr">
+              <a14:hiddenLine xmlns:a14="http://schemas.microsoft.com/office/drawing/2010/main" xmlns="" w="9525" cap="flat" cmpd="sng" algn="ctr">
                 <a:solidFill>
                   <a:schemeClr val="tx1"/>
                 </a:solidFill>
@@ -24200,7 +22233,7 @@
               </a14:hiddenLine>
             </a:ext>
             <a:ext uri="{AF507438-7753-43e0-B8FC-AC1667EBCBE1}">
-              <a14:hiddenEffects xmlns="" xmlns:a14="http://schemas.microsoft.com/office/drawing/2010/main">
+              <a14:hiddenEffects xmlns:a14="http://schemas.microsoft.com/office/drawing/2010/main" xmlns="">
                 <a:effectLst>
                   <a:outerShdw blurRad="63500" dist="38099" dir="2700000" algn="ctr" rotWithShape="0">
                     <a:srgbClr val="000000">
@@ -24295,8 +22328,8 @@
           </a:p>
         </p:txBody>
       </p:sp>
-      <mc:AlternateContent xmlns:mc="http://schemas.openxmlformats.org/markup-compatibility/2006">
-        <mc:Choice xmlns:a14="http://schemas.microsoft.com/office/drawing/2010/main" Requires="a14">
+      <mc:AlternateContent xmlns:mc="http://schemas.openxmlformats.org/markup-compatibility/2006" xmlns:a14="http://schemas.microsoft.com/office/drawing/2010/main">
+        <mc:Choice Requires="a14">
           <p:sp>
             <p:nvSpPr>
               <p:cNvPr id="4" name="CasellaDiTesto 3">
@@ -24339,6 +22372,7 @@
               </a:bodyPr>
               <a:lstStyle/>
               <a:p>
+                <a:pPr/>
                 <a14:m>
                   <m:oMathPara xmlns:m="http://schemas.openxmlformats.org/officeDocument/2006/math">
                     <m:oMathParaPr>
@@ -24577,7 +22611,7 @@
             </p:txBody>
           </p:sp>
         </mc:Choice>
-        <mc:Fallback>
+        <mc:Fallback xmlns="">
           <p:sp>
             <p:nvSpPr>
               <p:cNvPr id="4" name="CasellaDiTesto 3">
@@ -24678,8 +22712,8 @@
           </a:p>
         </p:txBody>
       </p:sp>
-      <mc:AlternateContent xmlns:mc="http://schemas.openxmlformats.org/markup-compatibility/2006">
-        <mc:Choice xmlns:a14="http://schemas.microsoft.com/office/drawing/2010/main" Requires="a14">
+      <mc:AlternateContent xmlns:mc="http://schemas.openxmlformats.org/markup-compatibility/2006" xmlns:a14="http://schemas.microsoft.com/office/drawing/2010/main">
+        <mc:Choice Requires="a14">
           <p:sp>
             <p:nvSpPr>
               <p:cNvPr id="6" name="CasellaDiTesto 5">
@@ -24722,6 +22756,7 @@
               </a:bodyPr>
               <a:lstStyle/>
               <a:p>
+                <a:pPr/>
                 <a14:m>
                   <m:oMathPara xmlns:m="http://schemas.openxmlformats.org/officeDocument/2006/math">
                     <m:oMathParaPr>
@@ -24969,7 +23004,7 @@
             </p:txBody>
           </p:sp>
         </mc:Choice>
-        <mc:Fallback>
+        <mc:Fallback xmlns="">
           <p:sp>
             <p:nvSpPr>
               <p:cNvPr id="6" name="CasellaDiTesto 5">
@@ -25596,14 +23631,14 @@
           <a:effectLst/>
           <a:extLst>
             <a:ext uri="{909E8E84-426E-40dd-AFC4-6F175D3DCCD1}">
-              <a14:hiddenFill xmlns:a14="http://schemas.microsoft.com/office/drawing/2010/main" xmlns="">
+              <a14:hiddenFill xmlns="" xmlns:a14="http://schemas.microsoft.com/office/drawing/2010/main">
                 <a:solidFill>
                   <a:schemeClr val="accent1"/>
                 </a:solidFill>
               </a14:hiddenFill>
             </a:ext>
             <a:ext uri="{91240B29-F687-4f45-9708-019B960494DF}">
-              <a14:hiddenLine xmlns:a14="http://schemas.microsoft.com/office/drawing/2010/main" xmlns="" w="9525" cap="flat" cmpd="sng" algn="ctr">
+              <a14:hiddenLine xmlns="" xmlns:a14="http://schemas.microsoft.com/office/drawing/2010/main" w="9525" cap="flat" cmpd="sng" algn="ctr">
                 <a:solidFill>
                   <a:schemeClr val="tx1"/>
                 </a:solidFill>
@@ -25614,7 +23649,7 @@
               </a14:hiddenLine>
             </a:ext>
             <a:ext uri="{AF507438-7753-43e0-B8FC-AC1667EBCBE1}">
-              <a14:hiddenEffects xmlns:a14="http://schemas.microsoft.com/office/drawing/2010/main" xmlns="">
+              <a14:hiddenEffects xmlns="" xmlns:a14="http://schemas.microsoft.com/office/drawing/2010/main">
                 <a:effectLst>
                   <a:outerShdw blurRad="63500" dist="38099" dir="2700000" algn="ctr" rotWithShape="0">
                     <a:srgbClr val="000000">
@@ -25709,8 +23744,8 @@
           </a:p>
         </p:txBody>
       </p:sp>
-      <mc:AlternateContent xmlns:mc="http://schemas.openxmlformats.org/markup-compatibility/2006">
-        <mc:Choice xmlns:a14="http://schemas.microsoft.com/office/drawing/2010/main" Requires="a14">
+      <mc:AlternateContent xmlns:mc="http://schemas.openxmlformats.org/markup-compatibility/2006" xmlns:a14="http://schemas.microsoft.com/office/drawing/2010/main">
+        <mc:Choice Requires="a14">
           <p:sp>
             <p:nvSpPr>
               <p:cNvPr id="4" name="CasellaDiTesto 3">
@@ -26211,7 +24246,7 @@
             </p:txBody>
           </p:sp>
         </mc:Choice>
-        <mc:Fallback>
+        <mc:Fallback xmlns="">
           <p:sp>
             <p:nvSpPr>
               <p:cNvPr id="4" name="CasellaDiTesto 3">
@@ -26533,8 +24568,8 @@
           </a:p>
         </p:txBody>
       </p:sp>
-      <mc:AlternateContent xmlns:mc="http://schemas.openxmlformats.org/markup-compatibility/2006">
-        <mc:Choice xmlns:a14="http://schemas.microsoft.com/office/drawing/2010/main" Requires="a14">
+      <mc:AlternateContent xmlns:mc="http://schemas.openxmlformats.org/markup-compatibility/2006" xmlns:a14="http://schemas.microsoft.com/office/drawing/2010/main">
+        <mc:Choice Requires="a14">
           <p:sp>
             <p:nvSpPr>
               <p:cNvPr id="9" name="CasellaDiTesto 8">
@@ -27085,7 +25120,7 @@
             </p:txBody>
           </p:sp>
         </mc:Choice>
-        <mc:Fallback>
+        <mc:Fallback xmlns="">
           <p:sp>
             <p:nvSpPr>
               <p:cNvPr id="9" name="CasellaDiTesto 8">
@@ -27418,14 +25453,14 @@
           <a:effectLst/>
           <a:extLst>
             <a:ext uri="{909E8E84-426E-40dd-AFC4-6F175D3DCCD1}">
-              <a14:hiddenFill xmlns="" xmlns:a14="http://schemas.microsoft.com/office/drawing/2010/main">
+              <a14:hiddenFill xmlns:a14="http://schemas.microsoft.com/office/drawing/2010/main" xmlns="">
                 <a:solidFill>
                   <a:schemeClr val="accent1"/>
                 </a:solidFill>
               </a14:hiddenFill>
             </a:ext>
             <a:ext uri="{91240B29-F687-4f45-9708-019B960494DF}">
-              <a14:hiddenLine xmlns="" xmlns:a14="http://schemas.microsoft.com/office/drawing/2010/main" w="9525" cap="flat" cmpd="sng" algn="ctr">
+              <a14:hiddenLine xmlns:a14="http://schemas.microsoft.com/office/drawing/2010/main" xmlns="" w="9525" cap="flat" cmpd="sng" algn="ctr">
                 <a:solidFill>
                   <a:schemeClr val="tx1"/>
                 </a:solidFill>
@@ -27436,7 +25471,7 @@
               </a14:hiddenLine>
             </a:ext>
             <a:ext uri="{AF507438-7753-43e0-B8FC-AC1667EBCBE1}">
-              <a14:hiddenEffects xmlns="" xmlns:a14="http://schemas.microsoft.com/office/drawing/2010/main">
+              <a14:hiddenEffects xmlns:a14="http://schemas.microsoft.com/office/drawing/2010/main" xmlns="">
                 <a:effectLst>
                   <a:outerShdw blurRad="63500" dist="38099" dir="2700000" algn="ctr" rotWithShape="0">
                     <a:srgbClr val="000000">
@@ -27516,8 +25551,8 @@
           </a:prstGeom>
         </p:spPr>
       </p:pic>
-      <mc:AlternateContent xmlns:mc="http://schemas.openxmlformats.org/markup-compatibility/2006">
-        <mc:Choice xmlns:a14="http://schemas.microsoft.com/office/drawing/2010/main" Requires="a14">
+      <mc:AlternateContent xmlns:mc="http://schemas.openxmlformats.org/markup-compatibility/2006" xmlns:a14="http://schemas.microsoft.com/office/drawing/2010/main">
+        <mc:Choice Requires="a14">
           <p:sp>
             <p:nvSpPr>
               <p:cNvPr id="5" name="CasellaDiTesto 4">
@@ -27796,7 +25831,7 @@
             </p:txBody>
           </p:sp>
         </mc:Choice>
-        <mc:Fallback>
+        <mc:Fallback xmlns="">
           <p:sp>
             <p:nvSpPr>
               <p:cNvPr id="5" name="CasellaDiTesto 4">
@@ -28117,14 +26152,14 @@
           <a:effectLst/>
           <a:extLst>
             <a:ext uri="{909E8E84-426E-40dd-AFC4-6F175D3DCCD1}">
-              <a14:hiddenFill xmlns:a14="http://schemas.microsoft.com/office/drawing/2010/main" xmlns="">
+              <a14:hiddenFill xmlns="" xmlns:a14="http://schemas.microsoft.com/office/drawing/2010/main">
                 <a:solidFill>
                   <a:schemeClr val="accent1"/>
                 </a:solidFill>
               </a14:hiddenFill>
             </a:ext>
             <a:ext uri="{91240B29-F687-4f45-9708-019B960494DF}">
-              <a14:hiddenLine xmlns:a14="http://schemas.microsoft.com/office/drawing/2010/main" xmlns="" w="9525" cap="flat" cmpd="sng" algn="ctr">
+              <a14:hiddenLine xmlns="" xmlns:a14="http://schemas.microsoft.com/office/drawing/2010/main" w="9525" cap="flat" cmpd="sng" algn="ctr">
                 <a:solidFill>
                   <a:schemeClr val="tx1"/>
                 </a:solidFill>
@@ -28135,7 +26170,7 @@
               </a14:hiddenLine>
             </a:ext>
             <a:ext uri="{AF507438-7753-43e0-B8FC-AC1667EBCBE1}">
-              <a14:hiddenEffects xmlns:a14="http://schemas.microsoft.com/office/drawing/2010/main" xmlns="">
+              <a14:hiddenEffects xmlns="" xmlns:a14="http://schemas.microsoft.com/office/drawing/2010/main">
                 <a:effectLst>
                   <a:outerShdw blurRad="63500" dist="38099" dir="2700000" algn="ctr" rotWithShape="0">
                     <a:srgbClr val="000000">
@@ -28216,8 +26251,8 @@
           </a:prstGeom>
         </p:spPr>
       </p:pic>
-      <mc:AlternateContent xmlns:mc="http://schemas.openxmlformats.org/markup-compatibility/2006">
-        <mc:Choice xmlns:a14="http://schemas.microsoft.com/office/drawing/2010/main" Requires="a14">
+      <mc:AlternateContent xmlns:mc="http://schemas.openxmlformats.org/markup-compatibility/2006" xmlns:a14="http://schemas.microsoft.com/office/drawing/2010/main">
+        <mc:Choice Requires="a14">
           <p:sp>
             <p:nvSpPr>
               <p:cNvPr id="5" name="CasellaDiTesto 4">
@@ -28456,7 +26491,7 @@
             </p:txBody>
           </p:sp>
         </mc:Choice>
-        <mc:Fallback>
+        <mc:Fallback xmlns="">
           <p:sp>
             <p:nvSpPr>
               <p:cNvPr id="5" name="CasellaDiTesto 4">
@@ -28777,14 +26812,14 @@
           <a:effectLst/>
           <a:extLst>
             <a:ext uri="{909E8E84-426E-40dd-AFC4-6F175D3DCCD1}">
-              <a14:hiddenFill xmlns="" xmlns:a14="http://schemas.microsoft.com/office/drawing/2010/main">
+              <a14:hiddenFill xmlns:a14="http://schemas.microsoft.com/office/drawing/2010/main" xmlns="">
                 <a:solidFill>
                   <a:schemeClr val="accent1"/>
                 </a:solidFill>
               </a14:hiddenFill>
             </a:ext>
             <a:ext uri="{91240B29-F687-4f45-9708-019B960494DF}">
-              <a14:hiddenLine xmlns="" xmlns:a14="http://schemas.microsoft.com/office/drawing/2010/main" w="9525" cap="flat" cmpd="sng" algn="ctr">
+              <a14:hiddenLine xmlns:a14="http://schemas.microsoft.com/office/drawing/2010/main" xmlns="" w="9525" cap="flat" cmpd="sng" algn="ctr">
                 <a:solidFill>
                   <a:schemeClr val="tx1"/>
                 </a:solidFill>
@@ -28795,7 +26830,7 @@
               </a14:hiddenLine>
             </a:ext>
             <a:ext uri="{AF507438-7753-43e0-B8FC-AC1667EBCBE1}">
-              <a14:hiddenEffects xmlns="" xmlns:a14="http://schemas.microsoft.com/office/drawing/2010/main">
+              <a14:hiddenEffects xmlns:a14="http://schemas.microsoft.com/office/drawing/2010/main" xmlns="">
                 <a:effectLst>
                   <a:outerShdw blurRad="63500" dist="38099" dir="2700000" algn="ctr" rotWithShape="0">
                     <a:srgbClr val="000000">
@@ -28979,7 +27014,7 @@
                   <a:srgbClr val="000000"/>
                 </a:solidFill>
               </a:rPr>
-              <a:t> Introduce noise</a:t>
+              <a:t> Introduce measurement noise</a:t>
             </a:r>
           </a:p>
           <a:p>
@@ -29329,14 +27364,14 @@
         <a:effectLst/>
         <a:extLst>
           <a:ext uri="{909E8E84-426E-40dd-AFC4-6F175D3DCCD1}">
-            <a14:hiddenFill xmlns="" xmlns:a14="http://schemas.microsoft.com/office/drawing/2010/main">
+            <a14:hiddenFill xmlns:a14="http://schemas.microsoft.com/office/drawing/2010/main" xmlns="">
               <a:solidFill>
                 <a:schemeClr val="accent1"/>
               </a:solidFill>
             </a14:hiddenFill>
           </a:ext>
           <a:ext uri="{91240B29-F687-4f45-9708-019B960494DF}">
-            <a14:hiddenLine xmlns="" xmlns:a14="http://schemas.microsoft.com/office/drawing/2010/main" w="9525" cap="flat" cmpd="sng" algn="ctr">
+            <a14:hiddenLine xmlns:a14="http://schemas.microsoft.com/office/drawing/2010/main" xmlns="" w="9525" cap="flat" cmpd="sng" algn="ctr">
               <a:solidFill>
                 <a:schemeClr val="tx1"/>
               </a:solidFill>
@@ -29347,7 +27382,7 @@
             </a14:hiddenLine>
           </a:ext>
           <a:ext uri="{AF507438-7753-43e0-B8FC-AC1667EBCBE1}">
-            <a14:hiddenEffects xmlns="" xmlns:a14="http://schemas.microsoft.com/office/drawing/2010/main">
+            <a14:hiddenEffects xmlns:a14="http://schemas.microsoft.com/office/drawing/2010/main" xmlns="">
               <a:effectLst>
                 <a:outerShdw blurRad="63500" dist="38099" dir="2700000" algn="ctr" rotWithShape="0">
                   <a:srgbClr val="000000">
@@ -29416,14 +27451,14 @@
         <a:effectLst/>
         <a:extLst>
           <a:ext uri="{909E8E84-426E-40dd-AFC4-6F175D3DCCD1}">
-            <a14:hiddenFill xmlns="" xmlns:a14="http://schemas.microsoft.com/office/drawing/2010/main">
+            <a14:hiddenFill xmlns:a14="http://schemas.microsoft.com/office/drawing/2010/main" xmlns="">
               <a:solidFill>
                 <a:schemeClr val="accent1"/>
               </a:solidFill>
             </a14:hiddenFill>
           </a:ext>
           <a:ext uri="{91240B29-F687-4f45-9708-019B960494DF}">
-            <a14:hiddenLine xmlns="" xmlns:a14="http://schemas.microsoft.com/office/drawing/2010/main" w="9525" cap="flat" cmpd="sng" algn="ctr">
+            <a14:hiddenLine xmlns:a14="http://schemas.microsoft.com/office/drawing/2010/main" xmlns="" w="9525" cap="flat" cmpd="sng" algn="ctr">
               <a:solidFill>
                 <a:schemeClr val="tx1"/>
               </a:solidFill>
@@ -29434,7 +27469,7 @@
             </a14:hiddenLine>
           </a:ext>
           <a:ext uri="{AF507438-7753-43e0-B8FC-AC1667EBCBE1}">
-            <a14:hiddenEffects xmlns="" xmlns:a14="http://schemas.microsoft.com/office/drawing/2010/main">
+            <a14:hiddenEffects xmlns:a14="http://schemas.microsoft.com/office/drawing/2010/main" xmlns="">
               <a:effectLst>
                 <a:outerShdw blurRad="63500" dist="38099" dir="2700000" algn="ctr" rotWithShape="0">
                   <a:srgbClr val="000000">

--- a/presentation/1895955_1884561.pptx
+++ b/presentation/1895955_1884561.pptx
@@ -6350,14 +6350,14 @@
           <a:effectLst/>
           <a:extLst>
             <a:ext uri="{909E8E84-426E-40dd-AFC4-6F175D3DCCD1}">
-              <a14:hiddenFill xmlns="" xmlns:a14="http://schemas.microsoft.com/office/drawing/2010/main">
+              <a14:hiddenFill xmlns:a14="http://schemas.microsoft.com/office/drawing/2010/main" xmlns="">
                 <a:solidFill>
                   <a:schemeClr val="accent1"/>
                 </a:solidFill>
               </a14:hiddenFill>
             </a:ext>
             <a:ext uri="{91240B29-F687-4f45-9708-019B960494DF}">
-              <a14:hiddenLine xmlns="" xmlns:a14="http://schemas.microsoft.com/office/drawing/2010/main" w="9525" cap="flat" cmpd="sng" algn="ctr">
+              <a14:hiddenLine xmlns:a14="http://schemas.microsoft.com/office/drawing/2010/main" xmlns="" w="9525" cap="flat" cmpd="sng" algn="ctr">
                 <a:solidFill>
                   <a:schemeClr val="tx1"/>
                 </a:solidFill>
@@ -6368,7 +6368,7 @@
               </a14:hiddenLine>
             </a:ext>
             <a:ext uri="{AF507438-7753-43e0-B8FC-AC1667EBCBE1}">
-              <a14:hiddenEffects xmlns="" xmlns:a14="http://schemas.microsoft.com/office/drawing/2010/main">
+              <a14:hiddenEffects xmlns:a14="http://schemas.microsoft.com/office/drawing/2010/main" xmlns="">
                 <a:effectLst>
                   <a:outerShdw blurRad="63500" dist="38099" dir="2700000" algn="ctr" rotWithShape="0">
                     <a:srgbClr val="000000">
@@ -6883,14 +6883,14 @@
           <a:effectLst/>
           <a:extLst>
             <a:ext uri="{909E8E84-426E-40dd-AFC4-6F175D3DCCD1}">
-              <a14:hiddenFill xmlns:a14="http://schemas.microsoft.com/office/drawing/2010/main" xmlns="">
+              <a14:hiddenFill xmlns="" xmlns:a14="http://schemas.microsoft.com/office/drawing/2010/main">
                 <a:solidFill>
                   <a:schemeClr val="accent1"/>
                 </a:solidFill>
               </a14:hiddenFill>
             </a:ext>
             <a:ext uri="{91240B29-F687-4f45-9708-019B960494DF}">
-              <a14:hiddenLine xmlns:a14="http://schemas.microsoft.com/office/drawing/2010/main" xmlns="" w="9525" cap="flat" cmpd="sng" algn="ctr">
+              <a14:hiddenLine xmlns="" xmlns:a14="http://schemas.microsoft.com/office/drawing/2010/main" w="9525" cap="flat" cmpd="sng" algn="ctr">
                 <a:solidFill>
                   <a:schemeClr val="tx1"/>
                 </a:solidFill>
@@ -6901,7 +6901,7 @@
               </a14:hiddenLine>
             </a:ext>
             <a:ext uri="{AF507438-7753-43e0-B8FC-AC1667EBCBE1}">
-              <a14:hiddenEffects xmlns:a14="http://schemas.microsoft.com/office/drawing/2010/main" xmlns="">
+              <a14:hiddenEffects xmlns="" xmlns:a14="http://schemas.microsoft.com/office/drawing/2010/main">
                 <a:effectLst>
                   <a:outerShdw blurRad="63500" dist="38099" dir="2700000" algn="ctr" rotWithShape="0">
                     <a:srgbClr val="000000">
@@ -10974,14 +10974,14 @@
           <a:effectLst/>
           <a:extLst>
             <a:ext uri="{909E8E84-426E-40dd-AFC4-6F175D3DCCD1}">
-              <a14:hiddenFill xmlns="" xmlns:a14="http://schemas.microsoft.com/office/drawing/2010/main">
+              <a14:hiddenFill xmlns:a14="http://schemas.microsoft.com/office/drawing/2010/main" xmlns="">
                 <a:solidFill>
                   <a:schemeClr val="accent1"/>
                 </a:solidFill>
               </a14:hiddenFill>
             </a:ext>
             <a:ext uri="{91240B29-F687-4f45-9708-019B960494DF}">
-              <a14:hiddenLine xmlns="" xmlns:a14="http://schemas.microsoft.com/office/drawing/2010/main" w="9525" cap="flat" cmpd="sng" algn="ctr">
+              <a14:hiddenLine xmlns:a14="http://schemas.microsoft.com/office/drawing/2010/main" xmlns="" w="9525" cap="flat" cmpd="sng" algn="ctr">
                 <a:solidFill>
                   <a:schemeClr val="tx1"/>
                 </a:solidFill>
@@ -10992,7 +10992,7 @@
               </a14:hiddenLine>
             </a:ext>
             <a:ext uri="{AF507438-7753-43e0-B8FC-AC1667EBCBE1}">
-              <a14:hiddenEffects xmlns="" xmlns:a14="http://schemas.microsoft.com/office/drawing/2010/main">
+              <a14:hiddenEffects xmlns:a14="http://schemas.microsoft.com/office/drawing/2010/main" xmlns="">
                 <a:effectLst>
                   <a:outerShdw blurRad="63500" dist="38099" dir="2700000" algn="ctr" rotWithShape="0">
                     <a:srgbClr val="000000">
@@ -12925,14 +12925,14 @@
           <a:effectLst/>
           <a:extLst>
             <a:ext uri="{909E8E84-426E-40dd-AFC4-6F175D3DCCD1}">
-              <a14:hiddenFill xmlns:a14="http://schemas.microsoft.com/office/drawing/2010/main" xmlns="">
+              <a14:hiddenFill xmlns="" xmlns:a14="http://schemas.microsoft.com/office/drawing/2010/main">
                 <a:solidFill>
                   <a:schemeClr val="accent1"/>
                 </a:solidFill>
               </a14:hiddenFill>
             </a:ext>
             <a:ext uri="{91240B29-F687-4f45-9708-019B960494DF}">
-              <a14:hiddenLine xmlns:a14="http://schemas.microsoft.com/office/drawing/2010/main" xmlns="" w="9525" cap="flat" cmpd="sng" algn="ctr">
+              <a14:hiddenLine xmlns="" xmlns:a14="http://schemas.microsoft.com/office/drawing/2010/main" w="9525" cap="flat" cmpd="sng" algn="ctr">
                 <a:solidFill>
                   <a:schemeClr val="tx1"/>
                 </a:solidFill>
@@ -12943,7 +12943,7 @@
               </a14:hiddenLine>
             </a:ext>
             <a:ext uri="{AF507438-7753-43e0-B8FC-AC1667EBCBE1}">
-              <a14:hiddenEffects xmlns:a14="http://schemas.microsoft.com/office/drawing/2010/main" xmlns="">
+              <a14:hiddenEffects xmlns="" xmlns:a14="http://schemas.microsoft.com/office/drawing/2010/main">
                 <a:effectLst>
                   <a:outerShdw blurRad="63500" dist="38099" dir="2700000" algn="ctr" rotWithShape="0">
                     <a:srgbClr val="000000">
@@ -13437,14 +13437,14 @@
           <a:effectLst/>
           <a:extLst>
             <a:ext uri="{909E8E84-426E-40dd-AFC4-6F175D3DCCD1}">
-              <a14:hiddenFill xmlns="" xmlns:a14="http://schemas.microsoft.com/office/drawing/2010/main">
+              <a14:hiddenFill xmlns:a14="http://schemas.microsoft.com/office/drawing/2010/main" xmlns="">
                 <a:solidFill>
                   <a:schemeClr val="accent1"/>
                 </a:solidFill>
               </a14:hiddenFill>
             </a:ext>
             <a:ext uri="{91240B29-F687-4f45-9708-019B960494DF}">
-              <a14:hiddenLine xmlns="" xmlns:a14="http://schemas.microsoft.com/office/drawing/2010/main" w="9525" cap="flat" cmpd="sng" algn="ctr">
+              <a14:hiddenLine xmlns:a14="http://schemas.microsoft.com/office/drawing/2010/main" xmlns="" w="9525" cap="flat" cmpd="sng" algn="ctr">
                 <a:solidFill>
                   <a:schemeClr val="tx1"/>
                 </a:solidFill>
@@ -13455,7 +13455,7 @@
               </a14:hiddenLine>
             </a:ext>
             <a:ext uri="{AF507438-7753-43e0-B8FC-AC1667EBCBE1}">
-              <a14:hiddenEffects xmlns="" xmlns:a14="http://schemas.microsoft.com/office/drawing/2010/main">
+              <a14:hiddenEffects xmlns:a14="http://schemas.microsoft.com/office/drawing/2010/main" xmlns="">
                 <a:effectLst>
                   <a:outerShdw blurRad="63500" dist="38099" dir="2700000" algn="ctr" rotWithShape="0">
                     <a:srgbClr val="000000">
@@ -14359,14 +14359,14 @@
           <a:effectLst/>
           <a:extLst>
             <a:ext uri="{909E8E84-426E-40dd-AFC4-6F175D3DCCD1}">
-              <a14:hiddenFill xmlns:a14="http://schemas.microsoft.com/office/drawing/2010/main" xmlns="">
+              <a14:hiddenFill xmlns="" xmlns:a14="http://schemas.microsoft.com/office/drawing/2010/main">
                 <a:solidFill>
                   <a:schemeClr val="accent1"/>
                 </a:solidFill>
               </a14:hiddenFill>
             </a:ext>
             <a:ext uri="{91240B29-F687-4f45-9708-019B960494DF}">
-              <a14:hiddenLine xmlns:a14="http://schemas.microsoft.com/office/drawing/2010/main" xmlns="" w="9525" cap="flat" cmpd="sng" algn="ctr">
+              <a14:hiddenLine xmlns="" xmlns:a14="http://schemas.microsoft.com/office/drawing/2010/main" w="9525" cap="flat" cmpd="sng" algn="ctr">
                 <a:solidFill>
                   <a:schemeClr val="tx1"/>
                 </a:solidFill>
@@ -14377,7 +14377,7 @@
               </a14:hiddenLine>
             </a:ext>
             <a:ext uri="{AF507438-7753-43e0-B8FC-AC1667EBCBE1}">
-              <a14:hiddenEffects xmlns:a14="http://schemas.microsoft.com/office/drawing/2010/main" xmlns="">
+              <a14:hiddenEffects xmlns="" xmlns:a14="http://schemas.microsoft.com/office/drawing/2010/main">
                 <a:effectLst>
                   <a:outerShdw blurRad="63500" dist="38099" dir="2700000" algn="ctr" rotWithShape="0">
                     <a:srgbClr val="000000">
@@ -14540,14 +14540,14 @@
             <a:effectLst/>
             <a:extLst>
               <a:ext uri="{909E8E84-426E-40dd-AFC4-6F175D3DCCD1}">
-                <a14:hiddenFill xmlns:a14="http://schemas.microsoft.com/office/drawing/2010/main" xmlns="">
+                <a14:hiddenFill xmlns="" xmlns:a14="http://schemas.microsoft.com/office/drawing/2010/main">
                   <a:solidFill>
                     <a:schemeClr val="accent1"/>
                   </a:solidFill>
                 </a14:hiddenFill>
               </a:ext>
               <a:ext uri="{91240B29-F687-4f45-9708-019B960494DF}">
-                <a14:hiddenLine xmlns:a14="http://schemas.microsoft.com/office/drawing/2010/main" xmlns="" w="9525" cap="flat" cmpd="sng" algn="ctr">
+                <a14:hiddenLine xmlns="" xmlns:a14="http://schemas.microsoft.com/office/drawing/2010/main" w="9525" cap="flat" cmpd="sng" algn="ctr">
                   <a:solidFill>
                     <a:schemeClr val="tx1"/>
                   </a:solidFill>
@@ -14558,7 +14558,7 @@
                 </a14:hiddenLine>
               </a:ext>
               <a:ext uri="{AF507438-7753-43e0-B8FC-AC1667EBCBE1}">
-                <a14:hiddenEffects xmlns:a14="http://schemas.microsoft.com/office/drawing/2010/main" xmlns="">
+                <a14:hiddenEffects xmlns="" xmlns:a14="http://schemas.microsoft.com/office/drawing/2010/main">
                   <a:effectLst>
                     <a:outerShdw blurRad="63500" dist="38099" dir="2700000" algn="ctr" rotWithShape="0">
                       <a:srgbClr val="000000">
@@ -14823,14 +14823,14 @@
           </a:ln>
           <a:extLst>
             <a:ext uri="{909E8E84-426E-40dd-AFC4-6F175D3DCCD1}">
-              <a14:hiddenFill xmlns:a14="http://schemas.microsoft.com/office/drawing/2010/main" xmlns="">
+              <a14:hiddenFill xmlns="" xmlns:a14="http://schemas.microsoft.com/office/drawing/2010/main">
                 <a:solidFill>
                   <a:schemeClr val="accent1"/>
                 </a:solidFill>
               </a14:hiddenFill>
             </a:ext>
             <a:ext uri="{91240B29-F687-4f45-9708-019B960494DF}">
-              <a14:hiddenLine xmlns:a14="http://schemas.microsoft.com/office/drawing/2010/main" xmlns="" w="9525" cap="flat" cmpd="sng" algn="ctr">
+              <a14:hiddenLine xmlns="" xmlns:a14="http://schemas.microsoft.com/office/drawing/2010/main" w="9525" cap="flat" cmpd="sng" algn="ctr">
                 <a:solidFill>
                   <a:schemeClr val="tx1"/>
                 </a:solidFill>
@@ -14841,7 +14841,7 @@
               </a14:hiddenLine>
             </a:ext>
             <a:ext uri="{AF507438-7753-43e0-B8FC-AC1667EBCBE1}">
-              <a14:hiddenEffects xmlns:a14="http://schemas.microsoft.com/office/drawing/2010/main" xmlns="">
+              <a14:hiddenEffects xmlns="" xmlns:a14="http://schemas.microsoft.com/office/drawing/2010/main">
                 <a:effectLst>
                   <a:outerShdw blurRad="63500" dist="38099" dir="2700000" algn="ctr" rotWithShape="0">
                     <a:srgbClr val="000000">
@@ -14895,14 +14895,14 @@
           </a:ln>
           <a:extLst>
             <a:ext uri="{909E8E84-426E-40dd-AFC4-6F175D3DCCD1}">
-              <a14:hiddenFill xmlns:a14="http://schemas.microsoft.com/office/drawing/2010/main" xmlns="">
+              <a14:hiddenFill xmlns="" xmlns:a14="http://schemas.microsoft.com/office/drawing/2010/main">
                 <a:solidFill>
                   <a:schemeClr val="accent1"/>
                 </a:solidFill>
               </a14:hiddenFill>
             </a:ext>
             <a:ext uri="{91240B29-F687-4f45-9708-019B960494DF}">
-              <a14:hiddenLine xmlns:a14="http://schemas.microsoft.com/office/drawing/2010/main" xmlns="" w="9525" cap="flat" cmpd="sng" algn="ctr">
+              <a14:hiddenLine xmlns="" xmlns:a14="http://schemas.microsoft.com/office/drawing/2010/main" w="9525" cap="flat" cmpd="sng" algn="ctr">
                 <a:solidFill>
                   <a:schemeClr val="tx1"/>
                 </a:solidFill>
@@ -14913,7 +14913,7 @@
               </a14:hiddenLine>
             </a:ext>
             <a:ext uri="{AF507438-7753-43e0-B8FC-AC1667EBCBE1}">
-              <a14:hiddenEffects xmlns:a14="http://schemas.microsoft.com/office/drawing/2010/main" xmlns="">
+              <a14:hiddenEffects xmlns="" xmlns:a14="http://schemas.microsoft.com/office/drawing/2010/main">
                 <a:effectLst>
                   <a:outerShdw blurRad="63500" dist="38099" dir="2700000" algn="ctr" rotWithShape="0">
                     <a:srgbClr val="000000">
@@ -15216,14 +15216,14 @@
           <a:effectLst/>
           <a:extLst>
             <a:ext uri="{909E8E84-426E-40dd-AFC4-6F175D3DCCD1}">
-              <a14:hiddenFill xmlns:a14="http://schemas.microsoft.com/office/drawing/2010/main" xmlns="">
+              <a14:hiddenFill xmlns="" xmlns:a14="http://schemas.microsoft.com/office/drawing/2010/main">
                 <a:solidFill>
                   <a:schemeClr val="accent1"/>
                 </a:solidFill>
               </a14:hiddenFill>
             </a:ext>
             <a:ext uri="{91240B29-F687-4f45-9708-019B960494DF}">
-              <a14:hiddenLine xmlns:a14="http://schemas.microsoft.com/office/drawing/2010/main" xmlns="" w="9525" cap="flat" cmpd="sng" algn="ctr">
+              <a14:hiddenLine xmlns="" xmlns:a14="http://schemas.microsoft.com/office/drawing/2010/main" w="9525" cap="flat" cmpd="sng" algn="ctr">
                 <a:solidFill>
                   <a:schemeClr val="tx1"/>
                 </a:solidFill>
@@ -15234,7 +15234,7 @@
               </a14:hiddenLine>
             </a:ext>
             <a:ext uri="{AF507438-7753-43e0-B8FC-AC1667EBCBE1}">
-              <a14:hiddenEffects xmlns:a14="http://schemas.microsoft.com/office/drawing/2010/main" xmlns="">
+              <a14:hiddenEffects xmlns="" xmlns:a14="http://schemas.microsoft.com/office/drawing/2010/main">
                 <a:effectLst>
                   <a:outerShdw blurRad="63500" dist="38099" dir="2700000" algn="ctr" rotWithShape="0">
                     <a:srgbClr val="000000">
@@ -16591,14 +16591,14 @@
           <a:effectLst/>
           <a:extLst>
             <a:ext uri="{909E8E84-426E-40dd-AFC4-6F175D3DCCD1}">
-              <a14:hiddenFill xmlns:a14="http://schemas.microsoft.com/office/drawing/2010/main" xmlns="">
+              <a14:hiddenFill xmlns="" xmlns:a14="http://schemas.microsoft.com/office/drawing/2010/main">
                 <a:solidFill>
                   <a:schemeClr val="accent1"/>
                 </a:solidFill>
               </a14:hiddenFill>
             </a:ext>
             <a:ext uri="{91240B29-F687-4f45-9708-019B960494DF}">
-              <a14:hiddenLine xmlns:a14="http://schemas.microsoft.com/office/drawing/2010/main" xmlns="" w="9525" cap="flat" cmpd="sng" algn="ctr">
+              <a14:hiddenLine xmlns="" xmlns:a14="http://schemas.microsoft.com/office/drawing/2010/main" w="9525" cap="flat" cmpd="sng" algn="ctr">
                 <a:solidFill>
                   <a:schemeClr val="tx1"/>
                 </a:solidFill>
@@ -16609,7 +16609,7 @@
               </a14:hiddenLine>
             </a:ext>
             <a:ext uri="{AF507438-7753-43e0-B8FC-AC1667EBCBE1}">
-              <a14:hiddenEffects xmlns:a14="http://schemas.microsoft.com/office/drawing/2010/main" xmlns="">
+              <a14:hiddenEffects xmlns="" xmlns:a14="http://schemas.microsoft.com/office/drawing/2010/main">
                 <a:effectLst>
                   <a:outerShdw blurRad="63500" dist="38099" dir="2700000" algn="ctr" rotWithShape="0">
                     <a:srgbClr val="000000">
@@ -17103,14 +17103,14 @@
           <a:effectLst/>
           <a:extLst>
             <a:ext uri="{909E8E84-426E-40dd-AFC4-6F175D3DCCD1}">
-              <a14:hiddenFill xmlns:a14="http://schemas.microsoft.com/office/drawing/2010/main" xmlns="">
+              <a14:hiddenFill xmlns="" xmlns:a14="http://schemas.microsoft.com/office/drawing/2010/main">
                 <a:solidFill>
                   <a:schemeClr val="accent1"/>
                 </a:solidFill>
               </a14:hiddenFill>
             </a:ext>
             <a:ext uri="{91240B29-F687-4f45-9708-019B960494DF}">
-              <a14:hiddenLine xmlns:a14="http://schemas.microsoft.com/office/drawing/2010/main" xmlns="" w="9525" cap="flat" cmpd="sng" algn="ctr">
+              <a14:hiddenLine xmlns="" xmlns:a14="http://schemas.microsoft.com/office/drawing/2010/main" w="9525" cap="flat" cmpd="sng" algn="ctr">
                 <a:solidFill>
                   <a:schemeClr val="tx1"/>
                 </a:solidFill>
@@ -17121,7 +17121,7 @@
               </a14:hiddenLine>
             </a:ext>
             <a:ext uri="{AF507438-7753-43e0-B8FC-AC1667EBCBE1}">
-              <a14:hiddenEffects xmlns:a14="http://schemas.microsoft.com/office/drawing/2010/main" xmlns="">
+              <a14:hiddenEffects xmlns="" xmlns:a14="http://schemas.microsoft.com/office/drawing/2010/main">
                 <a:effectLst>
                   <a:outerShdw blurRad="63500" dist="38099" dir="2700000" algn="ctr" rotWithShape="0">
                     <a:srgbClr val="000000">
@@ -18478,14 +18478,14 @@
           <a:effectLst/>
           <a:extLst>
             <a:ext uri="{909E8E84-426E-40dd-AFC4-6F175D3DCCD1}">
-              <a14:hiddenFill xmlns:a14="http://schemas.microsoft.com/office/drawing/2010/main" xmlns="">
+              <a14:hiddenFill xmlns="" xmlns:a14="http://schemas.microsoft.com/office/drawing/2010/main">
                 <a:solidFill>
                   <a:schemeClr val="accent1"/>
                 </a:solidFill>
               </a14:hiddenFill>
             </a:ext>
             <a:ext uri="{91240B29-F687-4f45-9708-019B960494DF}">
-              <a14:hiddenLine xmlns:a14="http://schemas.microsoft.com/office/drawing/2010/main" xmlns="" w="9525" cap="flat" cmpd="sng" algn="ctr">
+              <a14:hiddenLine xmlns="" xmlns:a14="http://schemas.microsoft.com/office/drawing/2010/main" w="9525" cap="flat" cmpd="sng" algn="ctr">
                 <a:solidFill>
                   <a:schemeClr val="tx1"/>
                 </a:solidFill>
@@ -18496,7 +18496,7 @@
               </a14:hiddenLine>
             </a:ext>
             <a:ext uri="{AF507438-7753-43e0-B8FC-AC1667EBCBE1}">
-              <a14:hiddenEffects xmlns:a14="http://schemas.microsoft.com/office/drawing/2010/main" xmlns="">
+              <a14:hiddenEffects xmlns="" xmlns:a14="http://schemas.microsoft.com/office/drawing/2010/main">
                 <a:effectLst>
                   <a:outerShdw blurRad="63500" dist="38099" dir="2700000" algn="ctr" rotWithShape="0">
                     <a:srgbClr val="000000">
@@ -18990,14 +18990,14 @@
           <a:effectLst/>
           <a:extLst>
             <a:ext uri="{909E8E84-426E-40dd-AFC4-6F175D3DCCD1}">
-              <a14:hiddenFill xmlns:a14="http://schemas.microsoft.com/office/drawing/2010/main" xmlns="">
+              <a14:hiddenFill xmlns="" xmlns:a14="http://schemas.microsoft.com/office/drawing/2010/main">
                 <a:solidFill>
                   <a:schemeClr val="accent1"/>
                 </a:solidFill>
               </a14:hiddenFill>
             </a:ext>
             <a:ext uri="{91240B29-F687-4f45-9708-019B960494DF}">
-              <a14:hiddenLine xmlns:a14="http://schemas.microsoft.com/office/drawing/2010/main" xmlns="" w="9525" cap="flat" cmpd="sng" algn="ctr">
+              <a14:hiddenLine xmlns="" xmlns:a14="http://schemas.microsoft.com/office/drawing/2010/main" w="9525" cap="flat" cmpd="sng" algn="ctr">
                 <a:solidFill>
                   <a:schemeClr val="tx1"/>
                 </a:solidFill>
@@ -19008,7 +19008,7 @@
               </a14:hiddenLine>
             </a:ext>
             <a:ext uri="{AF507438-7753-43e0-B8FC-AC1667EBCBE1}">
-              <a14:hiddenEffects xmlns:a14="http://schemas.microsoft.com/office/drawing/2010/main" xmlns="">
+              <a14:hiddenEffects xmlns="" xmlns:a14="http://schemas.microsoft.com/office/drawing/2010/main">
                 <a:effectLst>
                   <a:outerShdw blurRad="63500" dist="38099" dir="2700000" algn="ctr" rotWithShape="0">
                     <a:srgbClr val="000000">
@@ -20365,14 +20365,14 @@
           <a:effectLst/>
           <a:extLst>
             <a:ext uri="{909E8E84-426E-40dd-AFC4-6F175D3DCCD1}">
-              <a14:hiddenFill xmlns="" xmlns:a14="http://schemas.microsoft.com/office/drawing/2010/main">
+              <a14:hiddenFill xmlns:a14="http://schemas.microsoft.com/office/drawing/2010/main" xmlns="">
                 <a:solidFill>
                   <a:schemeClr val="accent1"/>
                 </a:solidFill>
               </a14:hiddenFill>
             </a:ext>
             <a:ext uri="{91240B29-F687-4f45-9708-019B960494DF}">
-              <a14:hiddenLine xmlns="" xmlns:a14="http://schemas.microsoft.com/office/drawing/2010/main" w="9525" cap="flat" cmpd="sng" algn="ctr">
+              <a14:hiddenLine xmlns:a14="http://schemas.microsoft.com/office/drawing/2010/main" xmlns="" w="9525" cap="flat" cmpd="sng" algn="ctr">
                 <a:solidFill>
                   <a:schemeClr val="tx1"/>
                 </a:solidFill>
@@ -20383,7 +20383,7 @@
               </a14:hiddenLine>
             </a:ext>
             <a:ext uri="{AF507438-7753-43e0-B8FC-AC1667EBCBE1}">
-              <a14:hiddenEffects xmlns="" xmlns:a14="http://schemas.microsoft.com/office/drawing/2010/main">
+              <a14:hiddenEffects xmlns:a14="http://schemas.microsoft.com/office/drawing/2010/main" xmlns="">
                 <a:effectLst>
                   <a:outerShdw blurRad="63500" dist="38099" dir="2700000" algn="ctr" rotWithShape="0">
                     <a:srgbClr val="000000">
@@ -21130,12 +21130,16 @@
           <a:p>
             <a:pPr algn="ctr"/>
             <a:r>
-              <a:rPr lang="it-IT" altLang="it-IT" kern="0" dirty="0">
+              <a:rPr lang="it-IT" altLang="it-IT" kern="0">
                 <a:latin typeface="Calibri" panose="020F0502020204030204" pitchFamily="34" charset="0"/>
                 <a:ea typeface="ＭＳ Ｐゴシック" panose="020B0600070205080204" pitchFamily="34" charset="-128"/>
               </a:rPr>
               <a:t>PARAMETRIC LAGRANGIAN</a:t>
             </a:r>
+            <a:endParaRPr lang="it-IT" altLang="it-IT" kern="0" dirty="0">
+              <a:latin typeface="Calibri" panose="020F0502020204030204" pitchFamily="34" charset="0"/>
+              <a:ea typeface="ＭＳ Ｐゴシック" panose="020B0600070205080204" pitchFamily="34" charset="-128"/>
+            </a:endParaRPr>
           </a:p>
         </p:txBody>
       </p:sp>
@@ -21166,14 +21170,14 @@
           <a:effectLst/>
           <a:extLst>
             <a:ext uri="{909E8E84-426E-40dd-AFC4-6F175D3DCCD1}">
-              <a14:hiddenFill xmlns:a14="http://schemas.microsoft.com/office/drawing/2010/main" xmlns="">
+              <a14:hiddenFill xmlns="" xmlns:a14="http://schemas.microsoft.com/office/drawing/2010/main">
                 <a:solidFill>
                   <a:schemeClr val="accent1"/>
                 </a:solidFill>
               </a14:hiddenFill>
             </a:ext>
             <a:ext uri="{91240B29-F687-4f45-9708-019B960494DF}">
-              <a14:hiddenLine xmlns:a14="http://schemas.microsoft.com/office/drawing/2010/main" xmlns="" w="9525" cap="flat" cmpd="sng" algn="ctr">
+              <a14:hiddenLine xmlns="" xmlns:a14="http://schemas.microsoft.com/office/drawing/2010/main" w="9525" cap="flat" cmpd="sng" algn="ctr">
                 <a:solidFill>
                   <a:schemeClr val="tx1"/>
                 </a:solidFill>
@@ -21184,7 +21188,7 @@
               </a14:hiddenLine>
             </a:ext>
             <a:ext uri="{AF507438-7753-43e0-B8FC-AC1667EBCBE1}">
-              <a14:hiddenEffects xmlns:a14="http://schemas.microsoft.com/office/drawing/2010/main" xmlns="">
+              <a14:hiddenEffects xmlns="" xmlns:a14="http://schemas.microsoft.com/office/drawing/2010/main">
                 <a:effectLst>
                   <a:outerShdw blurRad="63500" dist="38099" dir="2700000" algn="ctr" rotWithShape="0">
                     <a:srgbClr val="000000">
@@ -22888,14 +22892,14 @@
           <a:effectLst/>
           <a:extLst>
             <a:ext uri="{909E8E84-426E-40dd-AFC4-6F175D3DCCD1}">
-              <a14:hiddenFill xmlns="" xmlns:a14="http://schemas.microsoft.com/office/drawing/2010/main">
+              <a14:hiddenFill xmlns:a14="http://schemas.microsoft.com/office/drawing/2010/main" xmlns="">
                 <a:solidFill>
                   <a:schemeClr val="accent1"/>
                 </a:solidFill>
               </a14:hiddenFill>
             </a:ext>
             <a:ext uri="{91240B29-F687-4f45-9708-019B960494DF}">
-              <a14:hiddenLine xmlns="" xmlns:a14="http://schemas.microsoft.com/office/drawing/2010/main" w="9525" cap="flat" cmpd="sng" algn="ctr">
+              <a14:hiddenLine xmlns:a14="http://schemas.microsoft.com/office/drawing/2010/main" xmlns="" w="9525" cap="flat" cmpd="sng" algn="ctr">
                 <a:solidFill>
                   <a:schemeClr val="tx1"/>
                 </a:solidFill>
@@ -22906,7 +22910,7 @@
               </a14:hiddenLine>
             </a:ext>
             <a:ext uri="{AF507438-7753-43e0-B8FC-AC1667EBCBE1}">
-              <a14:hiddenEffects xmlns="" xmlns:a14="http://schemas.microsoft.com/office/drawing/2010/main">
+              <a14:hiddenEffects xmlns:a14="http://schemas.microsoft.com/office/drawing/2010/main" xmlns="">
                 <a:effectLst>
                   <a:outerShdw blurRad="63500" dist="38099" dir="2700000" algn="ctr" rotWithShape="0">
                     <a:srgbClr val="000000">
@@ -23938,14 +23942,14 @@
           <a:effectLst/>
           <a:extLst>
             <a:ext uri="{909E8E84-426E-40dd-AFC4-6F175D3DCCD1}">
-              <a14:hiddenFill xmlns="" xmlns:a14="http://schemas.microsoft.com/office/drawing/2010/main">
+              <a14:hiddenFill xmlns:a14="http://schemas.microsoft.com/office/drawing/2010/main" xmlns="">
                 <a:solidFill>
                   <a:schemeClr val="accent1"/>
                 </a:solidFill>
               </a14:hiddenFill>
             </a:ext>
             <a:ext uri="{91240B29-F687-4f45-9708-019B960494DF}">
-              <a14:hiddenLine xmlns="" xmlns:a14="http://schemas.microsoft.com/office/drawing/2010/main" w="9525" cap="flat" cmpd="sng" algn="ctr">
+              <a14:hiddenLine xmlns:a14="http://schemas.microsoft.com/office/drawing/2010/main" xmlns="" w="9525" cap="flat" cmpd="sng" algn="ctr">
                 <a:solidFill>
                   <a:schemeClr val="tx1"/>
                 </a:solidFill>
@@ -23956,7 +23960,7 @@
               </a14:hiddenLine>
             </a:ext>
             <a:ext uri="{AF507438-7753-43e0-B8FC-AC1667EBCBE1}">
-              <a14:hiddenEffects xmlns="" xmlns:a14="http://schemas.microsoft.com/office/drawing/2010/main">
+              <a14:hiddenEffects xmlns:a14="http://schemas.microsoft.com/office/drawing/2010/main" xmlns="">
                 <a:effectLst>
                   <a:outerShdw blurRad="63500" dist="38099" dir="2700000" algn="ctr" rotWithShape="0">
                     <a:srgbClr val="000000">
@@ -25354,14 +25358,14 @@
           <a:effectLst/>
           <a:extLst>
             <a:ext uri="{909E8E84-426E-40dd-AFC4-6F175D3DCCD1}">
-              <a14:hiddenFill xmlns:a14="http://schemas.microsoft.com/office/drawing/2010/main" xmlns="">
+              <a14:hiddenFill xmlns="" xmlns:a14="http://schemas.microsoft.com/office/drawing/2010/main">
                 <a:solidFill>
                   <a:schemeClr val="accent1"/>
                 </a:solidFill>
               </a14:hiddenFill>
             </a:ext>
             <a:ext uri="{91240B29-F687-4f45-9708-019B960494DF}">
-              <a14:hiddenLine xmlns:a14="http://schemas.microsoft.com/office/drawing/2010/main" xmlns="" w="9525" cap="flat" cmpd="sng" algn="ctr">
+              <a14:hiddenLine xmlns="" xmlns:a14="http://schemas.microsoft.com/office/drawing/2010/main" w="9525" cap="flat" cmpd="sng" algn="ctr">
                 <a:solidFill>
                   <a:schemeClr val="tx1"/>
                 </a:solidFill>
@@ -25372,7 +25376,7 @@
               </a14:hiddenLine>
             </a:ext>
             <a:ext uri="{AF507438-7753-43e0-B8FC-AC1667EBCBE1}">
-              <a14:hiddenEffects xmlns:a14="http://schemas.microsoft.com/office/drawing/2010/main" xmlns="">
+              <a14:hiddenEffects xmlns="" xmlns:a14="http://schemas.microsoft.com/office/drawing/2010/main">
                 <a:effectLst>
                   <a:outerShdw blurRad="63500" dist="38099" dir="2700000" algn="ctr" rotWithShape="0">
                     <a:srgbClr val="000000">
@@ -26475,14 +26479,14 @@
           <a:effectLst/>
           <a:extLst>
             <a:ext uri="{909E8E84-426E-40dd-AFC4-6F175D3DCCD1}">
-              <a14:hiddenFill xmlns:a14="http://schemas.microsoft.com/office/drawing/2010/main" xmlns="">
+              <a14:hiddenFill xmlns="" xmlns:a14="http://schemas.microsoft.com/office/drawing/2010/main">
                 <a:solidFill>
                   <a:schemeClr val="accent1"/>
                 </a:solidFill>
               </a14:hiddenFill>
             </a:ext>
             <a:ext uri="{91240B29-F687-4f45-9708-019B960494DF}">
-              <a14:hiddenLine xmlns:a14="http://schemas.microsoft.com/office/drawing/2010/main" xmlns="" w="9525" cap="flat" cmpd="sng" algn="ctr">
+              <a14:hiddenLine xmlns="" xmlns:a14="http://schemas.microsoft.com/office/drawing/2010/main" w="9525" cap="flat" cmpd="sng" algn="ctr">
                 <a:solidFill>
                   <a:schemeClr val="tx1"/>
                 </a:solidFill>
@@ -26493,7 +26497,7 @@
               </a14:hiddenLine>
             </a:ext>
             <a:ext uri="{AF507438-7753-43e0-B8FC-AC1667EBCBE1}">
-              <a14:hiddenEffects xmlns:a14="http://schemas.microsoft.com/office/drawing/2010/main" xmlns="">
+              <a14:hiddenEffects xmlns="" xmlns:a14="http://schemas.microsoft.com/office/drawing/2010/main">
                 <a:effectLst>
                   <a:outerShdw blurRad="63500" dist="38099" dir="2700000" algn="ctr" rotWithShape="0">
                     <a:srgbClr val="000000">
@@ -28297,14 +28301,14 @@
           <a:effectLst/>
           <a:extLst>
             <a:ext uri="{909E8E84-426E-40dd-AFC4-6F175D3DCCD1}">
-              <a14:hiddenFill xmlns="" xmlns:a14="http://schemas.microsoft.com/office/drawing/2010/main">
+              <a14:hiddenFill xmlns:a14="http://schemas.microsoft.com/office/drawing/2010/main" xmlns="">
                 <a:solidFill>
                   <a:schemeClr val="accent1"/>
                 </a:solidFill>
               </a14:hiddenFill>
             </a:ext>
             <a:ext uri="{91240B29-F687-4f45-9708-019B960494DF}">
-              <a14:hiddenLine xmlns="" xmlns:a14="http://schemas.microsoft.com/office/drawing/2010/main" w="9525" cap="flat" cmpd="sng" algn="ctr">
+              <a14:hiddenLine xmlns:a14="http://schemas.microsoft.com/office/drawing/2010/main" xmlns="" w="9525" cap="flat" cmpd="sng" algn="ctr">
                 <a:solidFill>
                   <a:schemeClr val="tx1"/>
                 </a:solidFill>
@@ -28315,7 +28319,7 @@
               </a14:hiddenLine>
             </a:ext>
             <a:ext uri="{AF507438-7753-43e0-B8FC-AC1667EBCBE1}">
-              <a14:hiddenEffects xmlns="" xmlns:a14="http://schemas.microsoft.com/office/drawing/2010/main">
+              <a14:hiddenEffects xmlns:a14="http://schemas.microsoft.com/office/drawing/2010/main" xmlns="">
                 <a:effectLst>
                   <a:outerShdw blurRad="63500" dist="38099" dir="2700000" algn="ctr" rotWithShape="0">
                     <a:srgbClr val="000000">
@@ -28996,14 +29000,14 @@
           <a:effectLst/>
           <a:extLst>
             <a:ext uri="{909E8E84-426E-40dd-AFC4-6F175D3DCCD1}">
-              <a14:hiddenFill xmlns:a14="http://schemas.microsoft.com/office/drawing/2010/main" xmlns="">
+              <a14:hiddenFill xmlns="" xmlns:a14="http://schemas.microsoft.com/office/drawing/2010/main">
                 <a:solidFill>
                   <a:schemeClr val="accent1"/>
                 </a:solidFill>
               </a14:hiddenFill>
             </a:ext>
             <a:ext uri="{91240B29-F687-4f45-9708-019B960494DF}">
-              <a14:hiddenLine xmlns:a14="http://schemas.microsoft.com/office/drawing/2010/main" xmlns="" w="9525" cap="flat" cmpd="sng" algn="ctr">
+              <a14:hiddenLine xmlns="" xmlns:a14="http://schemas.microsoft.com/office/drawing/2010/main" w="9525" cap="flat" cmpd="sng" algn="ctr">
                 <a:solidFill>
                   <a:schemeClr val="tx1"/>
                 </a:solidFill>
@@ -29014,7 +29018,7 @@
               </a14:hiddenLine>
             </a:ext>
             <a:ext uri="{AF507438-7753-43e0-B8FC-AC1667EBCBE1}">
-              <a14:hiddenEffects xmlns:a14="http://schemas.microsoft.com/office/drawing/2010/main" xmlns="">
+              <a14:hiddenEffects xmlns="" xmlns:a14="http://schemas.microsoft.com/office/drawing/2010/main">
                 <a:effectLst>
                   <a:outerShdw blurRad="63500" dist="38099" dir="2700000" algn="ctr" rotWithShape="0">
                     <a:srgbClr val="000000">
@@ -29691,14 +29695,14 @@
         <a:effectLst/>
         <a:extLst>
           <a:ext uri="{909E8E84-426E-40dd-AFC4-6F175D3DCCD1}">
-            <a14:hiddenFill xmlns="" xmlns:a14="http://schemas.microsoft.com/office/drawing/2010/main">
+            <a14:hiddenFill xmlns:a14="http://schemas.microsoft.com/office/drawing/2010/main" xmlns="">
               <a:solidFill>
                 <a:schemeClr val="accent1"/>
               </a:solidFill>
             </a14:hiddenFill>
           </a:ext>
           <a:ext uri="{91240B29-F687-4f45-9708-019B960494DF}">
-            <a14:hiddenLine xmlns="" xmlns:a14="http://schemas.microsoft.com/office/drawing/2010/main" w="9525" cap="flat" cmpd="sng" algn="ctr">
+            <a14:hiddenLine xmlns:a14="http://schemas.microsoft.com/office/drawing/2010/main" xmlns="" w="9525" cap="flat" cmpd="sng" algn="ctr">
               <a:solidFill>
                 <a:schemeClr val="tx1"/>
               </a:solidFill>
@@ -29709,7 +29713,7 @@
             </a14:hiddenLine>
           </a:ext>
           <a:ext uri="{AF507438-7753-43e0-B8FC-AC1667EBCBE1}">
-            <a14:hiddenEffects xmlns="" xmlns:a14="http://schemas.microsoft.com/office/drawing/2010/main">
+            <a14:hiddenEffects xmlns:a14="http://schemas.microsoft.com/office/drawing/2010/main" xmlns="">
               <a:effectLst>
                 <a:outerShdw blurRad="63500" dist="38099" dir="2700000" algn="ctr" rotWithShape="0">
                   <a:srgbClr val="000000">
@@ -29778,14 +29782,14 @@
         <a:effectLst/>
         <a:extLst>
           <a:ext uri="{909E8E84-426E-40dd-AFC4-6F175D3DCCD1}">
-            <a14:hiddenFill xmlns="" xmlns:a14="http://schemas.microsoft.com/office/drawing/2010/main">
+            <a14:hiddenFill xmlns:a14="http://schemas.microsoft.com/office/drawing/2010/main" xmlns="">
               <a:solidFill>
                 <a:schemeClr val="accent1"/>
               </a:solidFill>
             </a14:hiddenFill>
           </a:ext>
           <a:ext uri="{91240B29-F687-4f45-9708-019B960494DF}">
-            <a14:hiddenLine xmlns="" xmlns:a14="http://schemas.microsoft.com/office/drawing/2010/main" w="9525" cap="flat" cmpd="sng" algn="ctr">
+            <a14:hiddenLine xmlns:a14="http://schemas.microsoft.com/office/drawing/2010/main" xmlns="" w="9525" cap="flat" cmpd="sng" algn="ctr">
               <a:solidFill>
                 <a:schemeClr val="tx1"/>
               </a:solidFill>
@@ -29796,7 +29800,7 @@
             </a14:hiddenLine>
           </a:ext>
           <a:ext uri="{AF507438-7753-43e0-B8FC-AC1667EBCBE1}">
-            <a14:hiddenEffects xmlns="" xmlns:a14="http://schemas.microsoft.com/office/drawing/2010/main">
+            <a14:hiddenEffects xmlns:a14="http://schemas.microsoft.com/office/drawing/2010/main" xmlns="">
               <a:effectLst>
                 <a:outerShdw blurRad="63500" dist="38099" dir="2700000" algn="ctr" rotWithShape="0">
                   <a:srgbClr val="000000">

--- a/presentation/1895955_1884561.pptx
+++ b/presentation/1895955_1884561.pptx
@@ -6350,14 +6350,14 @@
           <a:effectLst/>
           <a:extLst>
             <a:ext uri="{909E8E84-426E-40dd-AFC4-6F175D3DCCD1}">
-              <a14:hiddenFill xmlns:a14="http://schemas.microsoft.com/office/drawing/2010/main" xmlns="">
+              <a14:hiddenFill xmlns="" xmlns:a14="http://schemas.microsoft.com/office/drawing/2010/main">
                 <a:solidFill>
                   <a:schemeClr val="accent1"/>
                 </a:solidFill>
               </a14:hiddenFill>
             </a:ext>
             <a:ext uri="{91240B29-F687-4f45-9708-019B960494DF}">
-              <a14:hiddenLine xmlns:a14="http://schemas.microsoft.com/office/drawing/2010/main" xmlns="" w="9525" cap="flat" cmpd="sng" algn="ctr">
+              <a14:hiddenLine xmlns="" xmlns:a14="http://schemas.microsoft.com/office/drawing/2010/main" w="9525" cap="flat" cmpd="sng" algn="ctr">
                 <a:solidFill>
                   <a:schemeClr val="tx1"/>
                 </a:solidFill>
@@ -6368,7 +6368,7 @@
               </a14:hiddenLine>
             </a:ext>
             <a:ext uri="{AF507438-7753-43e0-B8FC-AC1667EBCBE1}">
-              <a14:hiddenEffects xmlns:a14="http://schemas.microsoft.com/office/drawing/2010/main" xmlns="">
+              <a14:hiddenEffects xmlns="" xmlns:a14="http://schemas.microsoft.com/office/drawing/2010/main">
                 <a:effectLst>
                   <a:outerShdw blurRad="63500" dist="38099" dir="2700000" algn="ctr" rotWithShape="0">
                     <a:srgbClr val="000000">
@@ -6883,14 +6883,14 @@
           <a:effectLst/>
           <a:extLst>
             <a:ext uri="{909E8E84-426E-40dd-AFC4-6F175D3DCCD1}">
-              <a14:hiddenFill xmlns="" xmlns:a14="http://schemas.microsoft.com/office/drawing/2010/main">
+              <a14:hiddenFill xmlns:a14="http://schemas.microsoft.com/office/drawing/2010/main" xmlns="">
                 <a:solidFill>
                   <a:schemeClr val="accent1"/>
                 </a:solidFill>
               </a14:hiddenFill>
             </a:ext>
             <a:ext uri="{91240B29-F687-4f45-9708-019B960494DF}">
-              <a14:hiddenLine xmlns="" xmlns:a14="http://schemas.microsoft.com/office/drawing/2010/main" w="9525" cap="flat" cmpd="sng" algn="ctr">
+              <a14:hiddenLine xmlns:a14="http://schemas.microsoft.com/office/drawing/2010/main" xmlns="" w="9525" cap="flat" cmpd="sng" algn="ctr">
                 <a:solidFill>
                   <a:schemeClr val="tx1"/>
                 </a:solidFill>
@@ -6901,7 +6901,7 @@
               </a14:hiddenLine>
             </a:ext>
             <a:ext uri="{AF507438-7753-43e0-B8FC-AC1667EBCBE1}">
-              <a14:hiddenEffects xmlns="" xmlns:a14="http://schemas.microsoft.com/office/drawing/2010/main">
+              <a14:hiddenEffects xmlns:a14="http://schemas.microsoft.com/office/drawing/2010/main" xmlns="">
                 <a:effectLst>
                   <a:outerShdw blurRad="63500" dist="38099" dir="2700000" algn="ctr" rotWithShape="0">
                     <a:srgbClr val="000000">
@@ -10974,14 +10974,14 @@
           <a:effectLst/>
           <a:extLst>
             <a:ext uri="{909E8E84-426E-40dd-AFC4-6F175D3DCCD1}">
-              <a14:hiddenFill xmlns:a14="http://schemas.microsoft.com/office/drawing/2010/main" xmlns="">
+              <a14:hiddenFill xmlns="" xmlns:a14="http://schemas.microsoft.com/office/drawing/2010/main">
                 <a:solidFill>
                   <a:schemeClr val="accent1"/>
                 </a:solidFill>
               </a14:hiddenFill>
             </a:ext>
             <a:ext uri="{91240B29-F687-4f45-9708-019B960494DF}">
-              <a14:hiddenLine xmlns:a14="http://schemas.microsoft.com/office/drawing/2010/main" xmlns="" w="9525" cap="flat" cmpd="sng" algn="ctr">
+              <a14:hiddenLine xmlns="" xmlns:a14="http://schemas.microsoft.com/office/drawing/2010/main" w="9525" cap="flat" cmpd="sng" algn="ctr">
                 <a:solidFill>
                   <a:schemeClr val="tx1"/>
                 </a:solidFill>
@@ -10992,7 +10992,7 @@
               </a14:hiddenLine>
             </a:ext>
             <a:ext uri="{AF507438-7753-43e0-B8FC-AC1667EBCBE1}">
-              <a14:hiddenEffects xmlns:a14="http://schemas.microsoft.com/office/drawing/2010/main" xmlns="">
+              <a14:hiddenEffects xmlns="" xmlns:a14="http://schemas.microsoft.com/office/drawing/2010/main">
                 <a:effectLst>
                   <a:outerShdw blurRad="63500" dist="38099" dir="2700000" algn="ctr" rotWithShape="0">
                     <a:srgbClr val="000000">
@@ -12925,14 +12925,14 @@
           <a:effectLst/>
           <a:extLst>
             <a:ext uri="{909E8E84-426E-40dd-AFC4-6F175D3DCCD1}">
-              <a14:hiddenFill xmlns="" xmlns:a14="http://schemas.microsoft.com/office/drawing/2010/main">
+              <a14:hiddenFill xmlns:a14="http://schemas.microsoft.com/office/drawing/2010/main" xmlns="">
                 <a:solidFill>
                   <a:schemeClr val="accent1"/>
                 </a:solidFill>
               </a14:hiddenFill>
             </a:ext>
             <a:ext uri="{91240B29-F687-4f45-9708-019B960494DF}">
-              <a14:hiddenLine xmlns="" xmlns:a14="http://schemas.microsoft.com/office/drawing/2010/main" w="9525" cap="flat" cmpd="sng" algn="ctr">
+              <a14:hiddenLine xmlns:a14="http://schemas.microsoft.com/office/drawing/2010/main" xmlns="" w="9525" cap="flat" cmpd="sng" algn="ctr">
                 <a:solidFill>
                   <a:schemeClr val="tx1"/>
                 </a:solidFill>
@@ -12943,7 +12943,7 @@
               </a14:hiddenLine>
             </a:ext>
             <a:ext uri="{AF507438-7753-43e0-B8FC-AC1667EBCBE1}">
-              <a14:hiddenEffects xmlns="" xmlns:a14="http://schemas.microsoft.com/office/drawing/2010/main">
+              <a14:hiddenEffects xmlns:a14="http://schemas.microsoft.com/office/drawing/2010/main" xmlns="">
                 <a:effectLst>
                   <a:outerShdw blurRad="63500" dist="38099" dir="2700000" algn="ctr" rotWithShape="0">
                     <a:srgbClr val="000000">
@@ -13437,14 +13437,14 @@
           <a:effectLst/>
           <a:extLst>
             <a:ext uri="{909E8E84-426E-40dd-AFC4-6F175D3DCCD1}">
-              <a14:hiddenFill xmlns:a14="http://schemas.microsoft.com/office/drawing/2010/main" xmlns="">
+              <a14:hiddenFill xmlns="" xmlns:a14="http://schemas.microsoft.com/office/drawing/2010/main">
                 <a:solidFill>
                   <a:schemeClr val="accent1"/>
                 </a:solidFill>
               </a14:hiddenFill>
             </a:ext>
             <a:ext uri="{91240B29-F687-4f45-9708-019B960494DF}">
-              <a14:hiddenLine xmlns:a14="http://schemas.microsoft.com/office/drawing/2010/main" xmlns="" w="9525" cap="flat" cmpd="sng" algn="ctr">
+              <a14:hiddenLine xmlns="" xmlns:a14="http://schemas.microsoft.com/office/drawing/2010/main" w="9525" cap="flat" cmpd="sng" algn="ctr">
                 <a:solidFill>
                   <a:schemeClr val="tx1"/>
                 </a:solidFill>
@@ -13455,7 +13455,7 @@
               </a14:hiddenLine>
             </a:ext>
             <a:ext uri="{AF507438-7753-43e0-B8FC-AC1667EBCBE1}">
-              <a14:hiddenEffects xmlns:a14="http://schemas.microsoft.com/office/drawing/2010/main" xmlns="">
+              <a14:hiddenEffects xmlns="" xmlns:a14="http://schemas.microsoft.com/office/drawing/2010/main">
                 <a:effectLst>
                   <a:outerShdw blurRad="63500" dist="38099" dir="2700000" algn="ctr" rotWithShape="0">
                     <a:srgbClr val="000000">
@@ -14359,14 +14359,14 @@
           <a:effectLst/>
           <a:extLst>
             <a:ext uri="{909E8E84-426E-40dd-AFC4-6F175D3DCCD1}">
-              <a14:hiddenFill xmlns="" xmlns:a14="http://schemas.microsoft.com/office/drawing/2010/main">
+              <a14:hiddenFill xmlns:a14="http://schemas.microsoft.com/office/drawing/2010/main" xmlns="">
                 <a:solidFill>
                   <a:schemeClr val="accent1"/>
                 </a:solidFill>
               </a14:hiddenFill>
             </a:ext>
             <a:ext uri="{91240B29-F687-4f45-9708-019B960494DF}">
-              <a14:hiddenLine xmlns="" xmlns:a14="http://schemas.microsoft.com/office/drawing/2010/main" w="9525" cap="flat" cmpd="sng" algn="ctr">
+              <a14:hiddenLine xmlns:a14="http://schemas.microsoft.com/office/drawing/2010/main" xmlns="" w="9525" cap="flat" cmpd="sng" algn="ctr">
                 <a:solidFill>
                   <a:schemeClr val="tx1"/>
                 </a:solidFill>
@@ -14377,7 +14377,7 @@
               </a14:hiddenLine>
             </a:ext>
             <a:ext uri="{AF507438-7753-43e0-B8FC-AC1667EBCBE1}">
-              <a14:hiddenEffects xmlns="" xmlns:a14="http://schemas.microsoft.com/office/drawing/2010/main">
+              <a14:hiddenEffects xmlns:a14="http://schemas.microsoft.com/office/drawing/2010/main" xmlns="">
                 <a:effectLst>
                   <a:outerShdw blurRad="63500" dist="38099" dir="2700000" algn="ctr" rotWithShape="0">
                     <a:srgbClr val="000000">
@@ -14540,14 +14540,14 @@
             <a:effectLst/>
             <a:extLst>
               <a:ext uri="{909E8E84-426E-40dd-AFC4-6F175D3DCCD1}">
-                <a14:hiddenFill xmlns="" xmlns:a14="http://schemas.microsoft.com/office/drawing/2010/main">
+                <a14:hiddenFill xmlns:a14="http://schemas.microsoft.com/office/drawing/2010/main" xmlns="">
                   <a:solidFill>
                     <a:schemeClr val="accent1"/>
                   </a:solidFill>
                 </a14:hiddenFill>
               </a:ext>
               <a:ext uri="{91240B29-F687-4f45-9708-019B960494DF}">
-                <a14:hiddenLine xmlns="" xmlns:a14="http://schemas.microsoft.com/office/drawing/2010/main" w="9525" cap="flat" cmpd="sng" algn="ctr">
+                <a14:hiddenLine xmlns:a14="http://schemas.microsoft.com/office/drawing/2010/main" xmlns="" w="9525" cap="flat" cmpd="sng" algn="ctr">
                   <a:solidFill>
                     <a:schemeClr val="tx1"/>
                   </a:solidFill>
@@ -14558,7 +14558,7 @@
                 </a14:hiddenLine>
               </a:ext>
               <a:ext uri="{AF507438-7753-43e0-B8FC-AC1667EBCBE1}">
-                <a14:hiddenEffects xmlns="" xmlns:a14="http://schemas.microsoft.com/office/drawing/2010/main">
+                <a14:hiddenEffects xmlns:a14="http://schemas.microsoft.com/office/drawing/2010/main" xmlns="">
                   <a:effectLst>
                     <a:outerShdw blurRad="63500" dist="38099" dir="2700000" algn="ctr" rotWithShape="0">
                       <a:srgbClr val="000000">
@@ -14823,14 +14823,14 @@
           </a:ln>
           <a:extLst>
             <a:ext uri="{909E8E84-426E-40dd-AFC4-6F175D3DCCD1}">
-              <a14:hiddenFill xmlns="" xmlns:a14="http://schemas.microsoft.com/office/drawing/2010/main">
+              <a14:hiddenFill xmlns:a14="http://schemas.microsoft.com/office/drawing/2010/main" xmlns="">
                 <a:solidFill>
                   <a:schemeClr val="accent1"/>
                 </a:solidFill>
               </a14:hiddenFill>
             </a:ext>
             <a:ext uri="{91240B29-F687-4f45-9708-019B960494DF}">
-              <a14:hiddenLine xmlns="" xmlns:a14="http://schemas.microsoft.com/office/drawing/2010/main" w="9525" cap="flat" cmpd="sng" algn="ctr">
+              <a14:hiddenLine xmlns:a14="http://schemas.microsoft.com/office/drawing/2010/main" xmlns="" w="9525" cap="flat" cmpd="sng" algn="ctr">
                 <a:solidFill>
                   <a:schemeClr val="tx1"/>
                 </a:solidFill>
@@ -14841,7 +14841,7 @@
               </a14:hiddenLine>
             </a:ext>
             <a:ext uri="{AF507438-7753-43e0-B8FC-AC1667EBCBE1}">
-              <a14:hiddenEffects xmlns="" xmlns:a14="http://schemas.microsoft.com/office/drawing/2010/main">
+              <a14:hiddenEffects xmlns:a14="http://schemas.microsoft.com/office/drawing/2010/main" xmlns="">
                 <a:effectLst>
                   <a:outerShdw blurRad="63500" dist="38099" dir="2700000" algn="ctr" rotWithShape="0">
                     <a:srgbClr val="000000">
@@ -14895,14 +14895,14 @@
           </a:ln>
           <a:extLst>
             <a:ext uri="{909E8E84-426E-40dd-AFC4-6F175D3DCCD1}">
-              <a14:hiddenFill xmlns="" xmlns:a14="http://schemas.microsoft.com/office/drawing/2010/main">
+              <a14:hiddenFill xmlns:a14="http://schemas.microsoft.com/office/drawing/2010/main" xmlns="">
                 <a:solidFill>
                   <a:schemeClr val="accent1"/>
                 </a:solidFill>
               </a14:hiddenFill>
             </a:ext>
             <a:ext uri="{91240B29-F687-4f45-9708-019B960494DF}">
-              <a14:hiddenLine xmlns="" xmlns:a14="http://schemas.microsoft.com/office/drawing/2010/main" w="9525" cap="flat" cmpd="sng" algn="ctr">
+              <a14:hiddenLine xmlns:a14="http://schemas.microsoft.com/office/drawing/2010/main" xmlns="" w="9525" cap="flat" cmpd="sng" algn="ctr">
                 <a:solidFill>
                   <a:schemeClr val="tx1"/>
                 </a:solidFill>
@@ -14913,7 +14913,7 @@
               </a14:hiddenLine>
             </a:ext>
             <a:ext uri="{AF507438-7753-43e0-B8FC-AC1667EBCBE1}">
-              <a14:hiddenEffects xmlns="" xmlns:a14="http://schemas.microsoft.com/office/drawing/2010/main">
+              <a14:hiddenEffects xmlns:a14="http://schemas.microsoft.com/office/drawing/2010/main" xmlns="">
                 <a:effectLst>
                   <a:outerShdw blurRad="63500" dist="38099" dir="2700000" algn="ctr" rotWithShape="0">
                     <a:srgbClr val="000000">
@@ -15216,14 +15216,14 @@
           <a:effectLst/>
           <a:extLst>
             <a:ext uri="{909E8E84-426E-40dd-AFC4-6F175D3DCCD1}">
-              <a14:hiddenFill xmlns="" xmlns:a14="http://schemas.microsoft.com/office/drawing/2010/main">
+              <a14:hiddenFill xmlns:a14="http://schemas.microsoft.com/office/drawing/2010/main" xmlns="">
                 <a:solidFill>
                   <a:schemeClr val="accent1"/>
                 </a:solidFill>
               </a14:hiddenFill>
             </a:ext>
             <a:ext uri="{91240B29-F687-4f45-9708-019B960494DF}">
-              <a14:hiddenLine xmlns="" xmlns:a14="http://schemas.microsoft.com/office/drawing/2010/main" w="9525" cap="flat" cmpd="sng" algn="ctr">
+              <a14:hiddenLine xmlns:a14="http://schemas.microsoft.com/office/drawing/2010/main" xmlns="" w="9525" cap="flat" cmpd="sng" algn="ctr">
                 <a:solidFill>
                   <a:schemeClr val="tx1"/>
                 </a:solidFill>
@@ -15234,7 +15234,7 @@
               </a14:hiddenLine>
             </a:ext>
             <a:ext uri="{AF507438-7753-43e0-B8FC-AC1667EBCBE1}">
-              <a14:hiddenEffects xmlns="" xmlns:a14="http://schemas.microsoft.com/office/drawing/2010/main">
+              <a14:hiddenEffects xmlns:a14="http://schemas.microsoft.com/office/drawing/2010/main" xmlns="">
                 <a:effectLst>
                   <a:outerShdw blurRad="63500" dist="38099" dir="2700000" algn="ctr" rotWithShape="0">
                     <a:srgbClr val="000000">
@@ -16591,14 +16591,14 @@
           <a:effectLst/>
           <a:extLst>
             <a:ext uri="{909E8E84-426E-40dd-AFC4-6F175D3DCCD1}">
-              <a14:hiddenFill xmlns="" xmlns:a14="http://schemas.microsoft.com/office/drawing/2010/main">
+              <a14:hiddenFill xmlns:a14="http://schemas.microsoft.com/office/drawing/2010/main" xmlns="">
                 <a:solidFill>
                   <a:schemeClr val="accent1"/>
                 </a:solidFill>
               </a14:hiddenFill>
             </a:ext>
             <a:ext uri="{91240B29-F687-4f45-9708-019B960494DF}">
-              <a14:hiddenLine xmlns="" xmlns:a14="http://schemas.microsoft.com/office/drawing/2010/main" w="9525" cap="flat" cmpd="sng" algn="ctr">
+              <a14:hiddenLine xmlns:a14="http://schemas.microsoft.com/office/drawing/2010/main" xmlns="" w="9525" cap="flat" cmpd="sng" algn="ctr">
                 <a:solidFill>
                   <a:schemeClr val="tx1"/>
                 </a:solidFill>
@@ -16609,7 +16609,7 @@
               </a14:hiddenLine>
             </a:ext>
             <a:ext uri="{AF507438-7753-43e0-B8FC-AC1667EBCBE1}">
-              <a14:hiddenEffects xmlns="" xmlns:a14="http://schemas.microsoft.com/office/drawing/2010/main">
+              <a14:hiddenEffects xmlns:a14="http://schemas.microsoft.com/office/drawing/2010/main" xmlns="">
                 <a:effectLst>
                   <a:outerShdw blurRad="63500" dist="38099" dir="2700000" algn="ctr" rotWithShape="0">
                     <a:srgbClr val="000000">
@@ -17103,14 +17103,14 @@
           <a:effectLst/>
           <a:extLst>
             <a:ext uri="{909E8E84-426E-40dd-AFC4-6F175D3DCCD1}">
-              <a14:hiddenFill xmlns="" xmlns:a14="http://schemas.microsoft.com/office/drawing/2010/main">
+              <a14:hiddenFill xmlns:a14="http://schemas.microsoft.com/office/drawing/2010/main" xmlns="">
                 <a:solidFill>
                   <a:schemeClr val="accent1"/>
                 </a:solidFill>
               </a14:hiddenFill>
             </a:ext>
             <a:ext uri="{91240B29-F687-4f45-9708-019B960494DF}">
-              <a14:hiddenLine xmlns="" xmlns:a14="http://schemas.microsoft.com/office/drawing/2010/main" w="9525" cap="flat" cmpd="sng" algn="ctr">
+              <a14:hiddenLine xmlns:a14="http://schemas.microsoft.com/office/drawing/2010/main" xmlns="" w="9525" cap="flat" cmpd="sng" algn="ctr">
                 <a:solidFill>
                   <a:schemeClr val="tx1"/>
                 </a:solidFill>
@@ -17121,7 +17121,7 @@
               </a14:hiddenLine>
             </a:ext>
             <a:ext uri="{AF507438-7753-43e0-B8FC-AC1667EBCBE1}">
-              <a14:hiddenEffects xmlns="" xmlns:a14="http://schemas.microsoft.com/office/drawing/2010/main">
+              <a14:hiddenEffects xmlns:a14="http://schemas.microsoft.com/office/drawing/2010/main" xmlns="">
                 <a:effectLst>
                   <a:outerShdw blurRad="63500" dist="38099" dir="2700000" algn="ctr" rotWithShape="0">
                     <a:srgbClr val="000000">
@@ -18478,14 +18478,14 @@
           <a:effectLst/>
           <a:extLst>
             <a:ext uri="{909E8E84-426E-40dd-AFC4-6F175D3DCCD1}">
-              <a14:hiddenFill xmlns="" xmlns:a14="http://schemas.microsoft.com/office/drawing/2010/main">
+              <a14:hiddenFill xmlns:a14="http://schemas.microsoft.com/office/drawing/2010/main" xmlns="">
                 <a:solidFill>
                   <a:schemeClr val="accent1"/>
                 </a:solidFill>
               </a14:hiddenFill>
             </a:ext>
             <a:ext uri="{91240B29-F687-4f45-9708-019B960494DF}">
-              <a14:hiddenLine xmlns="" xmlns:a14="http://schemas.microsoft.com/office/drawing/2010/main" w="9525" cap="flat" cmpd="sng" algn="ctr">
+              <a14:hiddenLine xmlns:a14="http://schemas.microsoft.com/office/drawing/2010/main" xmlns="" w="9525" cap="flat" cmpd="sng" algn="ctr">
                 <a:solidFill>
                   <a:schemeClr val="tx1"/>
                 </a:solidFill>
@@ -18496,7 +18496,7 @@
               </a14:hiddenLine>
             </a:ext>
             <a:ext uri="{AF507438-7753-43e0-B8FC-AC1667EBCBE1}">
-              <a14:hiddenEffects xmlns="" xmlns:a14="http://schemas.microsoft.com/office/drawing/2010/main">
+              <a14:hiddenEffects xmlns:a14="http://schemas.microsoft.com/office/drawing/2010/main" xmlns="">
                 <a:effectLst>
                   <a:outerShdw blurRad="63500" dist="38099" dir="2700000" algn="ctr" rotWithShape="0">
                     <a:srgbClr val="000000">
@@ -18990,14 +18990,14 @@
           <a:effectLst/>
           <a:extLst>
             <a:ext uri="{909E8E84-426E-40dd-AFC4-6F175D3DCCD1}">
-              <a14:hiddenFill xmlns="" xmlns:a14="http://schemas.microsoft.com/office/drawing/2010/main">
+              <a14:hiddenFill xmlns:a14="http://schemas.microsoft.com/office/drawing/2010/main" xmlns="">
                 <a:solidFill>
                   <a:schemeClr val="accent1"/>
                 </a:solidFill>
               </a14:hiddenFill>
             </a:ext>
             <a:ext uri="{91240B29-F687-4f45-9708-019B960494DF}">
-              <a14:hiddenLine xmlns="" xmlns:a14="http://schemas.microsoft.com/office/drawing/2010/main" w="9525" cap="flat" cmpd="sng" algn="ctr">
+              <a14:hiddenLine xmlns:a14="http://schemas.microsoft.com/office/drawing/2010/main" xmlns="" w="9525" cap="flat" cmpd="sng" algn="ctr">
                 <a:solidFill>
                   <a:schemeClr val="tx1"/>
                 </a:solidFill>
@@ -19008,7 +19008,7 @@
               </a14:hiddenLine>
             </a:ext>
             <a:ext uri="{AF507438-7753-43e0-B8FC-AC1667EBCBE1}">
-              <a14:hiddenEffects xmlns="" xmlns:a14="http://schemas.microsoft.com/office/drawing/2010/main">
+              <a14:hiddenEffects xmlns:a14="http://schemas.microsoft.com/office/drawing/2010/main" xmlns="">
                 <a:effectLst>
                   <a:outerShdw blurRad="63500" dist="38099" dir="2700000" algn="ctr" rotWithShape="0">
                     <a:srgbClr val="000000">
@@ -20365,14 +20365,14 @@
           <a:effectLst/>
           <a:extLst>
             <a:ext uri="{909E8E84-426E-40dd-AFC4-6F175D3DCCD1}">
-              <a14:hiddenFill xmlns:a14="http://schemas.microsoft.com/office/drawing/2010/main" xmlns="">
+              <a14:hiddenFill xmlns="" xmlns:a14="http://schemas.microsoft.com/office/drawing/2010/main">
                 <a:solidFill>
                   <a:schemeClr val="accent1"/>
                 </a:solidFill>
               </a14:hiddenFill>
             </a:ext>
             <a:ext uri="{91240B29-F687-4f45-9708-019B960494DF}">
-              <a14:hiddenLine xmlns:a14="http://schemas.microsoft.com/office/drawing/2010/main" xmlns="" w="9525" cap="flat" cmpd="sng" algn="ctr">
+              <a14:hiddenLine xmlns="" xmlns:a14="http://schemas.microsoft.com/office/drawing/2010/main" w="9525" cap="flat" cmpd="sng" algn="ctr">
                 <a:solidFill>
                   <a:schemeClr val="tx1"/>
                 </a:solidFill>
@@ -20383,7 +20383,7 @@
               </a14:hiddenLine>
             </a:ext>
             <a:ext uri="{AF507438-7753-43e0-B8FC-AC1667EBCBE1}">
-              <a14:hiddenEffects xmlns:a14="http://schemas.microsoft.com/office/drawing/2010/main" xmlns="">
+              <a14:hiddenEffects xmlns="" xmlns:a14="http://schemas.microsoft.com/office/drawing/2010/main">
                 <a:effectLst>
                   <a:outerShdw blurRad="63500" dist="38099" dir="2700000" algn="ctr" rotWithShape="0">
                     <a:srgbClr val="000000">
@@ -21170,14 +21170,14 @@
           <a:effectLst/>
           <a:extLst>
             <a:ext uri="{909E8E84-426E-40dd-AFC4-6F175D3DCCD1}">
-              <a14:hiddenFill xmlns="" xmlns:a14="http://schemas.microsoft.com/office/drawing/2010/main">
+              <a14:hiddenFill xmlns:a14="http://schemas.microsoft.com/office/drawing/2010/main" xmlns="">
                 <a:solidFill>
                   <a:schemeClr val="accent1"/>
                 </a:solidFill>
               </a14:hiddenFill>
             </a:ext>
             <a:ext uri="{91240B29-F687-4f45-9708-019B960494DF}">
-              <a14:hiddenLine xmlns="" xmlns:a14="http://schemas.microsoft.com/office/drawing/2010/main" w="9525" cap="flat" cmpd="sng" algn="ctr">
+              <a14:hiddenLine xmlns:a14="http://schemas.microsoft.com/office/drawing/2010/main" xmlns="" w="9525" cap="flat" cmpd="sng" algn="ctr">
                 <a:solidFill>
                   <a:schemeClr val="tx1"/>
                 </a:solidFill>
@@ -21188,7 +21188,7 @@
               </a14:hiddenLine>
             </a:ext>
             <a:ext uri="{AF507438-7753-43e0-B8FC-AC1667EBCBE1}">
-              <a14:hiddenEffects xmlns="" xmlns:a14="http://schemas.microsoft.com/office/drawing/2010/main">
+              <a14:hiddenEffects xmlns:a14="http://schemas.microsoft.com/office/drawing/2010/main" xmlns="">
                 <a:effectLst>
                   <a:outerShdw blurRad="63500" dist="38099" dir="2700000" algn="ctr" rotWithShape="0">
                     <a:srgbClr val="000000">
@@ -22892,14 +22892,14 @@
           <a:effectLst/>
           <a:extLst>
             <a:ext uri="{909E8E84-426E-40dd-AFC4-6F175D3DCCD1}">
-              <a14:hiddenFill xmlns:a14="http://schemas.microsoft.com/office/drawing/2010/main" xmlns="">
+              <a14:hiddenFill xmlns="" xmlns:a14="http://schemas.microsoft.com/office/drawing/2010/main">
                 <a:solidFill>
                   <a:schemeClr val="accent1"/>
                 </a:solidFill>
               </a14:hiddenFill>
             </a:ext>
             <a:ext uri="{91240B29-F687-4f45-9708-019B960494DF}">
-              <a14:hiddenLine xmlns:a14="http://schemas.microsoft.com/office/drawing/2010/main" xmlns="" w="9525" cap="flat" cmpd="sng" algn="ctr">
+              <a14:hiddenLine xmlns="" xmlns:a14="http://schemas.microsoft.com/office/drawing/2010/main" w="9525" cap="flat" cmpd="sng" algn="ctr">
                 <a:solidFill>
                   <a:schemeClr val="tx1"/>
                 </a:solidFill>
@@ -22910,7 +22910,7 @@
               </a14:hiddenLine>
             </a:ext>
             <a:ext uri="{AF507438-7753-43e0-B8FC-AC1667EBCBE1}">
-              <a14:hiddenEffects xmlns:a14="http://schemas.microsoft.com/office/drawing/2010/main" xmlns="">
+              <a14:hiddenEffects xmlns="" xmlns:a14="http://schemas.microsoft.com/office/drawing/2010/main">
                 <a:effectLst>
                   <a:outerShdw blurRad="63500" dist="38099" dir="2700000" algn="ctr" rotWithShape="0">
                     <a:srgbClr val="000000">
@@ -23942,14 +23942,14 @@
           <a:effectLst/>
           <a:extLst>
             <a:ext uri="{909E8E84-426E-40dd-AFC4-6F175D3DCCD1}">
-              <a14:hiddenFill xmlns:a14="http://schemas.microsoft.com/office/drawing/2010/main" xmlns="">
+              <a14:hiddenFill xmlns="" xmlns:a14="http://schemas.microsoft.com/office/drawing/2010/main">
                 <a:solidFill>
                   <a:schemeClr val="accent1"/>
                 </a:solidFill>
               </a14:hiddenFill>
             </a:ext>
             <a:ext uri="{91240B29-F687-4f45-9708-019B960494DF}">
-              <a14:hiddenLine xmlns:a14="http://schemas.microsoft.com/office/drawing/2010/main" xmlns="" w="9525" cap="flat" cmpd="sng" algn="ctr">
+              <a14:hiddenLine xmlns="" xmlns:a14="http://schemas.microsoft.com/office/drawing/2010/main" w="9525" cap="flat" cmpd="sng" algn="ctr">
                 <a:solidFill>
                   <a:schemeClr val="tx1"/>
                 </a:solidFill>
@@ -23960,7 +23960,7 @@
               </a14:hiddenLine>
             </a:ext>
             <a:ext uri="{AF507438-7753-43e0-B8FC-AC1667EBCBE1}">
-              <a14:hiddenEffects xmlns:a14="http://schemas.microsoft.com/office/drawing/2010/main" xmlns="">
+              <a14:hiddenEffects xmlns="" xmlns:a14="http://schemas.microsoft.com/office/drawing/2010/main">
                 <a:effectLst>
                   <a:outerShdw blurRad="63500" dist="38099" dir="2700000" algn="ctr" rotWithShape="0">
                     <a:srgbClr val="000000">
@@ -25358,14 +25358,14 @@
           <a:effectLst/>
           <a:extLst>
             <a:ext uri="{909E8E84-426E-40dd-AFC4-6F175D3DCCD1}">
-              <a14:hiddenFill xmlns="" xmlns:a14="http://schemas.microsoft.com/office/drawing/2010/main">
+              <a14:hiddenFill xmlns:a14="http://schemas.microsoft.com/office/drawing/2010/main" xmlns="">
                 <a:solidFill>
                   <a:schemeClr val="accent1"/>
                 </a:solidFill>
               </a14:hiddenFill>
             </a:ext>
             <a:ext uri="{91240B29-F687-4f45-9708-019B960494DF}">
-              <a14:hiddenLine xmlns="" xmlns:a14="http://schemas.microsoft.com/office/drawing/2010/main" w="9525" cap="flat" cmpd="sng" algn="ctr">
+              <a14:hiddenLine xmlns:a14="http://schemas.microsoft.com/office/drawing/2010/main" xmlns="" w="9525" cap="flat" cmpd="sng" algn="ctr">
                 <a:solidFill>
                   <a:schemeClr val="tx1"/>
                 </a:solidFill>
@@ -25376,7 +25376,7 @@
               </a14:hiddenLine>
             </a:ext>
             <a:ext uri="{AF507438-7753-43e0-B8FC-AC1667EBCBE1}">
-              <a14:hiddenEffects xmlns="" xmlns:a14="http://schemas.microsoft.com/office/drawing/2010/main">
+              <a14:hiddenEffects xmlns:a14="http://schemas.microsoft.com/office/drawing/2010/main" xmlns="">
                 <a:effectLst>
                   <a:outerShdw blurRad="63500" dist="38099" dir="2700000" algn="ctr" rotWithShape="0">
                     <a:srgbClr val="000000">
@@ -26479,14 +26479,14 @@
           <a:effectLst/>
           <a:extLst>
             <a:ext uri="{909E8E84-426E-40dd-AFC4-6F175D3DCCD1}">
-              <a14:hiddenFill xmlns="" xmlns:a14="http://schemas.microsoft.com/office/drawing/2010/main">
+              <a14:hiddenFill xmlns:a14="http://schemas.microsoft.com/office/drawing/2010/main" xmlns="">
                 <a:solidFill>
                   <a:schemeClr val="accent1"/>
                 </a:solidFill>
               </a14:hiddenFill>
             </a:ext>
             <a:ext uri="{91240B29-F687-4f45-9708-019B960494DF}">
-              <a14:hiddenLine xmlns="" xmlns:a14="http://schemas.microsoft.com/office/drawing/2010/main" w="9525" cap="flat" cmpd="sng" algn="ctr">
+              <a14:hiddenLine xmlns:a14="http://schemas.microsoft.com/office/drawing/2010/main" xmlns="" w="9525" cap="flat" cmpd="sng" algn="ctr">
                 <a:solidFill>
                   <a:schemeClr val="tx1"/>
                 </a:solidFill>
@@ -26497,7 +26497,7 @@
               </a14:hiddenLine>
             </a:ext>
             <a:ext uri="{AF507438-7753-43e0-B8FC-AC1667EBCBE1}">
-              <a14:hiddenEffects xmlns="" xmlns:a14="http://schemas.microsoft.com/office/drawing/2010/main">
+              <a14:hiddenEffects xmlns:a14="http://schemas.microsoft.com/office/drawing/2010/main" xmlns="">
                 <a:effectLst>
                   <a:outerShdw blurRad="63500" dist="38099" dir="2700000" algn="ctr" rotWithShape="0">
                     <a:srgbClr val="000000">
@@ -28301,14 +28301,14 @@
           <a:effectLst/>
           <a:extLst>
             <a:ext uri="{909E8E84-426E-40dd-AFC4-6F175D3DCCD1}">
-              <a14:hiddenFill xmlns:a14="http://schemas.microsoft.com/office/drawing/2010/main" xmlns="">
+              <a14:hiddenFill xmlns="" xmlns:a14="http://schemas.microsoft.com/office/drawing/2010/main">
                 <a:solidFill>
                   <a:schemeClr val="accent1"/>
                 </a:solidFill>
               </a14:hiddenFill>
             </a:ext>
             <a:ext uri="{91240B29-F687-4f45-9708-019B960494DF}">
-              <a14:hiddenLine xmlns:a14="http://schemas.microsoft.com/office/drawing/2010/main" xmlns="" w="9525" cap="flat" cmpd="sng" algn="ctr">
+              <a14:hiddenLine xmlns="" xmlns:a14="http://schemas.microsoft.com/office/drawing/2010/main" w="9525" cap="flat" cmpd="sng" algn="ctr">
                 <a:solidFill>
                   <a:schemeClr val="tx1"/>
                 </a:solidFill>
@@ -28319,7 +28319,7 @@
               </a14:hiddenLine>
             </a:ext>
             <a:ext uri="{AF507438-7753-43e0-B8FC-AC1667EBCBE1}">
-              <a14:hiddenEffects xmlns:a14="http://schemas.microsoft.com/office/drawing/2010/main" xmlns="">
+              <a14:hiddenEffects xmlns="" xmlns:a14="http://schemas.microsoft.com/office/drawing/2010/main">
                 <a:effectLst>
                   <a:outerShdw blurRad="63500" dist="38099" dir="2700000" algn="ctr" rotWithShape="0">
                     <a:srgbClr val="000000">
@@ -29000,14 +29000,14 @@
           <a:effectLst/>
           <a:extLst>
             <a:ext uri="{909E8E84-426E-40dd-AFC4-6F175D3DCCD1}">
-              <a14:hiddenFill xmlns="" xmlns:a14="http://schemas.microsoft.com/office/drawing/2010/main">
+              <a14:hiddenFill xmlns:a14="http://schemas.microsoft.com/office/drawing/2010/main" xmlns="">
                 <a:solidFill>
                   <a:schemeClr val="accent1"/>
                 </a:solidFill>
               </a14:hiddenFill>
             </a:ext>
             <a:ext uri="{91240B29-F687-4f45-9708-019B960494DF}">
-              <a14:hiddenLine xmlns="" xmlns:a14="http://schemas.microsoft.com/office/drawing/2010/main" w="9525" cap="flat" cmpd="sng" algn="ctr">
+              <a14:hiddenLine xmlns:a14="http://schemas.microsoft.com/office/drawing/2010/main" xmlns="" w="9525" cap="flat" cmpd="sng" algn="ctr">
                 <a:solidFill>
                   <a:schemeClr val="tx1"/>
                 </a:solidFill>
@@ -29018,7 +29018,7 @@
               </a14:hiddenLine>
             </a:ext>
             <a:ext uri="{AF507438-7753-43e0-B8FC-AC1667EBCBE1}">
-              <a14:hiddenEffects xmlns="" xmlns:a14="http://schemas.microsoft.com/office/drawing/2010/main">
+              <a14:hiddenEffects xmlns:a14="http://schemas.microsoft.com/office/drawing/2010/main" xmlns="">
                 <a:effectLst>
                   <a:outerShdw blurRad="63500" dist="38099" dir="2700000" algn="ctr" rotWithShape="0">
                     <a:srgbClr val="000000">
@@ -29695,14 +29695,14 @@
         <a:effectLst/>
         <a:extLst>
           <a:ext uri="{909E8E84-426E-40dd-AFC4-6F175D3DCCD1}">
-            <a14:hiddenFill xmlns:a14="http://schemas.microsoft.com/office/drawing/2010/main" xmlns="">
+            <a14:hiddenFill xmlns="" xmlns:a14="http://schemas.microsoft.com/office/drawing/2010/main">
               <a:solidFill>
                 <a:schemeClr val="accent1"/>
               </a:solidFill>
             </a14:hiddenFill>
           </a:ext>
           <a:ext uri="{91240B29-F687-4f45-9708-019B960494DF}">
-            <a14:hiddenLine xmlns:a14="http://schemas.microsoft.com/office/drawing/2010/main" xmlns="" w="9525" cap="flat" cmpd="sng" algn="ctr">
+            <a14:hiddenLine xmlns="" xmlns:a14="http://schemas.microsoft.com/office/drawing/2010/main" w="9525" cap="flat" cmpd="sng" algn="ctr">
               <a:solidFill>
                 <a:schemeClr val="tx1"/>
               </a:solidFill>
@@ -29713,7 +29713,7 @@
             </a14:hiddenLine>
           </a:ext>
           <a:ext uri="{AF507438-7753-43e0-B8FC-AC1667EBCBE1}">
-            <a14:hiddenEffects xmlns:a14="http://schemas.microsoft.com/office/drawing/2010/main" xmlns="">
+            <a14:hiddenEffects xmlns="" xmlns:a14="http://schemas.microsoft.com/office/drawing/2010/main">
               <a:effectLst>
                 <a:outerShdw blurRad="63500" dist="38099" dir="2700000" algn="ctr" rotWithShape="0">
                   <a:srgbClr val="000000">
@@ -29782,14 +29782,14 @@
         <a:effectLst/>
         <a:extLst>
           <a:ext uri="{909E8E84-426E-40dd-AFC4-6F175D3DCCD1}">
-            <a14:hiddenFill xmlns:a14="http://schemas.microsoft.com/office/drawing/2010/main" xmlns="">
+            <a14:hiddenFill xmlns="" xmlns:a14="http://schemas.microsoft.com/office/drawing/2010/main">
               <a:solidFill>
                 <a:schemeClr val="accent1"/>
               </a:solidFill>
             </a14:hiddenFill>
           </a:ext>
           <a:ext uri="{91240B29-F687-4f45-9708-019B960494DF}">
-            <a14:hiddenLine xmlns:a14="http://schemas.microsoft.com/office/drawing/2010/main" xmlns="" w="9525" cap="flat" cmpd="sng" algn="ctr">
+            <a14:hiddenLine xmlns="" xmlns:a14="http://schemas.microsoft.com/office/drawing/2010/main" w="9525" cap="flat" cmpd="sng" algn="ctr">
               <a:solidFill>
                 <a:schemeClr val="tx1"/>
               </a:solidFill>
@@ -29800,7 +29800,7 @@
             </a14:hiddenLine>
           </a:ext>
           <a:ext uri="{AF507438-7753-43e0-B8FC-AC1667EBCBE1}">
-            <a14:hiddenEffects xmlns:a14="http://schemas.microsoft.com/office/drawing/2010/main" xmlns="">
+            <a14:hiddenEffects xmlns="" xmlns:a14="http://schemas.microsoft.com/office/drawing/2010/main">
               <a:effectLst>
                 <a:outerShdw blurRad="63500" dist="38099" dir="2700000" algn="ctr" rotWithShape="0">
                   <a:srgbClr val="000000">

--- a/presentation/1895955_1884561.pptx
+++ b/presentation/1895955_1884561.pptx
@@ -5,10 +5,10 @@
     <p:sldMasterId id="2147483678" r:id="rId1"/>
   </p:sldMasterIdLst>
   <p:notesMasterIdLst>
-    <p:notesMasterId r:id="rId31"/>
+    <p:notesMasterId r:id="rId33"/>
   </p:notesMasterIdLst>
   <p:handoutMasterIdLst>
-    <p:handoutMasterId r:id="rId32"/>
+    <p:handoutMasterId r:id="rId34"/>
   </p:handoutMasterIdLst>
   <p:sldIdLst>
     <p:sldId id="274" r:id="rId2"/>
@@ -27,19 +27,21 @@
     <p:sldId id="339" r:id="rId15"/>
     <p:sldId id="350" r:id="rId16"/>
     <p:sldId id="348" r:id="rId17"/>
-    <p:sldId id="340" r:id="rId18"/>
-    <p:sldId id="320" r:id="rId19"/>
-    <p:sldId id="321" r:id="rId20"/>
-    <p:sldId id="342" r:id="rId21"/>
-    <p:sldId id="351" r:id="rId22"/>
-    <p:sldId id="325" r:id="rId23"/>
-    <p:sldId id="344" r:id="rId24"/>
-    <p:sldId id="354" r:id="rId25"/>
-    <p:sldId id="328" r:id="rId26"/>
-    <p:sldId id="346" r:id="rId27"/>
-    <p:sldId id="355" r:id="rId28"/>
-    <p:sldId id="333" r:id="rId29"/>
-    <p:sldId id="305" r:id="rId30"/>
+    <p:sldId id="361" r:id="rId18"/>
+    <p:sldId id="363" r:id="rId19"/>
+    <p:sldId id="340" r:id="rId20"/>
+    <p:sldId id="320" r:id="rId21"/>
+    <p:sldId id="321" r:id="rId22"/>
+    <p:sldId id="342" r:id="rId23"/>
+    <p:sldId id="351" r:id="rId24"/>
+    <p:sldId id="325" r:id="rId25"/>
+    <p:sldId id="344" r:id="rId26"/>
+    <p:sldId id="354" r:id="rId27"/>
+    <p:sldId id="328" r:id="rId28"/>
+    <p:sldId id="346" r:id="rId29"/>
+    <p:sldId id="355" r:id="rId30"/>
+    <p:sldId id="333" r:id="rId31"/>
+    <p:sldId id="305" r:id="rId32"/>
   </p:sldIdLst>
   <p:sldSz cx="9144000" cy="6858000" type="screen4x3"/>
   <p:notesSz cx="6858000" cy="9144000"/>
@@ -1134,6 +1136,127 @@
           <a:bodyPr/>
           <a:lstStyle/>
           <a:p>
+            <a:r>
+              <a:rPr lang="en-US" dirty="0" err="1"/>
+              <a:t>L’info</a:t>
+            </a:r>
+            <a:r>
+              <a:rPr lang="en-US" dirty="0"/>
+              <a:t> </a:t>
+            </a:r>
+            <a:r>
+              <a:rPr lang="en-US" dirty="0" err="1"/>
+              <a:t>interessante</a:t>
+            </a:r>
+            <a:r>
+              <a:rPr lang="en-US" dirty="0"/>
+              <a:t> non è il </a:t>
+            </a:r>
+            <a:r>
+              <a:rPr lang="en-US" dirty="0" err="1"/>
+              <a:t>valore</a:t>
+            </a:r>
+            <a:r>
+              <a:rPr lang="en-US" dirty="0"/>
+              <a:t> basso di loss, ma </a:t>
+            </a:r>
+            <a:r>
+              <a:rPr lang="en-US" dirty="0" err="1"/>
+              <a:t>che</a:t>
+            </a:r>
+            <a:r>
+              <a:rPr lang="en-US" dirty="0"/>
+              <a:t> non cala</a:t>
+            </a:r>
+          </a:p>
+        </p:txBody>
+      </p:sp>
+      <p:sp>
+        <p:nvSpPr>
+          <p:cNvPr id="4" name="Segnaposto numero diapositiva 3"/>
+          <p:cNvSpPr>
+            <a:spLocks noGrp="1"/>
+          </p:cNvSpPr>
+          <p:nvPr>
+            <p:ph type="sldNum" sz="quarter" idx="5"/>
+          </p:nvPr>
+        </p:nvSpPr>
+        <p:spPr/>
+        <p:txBody>
+          <a:bodyPr/>
+          <a:lstStyle/>
+          <a:p>
+            <a:pPr>
+              <a:defRPr/>
+            </a:pPr>
+            <a:fld id="{85CEF955-4F42-4C91-BE5A-4F8E7E1A99DB}" type="slidenum">
+              <a:rPr lang="it-IT" altLang="it-IT" smtClean="0"/>
+              <a:pPr>
+                <a:defRPr/>
+              </a:pPr>
+              <a:t>24</a:t>
+            </a:fld>
+            <a:endParaRPr lang="it-IT" altLang="it-IT"/>
+          </a:p>
+        </p:txBody>
+      </p:sp>
+    </p:spTree>
+    <p:extLst>
+      <p:ext uri="{BB962C8B-B14F-4D97-AF65-F5344CB8AC3E}">
+        <p14:creationId xmlns:p14="http://schemas.microsoft.com/office/powerpoint/2010/main" val="2617545748"/>
+      </p:ext>
+    </p:extLst>
+  </p:cSld>
+  <p:clrMapOvr>
+    <a:masterClrMapping/>
+  </p:clrMapOvr>
+</p:notes>
+</file>
+
+<file path=ppt/notesSlides/notesSlide11.xml><?xml version="1.0" encoding="utf-8"?>
+<p:notes xmlns:a="http://schemas.openxmlformats.org/drawingml/2006/main" xmlns:r="http://schemas.openxmlformats.org/officeDocument/2006/relationships" xmlns:p="http://schemas.openxmlformats.org/presentationml/2006/main">
+  <p:cSld>
+    <p:spTree>
+      <p:nvGrpSpPr>
+        <p:cNvPr id="1" name=""/>
+        <p:cNvGrpSpPr/>
+        <p:nvPr/>
+      </p:nvGrpSpPr>
+      <p:grpSpPr>
+        <a:xfrm>
+          <a:off x="0" y="0"/>
+          <a:ext cx="0" cy="0"/>
+          <a:chOff x="0" y="0"/>
+          <a:chExt cx="0" cy="0"/>
+        </a:xfrm>
+      </p:grpSpPr>
+      <p:sp>
+        <p:nvSpPr>
+          <p:cNvPr id="2" name="Segnaposto immagine diapositiva 1"/>
+          <p:cNvSpPr>
+            <a:spLocks noGrp="1" noRot="1" noChangeAspect="1"/>
+          </p:cNvSpPr>
+          <p:nvPr>
+            <p:ph type="sldImg"/>
+          </p:nvPr>
+        </p:nvSpPr>
+        <p:spPr/>
+      </p:sp>
+      <p:sp>
+        <p:nvSpPr>
+          <p:cNvPr id="3" name="Segnaposto note 2"/>
+          <p:cNvSpPr>
+            <a:spLocks noGrp="1"/>
+          </p:cNvSpPr>
+          <p:nvPr>
+            <p:ph type="body" idx="1"/>
+          </p:nvPr>
+        </p:nvSpPr>
+        <p:spPr/>
+        <p:txBody>
+          <a:bodyPr/>
+          <a:lstStyle/>
+          <a:p>
             <a:pPr marL="0" marR="0" lvl="0" indent="0" algn="l" defTabSz="914400" rtl="0" eaLnBrk="0" fontAlgn="base" latinLnBrk="0" hangingPunct="0">
               <a:lnSpc>
                 <a:spcPct val="100000"/>
@@ -1178,7 +1301,114 @@
               <a:pPr>
                 <a:defRPr/>
               </a:pPr>
-              <a:t>27</a:t>
+              <a:t>26</a:t>
+            </a:fld>
+            <a:endParaRPr lang="it-IT" altLang="it-IT"/>
+          </a:p>
+        </p:txBody>
+      </p:sp>
+    </p:spTree>
+    <p:extLst>
+      <p:ext uri="{BB962C8B-B14F-4D97-AF65-F5344CB8AC3E}">
+        <p14:creationId xmlns:p14="http://schemas.microsoft.com/office/powerpoint/2010/main" val="3397908180"/>
+      </p:ext>
+    </p:extLst>
+  </p:cSld>
+  <p:clrMapOvr>
+    <a:masterClrMapping/>
+  </p:clrMapOvr>
+</p:notes>
+</file>
+
+<file path=ppt/notesSlides/notesSlide12.xml><?xml version="1.0" encoding="utf-8"?>
+<p:notes xmlns:a="http://schemas.openxmlformats.org/drawingml/2006/main" xmlns:r="http://schemas.openxmlformats.org/officeDocument/2006/relationships" xmlns:p="http://schemas.openxmlformats.org/presentationml/2006/main">
+  <p:cSld>
+    <p:spTree>
+      <p:nvGrpSpPr>
+        <p:cNvPr id="1" name=""/>
+        <p:cNvGrpSpPr/>
+        <p:nvPr/>
+      </p:nvGrpSpPr>
+      <p:grpSpPr>
+        <a:xfrm>
+          <a:off x="0" y="0"/>
+          <a:ext cx="0" cy="0"/>
+          <a:chOff x="0" y="0"/>
+          <a:chExt cx="0" cy="0"/>
+        </a:xfrm>
+      </p:grpSpPr>
+      <p:sp>
+        <p:nvSpPr>
+          <p:cNvPr id="2" name="Segnaposto immagine diapositiva 1"/>
+          <p:cNvSpPr>
+            <a:spLocks noGrp="1" noRot="1" noChangeAspect="1"/>
+          </p:cNvSpPr>
+          <p:nvPr>
+            <p:ph type="sldImg"/>
+          </p:nvPr>
+        </p:nvSpPr>
+        <p:spPr/>
+      </p:sp>
+      <p:sp>
+        <p:nvSpPr>
+          <p:cNvPr id="3" name="Segnaposto note 2"/>
+          <p:cNvSpPr>
+            <a:spLocks noGrp="1"/>
+          </p:cNvSpPr>
+          <p:nvPr>
+            <p:ph type="body" idx="1"/>
+          </p:nvPr>
+        </p:nvSpPr>
+        <p:spPr/>
+        <p:txBody>
+          <a:bodyPr/>
+          <a:lstStyle/>
+          <a:p>
+            <a:pPr marL="0" marR="0" lvl="0" indent="0" algn="l" defTabSz="914400" rtl="0" eaLnBrk="0" fontAlgn="base" latinLnBrk="0" hangingPunct="0">
+              <a:lnSpc>
+                <a:spcPct val="100000"/>
+              </a:lnSpc>
+              <a:spcBef>
+                <a:spcPct val="30000"/>
+              </a:spcBef>
+              <a:spcAft>
+                <a:spcPct val="0"/>
+              </a:spcAft>
+              <a:buClrTx/>
+              <a:buSzTx/>
+              <a:buFontTx/>
+              <a:buNone/>
+              <a:tabLst/>
+              <a:defRPr/>
+            </a:pPr>
+            <a:endParaRPr lang="en-US" dirty="0"/>
+          </a:p>
+        </p:txBody>
+      </p:sp>
+      <p:sp>
+        <p:nvSpPr>
+          <p:cNvPr id="4" name="Segnaposto numero diapositiva 3"/>
+          <p:cNvSpPr>
+            <a:spLocks noGrp="1"/>
+          </p:cNvSpPr>
+          <p:nvPr>
+            <p:ph type="sldNum" sz="quarter" idx="5"/>
+          </p:nvPr>
+        </p:nvSpPr>
+        <p:spPr/>
+        <p:txBody>
+          <a:bodyPr/>
+          <a:lstStyle/>
+          <a:p>
+            <a:pPr>
+              <a:defRPr/>
+            </a:pPr>
+            <a:fld id="{85CEF955-4F42-4C91-BE5A-4F8E7E1A99DB}" type="slidenum">
+              <a:rPr lang="it-IT" altLang="it-IT" smtClean="0"/>
+              <a:pPr>
+                <a:defRPr/>
+              </a:pPr>
+              <a:t>29</a:t>
             </a:fld>
             <a:endParaRPr lang="it-IT" altLang="it-IT"/>
           </a:p>
@@ -2103,34 +2333,7 @@
           <a:bodyPr/>
           <a:lstStyle/>
           <a:p>
-            <a:r>
-              <a:rPr lang="en-US" dirty="0"/>
-              <a:t>SPECIFICARE PERCHE DIVERSE SCALE DI  UPDATES (</a:t>
-            </a:r>
-            <a:r>
-              <a:rPr lang="en-US" dirty="0" err="1"/>
-              <a:t>perchè</a:t>
-            </a:r>
-            <a:r>
-              <a:rPr lang="en-US" dirty="0"/>
-              <a:t> </a:t>
-            </a:r>
-            <a:r>
-              <a:rPr lang="en-US" dirty="0" err="1"/>
-              <a:t>impara</a:t>
-            </a:r>
-            <a:r>
-              <a:rPr lang="en-US" dirty="0"/>
-              <a:t> di </a:t>
-            </a:r>
-            <a:r>
-              <a:rPr lang="en-US" dirty="0" err="1"/>
-              <a:t>più</a:t>
-            </a:r>
-            <a:r>
-              <a:rPr lang="en-US" dirty="0"/>
-              <a:t>)</a:t>
-            </a:r>
+            <a:endParaRPr lang="en-US" dirty="0"/>
           </a:p>
         </p:txBody>
       </p:sp>
@@ -2157,7 +2360,7 @@
               <a:pPr>
                 <a:defRPr/>
               </a:pPr>
-              <a:t>18</a:t>
+              <a:t>17</a:t>
             </a:fld>
             <a:endParaRPr lang="it-IT" altLang="it-IT"/>
           </a:p>
@@ -2166,7 +2369,7 @@
     </p:spTree>
     <p:extLst>
       <p:ext uri="{BB962C8B-B14F-4D97-AF65-F5344CB8AC3E}">
-        <p14:creationId xmlns:p14="http://schemas.microsoft.com/office/powerpoint/2010/main" val="4014070131"/>
+        <p14:creationId xmlns:p14="http://schemas.microsoft.com/office/powerpoint/2010/main" val="3392885520"/>
       </p:ext>
     </p:extLst>
   </p:cSld>
@@ -2220,23 +2423,6 @@
           <a:bodyPr/>
           <a:lstStyle/>
           <a:p>
-            <a:pPr marL="0" marR="0" lvl="0" indent="0" algn="l" defTabSz="914400" rtl="0" eaLnBrk="0" fontAlgn="base" latinLnBrk="0" hangingPunct="0">
-              <a:lnSpc>
-                <a:spcPct val="100000"/>
-              </a:lnSpc>
-              <a:spcBef>
-                <a:spcPct val="30000"/>
-              </a:spcBef>
-              <a:spcAft>
-                <a:spcPct val="0"/>
-              </a:spcAft>
-              <a:buClrTx/>
-              <a:buSzTx/>
-              <a:buFontTx/>
-              <a:buNone/>
-              <a:tabLst/>
-              <a:defRPr/>
-            </a:pPr>
             <a:endParaRPr lang="en-US" dirty="0"/>
           </a:p>
         </p:txBody>
@@ -2264,7 +2450,7 @@
               <a:pPr>
                 <a:defRPr/>
               </a:pPr>
-              <a:t>21</a:t>
+              <a:t>18</a:t>
             </a:fld>
             <a:endParaRPr lang="it-IT" altLang="it-IT"/>
           </a:p>
@@ -2273,7 +2459,7 @@
     </p:spTree>
     <p:extLst>
       <p:ext uri="{BB962C8B-B14F-4D97-AF65-F5344CB8AC3E}">
-        <p14:creationId xmlns:p14="http://schemas.microsoft.com/office/powerpoint/2010/main" val="3591058871"/>
+        <p14:creationId xmlns:p14="http://schemas.microsoft.com/office/powerpoint/2010/main" val="4149649169"/>
       </p:ext>
     </p:extLst>
   </p:cSld>
@@ -2328,8 +2514,12 @@
           <a:lstStyle/>
           <a:p>
             <a:r>
+              <a:rPr lang="en-US" dirty="0"/>
+              <a:t>SPECIFICARE PERCHE DIVERSE SCALE DI  UPDATES (</a:t>
+            </a:r>
+            <a:r>
               <a:rPr lang="en-US" dirty="0" err="1"/>
-              <a:t>L’info</a:t>
+              <a:t>perchè</a:t>
             </a:r>
             <a:r>
               <a:rPr lang="en-US" dirty="0"/>
@@ -2337,27 +2527,19 @@
             </a:r>
             <a:r>
               <a:rPr lang="en-US" dirty="0" err="1"/>
-              <a:t>interessante</a:t>
+              <a:t>impara</a:t>
             </a:r>
             <a:r>
               <a:rPr lang="en-US" dirty="0"/>
-              <a:t> non è il </a:t>
+              <a:t> di </a:t>
             </a:r>
             <a:r>
               <a:rPr lang="en-US" dirty="0" err="1"/>
-              <a:t>valore</a:t>
+              <a:t>più</a:t>
             </a:r>
             <a:r>
               <a:rPr lang="en-US" dirty="0"/>
-              <a:t> basso di loss, ma </a:t>
-            </a:r>
-            <a:r>
-              <a:rPr lang="en-US" dirty="0" err="1"/>
-              <a:t>che</a:t>
-            </a:r>
-            <a:r>
-              <a:rPr lang="en-US" dirty="0"/>
-              <a:t> non cala</a:t>
+              <a:t>)</a:t>
             </a:r>
           </a:p>
         </p:txBody>
@@ -2385,7 +2567,7 @@
               <a:pPr>
                 <a:defRPr/>
               </a:pPr>
-              <a:t>22</a:t>
+              <a:t>20</a:t>
             </a:fld>
             <a:endParaRPr lang="it-IT" altLang="it-IT"/>
           </a:p>
@@ -2394,7 +2576,7 @@
     </p:spTree>
     <p:extLst>
       <p:ext uri="{BB962C8B-B14F-4D97-AF65-F5344CB8AC3E}">
-        <p14:creationId xmlns:p14="http://schemas.microsoft.com/office/powerpoint/2010/main" val="2617545748"/>
+        <p14:creationId xmlns:p14="http://schemas.microsoft.com/office/powerpoint/2010/main" val="4014070131"/>
       </p:ext>
     </p:extLst>
   </p:cSld>
@@ -2492,7 +2674,7 @@
               <a:pPr>
                 <a:defRPr/>
               </a:pPr>
-              <a:t>24</a:t>
+              <a:t>23</a:t>
             </a:fld>
             <a:endParaRPr lang="it-IT" altLang="it-IT"/>
           </a:p>
@@ -2501,7 +2683,7 @@
     </p:spTree>
     <p:extLst>
       <p:ext uri="{BB962C8B-B14F-4D97-AF65-F5344CB8AC3E}">
-        <p14:creationId xmlns:p14="http://schemas.microsoft.com/office/powerpoint/2010/main" val="3397908180"/>
+        <p14:creationId xmlns:p14="http://schemas.microsoft.com/office/powerpoint/2010/main" val="3591058871"/>
       </p:ext>
     </p:extLst>
   </p:cSld>
@@ -6434,6 +6616,194 @@
         <p:spPr>
           <a:xfrm>
             <a:off x="415707" y="2213283"/>
+            <a:ext cx="8312587" cy="2431435"/>
+          </a:xfrm>
+          <a:prstGeom prst="rect">
+            <a:avLst/>
+          </a:prstGeom>
+          <a:noFill/>
+        </p:spPr>
+        <p:txBody>
+          <a:bodyPr wrap="square" rtlCol="0">
+            <a:spAutoFit/>
+          </a:bodyPr>
+          <a:lstStyle/>
+          <a:p>
+            <a:pPr marL="342900" indent="-342900">
+              <a:buClr>
+                <a:schemeClr val="tx1"/>
+              </a:buClr>
+              <a:buFont typeface="Arial" panose="020B0604020202020204" pitchFamily="34" charset="0"/>
+              <a:buChar char="•"/>
+            </a:pPr>
+            <a:r>
+              <a:rPr lang="en-US" sz="2000" b="1" dirty="0">
+                <a:solidFill>
+                  <a:srgbClr val="000000"/>
+                </a:solidFill>
+              </a:rPr>
+              <a:t>Type 1:</a:t>
+            </a:r>
+            <a:r>
+              <a:rPr lang="en-US" sz="2000" dirty="0">
+                <a:solidFill>
+                  <a:srgbClr val="000000"/>
+                </a:solidFill>
+              </a:rPr>
+              <a:t> Observe behavior of the two networks</a:t>
+            </a:r>
+          </a:p>
+          <a:p>
+            <a:pPr marL="800100" lvl="1" indent="-342900">
+              <a:buClr>
+                <a:schemeClr val="tx1"/>
+              </a:buClr>
+              <a:buFont typeface="Wingdings" panose="05000000000000000000" pitchFamily="2" charset="2"/>
+              <a:buChar char="§"/>
+            </a:pPr>
+            <a:r>
+              <a:rPr lang="en-US" sz="2000" dirty="0">
+                <a:solidFill>
+                  <a:srgbClr val="000000"/>
+                </a:solidFill>
+              </a:rPr>
+              <a:t>Trajectory tracking</a:t>
+            </a:r>
+          </a:p>
+          <a:p>
+            <a:pPr marL="800100" lvl="1" indent="-342900">
+              <a:buClr>
+                <a:schemeClr val="tx1"/>
+              </a:buClr>
+              <a:buFont typeface="Wingdings" panose="05000000000000000000" pitchFamily="2" charset="2"/>
+              <a:buChar char="§"/>
+            </a:pPr>
+            <a:r>
+              <a:rPr lang="en-US" sz="2000" dirty="0">
+                <a:solidFill>
+                  <a:srgbClr val="000000"/>
+                </a:solidFill>
+              </a:rPr>
+              <a:t>Trajectory error</a:t>
+            </a:r>
+          </a:p>
+          <a:p>
+            <a:pPr marL="800100" lvl="1" indent="-342900">
+              <a:buClr>
+                <a:schemeClr val="tx1"/>
+              </a:buClr>
+              <a:buFont typeface="Wingdings" panose="05000000000000000000" pitchFamily="2" charset="2"/>
+              <a:buChar char="§"/>
+            </a:pPr>
+            <a:r>
+              <a:rPr lang="en-US" sz="2000" dirty="0">
+                <a:solidFill>
+                  <a:srgbClr val="000000"/>
+                </a:solidFill>
+              </a:rPr>
+              <a:t>Energy conservation</a:t>
+            </a:r>
+          </a:p>
+          <a:p>
+            <a:pPr lvl="1"/>
+            <a:endParaRPr lang="en-US" sz="1200" dirty="0">
+              <a:solidFill>
+                <a:srgbClr val="000000"/>
+              </a:solidFill>
+            </a:endParaRPr>
+          </a:p>
+          <a:p>
+            <a:pPr marL="342900" indent="-342900">
+              <a:buClr>
+                <a:schemeClr val="tx1"/>
+              </a:buClr>
+              <a:buFont typeface="Arial" panose="020B0604020202020204" pitchFamily="34" charset="0"/>
+              <a:buChar char="•"/>
+            </a:pPr>
+            <a:r>
+              <a:rPr lang="en-US" sz="2000" b="1" dirty="0">
+                <a:solidFill>
+                  <a:srgbClr val="000000"/>
+                </a:solidFill>
+              </a:rPr>
+              <a:t>Type 2:</a:t>
+            </a:r>
+            <a:r>
+              <a:rPr lang="en-US" sz="2000" dirty="0">
+                <a:solidFill>
+                  <a:srgbClr val="000000"/>
+                </a:solidFill>
+              </a:rPr>
+              <a:t> Introduce </a:t>
+            </a:r>
+            <a:r>
+              <a:rPr lang="en-US" sz="2000" dirty="0" err="1">
+                <a:solidFill>
+                  <a:srgbClr val="000000"/>
+                </a:solidFill>
+              </a:rPr>
+              <a:t>measurament</a:t>
+            </a:r>
+            <a:r>
+              <a:rPr lang="en-US" sz="2000" dirty="0">
+                <a:solidFill>
+                  <a:srgbClr val="000000"/>
+                </a:solidFill>
+              </a:rPr>
+              <a:t> noise</a:t>
+            </a:r>
+          </a:p>
+          <a:p>
+            <a:pPr marL="800100" lvl="1" indent="-342900">
+              <a:buClr>
+                <a:schemeClr val="tx1"/>
+              </a:buClr>
+              <a:buFont typeface="Wingdings" panose="05000000000000000000" pitchFamily="2" charset="2"/>
+              <a:buChar char="§"/>
+            </a:pPr>
+            <a:r>
+              <a:rPr lang="en-US" sz="2000" dirty="0">
+                <a:solidFill>
+                  <a:srgbClr val="000000"/>
+                </a:solidFill>
+              </a:rPr>
+              <a:t>Same tests as in type 1</a:t>
+            </a:r>
+          </a:p>
+          <a:p>
+            <a:pPr marL="800100" lvl="1" indent="-342900">
+              <a:buClr>
+                <a:schemeClr val="tx1"/>
+              </a:buClr>
+              <a:buFont typeface="Wingdings" panose="05000000000000000000" pitchFamily="2" charset="2"/>
+              <a:buChar char="§"/>
+            </a:pPr>
+            <a:r>
+              <a:rPr lang="en-US" sz="2000" dirty="0">
+                <a:solidFill>
+                  <a:srgbClr val="000000"/>
+                </a:solidFill>
+              </a:rPr>
+              <a:t>Highlight network robustness in not ideal context</a:t>
+            </a:r>
+          </a:p>
+        </p:txBody>
+      </p:sp>
+      <p:sp>
+        <p:nvSpPr>
+          <p:cNvPr id="4" name="CasellaDiTesto 3">
+            <a:extLst>
+              <a:ext uri="{FF2B5EF4-FFF2-40B4-BE49-F238E27FC236}">
+                <a16:creationId xmlns:a16="http://schemas.microsoft.com/office/drawing/2014/main" id="{16CACDB8-8ED0-416F-A03A-F9806536B312}"/>
+              </a:ext>
+            </a:extLst>
+          </p:cNvPr>
+          <p:cNvSpPr txBox="1"/>
+          <p:nvPr/>
+        </p:nvSpPr>
+        <p:spPr>
+          <a:xfrm>
+            <a:off x="415706" y="2213282"/>
             <a:ext cx="8312587" cy="2431435"/>
           </a:xfrm>
           <a:prstGeom prst="rect">
@@ -10640,64 +11010,643 @@
           </a:p>
         </p:txBody>
       </p:sp>
-      <p:pic>
-        <p:nvPicPr>
-          <p:cNvPr id="5" name="Immagine 4">
+      <p:sp>
+        <p:nvSpPr>
+          <p:cNvPr id="3" name="CasellaDiTesto 2">
             <a:extLst>
               <a:ext uri="{FF2B5EF4-FFF2-40B4-BE49-F238E27FC236}">
-                <a16:creationId xmlns:a16="http://schemas.microsoft.com/office/drawing/2014/main" id="{A2E0BE95-B59B-36EB-51DC-7E63498A4BEE}"/>
+                <a16:creationId xmlns:a16="http://schemas.microsoft.com/office/drawing/2014/main" id="{569378B9-729E-C3C8-F3C3-9F022925A1DB}"/>
               </a:ext>
             </a:extLst>
           </p:cNvPr>
-          <p:cNvPicPr>
-            <a:picLocks noChangeAspect="1"/>
-          </p:cNvPicPr>
+          <p:cNvSpPr txBox="1"/>
           <p:nvPr/>
-        </p:nvPicPr>
-        <p:blipFill>
-          <a:blip r:embed="rId3"/>
-          <a:srcRect/>
-          <a:stretch/>
-        </p:blipFill>
+        </p:nvSpPr>
         <p:spPr>
           <a:xfrm>
-            <a:off x="827584" y="1109591"/>
-            <a:ext cx="3456870" cy="4934807"/>
+            <a:off x="3419872" y="1340768"/>
+            <a:ext cx="2688794" cy="400110"/>
           </a:xfrm>
           <a:prstGeom prst="rect">
             <a:avLst/>
           </a:prstGeom>
+          <a:noFill/>
         </p:spPr>
-      </p:pic>
-      <p:pic>
-        <p:nvPicPr>
-          <p:cNvPr id="10" name="Immagine 9">
+        <p:txBody>
+          <a:bodyPr wrap="square" rtlCol="0">
+            <a:spAutoFit/>
+          </a:bodyPr>
+          <a:lstStyle/>
+          <a:p>
+            <a:pPr algn="ctr">
+              <a:buClr>
+                <a:schemeClr val="tx1"/>
+              </a:buClr>
+            </a:pPr>
+            <a:r>
+              <a:rPr lang="en-US" sz="2000" b="1" dirty="0">
+                <a:solidFill>
+                  <a:srgbClr val="000000"/>
+                </a:solidFill>
+              </a:rPr>
+              <a:t>Controller setup</a:t>
+            </a:r>
+          </a:p>
+        </p:txBody>
+      </p:sp>
+      <mc:AlternateContent xmlns:mc="http://schemas.openxmlformats.org/markup-compatibility/2006" xmlns:a14="http://schemas.microsoft.com/office/drawing/2010/main">
+        <mc:Choice Requires="a14">
+          <p:graphicFrame>
+            <p:nvGraphicFramePr>
+              <p:cNvPr id="4" name="Tabella 3">
+                <a:extLst>
+                  <a:ext uri="{FF2B5EF4-FFF2-40B4-BE49-F238E27FC236}">
+                    <a16:creationId xmlns:a16="http://schemas.microsoft.com/office/drawing/2014/main" id="{4C7C47FA-585D-E7D8-22C9-B720527BE4B8}"/>
+                  </a:ext>
+                </a:extLst>
+              </p:cNvPr>
+              <p:cNvGraphicFramePr>
+                <a:graphicFrameLocks noGrp="1"/>
+              </p:cNvGraphicFramePr>
+              <p:nvPr>
+                <p:extLst>
+                  <p:ext uri="{D42A27DB-BD31-4B8C-83A1-F6EECF244321}">
+                    <p14:modId xmlns:p14="http://schemas.microsoft.com/office/powerpoint/2010/main" val="3245439718"/>
+                  </p:ext>
+                </p:extLst>
+              </p:nvPr>
+            </p:nvGraphicFramePr>
+            <p:xfrm>
+              <a:off x="2734471" y="1882162"/>
+              <a:ext cx="4080284" cy="1350455"/>
+            </p:xfrm>
+            <a:graphic>
+              <a:graphicData uri="http://schemas.openxmlformats.org/drawingml/2006/table">
+                <a:tbl>
+                  <a:tblPr firstRow="1" bandRow="1">
+                    <a:tableStyleId>{91EBBBCC-DAD2-459C-BE2E-F6DE35CF9A28}</a:tableStyleId>
+                  </a:tblPr>
+                  <a:tblGrid>
+                    <a:gridCol w="2040142">
+                      <a:extLst>
+                        <a:ext uri="{9D8B030D-6E8A-4147-A177-3AD203B41FA5}">
+                          <a16:colId xmlns:a16="http://schemas.microsoft.com/office/drawing/2014/main" val="3167897769"/>
+                        </a:ext>
+                      </a:extLst>
+                    </a:gridCol>
+                    <a:gridCol w="2040142">
+                      <a:extLst>
+                        <a:ext uri="{9D8B030D-6E8A-4147-A177-3AD203B41FA5}">
+                          <a16:colId xmlns:a16="http://schemas.microsoft.com/office/drawing/2014/main" val="2027508887"/>
+                        </a:ext>
+                      </a:extLst>
+                    </a:gridCol>
+                  </a:tblGrid>
+                  <a:tr h="474561">
+                    <a:tc>
+                      <a:txBody>
+                        <a:bodyPr/>
+                        <a:lstStyle/>
+                        <a:p>
+                          <a:pPr algn="ctr"/>
+                          <a:r>
+                            <a:rPr lang="en-US" dirty="0"/>
+                            <a:t>Characteristic</a:t>
+                          </a:r>
+                        </a:p>
+                      </a:txBody>
+                      <a:tcPr anchor="ctr"/>
+                    </a:tc>
+                    <a:tc>
+                      <a:txBody>
+                        <a:bodyPr/>
+                        <a:lstStyle/>
+                        <a:p>
+                          <a:pPr algn="ctr"/>
+                          <a:r>
+                            <a:rPr lang="en-US" dirty="0"/>
+                            <a:t>Value</a:t>
+                          </a:r>
+                        </a:p>
+                      </a:txBody>
+                      <a:tcPr anchor="ctr"/>
+                    </a:tc>
+                    <a:extLst>
+                      <a:ext uri="{0D108BD9-81ED-4DB2-BD59-A6C34878D82A}">
+                        <a16:rowId xmlns:a16="http://schemas.microsoft.com/office/drawing/2014/main" val="78001966"/>
+                      </a:ext>
+                    </a:extLst>
+                  </a:tr>
+                  <a:tr h="437947">
+                    <a:tc>
+                      <a:txBody>
+                        <a:bodyPr/>
+                        <a:lstStyle/>
+                        <a:p>
+                          <a:pPr algn="ctr"/>
+                          <a14:m>
+                            <m:oMathPara xmlns:m="http://schemas.openxmlformats.org/officeDocument/2006/math">
+                              <m:oMathParaPr>
+                                <m:jc m:val="centerGroup"/>
+                              </m:oMathParaPr>
+                              <m:oMath xmlns:m="http://schemas.openxmlformats.org/officeDocument/2006/math">
+                                <m:sSub>
+                                  <m:sSubPr>
+                                    <m:ctrlPr>
+                                      <a:rPr lang="it-IT" b="1" i="1" dirty="0" smtClean="0">
+                                        <a:solidFill>
+                                          <a:srgbClr val="000000"/>
+                                        </a:solidFill>
+                                        <a:latin typeface="Cambria Math" panose="02040503050406030204" pitchFamily="18" charset="0"/>
+                                      </a:rPr>
+                                    </m:ctrlPr>
+                                  </m:sSubPr>
+                                  <m:e>
+                                    <m:r>
+                                      <a:rPr lang="it-IT" b="1" i="1" dirty="0" smtClean="0">
+                                        <a:solidFill>
+                                          <a:srgbClr val="000000"/>
+                                        </a:solidFill>
+                                        <a:latin typeface="Cambria Math" panose="02040503050406030204" pitchFamily="18" charset="0"/>
+                                      </a:rPr>
+                                      <m:t>𝒌</m:t>
+                                    </m:r>
+                                  </m:e>
+                                  <m:sub>
+                                    <m:r>
+                                      <a:rPr lang="it-IT" b="1" i="1" dirty="0" smtClean="0">
+                                        <a:solidFill>
+                                          <a:srgbClr val="000000"/>
+                                        </a:solidFill>
+                                        <a:latin typeface="Cambria Math" panose="02040503050406030204" pitchFamily="18" charset="0"/>
+                                      </a:rPr>
+                                      <m:t>𝒑</m:t>
+                                    </m:r>
+                                  </m:sub>
+                                </m:sSub>
+                              </m:oMath>
+                            </m:oMathPara>
+                          </a14:m>
+                          <a:endParaRPr lang="en-US" b="1" dirty="0">
+                            <a:solidFill>
+                              <a:srgbClr val="000000"/>
+                            </a:solidFill>
+                          </a:endParaRPr>
+                        </a:p>
+                      </a:txBody>
+                      <a:tcPr anchor="ctr"/>
+                    </a:tc>
+                    <a:tc>
+                      <a:txBody>
+                        <a:bodyPr/>
+                        <a:lstStyle/>
+                        <a:p>
+                          <a:pPr algn="ctr"/>
+                          <a:r>
+                            <a:rPr lang="en-US" b="1" dirty="0">
+                              <a:solidFill>
+                                <a:srgbClr val="000000"/>
+                              </a:solidFill>
+                            </a:rPr>
+                            <a:t>2</a:t>
+                          </a:r>
+                        </a:p>
+                      </a:txBody>
+                      <a:tcPr anchor="ctr"/>
+                    </a:tc>
+                    <a:extLst>
+                      <a:ext uri="{0D108BD9-81ED-4DB2-BD59-A6C34878D82A}">
+                        <a16:rowId xmlns:a16="http://schemas.microsoft.com/office/drawing/2014/main" val="4174915430"/>
+                      </a:ext>
+                    </a:extLst>
+                  </a:tr>
+                  <a:tr h="437947">
+                    <a:tc>
+                      <a:txBody>
+                        <a:bodyPr/>
+                        <a:lstStyle/>
+                        <a:p>
+                          <a:pPr marL="0" marR="0" lvl="0" indent="0" algn="ctr" defTabSz="457200" rtl="0" eaLnBrk="1" fontAlgn="auto" latinLnBrk="0" hangingPunct="1">
+                            <a:lnSpc>
+                              <a:spcPct val="100000"/>
+                            </a:lnSpc>
+                            <a:spcBef>
+                              <a:spcPts val="0"/>
+                            </a:spcBef>
+                            <a:spcAft>
+                              <a:spcPts val="0"/>
+                            </a:spcAft>
+                            <a:buClrTx/>
+                            <a:buSzTx/>
+                            <a:buFontTx/>
+                            <a:buNone/>
+                            <a:tabLst/>
+                            <a:defRPr/>
+                          </a:pPr>
+                          <a14:m>
+                            <m:oMathPara xmlns:m="http://schemas.openxmlformats.org/officeDocument/2006/math">
+                              <m:oMathParaPr>
+                                <m:jc m:val="centerGroup"/>
+                              </m:oMathParaPr>
+                              <m:oMath xmlns:m="http://schemas.openxmlformats.org/officeDocument/2006/math">
+                                <m:sSub>
+                                  <m:sSubPr>
+                                    <m:ctrlPr>
+                                      <a:rPr lang="it-IT" b="1" i="1" dirty="0" smtClean="0">
+                                        <a:solidFill>
+                                          <a:srgbClr val="000000"/>
+                                        </a:solidFill>
+                                        <a:latin typeface="Cambria Math" panose="02040503050406030204" pitchFamily="18" charset="0"/>
+                                      </a:rPr>
+                                    </m:ctrlPr>
+                                  </m:sSubPr>
+                                  <m:e>
+                                    <m:r>
+                                      <a:rPr lang="it-IT" b="1" i="1" dirty="0" smtClean="0">
+                                        <a:solidFill>
+                                          <a:srgbClr val="000000"/>
+                                        </a:solidFill>
+                                        <a:latin typeface="Cambria Math" panose="02040503050406030204" pitchFamily="18" charset="0"/>
+                                      </a:rPr>
+                                      <m:t>𝒌</m:t>
+                                    </m:r>
+                                  </m:e>
+                                  <m:sub>
+                                    <m:r>
+                                      <a:rPr lang="it-IT" b="1" i="1" dirty="0" smtClean="0">
+                                        <a:solidFill>
+                                          <a:srgbClr val="000000"/>
+                                        </a:solidFill>
+                                        <a:latin typeface="Cambria Math" panose="02040503050406030204" pitchFamily="18" charset="0"/>
+                                      </a:rPr>
+                                      <m:t>𝒅</m:t>
+                                    </m:r>
+                                  </m:sub>
+                                </m:sSub>
+                              </m:oMath>
+                            </m:oMathPara>
+                          </a14:m>
+                          <a:endParaRPr lang="en-US" b="1" dirty="0">
+                            <a:solidFill>
+                              <a:srgbClr val="000000"/>
+                            </a:solidFill>
+                          </a:endParaRPr>
+                        </a:p>
+                      </a:txBody>
+                      <a:tcPr anchor="ctr">
+                        <a:lnB w="12700" cap="flat" cmpd="sng" algn="ctr">
+                          <a:solidFill>
+                            <a:schemeClr val="tx1"/>
+                          </a:solidFill>
+                          <a:prstDash val="solid"/>
+                          <a:round/>
+                          <a:headEnd type="none" w="med" len="med"/>
+                          <a:tailEnd type="none" w="med" len="med"/>
+                        </a:lnB>
+                      </a:tcPr>
+                    </a:tc>
+                    <a:tc>
+                      <a:txBody>
+                        <a:bodyPr/>
+                        <a:lstStyle/>
+                        <a:p>
+                          <a:pPr marL="0" marR="0" lvl="0" indent="0" algn="ctr" defTabSz="457200" rtl="0" eaLnBrk="1" fontAlgn="auto" latinLnBrk="0" hangingPunct="1">
+                            <a:lnSpc>
+                              <a:spcPct val="100000"/>
+                            </a:lnSpc>
+                            <a:spcBef>
+                              <a:spcPts val="0"/>
+                            </a:spcBef>
+                            <a:spcAft>
+                              <a:spcPts val="0"/>
+                            </a:spcAft>
+                            <a:buClrTx/>
+                            <a:buSzTx/>
+                            <a:buFontTx/>
+                            <a:buNone/>
+                            <a:tabLst/>
+                            <a:defRPr/>
+                          </a:pPr>
+                          <a:r>
+                            <a:rPr lang="en-US" b="1" dirty="0">
+                              <a:solidFill>
+                                <a:srgbClr val="000000"/>
+                              </a:solidFill>
+                            </a:rPr>
+                            <a:t>0.5</a:t>
+                          </a:r>
+                        </a:p>
+                      </a:txBody>
+                      <a:tcPr anchor="ctr">
+                        <a:lnB w="12700" cap="flat" cmpd="sng" algn="ctr">
+                          <a:solidFill>
+                            <a:schemeClr val="tx1"/>
+                          </a:solidFill>
+                          <a:prstDash val="solid"/>
+                          <a:round/>
+                          <a:headEnd type="none" w="med" len="med"/>
+                          <a:tailEnd type="none" w="med" len="med"/>
+                        </a:lnB>
+                      </a:tcPr>
+                    </a:tc>
+                    <a:extLst>
+                      <a:ext uri="{0D108BD9-81ED-4DB2-BD59-A6C34878D82A}">
+                        <a16:rowId xmlns:a16="http://schemas.microsoft.com/office/drawing/2014/main" val="2456231003"/>
+                      </a:ext>
+                    </a:extLst>
+                  </a:tr>
+                </a:tbl>
+              </a:graphicData>
+            </a:graphic>
+          </p:graphicFrame>
+        </mc:Choice>
+        <mc:Fallback xmlns="">
+          <p:graphicFrame>
+            <p:nvGraphicFramePr>
+              <p:cNvPr id="4" name="Tabella 3">
+                <a:extLst>
+                  <a:ext uri="{FF2B5EF4-FFF2-40B4-BE49-F238E27FC236}">
+                    <a16:creationId xmlns:a16="http://schemas.microsoft.com/office/drawing/2014/main" id="{4C7C47FA-585D-E7D8-22C9-B720527BE4B8}"/>
+                  </a:ext>
+                </a:extLst>
+              </p:cNvPr>
+              <p:cNvGraphicFramePr>
+                <a:graphicFrameLocks noGrp="1"/>
+              </p:cNvGraphicFramePr>
+              <p:nvPr>
+                <p:extLst>
+                  <p:ext uri="{D42A27DB-BD31-4B8C-83A1-F6EECF244321}">
+                    <p14:modId xmlns:p14="http://schemas.microsoft.com/office/powerpoint/2010/main" val="3245439718"/>
+                  </p:ext>
+                </p:extLst>
+              </p:nvPr>
+            </p:nvGraphicFramePr>
+            <p:xfrm>
+              <a:off x="2734471" y="1882162"/>
+              <a:ext cx="4080284" cy="1350455"/>
+            </p:xfrm>
+            <a:graphic>
+              <a:graphicData uri="http://schemas.openxmlformats.org/drawingml/2006/table">
+                <a:tbl>
+                  <a:tblPr firstRow="1" bandRow="1">
+                    <a:tableStyleId>{91EBBBCC-DAD2-459C-BE2E-F6DE35CF9A28}</a:tableStyleId>
+                  </a:tblPr>
+                  <a:tblGrid>
+                    <a:gridCol w="2040142">
+                      <a:extLst>
+                        <a:ext uri="{9D8B030D-6E8A-4147-A177-3AD203B41FA5}">
+                          <a16:colId xmlns:a16="http://schemas.microsoft.com/office/drawing/2014/main" val="3167897769"/>
+                        </a:ext>
+                      </a:extLst>
+                    </a:gridCol>
+                    <a:gridCol w="2040142">
+                      <a:extLst>
+                        <a:ext uri="{9D8B030D-6E8A-4147-A177-3AD203B41FA5}">
+                          <a16:colId xmlns:a16="http://schemas.microsoft.com/office/drawing/2014/main" val="2027508887"/>
+                        </a:ext>
+                      </a:extLst>
+                    </a:gridCol>
+                  </a:tblGrid>
+                  <a:tr h="474561">
+                    <a:tc>
+                      <a:txBody>
+                        <a:bodyPr/>
+                        <a:lstStyle/>
+                        <a:p>
+                          <a:pPr algn="ctr"/>
+                          <a:r>
+                            <a:rPr lang="en-US" dirty="0"/>
+                            <a:t>Characteristic</a:t>
+                          </a:r>
+                        </a:p>
+                      </a:txBody>
+                      <a:tcPr anchor="ctr"/>
+                    </a:tc>
+                    <a:tc>
+                      <a:txBody>
+                        <a:bodyPr/>
+                        <a:lstStyle/>
+                        <a:p>
+                          <a:pPr algn="ctr"/>
+                          <a:r>
+                            <a:rPr lang="en-US" dirty="0"/>
+                            <a:t>Value</a:t>
+                          </a:r>
+                        </a:p>
+                      </a:txBody>
+                      <a:tcPr anchor="ctr"/>
+                    </a:tc>
+                    <a:extLst>
+                      <a:ext uri="{0D108BD9-81ED-4DB2-BD59-A6C34878D82A}">
+                        <a16:rowId xmlns:a16="http://schemas.microsoft.com/office/drawing/2014/main" val="78001966"/>
+                      </a:ext>
+                    </a:extLst>
+                  </a:tr>
+                  <a:tr h="437947">
+                    <a:tc>
+                      <a:txBody>
+                        <a:bodyPr/>
+                        <a:lstStyle/>
+                        <a:p>
+                          <a:endParaRPr lang="en-US"/>
+                        </a:p>
+                      </a:txBody>
+                      <a:tcPr anchor="ctr">
+                        <a:blipFill>
+                          <a:blip r:embed="rId3"/>
+                          <a:stretch>
+                            <a:fillRect t="-106849" r="-100299" b="-110959"/>
+                          </a:stretch>
+                        </a:blipFill>
+                      </a:tcPr>
+                    </a:tc>
+                    <a:tc>
+                      <a:txBody>
+                        <a:bodyPr/>
+                        <a:lstStyle/>
+                        <a:p>
+                          <a:pPr algn="ctr"/>
+                          <a:r>
+                            <a:rPr lang="en-US" b="1" dirty="0">
+                              <a:solidFill>
+                                <a:srgbClr val="000000"/>
+                              </a:solidFill>
+                            </a:rPr>
+                            <a:t>2</a:t>
+                          </a:r>
+                        </a:p>
+                      </a:txBody>
+                      <a:tcPr anchor="ctr"/>
+                    </a:tc>
+                    <a:extLst>
+                      <a:ext uri="{0D108BD9-81ED-4DB2-BD59-A6C34878D82A}">
+                        <a16:rowId xmlns:a16="http://schemas.microsoft.com/office/drawing/2014/main" val="4174915430"/>
+                      </a:ext>
+                    </a:extLst>
+                  </a:tr>
+                  <a:tr h="437947">
+                    <a:tc>
+                      <a:txBody>
+                        <a:bodyPr/>
+                        <a:lstStyle/>
+                        <a:p>
+                          <a:endParaRPr lang="en-US"/>
+                        </a:p>
+                      </a:txBody>
+                      <a:tcPr anchor="ctr">
+                        <a:lnB w="12700" cap="flat" cmpd="sng" algn="ctr">
+                          <a:solidFill>
+                            <a:schemeClr val="tx1"/>
+                          </a:solidFill>
+                          <a:prstDash val="solid"/>
+                          <a:round/>
+                          <a:headEnd type="none" w="med" len="med"/>
+                          <a:tailEnd type="none" w="med" len="med"/>
+                        </a:lnB>
+                        <a:blipFill>
+                          <a:blip r:embed="rId3"/>
+                          <a:stretch>
+                            <a:fillRect t="-209722" r="-100299" b="-12500"/>
+                          </a:stretch>
+                        </a:blipFill>
+                      </a:tcPr>
+                    </a:tc>
+                    <a:tc>
+                      <a:txBody>
+                        <a:bodyPr/>
+                        <a:lstStyle/>
+                        <a:p>
+                          <a:pPr marL="0" marR="0" lvl="0" indent="0" algn="ctr" defTabSz="457200" rtl="0" eaLnBrk="1" fontAlgn="auto" latinLnBrk="0" hangingPunct="1">
+                            <a:lnSpc>
+                              <a:spcPct val="100000"/>
+                            </a:lnSpc>
+                            <a:spcBef>
+                              <a:spcPts val="0"/>
+                            </a:spcBef>
+                            <a:spcAft>
+                              <a:spcPts val="0"/>
+                            </a:spcAft>
+                            <a:buClrTx/>
+                            <a:buSzTx/>
+                            <a:buFontTx/>
+                            <a:buNone/>
+                            <a:tabLst/>
+                            <a:defRPr/>
+                          </a:pPr>
+                          <a:r>
+                            <a:rPr lang="en-US" b="1" dirty="0">
+                              <a:solidFill>
+                                <a:srgbClr val="000000"/>
+                              </a:solidFill>
+                            </a:rPr>
+                            <a:t>0.5</a:t>
+                          </a:r>
+                        </a:p>
+                      </a:txBody>
+                      <a:tcPr anchor="ctr">
+                        <a:lnB w="12700" cap="flat" cmpd="sng" algn="ctr">
+                          <a:solidFill>
+                            <a:schemeClr val="tx1"/>
+                          </a:solidFill>
+                          <a:prstDash val="solid"/>
+                          <a:round/>
+                          <a:headEnd type="none" w="med" len="med"/>
+                          <a:tailEnd type="none" w="med" len="med"/>
+                        </a:lnB>
+                      </a:tcPr>
+                    </a:tc>
+                    <a:extLst>
+                      <a:ext uri="{0D108BD9-81ED-4DB2-BD59-A6C34878D82A}">
+                        <a16:rowId xmlns:a16="http://schemas.microsoft.com/office/drawing/2014/main" val="2456231003"/>
+                      </a:ext>
+                    </a:extLst>
+                  </a:tr>
+                </a:tbl>
+              </a:graphicData>
+            </a:graphic>
+          </p:graphicFrame>
+        </mc:Fallback>
+      </mc:AlternateContent>
+      <p:sp>
+        <p:nvSpPr>
+          <p:cNvPr id="8" name="CasellaDiTesto 7">
             <a:extLst>
               <a:ext uri="{FF2B5EF4-FFF2-40B4-BE49-F238E27FC236}">
-                <a16:creationId xmlns:a16="http://schemas.microsoft.com/office/drawing/2014/main" id="{C83E08E2-4199-A045-7648-985923DA9B2F}"/>
+                <a16:creationId xmlns:a16="http://schemas.microsoft.com/office/drawing/2014/main" id="{6E7458DC-70AC-CEF3-9D57-3EFAEC336A7B}"/>
               </a:ext>
             </a:extLst>
           </p:cNvPr>
-          <p:cNvPicPr>
-            <a:picLocks noChangeAspect="1"/>
-          </p:cNvPicPr>
+          <p:cNvSpPr txBox="1"/>
           <p:nvPr/>
-        </p:nvPicPr>
-        <p:blipFill>
-          <a:blip r:embed="rId4"/>
-          <a:srcRect/>
-          <a:stretch/>
-        </p:blipFill>
+        </p:nvSpPr>
         <p:spPr>
           <a:xfrm>
-            <a:off x="4914447" y="1109591"/>
-            <a:ext cx="3456869" cy="4934807"/>
+            <a:off x="618319" y="3871740"/>
+            <a:ext cx="8312587" cy="1015663"/>
           </a:xfrm>
           <a:prstGeom prst="rect">
             <a:avLst/>
           </a:prstGeom>
+          <a:noFill/>
         </p:spPr>
-      </p:pic>
+        <p:txBody>
+          <a:bodyPr wrap="square" rtlCol="0">
+            <a:spAutoFit/>
+          </a:bodyPr>
+          <a:lstStyle/>
+          <a:p>
+            <a:pPr marL="342900" indent="-342900">
+              <a:buClr>
+                <a:schemeClr val="tx1"/>
+              </a:buClr>
+              <a:buFont typeface="Arial" panose="020B0604020202020204" pitchFamily="34" charset="0"/>
+              <a:buChar char="•"/>
+            </a:pPr>
+            <a:r>
+              <a:rPr lang="en-US" sz="2000" dirty="0">
+                <a:solidFill>
+                  <a:srgbClr val="000000"/>
+                </a:solidFill>
+              </a:rPr>
+              <a:t>Gain values obtained from</a:t>
+            </a:r>
+          </a:p>
+          <a:p>
+            <a:pPr marL="800100" lvl="1" indent="-342900">
+              <a:buClr>
+                <a:schemeClr val="tx1"/>
+              </a:buClr>
+              <a:buFont typeface="Wingdings" panose="05000000000000000000" pitchFamily="2" charset="2"/>
+              <a:buChar char="§"/>
+            </a:pPr>
+            <a:r>
+              <a:rPr lang="en-US" sz="2000" dirty="0">
+                <a:solidFill>
+                  <a:srgbClr val="000000"/>
+                </a:solidFill>
+              </a:rPr>
+              <a:t>Necessary condition for global asymptotic stability</a:t>
+            </a:r>
+          </a:p>
+          <a:p>
+            <a:pPr marL="800100" lvl="1" indent="-342900">
+              <a:buClr>
+                <a:schemeClr val="tx1"/>
+              </a:buClr>
+              <a:buFont typeface="Wingdings" panose="05000000000000000000" pitchFamily="2" charset="2"/>
+              <a:buChar char="§"/>
+            </a:pPr>
+            <a:r>
+              <a:rPr lang="en-US" sz="2000" dirty="0">
+                <a:solidFill>
+                  <a:srgbClr val="000000"/>
+                </a:solidFill>
+              </a:rPr>
+              <a:t>Fine tuning</a:t>
+            </a:r>
+          </a:p>
+        </p:txBody>
+      </p:sp>
     </p:spTree>
     <p:extLst>
       <p:ext uri="{BB962C8B-B14F-4D97-AF65-F5344CB8AC3E}">
@@ -10712,6 +11661,2222 @@
 </file>
 
 <file path=ppt/slides/slide17.xml><?xml version="1.0" encoding="utf-8"?>
+<p:sld xmlns:a="http://schemas.openxmlformats.org/drawingml/2006/main" xmlns:r="http://schemas.openxmlformats.org/officeDocument/2006/relationships" xmlns:p="http://schemas.openxmlformats.org/presentationml/2006/main">
+  <p:cSld>
+    <p:spTree>
+      <p:nvGrpSpPr>
+        <p:cNvPr id="1" name=""/>
+        <p:cNvGrpSpPr/>
+        <p:nvPr/>
+      </p:nvGrpSpPr>
+      <p:grpSpPr>
+        <a:xfrm>
+          <a:off x="0" y="0"/>
+          <a:ext cx="0" cy="0"/>
+          <a:chOff x="0" y="0"/>
+          <a:chExt cx="0" cy="0"/>
+        </a:xfrm>
+      </p:grpSpPr>
+      <p:sp>
+        <p:nvSpPr>
+          <p:cNvPr id="2" name="Titolo 1">
+            <a:extLst>
+              <a:ext uri="{FF2B5EF4-FFF2-40B4-BE49-F238E27FC236}">
+                <a16:creationId xmlns:a16="http://schemas.microsoft.com/office/drawing/2014/main" id="{AFEFEAD0-5246-726C-3122-EF9AE58FAC80}"/>
+              </a:ext>
+            </a:extLst>
+          </p:cNvPr>
+          <p:cNvSpPr txBox="1">
+            <a:spLocks noChangeArrowheads="1"/>
+          </p:cNvSpPr>
+          <p:nvPr/>
+        </p:nvSpPr>
+        <p:spPr bwMode="auto">
+          <a:xfrm>
+            <a:off x="3015163" y="253099"/>
+            <a:ext cx="5724624" cy="482108"/>
+          </a:xfrm>
+          <a:prstGeom prst="rect">
+            <a:avLst/>
+          </a:prstGeom>
+          <a:ln w="9525" cap="flat" cmpd="sng" algn="ctr">
+            <a:solidFill>
+              <a:schemeClr val="dk1"/>
+            </a:solidFill>
+            <a:prstDash val="solid"/>
+            <a:round/>
+            <a:headEnd type="none" w="med" len="med"/>
+            <a:tailEnd type="none" w="med" len="med"/>
+          </a:ln>
+          <a:extLst>
+            <a:ext uri="{909E8E84-426E-40DD-AFC4-6F175D3DCCD1}">
+              <a14:hiddenFill xmlns:a14="http://schemas.microsoft.com/office/drawing/2010/main">
+                <a:solidFill>
+                  <a:schemeClr val="accent1"/>
+                </a:solidFill>
+              </a14:hiddenFill>
+            </a:ext>
+          </a:extLst>
+        </p:spPr>
+        <p:style>
+          <a:lnRef idx="0">
+            <a:scrgbClr r="0" g="0" b="0"/>
+          </a:lnRef>
+          <a:fillRef idx="0">
+            <a:scrgbClr r="0" g="0" b="0"/>
+          </a:fillRef>
+          <a:effectRef idx="0">
+            <a:scrgbClr r="0" g="0" b="0"/>
+          </a:effectRef>
+          <a:fontRef idx="minor">
+            <a:schemeClr val="dk1"/>
+          </a:fontRef>
+        </p:style>
+        <p:txBody>
+          <a:bodyPr vert="horz" wrap="square" lIns="91440" tIns="45720" rIns="91440" bIns="45720" numCol="1" anchor="ctr" anchorCtr="0" compatLnSpc="1">
+            <a:prstTxWarp prst="textNoShape">
+              <a:avLst/>
+            </a:prstTxWarp>
+          </a:bodyPr>
+          <a:lstStyle>
+            <a:lvl1pPr algn="l" rtl="0" eaLnBrk="0" fontAlgn="base" hangingPunct="0">
+              <a:spcBef>
+                <a:spcPct val="0"/>
+              </a:spcBef>
+              <a:spcAft>
+                <a:spcPct val="0"/>
+              </a:spcAft>
+              <a:defRPr sz="2400" b="1">
+                <a:solidFill>
+                  <a:schemeClr val="dk1"/>
+                </a:solidFill>
+                <a:latin typeface="+mn-lt"/>
+                <a:ea typeface="+mn-ea"/>
+                <a:cs typeface="+mn-cs"/>
+              </a:defRPr>
+            </a:lvl1pPr>
+            <a:lvl2pPr algn="l" rtl="0" eaLnBrk="0" fontAlgn="base" hangingPunct="0">
+              <a:spcBef>
+                <a:spcPct val="0"/>
+              </a:spcBef>
+              <a:spcAft>
+                <a:spcPct val="0"/>
+              </a:spcAft>
+              <a:defRPr sz="2400" b="1">
+                <a:solidFill>
+                  <a:schemeClr val="dk1"/>
+                </a:solidFill>
+                <a:latin typeface="+mn-lt"/>
+                <a:ea typeface="+mn-ea"/>
+                <a:cs typeface="+mn-cs"/>
+              </a:defRPr>
+            </a:lvl2pPr>
+            <a:lvl3pPr algn="l" rtl="0" eaLnBrk="0" fontAlgn="base" hangingPunct="0">
+              <a:spcBef>
+                <a:spcPct val="0"/>
+              </a:spcBef>
+              <a:spcAft>
+                <a:spcPct val="0"/>
+              </a:spcAft>
+              <a:defRPr sz="2400" b="1">
+                <a:solidFill>
+                  <a:schemeClr val="dk1"/>
+                </a:solidFill>
+                <a:latin typeface="+mn-lt"/>
+                <a:ea typeface="+mn-ea"/>
+                <a:cs typeface="+mn-cs"/>
+              </a:defRPr>
+            </a:lvl3pPr>
+            <a:lvl4pPr algn="l" rtl="0" eaLnBrk="0" fontAlgn="base" hangingPunct="0">
+              <a:spcBef>
+                <a:spcPct val="0"/>
+              </a:spcBef>
+              <a:spcAft>
+                <a:spcPct val="0"/>
+              </a:spcAft>
+              <a:defRPr sz="2400" b="1">
+                <a:solidFill>
+                  <a:schemeClr val="dk1"/>
+                </a:solidFill>
+                <a:latin typeface="+mn-lt"/>
+                <a:ea typeface="+mn-ea"/>
+                <a:cs typeface="+mn-cs"/>
+              </a:defRPr>
+            </a:lvl4pPr>
+            <a:lvl5pPr algn="l" rtl="0" eaLnBrk="0" fontAlgn="base" hangingPunct="0">
+              <a:spcBef>
+                <a:spcPct val="0"/>
+              </a:spcBef>
+              <a:spcAft>
+                <a:spcPct val="0"/>
+              </a:spcAft>
+              <a:defRPr sz="2400" b="1">
+                <a:solidFill>
+                  <a:schemeClr val="dk1"/>
+                </a:solidFill>
+                <a:latin typeface="+mn-lt"/>
+                <a:ea typeface="+mn-ea"/>
+                <a:cs typeface="+mn-cs"/>
+              </a:defRPr>
+            </a:lvl5pPr>
+            <a:lvl6pPr marL="457200" algn="l" rtl="0" eaLnBrk="1" fontAlgn="base" hangingPunct="1">
+              <a:spcBef>
+                <a:spcPct val="0"/>
+              </a:spcBef>
+              <a:spcAft>
+                <a:spcPct val="0"/>
+              </a:spcAft>
+              <a:defRPr sz="2400" b="1">
+                <a:solidFill>
+                  <a:schemeClr val="dk1"/>
+                </a:solidFill>
+                <a:latin typeface="+mn-lt"/>
+                <a:ea typeface="+mn-ea"/>
+                <a:cs typeface="+mn-cs"/>
+              </a:defRPr>
+            </a:lvl6pPr>
+            <a:lvl7pPr marL="914400" algn="l" rtl="0" eaLnBrk="1" fontAlgn="base" hangingPunct="1">
+              <a:spcBef>
+                <a:spcPct val="0"/>
+              </a:spcBef>
+              <a:spcAft>
+                <a:spcPct val="0"/>
+              </a:spcAft>
+              <a:defRPr sz="2400" b="1">
+                <a:solidFill>
+                  <a:schemeClr val="dk1"/>
+                </a:solidFill>
+                <a:latin typeface="+mn-lt"/>
+                <a:ea typeface="+mn-ea"/>
+                <a:cs typeface="+mn-cs"/>
+              </a:defRPr>
+            </a:lvl7pPr>
+            <a:lvl8pPr marL="1371600" algn="l" rtl="0" eaLnBrk="1" fontAlgn="base" hangingPunct="1">
+              <a:spcBef>
+                <a:spcPct val="0"/>
+              </a:spcBef>
+              <a:spcAft>
+                <a:spcPct val="0"/>
+              </a:spcAft>
+              <a:defRPr sz="2400" b="1">
+                <a:solidFill>
+                  <a:schemeClr val="dk1"/>
+                </a:solidFill>
+                <a:latin typeface="+mn-lt"/>
+                <a:ea typeface="+mn-ea"/>
+                <a:cs typeface="+mn-cs"/>
+              </a:defRPr>
+            </a:lvl8pPr>
+            <a:lvl9pPr marL="1828800" algn="l" rtl="0" eaLnBrk="1" fontAlgn="base" hangingPunct="1">
+              <a:spcBef>
+                <a:spcPct val="0"/>
+              </a:spcBef>
+              <a:spcAft>
+                <a:spcPct val="0"/>
+              </a:spcAft>
+              <a:defRPr sz="2400" b="1">
+                <a:solidFill>
+                  <a:schemeClr val="dk1"/>
+                </a:solidFill>
+                <a:latin typeface="+mn-lt"/>
+                <a:ea typeface="+mn-ea"/>
+                <a:cs typeface="+mn-cs"/>
+              </a:defRPr>
+            </a:lvl9pPr>
+          </a:lstStyle>
+          <a:p>
+            <a:pPr algn="ctr"/>
+            <a:r>
+              <a:rPr lang="it-IT" altLang="it-IT" kern="0" dirty="0">
+                <a:latin typeface="Calibri" panose="020F0502020204030204" pitchFamily="34" charset="0"/>
+                <a:ea typeface="ＭＳ Ｐゴシック" panose="020B0600070205080204" pitchFamily="34" charset="-128"/>
+              </a:rPr>
+              <a:t>RIGID CASE – CONTROL</a:t>
+            </a:r>
+          </a:p>
+        </p:txBody>
+      </p:sp>
+      <p:pic>
+        <p:nvPicPr>
+          <p:cNvPr id="4" name="Immagine 3">
+            <a:extLst>
+              <a:ext uri="{FF2B5EF4-FFF2-40B4-BE49-F238E27FC236}">
+                <a16:creationId xmlns:a16="http://schemas.microsoft.com/office/drawing/2014/main" id="{8F85EF93-A148-B682-8620-56F9D11F9F11}"/>
+              </a:ext>
+            </a:extLst>
+          </p:cNvPr>
+          <p:cNvPicPr>
+            <a:picLocks noChangeAspect="1"/>
+          </p:cNvPicPr>
+          <p:nvPr/>
+        </p:nvPicPr>
+        <p:blipFill rotWithShape="1">
+          <a:blip r:embed="rId3"/>
+          <a:srcRect l="162" r="-162" b="48942"/>
+          <a:stretch/>
+        </p:blipFill>
+        <p:spPr>
+          <a:xfrm>
+            <a:off x="165260" y="2420888"/>
+            <a:ext cx="8813480" cy="3168352"/>
+          </a:xfrm>
+          <a:prstGeom prst="rect">
+            <a:avLst/>
+          </a:prstGeom>
+        </p:spPr>
+      </p:pic>
+      <mc:AlternateContent xmlns:mc="http://schemas.openxmlformats.org/markup-compatibility/2006" xmlns:a14="http://schemas.microsoft.com/office/drawing/2010/main">
+        <mc:Choice Requires="a14">
+          <p:sp>
+            <p:nvSpPr>
+              <p:cNvPr id="12" name="CasellaDiTesto 11">
+                <a:extLst>
+                  <a:ext uri="{FF2B5EF4-FFF2-40B4-BE49-F238E27FC236}">
+                    <a16:creationId xmlns:a16="http://schemas.microsoft.com/office/drawing/2014/main" id="{D1C343B3-910A-D5D5-FB7D-F1A3C0EB1B1E}"/>
+                  </a:ext>
+                </a:extLst>
+              </p:cNvPr>
+              <p:cNvSpPr txBox="1"/>
+              <p:nvPr/>
+            </p:nvSpPr>
+            <p:spPr>
+              <a:xfrm>
+                <a:off x="17494" y="908720"/>
+                <a:ext cx="9109012" cy="1299138"/>
+              </a:xfrm>
+              <a:prstGeom prst="rect">
+                <a:avLst/>
+              </a:prstGeom>
+              <a:noFill/>
+            </p:spPr>
+            <p:txBody>
+              <a:bodyPr wrap="square">
+                <a:spAutoFit/>
+              </a:bodyPr>
+              <a:lstStyle/>
+              <a:p>
+                <a:pPr algn="ctr">
+                  <a:buClr>
+                    <a:srgbClr val="822433"/>
+                  </a:buClr>
+                  <a:defRPr/>
+                </a:pPr>
+                <a:r>
+                  <a:rPr kumimoji="0" lang="en-US" sz="2000" b="1" i="1" u="none" strike="noStrike" kern="1200" cap="none" spc="0" normalizeH="0" baseline="0" noProof="0" dirty="0">
+                    <a:ln>
+                      <a:noFill/>
+                    </a:ln>
+                    <a:solidFill>
+                      <a:srgbClr val="000000"/>
+                    </a:solidFill>
+                    <a:effectLst/>
+                    <a:uLnTx/>
+                    <a:uFillTx/>
+                    <a:latin typeface="Arial" panose="020B0604020202020204" pitchFamily="34" charset="0"/>
+                    <a:ea typeface="ＭＳ Ｐゴシック" panose="020B0600070205080204" pitchFamily="34" charset="-128"/>
+                    <a:cs typeface="+mn-cs"/>
+                  </a:rPr>
+                  <a:t>Initial conditions:</a:t>
+                </a:r>
+                <a:r>
+                  <a:rPr kumimoji="0" lang="en-US" sz="2000" b="0" i="1" u="none" strike="noStrike" kern="1200" cap="none" spc="0" normalizeH="0" baseline="0" noProof="0" dirty="0">
+                    <a:ln>
+                      <a:noFill/>
+                    </a:ln>
+                    <a:solidFill>
+                      <a:srgbClr val="000000"/>
+                    </a:solidFill>
+                    <a:effectLst/>
+                    <a:uLnTx/>
+                    <a:uFillTx/>
+                    <a:latin typeface="Arial" panose="020B0604020202020204" pitchFamily="34" charset="0"/>
+                    <a:ea typeface="ＭＳ Ｐゴシック" panose="020B0600070205080204" pitchFamily="34" charset="-128"/>
+                    <a:cs typeface="+mn-cs"/>
+                  </a:rPr>
+                  <a:t> </a:t>
+                </a:r>
+                <a14:m>
+                  <m:oMath xmlns:m="http://schemas.openxmlformats.org/officeDocument/2006/math">
+                    <m:d>
+                      <m:dPr>
+                        <m:begChr m:val="{"/>
+                        <m:endChr m:val=""/>
+                        <m:ctrlPr>
+                          <a:rPr kumimoji="0" lang="it-IT" sz="2000" b="0" i="1" u="none" strike="noStrike" kern="1200" cap="none" spc="0" normalizeH="0" baseline="0" noProof="0" smtClean="0">
+                            <a:ln>
+                              <a:noFill/>
+                            </a:ln>
+                            <a:solidFill>
+                              <a:srgbClr val="000000"/>
+                            </a:solidFill>
+                            <a:effectLst/>
+                            <a:uLnTx/>
+                            <a:uFillTx/>
+                            <a:latin typeface="Cambria Math" panose="02040503050406030204" pitchFamily="18" charset="0"/>
+                            <a:ea typeface="ＭＳ Ｐゴシック" panose="020B0600070205080204" pitchFamily="34" charset="-128"/>
+                            <a:cs typeface="+mn-cs"/>
+                          </a:rPr>
+                        </m:ctrlPr>
+                      </m:dPr>
+                      <m:e>
+                        <m:eqArr>
+                          <m:eqArrPr>
+                            <m:ctrlPr>
+                              <a:rPr kumimoji="0" lang="it-IT" sz="2000" b="0" i="1" u="none" strike="noStrike" kern="1200" cap="none" spc="0" normalizeH="0" baseline="0" noProof="0" smtClean="0">
+                                <a:ln>
+                                  <a:noFill/>
+                                </a:ln>
+                                <a:solidFill>
+                                  <a:srgbClr val="000000"/>
+                                </a:solidFill>
+                                <a:effectLst/>
+                                <a:uLnTx/>
+                                <a:uFillTx/>
+                                <a:latin typeface="Cambria Math" panose="02040503050406030204" pitchFamily="18" charset="0"/>
+                                <a:ea typeface="ＭＳ Ｐゴシック" panose="020B0600070205080204" pitchFamily="34" charset="-128"/>
+                                <a:cs typeface="+mn-cs"/>
+                              </a:rPr>
+                            </m:ctrlPr>
+                          </m:eqArrPr>
+                          <m:e>
+                            <m:r>
+                              <a:rPr lang="it-IT" sz="2000" i="1">
+                                <a:solidFill>
+                                  <a:srgbClr val="000000"/>
+                                </a:solidFill>
+                                <a:latin typeface="Cambria Math" panose="02040503050406030204" pitchFamily="18" charset="0"/>
+                              </a:rPr>
+                              <m:t>𝑞</m:t>
+                            </m:r>
+                            <m:d>
+                              <m:dPr>
+                                <m:ctrlPr>
+                                  <a:rPr lang="it-IT" sz="2000" i="1">
+                                    <a:solidFill>
+                                      <a:srgbClr val="000000"/>
+                                    </a:solidFill>
+                                    <a:latin typeface="Cambria Math" panose="02040503050406030204" pitchFamily="18" charset="0"/>
+                                  </a:rPr>
+                                </m:ctrlPr>
+                              </m:dPr>
+                              <m:e>
+                                <m:r>
+                                  <a:rPr lang="it-IT" sz="2000" i="1">
+                                    <a:solidFill>
+                                      <a:srgbClr val="000000"/>
+                                    </a:solidFill>
+                                    <a:latin typeface="Cambria Math" panose="02040503050406030204" pitchFamily="18" charset="0"/>
+                                  </a:rPr>
+                                  <m:t>0</m:t>
+                                </m:r>
+                              </m:e>
+                            </m:d>
+                            <m:r>
+                              <a:rPr lang="it-IT" sz="2000" i="1">
+                                <a:solidFill>
+                                  <a:srgbClr val="000000"/>
+                                </a:solidFill>
+                                <a:latin typeface="Cambria Math" panose="02040503050406030204" pitchFamily="18" charset="0"/>
+                              </a:rPr>
+                              <m:t>=</m:t>
+                            </m:r>
+                            <m:f>
+                              <m:fPr>
+                                <m:type m:val="lin"/>
+                                <m:ctrlPr>
+                                  <a:rPr lang="it-IT" sz="2000" i="1" smtClean="0">
+                                    <a:solidFill>
+                                      <a:srgbClr val="000000"/>
+                                    </a:solidFill>
+                                    <a:latin typeface="Cambria Math" panose="02040503050406030204" pitchFamily="18" charset="0"/>
+                                  </a:rPr>
+                                </m:ctrlPr>
+                              </m:fPr>
+                              <m:num>
+                                <m:r>
+                                  <a:rPr lang="it-IT" sz="2000" i="1">
+                                    <a:solidFill>
+                                      <a:srgbClr val="000000"/>
+                                    </a:solidFill>
+                                    <a:latin typeface="Cambria Math" panose="02040503050406030204" pitchFamily="18" charset="0"/>
+                                  </a:rPr>
+                                  <m:t>𝜋</m:t>
+                                </m:r>
+                              </m:num>
+                              <m:den>
+                                <m:r>
+                                  <a:rPr lang="it-IT" sz="2000" i="1">
+                                    <a:solidFill>
+                                      <a:srgbClr val="000000"/>
+                                    </a:solidFill>
+                                    <a:latin typeface="Cambria Math" panose="02040503050406030204" pitchFamily="18" charset="0"/>
+                                  </a:rPr>
+                                  <m:t>2</m:t>
+                                </m:r>
+                              </m:den>
+                            </m:f>
+                            <m:r>
+                              <a:rPr lang="it-IT" sz="2000" b="0" i="1" smtClean="0">
+                                <a:solidFill>
+                                  <a:srgbClr val="000000"/>
+                                </a:solidFill>
+                                <a:latin typeface="Cambria Math" panose="02040503050406030204" pitchFamily="18" charset="0"/>
+                              </a:rPr>
+                              <m:t> </m:t>
+                            </m:r>
+                            <m:r>
+                              <a:rPr lang="it-IT" sz="2000" b="0" i="1" smtClean="0">
+                                <a:solidFill>
+                                  <a:srgbClr val="000000"/>
+                                </a:solidFill>
+                                <a:latin typeface="Cambria Math" panose="02040503050406030204" pitchFamily="18" charset="0"/>
+                              </a:rPr>
+                              <m:t>𝑟𝑎𝑑</m:t>
+                            </m:r>
+                          </m:e>
+                          <m:e>
+                            <m:acc>
+                              <m:accPr>
+                                <m:chr m:val="̇"/>
+                                <m:ctrlPr>
+                                  <a:rPr lang="it-IT" sz="2000" i="1">
+                                    <a:solidFill>
+                                      <a:srgbClr val="000000"/>
+                                    </a:solidFill>
+                                    <a:latin typeface="Cambria Math" panose="02040503050406030204" pitchFamily="18" charset="0"/>
+                                  </a:rPr>
+                                </m:ctrlPr>
+                              </m:accPr>
+                              <m:e>
+                                <m:r>
+                                  <a:rPr lang="it-IT" sz="2000" i="1">
+                                    <a:solidFill>
+                                      <a:srgbClr val="000000"/>
+                                    </a:solidFill>
+                                    <a:latin typeface="Cambria Math" panose="02040503050406030204" pitchFamily="18" charset="0"/>
+                                  </a:rPr>
+                                  <m:t>𝑞</m:t>
+                                </m:r>
+                              </m:e>
+                            </m:acc>
+                            <m:r>
+                              <a:rPr lang="it-IT" sz="2000" i="1">
+                                <a:solidFill>
+                                  <a:srgbClr val="000000"/>
+                                </a:solidFill>
+                                <a:latin typeface="Cambria Math" panose="02040503050406030204" pitchFamily="18" charset="0"/>
+                              </a:rPr>
+                              <m:t>(0)=0 </m:t>
+                            </m:r>
+                            <m:r>
+                              <a:rPr lang="it-IT" sz="2000" i="1">
+                                <a:solidFill>
+                                  <a:srgbClr val="000000"/>
+                                </a:solidFill>
+                                <a:latin typeface="Cambria Math" panose="02040503050406030204" pitchFamily="18" charset="0"/>
+                              </a:rPr>
+                              <m:t>𝑟𝑎𝑑</m:t>
+                            </m:r>
+                            <m:r>
+                              <a:rPr lang="it-IT" sz="2000" b="0" i="1" smtClean="0">
+                                <a:solidFill>
+                                  <a:srgbClr val="000000"/>
+                                </a:solidFill>
+                                <a:latin typeface="Cambria Math" panose="02040503050406030204" pitchFamily="18" charset="0"/>
+                              </a:rPr>
+                              <m:t>/</m:t>
+                            </m:r>
+                            <m:r>
+                              <a:rPr lang="it-IT" sz="2000" b="0" i="1" smtClean="0">
+                                <a:solidFill>
+                                  <a:srgbClr val="000000"/>
+                                </a:solidFill>
+                                <a:latin typeface="Cambria Math" panose="02040503050406030204" pitchFamily="18" charset="0"/>
+                              </a:rPr>
+                              <m:t>𝑠</m:t>
+                            </m:r>
+                          </m:e>
+                        </m:eqArr>
+                      </m:e>
+                    </m:d>
+                  </m:oMath>
+                </a14:m>
+                <a:endParaRPr kumimoji="0" lang="it-IT" sz="2000" b="0" i="1" u="none" strike="noStrike" kern="1200" cap="none" spc="0" normalizeH="0" baseline="0" noProof="0" dirty="0">
+                  <a:ln>
+                    <a:noFill/>
+                  </a:ln>
+                  <a:solidFill>
+                    <a:srgbClr val="000000"/>
+                  </a:solidFill>
+                  <a:effectLst/>
+                  <a:uLnTx/>
+                  <a:uFillTx/>
+                  <a:latin typeface="Arial" panose="020B0604020202020204" pitchFamily="34" charset="0"/>
+                  <a:ea typeface="ＭＳ Ｐゴシック" panose="020B0600070205080204" pitchFamily="34" charset="-128"/>
+                  <a:cs typeface="+mn-cs"/>
+                </a:endParaRPr>
+              </a:p>
+              <a:p>
+                <a:pPr algn="ctr">
+                  <a:buClr>
+                    <a:srgbClr val="822433"/>
+                  </a:buClr>
+                  <a:defRPr/>
+                </a:pPr>
+                <a:endParaRPr kumimoji="0" lang="en-US" sz="1100" b="0" i="1" u="none" strike="noStrike" kern="1200" cap="none" spc="0" normalizeH="0" baseline="0" noProof="0" dirty="0">
+                  <a:ln>
+                    <a:noFill/>
+                  </a:ln>
+                  <a:solidFill>
+                    <a:srgbClr val="000000"/>
+                  </a:solidFill>
+                  <a:effectLst/>
+                  <a:uLnTx/>
+                  <a:uFillTx/>
+                  <a:latin typeface="Arial" panose="020B0604020202020204" pitchFamily="34" charset="0"/>
+                  <a:ea typeface="ＭＳ Ｐゴシック" panose="020B0600070205080204" pitchFamily="34" charset="-128"/>
+                  <a:cs typeface="+mn-cs"/>
+                </a:endParaRPr>
+              </a:p>
+              <a:p>
+                <a:pPr algn="ctr">
+                  <a:buClr>
+                    <a:srgbClr val="822433"/>
+                  </a:buClr>
+                  <a:defRPr/>
+                </a:pPr>
+                <a:r>
+                  <a:rPr kumimoji="0" lang="en-US" sz="2000" b="1" i="1" u="none" strike="noStrike" kern="1200" cap="none" spc="0" normalizeH="0" baseline="0" noProof="0" dirty="0">
+                    <a:ln>
+                      <a:noFill/>
+                    </a:ln>
+                    <a:solidFill>
+                      <a:srgbClr val="000000"/>
+                    </a:solidFill>
+                    <a:effectLst/>
+                    <a:uLnTx/>
+                    <a:uFillTx/>
+                    <a:latin typeface="Arial" panose="020B0604020202020204" pitchFamily="34" charset="0"/>
+                    <a:ea typeface="ＭＳ Ｐゴシック" panose="020B0600070205080204" pitchFamily="34" charset="-128"/>
+                    <a:cs typeface="+mn-cs"/>
+                  </a:rPr>
+                  <a:t>Final states:</a:t>
+                </a:r>
+                <a:r>
+                  <a:rPr kumimoji="0" lang="en-US" sz="2000" b="0" i="1" u="none" strike="noStrike" kern="1200" cap="none" spc="0" normalizeH="0" baseline="0" noProof="0" dirty="0">
+                    <a:ln>
+                      <a:noFill/>
+                    </a:ln>
+                    <a:solidFill>
+                      <a:srgbClr val="000000"/>
+                    </a:solidFill>
+                    <a:effectLst/>
+                    <a:uLnTx/>
+                    <a:uFillTx/>
+                    <a:latin typeface="Arial" panose="020B0604020202020204" pitchFamily="34" charset="0"/>
+                    <a:ea typeface="ＭＳ Ｐゴシック" panose="020B0600070205080204" pitchFamily="34" charset="-128"/>
+                    <a:cs typeface="+mn-cs"/>
+                  </a:rPr>
+                  <a:t> </a:t>
+                </a:r>
+                <a14:m>
+                  <m:oMath xmlns:m="http://schemas.openxmlformats.org/officeDocument/2006/math">
+                    <m:sSub>
+                      <m:sSubPr>
+                        <m:ctrlPr>
+                          <a:rPr kumimoji="0" lang="it-IT" sz="2000" b="0" i="1" u="none" strike="noStrike" kern="1200" cap="none" spc="0" normalizeH="0" baseline="0" noProof="0" smtClean="0">
+                            <a:ln>
+                              <a:noFill/>
+                            </a:ln>
+                            <a:solidFill>
+                              <a:srgbClr val="000000"/>
+                            </a:solidFill>
+                            <a:effectLst/>
+                            <a:uLnTx/>
+                            <a:uFillTx/>
+                            <a:latin typeface="Cambria Math" panose="02040503050406030204" pitchFamily="18" charset="0"/>
+                            <a:ea typeface="ＭＳ Ｐゴシック" panose="020B0600070205080204" pitchFamily="34" charset="-128"/>
+                            <a:cs typeface="+mn-cs"/>
+                          </a:rPr>
+                        </m:ctrlPr>
+                      </m:sSubPr>
+                      <m:e>
+                        <m:r>
+                          <a:rPr kumimoji="0" lang="it-IT" sz="2000" b="0" i="1" u="none" strike="noStrike" kern="1200" cap="none" spc="0" normalizeH="0" baseline="0" noProof="0" smtClean="0">
+                            <a:ln>
+                              <a:noFill/>
+                            </a:ln>
+                            <a:solidFill>
+                              <a:srgbClr val="000000"/>
+                            </a:solidFill>
+                            <a:effectLst/>
+                            <a:uLnTx/>
+                            <a:uFillTx/>
+                            <a:latin typeface="Cambria Math" panose="02040503050406030204" pitchFamily="18" charset="0"/>
+                            <a:ea typeface="ＭＳ Ｐゴシック" panose="020B0600070205080204" pitchFamily="34" charset="-128"/>
+                            <a:cs typeface="+mn-cs"/>
+                          </a:rPr>
+                          <m:t>𝑞</m:t>
+                        </m:r>
+                      </m:e>
+                      <m:sub>
+                        <m:sSub>
+                          <m:sSubPr>
+                            <m:ctrlPr>
+                              <a:rPr kumimoji="0" lang="it-IT" sz="2000" b="0" i="1" u="none" strike="noStrike" kern="1200" cap="none" spc="0" normalizeH="0" baseline="0" noProof="0" smtClean="0">
+                                <a:ln>
+                                  <a:noFill/>
+                                </a:ln>
+                                <a:solidFill>
+                                  <a:srgbClr val="000000"/>
+                                </a:solidFill>
+                                <a:effectLst/>
+                                <a:uLnTx/>
+                                <a:uFillTx/>
+                                <a:latin typeface="Cambria Math" panose="02040503050406030204" pitchFamily="18" charset="0"/>
+                                <a:ea typeface="ＭＳ Ｐゴシック" panose="020B0600070205080204" pitchFamily="34" charset="-128"/>
+                                <a:cs typeface="+mn-cs"/>
+                              </a:rPr>
+                            </m:ctrlPr>
+                          </m:sSubPr>
+                          <m:e>
+                            <m:r>
+                              <a:rPr kumimoji="0" lang="it-IT" sz="2000" b="0" i="1" u="none" strike="noStrike" kern="1200" cap="none" spc="0" normalizeH="0" baseline="0" noProof="0" smtClean="0">
+                                <a:ln>
+                                  <a:noFill/>
+                                </a:ln>
+                                <a:solidFill>
+                                  <a:srgbClr val="000000"/>
+                                </a:solidFill>
+                                <a:effectLst/>
+                                <a:uLnTx/>
+                                <a:uFillTx/>
+                                <a:latin typeface="Cambria Math" panose="02040503050406030204" pitchFamily="18" charset="0"/>
+                                <a:ea typeface="ＭＳ Ｐゴシック" panose="020B0600070205080204" pitchFamily="34" charset="-128"/>
+                                <a:cs typeface="+mn-cs"/>
+                              </a:rPr>
+                              <m:t>𝑒</m:t>
+                            </m:r>
+                          </m:e>
+                          <m:sub>
+                            <m:r>
+                              <a:rPr kumimoji="0" lang="it-IT" sz="2000" b="0" i="1" u="none" strike="noStrike" kern="1200" cap="none" spc="0" normalizeH="0" baseline="0" noProof="0" smtClean="0">
+                                <a:ln>
+                                  <a:noFill/>
+                                </a:ln>
+                                <a:solidFill>
+                                  <a:srgbClr val="000000"/>
+                                </a:solidFill>
+                                <a:effectLst/>
+                                <a:uLnTx/>
+                                <a:uFillTx/>
+                                <a:latin typeface="Cambria Math" panose="02040503050406030204" pitchFamily="18" charset="0"/>
+                                <a:ea typeface="ＭＳ Ｐゴシック" panose="020B0600070205080204" pitchFamily="34" charset="-128"/>
+                                <a:cs typeface="+mn-cs"/>
+                              </a:rPr>
+                              <m:t>1</m:t>
+                            </m:r>
+                          </m:sub>
+                        </m:sSub>
+                      </m:sub>
+                    </m:sSub>
+                    <m:r>
+                      <a:rPr kumimoji="0" lang="it-IT" sz="2000" b="0" i="1" u="none" strike="noStrike" kern="1200" cap="none" spc="0" normalizeH="0" baseline="0" noProof="0" smtClean="0">
+                        <a:ln>
+                          <a:noFill/>
+                        </a:ln>
+                        <a:solidFill>
+                          <a:srgbClr val="000000"/>
+                        </a:solidFill>
+                        <a:effectLst/>
+                        <a:uLnTx/>
+                        <a:uFillTx/>
+                        <a:latin typeface="Cambria Math" panose="02040503050406030204" pitchFamily="18" charset="0"/>
+                        <a:ea typeface="ＭＳ Ｐゴシック" panose="020B0600070205080204" pitchFamily="34" charset="-128"/>
+                        <a:cs typeface="+mn-cs"/>
+                      </a:rPr>
+                      <m:t>=</m:t>
+                    </m:r>
+                    <m:d>
+                      <m:dPr>
+                        <m:ctrlPr>
+                          <a:rPr kumimoji="0" lang="it-IT" sz="2000" b="0" i="1" u="none" strike="noStrike" kern="1200" cap="none" spc="0" normalizeH="0" baseline="0" noProof="0" smtClean="0">
+                            <a:ln>
+                              <a:noFill/>
+                            </a:ln>
+                            <a:solidFill>
+                              <a:srgbClr val="000000"/>
+                            </a:solidFill>
+                            <a:effectLst/>
+                            <a:uLnTx/>
+                            <a:uFillTx/>
+                            <a:latin typeface="Cambria Math" panose="02040503050406030204" pitchFamily="18" charset="0"/>
+                            <a:ea typeface="ＭＳ Ｐゴシック" panose="020B0600070205080204" pitchFamily="34" charset="-128"/>
+                            <a:cs typeface="+mn-cs"/>
+                          </a:rPr>
+                        </m:ctrlPr>
+                      </m:dPr>
+                      <m:e>
+                        <m:r>
+                          <a:rPr kumimoji="0" lang="it-IT" sz="2000" b="0" i="1" u="none" strike="noStrike" kern="1200" cap="none" spc="0" normalizeH="0" baseline="0" noProof="0" smtClean="0">
+                            <a:ln>
+                              <a:noFill/>
+                            </a:ln>
+                            <a:solidFill>
+                              <a:srgbClr val="000000"/>
+                            </a:solidFill>
+                            <a:effectLst/>
+                            <a:uLnTx/>
+                            <a:uFillTx/>
+                            <a:latin typeface="Cambria Math" panose="02040503050406030204" pitchFamily="18" charset="0"/>
+                            <a:ea typeface="ＭＳ Ｐゴシック" panose="020B0600070205080204" pitchFamily="34" charset="-128"/>
+                            <a:cs typeface="+mn-cs"/>
+                          </a:rPr>
+                          <m:t>𝜋</m:t>
+                        </m:r>
+                        <m:r>
+                          <a:rPr kumimoji="0" lang="it-IT" sz="2000" b="0" i="1" u="none" strike="noStrike" kern="1200" cap="none" spc="0" normalizeH="0" baseline="0" noProof="0" smtClean="0">
+                            <a:ln>
+                              <a:noFill/>
+                            </a:ln>
+                            <a:solidFill>
+                              <a:srgbClr val="000000"/>
+                            </a:solidFill>
+                            <a:effectLst/>
+                            <a:uLnTx/>
+                            <a:uFillTx/>
+                            <a:latin typeface="Cambria Math" panose="02040503050406030204" pitchFamily="18" charset="0"/>
+                            <a:ea typeface="ＭＳ Ｐゴシック" panose="020B0600070205080204" pitchFamily="34" charset="-128"/>
+                            <a:cs typeface="+mn-cs"/>
+                          </a:rPr>
+                          <m:t>\2,0</m:t>
+                        </m:r>
+                      </m:e>
+                    </m:d>
+                    <m:r>
+                      <a:rPr kumimoji="0" lang="it-IT" sz="2000" b="0" i="1" u="none" strike="noStrike" kern="1200" cap="none" spc="0" normalizeH="0" baseline="0" noProof="0" smtClean="0">
+                        <a:ln>
+                          <a:noFill/>
+                        </a:ln>
+                        <a:solidFill>
+                          <a:srgbClr val="000000"/>
+                        </a:solidFill>
+                        <a:effectLst/>
+                        <a:uLnTx/>
+                        <a:uFillTx/>
+                        <a:latin typeface="Cambria Math" panose="02040503050406030204" pitchFamily="18" charset="0"/>
+                        <a:ea typeface="ＭＳ Ｐゴシック" panose="020B0600070205080204" pitchFamily="34" charset="-128"/>
+                        <a:cs typeface="+mn-cs"/>
+                      </a:rPr>
+                      <m:t>,  </m:t>
+                    </m:r>
+                    <m:sSub>
+                      <m:sSubPr>
+                        <m:ctrlPr>
+                          <a:rPr lang="it-IT" sz="2000" i="1">
+                            <a:solidFill>
+                              <a:srgbClr val="000000"/>
+                            </a:solidFill>
+                            <a:latin typeface="Cambria Math" panose="02040503050406030204" pitchFamily="18" charset="0"/>
+                          </a:rPr>
+                        </m:ctrlPr>
+                      </m:sSubPr>
+                      <m:e>
+                        <m:r>
+                          <a:rPr lang="it-IT" sz="2000" i="1">
+                            <a:solidFill>
+                              <a:srgbClr val="000000"/>
+                            </a:solidFill>
+                            <a:latin typeface="Cambria Math" panose="02040503050406030204" pitchFamily="18" charset="0"/>
+                          </a:rPr>
+                          <m:t>𝑞</m:t>
+                        </m:r>
+                      </m:e>
+                      <m:sub>
+                        <m:sSub>
+                          <m:sSubPr>
+                            <m:ctrlPr>
+                              <a:rPr lang="it-IT" sz="2000" i="1">
+                                <a:solidFill>
+                                  <a:srgbClr val="000000"/>
+                                </a:solidFill>
+                                <a:latin typeface="Cambria Math" panose="02040503050406030204" pitchFamily="18" charset="0"/>
+                              </a:rPr>
+                            </m:ctrlPr>
+                          </m:sSubPr>
+                          <m:e>
+                            <m:r>
+                              <a:rPr lang="it-IT" sz="2000" i="1">
+                                <a:solidFill>
+                                  <a:srgbClr val="000000"/>
+                                </a:solidFill>
+                                <a:latin typeface="Cambria Math" panose="02040503050406030204" pitchFamily="18" charset="0"/>
+                              </a:rPr>
+                              <m:t>𝑒</m:t>
+                            </m:r>
+                          </m:e>
+                          <m:sub>
+                            <m:r>
+                              <a:rPr lang="it-IT" sz="2000" b="0" i="1" smtClean="0">
+                                <a:solidFill>
+                                  <a:srgbClr val="000000"/>
+                                </a:solidFill>
+                                <a:latin typeface="Cambria Math" panose="02040503050406030204" pitchFamily="18" charset="0"/>
+                              </a:rPr>
+                              <m:t>2</m:t>
+                            </m:r>
+                          </m:sub>
+                        </m:sSub>
+                      </m:sub>
+                    </m:sSub>
+                    <m:r>
+                      <a:rPr lang="it-IT" sz="2000" i="1">
+                        <a:solidFill>
+                          <a:srgbClr val="000000"/>
+                        </a:solidFill>
+                        <a:latin typeface="Cambria Math" panose="02040503050406030204" pitchFamily="18" charset="0"/>
+                      </a:rPr>
+                      <m:t>=</m:t>
+                    </m:r>
+                    <m:d>
+                      <m:dPr>
+                        <m:ctrlPr>
+                          <a:rPr lang="it-IT" sz="2000" i="1">
+                            <a:solidFill>
+                              <a:srgbClr val="000000"/>
+                            </a:solidFill>
+                            <a:latin typeface="Cambria Math" panose="02040503050406030204" pitchFamily="18" charset="0"/>
+                          </a:rPr>
+                        </m:ctrlPr>
+                      </m:dPr>
+                      <m:e>
+                        <m:r>
+                          <a:rPr lang="it-IT" sz="2000" i="1">
+                            <a:solidFill>
+                              <a:srgbClr val="000000"/>
+                            </a:solidFill>
+                            <a:latin typeface="Cambria Math" panose="02040503050406030204" pitchFamily="18" charset="0"/>
+                          </a:rPr>
+                          <m:t>𝜋</m:t>
+                        </m:r>
+                        <m:r>
+                          <a:rPr lang="it-IT" sz="2000" i="1">
+                            <a:solidFill>
+                              <a:srgbClr val="000000"/>
+                            </a:solidFill>
+                            <a:latin typeface="Cambria Math" panose="02040503050406030204" pitchFamily="18" charset="0"/>
+                          </a:rPr>
+                          <m:t>\4,0</m:t>
+                        </m:r>
+                      </m:e>
+                    </m:d>
+                    <m:r>
+                      <a:rPr lang="it-IT" sz="2000" b="0" i="1" smtClean="0">
+                        <a:solidFill>
+                          <a:srgbClr val="000000"/>
+                        </a:solidFill>
+                        <a:latin typeface="Cambria Math" panose="02040503050406030204" pitchFamily="18" charset="0"/>
+                      </a:rPr>
+                      <m:t>,  </m:t>
+                    </m:r>
+                    <m:sSub>
+                      <m:sSubPr>
+                        <m:ctrlPr>
+                          <a:rPr lang="it-IT" sz="2000" i="1">
+                            <a:solidFill>
+                              <a:srgbClr val="000000"/>
+                            </a:solidFill>
+                            <a:latin typeface="Cambria Math" panose="02040503050406030204" pitchFamily="18" charset="0"/>
+                          </a:rPr>
+                        </m:ctrlPr>
+                      </m:sSubPr>
+                      <m:e>
+                        <m:r>
+                          <a:rPr lang="it-IT" sz="2000" i="1">
+                            <a:solidFill>
+                              <a:srgbClr val="000000"/>
+                            </a:solidFill>
+                            <a:latin typeface="Cambria Math" panose="02040503050406030204" pitchFamily="18" charset="0"/>
+                          </a:rPr>
+                          <m:t>𝑞</m:t>
+                        </m:r>
+                      </m:e>
+                      <m:sub>
+                        <m:sSub>
+                          <m:sSubPr>
+                            <m:ctrlPr>
+                              <a:rPr lang="it-IT" sz="2000" i="1">
+                                <a:solidFill>
+                                  <a:srgbClr val="000000"/>
+                                </a:solidFill>
+                                <a:latin typeface="Cambria Math" panose="02040503050406030204" pitchFamily="18" charset="0"/>
+                              </a:rPr>
+                            </m:ctrlPr>
+                          </m:sSubPr>
+                          <m:e>
+                            <m:r>
+                              <a:rPr lang="it-IT" sz="2000" i="1">
+                                <a:solidFill>
+                                  <a:srgbClr val="000000"/>
+                                </a:solidFill>
+                                <a:latin typeface="Cambria Math" panose="02040503050406030204" pitchFamily="18" charset="0"/>
+                              </a:rPr>
+                              <m:t>𝑒</m:t>
+                            </m:r>
+                          </m:e>
+                          <m:sub>
+                            <m:r>
+                              <a:rPr lang="it-IT" sz="2000" b="0" i="1" smtClean="0">
+                                <a:solidFill>
+                                  <a:srgbClr val="000000"/>
+                                </a:solidFill>
+                                <a:latin typeface="Cambria Math" panose="02040503050406030204" pitchFamily="18" charset="0"/>
+                              </a:rPr>
+                              <m:t>3</m:t>
+                            </m:r>
+                          </m:sub>
+                        </m:sSub>
+                      </m:sub>
+                    </m:sSub>
+                    <m:r>
+                      <a:rPr lang="it-IT" sz="2000" i="1">
+                        <a:solidFill>
+                          <a:srgbClr val="000000"/>
+                        </a:solidFill>
+                        <a:latin typeface="Cambria Math" panose="02040503050406030204" pitchFamily="18" charset="0"/>
+                      </a:rPr>
+                      <m:t>=(</m:t>
+                    </m:r>
+                    <m:r>
+                      <a:rPr lang="it-IT" sz="2000" b="0" i="1" smtClean="0">
+                        <a:solidFill>
+                          <a:srgbClr val="000000"/>
+                        </a:solidFill>
+                        <a:latin typeface="Cambria Math" panose="02040503050406030204" pitchFamily="18" charset="0"/>
+                      </a:rPr>
+                      <m:t>−</m:t>
+                    </m:r>
+                    <m:r>
+                      <a:rPr lang="it-IT" sz="2000" i="1">
+                        <a:solidFill>
+                          <a:srgbClr val="000000"/>
+                        </a:solidFill>
+                        <a:latin typeface="Cambria Math" panose="02040503050406030204" pitchFamily="18" charset="0"/>
+                      </a:rPr>
+                      <m:t>𝜋</m:t>
+                    </m:r>
+                    <m:r>
+                      <a:rPr lang="it-IT" sz="2000" i="1">
+                        <a:solidFill>
+                          <a:srgbClr val="000000"/>
+                        </a:solidFill>
+                        <a:latin typeface="Cambria Math" panose="02040503050406030204" pitchFamily="18" charset="0"/>
+                      </a:rPr>
+                      <m:t>\4,0)</m:t>
+                    </m:r>
+                  </m:oMath>
+                </a14:m>
+                <a:endParaRPr lang="en-US" sz="2000" i="1" dirty="0">
+                  <a:solidFill>
+                    <a:srgbClr val="000000"/>
+                  </a:solidFill>
+                </a:endParaRPr>
+              </a:p>
+            </p:txBody>
+          </p:sp>
+        </mc:Choice>
+        <mc:Fallback xmlns="">
+          <p:sp>
+            <p:nvSpPr>
+              <p:cNvPr id="12" name="CasellaDiTesto 11">
+                <a:extLst>
+                  <a:ext uri="{FF2B5EF4-FFF2-40B4-BE49-F238E27FC236}">
+                    <a16:creationId xmlns:a16="http://schemas.microsoft.com/office/drawing/2014/main" id="{D1C343B3-910A-D5D5-FB7D-F1A3C0EB1B1E}"/>
+                  </a:ext>
+                </a:extLst>
+              </p:cNvPr>
+              <p:cNvSpPr txBox="1">
+                <a:spLocks noRot="1" noChangeAspect="1" noMove="1" noResize="1" noEditPoints="1" noAdjustHandles="1" noChangeArrowheads="1" noChangeShapeType="1" noTextEdit="1"/>
+              </p:cNvSpPr>
+              <p:nvPr/>
+            </p:nvSpPr>
+            <p:spPr>
+              <a:xfrm>
+                <a:off x="17494" y="908720"/>
+                <a:ext cx="9109012" cy="1299138"/>
+              </a:xfrm>
+              <a:prstGeom prst="rect">
+                <a:avLst/>
+              </a:prstGeom>
+              <a:blipFill>
+                <a:blip r:embed="rId4"/>
+                <a:stretch>
+                  <a:fillRect b="-4225"/>
+                </a:stretch>
+              </a:blipFill>
+            </p:spPr>
+            <p:txBody>
+              <a:bodyPr/>
+              <a:lstStyle/>
+              <a:p>
+                <a:r>
+                  <a:rPr lang="en-US">
+                    <a:noFill/>
+                  </a:rPr>
+                  <a:t> </a:t>
+                </a:r>
+              </a:p>
+            </p:txBody>
+          </p:sp>
+        </mc:Fallback>
+      </mc:AlternateContent>
+    </p:spTree>
+    <p:extLst>
+      <p:ext uri="{BB962C8B-B14F-4D97-AF65-F5344CB8AC3E}">
+        <p14:creationId xmlns:p14="http://schemas.microsoft.com/office/powerpoint/2010/main" val="3354662348"/>
+      </p:ext>
+    </p:extLst>
+  </p:cSld>
+  <p:clrMapOvr>
+    <a:masterClrMapping/>
+  </p:clrMapOvr>
+</p:sld>
+</file>
+
+<file path=ppt/slides/slide18.xml><?xml version="1.0" encoding="utf-8"?>
+<p:sld xmlns:a="http://schemas.openxmlformats.org/drawingml/2006/main" xmlns:r="http://schemas.openxmlformats.org/officeDocument/2006/relationships" xmlns:p="http://schemas.openxmlformats.org/presentationml/2006/main">
+  <p:cSld>
+    <p:spTree>
+      <p:nvGrpSpPr>
+        <p:cNvPr id="1" name=""/>
+        <p:cNvGrpSpPr/>
+        <p:nvPr/>
+      </p:nvGrpSpPr>
+      <p:grpSpPr>
+        <a:xfrm>
+          <a:off x="0" y="0"/>
+          <a:ext cx="0" cy="0"/>
+          <a:chOff x="0" y="0"/>
+          <a:chExt cx="0" cy="0"/>
+        </a:xfrm>
+      </p:grpSpPr>
+      <p:sp>
+        <p:nvSpPr>
+          <p:cNvPr id="2" name="Titolo 1">
+            <a:extLst>
+              <a:ext uri="{FF2B5EF4-FFF2-40B4-BE49-F238E27FC236}">
+                <a16:creationId xmlns:a16="http://schemas.microsoft.com/office/drawing/2014/main" id="{AFEFEAD0-5246-726C-3122-EF9AE58FAC80}"/>
+              </a:ext>
+            </a:extLst>
+          </p:cNvPr>
+          <p:cNvSpPr txBox="1">
+            <a:spLocks noChangeArrowheads="1"/>
+          </p:cNvSpPr>
+          <p:nvPr/>
+        </p:nvSpPr>
+        <p:spPr bwMode="auto">
+          <a:xfrm>
+            <a:off x="3015163" y="253099"/>
+            <a:ext cx="5724624" cy="482108"/>
+          </a:xfrm>
+          <a:prstGeom prst="rect">
+            <a:avLst/>
+          </a:prstGeom>
+          <a:ln w="9525" cap="flat" cmpd="sng" algn="ctr">
+            <a:solidFill>
+              <a:schemeClr val="dk1"/>
+            </a:solidFill>
+            <a:prstDash val="solid"/>
+            <a:round/>
+            <a:headEnd type="none" w="med" len="med"/>
+            <a:tailEnd type="none" w="med" len="med"/>
+          </a:ln>
+          <a:extLst>
+            <a:ext uri="{909E8E84-426E-40DD-AFC4-6F175D3DCCD1}">
+              <a14:hiddenFill xmlns:a14="http://schemas.microsoft.com/office/drawing/2010/main">
+                <a:solidFill>
+                  <a:schemeClr val="accent1"/>
+                </a:solidFill>
+              </a14:hiddenFill>
+            </a:ext>
+          </a:extLst>
+        </p:spPr>
+        <p:style>
+          <a:lnRef idx="0">
+            <a:scrgbClr r="0" g="0" b="0"/>
+          </a:lnRef>
+          <a:fillRef idx="0">
+            <a:scrgbClr r="0" g="0" b="0"/>
+          </a:fillRef>
+          <a:effectRef idx="0">
+            <a:scrgbClr r="0" g="0" b="0"/>
+          </a:effectRef>
+          <a:fontRef idx="minor">
+            <a:schemeClr val="dk1"/>
+          </a:fontRef>
+        </p:style>
+        <p:txBody>
+          <a:bodyPr vert="horz" wrap="square" lIns="91440" tIns="45720" rIns="91440" bIns="45720" numCol="1" anchor="ctr" anchorCtr="0" compatLnSpc="1">
+            <a:prstTxWarp prst="textNoShape">
+              <a:avLst/>
+            </a:prstTxWarp>
+          </a:bodyPr>
+          <a:lstStyle>
+            <a:lvl1pPr algn="l" rtl="0" eaLnBrk="0" fontAlgn="base" hangingPunct="0">
+              <a:spcBef>
+                <a:spcPct val="0"/>
+              </a:spcBef>
+              <a:spcAft>
+                <a:spcPct val="0"/>
+              </a:spcAft>
+              <a:defRPr sz="2400" b="1">
+                <a:solidFill>
+                  <a:schemeClr val="dk1"/>
+                </a:solidFill>
+                <a:latin typeface="+mn-lt"/>
+                <a:ea typeface="+mn-ea"/>
+                <a:cs typeface="+mn-cs"/>
+              </a:defRPr>
+            </a:lvl1pPr>
+            <a:lvl2pPr algn="l" rtl="0" eaLnBrk="0" fontAlgn="base" hangingPunct="0">
+              <a:spcBef>
+                <a:spcPct val="0"/>
+              </a:spcBef>
+              <a:spcAft>
+                <a:spcPct val="0"/>
+              </a:spcAft>
+              <a:defRPr sz="2400" b="1">
+                <a:solidFill>
+                  <a:schemeClr val="dk1"/>
+                </a:solidFill>
+                <a:latin typeface="+mn-lt"/>
+                <a:ea typeface="+mn-ea"/>
+                <a:cs typeface="+mn-cs"/>
+              </a:defRPr>
+            </a:lvl2pPr>
+            <a:lvl3pPr algn="l" rtl="0" eaLnBrk="0" fontAlgn="base" hangingPunct="0">
+              <a:spcBef>
+                <a:spcPct val="0"/>
+              </a:spcBef>
+              <a:spcAft>
+                <a:spcPct val="0"/>
+              </a:spcAft>
+              <a:defRPr sz="2400" b="1">
+                <a:solidFill>
+                  <a:schemeClr val="dk1"/>
+                </a:solidFill>
+                <a:latin typeface="+mn-lt"/>
+                <a:ea typeface="+mn-ea"/>
+                <a:cs typeface="+mn-cs"/>
+              </a:defRPr>
+            </a:lvl3pPr>
+            <a:lvl4pPr algn="l" rtl="0" eaLnBrk="0" fontAlgn="base" hangingPunct="0">
+              <a:spcBef>
+                <a:spcPct val="0"/>
+              </a:spcBef>
+              <a:spcAft>
+                <a:spcPct val="0"/>
+              </a:spcAft>
+              <a:defRPr sz="2400" b="1">
+                <a:solidFill>
+                  <a:schemeClr val="dk1"/>
+                </a:solidFill>
+                <a:latin typeface="+mn-lt"/>
+                <a:ea typeface="+mn-ea"/>
+                <a:cs typeface="+mn-cs"/>
+              </a:defRPr>
+            </a:lvl4pPr>
+            <a:lvl5pPr algn="l" rtl="0" eaLnBrk="0" fontAlgn="base" hangingPunct="0">
+              <a:spcBef>
+                <a:spcPct val="0"/>
+              </a:spcBef>
+              <a:spcAft>
+                <a:spcPct val="0"/>
+              </a:spcAft>
+              <a:defRPr sz="2400" b="1">
+                <a:solidFill>
+                  <a:schemeClr val="dk1"/>
+                </a:solidFill>
+                <a:latin typeface="+mn-lt"/>
+                <a:ea typeface="+mn-ea"/>
+                <a:cs typeface="+mn-cs"/>
+              </a:defRPr>
+            </a:lvl5pPr>
+            <a:lvl6pPr marL="457200" algn="l" rtl="0" eaLnBrk="1" fontAlgn="base" hangingPunct="1">
+              <a:spcBef>
+                <a:spcPct val="0"/>
+              </a:spcBef>
+              <a:spcAft>
+                <a:spcPct val="0"/>
+              </a:spcAft>
+              <a:defRPr sz="2400" b="1">
+                <a:solidFill>
+                  <a:schemeClr val="dk1"/>
+                </a:solidFill>
+                <a:latin typeface="+mn-lt"/>
+                <a:ea typeface="+mn-ea"/>
+                <a:cs typeface="+mn-cs"/>
+              </a:defRPr>
+            </a:lvl6pPr>
+            <a:lvl7pPr marL="914400" algn="l" rtl="0" eaLnBrk="1" fontAlgn="base" hangingPunct="1">
+              <a:spcBef>
+                <a:spcPct val="0"/>
+              </a:spcBef>
+              <a:spcAft>
+                <a:spcPct val="0"/>
+              </a:spcAft>
+              <a:defRPr sz="2400" b="1">
+                <a:solidFill>
+                  <a:schemeClr val="dk1"/>
+                </a:solidFill>
+                <a:latin typeface="+mn-lt"/>
+                <a:ea typeface="+mn-ea"/>
+                <a:cs typeface="+mn-cs"/>
+              </a:defRPr>
+            </a:lvl7pPr>
+            <a:lvl8pPr marL="1371600" algn="l" rtl="0" eaLnBrk="1" fontAlgn="base" hangingPunct="1">
+              <a:spcBef>
+                <a:spcPct val="0"/>
+              </a:spcBef>
+              <a:spcAft>
+                <a:spcPct val="0"/>
+              </a:spcAft>
+              <a:defRPr sz="2400" b="1">
+                <a:solidFill>
+                  <a:schemeClr val="dk1"/>
+                </a:solidFill>
+                <a:latin typeface="+mn-lt"/>
+                <a:ea typeface="+mn-ea"/>
+                <a:cs typeface="+mn-cs"/>
+              </a:defRPr>
+            </a:lvl8pPr>
+            <a:lvl9pPr marL="1828800" algn="l" rtl="0" eaLnBrk="1" fontAlgn="base" hangingPunct="1">
+              <a:spcBef>
+                <a:spcPct val="0"/>
+              </a:spcBef>
+              <a:spcAft>
+                <a:spcPct val="0"/>
+              </a:spcAft>
+              <a:defRPr sz="2400" b="1">
+                <a:solidFill>
+                  <a:schemeClr val="dk1"/>
+                </a:solidFill>
+                <a:latin typeface="+mn-lt"/>
+                <a:ea typeface="+mn-ea"/>
+                <a:cs typeface="+mn-cs"/>
+              </a:defRPr>
+            </a:lvl9pPr>
+          </a:lstStyle>
+          <a:p>
+            <a:pPr algn="ctr"/>
+            <a:r>
+              <a:rPr lang="it-IT" altLang="it-IT" kern="0" dirty="0">
+                <a:latin typeface="Calibri" panose="020F0502020204030204" pitchFamily="34" charset="0"/>
+                <a:ea typeface="ＭＳ Ｐゴシック" panose="020B0600070205080204" pitchFamily="34" charset="-128"/>
+              </a:rPr>
+              <a:t>RIGID CASE – CONTROL</a:t>
+            </a:r>
+          </a:p>
+        </p:txBody>
+      </p:sp>
+      <mc:AlternateContent xmlns:mc="http://schemas.openxmlformats.org/markup-compatibility/2006" xmlns:a14="http://schemas.microsoft.com/office/drawing/2010/main">
+        <mc:Choice Requires="a14">
+          <p:sp>
+            <p:nvSpPr>
+              <p:cNvPr id="12" name="CasellaDiTesto 11">
+                <a:extLst>
+                  <a:ext uri="{FF2B5EF4-FFF2-40B4-BE49-F238E27FC236}">
+                    <a16:creationId xmlns:a16="http://schemas.microsoft.com/office/drawing/2014/main" id="{D1C343B3-910A-D5D5-FB7D-F1A3C0EB1B1E}"/>
+                  </a:ext>
+                </a:extLst>
+              </p:cNvPr>
+              <p:cNvSpPr txBox="1"/>
+              <p:nvPr/>
+            </p:nvSpPr>
+            <p:spPr>
+              <a:xfrm>
+                <a:off x="17494" y="908720"/>
+                <a:ext cx="9109012" cy="1299138"/>
+              </a:xfrm>
+              <a:prstGeom prst="rect">
+                <a:avLst/>
+              </a:prstGeom>
+              <a:noFill/>
+            </p:spPr>
+            <p:txBody>
+              <a:bodyPr wrap="square">
+                <a:spAutoFit/>
+              </a:bodyPr>
+              <a:lstStyle/>
+              <a:p>
+                <a:pPr algn="ctr">
+                  <a:buClr>
+                    <a:srgbClr val="822433"/>
+                  </a:buClr>
+                  <a:defRPr/>
+                </a:pPr>
+                <a:r>
+                  <a:rPr kumimoji="0" lang="en-US" sz="2000" b="1" i="1" u="none" strike="noStrike" kern="1200" cap="none" spc="0" normalizeH="0" baseline="0" noProof="0" dirty="0">
+                    <a:ln>
+                      <a:noFill/>
+                    </a:ln>
+                    <a:solidFill>
+                      <a:srgbClr val="000000"/>
+                    </a:solidFill>
+                    <a:effectLst/>
+                    <a:uLnTx/>
+                    <a:uFillTx/>
+                    <a:latin typeface="Arial" panose="020B0604020202020204" pitchFamily="34" charset="0"/>
+                    <a:ea typeface="ＭＳ Ｐゴシック" panose="020B0600070205080204" pitchFamily="34" charset="-128"/>
+                    <a:cs typeface="+mn-cs"/>
+                  </a:rPr>
+                  <a:t>Initial conditions:</a:t>
+                </a:r>
+                <a:r>
+                  <a:rPr kumimoji="0" lang="en-US" sz="2000" b="0" i="1" u="none" strike="noStrike" kern="1200" cap="none" spc="0" normalizeH="0" baseline="0" noProof="0" dirty="0">
+                    <a:ln>
+                      <a:noFill/>
+                    </a:ln>
+                    <a:solidFill>
+                      <a:srgbClr val="000000"/>
+                    </a:solidFill>
+                    <a:effectLst/>
+                    <a:uLnTx/>
+                    <a:uFillTx/>
+                    <a:latin typeface="Arial" panose="020B0604020202020204" pitchFamily="34" charset="0"/>
+                    <a:ea typeface="ＭＳ Ｐゴシック" panose="020B0600070205080204" pitchFamily="34" charset="-128"/>
+                    <a:cs typeface="+mn-cs"/>
+                  </a:rPr>
+                  <a:t> </a:t>
+                </a:r>
+                <a14:m>
+                  <m:oMath xmlns:m="http://schemas.openxmlformats.org/officeDocument/2006/math">
+                    <m:d>
+                      <m:dPr>
+                        <m:begChr m:val="{"/>
+                        <m:endChr m:val=""/>
+                        <m:ctrlPr>
+                          <a:rPr kumimoji="0" lang="it-IT" sz="2000" b="0" i="1" u="none" strike="noStrike" kern="1200" cap="none" spc="0" normalizeH="0" baseline="0" noProof="0" smtClean="0">
+                            <a:ln>
+                              <a:noFill/>
+                            </a:ln>
+                            <a:solidFill>
+                              <a:srgbClr val="000000"/>
+                            </a:solidFill>
+                            <a:effectLst/>
+                            <a:uLnTx/>
+                            <a:uFillTx/>
+                            <a:latin typeface="Cambria Math" panose="02040503050406030204" pitchFamily="18" charset="0"/>
+                            <a:ea typeface="ＭＳ Ｐゴシック" panose="020B0600070205080204" pitchFamily="34" charset="-128"/>
+                            <a:cs typeface="+mn-cs"/>
+                          </a:rPr>
+                        </m:ctrlPr>
+                      </m:dPr>
+                      <m:e>
+                        <m:eqArr>
+                          <m:eqArrPr>
+                            <m:ctrlPr>
+                              <a:rPr kumimoji="0" lang="it-IT" sz="2000" b="0" i="1" u="none" strike="noStrike" kern="1200" cap="none" spc="0" normalizeH="0" baseline="0" noProof="0" smtClean="0">
+                                <a:ln>
+                                  <a:noFill/>
+                                </a:ln>
+                                <a:solidFill>
+                                  <a:srgbClr val="000000"/>
+                                </a:solidFill>
+                                <a:effectLst/>
+                                <a:uLnTx/>
+                                <a:uFillTx/>
+                                <a:latin typeface="Cambria Math" panose="02040503050406030204" pitchFamily="18" charset="0"/>
+                                <a:ea typeface="ＭＳ Ｐゴシック" panose="020B0600070205080204" pitchFamily="34" charset="-128"/>
+                                <a:cs typeface="+mn-cs"/>
+                              </a:rPr>
+                            </m:ctrlPr>
+                          </m:eqArrPr>
+                          <m:e>
+                            <m:r>
+                              <a:rPr lang="it-IT" sz="2000" i="1">
+                                <a:solidFill>
+                                  <a:srgbClr val="000000"/>
+                                </a:solidFill>
+                                <a:latin typeface="Cambria Math" panose="02040503050406030204" pitchFamily="18" charset="0"/>
+                              </a:rPr>
+                              <m:t>𝑞</m:t>
+                            </m:r>
+                            <m:d>
+                              <m:dPr>
+                                <m:ctrlPr>
+                                  <a:rPr lang="it-IT" sz="2000" i="1">
+                                    <a:solidFill>
+                                      <a:srgbClr val="000000"/>
+                                    </a:solidFill>
+                                    <a:latin typeface="Cambria Math" panose="02040503050406030204" pitchFamily="18" charset="0"/>
+                                  </a:rPr>
+                                </m:ctrlPr>
+                              </m:dPr>
+                              <m:e>
+                                <m:r>
+                                  <a:rPr lang="it-IT" sz="2000" i="1">
+                                    <a:solidFill>
+                                      <a:srgbClr val="000000"/>
+                                    </a:solidFill>
+                                    <a:latin typeface="Cambria Math" panose="02040503050406030204" pitchFamily="18" charset="0"/>
+                                  </a:rPr>
+                                  <m:t>0</m:t>
+                                </m:r>
+                              </m:e>
+                            </m:d>
+                            <m:r>
+                              <a:rPr lang="it-IT" sz="2000" i="1">
+                                <a:solidFill>
+                                  <a:srgbClr val="000000"/>
+                                </a:solidFill>
+                                <a:latin typeface="Cambria Math" panose="02040503050406030204" pitchFamily="18" charset="0"/>
+                              </a:rPr>
+                              <m:t>=</m:t>
+                            </m:r>
+                            <m:f>
+                              <m:fPr>
+                                <m:type m:val="lin"/>
+                                <m:ctrlPr>
+                                  <a:rPr lang="it-IT" sz="2000" i="1" smtClean="0">
+                                    <a:solidFill>
+                                      <a:srgbClr val="000000"/>
+                                    </a:solidFill>
+                                    <a:latin typeface="Cambria Math" panose="02040503050406030204" pitchFamily="18" charset="0"/>
+                                  </a:rPr>
+                                </m:ctrlPr>
+                              </m:fPr>
+                              <m:num>
+                                <m:r>
+                                  <a:rPr lang="it-IT" sz="2000" i="1">
+                                    <a:solidFill>
+                                      <a:srgbClr val="000000"/>
+                                    </a:solidFill>
+                                    <a:latin typeface="Cambria Math" panose="02040503050406030204" pitchFamily="18" charset="0"/>
+                                  </a:rPr>
+                                  <m:t>𝜋</m:t>
+                                </m:r>
+                              </m:num>
+                              <m:den>
+                                <m:r>
+                                  <a:rPr lang="it-IT" sz="2000" i="1">
+                                    <a:solidFill>
+                                      <a:srgbClr val="000000"/>
+                                    </a:solidFill>
+                                    <a:latin typeface="Cambria Math" panose="02040503050406030204" pitchFamily="18" charset="0"/>
+                                  </a:rPr>
+                                  <m:t>2</m:t>
+                                </m:r>
+                              </m:den>
+                            </m:f>
+                            <m:r>
+                              <a:rPr lang="it-IT" sz="2000" b="0" i="1" smtClean="0">
+                                <a:solidFill>
+                                  <a:srgbClr val="000000"/>
+                                </a:solidFill>
+                                <a:latin typeface="Cambria Math" panose="02040503050406030204" pitchFamily="18" charset="0"/>
+                              </a:rPr>
+                              <m:t> </m:t>
+                            </m:r>
+                            <m:r>
+                              <a:rPr lang="it-IT" sz="2000" b="0" i="1" smtClean="0">
+                                <a:solidFill>
+                                  <a:srgbClr val="000000"/>
+                                </a:solidFill>
+                                <a:latin typeface="Cambria Math" panose="02040503050406030204" pitchFamily="18" charset="0"/>
+                              </a:rPr>
+                              <m:t>𝑟𝑎𝑑</m:t>
+                            </m:r>
+                          </m:e>
+                          <m:e>
+                            <m:acc>
+                              <m:accPr>
+                                <m:chr m:val="̇"/>
+                                <m:ctrlPr>
+                                  <a:rPr lang="it-IT" sz="2000" i="1">
+                                    <a:solidFill>
+                                      <a:srgbClr val="000000"/>
+                                    </a:solidFill>
+                                    <a:latin typeface="Cambria Math" panose="02040503050406030204" pitchFamily="18" charset="0"/>
+                                  </a:rPr>
+                                </m:ctrlPr>
+                              </m:accPr>
+                              <m:e>
+                                <m:r>
+                                  <a:rPr lang="it-IT" sz="2000" i="1">
+                                    <a:solidFill>
+                                      <a:srgbClr val="000000"/>
+                                    </a:solidFill>
+                                    <a:latin typeface="Cambria Math" panose="02040503050406030204" pitchFamily="18" charset="0"/>
+                                  </a:rPr>
+                                  <m:t>𝑞</m:t>
+                                </m:r>
+                              </m:e>
+                            </m:acc>
+                            <m:r>
+                              <a:rPr lang="it-IT" sz="2000" i="1">
+                                <a:solidFill>
+                                  <a:srgbClr val="000000"/>
+                                </a:solidFill>
+                                <a:latin typeface="Cambria Math" panose="02040503050406030204" pitchFamily="18" charset="0"/>
+                              </a:rPr>
+                              <m:t>(0)=0 </m:t>
+                            </m:r>
+                            <m:r>
+                              <a:rPr lang="it-IT" sz="2000" i="1">
+                                <a:solidFill>
+                                  <a:srgbClr val="000000"/>
+                                </a:solidFill>
+                                <a:latin typeface="Cambria Math" panose="02040503050406030204" pitchFamily="18" charset="0"/>
+                              </a:rPr>
+                              <m:t>𝑟𝑎𝑑</m:t>
+                            </m:r>
+                            <m:r>
+                              <a:rPr lang="it-IT" sz="2000" b="0" i="1" smtClean="0">
+                                <a:solidFill>
+                                  <a:srgbClr val="000000"/>
+                                </a:solidFill>
+                                <a:latin typeface="Cambria Math" panose="02040503050406030204" pitchFamily="18" charset="0"/>
+                              </a:rPr>
+                              <m:t>/</m:t>
+                            </m:r>
+                            <m:r>
+                              <a:rPr lang="it-IT" sz="2000" b="0" i="1" smtClean="0">
+                                <a:solidFill>
+                                  <a:srgbClr val="000000"/>
+                                </a:solidFill>
+                                <a:latin typeface="Cambria Math" panose="02040503050406030204" pitchFamily="18" charset="0"/>
+                              </a:rPr>
+                              <m:t>𝑠</m:t>
+                            </m:r>
+                          </m:e>
+                        </m:eqArr>
+                      </m:e>
+                    </m:d>
+                  </m:oMath>
+                </a14:m>
+                <a:endParaRPr kumimoji="0" lang="it-IT" sz="2000" b="0" i="1" u="none" strike="noStrike" kern="1200" cap="none" spc="0" normalizeH="0" baseline="0" noProof="0" dirty="0">
+                  <a:ln>
+                    <a:noFill/>
+                  </a:ln>
+                  <a:solidFill>
+                    <a:srgbClr val="000000"/>
+                  </a:solidFill>
+                  <a:effectLst/>
+                  <a:uLnTx/>
+                  <a:uFillTx/>
+                  <a:latin typeface="Arial" panose="020B0604020202020204" pitchFamily="34" charset="0"/>
+                  <a:ea typeface="ＭＳ Ｐゴシック" panose="020B0600070205080204" pitchFamily="34" charset="-128"/>
+                  <a:cs typeface="+mn-cs"/>
+                </a:endParaRPr>
+              </a:p>
+              <a:p>
+                <a:pPr algn="ctr">
+                  <a:buClr>
+                    <a:srgbClr val="822433"/>
+                  </a:buClr>
+                  <a:defRPr/>
+                </a:pPr>
+                <a:endParaRPr kumimoji="0" lang="en-US" sz="1100" b="0" i="1" u="none" strike="noStrike" kern="1200" cap="none" spc="0" normalizeH="0" baseline="0" noProof="0" dirty="0">
+                  <a:ln>
+                    <a:noFill/>
+                  </a:ln>
+                  <a:solidFill>
+                    <a:srgbClr val="000000"/>
+                  </a:solidFill>
+                  <a:effectLst/>
+                  <a:uLnTx/>
+                  <a:uFillTx/>
+                  <a:latin typeface="Arial" panose="020B0604020202020204" pitchFamily="34" charset="0"/>
+                  <a:ea typeface="ＭＳ Ｐゴシック" panose="020B0600070205080204" pitchFamily="34" charset="-128"/>
+                  <a:cs typeface="+mn-cs"/>
+                </a:endParaRPr>
+              </a:p>
+              <a:p>
+                <a:pPr algn="ctr">
+                  <a:buClr>
+                    <a:srgbClr val="822433"/>
+                  </a:buClr>
+                  <a:defRPr/>
+                </a:pPr>
+                <a:r>
+                  <a:rPr kumimoji="0" lang="en-US" sz="2000" b="1" i="1" u="none" strike="noStrike" kern="1200" cap="none" spc="0" normalizeH="0" baseline="0" noProof="0" dirty="0">
+                    <a:ln>
+                      <a:noFill/>
+                    </a:ln>
+                    <a:solidFill>
+                      <a:srgbClr val="000000"/>
+                    </a:solidFill>
+                    <a:effectLst/>
+                    <a:uLnTx/>
+                    <a:uFillTx/>
+                    <a:latin typeface="Arial" panose="020B0604020202020204" pitchFamily="34" charset="0"/>
+                    <a:ea typeface="ＭＳ Ｐゴシック" panose="020B0600070205080204" pitchFamily="34" charset="-128"/>
+                    <a:cs typeface="+mn-cs"/>
+                  </a:rPr>
+                  <a:t>Final states:</a:t>
+                </a:r>
+                <a:r>
+                  <a:rPr kumimoji="0" lang="en-US" sz="2000" b="0" i="1" u="none" strike="noStrike" kern="1200" cap="none" spc="0" normalizeH="0" baseline="0" noProof="0" dirty="0">
+                    <a:ln>
+                      <a:noFill/>
+                    </a:ln>
+                    <a:solidFill>
+                      <a:srgbClr val="000000"/>
+                    </a:solidFill>
+                    <a:effectLst/>
+                    <a:uLnTx/>
+                    <a:uFillTx/>
+                    <a:latin typeface="Arial" panose="020B0604020202020204" pitchFamily="34" charset="0"/>
+                    <a:ea typeface="ＭＳ Ｐゴシック" panose="020B0600070205080204" pitchFamily="34" charset="-128"/>
+                    <a:cs typeface="+mn-cs"/>
+                  </a:rPr>
+                  <a:t> </a:t>
+                </a:r>
+                <a14:m>
+                  <m:oMath xmlns:m="http://schemas.openxmlformats.org/officeDocument/2006/math">
+                    <m:sSub>
+                      <m:sSubPr>
+                        <m:ctrlPr>
+                          <a:rPr kumimoji="0" lang="it-IT" sz="2000" b="0" i="1" u="none" strike="noStrike" kern="1200" cap="none" spc="0" normalizeH="0" baseline="0" noProof="0" smtClean="0">
+                            <a:ln>
+                              <a:noFill/>
+                            </a:ln>
+                            <a:solidFill>
+                              <a:srgbClr val="000000"/>
+                            </a:solidFill>
+                            <a:effectLst/>
+                            <a:uLnTx/>
+                            <a:uFillTx/>
+                            <a:latin typeface="Cambria Math" panose="02040503050406030204" pitchFamily="18" charset="0"/>
+                            <a:ea typeface="ＭＳ Ｐゴシック" panose="020B0600070205080204" pitchFamily="34" charset="-128"/>
+                            <a:cs typeface="+mn-cs"/>
+                          </a:rPr>
+                        </m:ctrlPr>
+                      </m:sSubPr>
+                      <m:e>
+                        <m:r>
+                          <a:rPr kumimoji="0" lang="it-IT" sz="2000" b="0" i="1" u="none" strike="noStrike" kern="1200" cap="none" spc="0" normalizeH="0" baseline="0" noProof="0" smtClean="0">
+                            <a:ln>
+                              <a:noFill/>
+                            </a:ln>
+                            <a:solidFill>
+                              <a:srgbClr val="000000"/>
+                            </a:solidFill>
+                            <a:effectLst/>
+                            <a:uLnTx/>
+                            <a:uFillTx/>
+                            <a:latin typeface="Cambria Math" panose="02040503050406030204" pitchFamily="18" charset="0"/>
+                            <a:ea typeface="ＭＳ Ｐゴシック" panose="020B0600070205080204" pitchFamily="34" charset="-128"/>
+                            <a:cs typeface="+mn-cs"/>
+                          </a:rPr>
+                          <m:t>𝑞</m:t>
+                        </m:r>
+                      </m:e>
+                      <m:sub>
+                        <m:sSub>
+                          <m:sSubPr>
+                            <m:ctrlPr>
+                              <a:rPr kumimoji="0" lang="it-IT" sz="2000" b="0" i="1" u="none" strike="noStrike" kern="1200" cap="none" spc="0" normalizeH="0" baseline="0" noProof="0" smtClean="0">
+                                <a:ln>
+                                  <a:noFill/>
+                                </a:ln>
+                                <a:solidFill>
+                                  <a:srgbClr val="000000"/>
+                                </a:solidFill>
+                                <a:effectLst/>
+                                <a:uLnTx/>
+                                <a:uFillTx/>
+                                <a:latin typeface="Cambria Math" panose="02040503050406030204" pitchFamily="18" charset="0"/>
+                                <a:ea typeface="ＭＳ Ｐゴシック" panose="020B0600070205080204" pitchFamily="34" charset="-128"/>
+                                <a:cs typeface="+mn-cs"/>
+                              </a:rPr>
+                            </m:ctrlPr>
+                          </m:sSubPr>
+                          <m:e>
+                            <m:r>
+                              <a:rPr kumimoji="0" lang="it-IT" sz="2000" b="0" i="1" u="none" strike="noStrike" kern="1200" cap="none" spc="0" normalizeH="0" baseline="0" noProof="0" smtClean="0">
+                                <a:ln>
+                                  <a:noFill/>
+                                </a:ln>
+                                <a:solidFill>
+                                  <a:srgbClr val="000000"/>
+                                </a:solidFill>
+                                <a:effectLst/>
+                                <a:uLnTx/>
+                                <a:uFillTx/>
+                                <a:latin typeface="Cambria Math" panose="02040503050406030204" pitchFamily="18" charset="0"/>
+                                <a:ea typeface="ＭＳ Ｐゴシック" panose="020B0600070205080204" pitchFamily="34" charset="-128"/>
+                                <a:cs typeface="+mn-cs"/>
+                              </a:rPr>
+                              <m:t>𝑒</m:t>
+                            </m:r>
+                          </m:e>
+                          <m:sub>
+                            <m:r>
+                              <a:rPr kumimoji="0" lang="it-IT" sz="2000" b="0" i="1" u="none" strike="noStrike" kern="1200" cap="none" spc="0" normalizeH="0" baseline="0" noProof="0" smtClean="0">
+                                <a:ln>
+                                  <a:noFill/>
+                                </a:ln>
+                                <a:solidFill>
+                                  <a:srgbClr val="000000"/>
+                                </a:solidFill>
+                                <a:effectLst/>
+                                <a:uLnTx/>
+                                <a:uFillTx/>
+                                <a:latin typeface="Cambria Math" panose="02040503050406030204" pitchFamily="18" charset="0"/>
+                                <a:ea typeface="ＭＳ Ｐゴシック" panose="020B0600070205080204" pitchFamily="34" charset="-128"/>
+                                <a:cs typeface="+mn-cs"/>
+                              </a:rPr>
+                              <m:t>1</m:t>
+                            </m:r>
+                          </m:sub>
+                        </m:sSub>
+                      </m:sub>
+                    </m:sSub>
+                    <m:r>
+                      <a:rPr kumimoji="0" lang="it-IT" sz="2000" b="0" i="1" u="none" strike="noStrike" kern="1200" cap="none" spc="0" normalizeH="0" baseline="0" noProof="0" smtClean="0">
+                        <a:ln>
+                          <a:noFill/>
+                        </a:ln>
+                        <a:solidFill>
+                          <a:srgbClr val="000000"/>
+                        </a:solidFill>
+                        <a:effectLst/>
+                        <a:uLnTx/>
+                        <a:uFillTx/>
+                        <a:latin typeface="Cambria Math" panose="02040503050406030204" pitchFamily="18" charset="0"/>
+                        <a:ea typeface="ＭＳ Ｐゴシック" panose="020B0600070205080204" pitchFamily="34" charset="-128"/>
+                        <a:cs typeface="+mn-cs"/>
+                      </a:rPr>
+                      <m:t>=</m:t>
+                    </m:r>
+                    <m:d>
+                      <m:dPr>
+                        <m:ctrlPr>
+                          <a:rPr kumimoji="0" lang="it-IT" sz="2000" b="0" i="1" u="none" strike="noStrike" kern="1200" cap="none" spc="0" normalizeH="0" baseline="0" noProof="0" smtClean="0">
+                            <a:ln>
+                              <a:noFill/>
+                            </a:ln>
+                            <a:solidFill>
+                              <a:srgbClr val="000000"/>
+                            </a:solidFill>
+                            <a:effectLst/>
+                            <a:uLnTx/>
+                            <a:uFillTx/>
+                            <a:latin typeface="Cambria Math" panose="02040503050406030204" pitchFamily="18" charset="0"/>
+                            <a:ea typeface="ＭＳ Ｐゴシック" panose="020B0600070205080204" pitchFamily="34" charset="-128"/>
+                            <a:cs typeface="+mn-cs"/>
+                          </a:rPr>
+                        </m:ctrlPr>
+                      </m:dPr>
+                      <m:e>
+                        <m:r>
+                          <a:rPr kumimoji="0" lang="it-IT" sz="2000" b="0" i="1" u="none" strike="noStrike" kern="1200" cap="none" spc="0" normalizeH="0" baseline="0" noProof="0" smtClean="0">
+                            <a:ln>
+                              <a:noFill/>
+                            </a:ln>
+                            <a:solidFill>
+                              <a:srgbClr val="000000"/>
+                            </a:solidFill>
+                            <a:effectLst/>
+                            <a:uLnTx/>
+                            <a:uFillTx/>
+                            <a:latin typeface="Cambria Math" panose="02040503050406030204" pitchFamily="18" charset="0"/>
+                            <a:ea typeface="ＭＳ Ｐゴシック" panose="020B0600070205080204" pitchFamily="34" charset="-128"/>
+                            <a:cs typeface="+mn-cs"/>
+                          </a:rPr>
+                          <m:t>𝜋</m:t>
+                        </m:r>
+                        <m:r>
+                          <a:rPr kumimoji="0" lang="it-IT" sz="2000" b="0" i="1" u="none" strike="noStrike" kern="1200" cap="none" spc="0" normalizeH="0" baseline="0" noProof="0" smtClean="0">
+                            <a:ln>
+                              <a:noFill/>
+                            </a:ln>
+                            <a:solidFill>
+                              <a:srgbClr val="000000"/>
+                            </a:solidFill>
+                            <a:effectLst/>
+                            <a:uLnTx/>
+                            <a:uFillTx/>
+                            <a:latin typeface="Cambria Math" panose="02040503050406030204" pitchFamily="18" charset="0"/>
+                            <a:ea typeface="ＭＳ Ｐゴシック" panose="020B0600070205080204" pitchFamily="34" charset="-128"/>
+                            <a:cs typeface="+mn-cs"/>
+                          </a:rPr>
+                          <m:t>\2,0</m:t>
+                        </m:r>
+                      </m:e>
+                    </m:d>
+                    <m:r>
+                      <a:rPr kumimoji="0" lang="it-IT" sz="2000" b="0" i="1" u="none" strike="noStrike" kern="1200" cap="none" spc="0" normalizeH="0" baseline="0" noProof="0" smtClean="0">
+                        <a:ln>
+                          <a:noFill/>
+                        </a:ln>
+                        <a:solidFill>
+                          <a:srgbClr val="000000"/>
+                        </a:solidFill>
+                        <a:effectLst/>
+                        <a:uLnTx/>
+                        <a:uFillTx/>
+                        <a:latin typeface="Cambria Math" panose="02040503050406030204" pitchFamily="18" charset="0"/>
+                        <a:ea typeface="ＭＳ Ｐゴシック" panose="020B0600070205080204" pitchFamily="34" charset="-128"/>
+                        <a:cs typeface="+mn-cs"/>
+                      </a:rPr>
+                      <m:t>,  </m:t>
+                    </m:r>
+                    <m:sSub>
+                      <m:sSubPr>
+                        <m:ctrlPr>
+                          <a:rPr lang="it-IT" sz="2000" i="1">
+                            <a:solidFill>
+                              <a:srgbClr val="000000"/>
+                            </a:solidFill>
+                            <a:latin typeface="Cambria Math" panose="02040503050406030204" pitchFamily="18" charset="0"/>
+                          </a:rPr>
+                        </m:ctrlPr>
+                      </m:sSubPr>
+                      <m:e>
+                        <m:r>
+                          <a:rPr lang="it-IT" sz="2000" i="1">
+                            <a:solidFill>
+                              <a:srgbClr val="000000"/>
+                            </a:solidFill>
+                            <a:latin typeface="Cambria Math" panose="02040503050406030204" pitchFamily="18" charset="0"/>
+                          </a:rPr>
+                          <m:t>𝑞</m:t>
+                        </m:r>
+                      </m:e>
+                      <m:sub>
+                        <m:sSub>
+                          <m:sSubPr>
+                            <m:ctrlPr>
+                              <a:rPr lang="it-IT" sz="2000" i="1">
+                                <a:solidFill>
+                                  <a:srgbClr val="000000"/>
+                                </a:solidFill>
+                                <a:latin typeface="Cambria Math" panose="02040503050406030204" pitchFamily="18" charset="0"/>
+                              </a:rPr>
+                            </m:ctrlPr>
+                          </m:sSubPr>
+                          <m:e>
+                            <m:r>
+                              <a:rPr lang="it-IT" sz="2000" i="1">
+                                <a:solidFill>
+                                  <a:srgbClr val="000000"/>
+                                </a:solidFill>
+                                <a:latin typeface="Cambria Math" panose="02040503050406030204" pitchFamily="18" charset="0"/>
+                              </a:rPr>
+                              <m:t>𝑒</m:t>
+                            </m:r>
+                          </m:e>
+                          <m:sub>
+                            <m:r>
+                              <a:rPr lang="it-IT" sz="2000" b="0" i="1" smtClean="0">
+                                <a:solidFill>
+                                  <a:srgbClr val="000000"/>
+                                </a:solidFill>
+                                <a:latin typeface="Cambria Math" panose="02040503050406030204" pitchFamily="18" charset="0"/>
+                              </a:rPr>
+                              <m:t>2</m:t>
+                            </m:r>
+                          </m:sub>
+                        </m:sSub>
+                      </m:sub>
+                    </m:sSub>
+                    <m:r>
+                      <a:rPr lang="it-IT" sz="2000" i="1">
+                        <a:solidFill>
+                          <a:srgbClr val="000000"/>
+                        </a:solidFill>
+                        <a:latin typeface="Cambria Math" panose="02040503050406030204" pitchFamily="18" charset="0"/>
+                      </a:rPr>
+                      <m:t>=</m:t>
+                    </m:r>
+                    <m:d>
+                      <m:dPr>
+                        <m:ctrlPr>
+                          <a:rPr lang="it-IT" sz="2000" i="1">
+                            <a:solidFill>
+                              <a:srgbClr val="000000"/>
+                            </a:solidFill>
+                            <a:latin typeface="Cambria Math" panose="02040503050406030204" pitchFamily="18" charset="0"/>
+                          </a:rPr>
+                        </m:ctrlPr>
+                      </m:dPr>
+                      <m:e>
+                        <m:r>
+                          <a:rPr lang="it-IT" sz="2000" i="1">
+                            <a:solidFill>
+                              <a:srgbClr val="000000"/>
+                            </a:solidFill>
+                            <a:latin typeface="Cambria Math" panose="02040503050406030204" pitchFamily="18" charset="0"/>
+                          </a:rPr>
+                          <m:t>𝜋</m:t>
+                        </m:r>
+                        <m:r>
+                          <a:rPr lang="it-IT" sz="2000" i="1">
+                            <a:solidFill>
+                              <a:srgbClr val="000000"/>
+                            </a:solidFill>
+                            <a:latin typeface="Cambria Math" panose="02040503050406030204" pitchFamily="18" charset="0"/>
+                          </a:rPr>
+                          <m:t>\4,0</m:t>
+                        </m:r>
+                      </m:e>
+                    </m:d>
+                    <m:r>
+                      <a:rPr lang="it-IT" sz="2000" b="0" i="1" smtClean="0">
+                        <a:solidFill>
+                          <a:srgbClr val="000000"/>
+                        </a:solidFill>
+                        <a:latin typeface="Cambria Math" panose="02040503050406030204" pitchFamily="18" charset="0"/>
+                      </a:rPr>
+                      <m:t>,  </m:t>
+                    </m:r>
+                    <m:sSub>
+                      <m:sSubPr>
+                        <m:ctrlPr>
+                          <a:rPr lang="it-IT" sz="2000" i="1">
+                            <a:solidFill>
+                              <a:srgbClr val="000000"/>
+                            </a:solidFill>
+                            <a:latin typeface="Cambria Math" panose="02040503050406030204" pitchFamily="18" charset="0"/>
+                          </a:rPr>
+                        </m:ctrlPr>
+                      </m:sSubPr>
+                      <m:e>
+                        <m:r>
+                          <a:rPr lang="it-IT" sz="2000" i="1">
+                            <a:solidFill>
+                              <a:srgbClr val="000000"/>
+                            </a:solidFill>
+                            <a:latin typeface="Cambria Math" panose="02040503050406030204" pitchFamily="18" charset="0"/>
+                          </a:rPr>
+                          <m:t>𝑞</m:t>
+                        </m:r>
+                      </m:e>
+                      <m:sub>
+                        <m:sSub>
+                          <m:sSubPr>
+                            <m:ctrlPr>
+                              <a:rPr lang="it-IT" sz="2000" i="1">
+                                <a:solidFill>
+                                  <a:srgbClr val="000000"/>
+                                </a:solidFill>
+                                <a:latin typeface="Cambria Math" panose="02040503050406030204" pitchFamily="18" charset="0"/>
+                              </a:rPr>
+                            </m:ctrlPr>
+                          </m:sSubPr>
+                          <m:e>
+                            <m:r>
+                              <a:rPr lang="it-IT" sz="2000" i="1">
+                                <a:solidFill>
+                                  <a:srgbClr val="000000"/>
+                                </a:solidFill>
+                                <a:latin typeface="Cambria Math" panose="02040503050406030204" pitchFamily="18" charset="0"/>
+                              </a:rPr>
+                              <m:t>𝑒</m:t>
+                            </m:r>
+                          </m:e>
+                          <m:sub>
+                            <m:r>
+                              <a:rPr lang="it-IT" sz="2000" b="0" i="1" smtClean="0">
+                                <a:solidFill>
+                                  <a:srgbClr val="000000"/>
+                                </a:solidFill>
+                                <a:latin typeface="Cambria Math" panose="02040503050406030204" pitchFamily="18" charset="0"/>
+                              </a:rPr>
+                              <m:t>3</m:t>
+                            </m:r>
+                          </m:sub>
+                        </m:sSub>
+                      </m:sub>
+                    </m:sSub>
+                    <m:r>
+                      <a:rPr lang="it-IT" sz="2000" i="1">
+                        <a:solidFill>
+                          <a:srgbClr val="000000"/>
+                        </a:solidFill>
+                        <a:latin typeface="Cambria Math" panose="02040503050406030204" pitchFamily="18" charset="0"/>
+                      </a:rPr>
+                      <m:t>=(</m:t>
+                    </m:r>
+                    <m:r>
+                      <a:rPr lang="it-IT" sz="2000" b="0" i="1" smtClean="0">
+                        <a:solidFill>
+                          <a:srgbClr val="000000"/>
+                        </a:solidFill>
+                        <a:latin typeface="Cambria Math" panose="02040503050406030204" pitchFamily="18" charset="0"/>
+                      </a:rPr>
+                      <m:t>−</m:t>
+                    </m:r>
+                    <m:r>
+                      <a:rPr lang="it-IT" sz="2000" i="1">
+                        <a:solidFill>
+                          <a:srgbClr val="000000"/>
+                        </a:solidFill>
+                        <a:latin typeface="Cambria Math" panose="02040503050406030204" pitchFamily="18" charset="0"/>
+                      </a:rPr>
+                      <m:t>𝜋</m:t>
+                    </m:r>
+                    <m:r>
+                      <a:rPr lang="it-IT" sz="2000" i="1">
+                        <a:solidFill>
+                          <a:srgbClr val="000000"/>
+                        </a:solidFill>
+                        <a:latin typeface="Cambria Math" panose="02040503050406030204" pitchFamily="18" charset="0"/>
+                      </a:rPr>
+                      <m:t>\4,0)</m:t>
+                    </m:r>
+                  </m:oMath>
+                </a14:m>
+                <a:endParaRPr lang="en-US" sz="2000" i="1" dirty="0">
+                  <a:solidFill>
+                    <a:srgbClr val="000000"/>
+                  </a:solidFill>
+                </a:endParaRPr>
+              </a:p>
+            </p:txBody>
+          </p:sp>
+        </mc:Choice>
+        <mc:Fallback xmlns="">
+          <p:sp>
+            <p:nvSpPr>
+              <p:cNvPr id="12" name="CasellaDiTesto 11">
+                <a:extLst>
+                  <a:ext uri="{FF2B5EF4-FFF2-40B4-BE49-F238E27FC236}">
+                    <a16:creationId xmlns:a16="http://schemas.microsoft.com/office/drawing/2014/main" id="{D1C343B3-910A-D5D5-FB7D-F1A3C0EB1B1E}"/>
+                  </a:ext>
+                </a:extLst>
+              </p:cNvPr>
+              <p:cNvSpPr txBox="1">
+                <a:spLocks noRot="1" noChangeAspect="1" noMove="1" noResize="1" noEditPoints="1" noAdjustHandles="1" noChangeArrowheads="1" noChangeShapeType="1" noTextEdit="1"/>
+              </p:cNvSpPr>
+              <p:nvPr/>
+            </p:nvSpPr>
+            <p:spPr>
+              <a:xfrm>
+                <a:off x="17494" y="908720"/>
+                <a:ext cx="9109012" cy="1299138"/>
+              </a:xfrm>
+              <a:prstGeom prst="rect">
+                <a:avLst/>
+              </a:prstGeom>
+              <a:blipFill>
+                <a:blip r:embed="rId3"/>
+                <a:stretch>
+                  <a:fillRect b="-4225"/>
+                </a:stretch>
+              </a:blipFill>
+            </p:spPr>
+            <p:txBody>
+              <a:bodyPr/>
+              <a:lstStyle/>
+              <a:p>
+                <a:r>
+                  <a:rPr lang="en-US">
+                    <a:noFill/>
+                  </a:rPr>
+                  <a:t> </a:t>
+                </a:r>
+              </a:p>
+            </p:txBody>
+          </p:sp>
+        </mc:Fallback>
+      </mc:AlternateContent>
+      <p:grpSp>
+        <p:nvGrpSpPr>
+          <p:cNvPr id="5" name="Gruppo 4">
+            <a:extLst>
+              <a:ext uri="{FF2B5EF4-FFF2-40B4-BE49-F238E27FC236}">
+                <a16:creationId xmlns:a16="http://schemas.microsoft.com/office/drawing/2014/main" id="{596AE92C-DB76-89DD-0616-1BA044CC2298}"/>
+              </a:ext>
+            </a:extLst>
+          </p:cNvPr>
+          <p:cNvGrpSpPr/>
+          <p:nvPr/>
+        </p:nvGrpSpPr>
+        <p:grpSpPr>
+          <a:xfrm>
+            <a:off x="149123" y="2381154"/>
+            <a:ext cx="8905119" cy="3358696"/>
+            <a:chOff x="159881" y="2370396"/>
+            <a:chExt cx="8905119" cy="3358696"/>
+          </a:xfrm>
+        </p:grpSpPr>
+        <p:pic>
+          <p:nvPicPr>
+            <p:cNvPr id="4" name="Immagine 3">
+              <a:extLst>
+                <a:ext uri="{FF2B5EF4-FFF2-40B4-BE49-F238E27FC236}">
+                  <a16:creationId xmlns:a16="http://schemas.microsoft.com/office/drawing/2014/main" id="{8F85EF93-A148-B682-8620-56F9D11F9F11}"/>
+                </a:ext>
+              </a:extLst>
+            </p:cNvPr>
+            <p:cNvPicPr>
+              <a:picLocks noChangeAspect="1"/>
+            </p:cNvPicPr>
+            <p:nvPr/>
+          </p:nvPicPr>
+          <p:blipFill rotWithShape="1">
+            <a:blip r:embed="rId4"/>
+            <a:srcRect t="51058" b="-2116"/>
+            <a:stretch/>
+          </p:blipFill>
+          <p:spPr>
+            <a:xfrm>
+              <a:off x="159881" y="2560740"/>
+              <a:ext cx="8813480" cy="3168352"/>
+            </a:xfrm>
+            <a:prstGeom prst="rect">
+              <a:avLst/>
+            </a:prstGeom>
+          </p:spPr>
+        </p:pic>
+        <p:pic>
+          <p:nvPicPr>
+            <p:cNvPr id="3" name="Immagine 2">
+              <a:extLst>
+                <a:ext uri="{FF2B5EF4-FFF2-40B4-BE49-F238E27FC236}">
+                  <a16:creationId xmlns:a16="http://schemas.microsoft.com/office/drawing/2014/main" id="{EB6D084A-4FCD-719C-0C11-36B0474B1A02}"/>
+                </a:ext>
+              </a:extLst>
+            </p:cNvPr>
+            <p:cNvPicPr>
+              <a:picLocks noChangeAspect="1"/>
+            </p:cNvPicPr>
+            <p:nvPr/>
+          </p:nvPicPr>
+          <p:blipFill rotWithShape="1">
+            <a:blip r:embed="rId5"/>
+            <a:srcRect l="162" r="-162" b="96519"/>
+            <a:stretch/>
+          </p:blipFill>
+          <p:spPr>
+            <a:xfrm>
+              <a:off x="251520" y="2370396"/>
+              <a:ext cx="8813480" cy="216024"/>
+            </a:xfrm>
+            <a:prstGeom prst="rect">
+              <a:avLst/>
+            </a:prstGeom>
+          </p:spPr>
+        </p:pic>
+      </p:grpSp>
+    </p:spTree>
+    <p:extLst>
+      <p:ext uri="{BB962C8B-B14F-4D97-AF65-F5344CB8AC3E}">
+        <p14:creationId xmlns:p14="http://schemas.microsoft.com/office/powerpoint/2010/main" val="4180875378"/>
+      </p:ext>
+    </p:extLst>
+  </p:cSld>
+  <p:clrMapOvr>
+    <a:masterClrMapping/>
+  </p:clrMapOvr>
+</p:sld>
+</file>
+
+<file path=ppt/slides/slide19.xml><?xml version="1.0" encoding="utf-8"?>
 <p:sld xmlns:a="http://schemas.openxmlformats.org/drawingml/2006/main" xmlns:r="http://schemas.openxmlformats.org/officeDocument/2006/relationships" xmlns:p="http://schemas.openxmlformats.org/presentationml/2006/main">
   <p:cSld>
     <p:spTree>
@@ -12662,7 +15827,864 @@
 </p:sld>
 </file>
 
-<file path=ppt/slides/slide18.xml><?xml version="1.0" encoding="utf-8"?>
+<file path=ppt/slides/slide2.xml><?xml version="1.0" encoding="utf-8"?>
+<p:sld xmlns:a="http://schemas.openxmlformats.org/drawingml/2006/main" xmlns:r="http://schemas.openxmlformats.org/officeDocument/2006/relationships" xmlns:p="http://schemas.openxmlformats.org/presentationml/2006/main">
+  <p:cSld>
+    <p:spTree>
+      <p:nvGrpSpPr>
+        <p:cNvPr id="1" name=""/>
+        <p:cNvGrpSpPr/>
+        <p:nvPr/>
+      </p:nvGrpSpPr>
+      <p:grpSpPr>
+        <a:xfrm>
+          <a:off x="0" y="0"/>
+          <a:ext cx="0" cy="0"/>
+          <a:chOff x="0" y="0"/>
+          <a:chExt cx="0" cy="0"/>
+        </a:xfrm>
+      </p:grpSpPr>
+      <p:sp>
+        <p:nvSpPr>
+          <p:cNvPr id="2" name="Titolo 1">
+            <a:extLst>
+              <a:ext uri="{FF2B5EF4-FFF2-40B4-BE49-F238E27FC236}">
+                <a16:creationId xmlns:a16="http://schemas.microsoft.com/office/drawing/2014/main" id="{AFEFEAD0-5246-726C-3122-EF9AE58FAC80}"/>
+              </a:ext>
+            </a:extLst>
+          </p:cNvPr>
+          <p:cNvSpPr txBox="1">
+            <a:spLocks noChangeArrowheads="1"/>
+          </p:cNvSpPr>
+          <p:nvPr/>
+        </p:nvSpPr>
+        <p:spPr bwMode="auto">
+          <a:xfrm>
+            <a:off x="3015163" y="253099"/>
+            <a:ext cx="5724624" cy="482108"/>
+          </a:xfrm>
+          <a:prstGeom prst="rect">
+            <a:avLst/>
+          </a:prstGeom>
+          <a:ln w="9525" cap="flat" cmpd="sng" algn="ctr">
+            <a:solidFill>
+              <a:schemeClr val="dk1"/>
+            </a:solidFill>
+            <a:prstDash val="solid"/>
+            <a:round/>
+            <a:headEnd type="none" w="med" len="med"/>
+            <a:tailEnd type="none" w="med" len="med"/>
+          </a:ln>
+          <a:extLst>
+            <a:ext uri="{909E8E84-426E-40DD-AFC4-6F175D3DCCD1}">
+              <a14:hiddenFill xmlns:a14="http://schemas.microsoft.com/office/drawing/2010/main">
+                <a:solidFill>
+                  <a:schemeClr val="accent1"/>
+                </a:solidFill>
+              </a14:hiddenFill>
+            </a:ext>
+          </a:extLst>
+        </p:spPr>
+        <p:style>
+          <a:lnRef idx="0">
+            <a:scrgbClr r="0" g="0" b="0"/>
+          </a:lnRef>
+          <a:fillRef idx="0">
+            <a:scrgbClr r="0" g="0" b="0"/>
+          </a:fillRef>
+          <a:effectRef idx="0">
+            <a:scrgbClr r="0" g="0" b="0"/>
+          </a:effectRef>
+          <a:fontRef idx="minor">
+            <a:schemeClr val="dk1"/>
+          </a:fontRef>
+        </p:style>
+        <p:txBody>
+          <a:bodyPr vert="horz" wrap="square" lIns="91440" tIns="45720" rIns="91440" bIns="45720" numCol="1" anchor="ctr" anchorCtr="0" compatLnSpc="1">
+            <a:prstTxWarp prst="textNoShape">
+              <a:avLst/>
+            </a:prstTxWarp>
+          </a:bodyPr>
+          <a:lstStyle>
+            <a:lvl1pPr algn="l" rtl="0" eaLnBrk="0" fontAlgn="base" hangingPunct="0">
+              <a:spcBef>
+                <a:spcPct val="0"/>
+              </a:spcBef>
+              <a:spcAft>
+                <a:spcPct val="0"/>
+              </a:spcAft>
+              <a:defRPr sz="2400" b="1">
+                <a:solidFill>
+                  <a:schemeClr val="dk1"/>
+                </a:solidFill>
+                <a:latin typeface="+mn-lt"/>
+                <a:ea typeface="+mn-ea"/>
+                <a:cs typeface="+mn-cs"/>
+              </a:defRPr>
+            </a:lvl1pPr>
+            <a:lvl2pPr algn="l" rtl="0" eaLnBrk="0" fontAlgn="base" hangingPunct="0">
+              <a:spcBef>
+                <a:spcPct val="0"/>
+              </a:spcBef>
+              <a:spcAft>
+                <a:spcPct val="0"/>
+              </a:spcAft>
+              <a:defRPr sz="2400" b="1">
+                <a:solidFill>
+                  <a:schemeClr val="dk1"/>
+                </a:solidFill>
+                <a:latin typeface="+mn-lt"/>
+                <a:ea typeface="+mn-ea"/>
+                <a:cs typeface="+mn-cs"/>
+              </a:defRPr>
+            </a:lvl2pPr>
+            <a:lvl3pPr algn="l" rtl="0" eaLnBrk="0" fontAlgn="base" hangingPunct="0">
+              <a:spcBef>
+                <a:spcPct val="0"/>
+              </a:spcBef>
+              <a:spcAft>
+                <a:spcPct val="0"/>
+              </a:spcAft>
+              <a:defRPr sz="2400" b="1">
+                <a:solidFill>
+                  <a:schemeClr val="dk1"/>
+                </a:solidFill>
+                <a:latin typeface="+mn-lt"/>
+                <a:ea typeface="+mn-ea"/>
+                <a:cs typeface="+mn-cs"/>
+              </a:defRPr>
+            </a:lvl3pPr>
+            <a:lvl4pPr algn="l" rtl="0" eaLnBrk="0" fontAlgn="base" hangingPunct="0">
+              <a:spcBef>
+                <a:spcPct val="0"/>
+              </a:spcBef>
+              <a:spcAft>
+                <a:spcPct val="0"/>
+              </a:spcAft>
+              <a:defRPr sz="2400" b="1">
+                <a:solidFill>
+                  <a:schemeClr val="dk1"/>
+                </a:solidFill>
+                <a:latin typeface="+mn-lt"/>
+                <a:ea typeface="+mn-ea"/>
+                <a:cs typeface="+mn-cs"/>
+              </a:defRPr>
+            </a:lvl4pPr>
+            <a:lvl5pPr algn="l" rtl="0" eaLnBrk="0" fontAlgn="base" hangingPunct="0">
+              <a:spcBef>
+                <a:spcPct val="0"/>
+              </a:spcBef>
+              <a:spcAft>
+                <a:spcPct val="0"/>
+              </a:spcAft>
+              <a:defRPr sz="2400" b="1">
+                <a:solidFill>
+                  <a:schemeClr val="dk1"/>
+                </a:solidFill>
+                <a:latin typeface="+mn-lt"/>
+                <a:ea typeface="+mn-ea"/>
+                <a:cs typeface="+mn-cs"/>
+              </a:defRPr>
+            </a:lvl5pPr>
+            <a:lvl6pPr marL="457200" algn="l" rtl="0" eaLnBrk="1" fontAlgn="base" hangingPunct="1">
+              <a:spcBef>
+                <a:spcPct val="0"/>
+              </a:spcBef>
+              <a:spcAft>
+                <a:spcPct val="0"/>
+              </a:spcAft>
+              <a:defRPr sz="2400" b="1">
+                <a:solidFill>
+                  <a:schemeClr val="dk1"/>
+                </a:solidFill>
+                <a:latin typeface="+mn-lt"/>
+                <a:ea typeface="+mn-ea"/>
+                <a:cs typeface="+mn-cs"/>
+              </a:defRPr>
+            </a:lvl6pPr>
+            <a:lvl7pPr marL="914400" algn="l" rtl="0" eaLnBrk="1" fontAlgn="base" hangingPunct="1">
+              <a:spcBef>
+                <a:spcPct val="0"/>
+              </a:spcBef>
+              <a:spcAft>
+                <a:spcPct val="0"/>
+              </a:spcAft>
+              <a:defRPr sz="2400" b="1">
+                <a:solidFill>
+                  <a:schemeClr val="dk1"/>
+                </a:solidFill>
+                <a:latin typeface="+mn-lt"/>
+                <a:ea typeface="+mn-ea"/>
+                <a:cs typeface="+mn-cs"/>
+              </a:defRPr>
+            </a:lvl7pPr>
+            <a:lvl8pPr marL="1371600" algn="l" rtl="0" eaLnBrk="1" fontAlgn="base" hangingPunct="1">
+              <a:spcBef>
+                <a:spcPct val="0"/>
+              </a:spcBef>
+              <a:spcAft>
+                <a:spcPct val="0"/>
+              </a:spcAft>
+              <a:defRPr sz="2400" b="1">
+                <a:solidFill>
+                  <a:schemeClr val="dk1"/>
+                </a:solidFill>
+                <a:latin typeface="+mn-lt"/>
+                <a:ea typeface="+mn-ea"/>
+                <a:cs typeface="+mn-cs"/>
+              </a:defRPr>
+            </a:lvl8pPr>
+            <a:lvl9pPr marL="1828800" algn="l" rtl="0" eaLnBrk="1" fontAlgn="base" hangingPunct="1">
+              <a:spcBef>
+                <a:spcPct val="0"/>
+              </a:spcBef>
+              <a:spcAft>
+                <a:spcPct val="0"/>
+              </a:spcAft>
+              <a:defRPr sz="2400" b="1">
+                <a:solidFill>
+                  <a:schemeClr val="dk1"/>
+                </a:solidFill>
+                <a:latin typeface="+mn-lt"/>
+                <a:ea typeface="+mn-ea"/>
+                <a:cs typeface="+mn-cs"/>
+              </a:defRPr>
+            </a:lvl9pPr>
+          </a:lstStyle>
+          <a:p>
+            <a:pPr algn="ctr"/>
+            <a:r>
+              <a:rPr lang="it-IT" altLang="it-IT" kern="0" dirty="0">
+                <a:latin typeface="Calibri" panose="020F0502020204030204" pitchFamily="34" charset="0"/>
+                <a:ea typeface="ＭＳ Ｐゴシック" panose="020B0600070205080204" pitchFamily="34" charset="-128"/>
+              </a:rPr>
+              <a:t>INTRODUCTION</a:t>
+            </a:r>
+          </a:p>
+        </p:txBody>
+      </p:sp>
+      <p:sp>
+        <p:nvSpPr>
+          <p:cNvPr id="10" name="Rettangolo 9">
+            <a:extLst>
+              <a:ext uri="{FF2B5EF4-FFF2-40B4-BE49-F238E27FC236}">
+                <a16:creationId xmlns:a16="http://schemas.microsoft.com/office/drawing/2014/main" id="{31D3E094-59FA-DA3E-B010-C99084F3614D}"/>
+              </a:ext>
+            </a:extLst>
+          </p:cNvPr>
+          <p:cNvSpPr/>
+          <p:nvPr/>
+        </p:nvSpPr>
+        <p:spPr bwMode="auto">
+          <a:xfrm>
+            <a:off x="1691680" y="4509120"/>
+            <a:ext cx="432048" cy="792088"/>
+          </a:xfrm>
+          <a:prstGeom prst="rect">
+            <a:avLst/>
+          </a:prstGeom>
+          <a:noFill/>
+          <a:ln>
+            <a:noFill/>
+          </a:ln>
+          <a:effectLst/>
+          <a:extLst>
+            <a:ext uri="{909E8E84-426E-40dd-AFC4-6F175D3DCCD1}">
+              <a14:hiddenFill xmlns:a14="http://schemas.microsoft.com/office/drawing/2010/main" xmlns="">
+                <a:solidFill>
+                  <a:schemeClr val="accent1"/>
+                </a:solidFill>
+              </a14:hiddenFill>
+            </a:ext>
+            <a:ext uri="{91240B29-F687-4f45-9708-019B960494DF}">
+              <a14:hiddenLine xmlns:a14="http://schemas.microsoft.com/office/drawing/2010/main" xmlns="" w="9525" cap="flat" cmpd="sng" algn="ctr">
+                <a:solidFill>
+                  <a:schemeClr val="tx1"/>
+                </a:solidFill>
+                <a:prstDash val="solid"/>
+                <a:round/>
+                <a:headEnd type="none" w="med" len="med"/>
+                <a:tailEnd type="none" w="med" len="med"/>
+              </a14:hiddenLine>
+            </a:ext>
+            <a:ext uri="{AF507438-7753-43e0-B8FC-AC1667EBCBE1}">
+              <a14:hiddenEffects xmlns:a14="http://schemas.microsoft.com/office/drawing/2010/main" xmlns="">
+                <a:effectLst>
+                  <a:outerShdw blurRad="63500" dist="38099" dir="2700000" algn="ctr" rotWithShape="0">
+                    <a:srgbClr val="000000">
+                      <a:alpha val="74998"/>
+                    </a:srgbClr>
+                  </a:outerShdw>
+                </a:effectLst>
+              </a14:hiddenEffects>
+            </a:ext>
+          </a:extLst>
+        </p:spPr>
+        <p:txBody>
+          <a:bodyPr vert="horz" wrap="square" lIns="91440" tIns="45720" rIns="91440" bIns="45720" numCol="1" rtlCol="0" anchor="t" anchorCtr="0" compatLnSpc="1">
+            <a:prstTxWarp prst="textNoShape">
+              <a:avLst/>
+            </a:prstTxWarp>
+          </a:bodyPr>
+          <a:lstStyle/>
+          <a:p>
+            <a:pPr marL="0" marR="0" indent="0" algn="l" defTabSz="914400" rtl="0" eaLnBrk="0" fontAlgn="base" latinLnBrk="0" hangingPunct="0">
+              <a:lnSpc>
+                <a:spcPct val="100000"/>
+              </a:lnSpc>
+              <a:spcBef>
+                <a:spcPct val="0"/>
+              </a:spcBef>
+              <a:spcAft>
+                <a:spcPct val="0"/>
+              </a:spcAft>
+              <a:buClrTx/>
+              <a:buSzTx/>
+              <a:buFontTx/>
+              <a:buNone/>
+              <a:tabLst/>
+            </a:pPr>
+            <a:endParaRPr kumimoji="0" lang="en-US" sz="2400" b="0" i="0" u="none" strike="noStrike" cap="none" normalizeH="0" baseline="0">
+              <a:ln>
+                <a:noFill/>
+              </a:ln>
+              <a:solidFill>
+                <a:srgbClr val="000000"/>
+              </a:solidFill>
+              <a:effectLst/>
+              <a:latin typeface="Arial" charset="0"/>
+              <a:ea typeface="ＭＳ Ｐゴシック" charset="0"/>
+              <a:cs typeface="ＭＳ Ｐゴシック" charset="0"/>
+            </a:endParaRPr>
+          </a:p>
+        </p:txBody>
+      </p:sp>
+      <p:grpSp>
+        <p:nvGrpSpPr>
+          <p:cNvPr id="11" name="Gruppo 10">
+            <a:extLst>
+              <a:ext uri="{FF2B5EF4-FFF2-40B4-BE49-F238E27FC236}">
+                <a16:creationId xmlns:a16="http://schemas.microsoft.com/office/drawing/2014/main" id="{8E0670A6-12A4-C0B6-65DB-7CCA37828077}"/>
+              </a:ext>
+            </a:extLst>
+          </p:cNvPr>
+          <p:cNvGrpSpPr/>
+          <p:nvPr/>
+        </p:nvGrpSpPr>
+        <p:grpSpPr>
+          <a:xfrm>
+            <a:off x="2339752" y="4077072"/>
+            <a:ext cx="4680520" cy="1715983"/>
+            <a:chOff x="2240155" y="3937036"/>
+            <a:chExt cx="5212165" cy="1944216"/>
+          </a:xfrm>
+        </p:grpSpPr>
+        <p:pic>
+          <p:nvPicPr>
+            <p:cNvPr id="4" name="Immagine 3" descr="Immagine che contiene nero, oscurità&#10;&#10;Descrizione generata automaticamente">
+              <a:extLst>
+                <a:ext uri="{FF2B5EF4-FFF2-40B4-BE49-F238E27FC236}">
+                  <a16:creationId xmlns:a16="http://schemas.microsoft.com/office/drawing/2014/main" id="{AEB7303B-619F-345A-89A1-7D942FF68AF1}"/>
+                </a:ext>
+              </a:extLst>
+            </p:cNvPr>
+            <p:cNvPicPr>
+              <a:picLocks noChangeAspect="1"/>
+            </p:cNvPicPr>
+            <p:nvPr/>
+          </p:nvPicPr>
+          <p:blipFill rotWithShape="1">
+            <a:blip r:embed="rId3"/>
+            <a:srcRect l="21650" t="12200" r="16526" b="27951"/>
+            <a:stretch/>
+          </p:blipFill>
+          <p:spPr>
+            <a:xfrm>
+              <a:off x="5443975" y="3937036"/>
+              <a:ext cx="2008345" cy="1944216"/>
+            </a:xfrm>
+            <a:prstGeom prst="rect">
+              <a:avLst/>
+            </a:prstGeom>
+          </p:spPr>
+        </p:pic>
+        <p:pic>
+          <p:nvPicPr>
+            <p:cNvPr id="6" name="Immagine 5" descr="Immagine che contiene nero, oscurità&#10;&#10;Descrizione generata automaticamente">
+              <a:extLst>
+                <a:ext uri="{FF2B5EF4-FFF2-40B4-BE49-F238E27FC236}">
+                  <a16:creationId xmlns:a16="http://schemas.microsoft.com/office/drawing/2014/main" id="{DE8236EA-3CA7-44A5-0621-7CC14C7EC284}"/>
+                </a:ext>
+              </a:extLst>
+            </p:cNvPr>
+            <p:cNvPicPr>
+              <a:picLocks noChangeAspect="1"/>
+            </p:cNvPicPr>
+            <p:nvPr/>
+          </p:nvPicPr>
+          <p:blipFill>
+            <a:blip r:embed="rId4"/>
+            <a:stretch>
+              <a:fillRect/>
+            </a:stretch>
+          </p:blipFill>
+          <p:spPr>
+            <a:xfrm>
+              <a:off x="2240155" y="3987011"/>
+              <a:ext cx="1836305" cy="1836305"/>
+            </a:xfrm>
+            <a:prstGeom prst="rect">
+              <a:avLst/>
+            </a:prstGeom>
+          </p:spPr>
+        </p:pic>
+        <p:sp>
+          <p:nvSpPr>
+            <p:cNvPr id="7" name="Croce 6">
+              <a:extLst>
+                <a:ext uri="{FF2B5EF4-FFF2-40B4-BE49-F238E27FC236}">
+                  <a16:creationId xmlns:a16="http://schemas.microsoft.com/office/drawing/2014/main" id="{F613DBEA-FEBA-4AC1-0DC6-2A29BB66EE0F}"/>
+                </a:ext>
+              </a:extLst>
+            </p:cNvPr>
+            <p:cNvSpPr/>
+            <p:nvPr/>
+          </p:nvSpPr>
+          <p:spPr bwMode="auto">
+            <a:xfrm>
+              <a:off x="4244834" y="4588104"/>
+              <a:ext cx="758223" cy="742029"/>
+            </a:xfrm>
+            <a:prstGeom prst="plus">
+              <a:avLst>
+                <a:gd name="adj" fmla="val 40164"/>
+              </a:avLst>
+            </a:prstGeom>
+            <a:solidFill>
+              <a:schemeClr val="tx1"/>
+            </a:solidFill>
+            <a:ln>
+              <a:solidFill>
+                <a:schemeClr val="tx2"/>
+              </a:solidFill>
+            </a:ln>
+            <a:effectLst/>
+            <a:extLst>
+              <a:ext uri="{909E8E84-426E-40dd-AFC4-6F175D3DCCD1}">
+                <a14:hiddenFill xmlns:a14="http://schemas.microsoft.com/office/drawing/2010/main" xmlns="">
+                  <a:solidFill>
+                    <a:schemeClr val="accent1"/>
+                  </a:solidFill>
+                </a14:hiddenFill>
+              </a:ext>
+              <a:ext uri="{91240B29-F687-4f45-9708-019B960494DF}">
+                <a14:hiddenLine xmlns:a14="http://schemas.microsoft.com/office/drawing/2010/main" xmlns="" w="9525" cap="flat" cmpd="sng" algn="ctr">
+                  <a:solidFill>
+                    <a:schemeClr val="tx1"/>
+                  </a:solidFill>
+                  <a:prstDash val="solid"/>
+                  <a:round/>
+                  <a:headEnd type="none" w="med" len="med"/>
+                  <a:tailEnd type="none" w="med" len="med"/>
+                </a14:hiddenLine>
+              </a:ext>
+              <a:ext uri="{AF507438-7753-43e0-B8FC-AC1667EBCBE1}">
+                <a14:hiddenEffects xmlns:a14="http://schemas.microsoft.com/office/drawing/2010/main" xmlns="">
+                  <a:effectLst>
+                    <a:outerShdw blurRad="63500" dist="38099" dir="2700000" algn="ctr" rotWithShape="0">
+                      <a:srgbClr val="000000">
+                        <a:alpha val="74998"/>
+                      </a:srgbClr>
+                    </a:outerShdw>
+                  </a:effectLst>
+                </a14:hiddenEffects>
+              </a:ext>
+            </a:extLst>
+          </p:spPr>
+          <p:txBody>
+            <a:bodyPr vert="horz" wrap="square" lIns="91440" tIns="45720" rIns="91440" bIns="45720" numCol="1" rtlCol="0" anchor="t" anchorCtr="0" compatLnSpc="1">
+              <a:prstTxWarp prst="textNoShape">
+                <a:avLst/>
+              </a:prstTxWarp>
+            </a:bodyPr>
+            <a:lstStyle/>
+            <a:p>
+              <a:pPr marL="0" marR="0" indent="0" algn="l" defTabSz="914400" rtl="0" eaLnBrk="0" fontAlgn="base" latinLnBrk="0" hangingPunct="0">
+                <a:lnSpc>
+                  <a:spcPct val="100000"/>
+                </a:lnSpc>
+                <a:spcBef>
+                  <a:spcPct val="0"/>
+                </a:spcBef>
+                <a:spcAft>
+                  <a:spcPct val="0"/>
+                </a:spcAft>
+                <a:buClrTx/>
+                <a:buSzTx/>
+                <a:buFontTx/>
+                <a:buNone/>
+                <a:tabLst/>
+              </a:pPr>
+              <a:endParaRPr kumimoji="0" lang="en-US" sz="2400" b="0" i="0" u="none" strike="noStrike" cap="none" normalizeH="0" baseline="0" dirty="0">
+                <a:ln>
+                  <a:noFill/>
+                </a:ln>
+                <a:solidFill>
+                  <a:srgbClr val="000000"/>
+                </a:solidFill>
+                <a:effectLst/>
+                <a:latin typeface="Arial" charset="0"/>
+                <a:ea typeface="ＭＳ Ｐゴシック" charset="0"/>
+                <a:cs typeface="ＭＳ Ｐゴシック" charset="0"/>
+              </a:endParaRPr>
+            </a:p>
+          </p:txBody>
+        </p:sp>
+      </p:grpSp>
+      <p:sp>
+        <p:nvSpPr>
+          <p:cNvPr id="12" name="CasellaDiTesto 11">
+            <a:extLst>
+              <a:ext uri="{FF2B5EF4-FFF2-40B4-BE49-F238E27FC236}">
+                <a16:creationId xmlns:a16="http://schemas.microsoft.com/office/drawing/2014/main" id="{1F7C9702-C51A-487C-3A5E-4C6EBB284503}"/>
+              </a:ext>
+            </a:extLst>
+          </p:cNvPr>
+          <p:cNvSpPr txBox="1"/>
+          <p:nvPr/>
+        </p:nvSpPr>
+        <p:spPr>
+          <a:xfrm>
+            <a:off x="415707" y="1186298"/>
+            <a:ext cx="8312587" cy="2646878"/>
+          </a:xfrm>
+          <a:prstGeom prst="rect">
+            <a:avLst/>
+          </a:prstGeom>
+          <a:noFill/>
+        </p:spPr>
+        <p:txBody>
+          <a:bodyPr wrap="square" rtlCol="0">
+            <a:spAutoFit/>
+          </a:bodyPr>
+          <a:lstStyle/>
+          <a:p>
+            <a:pPr marL="342900" indent="-342900">
+              <a:buClr>
+                <a:schemeClr val="tx1"/>
+              </a:buClr>
+              <a:buFont typeface="Arial" panose="020B0604020202020204" pitchFamily="34" charset="0"/>
+              <a:buChar char="•"/>
+            </a:pPr>
+            <a:r>
+              <a:rPr lang="en-US" sz="2000" dirty="0">
+                <a:solidFill>
+                  <a:srgbClr val="000000"/>
+                </a:solidFill>
+              </a:rPr>
+              <a:t>Robot dynamic model</a:t>
+            </a:r>
+          </a:p>
+          <a:p>
+            <a:pPr marL="800100" lvl="1" indent="-342900">
+              <a:buClr>
+                <a:schemeClr val="tx1"/>
+              </a:buClr>
+              <a:buFont typeface="Wingdings" panose="05000000000000000000" pitchFamily="2" charset="2"/>
+              <a:buChar char="§"/>
+            </a:pPr>
+            <a:r>
+              <a:rPr lang="en-US" sz="2000" dirty="0">
+                <a:solidFill>
+                  <a:srgbClr val="000000"/>
+                </a:solidFill>
+              </a:rPr>
+              <a:t>Relationship between applied forces and motion</a:t>
+            </a:r>
+          </a:p>
+          <a:p>
+            <a:pPr marL="800100" lvl="1" indent="-342900">
+              <a:buClr>
+                <a:schemeClr val="tx1"/>
+              </a:buClr>
+              <a:buFont typeface="Wingdings" panose="05000000000000000000" pitchFamily="2" charset="2"/>
+              <a:buChar char="§"/>
+            </a:pPr>
+            <a:r>
+              <a:rPr lang="en-US" sz="2000" dirty="0">
+                <a:solidFill>
+                  <a:srgbClr val="000000"/>
+                </a:solidFill>
+              </a:rPr>
+              <a:t>D’Alembert, Hamilton</a:t>
+            </a:r>
+          </a:p>
+          <a:p>
+            <a:pPr marL="800100" lvl="1" indent="-342900">
+              <a:buFont typeface="Wingdings" panose="05000000000000000000" pitchFamily="2" charset="2"/>
+              <a:buChar char="§"/>
+            </a:pPr>
+            <a:endParaRPr lang="en-US" sz="1200" dirty="0">
+              <a:solidFill>
+                <a:srgbClr val="000000"/>
+              </a:solidFill>
+            </a:endParaRPr>
+          </a:p>
+          <a:p>
+            <a:pPr marL="342900" indent="-342900">
+              <a:buClr>
+                <a:schemeClr val="tx1"/>
+              </a:buClr>
+              <a:buFont typeface="Arial" panose="020B0604020202020204" pitchFamily="34" charset="0"/>
+              <a:buChar char="•"/>
+            </a:pPr>
+            <a:r>
+              <a:rPr lang="en-US" sz="2000" dirty="0">
+                <a:solidFill>
+                  <a:srgbClr val="000000"/>
+                </a:solidFill>
+              </a:rPr>
+              <a:t>Euler-Lagrange equations</a:t>
+            </a:r>
+          </a:p>
+          <a:p>
+            <a:pPr marL="800100" lvl="1" indent="-342900">
+              <a:buClr>
+                <a:schemeClr val="tx1"/>
+              </a:buClr>
+              <a:buFont typeface="Wingdings" panose="05000000000000000000" pitchFamily="2" charset="2"/>
+              <a:buChar char="§"/>
+            </a:pPr>
+            <a:r>
+              <a:rPr lang="en-US" sz="2000" dirty="0">
+                <a:solidFill>
+                  <a:srgbClr val="000000"/>
+                </a:solidFill>
+              </a:rPr>
+              <a:t>Modeling and control</a:t>
+            </a:r>
+          </a:p>
+          <a:p>
+            <a:pPr marL="800100" lvl="1" indent="-342900">
+              <a:buClr>
+                <a:schemeClr val="tx1"/>
+              </a:buClr>
+              <a:buFont typeface="Wingdings" panose="05000000000000000000" pitchFamily="2" charset="2"/>
+              <a:buChar char="§"/>
+            </a:pPr>
+            <a:r>
+              <a:rPr lang="en-US" sz="2000" dirty="0">
+                <a:solidFill>
+                  <a:srgbClr val="000000"/>
+                </a:solidFill>
+              </a:rPr>
+              <a:t>Symbolic form equations of motions</a:t>
+            </a:r>
+          </a:p>
+          <a:p>
+            <a:pPr marL="800100" lvl="1" indent="-342900">
+              <a:buFont typeface="Wingdings" panose="05000000000000000000" pitchFamily="2" charset="2"/>
+              <a:buChar char="§"/>
+            </a:pPr>
+            <a:endParaRPr lang="en-US" sz="1400" dirty="0">
+              <a:solidFill>
+                <a:srgbClr val="000000"/>
+              </a:solidFill>
+            </a:endParaRPr>
+          </a:p>
+          <a:p>
+            <a:pPr marL="342900" indent="-342900">
+              <a:buClr>
+                <a:schemeClr val="tx1"/>
+              </a:buClr>
+              <a:buFont typeface="Arial" panose="020B0604020202020204" pitchFamily="34" charset="0"/>
+              <a:buChar char="•"/>
+            </a:pPr>
+            <a:r>
+              <a:rPr lang="en-US" sz="2000" dirty="0">
+                <a:solidFill>
+                  <a:srgbClr val="000000"/>
+                </a:solidFill>
+              </a:rPr>
+              <a:t>Modeling systems           Neural networks           </a:t>
+            </a:r>
+            <a:r>
+              <a:rPr lang="en-US" sz="2000" dirty="0" err="1">
+                <a:solidFill>
+                  <a:srgbClr val="000000"/>
+                </a:solidFill>
+              </a:rPr>
+              <a:t>Lagrangian</a:t>
+            </a:r>
+            <a:r>
+              <a:rPr lang="en-US" sz="2000" dirty="0">
+                <a:solidFill>
+                  <a:srgbClr val="000000"/>
+                </a:solidFill>
+              </a:rPr>
+              <a:t> NN</a:t>
+            </a:r>
+          </a:p>
+        </p:txBody>
+      </p:sp>
+      <p:cxnSp>
+        <p:nvCxnSpPr>
+          <p:cNvPr id="14" name="Connettore 2 13">
+            <a:extLst>
+              <a:ext uri="{FF2B5EF4-FFF2-40B4-BE49-F238E27FC236}">
+                <a16:creationId xmlns:a16="http://schemas.microsoft.com/office/drawing/2014/main" id="{42EB4C38-71FE-841B-4801-299F44FBD143}"/>
+              </a:ext>
+            </a:extLst>
+          </p:cNvPr>
+          <p:cNvCxnSpPr>
+            <a:cxnSpLocks/>
+          </p:cNvCxnSpPr>
+          <p:nvPr/>
+        </p:nvCxnSpPr>
+        <p:spPr bwMode="auto">
+          <a:xfrm>
+            <a:off x="3059739" y="3626736"/>
+            <a:ext cx="476717" cy="0"/>
+          </a:xfrm>
+          <a:prstGeom prst="straightConnector1">
+            <a:avLst/>
+          </a:prstGeom>
+          <a:ln w="76200">
+            <a:tailEnd type="triangle"/>
+          </a:ln>
+          <a:extLst>
+            <a:ext uri="{909E8E84-426E-40dd-AFC4-6F175D3DCCD1}">
+              <a14:hiddenFill xmlns:a14="http://schemas.microsoft.com/office/drawing/2010/main" xmlns="">
+                <a:solidFill>
+                  <a:schemeClr val="accent1"/>
+                </a:solidFill>
+              </a14:hiddenFill>
+            </a:ext>
+            <a:ext uri="{91240B29-F687-4f45-9708-019B960494DF}">
+              <a14:hiddenLine xmlns:a14="http://schemas.microsoft.com/office/drawing/2010/main" xmlns="" w="9525" cap="flat" cmpd="sng" algn="ctr">
+                <a:solidFill>
+                  <a:schemeClr val="tx1"/>
+                </a:solidFill>
+                <a:prstDash val="solid"/>
+                <a:round/>
+                <a:headEnd type="none" w="med" len="med"/>
+                <a:tailEnd type="none" w="med" len="med"/>
+              </a14:hiddenLine>
+            </a:ext>
+            <a:ext uri="{AF507438-7753-43e0-B8FC-AC1667EBCBE1}">
+              <a14:hiddenEffects xmlns:a14="http://schemas.microsoft.com/office/drawing/2010/main" xmlns="">
+                <a:effectLst>
+                  <a:outerShdw blurRad="63500" dist="38099" dir="2700000" algn="ctr" rotWithShape="0">
+                    <a:srgbClr val="000000">
+                      <a:alpha val="74998"/>
+                    </a:srgbClr>
+                  </a:outerShdw>
+                </a:effectLst>
+              </a14:hiddenEffects>
+            </a:ext>
+          </a:extLst>
+        </p:spPr>
+        <p:style>
+          <a:lnRef idx="1">
+            <a:schemeClr val="dk1"/>
+          </a:lnRef>
+          <a:fillRef idx="0">
+            <a:schemeClr val="dk1"/>
+          </a:fillRef>
+          <a:effectRef idx="0">
+            <a:schemeClr val="dk1"/>
+          </a:effectRef>
+          <a:fontRef idx="minor">
+            <a:schemeClr val="tx1"/>
+          </a:fontRef>
+        </p:style>
+      </p:cxnSp>
+      <p:cxnSp>
+        <p:nvCxnSpPr>
+          <p:cNvPr id="17" name="Connettore 2 16">
+            <a:extLst>
+              <a:ext uri="{FF2B5EF4-FFF2-40B4-BE49-F238E27FC236}">
+                <a16:creationId xmlns:a16="http://schemas.microsoft.com/office/drawing/2014/main" id="{D3F45EC4-2C42-2CF8-9961-F917147F485F}"/>
+              </a:ext>
+            </a:extLst>
+          </p:cNvPr>
+          <p:cNvCxnSpPr>
+            <a:cxnSpLocks/>
+          </p:cNvCxnSpPr>
+          <p:nvPr/>
+        </p:nvCxnSpPr>
+        <p:spPr bwMode="auto">
+          <a:xfrm>
+            <a:off x="5652120" y="3626736"/>
+            <a:ext cx="476717" cy="0"/>
+          </a:xfrm>
+          <a:prstGeom prst="straightConnector1">
+            <a:avLst/>
+          </a:prstGeom>
+          <a:ln w="76200">
+            <a:tailEnd type="triangle"/>
+          </a:ln>
+          <a:extLst>
+            <a:ext uri="{909E8E84-426E-40dd-AFC4-6F175D3DCCD1}">
+              <a14:hiddenFill xmlns:a14="http://schemas.microsoft.com/office/drawing/2010/main" xmlns="">
+                <a:solidFill>
+                  <a:schemeClr val="accent1"/>
+                </a:solidFill>
+              </a14:hiddenFill>
+            </a:ext>
+            <a:ext uri="{91240B29-F687-4f45-9708-019B960494DF}">
+              <a14:hiddenLine xmlns:a14="http://schemas.microsoft.com/office/drawing/2010/main" xmlns="" w="9525" cap="flat" cmpd="sng" algn="ctr">
+                <a:solidFill>
+                  <a:schemeClr val="tx1"/>
+                </a:solidFill>
+                <a:prstDash val="solid"/>
+                <a:round/>
+                <a:headEnd type="none" w="med" len="med"/>
+                <a:tailEnd type="none" w="med" len="med"/>
+              </a14:hiddenLine>
+            </a:ext>
+            <a:ext uri="{AF507438-7753-43e0-B8FC-AC1667EBCBE1}">
+              <a14:hiddenEffects xmlns:a14="http://schemas.microsoft.com/office/drawing/2010/main" xmlns="">
+                <a:effectLst>
+                  <a:outerShdw blurRad="63500" dist="38099" dir="2700000" algn="ctr" rotWithShape="0">
+                    <a:srgbClr val="000000">
+                      <a:alpha val="74998"/>
+                    </a:srgbClr>
+                  </a:outerShdw>
+                </a:effectLst>
+              </a14:hiddenEffects>
+            </a:ext>
+          </a:extLst>
+        </p:spPr>
+        <p:style>
+          <a:lnRef idx="1">
+            <a:schemeClr val="dk1"/>
+          </a:lnRef>
+          <a:fillRef idx="0">
+            <a:schemeClr val="dk1"/>
+          </a:fillRef>
+          <a:effectRef idx="0">
+            <a:schemeClr val="dk1"/>
+          </a:effectRef>
+          <a:fontRef idx="minor">
+            <a:schemeClr val="tx1"/>
+          </a:fontRef>
+        </p:style>
+      </p:cxnSp>
+    </p:spTree>
+    <p:extLst>
+      <p:ext uri="{BB962C8B-B14F-4D97-AF65-F5344CB8AC3E}">
+        <p14:creationId xmlns:p14="http://schemas.microsoft.com/office/powerpoint/2010/main" val="1385446533"/>
+      </p:ext>
+    </p:extLst>
+  </p:cSld>
+  <p:clrMapOvr>
+    <a:masterClrMapping/>
+  </p:clrMapOvr>
+</p:sld>
+</file>
+
+<file path=ppt/slides/slide20.xml><?xml version="1.0" encoding="utf-8"?>
 <p:sld xmlns:a="http://schemas.openxmlformats.org/drawingml/2006/main" xmlns:r="http://schemas.openxmlformats.org/officeDocument/2006/relationships" xmlns:p="http://schemas.openxmlformats.org/presentationml/2006/main">
   <p:cSld>
     <p:spTree>
@@ -13174,7 +17196,7 @@
 </p:sld>
 </file>
 
-<file path=ppt/slides/slide19.xml><?xml version="1.0" encoding="utf-8"?>
+<file path=ppt/slides/slide21.xml><?xml version="1.0" encoding="utf-8"?>
 <p:sld xmlns:a="http://schemas.openxmlformats.org/drawingml/2006/main" xmlns:r="http://schemas.openxmlformats.org/officeDocument/2006/relationships" xmlns:p="http://schemas.openxmlformats.org/presentationml/2006/main">
   <p:cSld>
     <p:spTree>
@@ -14096,864 +18118,7 @@
 </p:sld>
 </file>
 
-<file path=ppt/slides/slide2.xml><?xml version="1.0" encoding="utf-8"?>
-<p:sld xmlns:a="http://schemas.openxmlformats.org/drawingml/2006/main" xmlns:r="http://schemas.openxmlformats.org/officeDocument/2006/relationships" xmlns:p="http://schemas.openxmlformats.org/presentationml/2006/main">
-  <p:cSld>
-    <p:spTree>
-      <p:nvGrpSpPr>
-        <p:cNvPr id="1" name=""/>
-        <p:cNvGrpSpPr/>
-        <p:nvPr/>
-      </p:nvGrpSpPr>
-      <p:grpSpPr>
-        <a:xfrm>
-          <a:off x="0" y="0"/>
-          <a:ext cx="0" cy="0"/>
-          <a:chOff x="0" y="0"/>
-          <a:chExt cx="0" cy="0"/>
-        </a:xfrm>
-      </p:grpSpPr>
-      <p:sp>
-        <p:nvSpPr>
-          <p:cNvPr id="2" name="Titolo 1">
-            <a:extLst>
-              <a:ext uri="{FF2B5EF4-FFF2-40B4-BE49-F238E27FC236}">
-                <a16:creationId xmlns:a16="http://schemas.microsoft.com/office/drawing/2014/main" id="{AFEFEAD0-5246-726C-3122-EF9AE58FAC80}"/>
-              </a:ext>
-            </a:extLst>
-          </p:cNvPr>
-          <p:cNvSpPr txBox="1">
-            <a:spLocks noChangeArrowheads="1"/>
-          </p:cNvSpPr>
-          <p:nvPr/>
-        </p:nvSpPr>
-        <p:spPr bwMode="auto">
-          <a:xfrm>
-            <a:off x="3015163" y="253099"/>
-            <a:ext cx="5724624" cy="482108"/>
-          </a:xfrm>
-          <a:prstGeom prst="rect">
-            <a:avLst/>
-          </a:prstGeom>
-          <a:ln w="9525" cap="flat" cmpd="sng" algn="ctr">
-            <a:solidFill>
-              <a:schemeClr val="dk1"/>
-            </a:solidFill>
-            <a:prstDash val="solid"/>
-            <a:round/>
-            <a:headEnd type="none" w="med" len="med"/>
-            <a:tailEnd type="none" w="med" len="med"/>
-          </a:ln>
-          <a:extLst>
-            <a:ext uri="{909E8E84-426E-40DD-AFC4-6F175D3DCCD1}">
-              <a14:hiddenFill xmlns:a14="http://schemas.microsoft.com/office/drawing/2010/main">
-                <a:solidFill>
-                  <a:schemeClr val="accent1"/>
-                </a:solidFill>
-              </a14:hiddenFill>
-            </a:ext>
-          </a:extLst>
-        </p:spPr>
-        <p:style>
-          <a:lnRef idx="0">
-            <a:scrgbClr r="0" g="0" b="0"/>
-          </a:lnRef>
-          <a:fillRef idx="0">
-            <a:scrgbClr r="0" g="0" b="0"/>
-          </a:fillRef>
-          <a:effectRef idx="0">
-            <a:scrgbClr r="0" g="0" b="0"/>
-          </a:effectRef>
-          <a:fontRef idx="minor">
-            <a:schemeClr val="dk1"/>
-          </a:fontRef>
-        </p:style>
-        <p:txBody>
-          <a:bodyPr vert="horz" wrap="square" lIns="91440" tIns="45720" rIns="91440" bIns="45720" numCol="1" anchor="ctr" anchorCtr="0" compatLnSpc="1">
-            <a:prstTxWarp prst="textNoShape">
-              <a:avLst/>
-            </a:prstTxWarp>
-          </a:bodyPr>
-          <a:lstStyle>
-            <a:lvl1pPr algn="l" rtl="0" eaLnBrk="0" fontAlgn="base" hangingPunct="0">
-              <a:spcBef>
-                <a:spcPct val="0"/>
-              </a:spcBef>
-              <a:spcAft>
-                <a:spcPct val="0"/>
-              </a:spcAft>
-              <a:defRPr sz="2400" b="1">
-                <a:solidFill>
-                  <a:schemeClr val="dk1"/>
-                </a:solidFill>
-                <a:latin typeface="+mn-lt"/>
-                <a:ea typeface="+mn-ea"/>
-                <a:cs typeface="+mn-cs"/>
-              </a:defRPr>
-            </a:lvl1pPr>
-            <a:lvl2pPr algn="l" rtl="0" eaLnBrk="0" fontAlgn="base" hangingPunct="0">
-              <a:spcBef>
-                <a:spcPct val="0"/>
-              </a:spcBef>
-              <a:spcAft>
-                <a:spcPct val="0"/>
-              </a:spcAft>
-              <a:defRPr sz="2400" b="1">
-                <a:solidFill>
-                  <a:schemeClr val="dk1"/>
-                </a:solidFill>
-                <a:latin typeface="+mn-lt"/>
-                <a:ea typeface="+mn-ea"/>
-                <a:cs typeface="+mn-cs"/>
-              </a:defRPr>
-            </a:lvl2pPr>
-            <a:lvl3pPr algn="l" rtl="0" eaLnBrk="0" fontAlgn="base" hangingPunct="0">
-              <a:spcBef>
-                <a:spcPct val="0"/>
-              </a:spcBef>
-              <a:spcAft>
-                <a:spcPct val="0"/>
-              </a:spcAft>
-              <a:defRPr sz="2400" b="1">
-                <a:solidFill>
-                  <a:schemeClr val="dk1"/>
-                </a:solidFill>
-                <a:latin typeface="+mn-lt"/>
-                <a:ea typeface="+mn-ea"/>
-                <a:cs typeface="+mn-cs"/>
-              </a:defRPr>
-            </a:lvl3pPr>
-            <a:lvl4pPr algn="l" rtl="0" eaLnBrk="0" fontAlgn="base" hangingPunct="0">
-              <a:spcBef>
-                <a:spcPct val="0"/>
-              </a:spcBef>
-              <a:spcAft>
-                <a:spcPct val="0"/>
-              </a:spcAft>
-              <a:defRPr sz="2400" b="1">
-                <a:solidFill>
-                  <a:schemeClr val="dk1"/>
-                </a:solidFill>
-                <a:latin typeface="+mn-lt"/>
-                <a:ea typeface="+mn-ea"/>
-                <a:cs typeface="+mn-cs"/>
-              </a:defRPr>
-            </a:lvl4pPr>
-            <a:lvl5pPr algn="l" rtl="0" eaLnBrk="0" fontAlgn="base" hangingPunct="0">
-              <a:spcBef>
-                <a:spcPct val="0"/>
-              </a:spcBef>
-              <a:spcAft>
-                <a:spcPct val="0"/>
-              </a:spcAft>
-              <a:defRPr sz="2400" b="1">
-                <a:solidFill>
-                  <a:schemeClr val="dk1"/>
-                </a:solidFill>
-                <a:latin typeface="+mn-lt"/>
-                <a:ea typeface="+mn-ea"/>
-                <a:cs typeface="+mn-cs"/>
-              </a:defRPr>
-            </a:lvl5pPr>
-            <a:lvl6pPr marL="457200" algn="l" rtl="0" eaLnBrk="1" fontAlgn="base" hangingPunct="1">
-              <a:spcBef>
-                <a:spcPct val="0"/>
-              </a:spcBef>
-              <a:spcAft>
-                <a:spcPct val="0"/>
-              </a:spcAft>
-              <a:defRPr sz="2400" b="1">
-                <a:solidFill>
-                  <a:schemeClr val="dk1"/>
-                </a:solidFill>
-                <a:latin typeface="+mn-lt"/>
-                <a:ea typeface="+mn-ea"/>
-                <a:cs typeface="+mn-cs"/>
-              </a:defRPr>
-            </a:lvl6pPr>
-            <a:lvl7pPr marL="914400" algn="l" rtl="0" eaLnBrk="1" fontAlgn="base" hangingPunct="1">
-              <a:spcBef>
-                <a:spcPct val="0"/>
-              </a:spcBef>
-              <a:spcAft>
-                <a:spcPct val="0"/>
-              </a:spcAft>
-              <a:defRPr sz="2400" b="1">
-                <a:solidFill>
-                  <a:schemeClr val="dk1"/>
-                </a:solidFill>
-                <a:latin typeface="+mn-lt"/>
-                <a:ea typeface="+mn-ea"/>
-                <a:cs typeface="+mn-cs"/>
-              </a:defRPr>
-            </a:lvl7pPr>
-            <a:lvl8pPr marL="1371600" algn="l" rtl="0" eaLnBrk="1" fontAlgn="base" hangingPunct="1">
-              <a:spcBef>
-                <a:spcPct val="0"/>
-              </a:spcBef>
-              <a:spcAft>
-                <a:spcPct val="0"/>
-              </a:spcAft>
-              <a:defRPr sz="2400" b="1">
-                <a:solidFill>
-                  <a:schemeClr val="dk1"/>
-                </a:solidFill>
-                <a:latin typeface="+mn-lt"/>
-                <a:ea typeface="+mn-ea"/>
-                <a:cs typeface="+mn-cs"/>
-              </a:defRPr>
-            </a:lvl8pPr>
-            <a:lvl9pPr marL="1828800" algn="l" rtl="0" eaLnBrk="1" fontAlgn="base" hangingPunct="1">
-              <a:spcBef>
-                <a:spcPct val="0"/>
-              </a:spcBef>
-              <a:spcAft>
-                <a:spcPct val="0"/>
-              </a:spcAft>
-              <a:defRPr sz="2400" b="1">
-                <a:solidFill>
-                  <a:schemeClr val="dk1"/>
-                </a:solidFill>
-                <a:latin typeface="+mn-lt"/>
-                <a:ea typeface="+mn-ea"/>
-                <a:cs typeface="+mn-cs"/>
-              </a:defRPr>
-            </a:lvl9pPr>
-          </a:lstStyle>
-          <a:p>
-            <a:pPr algn="ctr"/>
-            <a:r>
-              <a:rPr lang="it-IT" altLang="it-IT" kern="0" dirty="0">
-                <a:latin typeface="Calibri" panose="020F0502020204030204" pitchFamily="34" charset="0"/>
-                <a:ea typeface="ＭＳ Ｐゴシック" panose="020B0600070205080204" pitchFamily="34" charset="-128"/>
-              </a:rPr>
-              <a:t>INTRODUCTION</a:t>
-            </a:r>
-          </a:p>
-        </p:txBody>
-      </p:sp>
-      <p:sp>
-        <p:nvSpPr>
-          <p:cNvPr id="10" name="Rettangolo 9">
-            <a:extLst>
-              <a:ext uri="{FF2B5EF4-FFF2-40B4-BE49-F238E27FC236}">
-                <a16:creationId xmlns:a16="http://schemas.microsoft.com/office/drawing/2014/main" id="{31D3E094-59FA-DA3E-B010-C99084F3614D}"/>
-              </a:ext>
-            </a:extLst>
-          </p:cNvPr>
-          <p:cNvSpPr/>
-          <p:nvPr/>
-        </p:nvSpPr>
-        <p:spPr bwMode="auto">
-          <a:xfrm>
-            <a:off x="1691680" y="4509120"/>
-            <a:ext cx="432048" cy="792088"/>
-          </a:xfrm>
-          <a:prstGeom prst="rect">
-            <a:avLst/>
-          </a:prstGeom>
-          <a:noFill/>
-          <a:ln>
-            <a:noFill/>
-          </a:ln>
-          <a:effectLst/>
-          <a:extLst>
-            <a:ext uri="{909E8E84-426E-40dd-AFC4-6F175D3DCCD1}">
-              <a14:hiddenFill xmlns:a14="http://schemas.microsoft.com/office/drawing/2010/main" xmlns="">
-                <a:solidFill>
-                  <a:schemeClr val="accent1"/>
-                </a:solidFill>
-              </a14:hiddenFill>
-            </a:ext>
-            <a:ext uri="{91240B29-F687-4f45-9708-019B960494DF}">
-              <a14:hiddenLine xmlns:a14="http://schemas.microsoft.com/office/drawing/2010/main" xmlns="" w="9525" cap="flat" cmpd="sng" algn="ctr">
-                <a:solidFill>
-                  <a:schemeClr val="tx1"/>
-                </a:solidFill>
-                <a:prstDash val="solid"/>
-                <a:round/>
-                <a:headEnd type="none" w="med" len="med"/>
-                <a:tailEnd type="none" w="med" len="med"/>
-              </a14:hiddenLine>
-            </a:ext>
-            <a:ext uri="{AF507438-7753-43e0-B8FC-AC1667EBCBE1}">
-              <a14:hiddenEffects xmlns:a14="http://schemas.microsoft.com/office/drawing/2010/main" xmlns="">
-                <a:effectLst>
-                  <a:outerShdw blurRad="63500" dist="38099" dir="2700000" algn="ctr" rotWithShape="0">
-                    <a:srgbClr val="000000">
-                      <a:alpha val="74998"/>
-                    </a:srgbClr>
-                  </a:outerShdw>
-                </a:effectLst>
-              </a14:hiddenEffects>
-            </a:ext>
-          </a:extLst>
-        </p:spPr>
-        <p:txBody>
-          <a:bodyPr vert="horz" wrap="square" lIns="91440" tIns="45720" rIns="91440" bIns="45720" numCol="1" rtlCol="0" anchor="t" anchorCtr="0" compatLnSpc="1">
-            <a:prstTxWarp prst="textNoShape">
-              <a:avLst/>
-            </a:prstTxWarp>
-          </a:bodyPr>
-          <a:lstStyle/>
-          <a:p>
-            <a:pPr marL="0" marR="0" indent="0" algn="l" defTabSz="914400" rtl="0" eaLnBrk="0" fontAlgn="base" latinLnBrk="0" hangingPunct="0">
-              <a:lnSpc>
-                <a:spcPct val="100000"/>
-              </a:lnSpc>
-              <a:spcBef>
-                <a:spcPct val="0"/>
-              </a:spcBef>
-              <a:spcAft>
-                <a:spcPct val="0"/>
-              </a:spcAft>
-              <a:buClrTx/>
-              <a:buSzTx/>
-              <a:buFontTx/>
-              <a:buNone/>
-              <a:tabLst/>
-            </a:pPr>
-            <a:endParaRPr kumimoji="0" lang="en-US" sz="2400" b="0" i="0" u="none" strike="noStrike" cap="none" normalizeH="0" baseline="0">
-              <a:ln>
-                <a:noFill/>
-              </a:ln>
-              <a:solidFill>
-                <a:srgbClr val="000000"/>
-              </a:solidFill>
-              <a:effectLst/>
-              <a:latin typeface="Arial" charset="0"/>
-              <a:ea typeface="ＭＳ Ｐゴシック" charset="0"/>
-              <a:cs typeface="ＭＳ Ｐゴシック" charset="0"/>
-            </a:endParaRPr>
-          </a:p>
-        </p:txBody>
-      </p:sp>
-      <p:grpSp>
-        <p:nvGrpSpPr>
-          <p:cNvPr id="11" name="Gruppo 10">
-            <a:extLst>
-              <a:ext uri="{FF2B5EF4-FFF2-40B4-BE49-F238E27FC236}">
-                <a16:creationId xmlns:a16="http://schemas.microsoft.com/office/drawing/2014/main" id="{8E0670A6-12A4-C0B6-65DB-7CCA37828077}"/>
-              </a:ext>
-            </a:extLst>
-          </p:cNvPr>
-          <p:cNvGrpSpPr/>
-          <p:nvPr/>
-        </p:nvGrpSpPr>
-        <p:grpSpPr>
-          <a:xfrm>
-            <a:off x="2339752" y="4077072"/>
-            <a:ext cx="4680520" cy="1715983"/>
-            <a:chOff x="2240155" y="3937036"/>
-            <a:chExt cx="5212165" cy="1944216"/>
-          </a:xfrm>
-        </p:grpSpPr>
-        <p:pic>
-          <p:nvPicPr>
-            <p:cNvPr id="4" name="Immagine 3" descr="Immagine che contiene nero, oscurità&#10;&#10;Descrizione generata automaticamente">
-              <a:extLst>
-                <a:ext uri="{FF2B5EF4-FFF2-40B4-BE49-F238E27FC236}">
-                  <a16:creationId xmlns:a16="http://schemas.microsoft.com/office/drawing/2014/main" id="{AEB7303B-619F-345A-89A1-7D942FF68AF1}"/>
-                </a:ext>
-              </a:extLst>
-            </p:cNvPr>
-            <p:cNvPicPr>
-              <a:picLocks noChangeAspect="1"/>
-            </p:cNvPicPr>
-            <p:nvPr/>
-          </p:nvPicPr>
-          <p:blipFill rotWithShape="1">
-            <a:blip r:embed="rId3"/>
-            <a:srcRect l="21650" t="12200" r="16526" b="27951"/>
-            <a:stretch/>
-          </p:blipFill>
-          <p:spPr>
-            <a:xfrm>
-              <a:off x="5443975" y="3937036"/>
-              <a:ext cx="2008345" cy="1944216"/>
-            </a:xfrm>
-            <a:prstGeom prst="rect">
-              <a:avLst/>
-            </a:prstGeom>
-          </p:spPr>
-        </p:pic>
-        <p:pic>
-          <p:nvPicPr>
-            <p:cNvPr id="6" name="Immagine 5" descr="Immagine che contiene nero, oscurità&#10;&#10;Descrizione generata automaticamente">
-              <a:extLst>
-                <a:ext uri="{FF2B5EF4-FFF2-40B4-BE49-F238E27FC236}">
-                  <a16:creationId xmlns:a16="http://schemas.microsoft.com/office/drawing/2014/main" id="{DE8236EA-3CA7-44A5-0621-7CC14C7EC284}"/>
-                </a:ext>
-              </a:extLst>
-            </p:cNvPr>
-            <p:cNvPicPr>
-              <a:picLocks noChangeAspect="1"/>
-            </p:cNvPicPr>
-            <p:nvPr/>
-          </p:nvPicPr>
-          <p:blipFill>
-            <a:blip r:embed="rId4"/>
-            <a:stretch>
-              <a:fillRect/>
-            </a:stretch>
-          </p:blipFill>
-          <p:spPr>
-            <a:xfrm>
-              <a:off x="2240155" y="3987011"/>
-              <a:ext cx="1836305" cy="1836305"/>
-            </a:xfrm>
-            <a:prstGeom prst="rect">
-              <a:avLst/>
-            </a:prstGeom>
-          </p:spPr>
-        </p:pic>
-        <p:sp>
-          <p:nvSpPr>
-            <p:cNvPr id="7" name="Croce 6">
-              <a:extLst>
-                <a:ext uri="{FF2B5EF4-FFF2-40B4-BE49-F238E27FC236}">
-                  <a16:creationId xmlns:a16="http://schemas.microsoft.com/office/drawing/2014/main" id="{F613DBEA-FEBA-4AC1-0DC6-2A29BB66EE0F}"/>
-                </a:ext>
-              </a:extLst>
-            </p:cNvPr>
-            <p:cNvSpPr/>
-            <p:nvPr/>
-          </p:nvSpPr>
-          <p:spPr bwMode="auto">
-            <a:xfrm>
-              <a:off x="4244834" y="4588104"/>
-              <a:ext cx="758223" cy="742029"/>
-            </a:xfrm>
-            <a:prstGeom prst="plus">
-              <a:avLst>
-                <a:gd name="adj" fmla="val 40164"/>
-              </a:avLst>
-            </a:prstGeom>
-            <a:solidFill>
-              <a:schemeClr val="tx1"/>
-            </a:solidFill>
-            <a:ln>
-              <a:solidFill>
-                <a:schemeClr val="tx2"/>
-              </a:solidFill>
-            </a:ln>
-            <a:effectLst/>
-            <a:extLst>
-              <a:ext uri="{909E8E84-426E-40dd-AFC4-6F175D3DCCD1}">
-                <a14:hiddenFill xmlns:a14="http://schemas.microsoft.com/office/drawing/2010/main" xmlns="">
-                  <a:solidFill>
-                    <a:schemeClr val="accent1"/>
-                  </a:solidFill>
-                </a14:hiddenFill>
-              </a:ext>
-              <a:ext uri="{91240B29-F687-4f45-9708-019B960494DF}">
-                <a14:hiddenLine xmlns:a14="http://schemas.microsoft.com/office/drawing/2010/main" xmlns="" w="9525" cap="flat" cmpd="sng" algn="ctr">
-                  <a:solidFill>
-                    <a:schemeClr val="tx1"/>
-                  </a:solidFill>
-                  <a:prstDash val="solid"/>
-                  <a:round/>
-                  <a:headEnd type="none" w="med" len="med"/>
-                  <a:tailEnd type="none" w="med" len="med"/>
-                </a14:hiddenLine>
-              </a:ext>
-              <a:ext uri="{AF507438-7753-43e0-B8FC-AC1667EBCBE1}">
-                <a14:hiddenEffects xmlns:a14="http://schemas.microsoft.com/office/drawing/2010/main" xmlns="">
-                  <a:effectLst>
-                    <a:outerShdw blurRad="63500" dist="38099" dir="2700000" algn="ctr" rotWithShape="0">
-                      <a:srgbClr val="000000">
-                        <a:alpha val="74998"/>
-                      </a:srgbClr>
-                    </a:outerShdw>
-                  </a:effectLst>
-                </a14:hiddenEffects>
-              </a:ext>
-            </a:extLst>
-          </p:spPr>
-          <p:txBody>
-            <a:bodyPr vert="horz" wrap="square" lIns="91440" tIns="45720" rIns="91440" bIns="45720" numCol="1" rtlCol="0" anchor="t" anchorCtr="0" compatLnSpc="1">
-              <a:prstTxWarp prst="textNoShape">
-                <a:avLst/>
-              </a:prstTxWarp>
-            </a:bodyPr>
-            <a:lstStyle/>
-            <a:p>
-              <a:pPr marL="0" marR="0" indent="0" algn="l" defTabSz="914400" rtl="0" eaLnBrk="0" fontAlgn="base" latinLnBrk="0" hangingPunct="0">
-                <a:lnSpc>
-                  <a:spcPct val="100000"/>
-                </a:lnSpc>
-                <a:spcBef>
-                  <a:spcPct val="0"/>
-                </a:spcBef>
-                <a:spcAft>
-                  <a:spcPct val="0"/>
-                </a:spcAft>
-                <a:buClrTx/>
-                <a:buSzTx/>
-                <a:buFontTx/>
-                <a:buNone/>
-                <a:tabLst/>
-              </a:pPr>
-              <a:endParaRPr kumimoji="0" lang="en-US" sz="2400" b="0" i="0" u="none" strike="noStrike" cap="none" normalizeH="0" baseline="0" dirty="0">
-                <a:ln>
-                  <a:noFill/>
-                </a:ln>
-                <a:solidFill>
-                  <a:srgbClr val="000000"/>
-                </a:solidFill>
-                <a:effectLst/>
-                <a:latin typeface="Arial" charset="0"/>
-                <a:ea typeface="ＭＳ Ｐゴシック" charset="0"/>
-                <a:cs typeface="ＭＳ Ｐゴシック" charset="0"/>
-              </a:endParaRPr>
-            </a:p>
-          </p:txBody>
-        </p:sp>
-      </p:grpSp>
-      <p:sp>
-        <p:nvSpPr>
-          <p:cNvPr id="12" name="CasellaDiTesto 11">
-            <a:extLst>
-              <a:ext uri="{FF2B5EF4-FFF2-40B4-BE49-F238E27FC236}">
-                <a16:creationId xmlns:a16="http://schemas.microsoft.com/office/drawing/2014/main" id="{1F7C9702-C51A-487C-3A5E-4C6EBB284503}"/>
-              </a:ext>
-            </a:extLst>
-          </p:cNvPr>
-          <p:cNvSpPr txBox="1"/>
-          <p:nvPr/>
-        </p:nvSpPr>
-        <p:spPr>
-          <a:xfrm>
-            <a:off x="415707" y="1186298"/>
-            <a:ext cx="8312587" cy="2646878"/>
-          </a:xfrm>
-          <a:prstGeom prst="rect">
-            <a:avLst/>
-          </a:prstGeom>
-          <a:noFill/>
-        </p:spPr>
-        <p:txBody>
-          <a:bodyPr wrap="square" rtlCol="0">
-            <a:spAutoFit/>
-          </a:bodyPr>
-          <a:lstStyle/>
-          <a:p>
-            <a:pPr marL="342900" indent="-342900">
-              <a:buClr>
-                <a:schemeClr val="tx1"/>
-              </a:buClr>
-              <a:buFont typeface="Arial" panose="020B0604020202020204" pitchFamily="34" charset="0"/>
-              <a:buChar char="•"/>
-            </a:pPr>
-            <a:r>
-              <a:rPr lang="en-US" sz="2000" dirty="0">
-                <a:solidFill>
-                  <a:srgbClr val="000000"/>
-                </a:solidFill>
-              </a:rPr>
-              <a:t>Robot dynamic model</a:t>
-            </a:r>
-          </a:p>
-          <a:p>
-            <a:pPr marL="800100" lvl="1" indent="-342900">
-              <a:buClr>
-                <a:schemeClr val="tx1"/>
-              </a:buClr>
-              <a:buFont typeface="Wingdings" panose="05000000000000000000" pitchFamily="2" charset="2"/>
-              <a:buChar char="§"/>
-            </a:pPr>
-            <a:r>
-              <a:rPr lang="en-US" sz="2000" dirty="0">
-                <a:solidFill>
-                  <a:srgbClr val="000000"/>
-                </a:solidFill>
-              </a:rPr>
-              <a:t>Relationship between applied forces and motion</a:t>
-            </a:r>
-          </a:p>
-          <a:p>
-            <a:pPr marL="800100" lvl="1" indent="-342900">
-              <a:buClr>
-                <a:schemeClr val="tx1"/>
-              </a:buClr>
-              <a:buFont typeface="Wingdings" panose="05000000000000000000" pitchFamily="2" charset="2"/>
-              <a:buChar char="§"/>
-            </a:pPr>
-            <a:r>
-              <a:rPr lang="en-US" sz="2000" dirty="0">
-                <a:solidFill>
-                  <a:srgbClr val="000000"/>
-                </a:solidFill>
-              </a:rPr>
-              <a:t>D’Alembert, Hamilton</a:t>
-            </a:r>
-          </a:p>
-          <a:p>
-            <a:pPr marL="800100" lvl="1" indent="-342900">
-              <a:buFont typeface="Wingdings" panose="05000000000000000000" pitchFamily="2" charset="2"/>
-              <a:buChar char="§"/>
-            </a:pPr>
-            <a:endParaRPr lang="en-US" sz="1200" dirty="0">
-              <a:solidFill>
-                <a:srgbClr val="000000"/>
-              </a:solidFill>
-            </a:endParaRPr>
-          </a:p>
-          <a:p>
-            <a:pPr marL="342900" indent="-342900">
-              <a:buClr>
-                <a:schemeClr val="tx1"/>
-              </a:buClr>
-              <a:buFont typeface="Arial" panose="020B0604020202020204" pitchFamily="34" charset="0"/>
-              <a:buChar char="•"/>
-            </a:pPr>
-            <a:r>
-              <a:rPr lang="en-US" sz="2000" dirty="0">
-                <a:solidFill>
-                  <a:srgbClr val="000000"/>
-                </a:solidFill>
-              </a:rPr>
-              <a:t>Euler-Lagrange equations</a:t>
-            </a:r>
-          </a:p>
-          <a:p>
-            <a:pPr marL="800100" lvl="1" indent="-342900">
-              <a:buClr>
-                <a:schemeClr val="tx1"/>
-              </a:buClr>
-              <a:buFont typeface="Wingdings" panose="05000000000000000000" pitchFamily="2" charset="2"/>
-              <a:buChar char="§"/>
-            </a:pPr>
-            <a:r>
-              <a:rPr lang="en-US" sz="2000" dirty="0">
-                <a:solidFill>
-                  <a:srgbClr val="000000"/>
-                </a:solidFill>
-              </a:rPr>
-              <a:t>Modeling and control</a:t>
-            </a:r>
-          </a:p>
-          <a:p>
-            <a:pPr marL="800100" lvl="1" indent="-342900">
-              <a:buClr>
-                <a:schemeClr val="tx1"/>
-              </a:buClr>
-              <a:buFont typeface="Wingdings" panose="05000000000000000000" pitchFamily="2" charset="2"/>
-              <a:buChar char="§"/>
-            </a:pPr>
-            <a:r>
-              <a:rPr lang="en-US" sz="2000" dirty="0">
-                <a:solidFill>
-                  <a:srgbClr val="000000"/>
-                </a:solidFill>
-              </a:rPr>
-              <a:t>Symbolic form equations of motions</a:t>
-            </a:r>
-          </a:p>
-          <a:p>
-            <a:pPr marL="800100" lvl="1" indent="-342900">
-              <a:buFont typeface="Wingdings" panose="05000000000000000000" pitchFamily="2" charset="2"/>
-              <a:buChar char="§"/>
-            </a:pPr>
-            <a:endParaRPr lang="en-US" sz="1400" dirty="0">
-              <a:solidFill>
-                <a:srgbClr val="000000"/>
-              </a:solidFill>
-            </a:endParaRPr>
-          </a:p>
-          <a:p>
-            <a:pPr marL="342900" indent="-342900">
-              <a:buClr>
-                <a:schemeClr val="tx1"/>
-              </a:buClr>
-              <a:buFont typeface="Arial" panose="020B0604020202020204" pitchFamily="34" charset="0"/>
-              <a:buChar char="•"/>
-            </a:pPr>
-            <a:r>
-              <a:rPr lang="en-US" sz="2000" dirty="0">
-                <a:solidFill>
-                  <a:srgbClr val="000000"/>
-                </a:solidFill>
-              </a:rPr>
-              <a:t>Modeling systems           Neural networks           </a:t>
-            </a:r>
-            <a:r>
-              <a:rPr lang="en-US" sz="2000" dirty="0" err="1">
-                <a:solidFill>
-                  <a:srgbClr val="000000"/>
-                </a:solidFill>
-              </a:rPr>
-              <a:t>Lagrangian</a:t>
-            </a:r>
-            <a:r>
-              <a:rPr lang="en-US" sz="2000" dirty="0">
-                <a:solidFill>
-                  <a:srgbClr val="000000"/>
-                </a:solidFill>
-              </a:rPr>
-              <a:t> NN</a:t>
-            </a:r>
-          </a:p>
-        </p:txBody>
-      </p:sp>
-      <p:cxnSp>
-        <p:nvCxnSpPr>
-          <p:cNvPr id="14" name="Connettore 2 13">
-            <a:extLst>
-              <a:ext uri="{FF2B5EF4-FFF2-40B4-BE49-F238E27FC236}">
-                <a16:creationId xmlns:a16="http://schemas.microsoft.com/office/drawing/2014/main" id="{42EB4C38-71FE-841B-4801-299F44FBD143}"/>
-              </a:ext>
-            </a:extLst>
-          </p:cNvPr>
-          <p:cNvCxnSpPr>
-            <a:cxnSpLocks/>
-          </p:cNvCxnSpPr>
-          <p:nvPr/>
-        </p:nvCxnSpPr>
-        <p:spPr bwMode="auto">
-          <a:xfrm>
-            <a:off x="3059739" y="3626736"/>
-            <a:ext cx="476717" cy="0"/>
-          </a:xfrm>
-          <a:prstGeom prst="straightConnector1">
-            <a:avLst/>
-          </a:prstGeom>
-          <a:ln w="76200">
-            <a:tailEnd type="triangle"/>
-          </a:ln>
-          <a:extLst>
-            <a:ext uri="{909E8E84-426E-40dd-AFC4-6F175D3DCCD1}">
-              <a14:hiddenFill xmlns:a14="http://schemas.microsoft.com/office/drawing/2010/main" xmlns="">
-                <a:solidFill>
-                  <a:schemeClr val="accent1"/>
-                </a:solidFill>
-              </a14:hiddenFill>
-            </a:ext>
-            <a:ext uri="{91240B29-F687-4f45-9708-019B960494DF}">
-              <a14:hiddenLine xmlns:a14="http://schemas.microsoft.com/office/drawing/2010/main" xmlns="" w="9525" cap="flat" cmpd="sng" algn="ctr">
-                <a:solidFill>
-                  <a:schemeClr val="tx1"/>
-                </a:solidFill>
-                <a:prstDash val="solid"/>
-                <a:round/>
-                <a:headEnd type="none" w="med" len="med"/>
-                <a:tailEnd type="none" w="med" len="med"/>
-              </a14:hiddenLine>
-            </a:ext>
-            <a:ext uri="{AF507438-7753-43e0-B8FC-AC1667EBCBE1}">
-              <a14:hiddenEffects xmlns:a14="http://schemas.microsoft.com/office/drawing/2010/main" xmlns="">
-                <a:effectLst>
-                  <a:outerShdw blurRad="63500" dist="38099" dir="2700000" algn="ctr" rotWithShape="0">
-                    <a:srgbClr val="000000">
-                      <a:alpha val="74998"/>
-                    </a:srgbClr>
-                  </a:outerShdw>
-                </a:effectLst>
-              </a14:hiddenEffects>
-            </a:ext>
-          </a:extLst>
-        </p:spPr>
-        <p:style>
-          <a:lnRef idx="1">
-            <a:schemeClr val="dk1"/>
-          </a:lnRef>
-          <a:fillRef idx="0">
-            <a:schemeClr val="dk1"/>
-          </a:fillRef>
-          <a:effectRef idx="0">
-            <a:schemeClr val="dk1"/>
-          </a:effectRef>
-          <a:fontRef idx="minor">
-            <a:schemeClr val="tx1"/>
-          </a:fontRef>
-        </p:style>
-      </p:cxnSp>
-      <p:cxnSp>
-        <p:nvCxnSpPr>
-          <p:cNvPr id="17" name="Connettore 2 16">
-            <a:extLst>
-              <a:ext uri="{FF2B5EF4-FFF2-40B4-BE49-F238E27FC236}">
-                <a16:creationId xmlns:a16="http://schemas.microsoft.com/office/drawing/2014/main" id="{D3F45EC4-2C42-2CF8-9961-F917147F485F}"/>
-              </a:ext>
-            </a:extLst>
-          </p:cNvPr>
-          <p:cNvCxnSpPr>
-            <a:cxnSpLocks/>
-          </p:cNvCxnSpPr>
-          <p:nvPr/>
-        </p:nvCxnSpPr>
-        <p:spPr bwMode="auto">
-          <a:xfrm>
-            <a:off x="5652120" y="3626736"/>
-            <a:ext cx="476717" cy="0"/>
-          </a:xfrm>
-          <a:prstGeom prst="straightConnector1">
-            <a:avLst/>
-          </a:prstGeom>
-          <a:ln w="76200">
-            <a:tailEnd type="triangle"/>
-          </a:ln>
-          <a:extLst>
-            <a:ext uri="{909E8E84-426E-40dd-AFC4-6F175D3DCCD1}">
-              <a14:hiddenFill xmlns:a14="http://schemas.microsoft.com/office/drawing/2010/main" xmlns="">
-                <a:solidFill>
-                  <a:schemeClr val="accent1"/>
-                </a:solidFill>
-              </a14:hiddenFill>
-            </a:ext>
-            <a:ext uri="{91240B29-F687-4f45-9708-019B960494DF}">
-              <a14:hiddenLine xmlns:a14="http://schemas.microsoft.com/office/drawing/2010/main" xmlns="" w="9525" cap="flat" cmpd="sng" algn="ctr">
-                <a:solidFill>
-                  <a:schemeClr val="tx1"/>
-                </a:solidFill>
-                <a:prstDash val="solid"/>
-                <a:round/>
-                <a:headEnd type="none" w="med" len="med"/>
-                <a:tailEnd type="none" w="med" len="med"/>
-              </a14:hiddenLine>
-            </a:ext>
-            <a:ext uri="{AF507438-7753-43e0-B8FC-AC1667EBCBE1}">
-              <a14:hiddenEffects xmlns:a14="http://schemas.microsoft.com/office/drawing/2010/main" xmlns="">
-                <a:effectLst>
-                  <a:outerShdw blurRad="63500" dist="38099" dir="2700000" algn="ctr" rotWithShape="0">
-                    <a:srgbClr val="000000">
-                      <a:alpha val="74998"/>
-                    </a:srgbClr>
-                  </a:outerShdw>
-                </a:effectLst>
-              </a14:hiddenEffects>
-            </a:ext>
-          </a:extLst>
-        </p:spPr>
-        <p:style>
-          <a:lnRef idx="1">
-            <a:schemeClr val="dk1"/>
-          </a:lnRef>
-          <a:fillRef idx="0">
-            <a:schemeClr val="dk1"/>
-          </a:fillRef>
-          <a:effectRef idx="0">
-            <a:schemeClr val="dk1"/>
-          </a:effectRef>
-          <a:fontRef idx="minor">
-            <a:schemeClr val="tx1"/>
-          </a:fontRef>
-        </p:style>
-      </p:cxnSp>
-    </p:spTree>
-    <p:extLst>
-      <p:ext uri="{BB962C8B-B14F-4D97-AF65-F5344CB8AC3E}">
-        <p14:creationId xmlns:p14="http://schemas.microsoft.com/office/powerpoint/2010/main" val="1385446533"/>
-      </p:ext>
-    </p:extLst>
-  </p:cSld>
-  <p:clrMapOvr>
-    <a:masterClrMapping/>
-  </p:clrMapOvr>
-</p:sld>
-</file>
-
-<file path=ppt/slides/slide20.xml><?xml version="1.0" encoding="utf-8"?>
+<file path=ppt/slides/slide22.xml><?xml version="1.0" encoding="utf-8"?>
 <p:sld xmlns:a="http://schemas.openxmlformats.org/drawingml/2006/main" xmlns:r="http://schemas.openxmlformats.org/officeDocument/2006/relationships" xmlns:p="http://schemas.openxmlformats.org/presentationml/2006/main">
   <p:cSld>
     <p:spTree>
@@ -15377,7 +18542,7 @@
 </p:sld>
 </file>
 
-<file path=ppt/slides/slide21.xml><?xml version="1.0" encoding="utf-8"?>
+<file path=ppt/slides/slide23.xml><?xml version="1.0" encoding="utf-8"?>
 <p:sld xmlns:a="http://schemas.openxmlformats.org/drawingml/2006/main" xmlns:r="http://schemas.openxmlformats.org/officeDocument/2006/relationships" xmlns:p="http://schemas.openxmlformats.org/presentationml/2006/main">
   <p:cSld>
     <p:spTree>
@@ -16328,7 +19493,7 @@
 </p:sld>
 </file>
 
-<file path=ppt/slides/slide22.xml><?xml version="1.0" encoding="utf-8"?>
+<file path=ppt/slides/slide24.xml><?xml version="1.0" encoding="utf-8"?>
 <p:sld xmlns:a="http://schemas.openxmlformats.org/drawingml/2006/main" xmlns:r="http://schemas.openxmlformats.org/officeDocument/2006/relationships" xmlns:p="http://schemas.openxmlformats.org/presentationml/2006/main">
   <p:cSld>
     <p:spTree>
@@ -16840,7 +20005,7 @@
 </p:sld>
 </file>
 
-<file path=ppt/slides/slide23.xml><?xml version="1.0" encoding="utf-8"?>
+<file path=ppt/slides/slide25.xml><?xml version="1.0" encoding="utf-8"?>
 <p:sld xmlns:a="http://schemas.openxmlformats.org/drawingml/2006/main" xmlns:r="http://schemas.openxmlformats.org/officeDocument/2006/relationships" xmlns:p="http://schemas.openxmlformats.org/presentationml/2006/main">
   <p:cSld>
     <p:spTree>
@@ -17264,7 +20429,7 @@
 </p:sld>
 </file>
 
-<file path=ppt/slides/slide24.xml><?xml version="1.0" encoding="utf-8"?>
+<file path=ppt/slides/slide26.xml><?xml version="1.0" encoding="utf-8"?>
 <p:sld xmlns:a="http://schemas.openxmlformats.org/drawingml/2006/main" xmlns:r="http://schemas.openxmlformats.org/officeDocument/2006/relationships" xmlns:p="http://schemas.openxmlformats.org/presentationml/2006/main">
   <p:cSld>
     <p:spTree>
@@ -18215,7 +21380,7 @@
 </p:sld>
 </file>
 
-<file path=ppt/slides/slide25.xml><?xml version="1.0" encoding="utf-8"?>
+<file path=ppt/slides/slide27.xml><?xml version="1.0" encoding="utf-8"?>
 <p:sld xmlns:a="http://schemas.openxmlformats.org/drawingml/2006/main" xmlns:r="http://schemas.openxmlformats.org/officeDocument/2006/relationships" xmlns:p="http://schemas.openxmlformats.org/presentationml/2006/main">
   <p:cSld>
     <p:spTree>
@@ -18727,7 +21892,7 @@
 </p:sld>
 </file>
 
-<file path=ppt/slides/slide26.xml><?xml version="1.0" encoding="utf-8"?>
+<file path=ppt/slides/slide28.xml><?xml version="1.0" encoding="utf-8"?>
 <p:sld xmlns:a="http://schemas.openxmlformats.org/drawingml/2006/main" xmlns:r="http://schemas.openxmlformats.org/officeDocument/2006/relationships" xmlns:p="http://schemas.openxmlformats.org/presentationml/2006/main">
   <p:cSld>
     <p:spTree>
@@ -19151,7 +22316,7 @@
 </p:sld>
 </file>
 
-<file path=ppt/slides/slide27.xml><?xml version="1.0" encoding="utf-8"?>
+<file path=ppt/slides/slide29.xml><?xml version="1.0" encoding="utf-8"?>
 <p:sld xmlns:a="http://schemas.openxmlformats.org/drawingml/2006/main" xmlns:r="http://schemas.openxmlformats.org/officeDocument/2006/relationships" xmlns:p="http://schemas.openxmlformats.org/presentationml/2006/main">
   <p:cSld>
     <p:spTree>
@@ -20093,807 +23258,6 @@
     <p:extLst>
       <p:ext uri="{BB962C8B-B14F-4D97-AF65-F5344CB8AC3E}">
         <p14:creationId xmlns:p14="http://schemas.microsoft.com/office/powerpoint/2010/main" val="6224039"/>
-      </p:ext>
-    </p:extLst>
-  </p:cSld>
-  <p:clrMapOvr>
-    <a:masterClrMapping/>
-  </p:clrMapOvr>
-</p:sld>
-</file>
-
-<file path=ppt/slides/slide28.xml><?xml version="1.0" encoding="utf-8"?>
-<p:sld xmlns:a="http://schemas.openxmlformats.org/drawingml/2006/main" xmlns:r="http://schemas.openxmlformats.org/officeDocument/2006/relationships" xmlns:p="http://schemas.openxmlformats.org/presentationml/2006/main">
-  <p:cSld>
-    <p:spTree>
-      <p:nvGrpSpPr>
-        <p:cNvPr id="1" name=""/>
-        <p:cNvGrpSpPr/>
-        <p:nvPr/>
-      </p:nvGrpSpPr>
-      <p:grpSpPr>
-        <a:xfrm>
-          <a:off x="0" y="0"/>
-          <a:ext cx="0" cy="0"/>
-          <a:chOff x="0" y="0"/>
-          <a:chExt cx="0" cy="0"/>
-        </a:xfrm>
-      </p:grpSpPr>
-      <p:sp>
-        <p:nvSpPr>
-          <p:cNvPr id="2" name="Titolo 1">
-            <a:extLst>
-              <a:ext uri="{FF2B5EF4-FFF2-40B4-BE49-F238E27FC236}">
-                <a16:creationId xmlns:a16="http://schemas.microsoft.com/office/drawing/2014/main" id="{AFEFEAD0-5246-726C-3122-EF9AE58FAC80}"/>
-              </a:ext>
-            </a:extLst>
-          </p:cNvPr>
-          <p:cNvSpPr txBox="1">
-            <a:spLocks noChangeArrowheads="1"/>
-          </p:cNvSpPr>
-          <p:nvPr/>
-        </p:nvSpPr>
-        <p:spPr bwMode="auto">
-          <a:xfrm>
-            <a:off x="3015163" y="253099"/>
-            <a:ext cx="5724624" cy="482108"/>
-          </a:xfrm>
-          <a:prstGeom prst="rect">
-            <a:avLst/>
-          </a:prstGeom>
-          <a:ln w="9525" cap="flat" cmpd="sng" algn="ctr">
-            <a:solidFill>
-              <a:schemeClr val="dk1"/>
-            </a:solidFill>
-            <a:prstDash val="solid"/>
-            <a:round/>
-            <a:headEnd type="none" w="med" len="med"/>
-            <a:tailEnd type="none" w="med" len="med"/>
-          </a:ln>
-          <a:extLst>
-            <a:ext uri="{909E8E84-426E-40DD-AFC4-6F175D3DCCD1}">
-              <a14:hiddenFill xmlns:a14="http://schemas.microsoft.com/office/drawing/2010/main">
-                <a:solidFill>
-                  <a:schemeClr val="accent1"/>
-                </a:solidFill>
-              </a14:hiddenFill>
-            </a:ext>
-          </a:extLst>
-        </p:spPr>
-        <p:style>
-          <a:lnRef idx="0">
-            <a:scrgbClr r="0" g="0" b="0"/>
-          </a:lnRef>
-          <a:fillRef idx="0">
-            <a:scrgbClr r="0" g="0" b="0"/>
-          </a:fillRef>
-          <a:effectRef idx="0">
-            <a:scrgbClr r="0" g="0" b="0"/>
-          </a:effectRef>
-          <a:fontRef idx="minor">
-            <a:schemeClr val="dk1"/>
-          </a:fontRef>
-        </p:style>
-        <p:txBody>
-          <a:bodyPr vert="horz" wrap="square" lIns="91440" tIns="45720" rIns="91440" bIns="45720" numCol="1" anchor="ctr" anchorCtr="0" compatLnSpc="1">
-            <a:prstTxWarp prst="textNoShape">
-              <a:avLst/>
-            </a:prstTxWarp>
-          </a:bodyPr>
-          <a:lstStyle>
-            <a:lvl1pPr algn="l" rtl="0" eaLnBrk="0" fontAlgn="base" hangingPunct="0">
-              <a:spcBef>
-                <a:spcPct val="0"/>
-              </a:spcBef>
-              <a:spcAft>
-                <a:spcPct val="0"/>
-              </a:spcAft>
-              <a:defRPr sz="2400" b="1">
-                <a:solidFill>
-                  <a:schemeClr val="dk1"/>
-                </a:solidFill>
-                <a:latin typeface="+mn-lt"/>
-                <a:ea typeface="+mn-ea"/>
-                <a:cs typeface="+mn-cs"/>
-              </a:defRPr>
-            </a:lvl1pPr>
-            <a:lvl2pPr algn="l" rtl="0" eaLnBrk="0" fontAlgn="base" hangingPunct="0">
-              <a:spcBef>
-                <a:spcPct val="0"/>
-              </a:spcBef>
-              <a:spcAft>
-                <a:spcPct val="0"/>
-              </a:spcAft>
-              <a:defRPr sz="2400" b="1">
-                <a:solidFill>
-                  <a:schemeClr val="dk1"/>
-                </a:solidFill>
-                <a:latin typeface="+mn-lt"/>
-                <a:ea typeface="+mn-ea"/>
-                <a:cs typeface="+mn-cs"/>
-              </a:defRPr>
-            </a:lvl2pPr>
-            <a:lvl3pPr algn="l" rtl="0" eaLnBrk="0" fontAlgn="base" hangingPunct="0">
-              <a:spcBef>
-                <a:spcPct val="0"/>
-              </a:spcBef>
-              <a:spcAft>
-                <a:spcPct val="0"/>
-              </a:spcAft>
-              <a:defRPr sz="2400" b="1">
-                <a:solidFill>
-                  <a:schemeClr val="dk1"/>
-                </a:solidFill>
-                <a:latin typeface="+mn-lt"/>
-                <a:ea typeface="+mn-ea"/>
-                <a:cs typeface="+mn-cs"/>
-              </a:defRPr>
-            </a:lvl3pPr>
-            <a:lvl4pPr algn="l" rtl="0" eaLnBrk="0" fontAlgn="base" hangingPunct="0">
-              <a:spcBef>
-                <a:spcPct val="0"/>
-              </a:spcBef>
-              <a:spcAft>
-                <a:spcPct val="0"/>
-              </a:spcAft>
-              <a:defRPr sz="2400" b="1">
-                <a:solidFill>
-                  <a:schemeClr val="dk1"/>
-                </a:solidFill>
-                <a:latin typeface="+mn-lt"/>
-                <a:ea typeface="+mn-ea"/>
-                <a:cs typeface="+mn-cs"/>
-              </a:defRPr>
-            </a:lvl4pPr>
-            <a:lvl5pPr algn="l" rtl="0" eaLnBrk="0" fontAlgn="base" hangingPunct="0">
-              <a:spcBef>
-                <a:spcPct val="0"/>
-              </a:spcBef>
-              <a:spcAft>
-                <a:spcPct val="0"/>
-              </a:spcAft>
-              <a:defRPr sz="2400" b="1">
-                <a:solidFill>
-                  <a:schemeClr val="dk1"/>
-                </a:solidFill>
-                <a:latin typeface="+mn-lt"/>
-                <a:ea typeface="+mn-ea"/>
-                <a:cs typeface="+mn-cs"/>
-              </a:defRPr>
-            </a:lvl5pPr>
-            <a:lvl6pPr marL="457200" algn="l" rtl="0" eaLnBrk="1" fontAlgn="base" hangingPunct="1">
-              <a:spcBef>
-                <a:spcPct val="0"/>
-              </a:spcBef>
-              <a:spcAft>
-                <a:spcPct val="0"/>
-              </a:spcAft>
-              <a:defRPr sz="2400" b="1">
-                <a:solidFill>
-                  <a:schemeClr val="dk1"/>
-                </a:solidFill>
-                <a:latin typeface="+mn-lt"/>
-                <a:ea typeface="+mn-ea"/>
-                <a:cs typeface="+mn-cs"/>
-              </a:defRPr>
-            </a:lvl6pPr>
-            <a:lvl7pPr marL="914400" algn="l" rtl="0" eaLnBrk="1" fontAlgn="base" hangingPunct="1">
-              <a:spcBef>
-                <a:spcPct val="0"/>
-              </a:spcBef>
-              <a:spcAft>
-                <a:spcPct val="0"/>
-              </a:spcAft>
-              <a:defRPr sz="2400" b="1">
-                <a:solidFill>
-                  <a:schemeClr val="dk1"/>
-                </a:solidFill>
-                <a:latin typeface="+mn-lt"/>
-                <a:ea typeface="+mn-ea"/>
-                <a:cs typeface="+mn-cs"/>
-              </a:defRPr>
-            </a:lvl7pPr>
-            <a:lvl8pPr marL="1371600" algn="l" rtl="0" eaLnBrk="1" fontAlgn="base" hangingPunct="1">
-              <a:spcBef>
-                <a:spcPct val="0"/>
-              </a:spcBef>
-              <a:spcAft>
-                <a:spcPct val="0"/>
-              </a:spcAft>
-              <a:defRPr sz="2400" b="1">
-                <a:solidFill>
-                  <a:schemeClr val="dk1"/>
-                </a:solidFill>
-                <a:latin typeface="+mn-lt"/>
-                <a:ea typeface="+mn-ea"/>
-                <a:cs typeface="+mn-cs"/>
-              </a:defRPr>
-            </a:lvl8pPr>
-            <a:lvl9pPr marL="1828800" algn="l" rtl="0" eaLnBrk="1" fontAlgn="base" hangingPunct="1">
-              <a:spcBef>
-                <a:spcPct val="0"/>
-              </a:spcBef>
-              <a:spcAft>
-                <a:spcPct val="0"/>
-              </a:spcAft>
-              <a:defRPr sz="2400" b="1">
-                <a:solidFill>
-                  <a:schemeClr val="dk1"/>
-                </a:solidFill>
-                <a:latin typeface="+mn-lt"/>
-                <a:ea typeface="+mn-ea"/>
-                <a:cs typeface="+mn-cs"/>
-              </a:defRPr>
-            </a:lvl9pPr>
-          </a:lstStyle>
-          <a:p>
-            <a:pPr algn="ctr"/>
-            <a:r>
-              <a:rPr lang="it-IT" altLang="it-IT" kern="0" dirty="0">
-                <a:latin typeface="Calibri" panose="020F0502020204030204" pitchFamily="34" charset="0"/>
-                <a:ea typeface="ＭＳ Ｐゴシック" panose="020B0600070205080204" pitchFamily="34" charset="-128"/>
-              </a:rPr>
-              <a:t>CONCLUSIONS</a:t>
-            </a:r>
-          </a:p>
-        </p:txBody>
-      </p:sp>
-      <p:sp>
-        <p:nvSpPr>
-          <p:cNvPr id="10" name="Rettangolo 9">
-            <a:extLst>
-              <a:ext uri="{FF2B5EF4-FFF2-40B4-BE49-F238E27FC236}">
-                <a16:creationId xmlns:a16="http://schemas.microsoft.com/office/drawing/2014/main" id="{31D3E094-59FA-DA3E-B010-C99084F3614D}"/>
-              </a:ext>
-            </a:extLst>
-          </p:cNvPr>
-          <p:cNvSpPr/>
-          <p:nvPr/>
-        </p:nvSpPr>
-        <p:spPr bwMode="auto">
-          <a:xfrm>
-            <a:off x="1691680" y="4509120"/>
-            <a:ext cx="432048" cy="792088"/>
-          </a:xfrm>
-          <a:prstGeom prst="rect">
-            <a:avLst/>
-          </a:prstGeom>
-          <a:noFill/>
-          <a:ln>
-            <a:noFill/>
-          </a:ln>
-          <a:effectLst/>
-          <a:extLst>
-            <a:ext uri="{909E8E84-426E-40dd-AFC4-6F175D3DCCD1}">
-              <a14:hiddenFill xmlns="" xmlns:a14="http://schemas.microsoft.com/office/drawing/2010/main">
-                <a:solidFill>
-                  <a:schemeClr val="accent1"/>
-                </a:solidFill>
-              </a14:hiddenFill>
-            </a:ext>
-            <a:ext uri="{91240B29-F687-4f45-9708-019B960494DF}">
-              <a14:hiddenLine xmlns="" xmlns:a14="http://schemas.microsoft.com/office/drawing/2010/main" w="9525" cap="flat" cmpd="sng" algn="ctr">
-                <a:solidFill>
-                  <a:schemeClr val="tx1"/>
-                </a:solidFill>
-                <a:prstDash val="solid"/>
-                <a:round/>
-                <a:headEnd type="none" w="med" len="med"/>
-                <a:tailEnd type="none" w="med" len="med"/>
-              </a14:hiddenLine>
-            </a:ext>
-            <a:ext uri="{AF507438-7753-43e0-B8FC-AC1667EBCBE1}">
-              <a14:hiddenEffects xmlns="" xmlns:a14="http://schemas.microsoft.com/office/drawing/2010/main">
-                <a:effectLst>
-                  <a:outerShdw blurRad="63500" dist="38099" dir="2700000" algn="ctr" rotWithShape="0">
-                    <a:srgbClr val="000000">
-                      <a:alpha val="74998"/>
-                    </a:srgbClr>
-                  </a:outerShdw>
-                </a:effectLst>
-              </a14:hiddenEffects>
-            </a:ext>
-          </a:extLst>
-        </p:spPr>
-        <p:txBody>
-          <a:bodyPr vert="horz" wrap="square" lIns="91440" tIns="45720" rIns="91440" bIns="45720" numCol="1" rtlCol="0" anchor="t" anchorCtr="0" compatLnSpc="1">
-            <a:prstTxWarp prst="textNoShape">
-              <a:avLst/>
-            </a:prstTxWarp>
-          </a:bodyPr>
-          <a:lstStyle/>
-          <a:p>
-            <a:pPr marL="0" marR="0" indent="0" algn="l" defTabSz="914400" rtl="0" eaLnBrk="0" fontAlgn="base" latinLnBrk="0" hangingPunct="0">
-              <a:lnSpc>
-                <a:spcPct val="100000"/>
-              </a:lnSpc>
-              <a:spcBef>
-                <a:spcPct val="0"/>
-              </a:spcBef>
-              <a:spcAft>
-                <a:spcPct val="0"/>
-              </a:spcAft>
-              <a:buClrTx/>
-              <a:buSzTx/>
-              <a:buFontTx/>
-              <a:buNone/>
-              <a:tabLst/>
-            </a:pPr>
-            <a:endParaRPr kumimoji="0" lang="en-US" sz="2400" b="0" i="0" u="none" strike="noStrike" cap="none" normalizeH="0" baseline="0">
-              <a:ln>
-                <a:noFill/>
-              </a:ln>
-              <a:solidFill>
-                <a:srgbClr val="000000"/>
-              </a:solidFill>
-              <a:effectLst/>
-              <a:latin typeface="Arial" charset="0"/>
-              <a:ea typeface="ＭＳ Ｐゴシック" charset="0"/>
-              <a:cs typeface="ＭＳ Ｐゴシック" charset="0"/>
-            </a:endParaRPr>
-          </a:p>
-        </p:txBody>
-      </p:sp>
-      <p:sp>
-        <p:nvSpPr>
-          <p:cNvPr id="3" name="CasellaDiTesto 2">
-            <a:extLst>
-              <a:ext uri="{FF2B5EF4-FFF2-40B4-BE49-F238E27FC236}">
-                <a16:creationId xmlns:a16="http://schemas.microsoft.com/office/drawing/2014/main" id="{3AEBDDE9-253E-F94B-6E1B-310F55059574}"/>
-              </a:ext>
-            </a:extLst>
-          </p:cNvPr>
-          <p:cNvSpPr txBox="1"/>
-          <p:nvPr/>
-        </p:nvSpPr>
-        <p:spPr>
-          <a:xfrm>
-            <a:off x="415707" y="1690063"/>
-            <a:ext cx="8312587" cy="3477875"/>
-          </a:xfrm>
-          <a:prstGeom prst="rect">
-            <a:avLst/>
-          </a:prstGeom>
-          <a:noFill/>
-        </p:spPr>
-        <p:txBody>
-          <a:bodyPr wrap="square" rtlCol="0">
-            <a:spAutoFit/>
-          </a:bodyPr>
-          <a:lstStyle/>
-          <a:p>
-            <a:pPr marL="342900" indent="-342900">
-              <a:buClr>
-                <a:schemeClr val="tx1"/>
-              </a:buClr>
-              <a:buFont typeface="Arial" panose="020B0604020202020204" pitchFamily="34" charset="0"/>
-              <a:buChar char="•"/>
-            </a:pPr>
-            <a:r>
-              <a:rPr lang="en-US" sz="2000" dirty="0">
-                <a:solidFill>
-                  <a:srgbClr val="000000"/>
-                </a:solidFill>
-              </a:rPr>
-              <a:t>At least in the rigid case, LNN performances are very good</a:t>
-            </a:r>
-          </a:p>
-          <a:p>
-            <a:pPr marL="800100" lvl="1" indent="-342900">
-              <a:buClr>
-                <a:schemeClr val="tx1"/>
-              </a:buClr>
-              <a:buFont typeface="Wingdings" panose="05000000000000000000" pitchFamily="2" charset="2"/>
-              <a:buChar char="§"/>
-            </a:pPr>
-            <a:r>
-              <a:rPr lang="en-US" sz="2000" dirty="0">
-                <a:solidFill>
-                  <a:srgbClr val="000000"/>
-                </a:solidFill>
-              </a:rPr>
-              <a:t>Both in trajectory error and energy conservation</a:t>
-            </a:r>
-          </a:p>
-          <a:p>
-            <a:pPr marL="342900" indent="-342900">
-              <a:buClr>
-                <a:schemeClr val="tx1"/>
-              </a:buClr>
-              <a:buFont typeface="Wingdings" panose="05000000000000000000" pitchFamily="2" charset="2"/>
-              <a:buChar char="§"/>
-            </a:pPr>
-            <a:endParaRPr lang="en-US" sz="2000" dirty="0">
-              <a:solidFill>
-                <a:srgbClr val="000000"/>
-              </a:solidFill>
-            </a:endParaRPr>
-          </a:p>
-          <a:p>
-            <a:pPr marL="342900" indent="-342900">
-              <a:buClr>
-                <a:schemeClr val="tx1"/>
-              </a:buClr>
-              <a:buFont typeface="Arial" panose="020B0604020202020204" pitchFamily="34" charset="0"/>
-              <a:buChar char="•"/>
-            </a:pPr>
-            <a:r>
-              <a:rPr lang="en-US" sz="2000" dirty="0">
-                <a:solidFill>
-                  <a:srgbClr val="000000"/>
-                </a:solidFill>
-              </a:rPr>
-              <a:t>Unfortunately, bad results in elastic case</a:t>
-            </a:r>
-          </a:p>
-          <a:p>
-            <a:pPr marL="342900" indent="-342900">
-              <a:buClr>
-                <a:schemeClr val="tx1"/>
-              </a:buClr>
-              <a:buFont typeface="Wingdings" panose="05000000000000000000" pitchFamily="2" charset="2"/>
-              <a:buChar char="§"/>
-            </a:pPr>
-            <a:endParaRPr lang="en-US" sz="2000" dirty="0">
-              <a:solidFill>
-                <a:srgbClr val="000000"/>
-              </a:solidFill>
-            </a:endParaRPr>
-          </a:p>
-          <a:p>
-            <a:pPr marL="342900" indent="-342900">
-              <a:buClr>
-                <a:schemeClr val="tx1"/>
-              </a:buClr>
-              <a:buFont typeface="Arial" panose="020B0604020202020204" pitchFamily="34" charset="0"/>
-              <a:buChar char="•"/>
-            </a:pPr>
-            <a:r>
-              <a:rPr lang="en-US" sz="2000" dirty="0">
-                <a:solidFill>
-                  <a:srgbClr val="000000"/>
-                </a:solidFill>
-              </a:rPr>
-              <a:t>Elastic LNN seems to improve as network complexity increase</a:t>
-            </a:r>
-          </a:p>
-          <a:p>
-            <a:pPr marL="800100" lvl="1" indent="-342900">
-              <a:buClr>
-                <a:schemeClr val="tx1"/>
-              </a:buClr>
-              <a:buFont typeface="Wingdings" panose="05000000000000000000" pitchFamily="2" charset="2"/>
-              <a:buChar char="§"/>
-            </a:pPr>
-            <a:r>
-              <a:rPr lang="en-US" sz="2000" dirty="0">
-                <a:solidFill>
-                  <a:srgbClr val="000000"/>
-                </a:solidFill>
-              </a:rPr>
-              <a:t>More wide/deep network and more initial conditions</a:t>
-            </a:r>
-          </a:p>
-          <a:p>
-            <a:pPr marL="800100" lvl="1" indent="-342900">
-              <a:buClr>
-                <a:schemeClr val="tx1"/>
-              </a:buClr>
-              <a:buFont typeface="Wingdings" panose="05000000000000000000" pitchFamily="2" charset="2"/>
-              <a:buChar char="§"/>
-            </a:pPr>
-            <a:r>
-              <a:rPr lang="en-US" sz="2000" dirty="0">
-                <a:solidFill>
-                  <a:srgbClr val="000000"/>
-                </a:solidFill>
-              </a:rPr>
-              <a:t>High computational resources needed</a:t>
-            </a:r>
-          </a:p>
-          <a:p>
-            <a:pPr marL="342900" indent="-342900">
-              <a:buClr>
-                <a:schemeClr val="tx1"/>
-              </a:buClr>
-              <a:buFont typeface="Wingdings" panose="05000000000000000000" pitchFamily="2" charset="2"/>
-              <a:buChar char="§"/>
-            </a:pPr>
-            <a:endParaRPr lang="en-US" sz="2000" dirty="0">
-              <a:solidFill>
-                <a:srgbClr val="000000"/>
-              </a:solidFill>
-            </a:endParaRPr>
-          </a:p>
-          <a:p>
-            <a:pPr marL="342900" indent="-342900">
-              <a:buClr>
-                <a:schemeClr val="tx1"/>
-              </a:buClr>
-              <a:buFont typeface="Arial" panose="020B0604020202020204" pitchFamily="34" charset="0"/>
-              <a:buChar char="•"/>
-            </a:pPr>
-            <a:r>
-              <a:rPr lang="en-US" sz="2000" dirty="0">
-                <a:solidFill>
-                  <a:srgbClr val="000000"/>
-                </a:solidFill>
-              </a:rPr>
-              <a:t>Paper LNN approach works on unitary configurations</a:t>
-            </a:r>
-          </a:p>
-          <a:p>
-            <a:pPr marL="800100" lvl="1" indent="-342900">
-              <a:buClr>
-                <a:schemeClr val="tx1"/>
-              </a:buClr>
-              <a:buFont typeface="Wingdings" panose="05000000000000000000" pitchFamily="2" charset="2"/>
-              <a:buChar char="§"/>
-            </a:pPr>
-            <a:r>
-              <a:rPr lang="en-US" sz="2000" dirty="0">
-                <a:solidFill>
-                  <a:srgbClr val="000000"/>
-                </a:solidFill>
-              </a:rPr>
-              <a:t>We reject this in preference to real robot parameters</a:t>
-            </a:r>
-          </a:p>
-        </p:txBody>
-      </p:sp>
-    </p:spTree>
-    <p:extLst>
-      <p:ext uri="{BB962C8B-B14F-4D97-AF65-F5344CB8AC3E}">
-        <p14:creationId xmlns:p14="http://schemas.microsoft.com/office/powerpoint/2010/main" val="2526682908"/>
-      </p:ext>
-    </p:extLst>
-  </p:cSld>
-  <p:clrMapOvr>
-    <a:masterClrMapping/>
-  </p:clrMapOvr>
-</p:sld>
-</file>
-
-<file path=ppt/slides/slide29.xml><?xml version="1.0" encoding="utf-8"?>
-<p:sld xmlns:a="http://schemas.openxmlformats.org/drawingml/2006/main" xmlns:r="http://schemas.openxmlformats.org/officeDocument/2006/relationships" xmlns:p="http://schemas.openxmlformats.org/presentationml/2006/main">
-  <p:cSld>
-    <p:spTree>
-      <p:nvGrpSpPr>
-        <p:cNvPr id="1" name=""/>
-        <p:cNvGrpSpPr/>
-        <p:nvPr/>
-      </p:nvGrpSpPr>
-      <p:grpSpPr>
-        <a:xfrm>
-          <a:off x="0" y="0"/>
-          <a:ext cx="0" cy="0"/>
-          <a:chOff x="0" y="0"/>
-          <a:chExt cx="0" cy="0"/>
-        </a:xfrm>
-      </p:grpSpPr>
-      <p:sp>
-        <p:nvSpPr>
-          <p:cNvPr id="2" name="Titolo 1">
-            <a:extLst>
-              <a:ext uri="{FF2B5EF4-FFF2-40B4-BE49-F238E27FC236}">
-                <a16:creationId xmlns:a16="http://schemas.microsoft.com/office/drawing/2014/main" id="{AFEFEAD0-5246-726C-3122-EF9AE58FAC80}"/>
-              </a:ext>
-            </a:extLst>
-          </p:cNvPr>
-          <p:cNvSpPr txBox="1">
-            <a:spLocks noChangeArrowheads="1"/>
-          </p:cNvSpPr>
-          <p:nvPr/>
-        </p:nvSpPr>
-        <p:spPr bwMode="auto">
-          <a:xfrm>
-            <a:off x="1709688" y="2996952"/>
-            <a:ext cx="5724624" cy="482108"/>
-          </a:xfrm>
-          <a:prstGeom prst="rect">
-            <a:avLst/>
-          </a:prstGeom>
-          <a:ln w="9525" cap="flat" cmpd="sng" algn="ctr">
-            <a:solidFill>
-              <a:schemeClr val="dk1"/>
-            </a:solidFill>
-            <a:prstDash val="solid"/>
-            <a:round/>
-            <a:headEnd type="none" w="med" len="med"/>
-            <a:tailEnd type="none" w="med" len="med"/>
-          </a:ln>
-          <a:extLst>
-            <a:ext uri="{909E8E84-426E-40DD-AFC4-6F175D3DCCD1}">
-              <a14:hiddenFill xmlns:a14="http://schemas.microsoft.com/office/drawing/2010/main">
-                <a:solidFill>
-                  <a:schemeClr val="accent1"/>
-                </a:solidFill>
-              </a14:hiddenFill>
-            </a:ext>
-          </a:extLst>
-        </p:spPr>
-        <p:style>
-          <a:lnRef idx="0">
-            <a:scrgbClr r="0" g="0" b="0"/>
-          </a:lnRef>
-          <a:fillRef idx="0">
-            <a:scrgbClr r="0" g="0" b="0"/>
-          </a:fillRef>
-          <a:effectRef idx="0">
-            <a:scrgbClr r="0" g="0" b="0"/>
-          </a:effectRef>
-          <a:fontRef idx="minor">
-            <a:schemeClr val="dk1"/>
-          </a:fontRef>
-        </p:style>
-        <p:txBody>
-          <a:bodyPr vert="horz" wrap="square" lIns="91440" tIns="45720" rIns="91440" bIns="45720" numCol="1" anchor="ctr" anchorCtr="0" compatLnSpc="1">
-            <a:prstTxWarp prst="textNoShape">
-              <a:avLst/>
-            </a:prstTxWarp>
-          </a:bodyPr>
-          <a:lstStyle>
-            <a:lvl1pPr algn="l" rtl="0" eaLnBrk="0" fontAlgn="base" hangingPunct="0">
-              <a:spcBef>
-                <a:spcPct val="0"/>
-              </a:spcBef>
-              <a:spcAft>
-                <a:spcPct val="0"/>
-              </a:spcAft>
-              <a:defRPr sz="2400" b="1">
-                <a:solidFill>
-                  <a:schemeClr val="dk1"/>
-                </a:solidFill>
-                <a:latin typeface="+mn-lt"/>
-                <a:ea typeface="+mn-ea"/>
-                <a:cs typeface="+mn-cs"/>
-              </a:defRPr>
-            </a:lvl1pPr>
-            <a:lvl2pPr algn="l" rtl="0" eaLnBrk="0" fontAlgn="base" hangingPunct="0">
-              <a:spcBef>
-                <a:spcPct val="0"/>
-              </a:spcBef>
-              <a:spcAft>
-                <a:spcPct val="0"/>
-              </a:spcAft>
-              <a:defRPr sz="2400" b="1">
-                <a:solidFill>
-                  <a:schemeClr val="dk1"/>
-                </a:solidFill>
-                <a:latin typeface="+mn-lt"/>
-                <a:ea typeface="+mn-ea"/>
-                <a:cs typeface="+mn-cs"/>
-              </a:defRPr>
-            </a:lvl2pPr>
-            <a:lvl3pPr algn="l" rtl="0" eaLnBrk="0" fontAlgn="base" hangingPunct="0">
-              <a:spcBef>
-                <a:spcPct val="0"/>
-              </a:spcBef>
-              <a:spcAft>
-                <a:spcPct val="0"/>
-              </a:spcAft>
-              <a:defRPr sz="2400" b="1">
-                <a:solidFill>
-                  <a:schemeClr val="dk1"/>
-                </a:solidFill>
-                <a:latin typeface="+mn-lt"/>
-                <a:ea typeface="+mn-ea"/>
-                <a:cs typeface="+mn-cs"/>
-              </a:defRPr>
-            </a:lvl3pPr>
-            <a:lvl4pPr algn="l" rtl="0" eaLnBrk="0" fontAlgn="base" hangingPunct="0">
-              <a:spcBef>
-                <a:spcPct val="0"/>
-              </a:spcBef>
-              <a:spcAft>
-                <a:spcPct val="0"/>
-              </a:spcAft>
-              <a:defRPr sz="2400" b="1">
-                <a:solidFill>
-                  <a:schemeClr val="dk1"/>
-                </a:solidFill>
-                <a:latin typeface="+mn-lt"/>
-                <a:ea typeface="+mn-ea"/>
-                <a:cs typeface="+mn-cs"/>
-              </a:defRPr>
-            </a:lvl4pPr>
-            <a:lvl5pPr algn="l" rtl="0" eaLnBrk="0" fontAlgn="base" hangingPunct="0">
-              <a:spcBef>
-                <a:spcPct val="0"/>
-              </a:spcBef>
-              <a:spcAft>
-                <a:spcPct val="0"/>
-              </a:spcAft>
-              <a:defRPr sz="2400" b="1">
-                <a:solidFill>
-                  <a:schemeClr val="dk1"/>
-                </a:solidFill>
-                <a:latin typeface="+mn-lt"/>
-                <a:ea typeface="+mn-ea"/>
-                <a:cs typeface="+mn-cs"/>
-              </a:defRPr>
-            </a:lvl5pPr>
-            <a:lvl6pPr marL="457200" algn="l" rtl="0" eaLnBrk="1" fontAlgn="base" hangingPunct="1">
-              <a:spcBef>
-                <a:spcPct val="0"/>
-              </a:spcBef>
-              <a:spcAft>
-                <a:spcPct val="0"/>
-              </a:spcAft>
-              <a:defRPr sz="2400" b="1">
-                <a:solidFill>
-                  <a:schemeClr val="dk1"/>
-                </a:solidFill>
-                <a:latin typeface="+mn-lt"/>
-                <a:ea typeface="+mn-ea"/>
-                <a:cs typeface="+mn-cs"/>
-              </a:defRPr>
-            </a:lvl6pPr>
-            <a:lvl7pPr marL="914400" algn="l" rtl="0" eaLnBrk="1" fontAlgn="base" hangingPunct="1">
-              <a:spcBef>
-                <a:spcPct val="0"/>
-              </a:spcBef>
-              <a:spcAft>
-                <a:spcPct val="0"/>
-              </a:spcAft>
-              <a:defRPr sz="2400" b="1">
-                <a:solidFill>
-                  <a:schemeClr val="dk1"/>
-                </a:solidFill>
-                <a:latin typeface="+mn-lt"/>
-                <a:ea typeface="+mn-ea"/>
-                <a:cs typeface="+mn-cs"/>
-              </a:defRPr>
-            </a:lvl7pPr>
-            <a:lvl8pPr marL="1371600" algn="l" rtl="0" eaLnBrk="1" fontAlgn="base" hangingPunct="1">
-              <a:spcBef>
-                <a:spcPct val="0"/>
-              </a:spcBef>
-              <a:spcAft>
-                <a:spcPct val="0"/>
-              </a:spcAft>
-              <a:defRPr sz="2400" b="1">
-                <a:solidFill>
-                  <a:schemeClr val="dk1"/>
-                </a:solidFill>
-                <a:latin typeface="+mn-lt"/>
-                <a:ea typeface="+mn-ea"/>
-                <a:cs typeface="+mn-cs"/>
-              </a:defRPr>
-            </a:lvl8pPr>
-            <a:lvl9pPr marL="1828800" algn="l" rtl="0" eaLnBrk="1" fontAlgn="base" hangingPunct="1">
-              <a:spcBef>
-                <a:spcPct val="0"/>
-              </a:spcBef>
-              <a:spcAft>
-                <a:spcPct val="0"/>
-              </a:spcAft>
-              <a:defRPr sz="2400" b="1">
-                <a:solidFill>
-                  <a:schemeClr val="dk1"/>
-                </a:solidFill>
-                <a:latin typeface="+mn-lt"/>
-                <a:ea typeface="+mn-ea"/>
-                <a:cs typeface="+mn-cs"/>
-              </a:defRPr>
-            </a:lvl9pPr>
-          </a:lstStyle>
-          <a:p>
-            <a:pPr algn="ctr"/>
-            <a:r>
-              <a:rPr lang="it-IT" altLang="it-IT" kern="0" dirty="0">
-                <a:latin typeface="Calibri" panose="020F0502020204030204" pitchFamily="34" charset="0"/>
-                <a:ea typeface="ＭＳ Ｐゴシック" panose="020B0600070205080204" pitchFamily="34" charset="-128"/>
-              </a:rPr>
-              <a:t>THANK YOU FOR THE ATTENTION</a:t>
-            </a:r>
-          </a:p>
-        </p:txBody>
-      </p:sp>
-    </p:spTree>
-    <p:extLst>
-      <p:ext uri="{BB962C8B-B14F-4D97-AF65-F5344CB8AC3E}">
-        <p14:creationId xmlns:p14="http://schemas.microsoft.com/office/powerpoint/2010/main" val="3563108367"/>
       </p:ext>
     </p:extLst>
   </p:cSld>
@@ -22620,6 +24984,807 @@
     <p:extLst>
       <p:ext uri="{BB962C8B-B14F-4D97-AF65-F5344CB8AC3E}">
         <p14:creationId xmlns:p14="http://schemas.microsoft.com/office/powerpoint/2010/main" val="651080911"/>
+      </p:ext>
+    </p:extLst>
+  </p:cSld>
+  <p:clrMapOvr>
+    <a:masterClrMapping/>
+  </p:clrMapOvr>
+</p:sld>
+</file>
+
+<file path=ppt/slides/slide30.xml><?xml version="1.0" encoding="utf-8"?>
+<p:sld xmlns:a="http://schemas.openxmlformats.org/drawingml/2006/main" xmlns:r="http://schemas.openxmlformats.org/officeDocument/2006/relationships" xmlns:p="http://schemas.openxmlformats.org/presentationml/2006/main">
+  <p:cSld>
+    <p:spTree>
+      <p:nvGrpSpPr>
+        <p:cNvPr id="1" name=""/>
+        <p:cNvGrpSpPr/>
+        <p:nvPr/>
+      </p:nvGrpSpPr>
+      <p:grpSpPr>
+        <a:xfrm>
+          <a:off x="0" y="0"/>
+          <a:ext cx="0" cy="0"/>
+          <a:chOff x="0" y="0"/>
+          <a:chExt cx="0" cy="0"/>
+        </a:xfrm>
+      </p:grpSpPr>
+      <p:sp>
+        <p:nvSpPr>
+          <p:cNvPr id="2" name="Titolo 1">
+            <a:extLst>
+              <a:ext uri="{FF2B5EF4-FFF2-40B4-BE49-F238E27FC236}">
+                <a16:creationId xmlns:a16="http://schemas.microsoft.com/office/drawing/2014/main" id="{AFEFEAD0-5246-726C-3122-EF9AE58FAC80}"/>
+              </a:ext>
+            </a:extLst>
+          </p:cNvPr>
+          <p:cNvSpPr txBox="1">
+            <a:spLocks noChangeArrowheads="1"/>
+          </p:cNvSpPr>
+          <p:nvPr/>
+        </p:nvSpPr>
+        <p:spPr bwMode="auto">
+          <a:xfrm>
+            <a:off x="3015163" y="253099"/>
+            <a:ext cx="5724624" cy="482108"/>
+          </a:xfrm>
+          <a:prstGeom prst="rect">
+            <a:avLst/>
+          </a:prstGeom>
+          <a:ln w="9525" cap="flat" cmpd="sng" algn="ctr">
+            <a:solidFill>
+              <a:schemeClr val="dk1"/>
+            </a:solidFill>
+            <a:prstDash val="solid"/>
+            <a:round/>
+            <a:headEnd type="none" w="med" len="med"/>
+            <a:tailEnd type="none" w="med" len="med"/>
+          </a:ln>
+          <a:extLst>
+            <a:ext uri="{909E8E84-426E-40DD-AFC4-6F175D3DCCD1}">
+              <a14:hiddenFill xmlns:a14="http://schemas.microsoft.com/office/drawing/2010/main">
+                <a:solidFill>
+                  <a:schemeClr val="accent1"/>
+                </a:solidFill>
+              </a14:hiddenFill>
+            </a:ext>
+          </a:extLst>
+        </p:spPr>
+        <p:style>
+          <a:lnRef idx="0">
+            <a:scrgbClr r="0" g="0" b="0"/>
+          </a:lnRef>
+          <a:fillRef idx="0">
+            <a:scrgbClr r="0" g="0" b="0"/>
+          </a:fillRef>
+          <a:effectRef idx="0">
+            <a:scrgbClr r="0" g="0" b="0"/>
+          </a:effectRef>
+          <a:fontRef idx="minor">
+            <a:schemeClr val="dk1"/>
+          </a:fontRef>
+        </p:style>
+        <p:txBody>
+          <a:bodyPr vert="horz" wrap="square" lIns="91440" tIns="45720" rIns="91440" bIns="45720" numCol="1" anchor="ctr" anchorCtr="0" compatLnSpc="1">
+            <a:prstTxWarp prst="textNoShape">
+              <a:avLst/>
+            </a:prstTxWarp>
+          </a:bodyPr>
+          <a:lstStyle>
+            <a:lvl1pPr algn="l" rtl="0" eaLnBrk="0" fontAlgn="base" hangingPunct="0">
+              <a:spcBef>
+                <a:spcPct val="0"/>
+              </a:spcBef>
+              <a:spcAft>
+                <a:spcPct val="0"/>
+              </a:spcAft>
+              <a:defRPr sz="2400" b="1">
+                <a:solidFill>
+                  <a:schemeClr val="dk1"/>
+                </a:solidFill>
+                <a:latin typeface="+mn-lt"/>
+                <a:ea typeface="+mn-ea"/>
+                <a:cs typeface="+mn-cs"/>
+              </a:defRPr>
+            </a:lvl1pPr>
+            <a:lvl2pPr algn="l" rtl="0" eaLnBrk="0" fontAlgn="base" hangingPunct="0">
+              <a:spcBef>
+                <a:spcPct val="0"/>
+              </a:spcBef>
+              <a:spcAft>
+                <a:spcPct val="0"/>
+              </a:spcAft>
+              <a:defRPr sz="2400" b="1">
+                <a:solidFill>
+                  <a:schemeClr val="dk1"/>
+                </a:solidFill>
+                <a:latin typeface="+mn-lt"/>
+                <a:ea typeface="+mn-ea"/>
+                <a:cs typeface="+mn-cs"/>
+              </a:defRPr>
+            </a:lvl2pPr>
+            <a:lvl3pPr algn="l" rtl="0" eaLnBrk="0" fontAlgn="base" hangingPunct="0">
+              <a:spcBef>
+                <a:spcPct val="0"/>
+              </a:spcBef>
+              <a:spcAft>
+                <a:spcPct val="0"/>
+              </a:spcAft>
+              <a:defRPr sz="2400" b="1">
+                <a:solidFill>
+                  <a:schemeClr val="dk1"/>
+                </a:solidFill>
+                <a:latin typeface="+mn-lt"/>
+                <a:ea typeface="+mn-ea"/>
+                <a:cs typeface="+mn-cs"/>
+              </a:defRPr>
+            </a:lvl3pPr>
+            <a:lvl4pPr algn="l" rtl="0" eaLnBrk="0" fontAlgn="base" hangingPunct="0">
+              <a:spcBef>
+                <a:spcPct val="0"/>
+              </a:spcBef>
+              <a:spcAft>
+                <a:spcPct val="0"/>
+              </a:spcAft>
+              <a:defRPr sz="2400" b="1">
+                <a:solidFill>
+                  <a:schemeClr val="dk1"/>
+                </a:solidFill>
+                <a:latin typeface="+mn-lt"/>
+                <a:ea typeface="+mn-ea"/>
+                <a:cs typeface="+mn-cs"/>
+              </a:defRPr>
+            </a:lvl4pPr>
+            <a:lvl5pPr algn="l" rtl="0" eaLnBrk="0" fontAlgn="base" hangingPunct="0">
+              <a:spcBef>
+                <a:spcPct val="0"/>
+              </a:spcBef>
+              <a:spcAft>
+                <a:spcPct val="0"/>
+              </a:spcAft>
+              <a:defRPr sz="2400" b="1">
+                <a:solidFill>
+                  <a:schemeClr val="dk1"/>
+                </a:solidFill>
+                <a:latin typeface="+mn-lt"/>
+                <a:ea typeface="+mn-ea"/>
+                <a:cs typeface="+mn-cs"/>
+              </a:defRPr>
+            </a:lvl5pPr>
+            <a:lvl6pPr marL="457200" algn="l" rtl="0" eaLnBrk="1" fontAlgn="base" hangingPunct="1">
+              <a:spcBef>
+                <a:spcPct val="0"/>
+              </a:spcBef>
+              <a:spcAft>
+                <a:spcPct val="0"/>
+              </a:spcAft>
+              <a:defRPr sz="2400" b="1">
+                <a:solidFill>
+                  <a:schemeClr val="dk1"/>
+                </a:solidFill>
+                <a:latin typeface="+mn-lt"/>
+                <a:ea typeface="+mn-ea"/>
+                <a:cs typeface="+mn-cs"/>
+              </a:defRPr>
+            </a:lvl6pPr>
+            <a:lvl7pPr marL="914400" algn="l" rtl="0" eaLnBrk="1" fontAlgn="base" hangingPunct="1">
+              <a:spcBef>
+                <a:spcPct val="0"/>
+              </a:spcBef>
+              <a:spcAft>
+                <a:spcPct val="0"/>
+              </a:spcAft>
+              <a:defRPr sz="2400" b="1">
+                <a:solidFill>
+                  <a:schemeClr val="dk1"/>
+                </a:solidFill>
+                <a:latin typeface="+mn-lt"/>
+                <a:ea typeface="+mn-ea"/>
+                <a:cs typeface="+mn-cs"/>
+              </a:defRPr>
+            </a:lvl7pPr>
+            <a:lvl8pPr marL="1371600" algn="l" rtl="0" eaLnBrk="1" fontAlgn="base" hangingPunct="1">
+              <a:spcBef>
+                <a:spcPct val="0"/>
+              </a:spcBef>
+              <a:spcAft>
+                <a:spcPct val="0"/>
+              </a:spcAft>
+              <a:defRPr sz="2400" b="1">
+                <a:solidFill>
+                  <a:schemeClr val="dk1"/>
+                </a:solidFill>
+                <a:latin typeface="+mn-lt"/>
+                <a:ea typeface="+mn-ea"/>
+                <a:cs typeface="+mn-cs"/>
+              </a:defRPr>
+            </a:lvl8pPr>
+            <a:lvl9pPr marL="1828800" algn="l" rtl="0" eaLnBrk="1" fontAlgn="base" hangingPunct="1">
+              <a:spcBef>
+                <a:spcPct val="0"/>
+              </a:spcBef>
+              <a:spcAft>
+                <a:spcPct val="0"/>
+              </a:spcAft>
+              <a:defRPr sz="2400" b="1">
+                <a:solidFill>
+                  <a:schemeClr val="dk1"/>
+                </a:solidFill>
+                <a:latin typeface="+mn-lt"/>
+                <a:ea typeface="+mn-ea"/>
+                <a:cs typeface="+mn-cs"/>
+              </a:defRPr>
+            </a:lvl9pPr>
+          </a:lstStyle>
+          <a:p>
+            <a:pPr algn="ctr"/>
+            <a:r>
+              <a:rPr lang="it-IT" altLang="it-IT" kern="0" dirty="0">
+                <a:latin typeface="Calibri" panose="020F0502020204030204" pitchFamily="34" charset="0"/>
+                <a:ea typeface="ＭＳ Ｐゴシック" panose="020B0600070205080204" pitchFamily="34" charset="-128"/>
+              </a:rPr>
+              <a:t>CONCLUSIONS</a:t>
+            </a:r>
+          </a:p>
+        </p:txBody>
+      </p:sp>
+      <p:sp>
+        <p:nvSpPr>
+          <p:cNvPr id="10" name="Rettangolo 9">
+            <a:extLst>
+              <a:ext uri="{FF2B5EF4-FFF2-40B4-BE49-F238E27FC236}">
+                <a16:creationId xmlns:a16="http://schemas.microsoft.com/office/drawing/2014/main" id="{31D3E094-59FA-DA3E-B010-C99084F3614D}"/>
+              </a:ext>
+            </a:extLst>
+          </p:cNvPr>
+          <p:cNvSpPr/>
+          <p:nvPr/>
+        </p:nvSpPr>
+        <p:spPr bwMode="auto">
+          <a:xfrm>
+            <a:off x="1691680" y="4509120"/>
+            <a:ext cx="432048" cy="792088"/>
+          </a:xfrm>
+          <a:prstGeom prst="rect">
+            <a:avLst/>
+          </a:prstGeom>
+          <a:noFill/>
+          <a:ln>
+            <a:noFill/>
+          </a:ln>
+          <a:effectLst/>
+          <a:extLst>
+            <a:ext uri="{909E8E84-426E-40dd-AFC4-6F175D3DCCD1}">
+              <a14:hiddenFill xmlns="" xmlns:a14="http://schemas.microsoft.com/office/drawing/2010/main">
+                <a:solidFill>
+                  <a:schemeClr val="accent1"/>
+                </a:solidFill>
+              </a14:hiddenFill>
+            </a:ext>
+            <a:ext uri="{91240B29-F687-4f45-9708-019B960494DF}">
+              <a14:hiddenLine xmlns="" xmlns:a14="http://schemas.microsoft.com/office/drawing/2010/main" w="9525" cap="flat" cmpd="sng" algn="ctr">
+                <a:solidFill>
+                  <a:schemeClr val="tx1"/>
+                </a:solidFill>
+                <a:prstDash val="solid"/>
+                <a:round/>
+                <a:headEnd type="none" w="med" len="med"/>
+                <a:tailEnd type="none" w="med" len="med"/>
+              </a14:hiddenLine>
+            </a:ext>
+            <a:ext uri="{AF507438-7753-43e0-B8FC-AC1667EBCBE1}">
+              <a14:hiddenEffects xmlns="" xmlns:a14="http://schemas.microsoft.com/office/drawing/2010/main">
+                <a:effectLst>
+                  <a:outerShdw blurRad="63500" dist="38099" dir="2700000" algn="ctr" rotWithShape="0">
+                    <a:srgbClr val="000000">
+                      <a:alpha val="74998"/>
+                    </a:srgbClr>
+                  </a:outerShdw>
+                </a:effectLst>
+              </a14:hiddenEffects>
+            </a:ext>
+          </a:extLst>
+        </p:spPr>
+        <p:txBody>
+          <a:bodyPr vert="horz" wrap="square" lIns="91440" tIns="45720" rIns="91440" bIns="45720" numCol="1" rtlCol="0" anchor="t" anchorCtr="0" compatLnSpc="1">
+            <a:prstTxWarp prst="textNoShape">
+              <a:avLst/>
+            </a:prstTxWarp>
+          </a:bodyPr>
+          <a:lstStyle/>
+          <a:p>
+            <a:pPr marL="0" marR="0" indent="0" algn="l" defTabSz="914400" rtl="0" eaLnBrk="0" fontAlgn="base" latinLnBrk="0" hangingPunct="0">
+              <a:lnSpc>
+                <a:spcPct val="100000"/>
+              </a:lnSpc>
+              <a:spcBef>
+                <a:spcPct val="0"/>
+              </a:spcBef>
+              <a:spcAft>
+                <a:spcPct val="0"/>
+              </a:spcAft>
+              <a:buClrTx/>
+              <a:buSzTx/>
+              <a:buFontTx/>
+              <a:buNone/>
+              <a:tabLst/>
+            </a:pPr>
+            <a:endParaRPr kumimoji="0" lang="en-US" sz="2400" b="0" i="0" u="none" strike="noStrike" cap="none" normalizeH="0" baseline="0">
+              <a:ln>
+                <a:noFill/>
+              </a:ln>
+              <a:solidFill>
+                <a:srgbClr val="000000"/>
+              </a:solidFill>
+              <a:effectLst/>
+              <a:latin typeface="Arial" charset="0"/>
+              <a:ea typeface="ＭＳ Ｐゴシック" charset="0"/>
+              <a:cs typeface="ＭＳ Ｐゴシック" charset="0"/>
+            </a:endParaRPr>
+          </a:p>
+        </p:txBody>
+      </p:sp>
+      <p:sp>
+        <p:nvSpPr>
+          <p:cNvPr id="3" name="CasellaDiTesto 2">
+            <a:extLst>
+              <a:ext uri="{FF2B5EF4-FFF2-40B4-BE49-F238E27FC236}">
+                <a16:creationId xmlns:a16="http://schemas.microsoft.com/office/drawing/2014/main" id="{3AEBDDE9-253E-F94B-6E1B-310F55059574}"/>
+              </a:ext>
+            </a:extLst>
+          </p:cNvPr>
+          <p:cNvSpPr txBox="1"/>
+          <p:nvPr/>
+        </p:nvSpPr>
+        <p:spPr>
+          <a:xfrm>
+            <a:off x="415707" y="1690063"/>
+            <a:ext cx="8312587" cy="3477875"/>
+          </a:xfrm>
+          <a:prstGeom prst="rect">
+            <a:avLst/>
+          </a:prstGeom>
+          <a:noFill/>
+        </p:spPr>
+        <p:txBody>
+          <a:bodyPr wrap="square" rtlCol="0">
+            <a:spAutoFit/>
+          </a:bodyPr>
+          <a:lstStyle/>
+          <a:p>
+            <a:pPr marL="342900" indent="-342900">
+              <a:buClr>
+                <a:schemeClr val="tx1"/>
+              </a:buClr>
+              <a:buFont typeface="Arial" panose="020B0604020202020204" pitchFamily="34" charset="0"/>
+              <a:buChar char="•"/>
+            </a:pPr>
+            <a:r>
+              <a:rPr lang="en-US" sz="2000" dirty="0">
+                <a:solidFill>
+                  <a:srgbClr val="000000"/>
+                </a:solidFill>
+              </a:rPr>
+              <a:t>At least in the rigid case, LNN performances are very good</a:t>
+            </a:r>
+          </a:p>
+          <a:p>
+            <a:pPr marL="800100" lvl="1" indent="-342900">
+              <a:buClr>
+                <a:schemeClr val="tx1"/>
+              </a:buClr>
+              <a:buFont typeface="Wingdings" panose="05000000000000000000" pitchFamily="2" charset="2"/>
+              <a:buChar char="§"/>
+            </a:pPr>
+            <a:r>
+              <a:rPr lang="en-US" sz="2000" dirty="0">
+                <a:solidFill>
+                  <a:srgbClr val="000000"/>
+                </a:solidFill>
+              </a:rPr>
+              <a:t>Both in trajectory error and energy conservation</a:t>
+            </a:r>
+          </a:p>
+          <a:p>
+            <a:pPr marL="342900" indent="-342900">
+              <a:buClr>
+                <a:schemeClr val="tx1"/>
+              </a:buClr>
+              <a:buFont typeface="Wingdings" panose="05000000000000000000" pitchFamily="2" charset="2"/>
+              <a:buChar char="§"/>
+            </a:pPr>
+            <a:endParaRPr lang="en-US" sz="2000" dirty="0">
+              <a:solidFill>
+                <a:srgbClr val="000000"/>
+              </a:solidFill>
+            </a:endParaRPr>
+          </a:p>
+          <a:p>
+            <a:pPr marL="342900" indent="-342900">
+              <a:buClr>
+                <a:schemeClr val="tx1"/>
+              </a:buClr>
+              <a:buFont typeface="Arial" panose="020B0604020202020204" pitchFamily="34" charset="0"/>
+              <a:buChar char="•"/>
+            </a:pPr>
+            <a:r>
+              <a:rPr lang="en-US" sz="2000" dirty="0">
+                <a:solidFill>
+                  <a:srgbClr val="000000"/>
+                </a:solidFill>
+              </a:rPr>
+              <a:t>Unfortunately, bad results in elastic case</a:t>
+            </a:r>
+          </a:p>
+          <a:p>
+            <a:pPr marL="342900" indent="-342900">
+              <a:buClr>
+                <a:schemeClr val="tx1"/>
+              </a:buClr>
+              <a:buFont typeface="Wingdings" panose="05000000000000000000" pitchFamily="2" charset="2"/>
+              <a:buChar char="§"/>
+            </a:pPr>
+            <a:endParaRPr lang="en-US" sz="2000" dirty="0">
+              <a:solidFill>
+                <a:srgbClr val="000000"/>
+              </a:solidFill>
+            </a:endParaRPr>
+          </a:p>
+          <a:p>
+            <a:pPr marL="342900" indent="-342900">
+              <a:buClr>
+                <a:schemeClr val="tx1"/>
+              </a:buClr>
+              <a:buFont typeface="Arial" panose="020B0604020202020204" pitchFamily="34" charset="0"/>
+              <a:buChar char="•"/>
+            </a:pPr>
+            <a:r>
+              <a:rPr lang="en-US" sz="2000" dirty="0">
+                <a:solidFill>
+                  <a:srgbClr val="000000"/>
+                </a:solidFill>
+              </a:rPr>
+              <a:t>Elastic LNN seems to improve as network complexity increase</a:t>
+            </a:r>
+          </a:p>
+          <a:p>
+            <a:pPr marL="800100" lvl="1" indent="-342900">
+              <a:buClr>
+                <a:schemeClr val="tx1"/>
+              </a:buClr>
+              <a:buFont typeface="Wingdings" panose="05000000000000000000" pitchFamily="2" charset="2"/>
+              <a:buChar char="§"/>
+            </a:pPr>
+            <a:r>
+              <a:rPr lang="en-US" sz="2000" dirty="0">
+                <a:solidFill>
+                  <a:srgbClr val="000000"/>
+                </a:solidFill>
+              </a:rPr>
+              <a:t>More wide/deep network and more initial conditions</a:t>
+            </a:r>
+          </a:p>
+          <a:p>
+            <a:pPr marL="800100" lvl="1" indent="-342900">
+              <a:buClr>
+                <a:schemeClr val="tx1"/>
+              </a:buClr>
+              <a:buFont typeface="Wingdings" panose="05000000000000000000" pitchFamily="2" charset="2"/>
+              <a:buChar char="§"/>
+            </a:pPr>
+            <a:r>
+              <a:rPr lang="en-US" sz="2000" dirty="0">
+                <a:solidFill>
+                  <a:srgbClr val="000000"/>
+                </a:solidFill>
+              </a:rPr>
+              <a:t>High computational resources needed</a:t>
+            </a:r>
+          </a:p>
+          <a:p>
+            <a:pPr marL="342900" indent="-342900">
+              <a:buClr>
+                <a:schemeClr val="tx1"/>
+              </a:buClr>
+              <a:buFont typeface="Wingdings" panose="05000000000000000000" pitchFamily="2" charset="2"/>
+              <a:buChar char="§"/>
+            </a:pPr>
+            <a:endParaRPr lang="en-US" sz="2000" dirty="0">
+              <a:solidFill>
+                <a:srgbClr val="000000"/>
+              </a:solidFill>
+            </a:endParaRPr>
+          </a:p>
+          <a:p>
+            <a:pPr marL="342900" indent="-342900">
+              <a:buClr>
+                <a:schemeClr val="tx1"/>
+              </a:buClr>
+              <a:buFont typeface="Arial" panose="020B0604020202020204" pitchFamily="34" charset="0"/>
+              <a:buChar char="•"/>
+            </a:pPr>
+            <a:r>
+              <a:rPr lang="en-US" sz="2000" dirty="0">
+                <a:solidFill>
+                  <a:srgbClr val="000000"/>
+                </a:solidFill>
+              </a:rPr>
+              <a:t>Paper LNN approach works on unitary configurations</a:t>
+            </a:r>
+          </a:p>
+          <a:p>
+            <a:pPr marL="800100" lvl="1" indent="-342900">
+              <a:buClr>
+                <a:schemeClr val="tx1"/>
+              </a:buClr>
+              <a:buFont typeface="Wingdings" panose="05000000000000000000" pitchFamily="2" charset="2"/>
+              <a:buChar char="§"/>
+            </a:pPr>
+            <a:r>
+              <a:rPr lang="en-US" sz="2000" dirty="0">
+                <a:solidFill>
+                  <a:srgbClr val="000000"/>
+                </a:solidFill>
+              </a:rPr>
+              <a:t>We reject this in preference to real robot parameters</a:t>
+            </a:r>
+          </a:p>
+        </p:txBody>
+      </p:sp>
+    </p:spTree>
+    <p:extLst>
+      <p:ext uri="{BB962C8B-B14F-4D97-AF65-F5344CB8AC3E}">
+        <p14:creationId xmlns:p14="http://schemas.microsoft.com/office/powerpoint/2010/main" val="2526682908"/>
+      </p:ext>
+    </p:extLst>
+  </p:cSld>
+  <p:clrMapOvr>
+    <a:masterClrMapping/>
+  </p:clrMapOvr>
+</p:sld>
+</file>
+
+<file path=ppt/slides/slide31.xml><?xml version="1.0" encoding="utf-8"?>
+<p:sld xmlns:a="http://schemas.openxmlformats.org/drawingml/2006/main" xmlns:r="http://schemas.openxmlformats.org/officeDocument/2006/relationships" xmlns:p="http://schemas.openxmlformats.org/presentationml/2006/main">
+  <p:cSld>
+    <p:spTree>
+      <p:nvGrpSpPr>
+        <p:cNvPr id="1" name=""/>
+        <p:cNvGrpSpPr/>
+        <p:nvPr/>
+      </p:nvGrpSpPr>
+      <p:grpSpPr>
+        <a:xfrm>
+          <a:off x="0" y="0"/>
+          <a:ext cx="0" cy="0"/>
+          <a:chOff x="0" y="0"/>
+          <a:chExt cx="0" cy="0"/>
+        </a:xfrm>
+      </p:grpSpPr>
+      <p:sp>
+        <p:nvSpPr>
+          <p:cNvPr id="2" name="Titolo 1">
+            <a:extLst>
+              <a:ext uri="{FF2B5EF4-FFF2-40B4-BE49-F238E27FC236}">
+                <a16:creationId xmlns:a16="http://schemas.microsoft.com/office/drawing/2014/main" id="{AFEFEAD0-5246-726C-3122-EF9AE58FAC80}"/>
+              </a:ext>
+            </a:extLst>
+          </p:cNvPr>
+          <p:cNvSpPr txBox="1">
+            <a:spLocks noChangeArrowheads="1"/>
+          </p:cNvSpPr>
+          <p:nvPr/>
+        </p:nvSpPr>
+        <p:spPr bwMode="auto">
+          <a:xfrm>
+            <a:off x="1709688" y="2996952"/>
+            <a:ext cx="5724624" cy="482108"/>
+          </a:xfrm>
+          <a:prstGeom prst="rect">
+            <a:avLst/>
+          </a:prstGeom>
+          <a:ln w="9525" cap="flat" cmpd="sng" algn="ctr">
+            <a:solidFill>
+              <a:schemeClr val="dk1"/>
+            </a:solidFill>
+            <a:prstDash val="solid"/>
+            <a:round/>
+            <a:headEnd type="none" w="med" len="med"/>
+            <a:tailEnd type="none" w="med" len="med"/>
+          </a:ln>
+          <a:extLst>
+            <a:ext uri="{909E8E84-426E-40DD-AFC4-6F175D3DCCD1}">
+              <a14:hiddenFill xmlns:a14="http://schemas.microsoft.com/office/drawing/2010/main">
+                <a:solidFill>
+                  <a:schemeClr val="accent1"/>
+                </a:solidFill>
+              </a14:hiddenFill>
+            </a:ext>
+          </a:extLst>
+        </p:spPr>
+        <p:style>
+          <a:lnRef idx="0">
+            <a:scrgbClr r="0" g="0" b="0"/>
+          </a:lnRef>
+          <a:fillRef idx="0">
+            <a:scrgbClr r="0" g="0" b="0"/>
+          </a:fillRef>
+          <a:effectRef idx="0">
+            <a:scrgbClr r="0" g="0" b="0"/>
+          </a:effectRef>
+          <a:fontRef idx="minor">
+            <a:schemeClr val="dk1"/>
+          </a:fontRef>
+        </p:style>
+        <p:txBody>
+          <a:bodyPr vert="horz" wrap="square" lIns="91440" tIns="45720" rIns="91440" bIns="45720" numCol="1" anchor="ctr" anchorCtr="0" compatLnSpc="1">
+            <a:prstTxWarp prst="textNoShape">
+              <a:avLst/>
+            </a:prstTxWarp>
+          </a:bodyPr>
+          <a:lstStyle>
+            <a:lvl1pPr algn="l" rtl="0" eaLnBrk="0" fontAlgn="base" hangingPunct="0">
+              <a:spcBef>
+                <a:spcPct val="0"/>
+              </a:spcBef>
+              <a:spcAft>
+                <a:spcPct val="0"/>
+              </a:spcAft>
+              <a:defRPr sz="2400" b="1">
+                <a:solidFill>
+                  <a:schemeClr val="dk1"/>
+                </a:solidFill>
+                <a:latin typeface="+mn-lt"/>
+                <a:ea typeface="+mn-ea"/>
+                <a:cs typeface="+mn-cs"/>
+              </a:defRPr>
+            </a:lvl1pPr>
+            <a:lvl2pPr algn="l" rtl="0" eaLnBrk="0" fontAlgn="base" hangingPunct="0">
+              <a:spcBef>
+                <a:spcPct val="0"/>
+              </a:spcBef>
+              <a:spcAft>
+                <a:spcPct val="0"/>
+              </a:spcAft>
+              <a:defRPr sz="2400" b="1">
+                <a:solidFill>
+                  <a:schemeClr val="dk1"/>
+                </a:solidFill>
+                <a:latin typeface="+mn-lt"/>
+                <a:ea typeface="+mn-ea"/>
+                <a:cs typeface="+mn-cs"/>
+              </a:defRPr>
+            </a:lvl2pPr>
+            <a:lvl3pPr algn="l" rtl="0" eaLnBrk="0" fontAlgn="base" hangingPunct="0">
+              <a:spcBef>
+                <a:spcPct val="0"/>
+              </a:spcBef>
+              <a:spcAft>
+                <a:spcPct val="0"/>
+              </a:spcAft>
+              <a:defRPr sz="2400" b="1">
+                <a:solidFill>
+                  <a:schemeClr val="dk1"/>
+                </a:solidFill>
+                <a:latin typeface="+mn-lt"/>
+                <a:ea typeface="+mn-ea"/>
+                <a:cs typeface="+mn-cs"/>
+              </a:defRPr>
+            </a:lvl3pPr>
+            <a:lvl4pPr algn="l" rtl="0" eaLnBrk="0" fontAlgn="base" hangingPunct="0">
+              <a:spcBef>
+                <a:spcPct val="0"/>
+              </a:spcBef>
+              <a:spcAft>
+                <a:spcPct val="0"/>
+              </a:spcAft>
+              <a:defRPr sz="2400" b="1">
+                <a:solidFill>
+                  <a:schemeClr val="dk1"/>
+                </a:solidFill>
+                <a:latin typeface="+mn-lt"/>
+                <a:ea typeface="+mn-ea"/>
+                <a:cs typeface="+mn-cs"/>
+              </a:defRPr>
+            </a:lvl4pPr>
+            <a:lvl5pPr algn="l" rtl="0" eaLnBrk="0" fontAlgn="base" hangingPunct="0">
+              <a:spcBef>
+                <a:spcPct val="0"/>
+              </a:spcBef>
+              <a:spcAft>
+                <a:spcPct val="0"/>
+              </a:spcAft>
+              <a:defRPr sz="2400" b="1">
+                <a:solidFill>
+                  <a:schemeClr val="dk1"/>
+                </a:solidFill>
+                <a:latin typeface="+mn-lt"/>
+                <a:ea typeface="+mn-ea"/>
+                <a:cs typeface="+mn-cs"/>
+              </a:defRPr>
+            </a:lvl5pPr>
+            <a:lvl6pPr marL="457200" algn="l" rtl="0" eaLnBrk="1" fontAlgn="base" hangingPunct="1">
+              <a:spcBef>
+                <a:spcPct val="0"/>
+              </a:spcBef>
+              <a:spcAft>
+                <a:spcPct val="0"/>
+              </a:spcAft>
+              <a:defRPr sz="2400" b="1">
+                <a:solidFill>
+                  <a:schemeClr val="dk1"/>
+                </a:solidFill>
+                <a:latin typeface="+mn-lt"/>
+                <a:ea typeface="+mn-ea"/>
+                <a:cs typeface="+mn-cs"/>
+              </a:defRPr>
+            </a:lvl6pPr>
+            <a:lvl7pPr marL="914400" algn="l" rtl="0" eaLnBrk="1" fontAlgn="base" hangingPunct="1">
+              <a:spcBef>
+                <a:spcPct val="0"/>
+              </a:spcBef>
+              <a:spcAft>
+                <a:spcPct val="0"/>
+              </a:spcAft>
+              <a:defRPr sz="2400" b="1">
+                <a:solidFill>
+                  <a:schemeClr val="dk1"/>
+                </a:solidFill>
+                <a:latin typeface="+mn-lt"/>
+                <a:ea typeface="+mn-ea"/>
+                <a:cs typeface="+mn-cs"/>
+              </a:defRPr>
+            </a:lvl7pPr>
+            <a:lvl8pPr marL="1371600" algn="l" rtl="0" eaLnBrk="1" fontAlgn="base" hangingPunct="1">
+              <a:spcBef>
+                <a:spcPct val="0"/>
+              </a:spcBef>
+              <a:spcAft>
+                <a:spcPct val="0"/>
+              </a:spcAft>
+              <a:defRPr sz="2400" b="1">
+                <a:solidFill>
+                  <a:schemeClr val="dk1"/>
+                </a:solidFill>
+                <a:latin typeface="+mn-lt"/>
+                <a:ea typeface="+mn-ea"/>
+                <a:cs typeface="+mn-cs"/>
+              </a:defRPr>
+            </a:lvl8pPr>
+            <a:lvl9pPr marL="1828800" algn="l" rtl="0" eaLnBrk="1" fontAlgn="base" hangingPunct="1">
+              <a:spcBef>
+                <a:spcPct val="0"/>
+              </a:spcBef>
+              <a:spcAft>
+                <a:spcPct val="0"/>
+              </a:spcAft>
+              <a:defRPr sz="2400" b="1">
+                <a:solidFill>
+                  <a:schemeClr val="dk1"/>
+                </a:solidFill>
+                <a:latin typeface="+mn-lt"/>
+                <a:ea typeface="+mn-ea"/>
+                <a:cs typeface="+mn-cs"/>
+              </a:defRPr>
+            </a:lvl9pPr>
+          </a:lstStyle>
+          <a:p>
+            <a:pPr algn="ctr"/>
+            <a:r>
+              <a:rPr lang="it-IT" altLang="it-IT" kern="0" dirty="0">
+                <a:latin typeface="Calibri" panose="020F0502020204030204" pitchFamily="34" charset="0"/>
+                <a:ea typeface="ＭＳ Ｐゴシック" panose="020B0600070205080204" pitchFamily="34" charset="-128"/>
+              </a:rPr>
+              <a:t>THANK YOU FOR THE ATTENTION</a:t>
+            </a:r>
+          </a:p>
+        </p:txBody>
+      </p:sp>
+    </p:spTree>
+    <p:extLst>
+      <p:ext uri="{BB962C8B-B14F-4D97-AF65-F5344CB8AC3E}">
+        <p14:creationId xmlns:p14="http://schemas.microsoft.com/office/powerpoint/2010/main" val="3563108367"/>
       </p:ext>
     </p:extLst>
   </p:cSld>
@@ -25838,7 +29003,7 @@
             <p:spPr>
               <a:xfrm>
                 <a:off x="395536" y="3324726"/>
-                <a:ext cx="8312587" cy="1062983"/>
+                <a:ext cx="8312587" cy="1039323"/>
               </a:xfrm>
               <a:prstGeom prst="rect">
                 <a:avLst/>
@@ -25864,7 +29029,7 @@
                       <a:srgbClr val="000000"/>
                     </a:solidFill>
                   </a:rPr>
-                  <a:t>Scalar gain: </a:t>
+                  <a:t>Control gains: </a:t>
                 </a:r>
                 <a14:m>
                   <m:oMath xmlns:m="http://schemas.openxmlformats.org/officeDocument/2006/math">
@@ -25956,7 +29121,7 @@
                     </m:r>
                   </m:oMath>
                 </a14:m>
-                <a:endParaRPr lang="en-US" sz="2000" dirty="0">
+                <a:endParaRPr lang="it-IT" sz="2000" b="0" dirty="0">
                   <a:solidFill>
                     <a:srgbClr val="000000"/>
                   </a:solidFill>
@@ -26132,7 +29297,7 @@
             <p:spPr>
               <a:xfrm>
                 <a:off x="395536" y="3324726"/>
-                <a:ext cx="8312587" cy="1062983"/>
+                <a:ext cx="8312587" cy="1039323"/>
               </a:xfrm>
               <a:prstGeom prst="rect">
                 <a:avLst/>
@@ -26140,7 +29305,7 @@
               <a:blipFill>
                 <a:blip r:embed="rId3"/>
                 <a:stretch>
-                  <a:fillRect l="-660" t="-2857" b="-6857"/>
+                  <a:fillRect l="-660" t="-2924" b="-9357"/>
                 </a:stretch>
               </a:blipFill>
             </p:spPr>
